--- a/01 Classes/Aula 09 Desenvolvimento Web PHP - JS.pptx
+++ b/01 Classes/Aula 09 Desenvolvimento Web PHP - JS.pptx
@@ -5,18 +5,19 @@
     <p:sldMasterId id="2147483648" r:id="rId1"/>
   </p:sldMasterIdLst>
   <p:notesMasterIdLst>
-    <p:notesMasterId r:id="rId11"/>
+    <p:notesMasterId r:id="rId12"/>
   </p:notesMasterIdLst>
   <p:sldIdLst>
     <p:sldId id="256" r:id="rId2"/>
     <p:sldId id="291" r:id="rId3"/>
-    <p:sldId id="393" r:id="rId4"/>
-    <p:sldId id="397" r:id="rId5"/>
-    <p:sldId id="333" r:id="rId6"/>
-    <p:sldId id="323" r:id="rId7"/>
-    <p:sldId id="334" r:id="rId8"/>
-    <p:sldId id="337" r:id="rId9"/>
-    <p:sldId id="309" r:id="rId10"/>
+    <p:sldId id="394" r:id="rId4"/>
+    <p:sldId id="395" r:id="rId5"/>
+    <p:sldId id="393" r:id="rId6"/>
+    <p:sldId id="333" r:id="rId7"/>
+    <p:sldId id="323" r:id="rId8"/>
+    <p:sldId id="334" r:id="rId9"/>
+    <p:sldId id="337" r:id="rId10"/>
+    <p:sldId id="309" r:id="rId11"/>
   </p:sldIdLst>
   <p:sldSz cx="9144000" cy="5143500" type="screen16x9"/>
   <p:notesSz cx="6858000" cy="9144000"/>
@@ -558,7 +559,7 @@
     </p:spTree>
     <p:extLst>
       <p:ext uri="{BB962C8B-B14F-4D97-AF65-F5344CB8AC3E}">
-        <p14:creationId xmlns:p14="http://schemas.microsoft.com/office/powerpoint/2010/main" val="2729863764"/>
+        <p14:creationId xmlns:p14="http://schemas.microsoft.com/office/powerpoint/2010/main" val="782496172"/>
       </p:ext>
     </p:extLst>
   </p:cSld>
@@ -624,7 +625,7 @@
     </p:spTree>
     <p:extLst>
       <p:ext uri="{BB962C8B-B14F-4D97-AF65-F5344CB8AC3E}">
-        <p14:creationId xmlns:p14="http://schemas.microsoft.com/office/powerpoint/2010/main" val="3135278533"/>
+        <p14:creationId xmlns:p14="http://schemas.microsoft.com/office/powerpoint/2010/main" val="1591698349"/>
       </p:ext>
     </p:extLst>
   </p:cSld>
@@ -690,7 +691,7 @@
     </p:spTree>
     <p:extLst>
       <p:ext uri="{BB962C8B-B14F-4D97-AF65-F5344CB8AC3E}">
-        <p14:creationId xmlns:p14="http://schemas.microsoft.com/office/powerpoint/2010/main" val="585304384"/>
+        <p14:creationId xmlns:p14="http://schemas.microsoft.com/office/powerpoint/2010/main" val="2729863764"/>
       </p:ext>
     </p:extLst>
   </p:cSld>
@@ -756,7 +757,7 @@
     </p:spTree>
     <p:extLst>
       <p:ext uri="{BB962C8B-B14F-4D97-AF65-F5344CB8AC3E}">
-        <p14:creationId xmlns:p14="http://schemas.microsoft.com/office/powerpoint/2010/main" val="2709569597"/>
+        <p14:creationId xmlns:p14="http://schemas.microsoft.com/office/powerpoint/2010/main" val="585304384"/>
       </p:ext>
     </p:extLst>
   </p:cSld>
@@ -822,6 +823,72 @@
     </p:spTree>
     <p:extLst>
       <p:ext uri="{BB962C8B-B14F-4D97-AF65-F5344CB8AC3E}">
+        <p14:creationId xmlns:p14="http://schemas.microsoft.com/office/powerpoint/2010/main" val="2709569597"/>
+      </p:ext>
+    </p:extLst>
+  </p:cSld>
+  <p:clrMapOvr>
+    <a:masterClrMapping/>
+  </p:clrMapOvr>
+</p:notes>
+</file>
+
+<file path=ppt/notesSlides/notesSlide6.xml><?xml version="1.0" encoding="utf-8"?>
+<p:notes xmlns:a="http://schemas.openxmlformats.org/drawingml/2006/main" xmlns:r="http://schemas.openxmlformats.org/officeDocument/2006/relationships" xmlns:p="http://schemas.openxmlformats.org/presentationml/2006/main">
+  <p:cSld>
+    <p:spTree>
+      <p:nvGrpSpPr>
+        <p:cNvPr id="1" name=""/>
+        <p:cNvGrpSpPr/>
+        <p:nvPr/>
+      </p:nvGrpSpPr>
+      <p:grpSpPr>
+        <a:xfrm>
+          <a:off x="0" y="0"/>
+          <a:ext cx="0" cy="0"/>
+          <a:chOff x="0" y="0"/>
+          <a:chExt cx="0" cy="0"/>
+        </a:xfrm>
+      </p:grpSpPr>
+      <p:sp>
+        <p:nvSpPr>
+          <p:cNvPr id="2" name="Espaço Reservado para Imagem de Slide 1"/>
+          <p:cNvSpPr>
+            <a:spLocks noGrp="1" noRot="1" noChangeAspect="1"/>
+          </p:cNvSpPr>
+          <p:nvPr>
+            <p:ph type="sldImg"/>
+          </p:nvPr>
+        </p:nvSpPr>
+        <p:spPr>
+          <a:xfrm>
+            <a:off x="381000" y="685800"/>
+            <a:ext cx="6096000" cy="3429000"/>
+          </a:xfrm>
+        </p:spPr>
+      </p:sp>
+      <p:sp>
+        <p:nvSpPr>
+          <p:cNvPr id="3" name="Espaço Reservado para Anotações 2"/>
+          <p:cNvSpPr>
+            <a:spLocks noGrp="1"/>
+          </p:cNvSpPr>
+          <p:nvPr>
+            <p:ph type="body" idx="1"/>
+          </p:nvPr>
+        </p:nvSpPr>
+        <p:spPr/>
+        <p:txBody>
+          <a:bodyPr/>
+          <a:lstStyle/>
+          <a:p>
+            <a:endParaRPr lang="pt-BR" dirty="0"/>
+          </a:p>
+        </p:txBody>
+      </p:sp>
+    </p:spTree>
+    <p:extLst>
+      <p:ext uri="{BB962C8B-B14F-4D97-AF65-F5344CB8AC3E}">
         <p14:creationId xmlns:p14="http://schemas.microsoft.com/office/powerpoint/2010/main" val="2296249050"/>
       </p:ext>
     </p:extLst>
@@ -832,7 +899,7 @@
 </p:notes>
 </file>
 
-<file path=ppt/notesSlides/notesSlide6.xml><?xml version="1.0" encoding="utf-8"?>
+<file path=ppt/notesSlides/notesSlide7.xml><?xml version="1.0" encoding="utf-8"?>
 <p:notes xmlns:a="http://schemas.openxmlformats.org/drawingml/2006/main" xmlns:r="http://schemas.openxmlformats.org/officeDocument/2006/relationships" xmlns:p="http://schemas.openxmlformats.org/presentationml/2006/main">
   <p:cSld>
     <p:spTree>
@@ -3679,6 +3746,472 @@
 </p:sld>
 </file>
 
+<file path=ppt/slides/slide10.xml><?xml version="1.0" encoding="utf-8"?>
+<p:sld xmlns:a="http://schemas.openxmlformats.org/drawingml/2006/main" xmlns:r="http://schemas.openxmlformats.org/officeDocument/2006/relationships" xmlns:p="http://schemas.openxmlformats.org/presentationml/2006/main">
+  <p:cSld>
+    <p:spTree>
+      <p:nvGrpSpPr>
+        <p:cNvPr id="1" name=""/>
+        <p:cNvGrpSpPr/>
+        <p:nvPr/>
+      </p:nvGrpSpPr>
+      <p:grpSpPr>
+        <a:xfrm>
+          <a:off x="0" y="0"/>
+          <a:ext cx="0" cy="0"/>
+          <a:chOff x="0" y="0"/>
+          <a:chExt cx="0" cy="0"/>
+        </a:xfrm>
+      </p:grpSpPr>
+      <p:pic>
+        <p:nvPicPr>
+          <p:cNvPr id="112" name="Picture 6" descr="Picture 6"/>
+          <p:cNvPicPr>
+            <a:picLocks noChangeAspect="1"/>
+          </p:cNvPicPr>
+          <p:nvPr/>
+        </p:nvPicPr>
+        <p:blipFill>
+          <a:blip r:embed="rId2"/>
+          <a:stretch>
+            <a:fillRect/>
+          </a:stretch>
+        </p:blipFill>
+        <p:spPr>
+          <a:xfrm>
+            <a:off x="0" y="0"/>
+            <a:ext cx="9144000" cy="5143500"/>
+          </a:xfrm>
+          <a:prstGeom prst="rect">
+            <a:avLst/>
+          </a:prstGeom>
+          <a:ln w="12700">
+            <a:miter lim="400000"/>
+            <a:headEnd/>
+            <a:tailEnd/>
+          </a:ln>
+        </p:spPr>
+      </p:pic>
+      <p:pic>
+        <p:nvPicPr>
+          <p:cNvPr id="114" name="Picture 5" descr="Picture 5"/>
+          <p:cNvPicPr>
+            <a:picLocks noChangeAspect="1"/>
+          </p:cNvPicPr>
+          <p:nvPr/>
+        </p:nvPicPr>
+        <p:blipFill>
+          <a:blip r:embed="rId3"/>
+          <a:stretch>
+            <a:fillRect/>
+          </a:stretch>
+        </p:blipFill>
+        <p:spPr>
+          <a:xfrm>
+            <a:off x="469900" y="0"/>
+            <a:ext cx="4391984" cy="171450"/>
+          </a:xfrm>
+          <a:prstGeom prst="rect">
+            <a:avLst/>
+          </a:prstGeom>
+          <a:ln w="12700">
+            <a:miter lim="400000"/>
+            <a:headEnd/>
+            <a:tailEnd/>
+          </a:ln>
+        </p:spPr>
+      </p:pic>
+      <p:pic>
+        <p:nvPicPr>
+          <p:cNvPr id="115" name="Imagem" descr="Imagem"/>
+          <p:cNvPicPr>
+            <a:picLocks noChangeAspect="1"/>
+          </p:cNvPicPr>
+          <p:nvPr/>
+        </p:nvPicPr>
+        <p:blipFill>
+          <a:blip r:embed="rId4"/>
+          <a:stretch>
+            <a:fillRect/>
+          </a:stretch>
+        </p:blipFill>
+        <p:spPr>
+          <a:xfrm>
+            <a:off x="823046" y="300823"/>
+            <a:ext cx="3685692" cy="1189055"/>
+          </a:xfrm>
+          <a:prstGeom prst="rect">
+            <a:avLst/>
+          </a:prstGeom>
+          <a:ln w="12700">
+            <a:miter lim="400000"/>
+            <a:headEnd/>
+            <a:tailEnd/>
+          </a:ln>
+        </p:spPr>
+      </p:pic>
+      <p:sp>
+        <p:nvSpPr>
+          <p:cNvPr id="3" name="Título 2"/>
+          <p:cNvSpPr>
+            <a:spLocks noGrp="1"/>
+          </p:cNvSpPr>
+          <p:nvPr>
+            <p:ph type="title"/>
+          </p:nvPr>
+        </p:nvSpPr>
+        <p:spPr>
+          <a:xfrm>
+            <a:off x="285751" y="2386770"/>
+            <a:ext cx="8615364" cy="1102519"/>
+          </a:xfrm>
+        </p:spPr>
+        <p:txBody>
+          <a:bodyPr>
+            <a:noAutofit/>
+          </a:bodyPr>
+          <a:lstStyle/>
+          <a:p>
+            <a:r>
+              <a:rPr lang="pt-BR" sz="4800" b="1" dirty="0">
+                <a:solidFill>
+                  <a:schemeClr val="bg1"/>
+                </a:solidFill>
+              </a:rPr>
+              <a:t>Desenvolvimento Web </a:t>
+            </a:r>
+            <a:br>
+              <a:rPr lang="pt-BR" sz="4800" b="1" dirty="0">
+                <a:solidFill>
+                  <a:schemeClr val="bg1"/>
+                </a:solidFill>
+              </a:rPr>
+            </a:br>
+            <a:r>
+              <a:rPr lang="pt-BR" sz="4800" b="1" dirty="0">
+                <a:solidFill>
+                  <a:schemeClr val="bg1"/>
+                </a:solidFill>
+              </a:rPr>
+              <a:t>JS</a:t>
+            </a:r>
+          </a:p>
+        </p:txBody>
+      </p:sp>
+      <p:sp>
+        <p:nvSpPr>
+          <p:cNvPr id="6" name="Título 2"/>
+          <p:cNvSpPr txBox="1"/>
+          <p:nvPr/>
+        </p:nvSpPr>
+        <p:spPr>
+          <a:xfrm>
+            <a:off x="975683" y="3866663"/>
+            <a:ext cx="7772400" cy="1102519"/>
+          </a:xfrm>
+          <a:prstGeom prst="rect">
+            <a:avLst/>
+          </a:prstGeom>
+          <a:ln w="12700">
+            <a:miter lim="400000"/>
+          </a:ln>
+        </p:spPr>
+        <p:txBody>
+          <a:bodyPr lIns="45718" tIns="45718" rIns="45718" bIns="45718" anchor="ctr">
+            <a:noAutofit/>
+          </a:bodyPr>
+          <a:lstStyle>
+            <a:lvl1pPr marL="0" marR="0" indent="0" algn="ctr" defTabSz="457200" rtl="0" latinLnBrk="0">
+              <a:lnSpc>
+                <a:spcPct val="100000"/>
+              </a:lnSpc>
+              <a:spcBef>
+                <a:spcPts val="0"/>
+              </a:spcBef>
+              <a:spcAft>
+                <a:spcPts val="0"/>
+              </a:spcAft>
+              <a:buClrTx/>
+              <a:buSzTx/>
+              <a:buFontTx/>
+              <a:buNone/>
+              <a:defRPr sz="4400" b="0" i="0" u="none" strike="noStrike" cap="none" spc="0" baseline="0">
+                <a:ln>
+                  <a:noFill/>
+                </a:ln>
+                <a:solidFill>
+                  <a:srgbClr val="000000"/>
+                </a:solidFill>
+                <a:uFillTx/>
+                <a:latin typeface="+mj-lt"/>
+                <a:ea typeface="+mj-ea"/>
+                <a:cs typeface="+mj-cs"/>
+                <a:sym typeface="Calibri"/>
+              </a:defRPr>
+            </a:lvl1pPr>
+            <a:lvl2pPr marL="0" marR="0" indent="0" algn="ctr" defTabSz="457200" rtl="0" latinLnBrk="0">
+              <a:lnSpc>
+                <a:spcPct val="100000"/>
+              </a:lnSpc>
+              <a:spcBef>
+                <a:spcPts val="0"/>
+              </a:spcBef>
+              <a:spcAft>
+                <a:spcPts val="0"/>
+              </a:spcAft>
+              <a:buClrTx/>
+              <a:buSzTx/>
+              <a:buFontTx/>
+              <a:buNone/>
+              <a:defRPr sz="4400" b="0" i="0" u="none" strike="noStrike" cap="none" spc="0" baseline="0">
+                <a:ln>
+                  <a:noFill/>
+                </a:ln>
+                <a:solidFill>
+                  <a:srgbClr val="000000"/>
+                </a:solidFill>
+                <a:uFillTx/>
+                <a:latin typeface="+mj-lt"/>
+                <a:ea typeface="+mj-ea"/>
+                <a:cs typeface="+mj-cs"/>
+                <a:sym typeface="Calibri"/>
+              </a:defRPr>
+            </a:lvl2pPr>
+            <a:lvl3pPr marL="0" marR="0" indent="0" algn="ctr" defTabSz="457200" rtl="0" latinLnBrk="0">
+              <a:lnSpc>
+                <a:spcPct val="100000"/>
+              </a:lnSpc>
+              <a:spcBef>
+                <a:spcPts val="0"/>
+              </a:spcBef>
+              <a:spcAft>
+                <a:spcPts val="0"/>
+              </a:spcAft>
+              <a:buClrTx/>
+              <a:buSzTx/>
+              <a:buFontTx/>
+              <a:buNone/>
+              <a:defRPr sz="4400" b="0" i="0" u="none" strike="noStrike" cap="none" spc="0" baseline="0">
+                <a:ln>
+                  <a:noFill/>
+                </a:ln>
+                <a:solidFill>
+                  <a:srgbClr val="000000"/>
+                </a:solidFill>
+                <a:uFillTx/>
+                <a:latin typeface="+mj-lt"/>
+                <a:ea typeface="+mj-ea"/>
+                <a:cs typeface="+mj-cs"/>
+                <a:sym typeface="Calibri"/>
+              </a:defRPr>
+            </a:lvl3pPr>
+            <a:lvl4pPr marL="0" marR="0" indent="0" algn="ctr" defTabSz="457200" rtl="0" latinLnBrk="0">
+              <a:lnSpc>
+                <a:spcPct val="100000"/>
+              </a:lnSpc>
+              <a:spcBef>
+                <a:spcPts val="0"/>
+              </a:spcBef>
+              <a:spcAft>
+                <a:spcPts val="0"/>
+              </a:spcAft>
+              <a:buClrTx/>
+              <a:buSzTx/>
+              <a:buFontTx/>
+              <a:buNone/>
+              <a:defRPr sz="4400" b="0" i="0" u="none" strike="noStrike" cap="none" spc="0" baseline="0">
+                <a:ln>
+                  <a:noFill/>
+                </a:ln>
+                <a:solidFill>
+                  <a:srgbClr val="000000"/>
+                </a:solidFill>
+                <a:uFillTx/>
+                <a:latin typeface="+mj-lt"/>
+                <a:ea typeface="+mj-ea"/>
+                <a:cs typeface="+mj-cs"/>
+                <a:sym typeface="Calibri"/>
+              </a:defRPr>
+            </a:lvl4pPr>
+            <a:lvl5pPr marL="0" marR="0" indent="0" algn="ctr" defTabSz="457200" rtl="0" latinLnBrk="0">
+              <a:lnSpc>
+                <a:spcPct val="100000"/>
+              </a:lnSpc>
+              <a:spcBef>
+                <a:spcPts val="0"/>
+              </a:spcBef>
+              <a:spcAft>
+                <a:spcPts val="0"/>
+              </a:spcAft>
+              <a:buClrTx/>
+              <a:buSzTx/>
+              <a:buFontTx/>
+              <a:buNone/>
+              <a:defRPr sz="4400" b="0" i="0" u="none" strike="noStrike" cap="none" spc="0" baseline="0">
+                <a:ln>
+                  <a:noFill/>
+                </a:ln>
+                <a:solidFill>
+                  <a:srgbClr val="000000"/>
+                </a:solidFill>
+                <a:uFillTx/>
+                <a:latin typeface="+mj-lt"/>
+                <a:ea typeface="+mj-ea"/>
+                <a:cs typeface="+mj-cs"/>
+                <a:sym typeface="Calibri"/>
+              </a:defRPr>
+            </a:lvl5pPr>
+            <a:lvl6pPr marL="0" marR="0" indent="0" algn="ctr" defTabSz="457200" rtl="0" latinLnBrk="0">
+              <a:lnSpc>
+                <a:spcPct val="100000"/>
+              </a:lnSpc>
+              <a:spcBef>
+                <a:spcPts val="0"/>
+              </a:spcBef>
+              <a:spcAft>
+                <a:spcPts val="0"/>
+              </a:spcAft>
+              <a:buClrTx/>
+              <a:buSzTx/>
+              <a:buFontTx/>
+              <a:buNone/>
+              <a:defRPr sz="4400" b="0" i="0" u="none" strike="noStrike" cap="none" spc="0" baseline="0">
+                <a:ln>
+                  <a:noFill/>
+                </a:ln>
+                <a:solidFill>
+                  <a:srgbClr val="000000"/>
+                </a:solidFill>
+                <a:uFillTx/>
+                <a:latin typeface="+mj-lt"/>
+                <a:ea typeface="+mj-ea"/>
+                <a:cs typeface="+mj-cs"/>
+                <a:sym typeface="Calibri"/>
+              </a:defRPr>
+            </a:lvl6pPr>
+            <a:lvl7pPr marL="0" marR="0" indent="0" algn="ctr" defTabSz="457200" rtl="0" latinLnBrk="0">
+              <a:lnSpc>
+                <a:spcPct val="100000"/>
+              </a:lnSpc>
+              <a:spcBef>
+                <a:spcPts val="0"/>
+              </a:spcBef>
+              <a:spcAft>
+                <a:spcPts val="0"/>
+              </a:spcAft>
+              <a:buClrTx/>
+              <a:buSzTx/>
+              <a:buFontTx/>
+              <a:buNone/>
+              <a:defRPr sz="4400" b="0" i="0" u="none" strike="noStrike" cap="none" spc="0" baseline="0">
+                <a:ln>
+                  <a:noFill/>
+                </a:ln>
+                <a:solidFill>
+                  <a:srgbClr val="000000"/>
+                </a:solidFill>
+                <a:uFillTx/>
+                <a:latin typeface="+mj-lt"/>
+                <a:ea typeface="+mj-ea"/>
+                <a:cs typeface="+mj-cs"/>
+                <a:sym typeface="Calibri"/>
+              </a:defRPr>
+            </a:lvl7pPr>
+            <a:lvl8pPr marL="0" marR="0" indent="0" algn="ctr" defTabSz="457200" rtl="0" latinLnBrk="0">
+              <a:lnSpc>
+                <a:spcPct val="100000"/>
+              </a:lnSpc>
+              <a:spcBef>
+                <a:spcPts val="0"/>
+              </a:spcBef>
+              <a:spcAft>
+                <a:spcPts val="0"/>
+              </a:spcAft>
+              <a:buClrTx/>
+              <a:buSzTx/>
+              <a:buFontTx/>
+              <a:buNone/>
+              <a:defRPr sz="4400" b="0" i="0" u="none" strike="noStrike" cap="none" spc="0" baseline="0">
+                <a:ln>
+                  <a:noFill/>
+                </a:ln>
+                <a:solidFill>
+                  <a:srgbClr val="000000"/>
+                </a:solidFill>
+                <a:uFillTx/>
+                <a:latin typeface="+mj-lt"/>
+                <a:ea typeface="+mj-ea"/>
+                <a:cs typeface="+mj-cs"/>
+                <a:sym typeface="Calibri"/>
+              </a:defRPr>
+            </a:lvl8pPr>
+            <a:lvl9pPr marL="0" marR="0" indent="0" algn="ctr" defTabSz="457200" rtl="0" latinLnBrk="0">
+              <a:lnSpc>
+                <a:spcPct val="100000"/>
+              </a:lnSpc>
+              <a:spcBef>
+                <a:spcPts val="0"/>
+              </a:spcBef>
+              <a:spcAft>
+                <a:spcPts val="0"/>
+              </a:spcAft>
+              <a:buClrTx/>
+              <a:buSzTx/>
+              <a:buFontTx/>
+              <a:buNone/>
+              <a:defRPr sz="4400" b="0" i="0" u="none" strike="noStrike" cap="none" spc="0" baseline="0">
+                <a:ln>
+                  <a:noFill/>
+                </a:ln>
+                <a:solidFill>
+                  <a:srgbClr val="000000"/>
+                </a:solidFill>
+                <a:uFillTx/>
+                <a:latin typeface="+mj-lt"/>
+                <a:ea typeface="+mj-ea"/>
+                <a:cs typeface="+mj-cs"/>
+                <a:sym typeface="Calibri"/>
+              </a:defRPr>
+            </a:lvl9pPr>
+          </a:lstStyle>
+          <a:p>
+            <a:pPr algn="r" hangingPunct="1"/>
+            <a:r>
+              <a:rPr lang="pt-BR" sz="2000" b="1" dirty="0">
+                <a:solidFill>
+                  <a:schemeClr val="bg1"/>
+                </a:solidFill>
+              </a:rPr>
+              <a:t>Professor </a:t>
+            </a:r>
+            <a:r>
+              <a:rPr lang="pt-BR" sz="2000" b="1">
+                <a:solidFill>
+                  <a:schemeClr val="bg1"/>
+                </a:solidFill>
+              </a:rPr>
+              <a:t>M.Sc</a:t>
+            </a:r>
+            <a:r>
+              <a:rPr lang="pt-BR" sz="2000" b="1" dirty="0">
+                <a:solidFill>
+                  <a:schemeClr val="bg1"/>
+                </a:solidFill>
+              </a:rPr>
+              <a:t>. Heleno Cardoso</a:t>
+            </a:r>
+          </a:p>
+        </p:txBody>
+      </p:sp>
+    </p:spTree>
+  </p:cSld>
+  <p:clrMapOvr>
+    <a:masterClrMapping/>
+  </p:clrMapOvr>
+  <p:transition spd="med"/>
+</p:sld>
+</file>
+
 <file path=ppt/slides/slide2.xml><?xml version="1.0" encoding="utf-8"?>
 <p:sld xmlns:a="http://schemas.openxmlformats.org/drawingml/2006/main" xmlns:r="http://schemas.openxmlformats.org/officeDocument/2006/relationships" xmlns:p="http://schemas.openxmlformats.org/presentationml/2006/main">
   <p:cSld>
@@ -4196,7 +4729,23 @@
                   <a:srgbClr val="0070C0"/>
                 </a:solidFill>
               </a:rPr>
-              <a:t>JS</a:t>
+              <a:t>JS – </a:t>
+            </a:r>
+            <a:r>
+              <a:rPr lang="en-US" b="1" dirty="0" err="1">
+                <a:solidFill>
+                  <a:srgbClr val="0070C0"/>
+                </a:solidFill>
+              </a:rPr>
+              <a:t>Saída</a:t>
+            </a:r>
+            <a:r>
+              <a:rPr lang="en-US" b="1" dirty="0">
+                <a:solidFill>
+                  <a:srgbClr val="0070C0"/>
+                </a:solidFill>
+              </a:rPr>
+              <a:t> de Dados</a:t>
             </a:r>
           </a:p>
         </p:txBody>
@@ -4227,14 +4776,34 @@
               <a:buNone/>
             </a:pPr>
             <a:r>
-              <a:rPr lang="pt-BR" sz="2400" dirty="0">
+              <a:rPr lang="pt-BR" sz="2000" dirty="0">
                 <a:solidFill>
                   <a:schemeClr val="tx1"/>
                 </a:solidFill>
                 <a:latin typeface="Times New Roman" panose="02020603050405020304" pitchFamily="18" charset="0"/>
                 <a:cs typeface="Times New Roman" panose="02020603050405020304" pitchFamily="18" charset="0"/>
               </a:rPr>
-              <a:t>Tipos de Variáveis</a:t>
+              <a:t>1. </a:t>
+            </a:r>
+            <a:r>
+              <a:rPr lang="pt-BR" sz="2000" b="1" dirty="0" err="1">
+                <a:solidFill>
+                  <a:schemeClr val="tx1"/>
+                </a:solidFill>
+                <a:latin typeface="Times New Roman" panose="02020603050405020304" pitchFamily="18" charset="0"/>
+                <a:cs typeface="Times New Roman" panose="02020603050405020304" pitchFamily="18" charset="0"/>
+              </a:rPr>
+              <a:t>InnerHTML</a:t>
+            </a:r>
+            <a:r>
+              <a:rPr lang="pt-BR" sz="2000" dirty="0">
+                <a:solidFill>
+                  <a:schemeClr val="tx1"/>
+                </a:solidFill>
+                <a:latin typeface="Times New Roman" panose="02020603050405020304" pitchFamily="18" charset="0"/>
+                <a:cs typeface="Times New Roman" panose="02020603050405020304" pitchFamily="18" charset="0"/>
+              </a:rPr>
+              <a:t> (Interação com a página web):</a:t>
             </a:r>
           </a:p>
           <a:p>
@@ -4242,14 +4811,274 @@
               <a:buNone/>
             </a:pPr>
             <a:r>
-              <a:rPr lang="pt-BR" sz="2400" dirty="0">
+              <a:rPr lang="pt-BR" sz="2000" dirty="0">
                 <a:solidFill>
                   <a:schemeClr val="tx1"/>
                 </a:solidFill>
                 <a:latin typeface="Times New Roman" panose="02020603050405020304" pitchFamily="18" charset="0"/>
                 <a:cs typeface="Times New Roman" panose="02020603050405020304" pitchFamily="18" charset="0"/>
               </a:rPr>
-              <a:t>Estruturas: Condicional e Repetição</a:t>
+              <a:t>	</a:t>
+            </a:r>
+            <a:r>
+              <a:rPr lang="pt-BR" sz="2000" b="1" dirty="0" err="1">
+                <a:solidFill>
+                  <a:srgbClr val="FF0000"/>
+                </a:solidFill>
+                <a:latin typeface="Times New Roman" panose="02020603050405020304" pitchFamily="18" charset="0"/>
+                <a:cs typeface="Times New Roman" panose="02020603050405020304" pitchFamily="18" charset="0"/>
+              </a:rPr>
+              <a:t>document.getElementById</a:t>
+            </a:r>
+            <a:r>
+              <a:rPr lang="pt-BR" sz="2000" dirty="0">
+                <a:solidFill>
+                  <a:schemeClr val="tx1"/>
+                </a:solidFill>
+                <a:latin typeface="Times New Roman" panose="02020603050405020304" pitchFamily="18" charset="0"/>
+                <a:cs typeface="Times New Roman" panose="02020603050405020304" pitchFamily="18" charset="0"/>
+              </a:rPr>
+              <a:t>(‘id’).</a:t>
+            </a:r>
+            <a:r>
+              <a:rPr lang="pt-BR" sz="2000" dirty="0" err="1">
+                <a:solidFill>
+                  <a:schemeClr val="tx1"/>
+                </a:solidFill>
+                <a:latin typeface="Times New Roman" panose="02020603050405020304" pitchFamily="18" charset="0"/>
+                <a:cs typeface="Times New Roman" panose="02020603050405020304" pitchFamily="18" charset="0"/>
+              </a:rPr>
+              <a:t>InnerHTML</a:t>
+            </a:r>
+            <a:r>
+              <a:rPr lang="pt-BR" sz="2000" dirty="0">
+                <a:solidFill>
+                  <a:schemeClr val="tx1"/>
+                </a:solidFill>
+                <a:latin typeface="Times New Roman" panose="02020603050405020304" pitchFamily="18" charset="0"/>
+                <a:cs typeface="Times New Roman" panose="02020603050405020304" pitchFamily="18" charset="0"/>
+              </a:rPr>
+              <a:t> := ‘Texto &lt;b&gt;Alterado&lt;/b&gt;’;</a:t>
+            </a:r>
+          </a:p>
+          <a:p>
+            <a:pPr marL="0" indent="0" algn="just">
+              <a:buNone/>
+            </a:pPr>
+            <a:r>
+              <a:rPr lang="pt-BR" sz="2000" dirty="0">
+                <a:solidFill>
+                  <a:schemeClr val="tx1"/>
+                </a:solidFill>
+                <a:latin typeface="Times New Roman" panose="02020603050405020304" pitchFamily="18" charset="0"/>
+                <a:cs typeface="Times New Roman" panose="02020603050405020304" pitchFamily="18" charset="0"/>
+              </a:rPr>
+              <a:t>2. </a:t>
+            </a:r>
+            <a:r>
+              <a:rPr lang="pt-BR" sz="2000" b="1" dirty="0">
+                <a:solidFill>
+                  <a:schemeClr val="tx1"/>
+                </a:solidFill>
+                <a:latin typeface="Times New Roman" panose="02020603050405020304" pitchFamily="18" charset="0"/>
+                <a:cs typeface="Times New Roman" panose="02020603050405020304" pitchFamily="18" charset="0"/>
+              </a:rPr>
+              <a:t>Write</a:t>
+            </a:r>
+            <a:r>
+              <a:rPr lang="pt-BR" sz="2000" dirty="0">
+                <a:solidFill>
+                  <a:schemeClr val="tx1"/>
+                </a:solidFill>
+                <a:latin typeface="Times New Roman" panose="02020603050405020304" pitchFamily="18" charset="0"/>
+                <a:cs typeface="Times New Roman" panose="02020603050405020304" pitchFamily="18" charset="0"/>
+              </a:rPr>
+              <a:t> (Testes do JS):</a:t>
+            </a:r>
+          </a:p>
+          <a:p>
+            <a:pPr marL="0" indent="0" algn="just">
+              <a:buNone/>
+            </a:pPr>
+            <a:r>
+              <a:rPr lang="pt-BR" sz="2000" dirty="0">
+                <a:solidFill>
+                  <a:schemeClr val="tx1"/>
+                </a:solidFill>
+                <a:latin typeface="Times New Roman" panose="02020603050405020304" pitchFamily="18" charset="0"/>
+                <a:cs typeface="Times New Roman" panose="02020603050405020304" pitchFamily="18" charset="0"/>
+              </a:rPr>
+              <a:t>	</a:t>
+            </a:r>
+            <a:r>
+              <a:rPr lang="pt-BR" sz="2000" dirty="0" err="1">
+                <a:solidFill>
+                  <a:schemeClr val="tx1"/>
+                </a:solidFill>
+                <a:latin typeface="Times New Roman" panose="02020603050405020304" pitchFamily="18" charset="0"/>
+                <a:cs typeface="Times New Roman" panose="02020603050405020304" pitchFamily="18" charset="0"/>
+              </a:rPr>
+              <a:t>document.write</a:t>
+            </a:r>
+            <a:r>
+              <a:rPr lang="pt-BR" sz="2000" dirty="0">
+                <a:solidFill>
+                  <a:schemeClr val="tx1"/>
+                </a:solidFill>
+                <a:latin typeface="Times New Roman" panose="02020603050405020304" pitchFamily="18" charset="0"/>
+                <a:cs typeface="Times New Roman" panose="02020603050405020304" pitchFamily="18" charset="0"/>
+              </a:rPr>
+              <a:t>(10 + 20);</a:t>
+            </a:r>
+          </a:p>
+          <a:p>
+            <a:pPr marL="0" indent="0" algn="just">
+              <a:buNone/>
+            </a:pPr>
+            <a:r>
+              <a:rPr lang="pt-BR" sz="2000" dirty="0">
+                <a:solidFill>
+                  <a:schemeClr val="tx1"/>
+                </a:solidFill>
+                <a:latin typeface="Times New Roman" panose="02020603050405020304" pitchFamily="18" charset="0"/>
+                <a:cs typeface="Times New Roman" panose="02020603050405020304" pitchFamily="18" charset="0"/>
+              </a:rPr>
+              <a:t>3. </a:t>
+            </a:r>
+            <a:r>
+              <a:rPr lang="pt-BR" sz="2000" b="1" dirty="0">
+                <a:solidFill>
+                  <a:schemeClr val="tx1"/>
+                </a:solidFill>
+                <a:latin typeface="Times New Roman" panose="02020603050405020304" pitchFamily="18" charset="0"/>
+                <a:cs typeface="Times New Roman" panose="02020603050405020304" pitchFamily="18" charset="0"/>
+              </a:rPr>
+              <a:t>Console.log </a:t>
+            </a:r>
+            <a:r>
+              <a:rPr lang="pt-BR" sz="2000" dirty="0">
+                <a:solidFill>
+                  <a:schemeClr val="tx1"/>
+                </a:solidFill>
+                <a:latin typeface="Times New Roman" panose="02020603050405020304" pitchFamily="18" charset="0"/>
+                <a:cs typeface="Times New Roman" panose="02020603050405020304" pitchFamily="18" charset="0"/>
+              </a:rPr>
+              <a:t>(Teste JS no terminal do desenvolvedor):</a:t>
+            </a:r>
+          </a:p>
+          <a:p>
+            <a:pPr marL="0" indent="0" algn="just">
+              <a:buNone/>
+            </a:pPr>
+            <a:r>
+              <a:rPr lang="pt-BR" sz="2000" dirty="0">
+                <a:solidFill>
+                  <a:schemeClr val="tx1"/>
+                </a:solidFill>
+                <a:latin typeface="Times New Roman" panose="02020603050405020304" pitchFamily="18" charset="0"/>
+                <a:cs typeface="Times New Roman" panose="02020603050405020304" pitchFamily="18" charset="0"/>
+              </a:rPr>
+              <a:t>	</a:t>
+            </a:r>
+            <a:r>
+              <a:rPr lang="pt-BR" sz="2000" b="1" dirty="0">
+                <a:solidFill>
+                  <a:srgbClr val="FF0000"/>
+                </a:solidFill>
+                <a:latin typeface="Times New Roman" panose="02020603050405020304" pitchFamily="18" charset="0"/>
+                <a:cs typeface="Times New Roman" panose="02020603050405020304" pitchFamily="18" charset="0"/>
+              </a:rPr>
+              <a:t>console.log</a:t>
+            </a:r>
+            <a:r>
+              <a:rPr lang="pt-BR" sz="2000" dirty="0">
+                <a:solidFill>
+                  <a:schemeClr val="tx1"/>
+                </a:solidFill>
+                <a:latin typeface="Times New Roman" panose="02020603050405020304" pitchFamily="18" charset="0"/>
+                <a:cs typeface="Times New Roman" panose="02020603050405020304" pitchFamily="18" charset="0"/>
+              </a:rPr>
+              <a:t>(‘imprimindo no console do desenvolvedor);</a:t>
+            </a:r>
+          </a:p>
+          <a:p>
+            <a:pPr marL="0" indent="0" algn="just">
+              <a:buNone/>
+            </a:pPr>
+            <a:r>
+              <a:rPr lang="pt-BR" sz="2000" dirty="0">
+                <a:solidFill>
+                  <a:schemeClr val="tx1"/>
+                </a:solidFill>
+                <a:latin typeface="Times New Roman" panose="02020603050405020304" pitchFamily="18" charset="0"/>
+                <a:cs typeface="Times New Roman" panose="02020603050405020304" pitchFamily="18" charset="0"/>
+              </a:rPr>
+              <a:t>4. </a:t>
+            </a:r>
+            <a:r>
+              <a:rPr lang="pt-BR" sz="2000" b="1" dirty="0" err="1">
+                <a:solidFill>
+                  <a:schemeClr val="tx1"/>
+                </a:solidFill>
+                <a:latin typeface="Times New Roman" panose="02020603050405020304" pitchFamily="18" charset="0"/>
+                <a:cs typeface="Times New Roman" panose="02020603050405020304" pitchFamily="18" charset="0"/>
+              </a:rPr>
+              <a:t>Alert</a:t>
+            </a:r>
+            <a:r>
+              <a:rPr lang="pt-BR" sz="2000" dirty="0">
+                <a:solidFill>
+                  <a:schemeClr val="tx1"/>
+                </a:solidFill>
+                <a:latin typeface="Times New Roman" panose="02020603050405020304" pitchFamily="18" charset="0"/>
+                <a:cs typeface="Times New Roman" panose="02020603050405020304" pitchFamily="18" charset="0"/>
+              </a:rPr>
+              <a:t> (Alerta na tela</a:t>
+            </a:r>
+            <a:r>
+              <a:rPr lang="pt-BR" sz="2000" u="sng" dirty="0">
+                <a:solidFill>
+                  <a:schemeClr val="tx1"/>
+                </a:solidFill>
+                <a:latin typeface="Times New Roman" panose="02020603050405020304" pitchFamily="18" charset="0"/>
+                <a:cs typeface="Times New Roman" panose="02020603050405020304" pitchFamily="18" charset="0"/>
+              </a:rPr>
+              <a:t>):</a:t>
+            </a:r>
+          </a:p>
+          <a:p>
+            <a:pPr marL="0" indent="0" algn="just">
+              <a:buNone/>
+            </a:pPr>
+            <a:r>
+              <a:rPr lang="pt-BR" sz="2000" dirty="0">
+                <a:solidFill>
+                  <a:schemeClr val="tx1"/>
+                </a:solidFill>
+                <a:latin typeface="Times New Roman" panose="02020603050405020304" pitchFamily="18" charset="0"/>
+                <a:cs typeface="Times New Roman" panose="02020603050405020304" pitchFamily="18" charset="0"/>
+              </a:rPr>
+              <a:t>	</a:t>
+            </a:r>
+            <a:r>
+              <a:rPr lang="pt-BR" sz="2000" b="1" dirty="0" err="1">
+                <a:solidFill>
+                  <a:srgbClr val="FF0000"/>
+                </a:solidFill>
+                <a:latin typeface="Times New Roman" panose="02020603050405020304" pitchFamily="18" charset="0"/>
+                <a:cs typeface="Times New Roman" panose="02020603050405020304" pitchFamily="18" charset="0"/>
+              </a:rPr>
+              <a:t>alert</a:t>
+            </a:r>
+            <a:r>
+              <a:rPr lang="pt-BR" sz="2000" dirty="0">
+                <a:solidFill>
+                  <a:schemeClr val="tx1"/>
+                </a:solidFill>
+                <a:latin typeface="Times New Roman" panose="02020603050405020304" pitchFamily="18" charset="0"/>
+                <a:cs typeface="Times New Roman" panose="02020603050405020304" pitchFamily="18" charset="0"/>
+              </a:rPr>
+              <a:t>( 8 * 7 / 2);</a:t>
             </a:r>
           </a:p>
         </p:txBody>
@@ -4257,7 +5086,7 @@
     </p:spTree>
     <p:extLst>
       <p:ext uri="{BB962C8B-B14F-4D97-AF65-F5344CB8AC3E}">
-        <p14:creationId xmlns:p14="http://schemas.microsoft.com/office/powerpoint/2010/main" val="1928729007"/>
+        <p14:creationId xmlns:p14="http://schemas.microsoft.com/office/powerpoint/2010/main" val="3754986054"/>
       </p:ext>
     </p:extLst>
   </p:cSld>
@@ -4313,8 +5142,21 @@
                   <a:srgbClr val="0070C0"/>
                 </a:solidFill>
               </a:rPr>
-              <a:t>JS</a:t>
-            </a:r>
+              <a:t>JS – </a:t>
+            </a:r>
+            <a:r>
+              <a:rPr lang="en-US" b="1" dirty="0" err="1">
+                <a:solidFill>
+                  <a:srgbClr val="0070C0"/>
+                </a:solidFill>
+              </a:rPr>
+              <a:t>Variáveis</a:t>
+            </a:r>
+            <a:endParaRPr lang="en-US" b="1" dirty="0">
+              <a:solidFill>
+                <a:srgbClr val="0070C0"/>
+              </a:solidFill>
+            </a:endParaRPr>
           </a:p>
         </p:txBody>
       </p:sp>
@@ -4346,13 +5188,28 @@
             <a:r>
               <a:rPr lang="pt-BR" sz="2400" b="1" dirty="0">
                 <a:solidFill>
+                  <a:srgbClr val="FF0000"/>
+                </a:solidFill>
+                <a:latin typeface="Times New Roman" panose="02020603050405020304" pitchFamily="18" charset="0"/>
+                <a:cs typeface="Times New Roman" panose="02020603050405020304" pitchFamily="18" charset="0"/>
+              </a:rPr>
+              <a:t>Atenção</a:t>
+            </a:r>
+            <a:r>
+              <a:rPr lang="pt-BR" sz="2400" dirty="0">
+                <a:solidFill>
                   <a:schemeClr val="tx1"/>
                 </a:solidFill>
                 <a:latin typeface="Times New Roman" panose="02020603050405020304" pitchFamily="18" charset="0"/>
                 <a:cs typeface="Times New Roman" panose="02020603050405020304" pitchFamily="18" charset="0"/>
               </a:rPr>
-              <a:t>Exemplo de código</a:t>
-            </a:r>
+              <a:t>: Seguir a regra de nomenclatura de variáveis.</a:t>
+            </a:r>
+          </a:p>
+          <a:p>
+            <a:pPr marL="0" indent="0" algn="just">
+              <a:buNone/>
+            </a:pPr>
             <a:r>
               <a:rPr lang="pt-BR" sz="2400" dirty="0">
                 <a:solidFill>
@@ -4361,6 +5218,91 @@
                 <a:latin typeface="Times New Roman" panose="02020603050405020304" pitchFamily="18" charset="0"/>
                 <a:cs typeface="Times New Roman" panose="02020603050405020304" pitchFamily="18" charset="0"/>
               </a:rPr>
+              <a:t>Instrução </a:t>
+            </a:r>
+            <a:r>
+              <a:rPr lang="pt-BR" sz="2400" b="1" dirty="0">
+                <a:solidFill>
+                  <a:schemeClr val="tx1"/>
+                </a:solidFill>
+                <a:latin typeface="Times New Roman" panose="02020603050405020304" pitchFamily="18" charset="0"/>
+                <a:cs typeface="Times New Roman" panose="02020603050405020304" pitchFamily="18" charset="0"/>
+              </a:rPr>
+              <a:t>var</a:t>
+            </a:r>
+            <a:r>
+              <a:rPr lang="pt-BR" sz="2400" dirty="0">
+                <a:solidFill>
+                  <a:schemeClr val="tx1"/>
+                </a:solidFill>
+                <a:latin typeface="Times New Roman" panose="02020603050405020304" pitchFamily="18" charset="0"/>
+                <a:cs typeface="Times New Roman" panose="02020603050405020304" pitchFamily="18" charset="0"/>
+              </a:rPr>
+              <a:t> ou </a:t>
+            </a:r>
+            <a:r>
+              <a:rPr lang="pt-BR" sz="2400" b="1" dirty="0" err="1">
+                <a:solidFill>
+                  <a:srgbClr val="FF0000"/>
+                </a:solidFill>
+                <a:latin typeface="Times New Roman" panose="02020603050405020304" pitchFamily="18" charset="0"/>
+                <a:cs typeface="Times New Roman" panose="02020603050405020304" pitchFamily="18" charset="0"/>
+              </a:rPr>
+              <a:t>const</a:t>
+            </a:r>
+            <a:r>
+              <a:rPr lang="pt-BR" sz="2400" b="1" dirty="0">
+                <a:solidFill>
+                  <a:srgbClr val="FF0000"/>
+                </a:solidFill>
+                <a:latin typeface="Times New Roman" panose="02020603050405020304" pitchFamily="18" charset="0"/>
+                <a:cs typeface="Times New Roman" panose="02020603050405020304" pitchFamily="18" charset="0"/>
+              </a:rPr>
+              <a:t>/</a:t>
+            </a:r>
+            <a:r>
+              <a:rPr lang="pt-BR" sz="2400" b="1" dirty="0" err="1">
+                <a:solidFill>
+                  <a:srgbClr val="FF0000"/>
+                </a:solidFill>
+                <a:latin typeface="Times New Roman" panose="02020603050405020304" pitchFamily="18" charset="0"/>
+                <a:cs typeface="Times New Roman" panose="02020603050405020304" pitchFamily="18" charset="0"/>
+              </a:rPr>
+              <a:t>let</a:t>
+            </a:r>
+            <a:r>
+              <a:rPr lang="pt-BR" sz="2400" dirty="0">
+                <a:solidFill>
+                  <a:schemeClr val="tx1"/>
+                </a:solidFill>
+                <a:latin typeface="Times New Roman" panose="02020603050405020304" pitchFamily="18" charset="0"/>
+                <a:cs typeface="Times New Roman" panose="02020603050405020304" pitchFamily="18" charset="0"/>
+              </a:rPr>
+              <a:t> (JS moderno)</a:t>
+            </a:r>
+          </a:p>
+          <a:p>
+            <a:pPr marL="0" indent="0" algn="just">
+              <a:buNone/>
+            </a:pPr>
+            <a:r>
+              <a:rPr lang="pt-BR" sz="2400" b="1" dirty="0">
+                <a:solidFill>
+                  <a:srgbClr val="FF0000"/>
+                </a:solidFill>
+                <a:latin typeface="Times New Roman" panose="02020603050405020304" pitchFamily="18" charset="0"/>
+                <a:cs typeface="Times New Roman" panose="02020603050405020304" pitchFamily="18" charset="0"/>
+              </a:rPr>
+              <a:t>Exemplos</a:t>
+            </a:r>
+            <a:r>
+              <a:rPr lang="pt-BR" sz="2400" dirty="0">
+                <a:solidFill>
+                  <a:schemeClr val="tx1"/>
+                </a:solidFill>
+                <a:latin typeface="Times New Roman" panose="02020603050405020304" pitchFamily="18" charset="0"/>
+                <a:cs typeface="Times New Roman" panose="02020603050405020304" pitchFamily="18" charset="0"/>
+              </a:rPr>
               <a:t>:</a:t>
             </a:r>
           </a:p>
@@ -4369,14 +5311,54 @@
               <a:buNone/>
             </a:pPr>
             <a:r>
-              <a:rPr lang="pt-BR" sz="2000" dirty="0">
+              <a:rPr lang="pt-BR" sz="2400" b="1" dirty="0">
                 <a:solidFill>
                   <a:schemeClr val="tx1"/>
                 </a:solidFill>
                 <a:latin typeface="Times New Roman" panose="02020603050405020304" pitchFamily="18" charset="0"/>
                 <a:cs typeface="Times New Roman" panose="02020603050405020304" pitchFamily="18" charset="0"/>
               </a:rPr>
-              <a:t> &lt;script&gt;</a:t>
+              <a:t>	</a:t>
+            </a:r>
+            <a:r>
+              <a:rPr lang="pt-BR" sz="2400" b="1" dirty="0" err="1">
+                <a:solidFill>
+                  <a:schemeClr val="tx1"/>
+                </a:solidFill>
+                <a:latin typeface="Times New Roman" panose="02020603050405020304" pitchFamily="18" charset="0"/>
+                <a:cs typeface="Times New Roman" panose="02020603050405020304" pitchFamily="18" charset="0"/>
+              </a:rPr>
+              <a:t>let</a:t>
+            </a:r>
+            <a:r>
+              <a:rPr lang="pt-BR" sz="2400" dirty="0">
+                <a:solidFill>
+                  <a:schemeClr val="tx1"/>
+                </a:solidFill>
+                <a:latin typeface="Times New Roman" panose="02020603050405020304" pitchFamily="18" charset="0"/>
+                <a:cs typeface="Times New Roman" panose="02020603050405020304" pitchFamily="18" charset="0"/>
+              </a:rPr>
+              <a:t> x, </a:t>
+            </a:r>
+            <a:r>
+              <a:rPr lang="pt-BR" sz="2400" dirty="0" err="1">
+                <a:solidFill>
+                  <a:schemeClr val="tx1"/>
+                </a:solidFill>
+                <a:latin typeface="Times New Roman" panose="02020603050405020304" pitchFamily="18" charset="0"/>
+                <a:cs typeface="Times New Roman" panose="02020603050405020304" pitchFamily="18" charset="0"/>
+              </a:rPr>
+              <a:t>y,z</a:t>
+            </a:r>
+            <a:r>
+              <a:rPr lang="pt-BR" sz="2400" dirty="0">
+                <a:solidFill>
+                  <a:schemeClr val="tx1"/>
+                </a:solidFill>
+                <a:latin typeface="Times New Roman" panose="02020603050405020304" pitchFamily="18" charset="0"/>
+                <a:cs typeface="Times New Roman" panose="02020603050405020304" pitchFamily="18" charset="0"/>
+              </a:rPr>
+              <a:t>;</a:t>
             </a:r>
           </a:p>
           <a:p>
@@ -4384,220 +5366,110 @@
               <a:buNone/>
             </a:pPr>
             <a:r>
-              <a:rPr lang="pt-BR" sz="2000" dirty="0">
+              <a:rPr lang="pt-BR" sz="2400" dirty="0">
                 <a:solidFill>
                   <a:schemeClr val="tx1"/>
                 </a:solidFill>
                 <a:latin typeface="Times New Roman" panose="02020603050405020304" pitchFamily="18" charset="0"/>
                 <a:cs typeface="Times New Roman" panose="02020603050405020304" pitchFamily="18" charset="0"/>
               </a:rPr>
-              <a:t>      </a:t>
-            </a:r>
-            <a:r>
-              <a:rPr lang="pt-BR" sz="2000" dirty="0" err="1">
+              <a:t>	x = 9; y = 7; z = 2;</a:t>
+            </a:r>
+          </a:p>
+          <a:p>
+            <a:pPr marL="0" indent="0" algn="just">
+              <a:buNone/>
+            </a:pPr>
+            <a:r>
+              <a:rPr lang="pt-BR" sz="2400" dirty="0">
                 <a:solidFill>
                   <a:schemeClr val="tx1"/>
                 </a:solidFill>
                 <a:latin typeface="Times New Roman" panose="02020603050405020304" pitchFamily="18" charset="0"/>
                 <a:cs typeface="Times New Roman" panose="02020603050405020304" pitchFamily="18" charset="0"/>
               </a:rPr>
-              <a:t>if</a:t>
-            </a:r>
-            <a:r>
-              <a:rPr lang="pt-BR" sz="2000" dirty="0">
+              <a:t>Ou </a:t>
+            </a:r>
+          </a:p>
+          <a:p>
+            <a:pPr marL="0" indent="0" algn="just">
+              <a:buNone/>
+            </a:pPr>
+            <a:r>
+              <a:rPr lang="pt-BR" sz="2400" b="1" dirty="0">
                 <a:solidFill>
                   <a:schemeClr val="tx1"/>
                 </a:solidFill>
                 <a:latin typeface="Times New Roman" panose="02020603050405020304" pitchFamily="18" charset="0"/>
                 <a:cs typeface="Times New Roman" panose="02020603050405020304" pitchFamily="18" charset="0"/>
               </a:rPr>
-              <a:t> (</a:t>
-            </a:r>
-            <a:r>
-              <a:rPr lang="pt-BR" sz="2000" dirty="0" err="1">
+              <a:t>	</a:t>
+            </a:r>
+            <a:r>
+              <a:rPr lang="pt-BR" sz="2400" b="1" dirty="0" err="1">
                 <a:solidFill>
                   <a:schemeClr val="tx1"/>
                 </a:solidFill>
                 <a:latin typeface="Times New Roman" panose="02020603050405020304" pitchFamily="18" charset="0"/>
                 <a:cs typeface="Times New Roman" panose="02020603050405020304" pitchFamily="18" charset="0"/>
               </a:rPr>
-              <a:t>confirm</a:t>
-            </a:r>
-            <a:r>
-              <a:rPr lang="pt-BR" sz="2000" dirty="0">
+              <a:t>let</a:t>
+            </a:r>
+            <a:r>
+              <a:rPr lang="pt-BR" sz="2400" dirty="0">
                 <a:solidFill>
                   <a:schemeClr val="tx1"/>
                 </a:solidFill>
                 <a:latin typeface="Times New Roman" panose="02020603050405020304" pitchFamily="18" charset="0"/>
                 <a:cs typeface="Times New Roman" panose="02020603050405020304" pitchFamily="18" charset="0"/>
               </a:rPr>
-              <a:t>('Você tem certeza?')) {</a:t>
+              <a:t> x </a:t>
+            </a:r>
+            <a:r>
+              <a:rPr lang="pt-BR" sz="2400">
+                <a:solidFill>
+                  <a:schemeClr val="tx1"/>
+                </a:solidFill>
+                <a:latin typeface="Times New Roman" panose="02020603050405020304" pitchFamily="18" charset="0"/>
+                <a:cs typeface="Times New Roman" panose="02020603050405020304" pitchFamily="18" charset="0"/>
+              </a:rPr>
+              <a:t>= 9, </a:t>
+            </a:r>
+            <a:r>
+              <a:rPr lang="pt-BR" sz="2400" dirty="0">
+                <a:solidFill>
+                  <a:schemeClr val="tx1"/>
+                </a:solidFill>
+                <a:latin typeface="Times New Roman" panose="02020603050405020304" pitchFamily="18" charset="0"/>
+                <a:cs typeface="Times New Roman" panose="02020603050405020304" pitchFamily="18" charset="0"/>
+              </a:rPr>
+              <a:t>y </a:t>
+            </a:r>
+            <a:r>
+              <a:rPr lang="pt-BR" sz="2400">
+                <a:solidFill>
+                  <a:schemeClr val="tx1"/>
+                </a:solidFill>
+                <a:latin typeface="Times New Roman" panose="02020603050405020304" pitchFamily="18" charset="0"/>
+                <a:cs typeface="Times New Roman" panose="02020603050405020304" pitchFamily="18" charset="0"/>
+              </a:rPr>
+              <a:t>= 7, </a:t>
+            </a:r>
+            <a:r>
+              <a:rPr lang="pt-BR" sz="2400" dirty="0">
+                <a:solidFill>
+                  <a:schemeClr val="tx1"/>
+                </a:solidFill>
+                <a:latin typeface="Times New Roman" panose="02020603050405020304" pitchFamily="18" charset="0"/>
+                <a:cs typeface="Times New Roman" panose="02020603050405020304" pitchFamily="18" charset="0"/>
+              </a:rPr>
+              <a:t>z = 2;</a:t>
             </a:r>
           </a:p>
           <a:p>
             <a:pPr marL="0" indent="0" algn="just">
               <a:buNone/>
             </a:pPr>
-            <a:r>
-              <a:rPr lang="pt-BR" sz="2000" dirty="0">
-                <a:solidFill>
-                  <a:schemeClr val="tx1"/>
-                </a:solidFill>
-                <a:latin typeface="Times New Roman" panose="02020603050405020304" pitchFamily="18" charset="0"/>
-                <a:cs typeface="Times New Roman" panose="02020603050405020304" pitchFamily="18" charset="0"/>
-              </a:rPr>
-              <a:t>        	</a:t>
-            </a:r>
-            <a:r>
-              <a:rPr lang="pt-BR" sz="2000" dirty="0" err="1">
-                <a:solidFill>
-                  <a:schemeClr val="tx1"/>
-                </a:solidFill>
-                <a:latin typeface="Times New Roman" panose="02020603050405020304" pitchFamily="18" charset="0"/>
-                <a:cs typeface="Times New Roman" panose="02020603050405020304" pitchFamily="18" charset="0"/>
-              </a:rPr>
-              <a:t>alert</a:t>
-            </a:r>
-            <a:r>
-              <a:rPr lang="pt-BR" sz="2000" dirty="0">
-                <a:solidFill>
-                  <a:schemeClr val="tx1"/>
-                </a:solidFill>
-                <a:latin typeface="Times New Roman" panose="02020603050405020304" pitchFamily="18" charset="0"/>
-                <a:cs typeface="Times New Roman" panose="02020603050405020304" pitchFamily="18" charset="0"/>
-              </a:rPr>
-              <a:t>('Confirmado');</a:t>
-            </a:r>
-          </a:p>
-          <a:p>
-            <a:pPr marL="0" indent="0" algn="just">
-              <a:buNone/>
-            </a:pPr>
-            <a:r>
-              <a:rPr lang="pt-BR" sz="2000" dirty="0">
-                <a:solidFill>
-                  <a:schemeClr val="tx1"/>
-                </a:solidFill>
-                <a:latin typeface="Times New Roman" panose="02020603050405020304" pitchFamily="18" charset="0"/>
-                <a:cs typeface="Times New Roman" panose="02020603050405020304" pitchFamily="18" charset="0"/>
-              </a:rPr>
-              <a:t>        	resposta = 'Sim';</a:t>
-            </a:r>
-          </a:p>
-          <a:p>
-            <a:pPr marL="0" indent="0" algn="just">
-              <a:buNone/>
-            </a:pPr>
-            <a:r>
-              <a:rPr lang="pt-BR" sz="2000" dirty="0">
-                <a:solidFill>
-                  <a:schemeClr val="tx1"/>
-                </a:solidFill>
-                <a:latin typeface="Times New Roman" panose="02020603050405020304" pitchFamily="18" charset="0"/>
-                <a:cs typeface="Times New Roman" panose="02020603050405020304" pitchFamily="18" charset="0"/>
-              </a:rPr>
-              <a:t>      } </a:t>
-            </a:r>
-            <a:r>
-              <a:rPr lang="pt-BR" sz="2000" dirty="0" err="1">
-                <a:solidFill>
-                  <a:schemeClr val="tx1"/>
-                </a:solidFill>
-                <a:latin typeface="Times New Roman" panose="02020603050405020304" pitchFamily="18" charset="0"/>
-                <a:cs typeface="Times New Roman" panose="02020603050405020304" pitchFamily="18" charset="0"/>
-              </a:rPr>
-              <a:t>else</a:t>
-            </a:r>
-            <a:r>
-              <a:rPr lang="pt-BR" sz="2000" dirty="0">
-                <a:solidFill>
-                  <a:schemeClr val="tx1"/>
-                </a:solidFill>
-                <a:latin typeface="Times New Roman" panose="02020603050405020304" pitchFamily="18" charset="0"/>
-                <a:cs typeface="Times New Roman" panose="02020603050405020304" pitchFamily="18" charset="0"/>
-              </a:rPr>
-              <a:t> {</a:t>
-            </a:r>
-          </a:p>
-          <a:p>
-            <a:pPr marL="0" indent="0" algn="just">
-              <a:buNone/>
-            </a:pPr>
-            <a:r>
-              <a:rPr lang="pt-BR" sz="2000" dirty="0">
-                <a:solidFill>
-                  <a:schemeClr val="tx1"/>
-                </a:solidFill>
-                <a:latin typeface="Times New Roman" panose="02020603050405020304" pitchFamily="18" charset="0"/>
-                <a:cs typeface="Times New Roman" panose="02020603050405020304" pitchFamily="18" charset="0"/>
-              </a:rPr>
-              <a:t>        	</a:t>
-            </a:r>
-            <a:r>
-              <a:rPr lang="pt-BR" sz="2000" dirty="0" err="1">
-                <a:solidFill>
-                  <a:schemeClr val="tx1"/>
-                </a:solidFill>
-                <a:latin typeface="Times New Roman" panose="02020603050405020304" pitchFamily="18" charset="0"/>
-                <a:cs typeface="Times New Roman" panose="02020603050405020304" pitchFamily="18" charset="0"/>
-              </a:rPr>
-              <a:t>alert</a:t>
-            </a:r>
-            <a:r>
-              <a:rPr lang="pt-BR" sz="2000" dirty="0">
-                <a:solidFill>
-                  <a:schemeClr val="tx1"/>
-                </a:solidFill>
-                <a:latin typeface="Times New Roman" panose="02020603050405020304" pitchFamily="18" charset="0"/>
-                <a:cs typeface="Times New Roman" panose="02020603050405020304" pitchFamily="18" charset="0"/>
-              </a:rPr>
-              <a:t>('Cancelado');</a:t>
-            </a:r>
-          </a:p>
-          <a:p>
-            <a:pPr marL="0" indent="0" algn="just">
-              <a:buNone/>
-            </a:pPr>
-            <a:r>
-              <a:rPr lang="pt-BR" sz="2000" dirty="0">
-                <a:solidFill>
-                  <a:schemeClr val="tx1"/>
-                </a:solidFill>
-                <a:latin typeface="Times New Roman" panose="02020603050405020304" pitchFamily="18" charset="0"/>
-                <a:cs typeface="Times New Roman" panose="02020603050405020304" pitchFamily="18" charset="0"/>
-              </a:rPr>
-              <a:t>        	resposta = 'Não';</a:t>
-            </a:r>
-          </a:p>
-          <a:p>
-            <a:pPr marL="0" indent="0" algn="just">
-              <a:buNone/>
-            </a:pPr>
-            <a:r>
-              <a:rPr lang="pt-BR" sz="2000" dirty="0">
-                <a:solidFill>
-                  <a:schemeClr val="tx1"/>
-                </a:solidFill>
-                <a:latin typeface="Times New Roman" panose="02020603050405020304" pitchFamily="18" charset="0"/>
-                <a:cs typeface="Times New Roman" panose="02020603050405020304" pitchFamily="18" charset="0"/>
-              </a:rPr>
-              <a:t>      }</a:t>
-            </a:r>
-          </a:p>
-          <a:p>
-            <a:pPr marL="0" indent="0" algn="just">
-              <a:buNone/>
-            </a:pPr>
-            <a:r>
-              <a:rPr lang="pt-BR" sz="2000" dirty="0">
-                <a:solidFill>
-                  <a:schemeClr val="tx1"/>
-                </a:solidFill>
-                <a:latin typeface="Times New Roman" panose="02020603050405020304" pitchFamily="18" charset="0"/>
-                <a:cs typeface="Times New Roman" panose="02020603050405020304" pitchFamily="18" charset="0"/>
-              </a:rPr>
-              <a:t>&lt;/script&gt;</a:t>
-            </a:r>
             <a:endParaRPr lang="pt-BR" sz="2400" dirty="0">
               <a:solidFill>
                 <a:schemeClr val="tx1"/>
@@ -4606,12 +5478,67 @@
               <a:cs typeface="Times New Roman" panose="02020603050405020304" pitchFamily="18" charset="0"/>
             </a:endParaRPr>
           </a:p>
+          <a:p>
+            <a:pPr marL="0" indent="0" algn="just">
+              <a:buNone/>
+            </a:pPr>
+            <a:r>
+              <a:rPr lang="pt-BR" sz="2400" b="1" dirty="0">
+                <a:solidFill>
+                  <a:schemeClr val="tx1"/>
+                </a:solidFill>
+                <a:latin typeface="Times New Roman" panose="02020603050405020304" pitchFamily="18" charset="0"/>
+                <a:cs typeface="Times New Roman" panose="02020603050405020304" pitchFamily="18" charset="0"/>
+              </a:rPr>
+              <a:t>	</a:t>
+            </a:r>
+            <a:r>
+              <a:rPr lang="pt-BR" sz="2400" b="1" dirty="0" err="1">
+                <a:solidFill>
+                  <a:schemeClr val="tx1"/>
+                </a:solidFill>
+                <a:latin typeface="Times New Roman" panose="02020603050405020304" pitchFamily="18" charset="0"/>
+                <a:cs typeface="Times New Roman" panose="02020603050405020304" pitchFamily="18" charset="0"/>
+              </a:rPr>
+              <a:t>const</a:t>
+            </a:r>
+            <a:r>
+              <a:rPr lang="pt-BR" sz="2400" dirty="0">
+                <a:solidFill>
+                  <a:schemeClr val="tx1"/>
+                </a:solidFill>
+                <a:latin typeface="Times New Roman" panose="02020603050405020304" pitchFamily="18" charset="0"/>
+                <a:cs typeface="Times New Roman" panose="02020603050405020304" pitchFamily="18" charset="0"/>
+              </a:rPr>
+              <a:t>  a = 5; (</a:t>
+            </a:r>
+            <a:r>
+              <a:rPr lang="pt-BR" sz="2400" b="1" dirty="0">
+                <a:solidFill>
+                  <a:srgbClr val="FF0000"/>
+                </a:solidFill>
+                <a:latin typeface="Times New Roman" panose="02020603050405020304" pitchFamily="18" charset="0"/>
+                <a:cs typeface="Times New Roman" panose="02020603050405020304" pitchFamily="18" charset="0"/>
+              </a:rPr>
+              <a:t>Declaração da variável a como constante</a:t>
+            </a:r>
+            <a:r>
+              <a:rPr lang="pt-BR" sz="2400" dirty="0">
+                <a:solidFill>
+                  <a:schemeClr val="tx1"/>
+                </a:solidFill>
+                <a:latin typeface="Times New Roman" panose="02020603050405020304" pitchFamily="18" charset="0"/>
+                <a:cs typeface="Times New Roman" panose="02020603050405020304" pitchFamily="18" charset="0"/>
+              </a:rPr>
+              <a:t>)</a:t>
+            </a:r>
+          </a:p>
         </p:txBody>
       </p:sp>
     </p:spTree>
     <p:extLst>
       <p:ext uri="{BB962C8B-B14F-4D97-AF65-F5344CB8AC3E}">
-        <p14:creationId xmlns:p14="http://schemas.microsoft.com/office/powerpoint/2010/main" val="1193155176"/>
+        <p14:creationId xmlns:p14="http://schemas.microsoft.com/office/powerpoint/2010/main" val="834930593"/>
       </p:ext>
     </p:extLst>
   </p:cSld>
@@ -4662,34 +5589,13 @@
           <a:lstStyle/>
           <a:p>
             <a:r>
-              <a:rPr lang="en-US" b="1" dirty="0" err="1">
+              <a:rPr lang="en-US" b="1" dirty="0">
                 <a:solidFill>
                   <a:srgbClr val="0070C0"/>
                 </a:solidFill>
               </a:rPr>
-              <a:t>Leitura</a:t>
-            </a:r>
-            <a:r>
-              <a:rPr lang="en-US" b="1" dirty="0">
-                <a:solidFill>
-                  <a:srgbClr val="0070C0"/>
-                </a:solidFill>
-              </a:rPr>
-              <a:t> </a:t>
-            </a:r>
-            <a:r>
-              <a:rPr lang="en-US" b="1" dirty="0" err="1">
-                <a:solidFill>
-                  <a:srgbClr val="0070C0"/>
-                </a:solidFill>
-              </a:rPr>
-              <a:t>Específica</a:t>
-            </a:r>
-            <a:endParaRPr lang="en-US" b="1" dirty="0">
-              <a:solidFill>
-                <a:srgbClr val="0070C0"/>
-              </a:solidFill>
-            </a:endParaRPr>
+              <a:t>JS</a:t>
+            </a:r>
           </a:p>
         </p:txBody>
       </p:sp>
@@ -4705,8 +5611,8 @@
         </p:nvSpPr>
         <p:spPr>
           <a:xfrm>
-            <a:off x="142865" y="1012261"/>
-            <a:ext cx="8865056" cy="3835312"/>
+            <a:off x="142865" y="1037312"/>
+            <a:ext cx="8865056" cy="3900208"/>
           </a:xfrm>
         </p:spPr>
         <p:txBody>
@@ -4719,25 +5625,14 @@
               <a:buNone/>
             </a:pPr>
             <a:r>
-              <a:rPr lang="pt-BR" sz="2000" dirty="0">
-                <a:latin typeface="Times New Roman" panose="02020603050405020304" pitchFamily="18" charset="0"/>
-                <a:cs typeface="Times New Roman" panose="02020603050405020304" pitchFamily="18" charset="0"/>
-              </a:rPr>
-              <a:t>[1] </a:t>
-            </a:r>
-            <a:r>
-              <a:rPr lang="pt-BR" sz="2000" b="1" dirty="0">
-                <a:latin typeface="Times New Roman" panose="02020603050405020304" pitchFamily="18" charset="0"/>
-                <a:cs typeface="Times New Roman" panose="02020603050405020304" pitchFamily="18" charset="0"/>
-              </a:rPr>
-              <a:t>Site Devmedia</a:t>
-            </a:r>
-            <a:r>
-              <a:rPr lang="pt-BR" sz="2000" dirty="0">
-                <a:latin typeface="Times New Roman" panose="02020603050405020304" pitchFamily="18" charset="0"/>
-                <a:cs typeface="Times New Roman" panose="02020603050405020304" pitchFamily="18" charset="0"/>
-              </a:rPr>
-              <a:t>. 	</a:t>
+              <a:rPr lang="pt-BR" sz="2400" dirty="0">
+                <a:solidFill>
+                  <a:schemeClr val="tx1"/>
+                </a:solidFill>
+                <a:latin typeface="Times New Roman" panose="02020603050405020304" pitchFamily="18" charset="0"/>
+                <a:cs typeface="Times New Roman" panose="02020603050405020304" pitchFamily="18" charset="0"/>
+              </a:rPr>
+              <a:t>Tipos de Variáveis</a:t>
             </a:r>
           </a:p>
           <a:p>
@@ -4745,132 +5640,22 @@
               <a:buNone/>
             </a:pPr>
             <a:r>
-              <a:rPr lang="pt-BR" sz="2000" b="1" dirty="0">
-                <a:latin typeface="Times New Roman" panose="02020603050405020304" pitchFamily="18" charset="0"/>
-                <a:cs typeface="Times New Roman" panose="02020603050405020304" pitchFamily="18" charset="0"/>
-              </a:rPr>
-              <a:t>	Disponível em</a:t>
-            </a:r>
-            <a:r>
-              <a:rPr lang="pt-BR" sz="2000" dirty="0">
-                <a:latin typeface="Times New Roman" panose="02020603050405020304" pitchFamily="18" charset="0"/>
-                <a:cs typeface="Times New Roman" panose="02020603050405020304" pitchFamily="18" charset="0"/>
-              </a:rPr>
-              <a:t>: </a:t>
-            </a:r>
-            <a:r>
-              <a:rPr lang="pt-BR" sz="2000" dirty="0">
-                <a:latin typeface="Times New Roman" panose="02020603050405020304" pitchFamily="18" charset="0"/>
-                <a:cs typeface="Times New Roman" panose="02020603050405020304" pitchFamily="18" charset="0"/>
-                <a:hlinkClick r:id="rId3"/>
-              </a:rPr>
-              <a:t>https://www.devmedia.com.br/javascript/</a:t>
-            </a:r>
-            <a:endParaRPr lang="pt-BR" sz="2000" dirty="0">
-              <a:latin typeface="Times New Roman" panose="02020603050405020304" pitchFamily="18" charset="0"/>
-              <a:cs typeface="Times New Roman" panose="02020603050405020304" pitchFamily="18" charset="0"/>
-            </a:endParaRPr>
-          </a:p>
-          <a:p>
-            <a:pPr marL="0" indent="0" algn="just">
-              <a:buNone/>
-            </a:pPr>
-            <a:endParaRPr lang="pt-BR" sz="2000" dirty="0">
-              <a:latin typeface="Times New Roman" panose="02020603050405020304" pitchFamily="18" charset="0"/>
-              <a:cs typeface="Times New Roman" panose="02020603050405020304" pitchFamily="18" charset="0"/>
-            </a:endParaRPr>
-          </a:p>
-          <a:p>
-            <a:pPr marL="0" indent="0" algn="just">
-              <a:buNone/>
-            </a:pPr>
-            <a:r>
-              <a:rPr lang="pt-BR" sz="2000" dirty="0">
-                <a:latin typeface="Times New Roman" panose="02020603050405020304" pitchFamily="18" charset="0"/>
-                <a:cs typeface="Times New Roman" panose="02020603050405020304" pitchFamily="18" charset="0"/>
-              </a:rPr>
-              <a:t>[2] </a:t>
-            </a:r>
-            <a:r>
-              <a:rPr lang="pt-BR" sz="2000" b="1" dirty="0">
-                <a:latin typeface="Times New Roman" panose="02020603050405020304" pitchFamily="18" charset="0"/>
-                <a:cs typeface="Times New Roman" panose="02020603050405020304" pitchFamily="18" charset="0"/>
-              </a:rPr>
-              <a:t>COSTA, </a:t>
-            </a:r>
-            <a:r>
-              <a:rPr lang="pt-BR" sz="2000" dirty="0">
-                <a:latin typeface="Times New Roman" panose="02020603050405020304" pitchFamily="18" charset="0"/>
-                <a:cs typeface="Times New Roman" panose="02020603050405020304" pitchFamily="18" charset="0"/>
-              </a:rPr>
-              <a:t>Jean Carlos Borba Guimarães da. A Linguagem </a:t>
-            </a:r>
-            <a:r>
-              <a:rPr lang="pt-BR" sz="2000" dirty="0" err="1">
-                <a:latin typeface="Times New Roman" panose="02020603050405020304" pitchFamily="18" charset="0"/>
-                <a:cs typeface="Times New Roman" panose="02020603050405020304" pitchFamily="18" charset="0"/>
-              </a:rPr>
-              <a:t>JavaScript</a:t>
-            </a:r>
-            <a:r>
-              <a:rPr lang="pt-BR" sz="2000" dirty="0">
-                <a:latin typeface="Times New Roman" panose="02020603050405020304" pitchFamily="18" charset="0"/>
-                <a:cs typeface="Times New Roman" panose="02020603050405020304" pitchFamily="18" charset="0"/>
-              </a:rPr>
-              <a:t> e seu Ecossistema. 2019. 	</a:t>
-            </a:r>
-          </a:p>
-          <a:p>
-            <a:pPr marL="0" indent="0" algn="just">
-              <a:buNone/>
-            </a:pPr>
-            <a:r>
-              <a:rPr lang="pt-BR" sz="2000" b="1" dirty="0">
-                <a:latin typeface="Times New Roman" panose="02020603050405020304" pitchFamily="18" charset="0"/>
-                <a:cs typeface="Times New Roman" panose="02020603050405020304" pitchFamily="18" charset="0"/>
-              </a:rPr>
-              <a:t>	Disponível em</a:t>
-            </a:r>
-            <a:r>
-              <a:rPr lang="pt-BR" sz="2000" dirty="0">
-                <a:latin typeface="Times New Roman" panose="02020603050405020304" pitchFamily="18" charset="0"/>
-                <a:cs typeface="Times New Roman" panose="02020603050405020304" pitchFamily="18" charset="0"/>
-              </a:rPr>
-              <a:t>: </a:t>
-            </a:r>
-          </a:p>
-          <a:p>
-            <a:pPr marL="0" indent="0" algn="just">
-              <a:buNone/>
-            </a:pPr>
-            <a:r>
-              <a:rPr lang="pt-BR" sz="2000" dirty="0">
-                <a:latin typeface="Times New Roman" panose="02020603050405020304" pitchFamily="18" charset="0"/>
-                <a:cs typeface="Times New Roman" panose="02020603050405020304" pitchFamily="18" charset="0"/>
-                <a:hlinkClick r:id="rId4"/>
-              </a:rPr>
-              <a:t>https://repositorio.uniube.br/bitstream/123456789/1546/1/A%20Linguagem%20JavaScript%20e%20seu%20Ecossistema%20.PDF</a:t>
-            </a:r>
-            <a:endParaRPr lang="pt-BR" sz="2000" dirty="0">
-              <a:latin typeface="Times New Roman" panose="02020603050405020304" pitchFamily="18" charset="0"/>
-              <a:cs typeface="Times New Roman" panose="02020603050405020304" pitchFamily="18" charset="0"/>
-            </a:endParaRPr>
-          </a:p>
-          <a:p>
-            <a:pPr marL="0" indent="0" algn="just">
-              <a:buNone/>
-            </a:pPr>
-            <a:endParaRPr lang="pt-BR" sz="2000" dirty="0">
-              <a:latin typeface="Times New Roman" panose="02020603050405020304" pitchFamily="18" charset="0"/>
-              <a:cs typeface="Times New Roman" panose="02020603050405020304" pitchFamily="18" charset="0"/>
-            </a:endParaRPr>
+              <a:rPr lang="pt-BR" sz="2400" dirty="0">
+                <a:solidFill>
+                  <a:schemeClr val="tx1"/>
+                </a:solidFill>
+                <a:latin typeface="Times New Roman" panose="02020603050405020304" pitchFamily="18" charset="0"/>
+                <a:cs typeface="Times New Roman" panose="02020603050405020304" pitchFamily="18" charset="0"/>
+              </a:rPr>
+              <a:t>Estruturas: Condicional e Repetição</a:t>
+            </a:r>
           </a:p>
         </p:txBody>
       </p:sp>
     </p:spTree>
     <p:extLst>
       <p:ext uri="{BB962C8B-B14F-4D97-AF65-F5344CB8AC3E}">
-        <p14:creationId xmlns:p14="http://schemas.microsoft.com/office/powerpoint/2010/main" val="3680270425"/>
+        <p14:creationId xmlns:p14="http://schemas.microsoft.com/office/powerpoint/2010/main" val="1928729007"/>
       </p:ext>
     </p:extLst>
   </p:cSld>
@@ -4926,7 +5711,7 @@
                   <a:srgbClr val="0070C0"/>
                 </a:solidFill>
               </a:rPr>
-              <a:t>Aprenda</a:t>
+              <a:t>Leitura</a:t>
             </a:r>
             <a:r>
               <a:rPr lang="en-US" b="1" dirty="0">
@@ -4934,8 +5719,21 @@
                   <a:srgbClr val="0070C0"/>
                 </a:solidFill>
               </a:rPr>
-              <a:t>+</a:t>
-            </a:r>
+              <a:t> </a:t>
+            </a:r>
+            <a:r>
+              <a:rPr lang="en-US" b="1" dirty="0" err="1">
+                <a:solidFill>
+                  <a:srgbClr val="0070C0"/>
+                </a:solidFill>
+              </a:rPr>
+              <a:t>Específica</a:t>
+            </a:r>
+            <a:endParaRPr lang="en-US" b="1" dirty="0">
+              <a:solidFill>
+                <a:srgbClr val="0070C0"/>
+              </a:solidFill>
+            </a:endParaRPr>
           </a:p>
         </p:txBody>
       </p:sp>
@@ -4951,8 +5749,8 @@
         </p:nvSpPr>
         <p:spPr>
           <a:xfrm>
-            <a:off x="142865" y="1200151"/>
-            <a:ext cx="8865056" cy="3394472"/>
+            <a:off x="142865" y="1012261"/>
+            <a:ext cx="8865056" cy="3835312"/>
           </a:xfrm>
         </p:spPr>
         <p:txBody>
@@ -4964,7 +5762,55 @@
             <a:pPr marL="0" indent="0" algn="just">
               <a:buNone/>
             </a:pPr>
-            <a:endParaRPr lang="pt-BR" sz="2400" dirty="0">
+            <a:r>
+              <a:rPr lang="pt-BR" sz="2000" dirty="0">
+                <a:latin typeface="Times New Roman" panose="02020603050405020304" pitchFamily="18" charset="0"/>
+                <a:cs typeface="Times New Roman" panose="02020603050405020304" pitchFamily="18" charset="0"/>
+              </a:rPr>
+              <a:t>[1] </a:t>
+            </a:r>
+            <a:r>
+              <a:rPr lang="pt-BR" sz="2000" b="1" dirty="0">
+                <a:latin typeface="Times New Roman" panose="02020603050405020304" pitchFamily="18" charset="0"/>
+                <a:cs typeface="Times New Roman" panose="02020603050405020304" pitchFamily="18" charset="0"/>
+              </a:rPr>
+              <a:t>Site Devmedia</a:t>
+            </a:r>
+            <a:r>
+              <a:rPr lang="pt-BR" sz="2000" dirty="0">
+                <a:latin typeface="Times New Roman" panose="02020603050405020304" pitchFamily="18" charset="0"/>
+                <a:cs typeface="Times New Roman" panose="02020603050405020304" pitchFamily="18" charset="0"/>
+              </a:rPr>
+              <a:t>. 	</a:t>
+            </a:r>
+          </a:p>
+          <a:p>
+            <a:pPr marL="0" indent="0" algn="just">
+              <a:buNone/>
+            </a:pPr>
+            <a:r>
+              <a:rPr lang="pt-BR" sz="2000" b="1" dirty="0">
+                <a:latin typeface="Times New Roman" panose="02020603050405020304" pitchFamily="18" charset="0"/>
+                <a:cs typeface="Times New Roman" panose="02020603050405020304" pitchFamily="18" charset="0"/>
+              </a:rPr>
+              <a:t>	Disponível em</a:t>
+            </a:r>
+            <a:r>
+              <a:rPr lang="pt-BR" sz="2000" dirty="0">
+                <a:latin typeface="Times New Roman" panose="02020603050405020304" pitchFamily="18" charset="0"/>
+                <a:cs typeface="Times New Roman" panose="02020603050405020304" pitchFamily="18" charset="0"/>
+              </a:rPr>
+              <a:t>: </a:t>
+            </a:r>
+            <a:r>
+              <a:rPr lang="pt-BR" sz="2000" dirty="0">
+                <a:latin typeface="Times New Roman" panose="02020603050405020304" pitchFamily="18" charset="0"/>
+                <a:cs typeface="Times New Roman" panose="02020603050405020304" pitchFamily="18" charset="0"/>
+                <a:hlinkClick r:id="rId3"/>
+              </a:rPr>
+              <a:t>https://www.devmedia.com.br/javascript/</a:t>
+            </a:r>
+            <a:endParaRPr lang="pt-BR" sz="2000" dirty="0">
               <a:latin typeface="Times New Roman" panose="02020603050405020304" pitchFamily="18" charset="0"/>
               <a:cs typeface="Times New Roman" panose="02020603050405020304" pitchFamily="18" charset="0"/>
             </a:endParaRPr>
@@ -4973,34 +5819,7 @@
             <a:pPr marL="0" indent="0" algn="just">
               <a:buNone/>
             </a:pPr>
-            <a:r>
-              <a:rPr lang="pt-BR" sz="2400" dirty="0">
-                <a:latin typeface="Times New Roman" panose="02020603050405020304" pitchFamily="18" charset="0"/>
-                <a:cs typeface="Times New Roman" panose="02020603050405020304" pitchFamily="18" charset="0"/>
-              </a:rPr>
-              <a:t>[1] </a:t>
-            </a:r>
-            <a:r>
-              <a:rPr lang="pt-BR" sz="2400" dirty="0">
-                <a:latin typeface="Times New Roman" panose="02020603050405020304" pitchFamily="18" charset="0"/>
-                <a:cs typeface="Times New Roman" panose="02020603050405020304" pitchFamily="18" charset="0"/>
-                <a:hlinkClick r:id="rId3"/>
-              </a:rPr>
-              <a:t>https://www.youtube.com/watch?v=W6NZfCO5SIk</a:t>
-            </a:r>
-            <a:r>
-              <a:rPr lang="pt-BR" sz="2400" dirty="0">
-                <a:latin typeface="Times New Roman" panose="02020603050405020304" pitchFamily="18" charset="0"/>
-                <a:cs typeface="Times New Roman" panose="02020603050405020304" pitchFamily="18" charset="0"/>
-              </a:rPr>
-              <a:t> (JS)</a:t>
-            </a:r>
-          </a:p>
-          <a:p>
-            <a:pPr marL="0" indent="0" algn="just">
-              <a:buNone/>
-            </a:pPr>
-            <a:endParaRPr lang="pt-BR" sz="2400" dirty="0">
+            <a:endParaRPr lang="pt-BR" sz="2000" dirty="0">
               <a:latin typeface="Times New Roman" panose="02020603050405020304" pitchFamily="18" charset="0"/>
               <a:cs typeface="Times New Roman" panose="02020603050405020304" pitchFamily="18" charset="0"/>
             </a:endParaRPr>
@@ -5009,7 +5828,74 @@
             <a:pPr marL="0" indent="0" algn="just">
               <a:buNone/>
             </a:pPr>
-            <a:endParaRPr lang="pt-BR" sz="2400" dirty="0">
+            <a:r>
+              <a:rPr lang="pt-BR" sz="2000" dirty="0">
+                <a:latin typeface="Times New Roman" panose="02020603050405020304" pitchFamily="18" charset="0"/>
+                <a:cs typeface="Times New Roman" panose="02020603050405020304" pitchFamily="18" charset="0"/>
+              </a:rPr>
+              <a:t>[2] </a:t>
+            </a:r>
+            <a:r>
+              <a:rPr lang="pt-BR" sz="2000" b="1" dirty="0">
+                <a:latin typeface="Times New Roman" panose="02020603050405020304" pitchFamily="18" charset="0"/>
+                <a:cs typeface="Times New Roman" panose="02020603050405020304" pitchFamily="18" charset="0"/>
+              </a:rPr>
+              <a:t>COSTA, </a:t>
+            </a:r>
+            <a:r>
+              <a:rPr lang="pt-BR" sz="2000" dirty="0">
+                <a:latin typeface="Times New Roman" panose="02020603050405020304" pitchFamily="18" charset="0"/>
+                <a:cs typeface="Times New Roman" panose="02020603050405020304" pitchFamily="18" charset="0"/>
+              </a:rPr>
+              <a:t>Jean Carlos Borba Guimarães da. A Linguagem </a:t>
+            </a:r>
+            <a:r>
+              <a:rPr lang="pt-BR" sz="2000" dirty="0" err="1">
+                <a:latin typeface="Times New Roman" panose="02020603050405020304" pitchFamily="18" charset="0"/>
+                <a:cs typeface="Times New Roman" panose="02020603050405020304" pitchFamily="18" charset="0"/>
+              </a:rPr>
+              <a:t>JavaScript</a:t>
+            </a:r>
+            <a:r>
+              <a:rPr lang="pt-BR" sz="2000" dirty="0">
+                <a:latin typeface="Times New Roman" panose="02020603050405020304" pitchFamily="18" charset="0"/>
+                <a:cs typeface="Times New Roman" panose="02020603050405020304" pitchFamily="18" charset="0"/>
+              </a:rPr>
+              <a:t> e seu Ecossistema. 2019. 	</a:t>
+            </a:r>
+          </a:p>
+          <a:p>
+            <a:pPr marL="0" indent="0" algn="just">
+              <a:buNone/>
+            </a:pPr>
+            <a:r>
+              <a:rPr lang="pt-BR" sz="2000" b="1" dirty="0">
+                <a:latin typeface="Times New Roman" panose="02020603050405020304" pitchFamily="18" charset="0"/>
+                <a:cs typeface="Times New Roman" panose="02020603050405020304" pitchFamily="18" charset="0"/>
+              </a:rPr>
+              <a:t>	Disponível em</a:t>
+            </a:r>
+            <a:r>
+              <a:rPr lang="pt-BR" sz="2000" dirty="0">
+                <a:latin typeface="Times New Roman" panose="02020603050405020304" pitchFamily="18" charset="0"/>
+                <a:cs typeface="Times New Roman" panose="02020603050405020304" pitchFamily="18" charset="0"/>
+              </a:rPr>
+              <a:t>: </a:t>
+            </a:r>
+          </a:p>
+          <a:p>
+            <a:pPr marL="0" indent="0" algn="just">
+              <a:buNone/>
+            </a:pPr>
+            <a:r>
+              <a:rPr lang="pt-BR" sz="2000" dirty="0">
+                <a:latin typeface="Times New Roman" panose="02020603050405020304" pitchFamily="18" charset="0"/>
+                <a:cs typeface="Times New Roman" panose="02020603050405020304" pitchFamily="18" charset="0"/>
+                <a:hlinkClick r:id="rId4"/>
+              </a:rPr>
+              <a:t>https://repositorio.uniube.br/bitstream/123456789/1546/1/A%20Linguagem%20JavaScript%20e%20seu%20Ecossistema%20.PDF</a:t>
+            </a:r>
+            <a:endParaRPr lang="pt-BR" sz="2000" dirty="0">
               <a:latin typeface="Times New Roman" panose="02020603050405020304" pitchFamily="18" charset="0"/>
               <a:cs typeface="Times New Roman" panose="02020603050405020304" pitchFamily="18" charset="0"/>
             </a:endParaRPr>
@@ -5018,43 +5904,7 @@
             <a:pPr marL="0" indent="0" algn="just">
               <a:buNone/>
             </a:pPr>
-            <a:r>
-              <a:rPr lang="pt-BR" sz="2400" dirty="0">
-                <a:latin typeface="Times New Roman" panose="02020603050405020304" pitchFamily="18" charset="0"/>
-                <a:cs typeface="Times New Roman" panose="02020603050405020304" pitchFamily="18" charset="0"/>
-              </a:rPr>
-              <a:t>[2] </a:t>
-            </a:r>
-            <a:r>
-              <a:rPr lang="pt-BR" sz="2400" dirty="0">
-                <a:latin typeface="Times New Roman" panose="02020603050405020304" pitchFamily="18" charset="0"/>
-                <a:cs typeface="Times New Roman" panose="02020603050405020304" pitchFamily="18" charset="0"/>
-                <a:hlinkClick r:id="rId4"/>
-              </a:rPr>
-              <a:t>https://www.youtube.com/watch?v=gYZhIVCPlFY</a:t>
-            </a:r>
-            <a:r>
-              <a:rPr lang="pt-BR" sz="2400" dirty="0">
-                <a:latin typeface="Times New Roman" panose="02020603050405020304" pitchFamily="18" charset="0"/>
-                <a:cs typeface="Times New Roman" panose="02020603050405020304" pitchFamily="18" charset="0"/>
-              </a:rPr>
-              <a:t> (JS)</a:t>
-            </a:r>
-          </a:p>
-          <a:p>
-            <a:pPr marL="0" indent="0" algn="just">
-              <a:buNone/>
-            </a:pPr>
-            <a:endParaRPr lang="pt-BR" sz="2400" dirty="0">
-              <a:latin typeface="Times New Roman" panose="02020603050405020304" pitchFamily="18" charset="0"/>
-              <a:cs typeface="Times New Roman" panose="02020603050405020304" pitchFamily="18" charset="0"/>
-            </a:endParaRPr>
-          </a:p>
-          <a:p>
-            <a:pPr marL="0" indent="0" algn="just">
-              <a:buNone/>
-            </a:pPr>
-            <a:endParaRPr lang="pt-BR" sz="2400" dirty="0">
+            <a:endParaRPr lang="pt-BR" sz="2000" dirty="0">
               <a:latin typeface="Times New Roman" panose="02020603050405020304" pitchFamily="18" charset="0"/>
               <a:cs typeface="Times New Roman" panose="02020603050405020304" pitchFamily="18" charset="0"/>
             </a:endParaRPr>
@@ -5064,7 +5914,7 @@
     </p:spTree>
     <p:extLst>
       <p:ext uri="{BB962C8B-B14F-4D97-AF65-F5344CB8AC3E}">
-        <p14:creationId xmlns:p14="http://schemas.microsoft.com/office/powerpoint/2010/main" val="2747596967"/>
+        <p14:creationId xmlns:p14="http://schemas.microsoft.com/office/powerpoint/2010/main" val="3680270425"/>
       </p:ext>
     </p:extLst>
   </p:cSld>
@@ -5120,7 +5970,7 @@
                   <a:srgbClr val="0070C0"/>
                 </a:solidFill>
               </a:rPr>
-              <a:t>Dinâmica</a:t>
+              <a:t>Aprenda</a:t>
             </a:r>
             <a:r>
               <a:rPr lang="en-US" b="1" dirty="0">
@@ -5128,21 +5978,8 @@
                   <a:srgbClr val="0070C0"/>
                 </a:solidFill>
               </a:rPr>
-              <a:t>/</a:t>
-            </a:r>
-            <a:r>
-              <a:rPr lang="en-US" b="1" dirty="0" err="1">
-                <a:solidFill>
-                  <a:srgbClr val="0070C0"/>
-                </a:solidFill>
-              </a:rPr>
-              <a:t>Atividades</a:t>
-            </a:r>
-            <a:endParaRPr lang="en-US" b="1" dirty="0">
-              <a:solidFill>
-                <a:srgbClr val="0070C0"/>
-              </a:solidFill>
-            </a:endParaRPr>
+              <a:t>+</a:t>
+            </a:r>
           </a:p>
         </p:txBody>
       </p:sp>
@@ -5158,8 +5995,8 @@
         </p:nvSpPr>
         <p:spPr>
           <a:xfrm>
-            <a:off x="139472" y="1063230"/>
-            <a:ext cx="8865056" cy="3606305"/>
+            <a:off x="142865" y="1200151"/>
+            <a:ext cx="8865056" cy="3394472"/>
           </a:xfrm>
         </p:spPr>
         <p:txBody>
@@ -5168,92 +6005,102 @@
           </a:bodyPr>
           <a:lstStyle/>
           <a:p>
-            <a:pPr algn="just">
-              <a:buFontTx/>
-              <a:buChar char="-"/>
+            <a:pPr marL="0" indent="0" algn="just">
+              <a:buNone/>
             </a:pPr>
-            <a:r>
-              <a:rPr lang="pt-BR" dirty="0">
-                <a:latin typeface="Times New Roman" panose="02020603050405020304" pitchFamily="18" charset="0"/>
-                <a:cs typeface="Times New Roman" panose="02020603050405020304" pitchFamily="18" charset="0"/>
-              </a:rPr>
-              <a:t>Exercícios de Fixação </a:t>
-            </a:r>
-            <a:r>
-              <a:rPr lang="pt-BR" b="1" dirty="0">
-                <a:latin typeface="Times New Roman" panose="02020603050405020304" pitchFamily="18" charset="0"/>
-                <a:cs typeface="Times New Roman" panose="02020603050405020304" pitchFamily="18" charset="0"/>
-              </a:rPr>
-              <a:t>JS</a:t>
-            </a:r>
+            <a:endParaRPr lang="pt-BR" sz="2400" dirty="0">
+              <a:latin typeface="Times New Roman" panose="02020603050405020304" pitchFamily="18" charset="0"/>
+              <a:cs typeface="Times New Roman" panose="02020603050405020304" pitchFamily="18" charset="0"/>
+            </a:endParaRPr>
           </a:p>
           <a:p>
             <a:pPr marL="0" indent="0" algn="just">
               <a:buNone/>
             </a:pPr>
             <a:r>
-              <a:rPr lang="pt-BR" dirty="0">
-                <a:latin typeface="Times New Roman" panose="02020603050405020304" pitchFamily="18" charset="0"/>
-                <a:cs typeface="Times New Roman" panose="02020603050405020304" pitchFamily="18" charset="0"/>
-              </a:rPr>
-              <a:t>	</a:t>
-            </a:r>
-            <a:r>
-              <a:rPr lang="pt-BR" b="1" dirty="0">
-                <a:solidFill>
-                  <a:srgbClr val="FF0000"/>
-                </a:solidFill>
-                <a:latin typeface="Times New Roman" panose="02020603050405020304" pitchFamily="18" charset="0"/>
-                <a:cs typeface="Times New Roman" panose="02020603050405020304" pitchFamily="18" charset="0"/>
-              </a:rPr>
-              <a:t>Desafios em Sala de Aula</a:t>
-            </a:r>
-            <a:r>
-              <a:rPr lang="pt-BR" dirty="0">
-                <a:latin typeface="Times New Roman" panose="02020603050405020304" pitchFamily="18" charset="0"/>
-                <a:cs typeface="Times New Roman" panose="02020603050405020304" pitchFamily="18" charset="0"/>
-              </a:rPr>
-              <a:t>.</a:t>
+              <a:rPr lang="pt-BR" sz="2400" dirty="0">
+                <a:latin typeface="Times New Roman" panose="02020603050405020304" pitchFamily="18" charset="0"/>
+                <a:cs typeface="Times New Roman" panose="02020603050405020304" pitchFamily="18" charset="0"/>
+              </a:rPr>
+              <a:t>[1] </a:t>
+            </a:r>
+            <a:r>
+              <a:rPr lang="pt-BR" sz="2400" dirty="0">
+                <a:latin typeface="Times New Roman" panose="02020603050405020304" pitchFamily="18" charset="0"/>
+                <a:cs typeface="Times New Roman" panose="02020603050405020304" pitchFamily="18" charset="0"/>
+                <a:hlinkClick r:id="rId3"/>
+              </a:rPr>
+              <a:t>https://www.youtube.com/watch?v=W6NZfCO5SIk</a:t>
+            </a:r>
+            <a:r>
+              <a:rPr lang="pt-BR" sz="2400" dirty="0">
+                <a:latin typeface="Times New Roman" panose="02020603050405020304" pitchFamily="18" charset="0"/>
+                <a:cs typeface="Times New Roman" panose="02020603050405020304" pitchFamily="18" charset="0"/>
+              </a:rPr>
+              <a:t> (JS)</a:t>
             </a:r>
           </a:p>
           <a:p>
             <a:pPr marL="0" indent="0" algn="just">
               <a:buNone/>
             </a:pPr>
-            <a:r>
-              <a:rPr lang="pt-BR" dirty="0">
-                <a:latin typeface="Times New Roman" panose="02020603050405020304" pitchFamily="18" charset="0"/>
-                <a:cs typeface="Times New Roman" panose="02020603050405020304" pitchFamily="18" charset="0"/>
-              </a:rPr>
-              <a:t>	</a:t>
-            </a:r>
+            <a:endParaRPr lang="pt-BR" sz="2400" dirty="0">
+              <a:latin typeface="Times New Roman" panose="02020603050405020304" pitchFamily="18" charset="0"/>
+              <a:cs typeface="Times New Roman" panose="02020603050405020304" pitchFamily="18" charset="0"/>
+            </a:endParaRPr>
           </a:p>
           <a:p>
             <a:pPr marL="0" indent="0" algn="just">
               <a:buNone/>
             </a:pPr>
-            <a:r>
-              <a:rPr lang="es-ES" dirty="0">
-                <a:latin typeface="Times New Roman" panose="02020603050405020304" pitchFamily="18" charset="0"/>
-                <a:cs typeface="Times New Roman" panose="02020603050405020304" pitchFamily="18" charset="0"/>
-              </a:rPr>
-              <a:t>- Quiz JS</a:t>
-            </a:r>
+            <a:endParaRPr lang="pt-BR" sz="2400" dirty="0">
+              <a:latin typeface="Times New Roman" panose="02020603050405020304" pitchFamily="18" charset="0"/>
+              <a:cs typeface="Times New Roman" panose="02020603050405020304" pitchFamily="18" charset="0"/>
+            </a:endParaRPr>
           </a:p>
           <a:p>
             <a:pPr marL="0" indent="0" algn="just">
               <a:buNone/>
             </a:pPr>
             <a:r>
-              <a:rPr lang="es-ES" dirty="0">
-                <a:latin typeface="Times New Roman" panose="02020603050405020304" pitchFamily="18" charset="0"/>
-                <a:cs typeface="Times New Roman" panose="02020603050405020304" pitchFamily="18" charset="0"/>
-                <a:hlinkClick r:id="rId3"/>
-              </a:rPr>
-              <a:t>https://www.w3schools.com/js/js_quiz.asp</a:t>
-            </a:r>
-            <a:endParaRPr lang="pt-BR" dirty="0">
-              <a:latin typeface="Calibri" panose="020F0502020204030204" pitchFamily="34" charset="0"/>
+              <a:rPr lang="pt-BR" sz="2400" dirty="0">
+                <a:latin typeface="Times New Roman" panose="02020603050405020304" pitchFamily="18" charset="0"/>
+                <a:cs typeface="Times New Roman" panose="02020603050405020304" pitchFamily="18" charset="0"/>
+              </a:rPr>
+              <a:t>[2] </a:t>
+            </a:r>
+            <a:r>
+              <a:rPr lang="pt-BR" sz="2400" dirty="0">
+                <a:latin typeface="Times New Roman" panose="02020603050405020304" pitchFamily="18" charset="0"/>
+                <a:cs typeface="Times New Roman" panose="02020603050405020304" pitchFamily="18" charset="0"/>
+                <a:hlinkClick r:id="rId4"/>
+              </a:rPr>
+              <a:t>https://www.youtube.com/watch?v=gYZhIVCPlFY</a:t>
+            </a:r>
+            <a:r>
+              <a:rPr lang="pt-BR" sz="2400" dirty="0">
+                <a:latin typeface="Times New Roman" panose="02020603050405020304" pitchFamily="18" charset="0"/>
+                <a:cs typeface="Times New Roman" panose="02020603050405020304" pitchFamily="18" charset="0"/>
+              </a:rPr>
+              <a:t> (JS)</a:t>
+            </a:r>
+          </a:p>
+          <a:p>
+            <a:pPr marL="0" indent="0" algn="just">
+              <a:buNone/>
+            </a:pPr>
+            <a:endParaRPr lang="pt-BR" sz="2400" dirty="0">
+              <a:latin typeface="Times New Roman" panose="02020603050405020304" pitchFamily="18" charset="0"/>
+              <a:cs typeface="Times New Roman" panose="02020603050405020304" pitchFamily="18" charset="0"/>
+            </a:endParaRPr>
+          </a:p>
+          <a:p>
+            <a:pPr marL="0" indent="0" algn="just">
+              <a:buNone/>
+            </a:pPr>
+            <a:endParaRPr lang="pt-BR" sz="2400" dirty="0">
+              <a:latin typeface="Times New Roman" panose="02020603050405020304" pitchFamily="18" charset="0"/>
+              <a:cs typeface="Times New Roman" panose="02020603050405020304" pitchFamily="18" charset="0"/>
             </a:endParaRPr>
           </a:p>
         </p:txBody>
@@ -5261,7 +6108,7 @@
     </p:spTree>
     <p:extLst>
       <p:ext uri="{BB962C8B-B14F-4D97-AF65-F5344CB8AC3E}">
-        <p14:creationId xmlns:p14="http://schemas.microsoft.com/office/powerpoint/2010/main" val="2470652989"/>
+        <p14:creationId xmlns:p14="http://schemas.microsoft.com/office/powerpoint/2010/main" val="2747596967"/>
       </p:ext>
     </p:extLst>
   </p:cSld>
@@ -5317,7 +6164,7 @@
                   <a:srgbClr val="0070C0"/>
                 </a:solidFill>
               </a:rPr>
-              <a:t>Referências</a:t>
+              <a:t>Dinâmica</a:t>
             </a:r>
             <a:r>
               <a:rPr lang="en-US" b="1" dirty="0">
@@ -5325,7 +6172,7 @@
                   <a:srgbClr val="0070C0"/>
                 </a:solidFill>
               </a:rPr>
-              <a:t> </a:t>
+              <a:t>/</a:t>
             </a:r>
             <a:r>
               <a:rPr lang="en-US" b="1" dirty="0" err="1">
@@ -5333,7 +6180,7 @@
                   <a:srgbClr val="0070C0"/>
                 </a:solidFill>
               </a:rPr>
-              <a:t>Bibliográficas</a:t>
+              <a:t>Atividades</a:t>
             </a:r>
             <a:endParaRPr lang="en-US" b="1" dirty="0">
               <a:solidFill>
@@ -5355,8 +6202,8 @@
         </p:nvSpPr>
         <p:spPr>
           <a:xfrm>
-            <a:off x="142865" y="1200151"/>
-            <a:ext cx="8865056" cy="3394472"/>
+            <a:off x="139472" y="1063230"/>
+            <a:ext cx="8865056" cy="3606305"/>
           </a:xfrm>
         </p:spPr>
         <p:txBody>
@@ -5365,78 +6212,92 @@
           </a:bodyPr>
           <a:lstStyle/>
           <a:p>
+            <a:pPr algn="just">
+              <a:buFontTx/>
+              <a:buChar char="-"/>
+            </a:pPr>
+            <a:r>
+              <a:rPr lang="pt-BR" dirty="0">
+                <a:latin typeface="Times New Roman" panose="02020603050405020304" pitchFamily="18" charset="0"/>
+                <a:cs typeface="Times New Roman" panose="02020603050405020304" pitchFamily="18" charset="0"/>
+              </a:rPr>
+              <a:t>Exercícios de Fixação </a:t>
+            </a:r>
+            <a:r>
+              <a:rPr lang="pt-BR" b="1" dirty="0">
+                <a:latin typeface="Times New Roman" panose="02020603050405020304" pitchFamily="18" charset="0"/>
+                <a:cs typeface="Times New Roman" panose="02020603050405020304" pitchFamily="18" charset="0"/>
+              </a:rPr>
+              <a:t>JS</a:t>
+            </a:r>
+          </a:p>
+          <a:p>
             <a:pPr marL="0" indent="0" algn="just">
               <a:buNone/>
             </a:pPr>
-            <a:endParaRPr lang="pt-BR" sz="2400" dirty="0">
-              <a:latin typeface="Times New Roman" panose="02020603050405020304" pitchFamily="18" charset="0"/>
-              <a:cs typeface="Times New Roman" panose="02020603050405020304" pitchFamily="18" charset="0"/>
-            </a:endParaRPr>
+            <a:r>
+              <a:rPr lang="pt-BR" dirty="0">
+                <a:latin typeface="Times New Roman" panose="02020603050405020304" pitchFamily="18" charset="0"/>
+                <a:cs typeface="Times New Roman" panose="02020603050405020304" pitchFamily="18" charset="0"/>
+              </a:rPr>
+              <a:t>	</a:t>
+            </a:r>
+            <a:r>
+              <a:rPr lang="pt-BR" b="1" dirty="0">
+                <a:solidFill>
+                  <a:srgbClr val="FF0000"/>
+                </a:solidFill>
+                <a:latin typeface="Times New Roman" panose="02020603050405020304" pitchFamily="18" charset="0"/>
+                <a:cs typeface="Times New Roman" panose="02020603050405020304" pitchFamily="18" charset="0"/>
+              </a:rPr>
+              <a:t>Desafios em Sala de Aula</a:t>
+            </a:r>
+            <a:r>
+              <a:rPr lang="pt-BR" dirty="0">
+                <a:latin typeface="Times New Roman" panose="02020603050405020304" pitchFamily="18" charset="0"/>
+                <a:cs typeface="Times New Roman" panose="02020603050405020304" pitchFamily="18" charset="0"/>
+              </a:rPr>
+              <a:t>.</a:t>
+            </a:r>
           </a:p>
           <a:p>
             <a:pPr marL="0" indent="0" algn="just">
               <a:buNone/>
             </a:pPr>
             <a:r>
-              <a:rPr lang="pt-BR" sz="2400" dirty="0">
-                <a:latin typeface="Times New Roman" panose="02020603050405020304" pitchFamily="18" charset="0"/>
-                <a:cs typeface="Times New Roman" panose="02020603050405020304" pitchFamily="18" charset="0"/>
-              </a:rPr>
-              <a:t>[1] Site: </a:t>
-            </a:r>
-            <a:r>
-              <a:rPr lang="pt-BR" sz="2400" dirty="0">
+              <a:rPr lang="pt-BR" dirty="0">
+                <a:latin typeface="Times New Roman" panose="02020603050405020304" pitchFamily="18" charset="0"/>
+                <a:cs typeface="Times New Roman" panose="02020603050405020304" pitchFamily="18" charset="0"/>
+              </a:rPr>
+              <a:t>	</a:t>
+            </a:r>
+          </a:p>
+          <a:p>
+            <a:pPr marL="0" indent="0" algn="just">
+              <a:buNone/>
+            </a:pPr>
+            <a:r>
+              <a:rPr lang="es-ES" dirty="0">
+                <a:latin typeface="Times New Roman" panose="02020603050405020304" pitchFamily="18" charset="0"/>
+                <a:cs typeface="Times New Roman" panose="02020603050405020304" pitchFamily="18" charset="0"/>
+              </a:rPr>
+              <a:t>- Quiz JS</a:t>
+            </a:r>
+          </a:p>
+          <a:p>
+            <a:pPr marL="0" indent="0" algn="just">
+              <a:buNone/>
+            </a:pPr>
+            <a:r>
+              <a:rPr lang="es-ES" dirty="0">
                 <a:latin typeface="Times New Roman" panose="02020603050405020304" pitchFamily="18" charset="0"/>
                 <a:cs typeface="Times New Roman" panose="02020603050405020304" pitchFamily="18" charset="0"/>
                 <a:hlinkClick r:id="rId3"/>
               </a:rPr>
-              <a:t>https://developer.mozilla.org/pt-BR/docs/Web/JavaScript</a:t>
-            </a:r>
-            <a:endParaRPr lang="pt-BR" sz="2400" dirty="0">
-              <a:latin typeface="Times New Roman" panose="02020603050405020304" pitchFamily="18" charset="0"/>
-              <a:cs typeface="Times New Roman" panose="02020603050405020304" pitchFamily="18" charset="0"/>
-            </a:endParaRPr>
-          </a:p>
-          <a:p>
-            <a:pPr marL="0" indent="0" algn="just">
-              <a:buNone/>
-            </a:pPr>
-            <a:endParaRPr lang="pt-BR" sz="2400" dirty="0">
-              <a:latin typeface="Times New Roman" panose="02020603050405020304" pitchFamily="18" charset="0"/>
-              <a:cs typeface="Times New Roman" panose="02020603050405020304" pitchFamily="18" charset="0"/>
-            </a:endParaRPr>
-          </a:p>
-          <a:p>
-            <a:pPr marL="0" indent="0" algn="just">
-              <a:buNone/>
-            </a:pPr>
-            <a:endParaRPr lang="pt-BR" sz="2400" dirty="0">
-              <a:latin typeface="Times New Roman" panose="02020603050405020304" pitchFamily="18" charset="0"/>
-              <a:cs typeface="Times New Roman" panose="02020603050405020304" pitchFamily="18" charset="0"/>
-            </a:endParaRPr>
-          </a:p>
-          <a:p>
-            <a:pPr marL="0" indent="0" algn="just">
-              <a:buNone/>
-            </a:pPr>
-            <a:r>
-              <a:rPr lang="pt-BR" sz="2400" dirty="0">
-                <a:latin typeface="Times New Roman" panose="02020603050405020304" pitchFamily="18" charset="0"/>
-                <a:cs typeface="Times New Roman" panose="02020603050405020304" pitchFamily="18" charset="0"/>
-              </a:rPr>
-              <a:t>[2] Site: </a:t>
-            </a:r>
-            <a:r>
-              <a:rPr lang="pt-BR" sz="2400" dirty="0">
-                <a:latin typeface="Times New Roman" panose="02020603050405020304" pitchFamily="18" charset="0"/>
-                <a:cs typeface="Times New Roman" panose="02020603050405020304" pitchFamily="18" charset="0"/>
-                <a:hlinkClick r:id="rId4"/>
-              </a:rPr>
-              <a:t>https://www.w3schools.com/jsref/</a:t>
-            </a:r>
-            <a:endParaRPr lang="pt-BR" sz="2400" dirty="0">
-              <a:latin typeface="Times New Roman" panose="02020603050405020304" pitchFamily="18" charset="0"/>
-              <a:cs typeface="Times New Roman" panose="02020603050405020304" pitchFamily="18" charset="0"/>
+              <a:t>https://www.w3schools.com/js/js_quiz.asp</a:t>
+            </a:r>
+            <a:endParaRPr lang="pt-BR" dirty="0">
+              <a:latin typeface="Calibri" panose="020F0502020204030204" pitchFamily="34" charset="0"/>
             </a:endParaRPr>
           </a:p>
         </p:txBody>
@@ -5444,7 +6305,7 @@
     </p:spTree>
     <p:extLst>
       <p:ext uri="{BB962C8B-B14F-4D97-AF65-F5344CB8AC3E}">
-        <p14:creationId xmlns:p14="http://schemas.microsoft.com/office/powerpoint/2010/main" val="1115311843"/>
+        <p14:creationId xmlns:p14="http://schemas.microsoft.com/office/powerpoint/2010/main" val="2470652989"/>
       </p:ext>
     </p:extLst>
   </p:cSld>
@@ -5472,96 +6333,9 @@
           <a:chExt cx="0" cy="0"/>
         </a:xfrm>
       </p:grpSpPr>
-      <p:pic>
-        <p:nvPicPr>
-          <p:cNvPr id="112" name="Picture 6" descr="Picture 6"/>
-          <p:cNvPicPr>
-            <a:picLocks noChangeAspect="1"/>
-          </p:cNvPicPr>
-          <p:nvPr/>
-        </p:nvPicPr>
-        <p:blipFill>
-          <a:blip r:embed="rId2"/>
-          <a:stretch>
-            <a:fillRect/>
-          </a:stretch>
-        </p:blipFill>
-        <p:spPr>
-          <a:xfrm>
-            <a:off x="0" y="0"/>
-            <a:ext cx="9144000" cy="5143500"/>
-          </a:xfrm>
-          <a:prstGeom prst="rect">
-            <a:avLst/>
-          </a:prstGeom>
-          <a:ln w="12700">
-            <a:miter lim="400000"/>
-            <a:headEnd/>
-            <a:tailEnd/>
-          </a:ln>
-        </p:spPr>
-      </p:pic>
-      <p:pic>
-        <p:nvPicPr>
-          <p:cNvPr id="114" name="Picture 5" descr="Picture 5"/>
-          <p:cNvPicPr>
-            <a:picLocks noChangeAspect="1"/>
-          </p:cNvPicPr>
-          <p:nvPr/>
-        </p:nvPicPr>
-        <p:blipFill>
-          <a:blip r:embed="rId3"/>
-          <a:stretch>
-            <a:fillRect/>
-          </a:stretch>
-        </p:blipFill>
-        <p:spPr>
-          <a:xfrm>
-            <a:off x="469900" y="0"/>
-            <a:ext cx="4391984" cy="171450"/>
-          </a:xfrm>
-          <a:prstGeom prst="rect">
-            <a:avLst/>
-          </a:prstGeom>
-          <a:ln w="12700">
-            <a:miter lim="400000"/>
-            <a:headEnd/>
-            <a:tailEnd/>
-          </a:ln>
-        </p:spPr>
-      </p:pic>
-      <p:pic>
-        <p:nvPicPr>
-          <p:cNvPr id="115" name="Imagem" descr="Imagem"/>
-          <p:cNvPicPr>
-            <a:picLocks noChangeAspect="1"/>
-          </p:cNvPicPr>
-          <p:nvPr/>
-        </p:nvPicPr>
-        <p:blipFill>
-          <a:blip r:embed="rId4"/>
-          <a:stretch>
-            <a:fillRect/>
-          </a:stretch>
-        </p:blipFill>
-        <p:spPr>
-          <a:xfrm>
-            <a:off x="823046" y="300823"/>
-            <a:ext cx="3685692" cy="1189055"/>
-          </a:xfrm>
-          <a:prstGeom prst="rect">
-            <a:avLst/>
-          </a:prstGeom>
-          <a:ln w="12700">
-            <a:miter lim="400000"/>
-            <a:headEnd/>
-            <a:tailEnd/>
-          </a:ln>
-        </p:spPr>
-      </p:pic>
       <p:sp>
         <p:nvSpPr>
-          <p:cNvPr id="3" name="Título 2"/>
+          <p:cNvPr id="6" name="Title 1"/>
           <p:cNvSpPr>
             <a:spLocks noGrp="1"/>
           </p:cNvSpPr>
@@ -5571,8 +6345,62 @@
         </p:nvSpPr>
         <p:spPr>
           <a:xfrm>
-            <a:off x="285751" y="2386770"/>
-            <a:ext cx="8615364" cy="1102519"/>
+            <a:off x="457200" y="205980"/>
+            <a:ext cx="8229600" cy="857251"/>
+          </a:xfrm>
+        </p:spPr>
+        <p:txBody>
+          <a:bodyPr>
+            <a:normAutofit/>
+          </a:bodyPr>
+          <a:lstStyle/>
+          <a:p>
+            <a:r>
+              <a:rPr lang="en-US" b="1" dirty="0" err="1">
+                <a:solidFill>
+                  <a:srgbClr val="0070C0"/>
+                </a:solidFill>
+              </a:rPr>
+              <a:t>Referências</a:t>
+            </a:r>
+            <a:r>
+              <a:rPr lang="en-US" b="1" dirty="0">
+                <a:solidFill>
+                  <a:srgbClr val="0070C0"/>
+                </a:solidFill>
+              </a:rPr>
+              <a:t> </a:t>
+            </a:r>
+            <a:r>
+              <a:rPr lang="en-US" b="1" dirty="0" err="1">
+                <a:solidFill>
+                  <a:srgbClr val="0070C0"/>
+                </a:solidFill>
+              </a:rPr>
+              <a:t>Bibliográficas</a:t>
+            </a:r>
+            <a:endParaRPr lang="en-US" b="1" dirty="0">
+              <a:solidFill>
+                <a:srgbClr val="0070C0"/>
+              </a:solidFill>
+            </a:endParaRPr>
+          </a:p>
+        </p:txBody>
+      </p:sp>
+      <p:sp>
+        <p:nvSpPr>
+          <p:cNvPr id="8" name="Text Placeholder 2"/>
+          <p:cNvSpPr>
+            <a:spLocks noGrp="1"/>
+          </p:cNvSpPr>
+          <p:nvPr>
+            <p:ph type="body" sz="half" idx="1"/>
+          </p:nvPr>
+        </p:nvSpPr>
+        <p:spPr>
+          <a:xfrm>
+            <a:off x="142865" y="1200151"/>
+            <a:ext cx="8865056" cy="3394472"/>
           </a:xfrm>
         </p:spPr>
         <p:txBody>
@@ -5581,338 +6409,88 @@
           </a:bodyPr>
           <a:lstStyle/>
           <a:p>
-            <a:r>
-              <a:rPr lang="pt-BR" sz="4800" b="1" dirty="0">
-                <a:solidFill>
-                  <a:schemeClr val="bg1"/>
-                </a:solidFill>
-              </a:rPr>
-              <a:t>Desenvolvimento Web </a:t>
-            </a:r>
-            <a:br>
-              <a:rPr lang="pt-BR" sz="4800" b="1" dirty="0">
-                <a:solidFill>
-                  <a:schemeClr val="bg1"/>
-                </a:solidFill>
-              </a:rPr>
-            </a:br>
-            <a:r>
-              <a:rPr lang="pt-BR" sz="4800" b="1" dirty="0">
-                <a:solidFill>
-                  <a:schemeClr val="bg1"/>
-                </a:solidFill>
-              </a:rPr>
-              <a:t>JS</a:t>
-            </a:r>
-          </a:p>
-        </p:txBody>
-      </p:sp>
-      <p:sp>
-        <p:nvSpPr>
-          <p:cNvPr id="6" name="Título 2"/>
-          <p:cNvSpPr txBox="1"/>
-          <p:nvPr/>
-        </p:nvSpPr>
-        <p:spPr>
-          <a:xfrm>
-            <a:off x="975683" y="3866663"/>
-            <a:ext cx="7772400" cy="1102519"/>
-          </a:xfrm>
-          <a:prstGeom prst="rect">
-            <a:avLst/>
-          </a:prstGeom>
-          <a:ln w="12700">
-            <a:miter lim="400000"/>
-          </a:ln>
-        </p:spPr>
-        <p:txBody>
-          <a:bodyPr lIns="45718" tIns="45718" rIns="45718" bIns="45718" anchor="ctr">
-            <a:noAutofit/>
-          </a:bodyPr>
-          <a:lstStyle>
-            <a:lvl1pPr marL="0" marR="0" indent="0" algn="ctr" defTabSz="457200" rtl="0" latinLnBrk="0">
-              <a:lnSpc>
-                <a:spcPct val="100000"/>
-              </a:lnSpc>
-              <a:spcBef>
-                <a:spcPts val="0"/>
-              </a:spcBef>
-              <a:spcAft>
-                <a:spcPts val="0"/>
-              </a:spcAft>
-              <a:buClrTx/>
-              <a:buSzTx/>
-              <a:buFontTx/>
-              <a:buNone/>
-              <a:defRPr sz="4400" b="0" i="0" u="none" strike="noStrike" cap="none" spc="0" baseline="0">
-                <a:ln>
-                  <a:noFill/>
-                </a:ln>
-                <a:solidFill>
-                  <a:srgbClr val="000000"/>
-                </a:solidFill>
-                <a:uFillTx/>
-                <a:latin typeface="+mj-lt"/>
-                <a:ea typeface="+mj-ea"/>
-                <a:cs typeface="+mj-cs"/>
-                <a:sym typeface="Calibri"/>
-              </a:defRPr>
-            </a:lvl1pPr>
-            <a:lvl2pPr marL="0" marR="0" indent="0" algn="ctr" defTabSz="457200" rtl="0" latinLnBrk="0">
-              <a:lnSpc>
-                <a:spcPct val="100000"/>
-              </a:lnSpc>
-              <a:spcBef>
-                <a:spcPts val="0"/>
-              </a:spcBef>
-              <a:spcAft>
-                <a:spcPts val="0"/>
-              </a:spcAft>
-              <a:buClrTx/>
-              <a:buSzTx/>
-              <a:buFontTx/>
-              <a:buNone/>
-              <a:defRPr sz="4400" b="0" i="0" u="none" strike="noStrike" cap="none" spc="0" baseline="0">
-                <a:ln>
-                  <a:noFill/>
-                </a:ln>
-                <a:solidFill>
-                  <a:srgbClr val="000000"/>
-                </a:solidFill>
-                <a:uFillTx/>
-                <a:latin typeface="+mj-lt"/>
-                <a:ea typeface="+mj-ea"/>
-                <a:cs typeface="+mj-cs"/>
-                <a:sym typeface="Calibri"/>
-              </a:defRPr>
-            </a:lvl2pPr>
-            <a:lvl3pPr marL="0" marR="0" indent="0" algn="ctr" defTabSz="457200" rtl="0" latinLnBrk="0">
-              <a:lnSpc>
-                <a:spcPct val="100000"/>
-              </a:lnSpc>
-              <a:spcBef>
-                <a:spcPts val="0"/>
-              </a:spcBef>
-              <a:spcAft>
-                <a:spcPts val="0"/>
-              </a:spcAft>
-              <a:buClrTx/>
-              <a:buSzTx/>
-              <a:buFontTx/>
-              <a:buNone/>
-              <a:defRPr sz="4400" b="0" i="0" u="none" strike="noStrike" cap="none" spc="0" baseline="0">
-                <a:ln>
-                  <a:noFill/>
-                </a:ln>
-                <a:solidFill>
-                  <a:srgbClr val="000000"/>
-                </a:solidFill>
-                <a:uFillTx/>
-                <a:latin typeface="+mj-lt"/>
-                <a:ea typeface="+mj-ea"/>
-                <a:cs typeface="+mj-cs"/>
-                <a:sym typeface="Calibri"/>
-              </a:defRPr>
-            </a:lvl3pPr>
-            <a:lvl4pPr marL="0" marR="0" indent="0" algn="ctr" defTabSz="457200" rtl="0" latinLnBrk="0">
-              <a:lnSpc>
-                <a:spcPct val="100000"/>
-              </a:lnSpc>
-              <a:spcBef>
-                <a:spcPts val="0"/>
-              </a:spcBef>
-              <a:spcAft>
-                <a:spcPts val="0"/>
-              </a:spcAft>
-              <a:buClrTx/>
-              <a:buSzTx/>
-              <a:buFontTx/>
-              <a:buNone/>
-              <a:defRPr sz="4400" b="0" i="0" u="none" strike="noStrike" cap="none" spc="0" baseline="0">
-                <a:ln>
-                  <a:noFill/>
-                </a:ln>
-                <a:solidFill>
-                  <a:srgbClr val="000000"/>
-                </a:solidFill>
-                <a:uFillTx/>
-                <a:latin typeface="+mj-lt"/>
-                <a:ea typeface="+mj-ea"/>
-                <a:cs typeface="+mj-cs"/>
-                <a:sym typeface="Calibri"/>
-              </a:defRPr>
-            </a:lvl4pPr>
-            <a:lvl5pPr marL="0" marR="0" indent="0" algn="ctr" defTabSz="457200" rtl="0" latinLnBrk="0">
-              <a:lnSpc>
-                <a:spcPct val="100000"/>
-              </a:lnSpc>
-              <a:spcBef>
-                <a:spcPts val="0"/>
-              </a:spcBef>
-              <a:spcAft>
-                <a:spcPts val="0"/>
-              </a:spcAft>
-              <a:buClrTx/>
-              <a:buSzTx/>
-              <a:buFontTx/>
-              <a:buNone/>
-              <a:defRPr sz="4400" b="0" i="0" u="none" strike="noStrike" cap="none" spc="0" baseline="0">
-                <a:ln>
-                  <a:noFill/>
-                </a:ln>
-                <a:solidFill>
-                  <a:srgbClr val="000000"/>
-                </a:solidFill>
-                <a:uFillTx/>
-                <a:latin typeface="+mj-lt"/>
-                <a:ea typeface="+mj-ea"/>
-                <a:cs typeface="+mj-cs"/>
-                <a:sym typeface="Calibri"/>
-              </a:defRPr>
-            </a:lvl5pPr>
-            <a:lvl6pPr marL="0" marR="0" indent="0" algn="ctr" defTabSz="457200" rtl="0" latinLnBrk="0">
-              <a:lnSpc>
-                <a:spcPct val="100000"/>
-              </a:lnSpc>
-              <a:spcBef>
-                <a:spcPts val="0"/>
-              </a:spcBef>
-              <a:spcAft>
-                <a:spcPts val="0"/>
-              </a:spcAft>
-              <a:buClrTx/>
-              <a:buSzTx/>
-              <a:buFontTx/>
-              <a:buNone/>
-              <a:defRPr sz="4400" b="0" i="0" u="none" strike="noStrike" cap="none" spc="0" baseline="0">
-                <a:ln>
-                  <a:noFill/>
-                </a:ln>
-                <a:solidFill>
-                  <a:srgbClr val="000000"/>
-                </a:solidFill>
-                <a:uFillTx/>
-                <a:latin typeface="+mj-lt"/>
-                <a:ea typeface="+mj-ea"/>
-                <a:cs typeface="+mj-cs"/>
-                <a:sym typeface="Calibri"/>
-              </a:defRPr>
-            </a:lvl6pPr>
-            <a:lvl7pPr marL="0" marR="0" indent="0" algn="ctr" defTabSz="457200" rtl="0" latinLnBrk="0">
-              <a:lnSpc>
-                <a:spcPct val="100000"/>
-              </a:lnSpc>
-              <a:spcBef>
-                <a:spcPts val="0"/>
-              </a:spcBef>
-              <a:spcAft>
-                <a:spcPts val="0"/>
-              </a:spcAft>
-              <a:buClrTx/>
-              <a:buSzTx/>
-              <a:buFontTx/>
-              <a:buNone/>
-              <a:defRPr sz="4400" b="0" i="0" u="none" strike="noStrike" cap="none" spc="0" baseline="0">
-                <a:ln>
-                  <a:noFill/>
-                </a:ln>
-                <a:solidFill>
-                  <a:srgbClr val="000000"/>
-                </a:solidFill>
-                <a:uFillTx/>
-                <a:latin typeface="+mj-lt"/>
-                <a:ea typeface="+mj-ea"/>
-                <a:cs typeface="+mj-cs"/>
-                <a:sym typeface="Calibri"/>
-              </a:defRPr>
-            </a:lvl7pPr>
-            <a:lvl8pPr marL="0" marR="0" indent="0" algn="ctr" defTabSz="457200" rtl="0" latinLnBrk="0">
-              <a:lnSpc>
-                <a:spcPct val="100000"/>
-              </a:lnSpc>
-              <a:spcBef>
-                <a:spcPts val="0"/>
-              </a:spcBef>
-              <a:spcAft>
-                <a:spcPts val="0"/>
-              </a:spcAft>
-              <a:buClrTx/>
-              <a:buSzTx/>
-              <a:buFontTx/>
-              <a:buNone/>
-              <a:defRPr sz="4400" b="0" i="0" u="none" strike="noStrike" cap="none" spc="0" baseline="0">
-                <a:ln>
-                  <a:noFill/>
-                </a:ln>
-                <a:solidFill>
-                  <a:srgbClr val="000000"/>
-                </a:solidFill>
-                <a:uFillTx/>
-                <a:latin typeface="+mj-lt"/>
-                <a:ea typeface="+mj-ea"/>
-                <a:cs typeface="+mj-cs"/>
-                <a:sym typeface="Calibri"/>
-              </a:defRPr>
-            </a:lvl8pPr>
-            <a:lvl9pPr marL="0" marR="0" indent="0" algn="ctr" defTabSz="457200" rtl="0" latinLnBrk="0">
-              <a:lnSpc>
-                <a:spcPct val="100000"/>
-              </a:lnSpc>
-              <a:spcBef>
-                <a:spcPts val="0"/>
-              </a:spcBef>
-              <a:spcAft>
-                <a:spcPts val="0"/>
-              </a:spcAft>
-              <a:buClrTx/>
-              <a:buSzTx/>
-              <a:buFontTx/>
-              <a:buNone/>
-              <a:defRPr sz="4400" b="0" i="0" u="none" strike="noStrike" cap="none" spc="0" baseline="0">
-                <a:ln>
-                  <a:noFill/>
-                </a:ln>
-                <a:solidFill>
-                  <a:srgbClr val="000000"/>
-                </a:solidFill>
-                <a:uFillTx/>
-                <a:latin typeface="+mj-lt"/>
-                <a:ea typeface="+mj-ea"/>
-                <a:cs typeface="+mj-cs"/>
-                <a:sym typeface="Calibri"/>
-              </a:defRPr>
-            </a:lvl9pPr>
-          </a:lstStyle>
-          <a:p>
-            <a:pPr algn="r" hangingPunct="1"/>
-            <a:r>
-              <a:rPr lang="pt-BR" sz="2000" b="1" dirty="0">
-                <a:solidFill>
-                  <a:schemeClr val="bg1"/>
-                </a:solidFill>
-              </a:rPr>
-              <a:t>Professor </a:t>
-            </a:r>
-            <a:r>
-              <a:rPr lang="pt-BR" sz="2000" b="1">
-                <a:solidFill>
-                  <a:schemeClr val="bg1"/>
-                </a:solidFill>
-              </a:rPr>
-              <a:t>M.Sc</a:t>
-            </a:r>
-            <a:r>
-              <a:rPr lang="pt-BR" sz="2000" b="1" dirty="0">
-                <a:solidFill>
-                  <a:schemeClr val="bg1"/>
-                </a:solidFill>
-              </a:rPr>
-              <a:t>. Heleno Cardoso</a:t>
-            </a:r>
+            <a:pPr marL="0" indent="0" algn="just">
+              <a:buNone/>
+            </a:pPr>
+            <a:endParaRPr lang="pt-BR" sz="2400" dirty="0">
+              <a:latin typeface="Times New Roman" panose="02020603050405020304" pitchFamily="18" charset="0"/>
+              <a:cs typeface="Times New Roman" panose="02020603050405020304" pitchFamily="18" charset="0"/>
+            </a:endParaRPr>
+          </a:p>
+          <a:p>
+            <a:pPr marL="0" indent="0" algn="just">
+              <a:buNone/>
+            </a:pPr>
+            <a:r>
+              <a:rPr lang="pt-BR" sz="2400" dirty="0">
+                <a:latin typeface="Times New Roman" panose="02020603050405020304" pitchFamily="18" charset="0"/>
+                <a:cs typeface="Times New Roman" panose="02020603050405020304" pitchFamily="18" charset="0"/>
+              </a:rPr>
+              <a:t>[1] Site: </a:t>
+            </a:r>
+            <a:r>
+              <a:rPr lang="pt-BR" sz="2400" dirty="0">
+                <a:latin typeface="Times New Roman" panose="02020603050405020304" pitchFamily="18" charset="0"/>
+                <a:cs typeface="Times New Roman" panose="02020603050405020304" pitchFamily="18" charset="0"/>
+                <a:hlinkClick r:id="rId3"/>
+              </a:rPr>
+              <a:t>https://developer.mozilla.org/pt-BR/docs/Web/JavaScript</a:t>
+            </a:r>
+            <a:endParaRPr lang="pt-BR" sz="2400" dirty="0">
+              <a:latin typeface="Times New Roman" panose="02020603050405020304" pitchFamily="18" charset="0"/>
+              <a:cs typeface="Times New Roman" panose="02020603050405020304" pitchFamily="18" charset="0"/>
+            </a:endParaRPr>
+          </a:p>
+          <a:p>
+            <a:pPr marL="0" indent="0" algn="just">
+              <a:buNone/>
+            </a:pPr>
+            <a:endParaRPr lang="pt-BR" sz="2400" dirty="0">
+              <a:latin typeface="Times New Roman" panose="02020603050405020304" pitchFamily="18" charset="0"/>
+              <a:cs typeface="Times New Roman" panose="02020603050405020304" pitchFamily="18" charset="0"/>
+            </a:endParaRPr>
+          </a:p>
+          <a:p>
+            <a:pPr marL="0" indent="0" algn="just">
+              <a:buNone/>
+            </a:pPr>
+            <a:endParaRPr lang="pt-BR" sz="2400" dirty="0">
+              <a:latin typeface="Times New Roman" panose="02020603050405020304" pitchFamily="18" charset="0"/>
+              <a:cs typeface="Times New Roman" panose="02020603050405020304" pitchFamily="18" charset="0"/>
+            </a:endParaRPr>
+          </a:p>
+          <a:p>
+            <a:pPr marL="0" indent="0" algn="just">
+              <a:buNone/>
+            </a:pPr>
+            <a:r>
+              <a:rPr lang="pt-BR" sz="2400" dirty="0">
+                <a:latin typeface="Times New Roman" panose="02020603050405020304" pitchFamily="18" charset="0"/>
+                <a:cs typeface="Times New Roman" panose="02020603050405020304" pitchFamily="18" charset="0"/>
+              </a:rPr>
+              <a:t>[2] Site: </a:t>
+            </a:r>
+            <a:r>
+              <a:rPr lang="pt-BR" sz="2400" dirty="0">
+                <a:latin typeface="Times New Roman" panose="02020603050405020304" pitchFamily="18" charset="0"/>
+                <a:cs typeface="Times New Roman" panose="02020603050405020304" pitchFamily="18" charset="0"/>
+                <a:hlinkClick r:id="rId4"/>
+              </a:rPr>
+              <a:t>https://www.w3schools.com/jsref/</a:t>
+            </a:r>
+            <a:endParaRPr lang="pt-BR" sz="2400" dirty="0">
+              <a:latin typeface="Times New Roman" panose="02020603050405020304" pitchFamily="18" charset="0"/>
+              <a:cs typeface="Times New Roman" panose="02020603050405020304" pitchFamily="18" charset="0"/>
+            </a:endParaRPr>
           </a:p>
         </p:txBody>
       </p:sp>
     </p:spTree>
+    <p:extLst>
+      <p:ext uri="{BB962C8B-B14F-4D97-AF65-F5344CB8AC3E}">
+        <p14:creationId xmlns:p14="http://schemas.microsoft.com/office/powerpoint/2010/main" val="1115311843"/>
+      </p:ext>
+    </p:extLst>
   </p:cSld>
   <p:clrMapOvr>
     <a:masterClrMapping/>

--- a/01 Classes/Aula 09 Desenvolvimento Web PHP - JS.pptx
+++ b/01 Classes/Aula 09 Desenvolvimento Web PHP - JS.pptx
@@ -5,19 +5,22 @@
     <p:sldMasterId id="2147483648" r:id="rId1"/>
   </p:sldMasterIdLst>
   <p:notesMasterIdLst>
-    <p:notesMasterId r:id="rId12"/>
+    <p:notesMasterId r:id="rId15"/>
   </p:notesMasterIdLst>
   <p:sldIdLst>
     <p:sldId id="256" r:id="rId2"/>
     <p:sldId id="291" r:id="rId3"/>
-    <p:sldId id="394" r:id="rId4"/>
-    <p:sldId id="395" r:id="rId5"/>
-    <p:sldId id="393" r:id="rId6"/>
-    <p:sldId id="333" r:id="rId7"/>
-    <p:sldId id="323" r:id="rId8"/>
-    <p:sldId id="334" r:id="rId9"/>
-    <p:sldId id="337" r:id="rId10"/>
-    <p:sldId id="309" r:id="rId11"/>
+    <p:sldId id="396" r:id="rId4"/>
+    <p:sldId id="394" r:id="rId5"/>
+    <p:sldId id="398" r:id="rId6"/>
+    <p:sldId id="395" r:id="rId7"/>
+    <p:sldId id="397" r:id="rId8"/>
+    <p:sldId id="393" r:id="rId9"/>
+    <p:sldId id="333" r:id="rId10"/>
+    <p:sldId id="323" r:id="rId11"/>
+    <p:sldId id="334" r:id="rId12"/>
+    <p:sldId id="337" r:id="rId13"/>
+    <p:sldId id="309" r:id="rId14"/>
   </p:sldIdLst>
   <p:sldSz cx="9144000" cy="5143500" type="screen16x9"/>
   <p:notesSz cx="6858000" cy="9144000"/>
@@ -559,7 +562,73 @@
     </p:spTree>
     <p:extLst>
       <p:ext uri="{BB962C8B-B14F-4D97-AF65-F5344CB8AC3E}">
-        <p14:creationId xmlns:p14="http://schemas.microsoft.com/office/powerpoint/2010/main" val="782496172"/>
+        <p14:creationId xmlns:p14="http://schemas.microsoft.com/office/powerpoint/2010/main" val="1106282462"/>
+      </p:ext>
+    </p:extLst>
+  </p:cSld>
+  <p:clrMapOvr>
+    <a:masterClrMapping/>
+  </p:clrMapOvr>
+</p:notes>
+</file>
+
+<file path=ppt/notesSlides/notesSlide10.xml><?xml version="1.0" encoding="utf-8"?>
+<p:notes xmlns:a="http://schemas.openxmlformats.org/drawingml/2006/main" xmlns:r="http://schemas.openxmlformats.org/officeDocument/2006/relationships" xmlns:p="http://schemas.openxmlformats.org/presentationml/2006/main">
+  <p:cSld>
+    <p:spTree>
+      <p:nvGrpSpPr>
+        <p:cNvPr id="1" name=""/>
+        <p:cNvGrpSpPr/>
+        <p:nvPr/>
+      </p:nvGrpSpPr>
+      <p:grpSpPr>
+        <a:xfrm>
+          <a:off x="0" y="0"/>
+          <a:ext cx="0" cy="0"/>
+          <a:chOff x="0" y="0"/>
+          <a:chExt cx="0" cy="0"/>
+        </a:xfrm>
+      </p:grpSpPr>
+      <p:sp>
+        <p:nvSpPr>
+          <p:cNvPr id="2" name="Espaço Reservado para Imagem de Slide 1"/>
+          <p:cNvSpPr>
+            <a:spLocks noGrp="1" noRot="1" noChangeAspect="1"/>
+          </p:cNvSpPr>
+          <p:nvPr>
+            <p:ph type="sldImg"/>
+          </p:nvPr>
+        </p:nvSpPr>
+        <p:spPr>
+          <a:xfrm>
+            <a:off x="381000" y="685800"/>
+            <a:ext cx="6096000" cy="3429000"/>
+          </a:xfrm>
+        </p:spPr>
+      </p:sp>
+      <p:sp>
+        <p:nvSpPr>
+          <p:cNvPr id="3" name="Espaço Reservado para Anotações 2"/>
+          <p:cNvSpPr>
+            <a:spLocks noGrp="1"/>
+          </p:cNvSpPr>
+          <p:nvPr>
+            <p:ph type="body" idx="1"/>
+          </p:nvPr>
+        </p:nvSpPr>
+        <p:spPr/>
+        <p:txBody>
+          <a:bodyPr/>
+          <a:lstStyle/>
+          <a:p>
+            <a:endParaRPr lang="pt-BR" dirty="0"/>
+          </a:p>
+        </p:txBody>
+      </p:sp>
+    </p:spTree>
+    <p:extLst>
+      <p:ext uri="{BB962C8B-B14F-4D97-AF65-F5344CB8AC3E}">
+        <p14:creationId xmlns:p14="http://schemas.microsoft.com/office/powerpoint/2010/main" val="4290351292"/>
       </p:ext>
     </p:extLst>
   </p:cSld>
@@ -625,7 +694,7 @@
     </p:spTree>
     <p:extLst>
       <p:ext uri="{BB962C8B-B14F-4D97-AF65-F5344CB8AC3E}">
-        <p14:creationId xmlns:p14="http://schemas.microsoft.com/office/powerpoint/2010/main" val="1591698349"/>
+        <p14:creationId xmlns:p14="http://schemas.microsoft.com/office/powerpoint/2010/main" val="782496172"/>
       </p:ext>
     </p:extLst>
   </p:cSld>
@@ -691,7 +760,7 @@
     </p:spTree>
     <p:extLst>
       <p:ext uri="{BB962C8B-B14F-4D97-AF65-F5344CB8AC3E}">
-        <p14:creationId xmlns:p14="http://schemas.microsoft.com/office/powerpoint/2010/main" val="2729863764"/>
+        <p14:creationId xmlns:p14="http://schemas.microsoft.com/office/powerpoint/2010/main" val="1188141592"/>
       </p:ext>
     </p:extLst>
   </p:cSld>
@@ -757,7 +826,7 @@
     </p:spTree>
     <p:extLst>
       <p:ext uri="{BB962C8B-B14F-4D97-AF65-F5344CB8AC3E}">
-        <p14:creationId xmlns:p14="http://schemas.microsoft.com/office/powerpoint/2010/main" val="585304384"/>
+        <p14:creationId xmlns:p14="http://schemas.microsoft.com/office/powerpoint/2010/main" val="1591698349"/>
       </p:ext>
     </p:extLst>
   </p:cSld>
@@ -823,7 +892,7 @@
     </p:spTree>
     <p:extLst>
       <p:ext uri="{BB962C8B-B14F-4D97-AF65-F5344CB8AC3E}">
-        <p14:creationId xmlns:p14="http://schemas.microsoft.com/office/powerpoint/2010/main" val="2709569597"/>
+        <p14:creationId xmlns:p14="http://schemas.microsoft.com/office/powerpoint/2010/main" val="858024088"/>
       </p:ext>
     </p:extLst>
   </p:cSld>
@@ -889,7 +958,7 @@
     </p:spTree>
     <p:extLst>
       <p:ext uri="{BB962C8B-B14F-4D97-AF65-F5344CB8AC3E}">
-        <p14:creationId xmlns:p14="http://schemas.microsoft.com/office/powerpoint/2010/main" val="2296249050"/>
+        <p14:creationId xmlns:p14="http://schemas.microsoft.com/office/powerpoint/2010/main" val="2729863764"/>
       </p:ext>
     </p:extLst>
   </p:cSld>
@@ -955,7 +1024,139 @@
     </p:spTree>
     <p:extLst>
       <p:ext uri="{BB962C8B-B14F-4D97-AF65-F5344CB8AC3E}">
-        <p14:creationId xmlns:p14="http://schemas.microsoft.com/office/powerpoint/2010/main" val="4290351292"/>
+        <p14:creationId xmlns:p14="http://schemas.microsoft.com/office/powerpoint/2010/main" val="585304384"/>
+      </p:ext>
+    </p:extLst>
+  </p:cSld>
+  <p:clrMapOvr>
+    <a:masterClrMapping/>
+  </p:clrMapOvr>
+</p:notes>
+</file>
+
+<file path=ppt/notesSlides/notesSlide8.xml><?xml version="1.0" encoding="utf-8"?>
+<p:notes xmlns:a="http://schemas.openxmlformats.org/drawingml/2006/main" xmlns:r="http://schemas.openxmlformats.org/officeDocument/2006/relationships" xmlns:p="http://schemas.openxmlformats.org/presentationml/2006/main">
+  <p:cSld>
+    <p:spTree>
+      <p:nvGrpSpPr>
+        <p:cNvPr id="1" name=""/>
+        <p:cNvGrpSpPr/>
+        <p:nvPr/>
+      </p:nvGrpSpPr>
+      <p:grpSpPr>
+        <a:xfrm>
+          <a:off x="0" y="0"/>
+          <a:ext cx="0" cy="0"/>
+          <a:chOff x="0" y="0"/>
+          <a:chExt cx="0" cy="0"/>
+        </a:xfrm>
+      </p:grpSpPr>
+      <p:sp>
+        <p:nvSpPr>
+          <p:cNvPr id="2" name="Espaço Reservado para Imagem de Slide 1"/>
+          <p:cNvSpPr>
+            <a:spLocks noGrp="1" noRot="1" noChangeAspect="1"/>
+          </p:cNvSpPr>
+          <p:nvPr>
+            <p:ph type="sldImg"/>
+          </p:nvPr>
+        </p:nvSpPr>
+        <p:spPr>
+          <a:xfrm>
+            <a:off x="381000" y="685800"/>
+            <a:ext cx="6096000" cy="3429000"/>
+          </a:xfrm>
+        </p:spPr>
+      </p:sp>
+      <p:sp>
+        <p:nvSpPr>
+          <p:cNvPr id="3" name="Espaço Reservado para Anotações 2"/>
+          <p:cNvSpPr>
+            <a:spLocks noGrp="1"/>
+          </p:cNvSpPr>
+          <p:nvPr>
+            <p:ph type="body" idx="1"/>
+          </p:nvPr>
+        </p:nvSpPr>
+        <p:spPr/>
+        <p:txBody>
+          <a:bodyPr/>
+          <a:lstStyle/>
+          <a:p>
+            <a:endParaRPr lang="pt-BR" dirty="0"/>
+          </a:p>
+        </p:txBody>
+      </p:sp>
+    </p:spTree>
+    <p:extLst>
+      <p:ext uri="{BB962C8B-B14F-4D97-AF65-F5344CB8AC3E}">
+        <p14:creationId xmlns:p14="http://schemas.microsoft.com/office/powerpoint/2010/main" val="2709569597"/>
+      </p:ext>
+    </p:extLst>
+  </p:cSld>
+  <p:clrMapOvr>
+    <a:masterClrMapping/>
+  </p:clrMapOvr>
+</p:notes>
+</file>
+
+<file path=ppt/notesSlides/notesSlide9.xml><?xml version="1.0" encoding="utf-8"?>
+<p:notes xmlns:a="http://schemas.openxmlformats.org/drawingml/2006/main" xmlns:r="http://schemas.openxmlformats.org/officeDocument/2006/relationships" xmlns:p="http://schemas.openxmlformats.org/presentationml/2006/main">
+  <p:cSld>
+    <p:spTree>
+      <p:nvGrpSpPr>
+        <p:cNvPr id="1" name=""/>
+        <p:cNvGrpSpPr/>
+        <p:nvPr/>
+      </p:nvGrpSpPr>
+      <p:grpSpPr>
+        <a:xfrm>
+          <a:off x="0" y="0"/>
+          <a:ext cx="0" cy="0"/>
+          <a:chOff x="0" y="0"/>
+          <a:chExt cx="0" cy="0"/>
+        </a:xfrm>
+      </p:grpSpPr>
+      <p:sp>
+        <p:nvSpPr>
+          <p:cNvPr id="2" name="Espaço Reservado para Imagem de Slide 1"/>
+          <p:cNvSpPr>
+            <a:spLocks noGrp="1" noRot="1" noChangeAspect="1"/>
+          </p:cNvSpPr>
+          <p:nvPr>
+            <p:ph type="sldImg"/>
+          </p:nvPr>
+        </p:nvSpPr>
+        <p:spPr>
+          <a:xfrm>
+            <a:off x="381000" y="685800"/>
+            <a:ext cx="6096000" cy="3429000"/>
+          </a:xfrm>
+        </p:spPr>
+      </p:sp>
+      <p:sp>
+        <p:nvSpPr>
+          <p:cNvPr id="3" name="Espaço Reservado para Anotações 2"/>
+          <p:cNvSpPr>
+            <a:spLocks noGrp="1"/>
+          </p:cNvSpPr>
+          <p:nvPr>
+            <p:ph type="body" idx="1"/>
+          </p:nvPr>
+        </p:nvSpPr>
+        <p:spPr/>
+        <p:txBody>
+          <a:bodyPr/>
+          <a:lstStyle/>
+          <a:p>
+            <a:endParaRPr lang="pt-BR" dirty="0"/>
+          </a:p>
+        </p:txBody>
+      </p:sp>
+    </p:spTree>
+    <p:extLst>
+      <p:ext uri="{BB962C8B-B14F-4D97-AF65-F5344CB8AC3E}">
+        <p14:creationId xmlns:p14="http://schemas.microsoft.com/office/powerpoint/2010/main" val="2296249050"/>
       </p:ext>
     </p:extLst>
   </p:cSld>
@@ -3763,6 +3964,580 @@
           <a:chExt cx="0" cy="0"/>
         </a:xfrm>
       </p:grpSpPr>
+      <p:sp>
+        <p:nvSpPr>
+          <p:cNvPr id="6" name="Title 1"/>
+          <p:cNvSpPr>
+            <a:spLocks noGrp="1"/>
+          </p:cNvSpPr>
+          <p:nvPr>
+            <p:ph type="title"/>
+          </p:nvPr>
+        </p:nvSpPr>
+        <p:spPr>
+          <a:xfrm>
+            <a:off x="457200" y="205980"/>
+            <a:ext cx="8229600" cy="857251"/>
+          </a:xfrm>
+        </p:spPr>
+        <p:txBody>
+          <a:bodyPr>
+            <a:normAutofit/>
+          </a:bodyPr>
+          <a:lstStyle/>
+          <a:p>
+            <a:r>
+              <a:rPr lang="en-US" b="1" dirty="0" err="1">
+                <a:solidFill>
+                  <a:srgbClr val="0070C0"/>
+                </a:solidFill>
+              </a:rPr>
+              <a:t>Aprenda</a:t>
+            </a:r>
+            <a:r>
+              <a:rPr lang="en-US" b="1" dirty="0">
+                <a:solidFill>
+                  <a:srgbClr val="0070C0"/>
+                </a:solidFill>
+              </a:rPr>
+              <a:t>+</a:t>
+            </a:r>
+          </a:p>
+        </p:txBody>
+      </p:sp>
+      <p:sp>
+        <p:nvSpPr>
+          <p:cNvPr id="8" name="Text Placeholder 2"/>
+          <p:cNvSpPr>
+            <a:spLocks noGrp="1"/>
+          </p:cNvSpPr>
+          <p:nvPr>
+            <p:ph type="body" sz="half" idx="1"/>
+          </p:nvPr>
+        </p:nvSpPr>
+        <p:spPr>
+          <a:xfrm>
+            <a:off x="142865" y="1200151"/>
+            <a:ext cx="8865056" cy="3394472"/>
+          </a:xfrm>
+        </p:spPr>
+        <p:txBody>
+          <a:bodyPr>
+            <a:noAutofit/>
+          </a:bodyPr>
+          <a:lstStyle/>
+          <a:p>
+            <a:pPr marL="0" indent="0" algn="just">
+              <a:buNone/>
+            </a:pPr>
+            <a:endParaRPr lang="pt-BR" sz="2400" dirty="0">
+              <a:latin typeface="Times New Roman" panose="02020603050405020304" pitchFamily="18" charset="0"/>
+              <a:cs typeface="Times New Roman" panose="02020603050405020304" pitchFamily="18" charset="0"/>
+            </a:endParaRPr>
+          </a:p>
+          <a:p>
+            <a:pPr marL="0" indent="0" algn="just">
+              <a:buNone/>
+            </a:pPr>
+            <a:r>
+              <a:rPr lang="pt-BR" sz="2400" dirty="0">
+                <a:latin typeface="Times New Roman" panose="02020603050405020304" pitchFamily="18" charset="0"/>
+                <a:cs typeface="Times New Roman" panose="02020603050405020304" pitchFamily="18" charset="0"/>
+              </a:rPr>
+              <a:t>[1] </a:t>
+            </a:r>
+            <a:r>
+              <a:rPr lang="pt-BR" sz="2400" dirty="0">
+                <a:latin typeface="Times New Roman" panose="02020603050405020304" pitchFamily="18" charset="0"/>
+                <a:cs typeface="Times New Roman" panose="02020603050405020304" pitchFamily="18" charset="0"/>
+                <a:hlinkClick r:id="rId3"/>
+              </a:rPr>
+              <a:t>https://www.youtube.com/watch?v=W6NZfCO5SIk</a:t>
+            </a:r>
+            <a:r>
+              <a:rPr lang="pt-BR" sz="2400" dirty="0">
+                <a:latin typeface="Times New Roman" panose="02020603050405020304" pitchFamily="18" charset="0"/>
+                <a:cs typeface="Times New Roman" panose="02020603050405020304" pitchFamily="18" charset="0"/>
+              </a:rPr>
+              <a:t> (JS)</a:t>
+            </a:r>
+          </a:p>
+          <a:p>
+            <a:pPr marL="0" indent="0" algn="just">
+              <a:buNone/>
+            </a:pPr>
+            <a:endParaRPr lang="pt-BR" sz="2400" dirty="0">
+              <a:latin typeface="Times New Roman" panose="02020603050405020304" pitchFamily="18" charset="0"/>
+              <a:cs typeface="Times New Roman" panose="02020603050405020304" pitchFamily="18" charset="0"/>
+            </a:endParaRPr>
+          </a:p>
+          <a:p>
+            <a:pPr marL="0" indent="0" algn="just">
+              <a:buNone/>
+            </a:pPr>
+            <a:endParaRPr lang="pt-BR" sz="2400" dirty="0">
+              <a:latin typeface="Times New Roman" panose="02020603050405020304" pitchFamily="18" charset="0"/>
+              <a:cs typeface="Times New Roman" panose="02020603050405020304" pitchFamily="18" charset="0"/>
+            </a:endParaRPr>
+          </a:p>
+          <a:p>
+            <a:pPr marL="0" indent="0" algn="just">
+              <a:buNone/>
+            </a:pPr>
+            <a:r>
+              <a:rPr lang="pt-BR" sz="2400" dirty="0">
+                <a:latin typeface="Times New Roman" panose="02020603050405020304" pitchFamily="18" charset="0"/>
+                <a:cs typeface="Times New Roman" panose="02020603050405020304" pitchFamily="18" charset="0"/>
+              </a:rPr>
+              <a:t>[2] </a:t>
+            </a:r>
+            <a:r>
+              <a:rPr lang="pt-BR" sz="2400" dirty="0">
+                <a:latin typeface="Times New Roman" panose="02020603050405020304" pitchFamily="18" charset="0"/>
+                <a:cs typeface="Times New Roman" panose="02020603050405020304" pitchFamily="18" charset="0"/>
+                <a:hlinkClick r:id="rId4"/>
+              </a:rPr>
+              <a:t>https://www.youtube.com/watch?v=gYZhIVCPlFY</a:t>
+            </a:r>
+            <a:r>
+              <a:rPr lang="pt-BR" sz="2400" dirty="0">
+                <a:latin typeface="Times New Roman" panose="02020603050405020304" pitchFamily="18" charset="0"/>
+                <a:cs typeface="Times New Roman" panose="02020603050405020304" pitchFamily="18" charset="0"/>
+              </a:rPr>
+              <a:t> (JS)</a:t>
+            </a:r>
+          </a:p>
+          <a:p>
+            <a:pPr marL="0" indent="0" algn="just">
+              <a:buNone/>
+            </a:pPr>
+            <a:endParaRPr lang="pt-BR" sz="2400" dirty="0">
+              <a:latin typeface="Times New Roman" panose="02020603050405020304" pitchFamily="18" charset="0"/>
+              <a:cs typeface="Times New Roman" panose="02020603050405020304" pitchFamily="18" charset="0"/>
+            </a:endParaRPr>
+          </a:p>
+          <a:p>
+            <a:pPr marL="0" indent="0" algn="just">
+              <a:buNone/>
+            </a:pPr>
+            <a:endParaRPr lang="pt-BR" sz="2400" dirty="0">
+              <a:latin typeface="Times New Roman" panose="02020603050405020304" pitchFamily="18" charset="0"/>
+              <a:cs typeface="Times New Roman" panose="02020603050405020304" pitchFamily="18" charset="0"/>
+            </a:endParaRPr>
+          </a:p>
+        </p:txBody>
+      </p:sp>
+    </p:spTree>
+    <p:extLst>
+      <p:ext uri="{BB962C8B-B14F-4D97-AF65-F5344CB8AC3E}">
+        <p14:creationId xmlns:p14="http://schemas.microsoft.com/office/powerpoint/2010/main" val="2747596967"/>
+      </p:ext>
+    </p:extLst>
+  </p:cSld>
+  <p:clrMapOvr>
+    <a:masterClrMapping/>
+  </p:clrMapOvr>
+  <p:transition spd="med"/>
+</p:sld>
+</file>
+
+<file path=ppt/slides/slide11.xml><?xml version="1.0" encoding="utf-8"?>
+<p:sld xmlns:a="http://schemas.openxmlformats.org/drawingml/2006/main" xmlns:r="http://schemas.openxmlformats.org/officeDocument/2006/relationships" xmlns:p="http://schemas.openxmlformats.org/presentationml/2006/main">
+  <p:cSld>
+    <p:spTree>
+      <p:nvGrpSpPr>
+        <p:cNvPr id="1" name=""/>
+        <p:cNvGrpSpPr/>
+        <p:nvPr/>
+      </p:nvGrpSpPr>
+      <p:grpSpPr>
+        <a:xfrm>
+          <a:off x="0" y="0"/>
+          <a:ext cx="0" cy="0"/>
+          <a:chOff x="0" y="0"/>
+          <a:chExt cx="0" cy="0"/>
+        </a:xfrm>
+      </p:grpSpPr>
+      <p:sp>
+        <p:nvSpPr>
+          <p:cNvPr id="6" name="Title 1"/>
+          <p:cNvSpPr>
+            <a:spLocks noGrp="1"/>
+          </p:cNvSpPr>
+          <p:nvPr>
+            <p:ph type="title"/>
+          </p:nvPr>
+        </p:nvSpPr>
+        <p:spPr>
+          <a:xfrm>
+            <a:off x="457200" y="205980"/>
+            <a:ext cx="8229600" cy="857251"/>
+          </a:xfrm>
+        </p:spPr>
+        <p:txBody>
+          <a:bodyPr>
+            <a:normAutofit/>
+          </a:bodyPr>
+          <a:lstStyle/>
+          <a:p>
+            <a:r>
+              <a:rPr lang="en-US" b="1" dirty="0" err="1">
+                <a:solidFill>
+                  <a:srgbClr val="0070C0"/>
+                </a:solidFill>
+              </a:rPr>
+              <a:t>Dinâmica</a:t>
+            </a:r>
+            <a:r>
+              <a:rPr lang="en-US" b="1" dirty="0">
+                <a:solidFill>
+                  <a:srgbClr val="0070C0"/>
+                </a:solidFill>
+              </a:rPr>
+              <a:t>/</a:t>
+            </a:r>
+            <a:r>
+              <a:rPr lang="en-US" b="1" dirty="0" err="1">
+                <a:solidFill>
+                  <a:srgbClr val="0070C0"/>
+                </a:solidFill>
+              </a:rPr>
+              <a:t>Atividades</a:t>
+            </a:r>
+            <a:endParaRPr lang="en-US" b="1" dirty="0">
+              <a:solidFill>
+                <a:srgbClr val="0070C0"/>
+              </a:solidFill>
+            </a:endParaRPr>
+          </a:p>
+        </p:txBody>
+      </p:sp>
+      <p:sp>
+        <p:nvSpPr>
+          <p:cNvPr id="8" name="Text Placeholder 2"/>
+          <p:cNvSpPr>
+            <a:spLocks noGrp="1"/>
+          </p:cNvSpPr>
+          <p:nvPr>
+            <p:ph type="body" sz="half" idx="1"/>
+          </p:nvPr>
+        </p:nvSpPr>
+        <p:spPr>
+          <a:xfrm>
+            <a:off x="139472" y="1063230"/>
+            <a:ext cx="8865056" cy="3606305"/>
+          </a:xfrm>
+        </p:spPr>
+        <p:txBody>
+          <a:bodyPr>
+            <a:noAutofit/>
+          </a:bodyPr>
+          <a:lstStyle/>
+          <a:p>
+            <a:pPr algn="just">
+              <a:buFontTx/>
+              <a:buChar char="-"/>
+            </a:pPr>
+            <a:r>
+              <a:rPr lang="pt-BR" dirty="0">
+                <a:latin typeface="Times New Roman" panose="02020603050405020304" pitchFamily="18" charset="0"/>
+                <a:cs typeface="Times New Roman" panose="02020603050405020304" pitchFamily="18" charset="0"/>
+              </a:rPr>
+              <a:t>Exercícios de Fixação </a:t>
+            </a:r>
+            <a:r>
+              <a:rPr lang="pt-BR" b="1" dirty="0">
+                <a:latin typeface="Times New Roman" panose="02020603050405020304" pitchFamily="18" charset="0"/>
+                <a:cs typeface="Times New Roman" panose="02020603050405020304" pitchFamily="18" charset="0"/>
+              </a:rPr>
+              <a:t>JS</a:t>
+            </a:r>
+          </a:p>
+          <a:p>
+            <a:pPr marL="0" indent="0" algn="just">
+              <a:buNone/>
+            </a:pPr>
+            <a:r>
+              <a:rPr lang="pt-BR" dirty="0">
+                <a:latin typeface="Times New Roman" panose="02020603050405020304" pitchFamily="18" charset="0"/>
+                <a:cs typeface="Times New Roman" panose="02020603050405020304" pitchFamily="18" charset="0"/>
+              </a:rPr>
+              <a:t>	</a:t>
+            </a:r>
+            <a:r>
+              <a:rPr lang="pt-BR" b="1" dirty="0">
+                <a:solidFill>
+                  <a:srgbClr val="FF0000"/>
+                </a:solidFill>
+                <a:latin typeface="Times New Roman" panose="02020603050405020304" pitchFamily="18" charset="0"/>
+                <a:cs typeface="Times New Roman" panose="02020603050405020304" pitchFamily="18" charset="0"/>
+              </a:rPr>
+              <a:t>Desafios em Sala de Aula</a:t>
+            </a:r>
+            <a:r>
+              <a:rPr lang="pt-BR" dirty="0">
+                <a:latin typeface="Times New Roman" panose="02020603050405020304" pitchFamily="18" charset="0"/>
+                <a:cs typeface="Times New Roman" panose="02020603050405020304" pitchFamily="18" charset="0"/>
+              </a:rPr>
+              <a:t>.</a:t>
+            </a:r>
+          </a:p>
+          <a:p>
+            <a:pPr marL="0" indent="0" algn="just">
+              <a:buNone/>
+            </a:pPr>
+            <a:r>
+              <a:rPr lang="pt-BR" dirty="0">
+                <a:latin typeface="Times New Roman" panose="02020603050405020304" pitchFamily="18" charset="0"/>
+                <a:cs typeface="Times New Roman" panose="02020603050405020304" pitchFamily="18" charset="0"/>
+              </a:rPr>
+              <a:t>	</a:t>
+            </a:r>
+          </a:p>
+          <a:p>
+            <a:pPr marL="0" indent="0" algn="just">
+              <a:buNone/>
+            </a:pPr>
+            <a:r>
+              <a:rPr lang="es-ES" dirty="0">
+                <a:latin typeface="Times New Roman" panose="02020603050405020304" pitchFamily="18" charset="0"/>
+                <a:cs typeface="Times New Roman" panose="02020603050405020304" pitchFamily="18" charset="0"/>
+              </a:rPr>
+              <a:t>- Quiz JS</a:t>
+            </a:r>
+          </a:p>
+          <a:p>
+            <a:pPr marL="0" indent="0" algn="just">
+              <a:buNone/>
+            </a:pPr>
+            <a:r>
+              <a:rPr lang="es-ES" dirty="0">
+                <a:latin typeface="Times New Roman" panose="02020603050405020304" pitchFamily="18" charset="0"/>
+                <a:cs typeface="Times New Roman" panose="02020603050405020304" pitchFamily="18" charset="0"/>
+                <a:hlinkClick r:id="rId3"/>
+              </a:rPr>
+              <a:t>https://www.w3schools.com/js/js_quiz.asp</a:t>
+            </a:r>
+            <a:endParaRPr lang="pt-BR" dirty="0">
+              <a:latin typeface="Calibri" panose="020F0502020204030204" pitchFamily="34" charset="0"/>
+            </a:endParaRPr>
+          </a:p>
+        </p:txBody>
+      </p:sp>
+    </p:spTree>
+    <p:extLst>
+      <p:ext uri="{BB962C8B-B14F-4D97-AF65-F5344CB8AC3E}">
+        <p14:creationId xmlns:p14="http://schemas.microsoft.com/office/powerpoint/2010/main" val="2470652989"/>
+      </p:ext>
+    </p:extLst>
+  </p:cSld>
+  <p:clrMapOvr>
+    <a:masterClrMapping/>
+  </p:clrMapOvr>
+  <p:transition spd="med"/>
+</p:sld>
+</file>
+
+<file path=ppt/slides/slide12.xml><?xml version="1.0" encoding="utf-8"?>
+<p:sld xmlns:a="http://schemas.openxmlformats.org/drawingml/2006/main" xmlns:r="http://schemas.openxmlformats.org/officeDocument/2006/relationships" xmlns:p="http://schemas.openxmlformats.org/presentationml/2006/main">
+  <p:cSld>
+    <p:spTree>
+      <p:nvGrpSpPr>
+        <p:cNvPr id="1" name=""/>
+        <p:cNvGrpSpPr/>
+        <p:nvPr/>
+      </p:nvGrpSpPr>
+      <p:grpSpPr>
+        <a:xfrm>
+          <a:off x="0" y="0"/>
+          <a:ext cx="0" cy="0"/>
+          <a:chOff x="0" y="0"/>
+          <a:chExt cx="0" cy="0"/>
+        </a:xfrm>
+      </p:grpSpPr>
+      <p:sp>
+        <p:nvSpPr>
+          <p:cNvPr id="6" name="Title 1"/>
+          <p:cNvSpPr>
+            <a:spLocks noGrp="1"/>
+          </p:cNvSpPr>
+          <p:nvPr>
+            <p:ph type="title"/>
+          </p:nvPr>
+        </p:nvSpPr>
+        <p:spPr>
+          <a:xfrm>
+            <a:off x="457200" y="205980"/>
+            <a:ext cx="8229600" cy="857251"/>
+          </a:xfrm>
+        </p:spPr>
+        <p:txBody>
+          <a:bodyPr>
+            <a:normAutofit/>
+          </a:bodyPr>
+          <a:lstStyle/>
+          <a:p>
+            <a:r>
+              <a:rPr lang="en-US" b="1" dirty="0" err="1">
+                <a:solidFill>
+                  <a:srgbClr val="0070C0"/>
+                </a:solidFill>
+              </a:rPr>
+              <a:t>Referências</a:t>
+            </a:r>
+            <a:r>
+              <a:rPr lang="en-US" b="1" dirty="0">
+                <a:solidFill>
+                  <a:srgbClr val="0070C0"/>
+                </a:solidFill>
+              </a:rPr>
+              <a:t> </a:t>
+            </a:r>
+            <a:r>
+              <a:rPr lang="en-US" b="1" dirty="0" err="1">
+                <a:solidFill>
+                  <a:srgbClr val="0070C0"/>
+                </a:solidFill>
+              </a:rPr>
+              <a:t>Bibliográficas</a:t>
+            </a:r>
+            <a:endParaRPr lang="en-US" b="1" dirty="0">
+              <a:solidFill>
+                <a:srgbClr val="0070C0"/>
+              </a:solidFill>
+            </a:endParaRPr>
+          </a:p>
+        </p:txBody>
+      </p:sp>
+      <p:sp>
+        <p:nvSpPr>
+          <p:cNvPr id="8" name="Text Placeholder 2"/>
+          <p:cNvSpPr>
+            <a:spLocks noGrp="1"/>
+          </p:cNvSpPr>
+          <p:nvPr>
+            <p:ph type="body" sz="half" idx="1"/>
+          </p:nvPr>
+        </p:nvSpPr>
+        <p:spPr>
+          <a:xfrm>
+            <a:off x="142865" y="1200151"/>
+            <a:ext cx="8865056" cy="3394472"/>
+          </a:xfrm>
+        </p:spPr>
+        <p:txBody>
+          <a:bodyPr>
+            <a:noAutofit/>
+          </a:bodyPr>
+          <a:lstStyle/>
+          <a:p>
+            <a:pPr marL="0" indent="0" algn="just">
+              <a:buNone/>
+            </a:pPr>
+            <a:endParaRPr lang="pt-BR" sz="2400" dirty="0">
+              <a:latin typeface="Times New Roman" panose="02020603050405020304" pitchFamily="18" charset="0"/>
+              <a:cs typeface="Times New Roman" panose="02020603050405020304" pitchFamily="18" charset="0"/>
+            </a:endParaRPr>
+          </a:p>
+          <a:p>
+            <a:pPr marL="0" indent="0" algn="just">
+              <a:buNone/>
+            </a:pPr>
+            <a:r>
+              <a:rPr lang="pt-BR" sz="2400" dirty="0">
+                <a:latin typeface="Times New Roman" panose="02020603050405020304" pitchFamily="18" charset="0"/>
+                <a:cs typeface="Times New Roman" panose="02020603050405020304" pitchFamily="18" charset="0"/>
+              </a:rPr>
+              <a:t>[1] Site: </a:t>
+            </a:r>
+            <a:r>
+              <a:rPr lang="pt-BR" sz="2400" dirty="0">
+                <a:latin typeface="Times New Roman" panose="02020603050405020304" pitchFamily="18" charset="0"/>
+                <a:cs typeface="Times New Roman" panose="02020603050405020304" pitchFamily="18" charset="0"/>
+                <a:hlinkClick r:id="rId3"/>
+              </a:rPr>
+              <a:t>https://developer.mozilla.org/pt-BR/docs/Web/JavaScript</a:t>
+            </a:r>
+            <a:endParaRPr lang="pt-BR" sz="2400" dirty="0">
+              <a:latin typeface="Times New Roman" panose="02020603050405020304" pitchFamily="18" charset="0"/>
+              <a:cs typeface="Times New Roman" panose="02020603050405020304" pitchFamily="18" charset="0"/>
+            </a:endParaRPr>
+          </a:p>
+          <a:p>
+            <a:pPr marL="0" indent="0" algn="just">
+              <a:buNone/>
+            </a:pPr>
+            <a:endParaRPr lang="pt-BR" sz="2400" dirty="0">
+              <a:latin typeface="Times New Roman" panose="02020603050405020304" pitchFamily="18" charset="0"/>
+              <a:cs typeface="Times New Roman" panose="02020603050405020304" pitchFamily="18" charset="0"/>
+            </a:endParaRPr>
+          </a:p>
+          <a:p>
+            <a:pPr marL="0" indent="0" algn="just">
+              <a:buNone/>
+            </a:pPr>
+            <a:endParaRPr lang="pt-BR" sz="2400" dirty="0">
+              <a:latin typeface="Times New Roman" panose="02020603050405020304" pitchFamily="18" charset="0"/>
+              <a:cs typeface="Times New Roman" panose="02020603050405020304" pitchFamily="18" charset="0"/>
+            </a:endParaRPr>
+          </a:p>
+          <a:p>
+            <a:pPr marL="0" indent="0" algn="just">
+              <a:buNone/>
+            </a:pPr>
+            <a:r>
+              <a:rPr lang="pt-BR" sz="2400" dirty="0">
+                <a:latin typeface="Times New Roman" panose="02020603050405020304" pitchFamily="18" charset="0"/>
+                <a:cs typeface="Times New Roman" panose="02020603050405020304" pitchFamily="18" charset="0"/>
+              </a:rPr>
+              <a:t>[2] Site: </a:t>
+            </a:r>
+            <a:r>
+              <a:rPr lang="pt-BR" sz="2400" dirty="0">
+                <a:latin typeface="Times New Roman" panose="02020603050405020304" pitchFamily="18" charset="0"/>
+                <a:cs typeface="Times New Roman" panose="02020603050405020304" pitchFamily="18" charset="0"/>
+                <a:hlinkClick r:id="rId4"/>
+              </a:rPr>
+              <a:t>https://www.w3schools.com/jsref/</a:t>
+            </a:r>
+            <a:endParaRPr lang="pt-BR" sz="2400" dirty="0">
+              <a:latin typeface="Times New Roman" panose="02020603050405020304" pitchFamily="18" charset="0"/>
+              <a:cs typeface="Times New Roman" panose="02020603050405020304" pitchFamily="18" charset="0"/>
+            </a:endParaRPr>
+          </a:p>
+        </p:txBody>
+      </p:sp>
+    </p:spTree>
+    <p:extLst>
+      <p:ext uri="{BB962C8B-B14F-4D97-AF65-F5344CB8AC3E}">
+        <p14:creationId xmlns:p14="http://schemas.microsoft.com/office/powerpoint/2010/main" val="1115311843"/>
+      </p:ext>
+    </p:extLst>
+  </p:cSld>
+  <p:clrMapOvr>
+    <a:masterClrMapping/>
+  </p:clrMapOvr>
+  <p:transition spd="med"/>
+</p:sld>
+</file>
+
+<file path=ppt/slides/slide13.xml><?xml version="1.0" encoding="utf-8"?>
+<p:sld xmlns:a="http://schemas.openxmlformats.org/drawingml/2006/main" xmlns:r="http://schemas.openxmlformats.org/officeDocument/2006/relationships" xmlns:p="http://schemas.openxmlformats.org/presentationml/2006/main">
+  <p:cSld>
+    <p:spTree>
+      <p:nvGrpSpPr>
+        <p:cNvPr id="1" name=""/>
+        <p:cNvGrpSpPr/>
+        <p:nvPr/>
+      </p:nvGrpSpPr>
+      <p:grpSpPr>
+        <a:xfrm>
+          <a:off x="0" y="0"/>
+          <a:ext cx="0" cy="0"/>
+          <a:chOff x="0" y="0"/>
+          <a:chExt cx="0" cy="0"/>
+        </a:xfrm>
+      </p:grpSpPr>
       <p:pic>
         <p:nvPicPr>
           <p:cNvPr id="112" name="Picture 6" descr="Picture 6"/>
@@ -4737,16 +5512,13 @@
                   <a:srgbClr val="0070C0"/>
                 </a:solidFill>
               </a:rPr>
-              <a:t>Saída</a:t>
-            </a:r>
-            <a:r>
-              <a:rPr lang="en-US" b="1" dirty="0">
-                <a:solidFill>
-                  <a:srgbClr val="0070C0"/>
-                </a:solidFill>
-              </a:rPr>
-              <a:t> de Dados</a:t>
-            </a:r>
+              <a:t>Comentários</a:t>
+            </a:r>
+            <a:endParaRPr lang="en-US" b="1" dirty="0">
+              <a:solidFill>
+                <a:srgbClr val="0070C0"/>
+              </a:solidFill>
+            </a:endParaRPr>
           </a:p>
         </p:txBody>
       </p:sp>
@@ -4776,52 +5548,234 @@
               <a:buNone/>
             </a:pPr>
             <a:r>
-              <a:rPr lang="pt-BR" sz="2000" dirty="0">
+              <a:rPr lang="pt-BR" sz="2400" b="1" dirty="0">
+                <a:solidFill>
+                  <a:srgbClr val="FF0000"/>
+                </a:solidFill>
+                <a:latin typeface="Times New Roman" panose="02020603050405020304" pitchFamily="18" charset="0"/>
+                <a:cs typeface="Times New Roman" panose="02020603050405020304" pitchFamily="18" charset="0"/>
+              </a:rPr>
+              <a:t>// - </a:t>
+            </a:r>
+            <a:r>
+              <a:rPr lang="pt-BR" sz="2400" b="1" dirty="0">
                 <a:solidFill>
                   <a:schemeClr val="tx1"/>
                 </a:solidFill>
                 <a:latin typeface="Times New Roman" panose="02020603050405020304" pitchFamily="18" charset="0"/>
                 <a:cs typeface="Times New Roman" panose="02020603050405020304" pitchFamily="18" charset="0"/>
               </a:rPr>
-              <a:t>1. </a:t>
-            </a:r>
-            <a:r>
-              <a:rPr lang="pt-BR" sz="2000" b="1" dirty="0" err="1">
+              <a:t>Comentário de linha</a:t>
+            </a:r>
+          </a:p>
+          <a:p>
+            <a:pPr marL="0" indent="0" algn="just">
+              <a:buNone/>
+            </a:pPr>
+            <a:r>
+              <a:rPr lang="pt-BR" sz="2400" b="1" dirty="0">
+                <a:solidFill>
+                  <a:srgbClr val="FF0000"/>
+                </a:solidFill>
+                <a:latin typeface="Times New Roman" panose="02020603050405020304" pitchFamily="18" charset="0"/>
+                <a:cs typeface="Times New Roman" panose="02020603050405020304" pitchFamily="18" charset="0"/>
+              </a:rPr>
+              <a:t>Exemplos</a:t>
+            </a:r>
+            <a:r>
+              <a:rPr lang="pt-BR" sz="2400" dirty="0">
                 <a:solidFill>
                   <a:schemeClr val="tx1"/>
                 </a:solidFill>
                 <a:latin typeface="Times New Roman" panose="02020603050405020304" pitchFamily="18" charset="0"/>
                 <a:cs typeface="Times New Roman" panose="02020603050405020304" pitchFamily="18" charset="0"/>
               </a:rPr>
+              <a:t>:</a:t>
+            </a:r>
+          </a:p>
+          <a:p>
+            <a:pPr marL="0" indent="0" algn="just">
+              <a:buNone/>
+            </a:pPr>
+            <a:r>
+              <a:rPr lang="pt-BR" sz="2400" dirty="0">
+                <a:solidFill>
+                  <a:schemeClr val="tx1"/>
+                </a:solidFill>
+                <a:latin typeface="Times New Roman" panose="02020603050405020304" pitchFamily="18" charset="0"/>
+                <a:cs typeface="Times New Roman" panose="02020603050405020304" pitchFamily="18" charset="0"/>
+              </a:rPr>
+              <a:t>	// Saída de Dados - inserindo um texto no parágrafo</a:t>
+            </a:r>
+          </a:p>
+          <a:p>
+            <a:pPr marL="0" indent="0" algn="just">
+              <a:buNone/>
+            </a:pPr>
+            <a:r>
+              <a:rPr lang="pt-BR" sz="2400" b="1" dirty="0">
+                <a:solidFill>
+                  <a:schemeClr val="tx1"/>
+                </a:solidFill>
+                <a:latin typeface="Times New Roman" panose="02020603050405020304" pitchFamily="18" charset="0"/>
+                <a:cs typeface="Times New Roman" panose="02020603050405020304" pitchFamily="18" charset="0"/>
+              </a:rPr>
+              <a:t>	</a:t>
+            </a:r>
+            <a:r>
+              <a:rPr lang="pt-BR" sz="2400" b="1" dirty="0" err="1">
+                <a:solidFill>
+                  <a:srgbClr val="FF0000"/>
+                </a:solidFill>
+                <a:latin typeface="Times New Roman" panose="02020603050405020304" pitchFamily="18" charset="0"/>
+                <a:cs typeface="Times New Roman" panose="02020603050405020304" pitchFamily="18" charset="0"/>
+              </a:rPr>
+              <a:t>document.getElementById</a:t>
+            </a:r>
+            <a:r>
+              <a:rPr lang="pt-BR" sz="2400" dirty="0">
+                <a:solidFill>
+                  <a:schemeClr val="tx1"/>
+                </a:solidFill>
+                <a:latin typeface="Times New Roman" panose="02020603050405020304" pitchFamily="18" charset="0"/>
+                <a:cs typeface="Times New Roman" panose="02020603050405020304" pitchFamily="18" charset="0"/>
+              </a:rPr>
+              <a:t>(‘</a:t>
+            </a:r>
+            <a:r>
+              <a:rPr lang="pt-BR" sz="2400" dirty="0" err="1">
+                <a:solidFill>
+                  <a:schemeClr val="tx1"/>
+                </a:solidFill>
+                <a:latin typeface="Times New Roman" panose="02020603050405020304" pitchFamily="18" charset="0"/>
+                <a:cs typeface="Times New Roman" panose="02020603050405020304" pitchFamily="18" charset="0"/>
+              </a:rPr>
+              <a:t>idParag</a:t>
+            </a:r>
+            <a:r>
+              <a:rPr lang="pt-BR" sz="2400" dirty="0">
+                <a:solidFill>
+                  <a:schemeClr val="tx1"/>
+                </a:solidFill>
+                <a:latin typeface="Times New Roman" panose="02020603050405020304" pitchFamily="18" charset="0"/>
+                <a:cs typeface="Times New Roman" panose="02020603050405020304" pitchFamily="18" charset="0"/>
+              </a:rPr>
+              <a:t>’).</a:t>
+            </a:r>
+            <a:r>
+              <a:rPr lang="pt-BR" sz="2400" dirty="0" err="1">
+                <a:solidFill>
+                  <a:schemeClr val="tx1"/>
+                </a:solidFill>
+                <a:latin typeface="Times New Roman" panose="02020603050405020304" pitchFamily="18" charset="0"/>
+                <a:cs typeface="Times New Roman" panose="02020603050405020304" pitchFamily="18" charset="0"/>
+              </a:rPr>
               <a:t>InnerHTML</a:t>
             </a:r>
             <a:r>
-              <a:rPr lang="pt-BR" sz="2000" dirty="0">
+              <a:rPr lang="pt-BR" sz="2400" dirty="0">
                 <a:solidFill>
                   <a:schemeClr val="tx1"/>
                 </a:solidFill>
                 <a:latin typeface="Times New Roman" panose="02020603050405020304" pitchFamily="18" charset="0"/>
                 <a:cs typeface="Times New Roman" panose="02020603050405020304" pitchFamily="18" charset="0"/>
               </a:rPr>
-              <a:t> (Interação com a página web):</a:t>
+              <a:t> := ‘Texto’;</a:t>
             </a:r>
           </a:p>
           <a:p>
             <a:pPr marL="0" indent="0" algn="just">
               <a:buNone/>
             </a:pPr>
-            <a:r>
-              <a:rPr lang="pt-BR" sz="2000" dirty="0">
+            <a:endParaRPr lang="pt-BR" sz="2400" b="1" dirty="0">
+              <a:solidFill>
+                <a:srgbClr val="FF0000"/>
+              </a:solidFill>
+              <a:latin typeface="Times New Roman" panose="02020603050405020304" pitchFamily="18" charset="0"/>
+              <a:cs typeface="Times New Roman" panose="02020603050405020304" pitchFamily="18" charset="0"/>
+            </a:endParaRPr>
+          </a:p>
+          <a:p>
+            <a:pPr marL="0" indent="0" algn="just">
+              <a:buNone/>
+            </a:pPr>
+            <a:r>
+              <a:rPr lang="pt-BR" sz="2400" b="1">
+                <a:solidFill>
+                  <a:srgbClr val="FF0000"/>
+                </a:solidFill>
+                <a:latin typeface="Times New Roman" panose="02020603050405020304" pitchFamily="18" charset="0"/>
+                <a:cs typeface="Times New Roman" panose="02020603050405020304" pitchFamily="18" charset="0"/>
+              </a:rPr>
+              <a:t>/*  </a:t>
+            </a:r>
+            <a:r>
+              <a:rPr lang="pt-BR" sz="2400" b="1" dirty="0">
+                <a:solidFill>
+                  <a:srgbClr val="FF0000"/>
+                </a:solidFill>
+                <a:latin typeface="Times New Roman" panose="02020603050405020304" pitchFamily="18" charset="0"/>
+                <a:cs typeface="Times New Roman" panose="02020603050405020304" pitchFamily="18" charset="0"/>
+              </a:rPr>
+              <a:t>Texto */ - </a:t>
+            </a:r>
+            <a:r>
+              <a:rPr lang="pt-BR" sz="2400" b="1" dirty="0">
                 <a:solidFill>
                   <a:schemeClr val="tx1"/>
                 </a:solidFill>
                 <a:latin typeface="Times New Roman" panose="02020603050405020304" pitchFamily="18" charset="0"/>
                 <a:cs typeface="Times New Roman" panose="02020603050405020304" pitchFamily="18" charset="0"/>
               </a:rPr>
+              <a:t>Comentário de múltiplas linhas</a:t>
+            </a:r>
+          </a:p>
+          <a:p>
+            <a:pPr marL="0" indent="0" algn="just">
+              <a:buNone/>
+            </a:pPr>
+            <a:r>
+              <a:rPr lang="pt-BR" sz="2400" dirty="0">
+                <a:solidFill>
+                  <a:schemeClr val="tx1"/>
+                </a:solidFill>
+                <a:latin typeface="Times New Roman" panose="02020603050405020304" pitchFamily="18" charset="0"/>
+                <a:cs typeface="Times New Roman" panose="02020603050405020304" pitchFamily="18" charset="0"/>
+              </a:rPr>
+              <a:t>	/* Saída de Dados – </a:t>
+            </a:r>
+          </a:p>
+          <a:p>
+            <a:pPr marL="0" indent="0" algn="just">
+              <a:buNone/>
+            </a:pPr>
+            <a:r>
+              <a:rPr lang="pt-BR" sz="2400" dirty="0">
+                <a:solidFill>
+                  <a:schemeClr val="tx1"/>
+                </a:solidFill>
+                <a:latin typeface="Times New Roman" panose="02020603050405020304" pitchFamily="18" charset="0"/>
+                <a:cs typeface="Times New Roman" panose="02020603050405020304" pitchFamily="18" charset="0"/>
+              </a:rPr>
+              <a:t>		inserindo um texto no parágrafo */</a:t>
+            </a:r>
+          </a:p>
+          <a:p>
+            <a:pPr marL="0" indent="0" algn="just">
+              <a:buNone/>
+            </a:pPr>
+            <a:r>
+              <a:rPr lang="pt-BR" sz="2400" b="1" dirty="0">
+                <a:solidFill>
+                  <a:schemeClr val="tx1"/>
+                </a:solidFill>
+                <a:latin typeface="Times New Roman" panose="02020603050405020304" pitchFamily="18" charset="0"/>
+                <a:cs typeface="Times New Roman" panose="02020603050405020304" pitchFamily="18" charset="0"/>
+              </a:rPr>
               <a:t>	</a:t>
             </a:r>
             <a:r>
-              <a:rPr lang="pt-BR" sz="2000" b="1" dirty="0" err="1">
+              <a:rPr lang="pt-BR" sz="2400" b="1" dirty="0" err="1">
                 <a:solidFill>
                   <a:srgbClr val="FF0000"/>
                 </a:solidFill>
@@ -4831,262 +5785,74 @@
               <a:t>document.getElementById</a:t>
             </a:r>
             <a:r>
-              <a:rPr lang="pt-BR" sz="2000" dirty="0">
+              <a:rPr lang="pt-BR" sz="2400" dirty="0">
                 <a:solidFill>
                   <a:schemeClr val="tx1"/>
                 </a:solidFill>
                 <a:latin typeface="Times New Roman" panose="02020603050405020304" pitchFamily="18" charset="0"/>
                 <a:cs typeface="Times New Roman" panose="02020603050405020304" pitchFamily="18" charset="0"/>
               </a:rPr>
-              <a:t>(‘id’).</a:t>
-            </a:r>
-            <a:r>
-              <a:rPr lang="pt-BR" sz="2000" dirty="0" err="1">
+              <a:t>(‘</a:t>
+            </a:r>
+            <a:r>
+              <a:rPr lang="pt-BR" sz="2400" dirty="0" err="1">
                 <a:solidFill>
                   <a:schemeClr val="tx1"/>
                 </a:solidFill>
                 <a:latin typeface="Times New Roman" panose="02020603050405020304" pitchFamily="18" charset="0"/>
                 <a:cs typeface="Times New Roman" panose="02020603050405020304" pitchFamily="18" charset="0"/>
               </a:rPr>
+              <a:t>idParag</a:t>
+            </a:r>
+            <a:r>
+              <a:rPr lang="pt-BR" sz="2400" dirty="0">
+                <a:solidFill>
+                  <a:schemeClr val="tx1"/>
+                </a:solidFill>
+                <a:latin typeface="Times New Roman" panose="02020603050405020304" pitchFamily="18" charset="0"/>
+                <a:cs typeface="Times New Roman" panose="02020603050405020304" pitchFamily="18" charset="0"/>
+              </a:rPr>
+              <a:t>’).</a:t>
+            </a:r>
+            <a:r>
+              <a:rPr lang="pt-BR" sz="2400" dirty="0" err="1">
+                <a:solidFill>
+                  <a:schemeClr val="tx1"/>
+                </a:solidFill>
+                <a:latin typeface="Times New Roman" panose="02020603050405020304" pitchFamily="18" charset="0"/>
+                <a:cs typeface="Times New Roman" panose="02020603050405020304" pitchFamily="18" charset="0"/>
+              </a:rPr>
               <a:t>InnerHTML</a:t>
             </a:r>
             <a:r>
-              <a:rPr lang="pt-BR" sz="2000" dirty="0">
+              <a:rPr lang="pt-BR" sz="2400" dirty="0">
                 <a:solidFill>
                   <a:schemeClr val="tx1"/>
                 </a:solidFill>
                 <a:latin typeface="Times New Roman" panose="02020603050405020304" pitchFamily="18" charset="0"/>
                 <a:cs typeface="Times New Roman" panose="02020603050405020304" pitchFamily="18" charset="0"/>
               </a:rPr>
-              <a:t> := ‘Texto &lt;b&gt;Alterado&lt;/b&gt;’;</a:t>
+              <a:t> := ‘Texto’;</a:t>
             </a:r>
           </a:p>
           <a:p>
             <a:pPr marL="0" indent="0" algn="just">
               <a:buNone/>
             </a:pPr>
-            <a:r>
-              <a:rPr lang="pt-BR" sz="2000" dirty="0">
-                <a:solidFill>
-                  <a:schemeClr val="tx1"/>
-                </a:solidFill>
-                <a:latin typeface="Times New Roman" panose="02020603050405020304" pitchFamily="18" charset="0"/>
-                <a:cs typeface="Times New Roman" panose="02020603050405020304" pitchFamily="18" charset="0"/>
-              </a:rPr>
-              <a:t>2. </a:t>
-            </a:r>
-            <a:r>
-              <a:rPr lang="pt-BR" sz="2000" b="1" dirty="0">
-                <a:solidFill>
-                  <a:schemeClr val="tx1"/>
-                </a:solidFill>
-                <a:latin typeface="Times New Roman" panose="02020603050405020304" pitchFamily="18" charset="0"/>
-                <a:cs typeface="Times New Roman" panose="02020603050405020304" pitchFamily="18" charset="0"/>
-              </a:rPr>
-              <a:t>Write</a:t>
-            </a:r>
-            <a:r>
-              <a:rPr lang="pt-BR" sz="2000" dirty="0">
-                <a:solidFill>
-                  <a:schemeClr val="tx1"/>
-                </a:solidFill>
-                <a:latin typeface="Times New Roman" panose="02020603050405020304" pitchFamily="18" charset="0"/>
-                <a:cs typeface="Times New Roman" panose="02020603050405020304" pitchFamily="18" charset="0"/>
-              </a:rPr>
-              <a:t> (Testes do JS):</a:t>
-            </a:r>
-          </a:p>
-          <a:p>
-            <a:pPr marL="0" indent="0" algn="just">
-              <a:buNone/>
-            </a:pPr>
-            <a:r>
-              <a:rPr lang="pt-BR" sz="2000" dirty="0">
-                <a:solidFill>
-                  <a:schemeClr val="tx1"/>
-                </a:solidFill>
-                <a:latin typeface="Times New Roman" panose="02020603050405020304" pitchFamily="18" charset="0"/>
-                <a:cs typeface="Times New Roman" panose="02020603050405020304" pitchFamily="18" charset="0"/>
-              </a:rPr>
-              <a:t>	</a:t>
-            </a:r>
-            <a:r>
-              <a:rPr lang="pt-BR" sz="2000" dirty="0" err="1">
-                <a:solidFill>
-                  <a:schemeClr val="tx1"/>
-                </a:solidFill>
-                <a:latin typeface="Times New Roman" panose="02020603050405020304" pitchFamily="18" charset="0"/>
-                <a:cs typeface="Times New Roman" panose="02020603050405020304" pitchFamily="18" charset="0"/>
-              </a:rPr>
-              <a:t>document.write</a:t>
-            </a:r>
-            <a:r>
-              <a:rPr lang="pt-BR" sz="2000" dirty="0">
-                <a:solidFill>
-                  <a:schemeClr val="tx1"/>
-                </a:solidFill>
-                <a:latin typeface="Times New Roman" panose="02020603050405020304" pitchFamily="18" charset="0"/>
-                <a:cs typeface="Times New Roman" panose="02020603050405020304" pitchFamily="18" charset="0"/>
-              </a:rPr>
-              <a:t>(10 + 20);</a:t>
-            </a:r>
-          </a:p>
-          <a:p>
-            <a:pPr marL="0" indent="0" algn="just">
-              <a:buNone/>
-            </a:pPr>
-            <a:r>
-              <a:rPr lang="pt-BR" sz="2000" dirty="0">
-                <a:solidFill>
-                  <a:schemeClr val="tx1"/>
-                </a:solidFill>
-                <a:latin typeface="Times New Roman" panose="02020603050405020304" pitchFamily="18" charset="0"/>
-                <a:cs typeface="Times New Roman" panose="02020603050405020304" pitchFamily="18" charset="0"/>
-              </a:rPr>
-              <a:t>3. </a:t>
-            </a:r>
-            <a:r>
-              <a:rPr lang="pt-BR" sz="2000" b="1" dirty="0">
-                <a:solidFill>
-                  <a:schemeClr val="tx1"/>
-                </a:solidFill>
-                <a:latin typeface="Times New Roman" panose="02020603050405020304" pitchFamily="18" charset="0"/>
-                <a:cs typeface="Times New Roman" panose="02020603050405020304" pitchFamily="18" charset="0"/>
-              </a:rPr>
-              <a:t>Console.log </a:t>
-            </a:r>
-            <a:r>
-              <a:rPr lang="pt-BR" sz="2000" dirty="0">
-                <a:solidFill>
-                  <a:schemeClr val="tx1"/>
-                </a:solidFill>
-                <a:latin typeface="Times New Roman" panose="02020603050405020304" pitchFamily="18" charset="0"/>
-                <a:cs typeface="Times New Roman" panose="02020603050405020304" pitchFamily="18" charset="0"/>
-              </a:rPr>
-              <a:t>(Teste JS no terminal do desenvolvedor):</a:t>
-            </a:r>
-          </a:p>
-          <a:p>
-            <a:pPr marL="0" indent="0" algn="just">
-              <a:buNone/>
-            </a:pPr>
-            <a:r>
-              <a:rPr lang="pt-BR" sz="2000" dirty="0">
-                <a:solidFill>
-                  <a:schemeClr val="tx1"/>
-                </a:solidFill>
-                <a:latin typeface="Times New Roman" panose="02020603050405020304" pitchFamily="18" charset="0"/>
-                <a:cs typeface="Times New Roman" panose="02020603050405020304" pitchFamily="18" charset="0"/>
-              </a:rPr>
-              <a:t>	</a:t>
-            </a:r>
-            <a:r>
-              <a:rPr lang="pt-BR" sz="2000" b="1" dirty="0">
-                <a:solidFill>
-                  <a:srgbClr val="FF0000"/>
-                </a:solidFill>
-                <a:latin typeface="Times New Roman" panose="02020603050405020304" pitchFamily="18" charset="0"/>
-                <a:cs typeface="Times New Roman" panose="02020603050405020304" pitchFamily="18" charset="0"/>
-              </a:rPr>
-              <a:t>console.log</a:t>
-            </a:r>
-            <a:r>
-              <a:rPr lang="pt-BR" sz="2000" dirty="0">
-                <a:solidFill>
-                  <a:schemeClr val="tx1"/>
-                </a:solidFill>
-                <a:latin typeface="Times New Roman" panose="02020603050405020304" pitchFamily="18" charset="0"/>
-                <a:cs typeface="Times New Roman" panose="02020603050405020304" pitchFamily="18" charset="0"/>
-              </a:rPr>
-              <a:t>(‘imprimindo no console do desenvolvedor);</a:t>
-            </a:r>
-          </a:p>
-          <a:p>
-            <a:pPr marL="0" indent="0" algn="just">
-              <a:buNone/>
-            </a:pPr>
-            <a:r>
-              <a:rPr lang="pt-BR" sz="2000" dirty="0">
-                <a:solidFill>
-                  <a:schemeClr val="tx1"/>
-                </a:solidFill>
-                <a:latin typeface="Times New Roman" panose="02020603050405020304" pitchFamily="18" charset="0"/>
-                <a:cs typeface="Times New Roman" panose="02020603050405020304" pitchFamily="18" charset="0"/>
-              </a:rPr>
-              <a:t>4. </a:t>
-            </a:r>
-            <a:r>
-              <a:rPr lang="pt-BR" sz="2000" b="1" dirty="0" err="1">
-                <a:solidFill>
-                  <a:schemeClr val="tx1"/>
-                </a:solidFill>
-                <a:latin typeface="Times New Roman" panose="02020603050405020304" pitchFamily="18" charset="0"/>
-                <a:cs typeface="Times New Roman" panose="02020603050405020304" pitchFamily="18" charset="0"/>
-              </a:rPr>
-              <a:t>Alert</a:t>
-            </a:r>
-            <a:r>
-              <a:rPr lang="pt-BR" sz="2000" dirty="0">
-                <a:solidFill>
-                  <a:schemeClr val="tx1"/>
-                </a:solidFill>
-                <a:latin typeface="Times New Roman" panose="02020603050405020304" pitchFamily="18" charset="0"/>
-                <a:cs typeface="Times New Roman" panose="02020603050405020304" pitchFamily="18" charset="0"/>
-              </a:rPr>
-              <a:t> (Alerta na tela</a:t>
-            </a:r>
-            <a:r>
-              <a:rPr lang="pt-BR" sz="2000" u="sng" dirty="0">
-                <a:solidFill>
-                  <a:schemeClr val="tx1"/>
-                </a:solidFill>
-                <a:latin typeface="Times New Roman" panose="02020603050405020304" pitchFamily="18" charset="0"/>
-                <a:cs typeface="Times New Roman" panose="02020603050405020304" pitchFamily="18" charset="0"/>
-              </a:rPr>
-              <a:t>):</a:t>
-            </a:r>
-          </a:p>
-          <a:p>
-            <a:pPr marL="0" indent="0" algn="just">
-              <a:buNone/>
-            </a:pPr>
-            <a:r>
-              <a:rPr lang="pt-BR" sz="2000" dirty="0">
-                <a:solidFill>
-                  <a:schemeClr val="tx1"/>
-                </a:solidFill>
-                <a:latin typeface="Times New Roman" panose="02020603050405020304" pitchFamily="18" charset="0"/>
-                <a:cs typeface="Times New Roman" panose="02020603050405020304" pitchFamily="18" charset="0"/>
-              </a:rPr>
-              <a:t>	</a:t>
-            </a:r>
-            <a:r>
-              <a:rPr lang="pt-BR" sz="2000" b="1" dirty="0" err="1">
-                <a:solidFill>
-                  <a:srgbClr val="FF0000"/>
-                </a:solidFill>
-                <a:latin typeface="Times New Roman" panose="02020603050405020304" pitchFamily="18" charset="0"/>
-                <a:cs typeface="Times New Roman" panose="02020603050405020304" pitchFamily="18" charset="0"/>
-              </a:rPr>
-              <a:t>alert</a:t>
-            </a:r>
-            <a:r>
-              <a:rPr lang="pt-BR" sz="2000" dirty="0">
-                <a:solidFill>
-                  <a:schemeClr val="tx1"/>
-                </a:solidFill>
-                <a:latin typeface="Times New Roman" panose="02020603050405020304" pitchFamily="18" charset="0"/>
-                <a:cs typeface="Times New Roman" panose="02020603050405020304" pitchFamily="18" charset="0"/>
-              </a:rPr>
-              <a:t>( 8 * 7 / 2);</a:t>
-            </a:r>
+            <a:endParaRPr lang="pt-BR" sz="2400" dirty="0">
+              <a:solidFill>
+                <a:schemeClr val="tx1"/>
+              </a:solidFill>
+              <a:latin typeface="Times New Roman" panose="02020603050405020304" pitchFamily="18" charset="0"/>
+              <a:cs typeface="Times New Roman" panose="02020603050405020304" pitchFamily="18" charset="0"/>
+            </a:endParaRPr>
           </a:p>
         </p:txBody>
       </p:sp>
     </p:spTree>
     <p:extLst>
       <p:ext uri="{BB962C8B-B14F-4D97-AF65-F5344CB8AC3E}">
-        <p14:creationId xmlns:p14="http://schemas.microsoft.com/office/powerpoint/2010/main" val="3754986054"/>
+        <p14:creationId xmlns:p14="http://schemas.microsoft.com/office/powerpoint/2010/main" val="3049810001"/>
       </p:ext>
     </p:extLst>
   </p:cSld>
@@ -5150,13 +5916,16 @@
                   <a:srgbClr val="0070C0"/>
                 </a:solidFill>
               </a:rPr>
-              <a:t>Variáveis</a:t>
-            </a:r>
-            <a:endParaRPr lang="en-US" b="1" dirty="0">
-              <a:solidFill>
-                <a:srgbClr val="0070C0"/>
-              </a:solidFill>
-            </a:endParaRPr>
+              <a:t>Saída</a:t>
+            </a:r>
+            <a:r>
+              <a:rPr lang="en-US" b="1" dirty="0">
+                <a:solidFill>
+                  <a:srgbClr val="0070C0"/>
+                </a:solidFill>
+              </a:rPr>
+              <a:t> de Dados</a:t>
+            </a:r>
           </a:p>
         </p:txBody>
       </p:sp>
@@ -5186,24 +5955,89 @@
               <a:buNone/>
             </a:pPr>
             <a:r>
-              <a:rPr lang="pt-BR" sz="2400" b="1" dirty="0">
+              <a:rPr lang="pt-BR" sz="2000" dirty="0">
+                <a:solidFill>
+                  <a:schemeClr val="tx1"/>
+                </a:solidFill>
+                <a:latin typeface="Times New Roman" panose="02020603050405020304" pitchFamily="18" charset="0"/>
+                <a:cs typeface="Times New Roman" panose="02020603050405020304" pitchFamily="18" charset="0"/>
+              </a:rPr>
+              <a:t>1. </a:t>
+            </a:r>
+            <a:r>
+              <a:rPr lang="pt-BR" sz="2000" b="1" dirty="0" err="1">
+                <a:solidFill>
+                  <a:schemeClr val="tx1"/>
+                </a:solidFill>
+                <a:latin typeface="Times New Roman" panose="02020603050405020304" pitchFamily="18" charset="0"/>
+                <a:cs typeface="Times New Roman" panose="02020603050405020304" pitchFamily="18" charset="0"/>
+              </a:rPr>
+              <a:t>InnerHTML</a:t>
+            </a:r>
+            <a:r>
+              <a:rPr lang="pt-BR" sz="2000" dirty="0">
+                <a:solidFill>
+                  <a:schemeClr val="tx1"/>
+                </a:solidFill>
+                <a:latin typeface="Times New Roman" panose="02020603050405020304" pitchFamily="18" charset="0"/>
+                <a:cs typeface="Times New Roman" panose="02020603050405020304" pitchFamily="18" charset="0"/>
+              </a:rPr>
+              <a:t> (Interação com a página web):</a:t>
+            </a:r>
+          </a:p>
+          <a:p>
+            <a:pPr marL="0" indent="0" algn="just">
+              <a:buNone/>
+            </a:pPr>
+            <a:r>
+              <a:rPr lang="pt-BR" sz="2000" dirty="0">
+                <a:solidFill>
+                  <a:schemeClr val="tx1"/>
+                </a:solidFill>
+                <a:latin typeface="Times New Roman" panose="02020603050405020304" pitchFamily="18" charset="0"/>
+                <a:cs typeface="Times New Roman" panose="02020603050405020304" pitchFamily="18" charset="0"/>
+              </a:rPr>
+              <a:t>	</a:t>
+            </a:r>
+            <a:r>
+              <a:rPr lang="pt-BR" sz="2000" b="1" dirty="0" err="1">
                 <a:solidFill>
                   <a:srgbClr val="FF0000"/>
                 </a:solidFill>
                 <a:latin typeface="Times New Roman" panose="02020603050405020304" pitchFamily="18" charset="0"/>
                 <a:cs typeface="Times New Roman" panose="02020603050405020304" pitchFamily="18" charset="0"/>
               </a:rPr>
-              <a:t>Atenção</a:t>
-            </a:r>
-            <a:r>
-              <a:rPr lang="pt-BR" sz="2400" dirty="0">
+              <a:t>document.getElementById</a:t>
+            </a:r>
+            <a:r>
+              <a:rPr lang="pt-BR" sz="2000" dirty="0">
                 <a:solidFill>
                   <a:schemeClr val="tx1"/>
                 </a:solidFill>
                 <a:latin typeface="Times New Roman" panose="02020603050405020304" pitchFamily="18" charset="0"/>
                 <a:cs typeface="Times New Roman" panose="02020603050405020304" pitchFamily="18" charset="0"/>
               </a:rPr>
-              <a:t>: Seguir a regra de nomenclatura de variáveis.</a:t>
+              <a:t>(‘id’).</a:t>
+            </a:r>
+            <a:r>
+              <a:rPr lang="pt-BR" sz="2000" dirty="0" err="1">
+                <a:solidFill>
+                  <a:schemeClr val="tx1"/>
+                </a:solidFill>
+                <a:latin typeface="Times New Roman" panose="02020603050405020304" pitchFamily="18" charset="0"/>
+                <a:cs typeface="Times New Roman" panose="02020603050405020304" pitchFamily="18" charset="0"/>
+              </a:rPr>
+              <a:t>InnerHTML</a:t>
+            </a:r>
+            <a:r>
+              <a:rPr lang="pt-BR" sz="2000" dirty="0">
+                <a:solidFill>
+                  <a:schemeClr val="tx1"/>
+                </a:solidFill>
+                <a:latin typeface="Times New Roman" panose="02020603050405020304" pitchFamily="18" charset="0"/>
+                <a:cs typeface="Times New Roman" panose="02020603050405020304" pitchFamily="18" charset="0"/>
+              </a:rPr>
+              <a:t> := ‘Texto &lt;b&gt;Alterado&lt;/b&gt;’;</a:t>
             </a:r>
           </a:p>
           <a:p>
@@ -5211,326 +6045,219 @@
               <a:buNone/>
             </a:pPr>
             <a:r>
-              <a:rPr lang="pt-BR" sz="2400" dirty="0">
+              <a:rPr lang="pt-BR" sz="2000" dirty="0">
                 <a:solidFill>
                   <a:schemeClr val="tx1"/>
                 </a:solidFill>
                 <a:latin typeface="Times New Roman" panose="02020603050405020304" pitchFamily="18" charset="0"/>
                 <a:cs typeface="Times New Roman" panose="02020603050405020304" pitchFamily="18" charset="0"/>
               </a:rPr>
-              <a:t>Instrução </a:t>
-            </a:r>
-            <a:r>
-              <a:rPr lang="pt-BR" sz="2400" b="1" dirty="0">
+              <a:t>2. </a:t>
+            </a:r>
+            <a:r>
+              <a:rPr lang="pt-BR" sz="2000" b="1" dirty="0">
                 <a:solidFill>
                   <a:schemeClr val="tx1"/>
                 </a:solidFill>
                 <a:latin typeface="Times New Roman" panose="02020603050405020304" pitchFamily="18" charset="0"/>
                 <a:cs typeface="Times New Roman" panose="02020603050405020304" pitchFamily="18" charset="0"/>
               </a:rPr>
-              <a:t>var</a:t>
-            </a:r>
-            <a:r>
-              <a:rPr lang="pt-BR" sz="2400" dirty="0">
+              <a:t>Write</a:t>
+            </a:r>
+            <a:r>
+              <a:rPr lang="pt-BR" sz="2000" dirty="0">
                 <a:solidFill>
                   <a:schemeClr val="tx1"/>
                 </a:solidFill>
                 <a:latin typeface="Times New Roman" panose="02020603050405020304" pitchFamily="18" charset="0"/>
                 <a:cs typeface="Times New Roman" panose="02020603050405020304" pitchFamily="18" charset="0"/>
               </a:rPr>
-              <a:t> ou </a:t>
-            </a:r>
-            <a:r>
-              <a:rPr lang="pt-BR" sz="2400" b="1" dirty="0" err="1">
+              <a:t> (Testes do JS):</a:t>
+            </a:r>
+          </a:p>
+          <a:p>
+            <a:pPr marL="0" indent="0" algn="just">
+              <a:buNone/>
+            </a:pPr>
+            <a:r>
+              <a:rPr lang="pt-BR" sz="2000" dirty="0">
+                <a:solidFill>
+                  <a:schemeClr val="tx1"/>
+                </a:solidFill>
+                <a:latin typeface="Times New Roman" panose="02020603050405020304" pitchFamily="18" charset="0"/>
+                <a:cs typeface="Times New Roman" panose="02020603050405020304" pitchFamily="18" charset="0"/>
+              </a:rPr>
+              <a:t>	</a:t>
+            </a:r>
+            <a:r>
+              <a:rPr lang="pt-BR" sz="2000" dirty="0" err="1">
+                <a:solidFill>
+                  <a:schemeClr val="tx1"/>
+                </a:solidFill>
+                <a:latin typeface="Times New Roman" panose="02020603050405020304" pitchFamily="18" charset="0"/>
+                <a:cs typeface="Times New Roman" panose="02020603050405020304" pitchFamily="18" charset="0"/>
+              </a:rPr>
+              <a:t>document.write</a:t>
+            </a:r>
+            <a:r>
+              <a:rPr lang="pt-BR" sz="2000" dirty="0">
+                <a:solidFill>
+                  <a:schemeClr val="tx1"/>
+                </a:solidFill>
+                <a:latin typeface="Times New Roman" panose="02020603050405020304" pitchFamily="18" charset="0"/>
+                <a:cs typeface="Times New Roman" panose="02020603050405020304" pitchFamily="18" charset="0"/>
+              </a:rPr>
+              <a:t>(10 + 20);</a:t>
+            </a:r>
+          </a:p>
+          <a:p>
+            <a:pPr marL="0" indent="0" algn="just">
+              <a:buNone/>
+            </a:pPr>
+            <a:r>
+              <a:rPr lang="pt-BR" sz="2000" dirty="0">
+                <a:solidFill>
+                  <a:schemeClr val="tx1"/>
+                </a:solidFill>
+                <a:latin typeface="Times New Roman" panose="02020603050405020304" pitchFamily="18" charset="0"/>
+                <a:cs typeface="Times New Roman" panose="02020603050405020304" pitchFamily="18" charset="0"/>
+              </a:rPr>
+              <a:t>3. </a:t>
+            </a:r>
+            <a:r>
+              <a:rPr lang="pt-BR" sz="2000" b="1" dirty="0">
+                <a:solidFill>
+                  <a:schemeClr val="tx1"/>
+                </a:solidFill>
+                <a:latin typeface="Times New Roman" panose="02020603050405020304" pitchFamily="18" charset="0"/>
+                <a:cs typeface="Times New Roman" panose="02020603050405020304" pitchFamily="18" charset="0"/>
+              </a:rPr>
+              <a:t>Console.log </a:t>
+            </a:r>
+            <a:r>
+              <a:rPr lang="pt-BR" sz="2000" dirty="0">
+                <a:solidFill>
+                  <a:schemeClr val="tx1"/>
+                </a:solidFill>
+                <a:latin typeface="Times New Roman" panose="02020603050405020304" pitchFamily="18" charset="0"/>
+                <a:cs typeface="Times New Roman" panose="02020603050405020304" pitchFamily="18" charset="0"/>
+              </a:rPr>
+              <a:t>(Teste JS no terminal do desenvolvedor):</a:t>
+            </a:r>
+          </a:p>
+          <a:p>
+            <a:pPr marL="0" indent="0" algn="just">
+              <a:buNone/>
+            </a:pPr>
+            <a:r>
+              <a:rPr lang="pt-BR" sz="2000" dirty="0">
+                <a:solidFill>
+                  <a:schemeClr val="tx1"/>
+                </a:solidFill>
+                <a:latin typeface="Times New Roman" panose="02020603050405020304" pitchFamily="18" charset="0"/>
+                <a:cs typeface="Times New Roman" panose="02020603050405020304" pitchFamily="18" charset="0"/>
+              </a:rPr>
+              <a:t>	</a:t>
+            </a:r>
+            <a:r>
+              <a:rPr lang="pt-BR" sz="2000" b="1" dirty="0">
                 <a:solidFill>
                   <a:srgbClr val="FF0000"/>
                 </a:solidFill>
                 <a:latin typeface="Times New Roman" panose="02020603050405020304" pitchFamily="18" charset="0"/>
                 <a:cs typeface="Times New Roman" panose="02020603050405020304" pitchFamily="18" charset="0"/>
               </a:rPr>
-              <a:t>const</a:t>
-            </a:r>
-            <a:r>
-              <a:rPr lang="pt-BR" sz="2400" b="1" dirty="0">
+              <a:t>console.log</a:t>
+            </a:r>
+            <a:r>
+              <a:rPr lang="pt-BR" sz="2000" dirty="0">
+                <a:solidFill>
+                  <a:schemeClr val="tx1"/>
+                </a:solidFill>
+                <a:latin typeface="Times New Roman" panose="02020603050405020304" pitchFamily="18" charset="0"/>
+                <a:cs typeface="Times New Roman" panose="02020603050405020304" pitchFamily="18" charset="0"/>
+              </a:rPr>
+              <a:t>(‘imprimindo no console do desenvolvedor);</a:t>
+            </a:r>
+          </a:p>
+          <a:p>
+            <a:pPr marL="0" indent="0" algn="just">
+              <a:buNone/>
+            </a:pPr>
+            <a:r>
+              <a:rPr lang="pt-BR" sz="2000" dirty="0">
+                <a:solidFill>
+                  <a:schemeClr val="tx1"/>
+                </a:solidFill>
+                <a:latin typeface="Times New Roman" panose="02020603050405020304" pitchFamily="18" charset="0"/>
+                <a:cs typeface="Times New Roman" panose="02020603050405020304" pitchFamily="18" charset="0"/>
+              </a:rPr>
+              <a:t>4. </a:t>
+            </a:r>
+            <a:r>
+              <a:rPr lang="pt-BR" sz="2000" b="1" dirty="0" err="1">
+                <a:solidFill>
+                  <a:schemeClr val="tx1"/>
+                </a:solidFill>
+                <a:latin typeface="Times New Roman" panose="02020603050405020304" pitchFamily="18" charset="0"/>
+                <a:cs typeface="Times New Roman" panose="02020603050405020304" pitchFamily="18" charset="0"/>
+              </a:rPr>
+              <a:t>Alert</a:t>
+            </a:r>
+            <a:r>
+              <a:rPr lang="pt-BR" sz="2000" dirty="0">
+                <a:solidFill>
+                  <a:schemeClr val="tx1"/>
+                </a:solidFill>
+                <a:latin typeface="Times New Roman" panose="02020603050405020304" pitchFamily="18" charset="0"/>
+                <a:cs typeface="Times New Roman" panose="02020603050405020304" pitchFamily="18" charset="0"/>
+              </a:rPr>
+              <a:t> (Alerta na tela</a:t>
+            </a:r>
+            <a:r>
+              <a:rPr lang="pt-BR" sz="2000" u="sng" dirty="0">
+                <a:solidFill>
+                  <a:schemeClr val="tx1"/>
+                </a:solidFill>
+                <a:latin typeface="Times New Roman" panose="02020603050405020304" pitchFamily="18" charset="0"/>
+                <a:cs typeface="Times New Roman" panose="02020603050405020304" pitchFamily="18" charset="0"/>
+              </a:rPr>
+              <a:t>):</a:t>
+            </a:r>
+          </a:p>
+          <a:p>
+            <a:pPr marL="0" indent="0" algn="just">
+              <a:buNone/>
+            </a:pPr>
+            <a:r>
+              <a:rPr lang="pt-BR" sz="2000" dirty="0">
+                <a:solidFill>
+                  <a:schemeClr val="tx1"/>
+                </a:solidFill>
+                <a:latin typeface="Times New Roman" panose="02020603050405020304" pitchFamily="18" charset="0"/>
+                <a:cs typeface="Times New Roman" panose="02020603050405020304" pitchFamily="18" charset="0"/>
+              </a:rPr>
+              <a:t>	</a:t>
+            </a:r>
+            <a:r>
+              <a:rPr lang="pt-BR" sz="2000" b="1" dirty="0" err="1">
                 <a:solidFill>
                   <a:srgbClr val="FF0000"/>
                 </a:solidFill>
                 <a:latin typeface="Times New Roman" panose="02020603050405020304" pitchFamily="18" charset="0"/>
                 <a:cs typeface="Times New Roman" panose="02020603050405020304" pitchFamily="18" charset="0"/>
               </a:rPr>
-              <a:t>/</a:t>
-            </a:r>
-            <a:r>
-              <a:rPr lang="pt-BR" sz="2400" b="1" dirty="0" err="1">
-                <a:solidFill>
-                  <a:srgbClr val="FF0000"/>
-                </a:solidFill>
-                <a:latin typeface="Times New Roman" panose="02020603050405020304" pitchFamily="18" charset="0"/>
-                <a:cs typeface="Times New Roman" panose="02020603050405020304" pitchFamily="18" charset="0"/>
-              </a:rPr>
-              <a:t>let</a:t>
-            </a:r>
-            <a:r>
-              <a:rPr lang="pt-BR" sz="2400" dirty="0">
+              <a:t>alert</a:t>
+            </a:r>
+            <a:r>
+              <a:rPr lang="pt-BR" sz="2000" dirty="0">
                 <a:solidFill>
                   <a:schemeClr val="tx1"/>
                 </a:solidFill>
                 <a:latin typeface="Times New Roman" panose="02020603050405020304" pitchFamily="18" charset="0"/>
                 <a:cs typeface="Times New Roman" panose="02020603050405020304" pitchFamily="18" charset="0"/>
               </a:rPr>
-              <a:t> (JS moderno)</a:t>
-            </a:r>
-          </a:p>
-          <a:p>
-            <a:pPr marL="0" indent="0" algn="just">
-              <a:buNone/>
-            </a:pPr>
-            <a:r>
-              <a:rPr lang="pt-BR" sz="2400" b="1" dirty="0">
-                <a:solidFill>
-                  <a:srgbClr val="FF0000"/>
-                </a:solidFill>
-                <a:latin typeface="Times New Roman" panose="02020603050405020304" pitchFamily="18" charset="0"/>
-                <a:cs typeface="Times New Roman" panose="02020603050405020304" pitchFamily="18" charset="0"/>
-              </a:rPr>
-              <a:t>Exemplos</a:t>
-            </a:r>
-            <a:r>
-              <a:rPr lang="pt-BR" sz="2400" dirty="0">
-                <a:solidFill>
-                  <a:schemeClr val="tx1"/>
-                </a:solidFill>
-                <a:latin typeface="Times New Roman" panose="02020603050405020304" pitchFamily="18" charset="0"/>
-                <a:cs typeface="Times New Roman" panose="02020603050405020304" pitchFamily="18" charset="0"/>
-              </a:rPr>
-              <a:t>:</a:t>
-            </a:r>
-          </a:p>
-          <a:p>
-            <a:pPr marL="0" indent="0" algn="just">
-              <a:buNone/>
-            </a:pPr>
-            <a:r>
-              <a:rPr lang="pt-BR" sz="2400" b="1" dirty="0">
-                <a:solidFill>
-                  <a:schemeClr val="tx1"/>
-                </a:solidFill>
-                <a:latin typeface="Times New Roman" panose="02020603050405020304" pitchFamily="18" charset="0"/>
-                <a:cs typeface="Times New Roman" panose="02020603050405020304" pitchFamily="18" charset="0"/>
-              </a:rPr>
-              <a:t>	</a:t>
-            </a:r>
-            <a:r>
-              <a:rPr lang="pt-BR" sz="2400" b="1" dirty="0" err="1">
-                <a:solidFill>
-                  <a:schemeClr val="tx1"/>
-                </a:solidFill>
-                <a:latin typeface="Times New Roman" panose="02020603050405020304" pitchFamily="18" charset="0"/>
-                <a:cs typeface="Times New Roman" panose="02020603050405020304" pitchFamily="18" charset="0"/>
-              </a:rPr>
-              <a:t>let</a:t>
-            </a:r>
-            <a:r>
-              <a:rPr lang="pt-BR" sz="2400" dirty="0">
-                <a:solidFill>
-                  <a:schemeClr val="tx1"/>
-                </a:solidFill>
-                <a:latin typeface="Times New Roman" panose="02020603050405020304" pitchFamily="18" charset="0"/>
-                <a:cs typeface="Times New Roman" panose="02020603050405020304" pitchFamily="18" charset="0"/>
-              </a:rPr>
-              <a:t> x, </a:t>
-            </a:r>
-            <a:r>
-              <a:rPr lang="pt-BR" sz="2400" dirty="0" err="1">
-                <a:solidFill>
-                  <a:schemeClr val="tx1"/>
-                </a:solidFill>
-                <a:latin typeface="Times New Roman" panose="02020603050405020304" pitchFamily="18" charset="0"/>
-                <a:cs typeface="Times New Roman" panose="02020603050405020304" pitchFamily="18" charset="0"/>
-              </a:rPr>
-              <a:t>y,z</a:t>
-            </a:r>
-            <a:r>
-              <a:rPr lang="pt-BR" sz="2400" dirty="0">
-                <a:solidFill>
-                  <a:schemeClr val="tx1"/>
-                </a:solidFill>
-                <a:latin typeface="Times New Roman" panose="02020603050405020304" pitchFamily="18" charset="0"/>
-                <a:cs typeface="Times New Roman" panose="02020603050405020304" pitchFamily="18" charset="0"/>
-              </a:rPr>
-              <a:t>;</a:t>
-            </a:r>
-          </a:p>
-          <a:p>
-            <a:pPr marL="0" indent="0" algn="just">
-              <a:buNone/>
-            </a:pPr>
-            <a:r>
-              <a:rPr lang="pt-BR" sz="2400" dirty="0">
-                <a:solidFill>
-                  <a:schemeClr val="tx1"/>
-                </a:solidFill>
-                <a:latin typeface="Times New Roman" panose="02020603050405020304" pitchFamily="18" charset="0"/>
-                <a:cs typeface="Times New Roman" panose="02020603050405020304" pitchFamily="18" charset="0"/>
-              </a:rPr>
-              <a:t>	x = 9; y = 7; z = 2;</a:t>
-            </a:r>
-          </a:p>
-          <a:p>
-            <a:pPr marL="0" indent="0" algn="just">
-              <a:buNone/>
-            </a:pPr>
-            <a:r>
-              <a:rPr lang="pt-BR" sz="2400" dirty="0">
-                <a:solidFill>
-                  <a:schemeClr val="tx1"/>
-                </a:solidFill>
-                <a:latin typeface="Times New Roman" panose="02020603050405020304" pitchFamily="18" charset="0"/>
-                <a:cs typeface="Times New Roman" panose="02020603050405020304" pitchFamily="18" charset="0"/>
-              </a:rPr>
-              <a:t>Ou </a:t>
-            </a:r>
-          </a:p>
-          <a:p>
-            <a:pPr marL="0" indent="0" algn="just">
-              <a:buNone/>
-            </a:pPr>
-            <a:r>
-              <a:rPr lang="pt-BR" sz="2400" b="1" dirty="0">
-                <a:solidFill>
-                  <a:schemeClr val="tx1"/>
-                </a:solidFill>
-                <a:latin typeface="Times New Roman" panose="02020603050405020304" pitchFamily="18" charset="0"/>
-                <a:cs typeface="Times New Roman" panose="02020603050405020304" pitchFamily="18" charset="0"/>
-              </a:rPr>
-              <a:t>	</a:t>
-            </a:r>
-            <a:r>
-              <a:rPr lang="pt-BR" sz="2400" b="1" dirty="0" err="1">
-                <a:solidFill>
-                  <a:schemeClr val="tx1"/>
-                </a:solidFill>
-                <a:latin typeface="Times New Roman" panose="02020603050405020304" pitchFamily="18" charset="0"/>
-                <a:cs typeface="Times New Roman" panose="02020603050405020304" pitchFamily="18" charset="0"/>
-              </a:rPr>
-              <a:t>let</a:t>
-            </a:r>
-            <a:r>
-              <a:rPr lang="pt-BR" sz="2400" dirty="0">
-                <a:solidFill>
-                  <a:schemeClr val="tx1"/>
-                </a:solidFill>
-                <a:latin typeface="Times New Roman" panose="02020603050405020304" pitchFamily="18" charset="0"/>
-                <a:cs typeface="Times New Roman" panose="02020603050405020304" pitchFamily="18" charset="0"/>
-              </a:rPr>
-              <a:t> x </a:t>
-            </a:r>
-            <a:r>
-              <a:rPr lang="pt-BR" sz="2400">
-                <a:solidFill>
-                  <a:schemeClr val="tx1"/>
-                </a:solidFill>
-                <a:latin typeface="Times New Roman" panose="02020603050405020304" pitchFamily="18" charset="0"/>
-                <a:cs typeface="Times New Roman" panose="02020603050405020304" pitchFamily="18" charset="0"/>
-              </a:rPr>
-              <a:t>= 9, </a:t>
-            </a:r>
-            <a:r>
-              <a:rPr lang="pt-BR" sz="2400" dirty="0">
-                <a:solidFill>
-                  <a:schemeClr val="tx1"/>
-                </a:solidFill>
-                <a:latin typeface="Times New Roman" panose="02020603050405020304" pitchFamily="18" charset="0"/>
-                <a:cs typeface="Times New Roman" panose="02020603050405020304" pitchFamily="18" charset="0"/>
-              </a:rPr>
-              <a:t>y </a:t>
-            </a:r>
-            <a:r>
-              <a:rPr lang="pt-BR" sz="2400">
-                <a:solidFill>
-                  <a:schemeClr val="tx1"/>
-                </a:solidFill>
-                <a:latin typeface="Times New Roman" panose="02020603050405020304" pitchFamily="18" charset="0"/>
-                <a:cs typeface="Times New Roman" panose="02020603050405020304" pitchFamily="18" charset="0"/>
-              </a:rPr>
-              <a:t>= 7, </a:t>
-            </a:r>
-            <a:r>
-              <a:rPr lang="pt-BR" sz="2400" dirty="0">
-                <a:solidFill>
-                  <a:schemeClr val="tx1"/>
-                </a:solidFill>
-                <a:latin typeface="Times New Roman" panose="02020603050405020304" pitchFamily="18" charset="0"/>
-                <a:cs typeface="Times New Roman" panose="02020603050405020304" pitchFamily="18" charset="0"/>
-              </a:rPr>
-              <a:t>z = 2;</a:t>
-            </a:r>
-          </a:p>
-          <a:p>
-            <a:pPr marL="0" indent="0" algn="just">
-              <a:buNone/>
-            </a:pPr>
-            <a:endParaRPr lang="pt-BR" sz="2400" dirty="0">
-              <a:solidFill>
-                <a:schemeClr val="tx1"/>
-              </a:solidFill>
-              <a:latin typeface="Times New Roman" panose="02020603050405020304" pitchFamily="18" charset="0"/>
-              <a:cs typeface="Times New Roman" panose="02020603050405020304" pitchFamily="18" charset="0"/>
-            </a:endParaRPr>
-          </a:p>
-          <a:p>
-            <a:pPr marL="0" indent="0" algn="just">
-              <a:buNone/>
-            </a:pPr>
-            <a:r>
-              <a:rPr lang="pt-BR" sz="2400" b="1" dirty="0">
-                <a:solidFill>
-                  <a:schemeClr val="tx1"/>
-                </a:solidFill>
-                <a:latin typeface="Times New Roman" panose="02020603050405020304" pitchFamily="18" charset="0"/>
-                <a:cs typeface="Times New Roman" panose="02020603050405020304" pitchFamily="18" charset="0"/>
-              </a:rPr>
-              <a:t>	</a:t>
-            </a:r>
-            <a:r>
-              <a:rPr lang="pt-BR" sz="2400" b="1" dirty="0" err="1">
-                <a:solidFill>
-                  <a:schemeClr val="tx1"/>
-                </a:solidFill>
-                <a:latin typeface="Times New Roman" panose="02020603050405020304" pitchFamily="18" charset="0"/>
-                <a:cs typeface="Times New Roman" panose="02020603050405020304" pitchFamily="18" charset="0"/>
-              </a:rPr>
-              <a:t>const</a:t>
-            </a:r>
-            <a:r>
-              <a:rPr lang="pt-BR" sz="2400" dirty="0">
-                <a:solidFill>
-                  <a:schemeClr val="tx1"/>
-                </a:solidFill>
-                <a:latin typeface="Times New Roman" panose="02020603050405020304" pitchFamily="18" charset="0"/>
-                <a:cs typeface="Times New Roman" panose="02020603050405020304" pitchFamily="18" charset="0"/>
-              </a:rPr>
-              <a:t>  a = 5; (</a:t>
-            </a:r>
-            <a:r>
-              <a:rPr lang="pt-BR" sz="2400" b="1" dirty="0">
-                <a:solidFill>
-                  <a:srgbClr val="FF0000"/>
-                </a:solidFill>
-                <a:latin typeface="Times New Roman" panose="02020603050405020304" pitchFamily="18" charset="0"/>
-                <a:cs typeface="Times New Roman" panose="02020603050405020304" pitchFamily="18" charset="0"/>
-              </a:rPr>
-              <a:t>Declaração da variável a como constante</a:t>
-            </a:r>
-            <a:r>
-              <a:rPr lang="pt-BR" sz="2400" dirty="0">
-                <a:solidFill>
-                  <a:schemeClr val="tx1"/>
-                </a:solidFill>
-                <a:latin typeface="Times New Roman" panose="02020603050405020304" pitchFamily="18" charset="0"/>
-                <a:cs typeface="Times New Roman" panose="02020603050405020304" pitchFamily="18" charset="0"/>
-              </a:rPr>
-              <a:t>)</a:t>
+              <a:t>( 8 * 7 / 2);</a:t>
             </a:r>
           </a:p>
         </p:txBody>
@@ -5538,7 +6265,7 @@
     </p:spTree>
     <p:extLst>
       <p:ext uri="{BB962C8B-B14F-4D97-AF65-F5344CB8AC3E}">
-        <p14:creationId xmlns:p14="http://schemas.microsoft.com/office/powerpoint/2010/main" val="834930593"/>
+        <p14:creationId xmlns:p14="http://schemas.microsoft.com/office/powerpoint/2010/main" val="3754986054"/>
       </p:ext>
     </p:extLst>
   </p:cSld>
@@ -5594,8 +6321,21 @@
                   <a:srgbClr val="0070C0"/>
                 </a:solidFill>
               </a:rPr>
-              <a:t>JS</a:t>
-            </a:r>
+              <a:t>JS – </a:t>
+            </a:r>
+            <a:r>
+              <a:rPr lang="en-US" b="1" dirty="0" err="1">
+                <a:solidFill>
+                  <a:srgbClr val="0070C0"/>
+                </a:solidFill>
+              </a:rPr>
+              <a:t>Variáveis</a:t>
+            </a:r>
+            <a:endParaRPr lang="en-US" b="1" dirty="0">
+              <a:solidFill>
+                <a:srgbClr val="0070C0"/>
+              </a:solidFill>
+            </a:endParaRPr>
           </a:p>
         </p:txBody>
       </p:sp>
@@ -5625,6 +6365,16 @@
               <a:buNone/>
             </a:pPr>
             <a:r>
+              <a:rPr lang="pt-BR" sz="2400" b="1" dirty="0">
+                <a:solidFill>
+                  <a:srgbClr val="FF0000"/>
+                </a:solidFill>
+                <a:latin typeface="Times New Roman" panose="02020603050405020304" pitchFamily="18" charset="0"/>
+                <a:cs typeface="Times New Roman" panose="02020603050405020304" pitchFamily="18" charset="0"/>
+              </a:rPr>
+              <a:t>Atenção</a:t>
+            </a:r>
+            <a:r>
               <a:rPr lang="pt-BR" sz="2400" dirty="0">
                 <a:solidFill>
                   <a:schemeClr val="tx1"/>
@@ -5632,7 +6382,7 @@
                 <a:latin typeface="Times New Roman" panose="02020603050405020304" pitchFamily="18" charset="0"/>
                 <a:cs typeface="Times New Roman" panose="02020603050405020304" pitchFamily="18" charset="0"/>
               </a:rPr>
-              <a:t>Tipos de Variáveis</a:t>
+              <a:t>: Seguir a regra de nomenclatura de variáveis.</a:t>
             </a:r>
           </a:p>
           <a:p>
@@ -5647,7 +6397,319 @@
                 <a:latin typeface="Times New Roman" panose="02020603050405020304" pitchFamily="18" charset="0"/>
                 <a:cs typeface="Times New Roman" panose="02020603050405020304" pitchFamily="18" charset="0"/>
               </a:rPr>
-              <a:t>Estruturas: Condicional e Repetição</a:t>
+              <a:t>Instrução </a:t>
+            </a:r>
+            <a:r>
+              <a:rPr lang="pt-BR" sz="2400" b="1" dirty="0">
+                <a:solidFill>
+                  <a:schemeClr val="tx1"/>
+                </a:solidFill>
+                <a:latin typeface="Times New Roman" panose="02020603050405020304" pitchFamily="18" charset="0"/>
+                <a:cs typeface="Times New Roman" panose="02020603050405020304" pitchFamily="18" charset="0"/>
+              </a:rPr>
+              <a:t>var</a:t>
+            </a:r>
+            <a:r>
+              <a:rPr lang="pt-BR" sz="2400" dirty="0">
+                <a:solidFill>
+                  <a:schemeClr val="tx1"/>
+                </a:solidFill>
+                <a:latin typeface="Times New Roman" panose="02020603050405020304" pitchFamily="18" charset="0"/>
+                <a:cs typeface="Times New Roman" panose="02020603050405020304" pitchFamily="18" charset="0"/>
+              </a:rPr>
+              <a:t> ou </a:t>
+            </a:r>
+            <a:r>
+              <a:rPr lang="pt-BR" sz="2400" b="1" dirty="0" err="1">
+                <a:solidFill>
+                  <a:srgbClr val="FF0000"/>
+                </a:solidFill>
+                <a:latin typeface="Times New Roman" panose="02020603050405020304" pitchFamily="18" charset="0"/>
+                <a:cs typeface="Times New Roman" panose="02020603050405020304" pitchFamily="18" charset="0"/>
+              </a:rPr>
+              <a:t>const</a:t>
+            </a:r>
+            <a:r>
+              <a:rPr lang="pt-BR" sz="2400" b="1" dirty="0">
+                <a:solidFill>
+                  <a:srgbClr val="FF0000"/>
+                </a:solidFill>
+                <a:latin typeface="Times New Roman" panose="02020603050405020304" pitchFamily="18" charset="0"/>
+                <a:cs typeface="Times New Roman" panose="02020603050405020304" pitchFamily="18" charset="0"/>
+              </a:rPr>
+              <a:t>/</a:t>
+            </a:r>
+            <a:r>
+              <a:rPr lang="pt-BR" sz="2400" b="1" dirty="0" err="1">
+                <a:solidFill>
+                  <a:srgbClr val="FF0000"/>
+                </a:solidFill>
+                <a:latin typeface="Times New Roman" panose="02020603050405020304" pitchFamily="18" charset="0"/>
+                <a:cs typeface="Times New Roman" panose="02020603050405020304" pitchFamily="18" charset="0"/>
+              </a:rPr>
+              <a:t>let</a:t>
+            </a:r>
+            <a:r>
+              <a:rPr lang="pt-BR" sz="2400" dirty="0">
+                <a:solidFill>
+                  <a:schemeClr val="tx1"/>
+                </a:solidFill>
+                <a:latin typeface="Times New Roman" panose="02020603050405020304" pitchFamily="18" charset="0"/>
+                <a:cs typeface="Times New Roman" panose="02020603050405020304" pitchFamily="18" charset="0"/>
+              </a:rPr>
+              <a:t> (JS moderno)</a:t>
+            </a:r>
+          </a:p>
+          <a:p>
+            <a:pPr marL="0" indent="0" algn="just">
+              <a:buNone/>
+            </a:pPr>
+            <a:r>
+              <a:rPr lang="pt-BR" sz="2400" b="1" dirty="0">
+                <a:solidFill>
+                  <a:srgbClr val="FF0000"/>
+                </a:solidFill>
+                <a:latin typeface="Times New Roman" panose="02020603050405020304" pitchFamily="18" charset="0"/>
+                <a:cs typeface="Times New Roman" panose="02020603050405020304" pitchFamily="18" charset="0"/>
+              </a:rPr>
+              <a:t>Exemplos</a:t>
+            </a:r>
+            <a:r>
+              <a:rPr lang="pt-BR" sz="2400" dirty="0">
+                <a:solidFill>
+                  <a:schemeClr val="tx1"/>
+                </a:solidFill>
+                <a:latin typeface="Times New Roman" panose="02020603050405020304" pitchFamily="18" charset="0"/>
+                <a:cs typeface="Times New Roman" panose="02020603050405020304" pitchFamily="18" charset="0"/>
+              </a:rPr>
+              <a:t>:</a:t>
+            </a:r>
+          </a:p>
+          <a:p>
+            <a:pPr marL="0" indent="0" algn="just">
+              <a:buNone/>
+            </a:pPr>
+            <a:r>
+              <a:rPr lang="pt-BR" sz="2400" b="1" dirty="0">
+                <a:solidFill>
+                  <a:schemeClr val="tx1"/>
+                </a:solidFill>
+                <a:latin typeface="Times New Roman" panose="02020603050405020304" pitchFamily="18" charset="0"/>
+                <a:cs typeface="Times New Roman" panose="02020603050405020304" pitchFamily="18" charset="0"/>
+              </a:rPr>
+              <a:t>	</a:t>
+            </a:r>
+            <a:r>
+              <a:rPr lang="pt-BR" sz="2400" b="1" dirty="0" err="1">
+                <a:solidFill>
+                  <a:schemeClr val="tx1"/>
+                </a:solidFill>
+                <a:latin typeface="Times New Roman" panose="02020603050405020304" pitchFamily="18" charset="0"/>
+                <a:cs typeface="Times New Roman" panose="02020603050405020304" pitchFamily="18" charset="0"/>
+              </a:rPr>
+              <a:t>let</a:t>
+            </a:r>
+            <a:r>
+              <a:rPr lang="pt-BR" sz="2400" dirty="0">
+                <a:solidFill>
+                  <a:schemeClr val="tx1"/>
+                </a:solidFill>
+                <a:latin typeface="Times New Roman" panose="02020603050405020304" pitchFamily="18" charset="0"/>
+                <a:cs typeface="Times New Roman" panose="02020603050405020304" pitchFamily="18" charset="0"/>
+              </a:rPr>
+              <a:t> x, </a:t>
+            </a:r>
+            <a:r>
+              <a:rPr lang="pt-BR" sz="2400" dirty="0" err="1">
+                <a:solidFill>
+                  <a:schemeClr val="tx1"/>
+                </a:solidFill>
+                <a:latin typeface="Times New Roman" panose="02020603050405020304" pitchFamily="18" charset="0"/>
+                <a:cs typeface="Times New Roman" panose="02020603050405020304" pitchFamily="18" charset="0"/>
+              </a:rPr>
+              <a:t>y,z</a:t>
+            </a:r>
+            <a:r>
+              <a:rPr lang="pt-BR" sz="2400" dirty="0">
+                <a:solidFill>
+                  <a:schemeClr val="tx1"/>
+                </a:solidFill>
+                <a:latin typeface="Times New Roman" panose="02020603050405020304" pitchFamily="18" charset="0"/>
+                <a:cs typeface="Times New Roman" panose="02020603050405020304" pitchFamily="18" charset="0"/>
+              </a:rPr>
+              <a:t>;</a:t>
+            </a:r>
+          </a:p>
+          <a:p>
+            <a:pPr marL="0" indent="0" algn="just">
+              <a:buNone/>
+            </a:pPr>
+            <a:r>
+              <a:rPr lang="pt-BR" sz="2400" dirty="0">
+                <a:solidFill>
+                  <a:schemeClr val="tx1"/>
+                </a:solidFill>
+                <a:latin typeface="Times New Roman" panose="02020603050405020304" pitchFamily="18" charset="0"/>
+                <a:cs typeface="Times New Roman" panose="02020603050405020304" pitchFamily="18" charset="0"/>
+              </a:rPr>
+              <a:t>	x = 9; y = 7; z = 2;</a:t>
+            </a:r>
+          </a:p>
+          <a:p>
+            <a:pPr marL="0" indent="0" algn="just">
+              <a:buNone/>
+            </a:pPr>
+            <a:r>
+              <a:rPr lang="pt-BR" sz="2400" dirty="0">
+                <a:solidFill>
+                  <a:schemeClr val="tx1"/>
+                </a:solidFill>
+                <a:latin typeface="Times New Roman" panose="02020603050405020304" pitchFamily="18" charset="0"/>
+                <a:cs typeface="Times New Roman" panose="02020603050405020304" pitchFamily="18" charset="0"/>
+              </a:rPr>
+              <a:t>Ou </a:t>
+            </a:r>
+          </a:p>
+          <a:p>
+            <a:pPr marL="0" indent="0" algn="just">
+              <a:buNone/>
+            </a:pPr>
+            <a:r>
+              <a:rPr lang="pt-BR" sz="2400" b="1" dirty="0">
+                <a:solidFill>
+                  <a:schemeClr val="tx1"/>
+                </a:solidFill>
+                <a:latin typeface="Times New Roman" panose="02020603050405020304" pitchFamily="18" charset="0"/>
+                <a:cs typeface="Times New Roman" panose="02020603050405020304" pitchFamily="18" charset="0"/>
+              </a:rPr>
+              <a:t>	</a:t>
+            </a:r>
+            <a:r>
+              <a:rPr lang="pt-BR" sz="2400" b="1" dirty="0" err="1">
+                <a:solidFill>
+                  <a:schemeClr val="tx1"/>
+                </a:solidFill>
+                <a:latin typeface="Times New Roman" panose="02020603050405020304" pitchFamily="18" charset="0"/>
+                <a:cs typeface="Times New Roman" panose="02020603050405020304" pitchFamily="18" charset="0"/>
+              </a:rPr>
+              <a:t>let</a:t>
+            </a:r>
+            <a:r>
+              <a:rPr lang="pt-BR" sz="2400" dirty="0">
+                <a:solidFill>
+                  <a:schemeClr val="tx1"/>
+                </a:solidFill>
+                <a:latin typeface="Times New Roman" panose="02020603050405020304" pitchFamily="18" charset="0"/>
+                <a:cs typeface="Times New Roman" panose="02020603050405020304" pitchFamily="18" charset="0"/>
+              </a:rPr>
+              <a:t> x </a:t>
+            </a:r>
+            <a:r>
+              <a:rPr lang="pt-BR" sz="2400">
+                <a:solidFill>
+                  <a:schemeClr val="tx1"/>
+                </a:solidFill>
+                <a:latin typeface="Times New Roman" panose="02020603050405020304" pitchFamily="18" charset="0"/>
+                <a:cs typeface="Times New Roman" panose="02020603050405020304" pitchFamily="18" charset="0"/>
+              </a:rPr>
+              <a:t>= 9, </a:t>
+            </a:r>
+            <a:r>
+              <a:rPr lang="pt-BR" sz="2400" dirty="0">
+                <a:solidFill>
+                  <a:schemeClr val="tx1"/>
+                </a:solidFill>
+                <a:latin typeface="Times New Roman" panose="02020603050405020304" pitchFamily="18" charset="0"/>
+                <a:cs typeface="Times New Roman" panose="02020603050405020304" pitchFamily="18" charset="0"/>
+              </a:rPr>
+              <a:t>y </a:t>
+            </a:r>
+            <a:r>
+              <a:rPr lang="pt-BR" sz="2400">
+                <a:solidFill>
+                  <a:schemeClr val="tx1"/>
+                </a:solidFill>
+                <a:latin typeface="Times New Roman" panose="02020603050405020304" pitchFamily="18" charset="0"/>
+                <a:cs typeface="Times New Roman" panose="02020603050405020304" pitchFamily="18" charset="0"/>
+              </a:rPr>
+              <a:t>= 7, </a:t>
+            </a:r>
+            <a:r>
+              <a:rPr lang="pt-BR" sz="2400" dirty="0">
+                <a:solidFill>
+                  <a:schemeClr val="tx1"/>
+                </a:solidFill>
+                <a:latin typeface="Times New Roman" panose="02020603050405020304" pitchFamily="18" charset="0"/>
+                <a:cs typeface="Times New Roman" panose="02020603050405020304" pitchFamily="18" charset="0"/>
+              </a:rPr>
+              <a:t>z = 2;</a:t>
+            </a:r>
+          </a:p>
+          <a:p>
+            <a:pPr marL="0" indent="0" algn="just">
+              <a:buNone/>
+            </a:pPr>
+            <a:endParaRPr lang="pt-BR" sz="2400" dirty="0">
+              <a:solidFill>
+                <a:schemeClr val="tx1"/>
+              </a:solidFill>
+              <a:latin typeface="Times New Roman" panose="02020603050405020304" pitchFamily="18" charset="0"/>
+              <a:cs typeface="Times New Roman" panose="02020603050405020304" pitchFamily="18" charset="0"/>
+            </a:endParaRPr>
+          </a:p>
+          <a:p>
+            <a:pPr marL="0" indent="0" algn="just">
+              <a:buNone/>
+            </a:pPr>
+            <a:r>
+              <a:rPr lang="pt-BR" sz="2400" b="1" dirty="0">
+                <a:solidFill>
+                  <a:schemeClr val="tx1"/>
+                </a:solidFill>
+                <a:latin typeface="Times New Roman" panose="02020603050405020304" pitchFamily="18" charset="0"/>
+                <a:cs typeface="Times New Roman" panose="02020603050405020304" pitchFamily="18" charset="0"/>
+              </a:rPr>
+              <a:t>	</a:t>
+            </a:r>
+            <a:r>
+              <a:rPr lang="pt-BR" sz="2400" b="1" dirty="0" err="1">
+                <a:solidFill>
+                  <a:schemeClr val="tx1"/>
+                </a:solidFill>
+                <a:latin typeface="Times New Roman" panose="02020603050405020304" pitchFamily="18" charset="0"/>
+                <a:cs typeface="Times New Roman" panose="02020603050405020304" pitchFamily="18" charset="0"/>
+              </a:rPr>
+              <a:t>const</a:t>
+            </a:r>
+            <a:r>
+              <a:rPr lang="pt-BR" sz="2400" dirty="0">
+                <a:solidFill>
+                  <a:schemeClr val="tx1"/>
+                </a:solidFill>
+                <a:latin typeface="Times New Roman" panose="02020603050405020304" pitchFamily="18" charset="0"/>
+                <a:cs typeface="Times New Roman" panose="02020603050405020304" pitchFamily="18" charset="0"/>
+              </a:rPr>
+              <a:t>  a = 5; (</a:t>
+            </a:r>
+            <a:r>
+              <a:rPr lang="pt-BR" sz="2400" b="1" dirty="0">
+                <a:solidFill>
+                  <a:srgbClr val="FF0000"/>
+                </a:solidFill>
+                <a:latin typeface="Times New Roman" panose="02020603050405020304" pitchFamily="18" charset="0"/>
+                <a:cs typeface="Times New Roman" panose="02020603050405020304" pitchFamily="18" charset="0"/>
+              </a:rPr>
+              <a:t>Declaração da variável a como constante</a:t>
+            </a:r>
+            <a:r>
+              <a:rPr lang="pt-BR" sz="2400" dirty="0">
+                <a:solidFill>
+                  <a:schemeClr val="tx1"/>
+                </a:solidFill>
+                <a:latin typeface="Times New Roman" panose="02020603050405020304" pitchFamily="18" charset="0"/>
+                <a:cs typeface="Times New Roman" panose="02020603050405020304" pitchFamily="18" charset="0"/>
+              </a:rPr>
+              <a:t>)</a:t>
             </a:r>
           </a:p>
         </p:txBody>
@@ -5655,7 +6717,7 @@
     </p:spTree>
     <p:extLst>
       <p:ext uri="{BB962C8B-B14F-4D97-AF65-F5344CB8AC3E}">
-        <p14:creationId xmlns:p14="http://schemas.microsoft.com/office/powerpoint/2010/main" val="1928729007"/>
+        <p14:creationId xmlns:p14="http://schemas.microsoft.com/office/powerpoint/2010/main" val="1716686982"/>
       </p:ext>
     </p:extLst>
   </p:cSld>
@@ -5706,28 +6768,20 @@
           <a:lstStyle/>
           <a:p>
             <a:r>
+              <a:rPr lang="en-US" b="1" dirty="0">
+                <a:solidFill>
+                  <a:srgbClr val="0070C0"/>
+                </a:solidFill>
+              </a:rPr>
+              <a:t>JS – </a:t>
+            </a:r>
+            <a:r>
               <a:rPr lang="en-US" b="1" dirty="0" err="1">
                 <a:solidFill>
                   <a:srgbClr val="0070C0"/>
                 </a:solidFill>
               </a:rPr>
-              <a:t>Leitura</a:t>
-            </a:r>
-            <a:r>
-              <a:rPr lang="en-US" b="1" dirty="0">
-                <a:solidFill>
-                  <a:srgbClr val="0070C0"/>
-                </a:solidFill>
-              </a:rPr>
-              <a:t> </a:t>
-            </a:r>
-            <a:r>
-              <a:rPr lang="en-US" b="1" dirty="0" err="1">
-                <a:solidFill>
-                  <a:srgbClr val="0070C0"/>
-                </a:solidFill>
-              </a:rPr>
-              <a:t>Específica</a:t>
+              <a:t>Atribuição</a:t>
             </a:r>
             <a:endParaRPr lang="en-US" b="1" dirty="0">
               <a:solidFill>
@@ -5749,8 +6803,8 @@
         </p:nvSpPr>
         <p:spPr>
           <a:xfrm>
-            <a:off x="142865" y="1012261"/>
-            <a:ext cx="8865056" cy="3835312"/>
+            <a:off x="142865" y="1037312"/>
+            <a:ext cx="8865056" cy="3900208"/>
           </a:xfrm>
         </p:spPr>
         <p:txBody>
@@ -5763,25 +6817,24 @@
               <a:buNone/>
             </a:pPr>
             <a:r>
-              <a:rPr lang="pt-BR" sz="2000" dirty="0">
-                <a:latin typeface="Times New Roman" panose="02020603050405020304" pitchFamily="18" charset="0"/>
-                <a:cs typeface="Times New Roman" panose="02020603050405020304" pitchFamily="18" charset="0"/>
-              </a:rPr>
-              <a:t>[1] </a:t>
-            </a:r>
-            <a:r>
-              <a:rPr lang="pt-BR" sz="2000" b="1" dirty="0">
-                <a:latin typeface="Times New Roman" panose="02020603050405020304" pitchFamily="18" charset="0"/>
-                <a:cs typeface="Times New Roman" panose="02020603050405020304" pitchFamily="18" charset="0"/>
-              </a:rPr>
-              <a:t>Site Devmedia</a:t>
-            </a:r>
-            <a:r>
-              <a:rPr lang="pt-BR" sz="2000" dirty="0">
-                <a:latin typeface="Times New Roman" panose="02020603050405020304" pitchFamily="18" charset="0"/>
-                <a:cs typeface="Times New Roman" panose="02020603050405020304" pitchFamily="18" charset="0"/>
-              </a:rPr>
-              <a:t>. 	</a:t>
+              <a:rPr lang="pt-BR" sz="2400" b="1" dirty="0">
+                <a:solidFill>
+                  <a:srgbClr val="FF0000"/>
+                </a:solidFill>
+                <a:latin typeface="Times New Roman" panose="02020603050405020304" pitchFamily="18" charset="0"/>
+                <a:cs typeface="Times New Roman" panose="02020603050405020304" pitchFamily="18" charset="0"/>
+              </a:rPr>
+              <a:t>Exemplos</a:t>
+            </a:r>
+            <a:r>
+              <a:rPr lang="pt-BR" sz="2400" dirty="0">
+                <a:solidFill>
+                  <a:schemeClr val="tx1"/>
+                </a:solidFill>
+                <a:latin typeface="Times New Roman" panose="02020603050405020304" pitchFamily="18" charset="0"/>
+                <a:cs typeface="Times New Roman" panose="02020603050405020304" pitchFamily="18" charset="0"/>
+              </a:rPr>
+              <a:t>:</a:t>
             </a:r>
           </a:p>
           <a:p>
@@ -5789,28 +6842,24 @@
               <a:buNone/>
             </a:pPr>
             <a:r>
-              <a:rPr lang="pt-BR" sz="2000" b="1" dirty="0">
-                <a:latin typeface="Times New Roman" panose="02020603050405020304" pitchFamily="18" charset="0"/>
-                <a:cs typeface="Times New Roman" panose="02020603050405020304" pitchFamily="18" charset="0"/>
-              </a:rPr>
-              <a:t>	Disponível em</a:t>
-            </a:r>
-            <a:r>
-              <a:rPr lang="pt-BR" sz="2000" dirty="0">
-                <a:latin typeface="Times New Roman" panose="02020603050405020304" pitchFamily="18" charset="0"/>
-                <a:cs typeface="Times New Roman" panose="02020603050405020304" pitchFamily="18" charset="0"/>
-              </a:rPr>
-              <a:t>: </a:t>
-            </a:r>
-            <a:r>
-              <a:rPr lang="pt-BR" sz="2000" dirty="0">
-                <a:latin typeface="Times New Roman" panose="02020603050405020304" pitchFamily="18" charset="0"/>
-                <a:cs typeface="Times New Roman" panose="02020603050405020304" pitchFamily="18" charset="0"/>
-                <a:hlinkClick r:id="rId3"/>
-              </a:rPr>
-              <a:t>https://www.devmedia.com.br/javascript/</a:t>
-            </a:r>
-            <a:endParaRPr lang="pt-BR" sz="2000" dirty="0">
+              <a:rPr lang="pt-BR" sz="2400" dirty="0">
+                <a:solidFill>
+                  <a:schemeClr val="tx1"/>
+                </a:solidFill>
+                <a:latin typeface="Times New Roman" panose="02020603050405020304" pitchFamily="18" charset="0"/>
+                <a:cs typeface="Times New Roman" panose="02020603050405020304" pitchFamily="18" charset="0"/>
+              </a:rPr>
+              <a:t>	idade = 19;</a:t>
+            </a:r>
+          </a:p>
+          <a:p>
+            <a:pPr marL="0" indent="0" algn="just">
+              <a:buNone/>
+            </a:pPr>
+            <a:endParaRPr lang="pt-BR" sz="2400" dirty="0">
+              <a:solidFill>
+                <a:schemeClr val="tx1"/>
+              </a:solidFill>
               <a:latin typeface="Times New Roman" panose="02020603050405020304" pitchFamily="18" charset="0"/>
               <a:cs typeface="Times New Roman" panose="02020603050405020304" pitchFamily="18" charset="0"/>
             </a:endParaRPr>
@@ -5819,7 +6868,25 @@
             <a:pPr marL="0" indent="0" algn="just">
               <a:buNone/>
             </a:pPr>
-            <a:endParaRPr lang="pt-BR" sz="2000" dirty="0">
+            <a:r>
+              <a:rPr lang="pt-BR" sz="2400" dirty="0">
+                <a:solidFill>
+                  <a:schemeClr val="tx1"/>
+                </a:solidFill>
+                <a:latin typeface="Times New Roman" panose="02020603050405020304" pitchFamily="18" charset="0"/>
+                <a:cs typeface="Times New Roman" panose="02020603050405020304" pitchFamily="18" charset="0"/>
+              </a:rPr>
+              <a:t> 	nome = ‘maria’;</a:t>
+            </a:r>
+          </a:p>
+          <a:p>
+            <a:pPr marL="0" indent="0" algn="just">
+              <a:buNone/>
+            </a:pPr>
+            <a:endParaRPr lang="pt-BR" sz="2400" dirty="0">
+              <a:solidFill>
+                <a:schemeClr val="tx1"/>
+              </a:solidFill>
               <a:latin typeface="Times New Roman" panose="02020603050405020304" pitchFamily="18" charset="0"/>
               <a:cs typeface="Times New Roman" panose="02020603050405020304" pitchFamily="18" charset="0"/>
             </a:endParaRPr>
@@ -5829,92 +6896,22 @@
               <a:buNone/>
             </a:pPr>
             <a:r>
-              <a:rPr lang="pt-BR" sz="2000" dirty="0">
-                <a:latin typeface="Times New Roman" panose="02020603050405020304" pitchFamily="18" charset="0"/>
-                <a:cs typeface="Times New Roman" panose="02020603050405020304" pitchFamily="18" charset="0"/>
-              </a:rPr>
-              <a:t>[2] </a:t>
-            </a:r>
-            <a:r>
-              <a:rPr lang="pt-BR" sz="2000" b="1" dirty="0">
-                <a:latin typeface="Times New Roman" panose="02020603050405020304" pitchFamily="18" charset="0"/>
-                <a:cs typeface="Times New Roman" panose="02020603050405020304" pitchFamily="18" charset="0"/>
-              </a:rPr>
-              <a:t>COSTA, </a:t>
-            </a:r>
-            <a:r>
-              <a:rPr lang="pt-BR" sz="2000" dirty="0">
-                <a:latin typeface="Times New Roman" panose="02020603050405020304" pitchFamily="18" charset="0"/>
-                <a:cs typeface="Times New Roman" panose="02020603050405020304" pitchFamily="18" charset="0"/>
-              </a:rPr>
-              <a:t>Jean Carlos Borba Guimarães da. A Linguagem </a:t>
-            </a:r>
-            <a:r>
-              <a:rPr lang="pt-BR" sz="2000" dirty="0" err="1">
-                <a:latin typeface="Times New Roman" panose="02020603050405020304" pitchFamily="18" charset="0"/>
-                <a:cs typeface="Times New Roman" panose="02020603050405020304" pitchFamily="18" charset="0"/>
-              </a:rPr>
-              <a:t>JavaScript</a:t>
-            </a:r>
-            <a:r>
-              <a:rPr lang="pt-BR" sz="2000" dirty="0">
-                <a:latin typeface="Times New Roman" panose="02020603050405020304" pitchFamily="18" charset="0"/>
-                <a:cs typeface="Times New Roman" panose="02020603050405020304" pitchFamily="18" charset="0"/>
-              </a:rPr>
-              <a:t> e seu Ecossistema. 2019. 	</a:t>
-            </a:r>
-          </a:p>
-          <a:p>
-            <a:pPr marL="0" indent="0" algn="just">
-              <a:buNone/>
-            </a:pPr>
-            <a:r>
-              <a:rPr lang="pt-BR" sz="2000" b="1" dirty="0">
-                <a:latin typeface="Times New Roman" panose="02020603050405020304" pitchFamily="18" charset="0"/>
-                <a:cs typeface="Times New Roman" panose="02020603050405020304" pitchFamily="18" charset="0"/>
-              </a:rPr>
-              <a:t>	Disponível em</a:t>
-            </a:r>
-            <a:r>
-              <a:rPr lang="pt-BR" sz="2000" dirty="0">
-                <a:latin typeface="Times New Roman" panose="02020603050405020304" pitchFamily="18" charset="0"/>
-                <a:cs typeface="Times New Roman" panose="02020603050405020304" pitchFamily="18" charset="0"/>
-              </a:rPr>
-              <a:t>: </a:t>
-            </a:r>
-          </a:p>
-          <a:p>
-            <a:pPr marL="0" indent="0" algn="just">
-              <a:buNone/>
-            </a:pPr>
-            <a:r>
-              <a:rPr lang="pt-BR" sz="2000" dirty="0">
-                <a:latin typeface="Times New Roman" panose="02020603050405020304" pitchFamily="18" charset="0"/>
-                <a:cs typeface="Times New Roman" panose="02020603050405020304" pitchFamily="18" charset="0"/>
-                <a:hlinkClick r:id="rId4"/>
-              </a:rPr>
-              <a:t>https://repositorio.uniube.br/bitstream/123456789/1546/1/A%20Linguagem%20JavaScript%20e%20seu%20Ecossistema%20.PDF</a:t>
-            </a:r>
-            <a:endParaRPr lang="pt-BR" sz="2000" dirty="0">
-              <a:latin typeface="Times New Roman" panose="02020603050405020304" pitchFamily="18" charset="0"/>
-              <a:cs typeface="Times New Roman" panose="02020603050405020304" pitchFamily="18" charset="0"/>
-            </a:endParaRPr>
-          </a:p>
-          <a:p>
-            <a:pPr marL="0" indent="0" algn="just">
-              <a:buNone/>
-            </a:pPr>
-            <a:endParaRPr lang="pt-BR" sz="2000" dirty="0">
-              <a:latin typeface="Times New Roman" panose="02020603050405020304" pitchFamily="18" charset="0"/>
-              <a:cs typeface="Times New Roman" panose="02020603050405020304" pitchFamily="18" charset="0"/>
-            </a:endParaRPr>
+              <a:rPr lang="pt-BR" sz="2400" dirty="0">
+                <a:solidFill>
+                  <a:schemeClr val="tx1"/>
+                </a:solidFill>
+                <a:latin typeface="Times New Roman" panose="02020603050405020304" pitchFamily="18" charset="0"/>
+                <a:cs typeface="Times New Roman" panose="02020603050405020304" pitchFamily="18" charset="0"/>
+              </a:rPr>
+              <a:t>	altura = 1.72;</a:t>
+            </a:r>
           </a:p>
         </p:txBody>
       </p:sp>
     </p:spTree>
     <p:extLst>
       <p:ext uri="{BB962C8B-B14F-4D97-AF65-F5344CB8AC3E}">
-        <p14:creationId xmlns:p14="http://schemas.microsoft.com/office/powerpoint/2010/main" val="3680270425"/>
+        <p14:creationId xmlns:p14="http://schemas.microsoft.com/office/powerpoint/2010/main" val="834930593"/>
       </p:ext>
     </p:extLst>
   </p:cSld>
@@ -5965,21 +6962,26 @@
           <a:lstStyle/>
           <a:p>
             <a:r>
+              <a:rPr lang="en-US" b="1" dirty="0">
+                <a:solidFill>
+                  <a:srgbClr val="0070C0"/>
+                </a:solidFill>
+              </a:rPr>
+              <a:t>JS – </a:t>
+            </a:r>
+            <a:r>
               <a:rPr lang="en-US" b="1" dirty="0" err="1">
                 <a:solidFill>
                   <a:srgbClr val="0070C0"/>
                 </a:solidFill>
               </a:rPr>
-              <a:t>Aprenda</a:t>
-            </a:r>
-            <a:r>
-              <a:rPr lang="en-US" b="1" dirty="0">
-                <a:solidFill>
-                  <a:srgbClr val="0070C0"/>
-                </a:solidFill>
-              </a:rPr>
-              <a:t>+</a:t>
-            </a:r>
+              <a:t>Operadores</a:t>
+            </a:r>
+            <a:endParaRPr lang="en-US" b="1" dirty="0">
+              <a:solidFill>
+                <a:srgbClr val="0070C0"/>
+              </a:solidFill>
+            </a:endParaRPr>
           </a:p>
         </p:txBody>
       </p:sp>
@@ -5995,8 +6997,8 @@
         </p:nvSpPr>
         <p:spPr>
           <a:xfrm>
-            <a:off x="142865" y="1200151"/>
-            <a:ext cx="8865056" cy="3394472"/>
+            <a:off x="142865" y="1037312"/>
+            <a:ext cx="8865056" cy="3900208"/>
           </a:xfrm>
         </p:spPr>
         <p:txBody>
@@ -6005,100 +7007,168 @@
           </a:bodyPr>
           <a:lstStyle/>
           <a:p>
-            <a:pPr marL="0" indent="0" algn="just">
-              <a:buNone/>
+            <a:pPr marL="457200" indent="-457200" algn="just">
+              <a:buFont typeface="+mj-lt"/>
+              <a:buAutoNum type="arabicPeriod"/>
+            </a:pPr>
+            <a:r>
+              <a:rPr lang="pt-BR" sz="2400" b="1" dirty="0">
+                <a:solidFill>
+                  <a:srgbClr val="FF0000"/>
+                </a:solidFill>
+                <a:latin typeface="Times New Roman" panose="02020603050405020304" pitchFamily="18" charset="0"/>
+                <a:cs typeface="Times New Roman" panose="02020603050405020304" pitchFamily="18" charset="0"/>
+              </a:rPr>
+              <a:t>( )</a:t>
+            </a:r>
+          </a:p>
+          <a:p>
+            <a:pPr marL="457200" indent="-457200" algn="just">
+              <a:buFont typeface="+mj-lt"/>
+              <a:buAutoNum type="arabicPeriod"/>
+            </a:pPr>
+            <a:r>
+              <a:rPr lang="pt-BR" sz="2400" b="1" dirty="0">
+                <a:solidFill>
+                  <a:srgbClr val="FF0000"/>
+                </a:solidFill>
+                <a:latin typeface="Times New Roman" panose="02020603050405020304" pitchFamily="18" charset="0"/>
+                <a:cs typeface="Times New Roman" panose="02020603050405020304" pitchFamily="18" charset="0"/>
+              </a:rPr>
+              <a:t>Aritméticos</a:t>
+            </a:r>
+            <a:r>
+              <a:rPr lang="pt-BR" sz="2400" dirty="0">
+                <a:solidFill>
+                  <a:schemeClr val="tx1"/>
+                </a:solidFill>
+                <a:latin typeface="Times New Roman" panose="02020603050405020304" pitchFamily="18" charset="0"/>
+                <a:cs typeface="Times New Roman" panose="02020603050405020304" pitchFamily="18" charset="0"/>
+              </a:rPr>
+              <a:t>: ^; /*; +-;</a:t>
+            </a:r>
+          </a:p>
+          <a:p>
+            <a:pPr marL="457200" indent="-457200" algn="just">
+              <a:buFont typeface="+mj-lt"/>
+              <a:buAutoNum type="arabicPeriod"/>
+            </a:pPr>
+            <a:r>
+              <a:rPr lang="pt-BR" sz="2400" b="1" dirty="0">
+                <a:solidFill>
+                  <a:srgbClr val="FF0000"/>
+                </a:solidFill>
+                <a:latin typeface="Times New Roman" panose="02020603050405020304" pitchFamily="18" charset="0"/>
+                <a:cs typeface="Times New Roman" panose="02020603050405020304" pitchFamily="18" charset="0"/>
+              </a:rPr>
+              <a:t>Relacionais</a:t>
+            </a:r>
+            <a:r>
+              <a:rPr lang="pt-BR" sz="2400" dirty="0">
+                <a:solidFill>
+                  <a:schemeClr val="tx1"/>
+                </a:solidFill>
+                <a:latin typeface="Times New Roman" panose="02020603050405020304" pitchFamily="18" charset="0"/>
+                <a:cs typeface="Times New Roman" panose="02020603050405020304" pitchFamily="18" charset="0"/>
+              </a:rPr>
+              <a:t>: &gt;; &gt;=; &lt;; &lt;=; !=; ==; ===</a:t>
+            </a:r>
+          </a:p>
+          <a:p>
+            <a:pPr marL="457200" indent="-457200" algn="just">
+              <a:buFont typeface="+mj-lt"/>
+              <a:buAutoNum type="arabicPeriod"/>
+            </a:pPr>
+            <a:r>
+              <a:rPr lang="pt-BR" sz="2400" b="1" dirty="0">
+                <a:solidFill>
+                  <a:srgbClr val="FF0000"/>
+                </a:solidFill>
+                <a:latin typeface="Times New Roman" panose="02020603050405020304" pitchFamily="18" charset="0"/>
+                <a:cs typeface="Times New Roman" panose="02020603050405020304" pitchFamily="18" charset="0"/>
+              </a:rPr>
+              <a:t>Lógicos</a:t>
+            </a:r>
+            <a:r>
+              <a:rPr lang="pt-BR" sz="2400" dirty="0">
+                <a:solidFill>
+                  <a:schemeClr val="tx1"/>
+                </a:solidFill>
+                <a:latin typeface="Times New Roman" panose="02020603050405020304" pitchFamily="18" charset="0"/>
+                <a:cs typeface="Times New Roman" panose="02020603050405020304" pitchFamily="18" charset="0"/>
+              </a:rPr>
+              <a:t>: </a:t>
+            </a:r>
+            <a:r>
+              <a:rPr lang="pt-BR" sz="2400" dirty="0" err="1">
+                <a:solidFill>
+                  <a:schemeClr val="tx1"/>
+                </a:solidFill>
+                <a:latin typeface="Times New Roman" panose="02020603050405020304" pitchFamily="18" charset="0"/>
+                <a:cs typeface="Times New Roman" panose="02020603050405020304" pitchFamily="18" charset="0"/>
+              </a:rPr>
+              <a:t>and</a:t>
+            </a:r>
+            <a:r>
+              <a:rPr lang="pt-BR" sz="2400" dirty="0">
+                <a:solidFill>
+                  <a:schemeClr val="tx1"/>
+                </a:solidFill>
+                <a:latin typeface="Times New Roman" panose="02020603050405020304" pitchFamily="18" charset="0"/>
+                <a:cs typeface="Times New Roman" panose="02020603050405020304" pitchFamily="18" charset="0"/>
+              </a:rPr>
+              <a:t>; </a:t>
+            </a:r>
+            <a:r>
+              <a:rPr lang="pt-BR" sz="2400" dirty="0" err="1">
+                <a:solidFill>
+                  <a:schemeClr val="tx1"/>
+                </a:solidFill>
+                <a:latin typeface="Times New Roman" panose="02020603050405020304" pitchFamily="18" charset="0"/>
+                <a:cs typeface="Times New Roman" panose="02020603050405020304" pitchFamily="18" charset="0"/>
+              </a:rPr>
+              <a:t>or</a:t>
+            </a:r>
+            <a:r>
+              <a:rPr lang="pt-BR" sz="2400" dirty="0">
+                <a:solidFill>
+                  <a:schemeClr val="tx1"/>
+                </a:solidFill>
+                <a:latin typeface="Times New Roman" panose="02020603050405020304" pitchFamily="18" charset="0"/>
+                <a:cs typeface="Times New Roman" panose="02020603050405020304" pitchFamily="18" charset="0"/>
+              </a:rPr>
+              <a:t>; </a:t>
+            </a:r>
+            <a:r>
+              <a:rPr lang="pt-BR" sz="2400" dirty="0" err="1">
+                <a:solidFill>
+                  <a:schemeClr val="tx1"/>
+                </a:solidFill>
+                <a:latin typeface="Times New Roman" panose="02020603050405020304" pitchFamily="18" charset="0"/>
+                <a:cs typeface="Times New Roman" panose="02020603050405020304" pitchFamily="18" charset="0"/>
+              </a:rPr>
+              <a:t>not</a:t>
+            </a:r>
+            <a:r>
+              <a:rPr lang="pt-BR" sz="2400" dirty="0">
+                <a:solidFill>
+                  <a:schemeClr val="tx1"/>
+                </a:solidFill>
+                <a:latin typeface="Times New Roman" panose="02020603050405020304" pitchFamily="18" charset="0"/>
+                <a:cs typeface="Times New Roman" panose="02020603050405020304" pitchFamily="18" charset="0"/>
+              </a:rPr>
+              <a:t>.</a:t>
+            </a:r>
+          </a:p>
+          <a:p>
+            <a:pPr marL="457200" indent="-457200" algn="just">
+              <a:buFont typeface="+mj-lt"/>
+              <a:buAutoNum type="arabicPeriod"/>
             </a:pPr>
             <a:endParaRPr lang="pt-BR" sz="2400" dirty="0">
-              <a:latin typeface="Times New Roman" panose="02020603050405020304" pitchFamily="18" charset="0"/>
-              <a:cs typeface="Times New Roman" panose="02020603050405020304" pitchFamily="18" charset="0"/>
-            </a:endParaRPr>
-          </a:p>
-          <a:p>
-            <a:pPr marL="0" indent="0" algn="just">
-              <a:buNone/>
-            </a:pPr>
-            <a:r>
-              <a:rPr lang="pt-BR" sz="2400" dirty="0">
-                <a:latin typeface="Times New Roman" panose="02020603050405020304" pitchFamily="18" charset="0"/>
-                <a:cs typeface="Times New Roman" panose="02020603050405020304" pitchFamily="18" charset="0"/>
-              </a:rPr>
-              <a:t>[1] </a:t>
-            </a:r>
-            <a:r>
-              <a:rPr lang="pt-BR" sz="2400" dirty="0">
-                <a:latin typeface="Times New Roman" panose="02020603050405020304" pitchFamily="18" charset="0"/>
-                <a:cs typeface="Times New Roman" panose="02020603050405020304" pitchFamily="18" charset="0"/>
-                <a:hlinkClick r:id="rId3"/>
-              </a:rPr>
-              <a:t>https://www.youtube.com/watch?v=W6NZfCO5SIk</a:t>
-            </a:r>
-            <a:r>
-              <a:rPr lang="pt-BR" sz="2400" dirty="0">
-                <a:latin typeface="Times New Roman" panose="02020603050405020304" pitchFamily="18" charset="0"/>
-                <a:cs typeface="Times New Roman" panose="02020603050405020304" pitchFamily="18" charset="0"/>
-              </a:rPr>
-              <a:t> (JS)</a:t>
-            </a:r>
-          </a:p>
-          <a:p>
-            <a:pPr marL="0" indent="0" algn="just">
-              <a:buNone/>
-            </a:pPr>
-            <a:endParaRPr lang="pt-BR" sz="2400" dirty="0">
-              <a:latin typeface="Times New Roman" panose="02020603050405020304" pitchFamily="18" charset="0"/>
-              <a:cs typeface="Times New Roman" panose="02020603050405020304" pitchFamily="18" charset="0"/>
-            </a:endParaRPr>
-          </a:p>
-          <a:p>
-            <a:pPr marL="0" indent="0" algn="just">
-              <a:buNone/>
-            </a:pPr>
-            <a:endParaRPr lang="pt-BR" sz="2400" dirty="0">
-              <a:latin typeface="Times New Roman" panose="02020603050405020304" pitchFamily="18" charset="0"/>
-              <a:cs typeface="Times New Roman" panose="02020603050405020304" pitchFamily="18" charset="0"/>
-            </a:endParaRPr>
-          </a:p>
-          <a:p>
-            <a:pPr marL="0" indent="0" algn="just">
-              <a:buNone/>
-            </a:pPr>
-            <a:r>
-              <a:rPr lang="pt-BR" sz="2400" dirty="0">
-                <a:latin typeface="Times New Roman" panose="02020603050405020304" pitchFamily="18" charset="0"/>
-                <a:cs typeface="Times New Roman" panose="02020603050405020304" pitchFamily="18" charset="0"/>
-              </a:rPr>
-              <a:t>[2] </a:t>
-            </a:r>
-            <a:r>
-              <a:rPr lang="pt-BR" sz="2400" dirty="0">
-                <a:latin typeface="Times New Roman" panose="02020603050405020304" pitchFamily="18" charset="0"/>
-                <a:cs typeface="Times New Roman" panose="02020603050405020304" pitchFamily="18" charset="0"/>
-                <a:hlinkClick r:id="rId4"/>
-              </a:rPr>
-              <a:t>https://www.youtube.com/watch?v=gYZhIVCPlFY</a:t>
-            </a:r>
-            <a:r>
-              <a:rPr lang="pt-BR" sz="2400" dirty="0">
-                <a:latin typeface="Times New Roman" panose="02020603050405020304" pitchFamily="18" charset="0"/>
-                <a:cs typeface="Times New Roman" panose="02020603050405020304" pitchFamily="18" charset="0"/>
-              </a:rPr>
-              <a:t> (JS)</a:t>
-            </a:r>
-          </a:p>
-          <a:p>
-            <a:pPr marL="0" indent="0" algn="just">
-              <a:buNone/>
-            </a:pPr>
-            <a:endParaRPr lang="pt-BR" sz="2400" dirty="0">
-              <a:latin typeface="Times New Roman" panose="02020603050405020304" pitchFamily="18" charset="0"/>
-              <a:cs typeface="Times New Roman" panose="02020603050405020304" pitchFamily="18" charset="0"/>
-            </a:endParaRPr>
-          </a:p>
-          <a:p>
-            <a:pPr marL="0" indent="0" algn="just">
-              <a:buNone/>
-            </a:pPr>
-            <a:endParaRPr lang="pt-BR" sz="2400" dirty="0">
+              <a:solidFill>
+                <a:schemeClr val="tx1"/>
+              </a:solidFill>
               <a:latin typeface="Times New Roman" panose="02020603050405020304" pitchFamily="18" charset="0"/>
               <a:cs typeface="Times New Roman" panose="02020603050405020304" pitchFamily="18" charset="0"/>
             </a:endParaRPr>
@@ -6108,7 +7178,7 @@
     </p:spTree>
     <p:extLst>
       <p:ext uri="{BB962C8B-B14F-4D97-AF65-F5344CB8AC3E}">
-        <p14:creationId xmlns:p14="http://schemas.microsoft.com/office/powerpoint/2010/main" val="2747596967"/>
+        <p14:creationId xmlns:p14="http://schemas.microsoft.com/office/powerpoint/2010/main" val="3828421646"/>
       </p:ext>
     </p:extLst>
   </p:cSld>
@@ -6159,34 +7229,13 @@
           <a:lstStyle/>
           <a:p>
             <a:r>
-              <a:rPr lang="en-US" b="1" dirty="0" err="1">
+              <a:rPr lang="en-US" b="1" dirty="0">
                 <a:solidFill>
                   <a:srgbClr val="0070C0"/>
                 </a:solidFill>
               </a:rPr>
-              <a:t>Dinâmica</a:t>
-            </a:r>
-            <a:r>
-              <a:rPr lang="en-US" b="1" dirty="0">
-                <a:solidFill>
-                  <a:srgbClr val="0070C0"/>
-                </a:solidFill>
-              </a:rPr>
-              <a:t>/</a:t>
-            </a:r>
-            <a:r>
-              <a:rPr lang="en-US" b="1" dirty="0" err="1">
-                <a:solidFill>
-                  <a:srgbClr val="0070C0"/>
-                </a:solidFill>
-              </a:rPr>
-              <a:t>Atividades</a:t>
-            </a:r>
-            <a:endParaRPr lang="en-US" b="1" dirty="0">
-              <a:solidFill>
-                <a:srgbClr val="0070C0"/>
-              </a:solidFill>
-            </a:endParaRPr>
+              <a:t>JS</a:t>
+            </a:r>
           </a:p>
         </p:txBody>
       </p:sp>
@@ -6202,8 +7251,8 @@
         </p:nvSpPr>
         <p:spPr>
           <a:xfrm>
-            <a:off x="139472" y="1063230"/>
-            <a:ext cx="8865056" cy="3606305"/>
+            <a:off x="142865" y="1037312"/>
+            <a:ext cx="8865056" cy="3900208"/>
           </a:xfrm>
         </p:spPr>
         <p:txBody>
@@ -6212,23 +7261,18 @@
           </a:bodyPr>
           <a:lstStyle/>
           <a:p>
-            <a:pPr algn="just">
-              <a:buFontTx/>
-              <a:buChar char="-"/>
+            <a:pPr marL="0" indent="0" algn="just">
+              <a:buNone/>
             </a:pPr>
             <a:r>
-              <a:rPr lang="pt-BR" dirty="0">
-                <a:latin typeface="Times New Roman" panose="02020603050405020304" pitchFamily="18" charset="0"/>
-                <a:cs typeface="Times New Roman" panose="02020603050405020304" pitchFamily="18" charset="0"/>
-              </a:rPr>
-              <a:t>Exercícios de Fixação </a:t>
-            </a:r>
-            <a:r>
-              <a:rPr lang="pt-BR" b="1" dirty="0">
-                <a:latin typeface="Times New Roman" panose="02020603050405020304" pitchFamily="18" charset="0"/>
-                <a:cs typeface="Times New Roman" panose="02020603050405020304" pitchFamily="18" charset="0"/>
-              </a:rPr>
-              <a:t>JS</a:t>
+              <a:rPr lang="pt-BR" sz="2400" dirty="0">
+                <a:solidFill>
+                  <a:schemeClr val="tx1"/>
+                </a:solidFill>
+                <a:latin typeface="Times New Roman" panose="02020603050405020304" pitchFamily="18" charset="0"/>
+                <a:cs typeface="Times New Roman" panose="02020603050405020304" pitchFamily="18" charset="0"/>
+              </a:rPr>
+              <a:t>Tipos de Variáveis</a:t>
             </a:r>
           </a:p>
           <a:p>
@@ -6236,76 +7280,22 @@
               <a:buNone/>
             </a:pPr>
             <a:r>
-              <a:rPr lang="pt-BR" dirty="0">
-                <a:latin typeface="Times New Roman" panose="02020603050405020304" pitchFamily="18" charset="0"/>
-                <a:cs typeface="Times New Roman" panose="02020603050405020304" pitchFamily="18" charset="0"/>
-              </a:rPr>
-              <a:t>	</a:t>
-            </a:r>
-            <a:r>
-              <a:rPr lang="pt-BR" b="1" dirty="0">
-                <a:solidFill>
-                  <a:srgbClr val="FF0000"/>
-                </a:solidFill>
-                <a:latin typeface="Times New Roman" panose="02020603050405020304" pitchFamily="18" charset="0"/>
-                <a:cs typeface="Times New Roman" panose="02020603050405020304" pitchFamily="18" charset="0"/>
-              </a:rPr>
-              <a:t>Desafios em Sala de Aula</a:t>
-            </a:r>
-            <a:r>
-              <a:rPr lang="pt-BR" dirty="0">
-                <a:latin typeface="Times New Roman" panose="02020603050405020304" pitchFamily="18" charset="0"/>
-                <a:cs typeface="Times New Roman" panose="02020603050405020304" pitchFamily="18" charset="0"/>
-              </a:rPr>
-              <a:t>.</a:t>
-            </a:r>
-          </a:p>
-          <a:p>
-            <a:pPr marL="0" indent="0" algn="just">
-              <a:buNone/>
-            </a:pPr>
-            <a:r>
-              <a:rPr lang="pt-BR" dirty="0">
-                <a:latin typeface="Times New Roman" panose="02020603050405020304" pitchFamily="18" charset="0"/>
-                <a:cs typeface="Times New Roman" panose="02020603050405020304" pitchFamily="18" charset="0"/>
-              </a:rPr>
-              <a:t>	</a:t>
-            </a:r>
-          </a:p>
-          <a:p>
-            <a:pPr marL="0" indent="0" algn="just">
-              <a:buNone/>
-            </a:pPr>
-            <a:r>
-              <a:rPr lang="es-ES" dirty="0">
-                <a:latin typeface="Times New Roman" panose="02020603050405020304" pitchFamily="18" charset="0"/>
-                <a:cs typeface="Times New Roman" panose="02020603050405020304" pitchFamily="18" charset="0"/>
-              </a:rPr>
-              <a:t>- Quiz JS</a:t>
-            </a:r>
-          </a:p>
-          <a:p>
-            <a:pPr marL="0" indent="0" algn="just">
-              <a:buNone/>
-            </a:pPr>
-            <a:r>
-              <a:rPr lang="es-ES" dirty="0">
-                <a:latin typeface="Times New Roman" panose="02020603050405020304" pitchFamily="18" charset="0"/>
-                <a:cs typeface="Times New Roman" panose="02020603050405020304" pitchFamily="18" charset="0"/>
-                <a:hlinkClick r:id="rId3"/>
-              </a:rPr>
-              <a:t>https://www.w3schools.com/js/js_quiz.asp</a:t>
-            </a:r>
-            <a:endParaRPr lang="pt-BR" dirty="0">
-              <a:latin typeface="Calibri" panose="020F0502020204030204" pitchFamily="34" charset="0"/>
-            </a:endParaRPr>
+              <a:rPr lang="pt-BR" sz="2400" dirty="0">
+                <a:solidFill>
+                  <a:schemeClr val="tx1"/>
+                </a:solidFill>
+                <a:latin typeface="Times New Roman" panose="02020603050405020304" pitchFamily="18" charset="0"/>
+                <a:cs typeface="Times New Roman" panose="02020603050405020304" pitchFamily="18" charset="0"/>
+              </a:rPr>
+              <a:t>Estruturas: Condicional e Repetição</a:t>
+            </a:r>
           </a:p>
         </p:txBody>
       </p:sp>
     </p:spTree>
     <p:extLst>
       <p:ext uri="{BB962C8B-B14F-4D97-AF65-F5344CB8AC3E}">
-        <p14:creationId xmlns:p14="http://schemas.microsoft.com/office/powerpoint/2010/main" val="2470652989"/>
+        <p14:creationId xmlns:p14="http://schemas.microsoft.com/office/powerpoint/2010/main" val="1928729007"/>
       </p:ext>
     </p:extLst>
   </p:cSld>
@@ -6361,7 +7351,7 @@
                   <a:srgbClr val="0070C0"/>
                 </a:solidFill>
               </a:rPr>
-              <a:t>Referências</a:t>
+              <a:t>Leitura</a:t>
             </a:r>
             <a:r>
               <a:rPr lang="en-US" b="1" dirty="0">
@@ -6377,7 +7367,7 @@
                   <a:srgbClr val="0070C0"/>
                 </a:solidFill>
               </a:rPr>
-              <a:t>Bibliográficas</a:t>
+              <a:t>Específica</a:t>
             </a:r>
             <a:endParaRPr lang="en-US" b="1" dirty="0">
               <a:solidFill>
@@ -6399,8 +7389,8 @@
         </p:nvSpPr>
         <p:spPr>
           <a:xfrm>
-            <a:off x="142865" y="1200151"/>
-            <a:ext cx="8865056" cy="3394472"/>
+            <a:off x="142865" y="1012261"/>
+            <a:ext cx="8865056" cy="3835312"/>
           </a:xfrm>
         </p:spPr>
         <p:txBody>
@@ -6412,7 +7402,55 @@
             <a:pPr marL="0" indent="0" algn="just">
               <a:buNone/>
             </a:pPr>
-            <a:endParaRPr lang="pt-BR" sz="2400" dirty="0">
+            <a:r>
+              <a:rPr lang="pt-BR" sz="2000" dirty="0">
+                <a:latin typeface="Times New Roman" panose="02020603050405020304" pitchFamily="18" charset="0"/>
+                <a:cs typeface="Times New Roman" panose="02020603050405020304" pitchFamily="18" charset="0"/>
+              </a:rPr>
+              <a:t>[1] </a:t>
+            </a:r>
+            <a:r>
+              <a:rPr lang="pt-BR" sz="2000" b="1" dirty="0">
+                <a:latin typeface="Times New Roman" panose="02020603050405020304" pitchFamily="18" charset="0"/>
+                <a:cs typeface="Times New Roman" panose="02020603050405020304" pitchFamily="18" charset="0"/>
+              </a:rPr>
+              <a:t>Site Devmedia</a:t>
+            </a:r>
+            <a:r>
+              <a:rPr lang="pt-BR" sz="2000" dirty="0">
+                <a:latin typeface="Times New Roman" panose="02020603050405020304" pitchFamily="18" charset="0"/>
+                <a:cs typeface="Times New Roman" panose="02020603050405020304" pitchFamily="18" charset="0"/>
+              </a:rPr>
+              <a:t>. 	</a:t>
+            </a:r>
+          </a:p>
+          <a:p>
+            <a:pPr marL="0" indent="0" algn="just">
+              <a:buNone/>
+            </a:pPr>
+            <a:r>
+              <a:rPr lang="pt-BR" sz="2000" b="1" dirty="0">
+                <a:latin typeface="Times New Roman" panose="02020603050405020304" pitchFamily="18" charset="0"/>
+                <a:cs typeface="Times New Roman" panose="02020603050405020304" pitchFamily="18" charset="0"/>
+              </a:rPr>
+              <a:t>	Disponível em</a:t>
+            </a:r>
+            <a:r>
+              <a:rPr lang="pt-BR" sz="2000" dirty="0">
+                <a:latin typeface="Times New Roman" panose="02020603050405020304" pitchFamily="18" charset="0"/>
+                <a:cs typeface="Times New Roman" panose="02020603050405020304" pitchFamily="18" charset="0"/>
+              </a:rPr>
+              <a:t>: </a:t>
+            </a:r>
+            <a:r>
+              <a:rPr lang="pt-BR" sz="2000" dirty="0">
+                <a:latin typeface="Times New Roman" panose="02020603050405020304" pitchFamily="18" charset="0"/>
+                <a:cs typeface="Times New Roman" panose="02020603050405020304" pitchFamily="18" charset="0"/>
+                <a:hlinkClick r:id="rId3"/>
+              </a:rPr>
+              <a:t>https://www.devmedia.com.br/javascript/</a:t>
+            </a:r>
+            <a:endParaRPr lang="pt-BR" sz="2000" dirty="0">
               <a:latin typeface="Times New Roman" panose="02020603050405020304" pitchFamily="18" charset="0"/>
               <a:cs typeface="Times New Roman" panose="02020603050405020304" pitchFamily="18" charset="0"/>
             </a:endParaRPr>
@@ -6421,22 +7459,7 @@
             <a:pPr marL="0" indent="0" algn="just">
               <a:buNone/>
             </a:pPr>
-            <a:r>
-              <a:rPr lang="pt-BR" sz="2400" dirty="0">
-                <a:latin typeface="Times New Roman" panose="02020603050405020304" pitchFamily="18" charset="0"/>
-                <a:cs typeface="Times New Roman" panose="02020603050405020304" pitchFamily="18" charset="0"/>
-              </a:rPr>
-              <a:t>[1] Site: </a:t>
-            </a:r>
-            <a:r>
-              <a:rPr lang="pt-BR" sz="2400" dirty="0">
-                <a:latin typeface="Times New Roman" panose="02020603050405020304" pitchFamily="18" charset="0"/>
-                <a:cs typeface="Times New Roman" panose="02020603050405020304" pitchFamily="18" charset="0"/>
-                <a:hlinkClick r:id="rId3"/>
-              </a:rPr>
-              <a:t>https://developer.mozilla.org/pt-BR/docs/Web/JavaScript</a:t>
-            </a:r>
-            <a:endParaRPr lang="pt-BR" sz="2400" dirty="0">
+            <a:endParaRPr lang="pt-BR" sz="2000" dirty="0">
               <a:latin typeface="Times New Roman" panose="02020603050405020304" pitchFamily="18" charset="0"/>
               <a:cs typeface="Times New Roman" panose="02020603050405020304" pitchFamily="18" charset="0"/>
             </a:endParaRPr>
@@ -6445,7 +7468,74 @@
             <a:pPr marL="0" indent="0" algn="just">
               <a:buNone/>
             </a:pPr>
-            <a:endParaRPr lang="pt-BR" sz="2400" dirty="0">
+            <a:r>
+              <a:rPr lang="pt-BR" sz="2000" dirty="0">
+                <a:latin typeface="Times New Roman" panose="02020603050405020304" pitchFamily="18" charset="0"/>
+                <a:cs typeface="Times New Roman" panose="02020603050405020304" pitchFamily="18" charset="0"/>
+              </a:rPr>
+              <a:t>[2] </a:t>
+            </a:r>
+            <a:r>
+              <a:rPr lang="pt-BR" sz="2000" b="1" dirty="0">
+                <a:latin typeface="Times New Roman" panose="02020603050405020304" pitchFamily="18" charset="0"/>
+                <a:cs typeface="Times New Roman" panose="02020603050405020304" pitchFamily="18" charset="0"/>
+              </a:rPr>
+              <a:t>COSTA, </a:t>
+            </a:r>
+            <a:r>
+              <a:rPr lang="pt-BR" sz="2000" dirty="0">
+                <a:latin typeface="Times New Roman" panose="02020603050405020304" pitchFamily="18" charset="0"/>
+                <a:cs typeface="Times New Roman" panose="02020603050405020304" pitchFamily="18" charset="0"/>
+              </a:rPr>
+              <a:t>Jean Carlos Borba Guimarães da. A Linguagem </a:t>
+            </a:r>
+            <a:r>
+              <a:rPr lang="pt-BR" sz="2000" dirty="0" err="1">
+                <a:latin typeface="Times New Roman" panose="02020603050405020304" pitchFamily="18" charset="0"/>
+                <a:cs typeface="Times New Roman" panose="02020603050405020304" pitchFamily="18" charset="0"/>
+              </a:rPr>
+              <a:t>JavaScript</a:t>
+            </a:r>
+            <a:r>
+              <a:rPr lang="pt-BR" sz="2000" dirty="0">
+                <a:latin typeface="Times New Roman" panose="02020603050405020304" pitchFamily="18" charset="0"/>
+                <a:cs typeface="Times New Roman" panose="02020603050405020304" pitchFamily="18" charset="0"/>
+              </a:rPr>
+              <a:t> e seu Ecossistema. 2019. 	</a:t>
+            </a:r>
+          </a:p>
+          <a:p>
+            <a:pPr marL="0" indent="0" algn="just">
+              <a:buNone/>
+            </a:pPr>
+            <a:r>
+              <a:rPr lang="pt-BR" sz="2000" b="1" dirty="0">
+                <a:latin typeface="Times New Roman" panose="02020603050405020304" pitchFamily="18" charset="0"/>
+                <a:cs typeface="Times New Roman" panose="02020603050405020304" pitchFamily="18" charset="0"/>
+              </a:rPr>
+              <a:t>	Disponível em</a:t>
+            </a:r>
+            <a:r>
+              <a:rPr lang="pt-BR" sz="2000" dirty="0">
+                <a:latin typeface="Times New Roman" panose="02020603050405020304" pitchFamily="18" charset="0"/>
+                <a:cs typeface="Times New Roman" panose="02020603050405020304" pitchFamily="18" charset="0"/>
+              </a:rPr>
+              <a:t>: </a:t>
+            </a:r>
+          </a:p>
+          <a:p>
+            <a:pPr marL="0" indent="0" algn="just">
+              <a:buNone/>
+            </a:pPr>
+            <a:r>
+              <a:rPr lang="pt-BR" sz="2000" dirty="0">
+                <a:latin typeface="Times New Roman" panose="02020603050405020304" pitchFamily="18" charset="0"/>
+                <a:cs typeface="Times New Roman" panose="02020603050405020304" pitchFamily="18" charset="0"/>
+                <a:hlinkClick r:id="rId4"/>
+              </a:rPr>
+              <a:t>https://repositorio.uniube.br/bitstream/123456789/1546/1/A%20Linguagem%20JavaScript%20e%20seu%20Ecossistema%20.PDF</a:t>
+            </a:r>
+            <a:endParaRPr lang="pt-BR" sz="2000" dirty="0">
               <a:latin typeface="Times New Roman" panose="02020603050405020304" pitchFamily="18" charset="0"/>
               <a:cs typeface="Times New Roman" panose="02020603050405020304" pitchFamily="18" charset="0"/>
             </a:endParaRPr>
@@ -6454,31 +7544,7 @@
             <a:pPr marL="0" indent="0" algn="just">
               <a:buNone/>
             </a:pPr>
-            <a:endParaRPr lang="pt-BR" sz="2400" dirty="0">
-              <a:latin typeface="Times New Roman" panose="02020603050405020304" pitchFamily="18" charset="0"/>
-              <a:cs typeface="Times New Roman" panose="02020603050405020304" pitchFamily="18" charset="0"/>
-            </a:endParaRPr>
-          </a:p>
-          <a:p>
-            <a:pPr marL="0" indent="0" algn="just">
-              <a:buNone/>
-            </a:pPr>
-            <a:r>
-              <a:rPr lang="pt-BR" sz="2400" dirty="0">
-                <a:latin typeface="Times New Roman" panose="02020603050405020304" pitchFamily="18" charset="0"/>
-                <a:cs typeface="Times New Roman" panose="02020603050405020304" pitchFamily="18" charset="0"/>
-              </a:rPr>
-              <a:t>[2] Site: </a:t>
-            </a:r>
-            <a:r>
-              <a:rPr lang="pt-BR" sz="2400" dirty="0">
-                <a:latin typeface="Times New Roman" panose="02020603050405020304" pitchFamily="18" charset="0"/>
-                <a:cs typeface="Times New Roman" panose="02020603050405020304" pitchFamily="18" charset="0"/>
-                <a:hlinkClick r:id="rId4"/>
-              </a:rPr>
-              <a:t>https://www.w3schools.com/jsref/</a:t>
-            </a:r>
-            <a:endParaRPr lang="pt-BR" sz="2400" dirty="0">
+            <a:endParaRPr lang="pt-BR" sz="2000" dirty="0">
               <a:latin typeface="Times New Roman" panose="02020603050405020304" pitchFamily="18" charset="0"/>
               <a:cs typeface="Times New Roman" panose="02020603050405020304" pitchFamily="18" charset="0"/>
             </a:endParaRPr>
@@ -6488,7 +7554,7 @@
     </p:spTree>
     <p:extLst>
       <p:ext uri="{BB962C8B-B14F-4D97-AF65-F5344CB8AC3E}">
-        <p14:creationId xmlns:p14="http://schemas.microsoft.com/office/powerpoint/2010/main" val="1115311843"/>
+        <p14:creationId xmlns:p14="http://schemas.microsoft.com/office/powerpoint/2010/main" val="3680270425"/>
       </p:ext>
     </p:extLst>
   </p:cSld>

--- a/01 Classes/Aula 09 Desenvolvimento Web PHP - JS.pptx
+++ b/01 Classes/Aula 09 Desenvolvimento Web PHP - JS.pptx
@@ -5,7 +5,7 @@
     <p:sldMasterId id="2147483648" r:id="rId1"/>
   </p:sldMasterIdLst>
   <p:notesMasterIdLst>
-    <p:notesMasterId r:id="rId60"/>
+    <p:notesMasterId r:id="rId69"/>
   </p:notesMasterIdLst>
   <p:sldIdLst>
     <p:sldId id="256" r:id="rId2"/>
@@ -61,11 +61,20 @@
     <p:sldId id="440" r:id="rId52"/>
     <p:sldId id="441" r:id="rId53"/>
     <p:sldId id="442" r:id="rId54"/>
-    <p:sldId id="333" r:id="rId55"/>
-    <p:sldId id="323" r:id="rId56"/>
-    <p:sldId id="334" r:id="rId57"/>
-    <p:sldId id="337" r:id="rId58"/>
-    <p:sldId id="309" r:id="rId59"/>
+    <p:sldId id="445" r:id="rId55"/>
+    <p:sldId id="446" r:id="rId56"/>
+    <p:sldId id="448" r:id="rId57"/>
+    <p:sldId id="449" r:id="rId58"/>
+    <p:sldId id="450" r:id="rId59"/>
+    <p:sldId id="447" r:id="rId60"/>
+    <p:sldId id="451" r:id="rId61"/>
+    <p:sldId id="452" r:id="rId62"/>
+    <p:sldId id="453" r:id="rId63"/>
+    <p:sldId id="333" r:id="rId64"/>
+    <p:sldId id="323" r:id="rId65"/>
+    <p:sldId id="334" r:id="rId66"/>
+    <p:sldId id="337" r:id="rId67"/>
+    <p:sldId id="309" r:id="rId68"/>
   </p:sldIdLst>
   <p:sldSz cx="9144000" cy="5143500" type="screen16x9"/>
   <p:notesSz cx="6858000" cy="9144000"/>
@@ -3709,7 +3718,7 @@
     </p:spTree>
     <p:extLst>
       <p:ext uri="{BB962C8B-B14F-4D97-AF65-F5344CB8AC3E}">
-        <p14:creationId xmlns:p14="http://schemas.microsoft.com/office/powerpoint/2010/main" val="585304384"/>
+        <p14:creationId xmlns:p14="http://schemas.microsoft.com/office/powerpoint/2010/main" val="3023878993"/>
       </p:ext>
     </p:extLst>
   </p:cSld>
@@ -3775,7 +3784,7 @@
     </p:spTree>
     <p:extLst>
       <p:ext uri="{BB962C8B-B14F-4D97-AF65-F5344CB8AC3E}">
-        <p14:creationId xmlns:p14="http://schemas.microsoft.com/office/powerpoint/2010/main" val="2709569597"/>
+        <p14:creationId xmlns:p14="http://schemas.microsoft.com/office/powerpoint/2010/main" val="1241036236"/>
       </p:ext>
     </p:extLst>
   </p:cSld>
@@ -3841,7 +3850,7 @@
     </p:spTree>
     <p:extLst>
       <p:ext uri="{BB962C8B-B14F-4D97-AF65-F5344CB8AC3E}">
-        <p14:creationId xmlns:p14="http://schemas.microsoft.com/office/powerpoint/2010/main" val="2296249050"/>
+        <p14:creationId xmlns:p14="http://schemas.microsoft.com/office/powerpoint/2010/main" val="929138537"/>
       </p:ext>
     </p:extLst>
   </p:cSld>
@@ -3907,7 +3916,271 @@
     </p:spTree>
     <p:extLst>
       <p:ext uri="{BB962C8B-B14F-4D97-AF65-F5344CB8AC3E}">
-        <p14:creationId xmlns:p14="http://schemas.microsoft.com/office/powerpoint/2010/main" val="4290351292"/>
+        <p14:creationId xmlns:p14="http://schemas.microsoft.com/office/powerpoint/2010/main" val="3206080979"/>
+      </p:ext>
+    </p:extLst>
+  </p:cSld>
+  <p:clrMapOvr>
+    <a:masterClrMapping/>
+  </p:clrMapOvr>
+</p:notes>
+</file>
+
+<file path=ppt/notesSlides/notesSlide56.xml><?xml version="1.0" encoding="utf-8"?>
+<p:notes xmlns:a="http://schemas.openxmlformats.org/drawingml/2006/main" xmlns:r="http://schemas.openxmlformats.org/officeDocument/2006/relationships" xmlns:p="http://schemas.openxmlformats.org/presentationml/2006/main">
+  <p:cSld>
+    <p:spTree>
+      <p:nvGrpSpPr>
+        <p:cNvPr id="1" name=""/>
+        <p:cNvGrpSpPr/>
+        <p:nvPr/>
+      </p:nvGrpSpPr>
+      <p:grpSpPr>
+        <a:xfrm>
+          <a:off x="0" y="0"/>
+          <a:ext cx="0" cy="0"/>
+          <a:chOff x="0" y="0"/>
+          <a:chExt cx="0" cy="0"/>
+        </a:xfrm>
+      </p:grpSpPr>
+      <p:sp>
+        <p:nvSpPr>
+          <p:cNvPr id="2" name="Espaço Reservado para Imagem de Slide 1"/>
+          <p:cNvSpPr>
+            <a:spLocks noGrp="1" noRot="1" noChangeAspect="1"/>
+          </p:cNvSpPr>
+          <p:nvPr>
+            <p:ph type="sldImg"/>
+          </p:nvPr>
+        </p:nvSpPr>
+        <p:spPr>
+          <a:xfrm>
+            <a:off x="381000" y="685800"/>
+            <a:ext cx="6096000" cy="3429000"/>
+          </a:xfrm>
+        </p:spPr>
+      </p:sp>
+      <p:sp>
+        <p:nvSpPr>
+          <p:cNvPr id="3" name="Espaço Reservado para Anotações 2"/>
+          <p:cNvSpPr>
+            <a:spLocks noGrp="1"/>
+          </p:cNvSpPr>
+          <p:nvPr>
+            <p:ph type="body" idx="1"/>
+          </p:nvPr>
+        </p:nvSpPr>
+        <p:spPr/>
+        <p:txBody>
+          <a:bodyPr/>
+          <a:lstStyle/>
+          <a:p>
+            <a:endParaRPr lang="pt-BR" dirty="0"/>
+          </a:p>
+        </p:txBody>
+      </p:sp>
+    </p:spTree>
+    <p:extLst>
+      <p:ext uri="{BB962C8B-B14F-4D97-AF65-F5344CB8AC3E}">
+        <p14:creationId xmlns:p14="http://schemas.microsoft.com/office/powerpoint/2010/main" val="2330024937"/>
+      </p:ext>
+    </p:extLst>
+  </p:cSld>
+  <p:clrMapOvr>
+    <a:masterClrMapping/>
+  </p:clrMapOvr>
+</p:notes>
+</file>
+
+<file path=ppt/notesSlides/notesSlide57.xml><?xml version="1.0" encoding="utf-8"?>
+<p:notes xmlns:a="http://schemas.openxmlformats.org/drawingml/2006/main" xmlns:r="http://schemas.openxmlformats.org/officeDocument/2006/relationships" xmlns:p="http://schemas.openxmlformats.org/presentationml/2006/main">
+  <p:cSld>
+    <p:spTree>
+      <p:nvGrpSpPr>
+        <p:cNvPr id="1" name=""/>
+        <p:cNvGrpSpPr/>
+        <p:nvPr/>
+      </p:nvGrpSpPr>
+      <p:grpSpPr>
+        <a:xfrm>
+          <a:off x="0" y="0"/>
+          <a:ext cx="0" cy="0"/>
+          <a:chOff x="0" y="0"/>
+          <a:chExt cx="0" cy="0"/>
+        </a:xfrm>
+      </p:grpSpPr>
+      <p:sp>
+        <p:nvSpPr>
+          <p:cNvPr id="2" name="Espaço Reservado para Imagem de Slide 1"/>
+          <p:cNvSpPr>
+            <a:spLocks noGrp="1" noRot="1" noChangeAspect="1"/>
+          </p:cNvSpPr>
+          <p:nvPr>
+            <p:ph type="sldImg"/>
+          </p:nvPr>
+        </p:nvSpPr>
+        <p:spPr>
+          <a:xfrm>
+            <a:off x="381000" y="685800"/>
+            <a:ext cx="6096000" cy="3429000"/>
+          </a:xfrm>
+        </p:spPr>
+      </p:sp>
+      <p:sp>
+        <p:nvSpPr>
+          <p:cNvPr id="3" name="Espaço Reservado para Anotações 2"/>
+          <p:cNvSpPr>
+            <a:spLocks noGrp="1"/>
+          </p:cNvSpPr>
+          <p:nvPr>
+            <p:ph type="body" idx="1"/>
+          </p:nvPr>
+        </p:nvSpPr>
+        <p:spPr/>
+        <p:txBody>
+          <a:bodyPr/>
+          <a:lstStyle/>
+          <a:p>
+            <a:endParaRPr lang="pt-BR" dirty="0"/>
+          </a:p>
+        </p:txBody>
+      </p:sp>
+    </p:spTree>
+    <p:extLst>
+      <p:ext uri="{BB962C8B-B14F-4D97-AF65-F5344CB8AC3E}">
+        <p14:creationId xmlns:p14="http://schemas.microsoft.com/office/powerpoint/2010/main" val="3041095482"/>
+      </p:ext>
+    </p:extLst>
+  </p:cSld>
+  <p:clrMapOvr>
+    <a:masterClrMapping/>
+  </p:clrMapOvr>
+</p:notes>
+</file>
+
+<file path=ppt/notesSlides/notesSlide58.xml><?xml version="1.0" encoding="utf-8"?>
+<p:notes xmlns:a="http://schemas.openxmlformats.org/drawingml/2006/main" xmlns:r="http://schemas.openxmlformats.org/officeDocument/2006/relationships" xmlns:p="http://schemas.openxmlformats.org/presentationml/2006/main">
+  <p:cSld>
+    <p:spTree>
+      <p:nvGrpSpPr>
+        <p:cNvPr id="1" name=""/>
+        <p:cNvGrpSpPr/>
+        <p:nvPr/>
+      </p:nvGrpSpPr>
+      <p:grpSpPr>
+        <a:xfrm>
+          <a:off x="0" y="0"/>
+          <a:ext cx="0" cy="0"/>
+          <a:chOff x="0" y="0"/>
+          <a:chExt cx="0" cy="0"/>
+        </a:xfrm>
+      </p:grpSpPr>
+      <p:sp>
+        <p:nvSpPr>
+          <p:cNvPr id="2" name="Espaço Reservado para Imagem de Slide 1"/>
+          <p:cNvSpPr>
+            <a:spLocks noGrp="1" noRot="1" noChangeAspect="1"/>
+          </p:cNvSpPr>
+          <p:nvPr>
+            <p:ph type="sldImg"/>
+          </p:nvPr>
+        </p:nvSpPr>
+        <p:spPr>
+          <a:xfrm>
+            <a:off x="381000" y="685800"/>
+            <a:ext cx="6096000" cy="3429000"/>
+          </a:xfrm>
+        </p:spPr>
+      </p:sp>
+      <p:sp>
+        <p:nvSpPr>
+          <p:cNvPr id="3" name="Espaço Reservado para Anotações 2"/>
+          <p:cNvSpPr>
+            <a:spLocks noGrp="1"/>
+          </p:cNvSpPr>
+          <p:nvPr>
+            <p:ph type="body" idx="1"/>
+          </p:nvPr>
+        </p:nvSpPr>
+        <p:spPr/>
+        <p:txBody>
+          <a:bodyPr/>
+          <a:lstStyle/>
+          <a:p>
+            <a:endParaRPr lang="pt-BR" dirty="0"/>
+          </a:p>
+        </p:txBody>
+      </p:sp>
+    </p:spTree>
+    <p:extLst>
+      <p:ext uri="{BB962C8B-B14F-4D97-AF65-F5344CB8AC3E}">
+        <p14:creationId xmlns:p14="http://schemas.microsoft.com/office/powerpoint/2010/main" val="1755124333"/>
+      </p:ext>
+    </p:extLst>
+  </p:cSld>
+  <p:clrMapOvr>
+    <a:masterClrMapping/>
+  </p:clrMapOvr>
+</p:notes>
+</file>
+
+<file path=ppt/notesSlides/notesSlide59.xml><?xml version="1.0" encoding="utf-8"?>
+<p:notes xmlns:a="http://schemas.openxmlformats.org/drawingml/2006/main" xmlns:r="http://schemas.openxmlformats.org/officeDocument/2006/relationships" xmlns:p="http://schemas.openxmlformats.org/presentationml/2006/main">
+  <p:cSld>
+    <p:spTree>
+      <p:nvGrpSpPr>
+        <p:cNvPr id="1" name=""/>
+        <p:cNvGrpSpPr/>
+        <p:nvPr/>
+      </p:nvGrpSpPr>
+      <p:grpSpPr>
+        <a:xfrm>
+          <a:off x="0" y="0"/>
+          <a:ext cx="0" cy="0"/>
+          <a:chOff x="0" y="0"/>
+          <a:chExt cx="0" cy="0"/>
+        </a:xfrm>
+      </p:grpSpPr>
+      <p:sp>
+        <p:nvSpPr>
+          <p:cNvPr id="2" name="Espaço Reservado para Imagem de Slide 1"/>
+          <p:cNvSpPr>
+            <a:spLocks noGrp="1" noRot="1" noChangeAspect="1"/>
+          </p:cNvSpPr>
+          <p:nvPr>
+            <p:ph type="sldImg"/>
+          </p:nvPr>
+        </p:nvSpPr>
+        <p:spPr>
+          <a:xfrm>
+            <a:off x="381000" y="685800"/>
+            <a:ext cx="6096000" cy="3429000"/>
+          </a:xfrm>
+        </p:spPr>
+      </p:sp>
+      <p:sp>
+        <p:nvSpPr>
+          <p:cNvPr id="3" name="Espaço Reservado para Anotações 2"/>
+          <p:cNvSpPr>
+            <a:spLocks noGrp="1"/>
+          </p:cNvSpPr>
+          <p:nvPr>
+            <p:ph type="body" idx="1"/>
+          </p:nvPr>
+        </p:nvSpPr>
+        <p:spPr/>
+        <p:txBody>
+          <a:bodyPr/>
+          <a:lstStyle/>
+          <a:p>
+            <a:endParaRPr lang="pt-BR" dirty="0"/>
+          </a:p>
+        </p:txBody>
+      </p:sp>
+    </p:spTree>
+    <p:extLst>
+      <p:ext uri="{BB962C8B-B14F-4D97-AF65-F5344CB8AC3E}">
+        <p14:creationId xmlns:p14="http://schemas.microsoft.com/office/powerpoint/2010/main" val="2742355962"/>
       </p:ext>
     </p:extLst>
   </p:cSld>
@@ -3974,6 +4247,336 @@
     <p:extLst>
       <p:ext uri="{BB962C8B-B14F-4D97-AF65-F5344CB8AC3E}">
         <p14:creationId xmlns:p14="http://schemas.microsoft.com/office/powerpoint/2010/main" val="782496172"/>
+      </p:ext>
+    </p:extLst>
+  </p:cSld>
+  <p:clrMapOvr>
+    <a:masterClrMapping/>
+  </p:clrMapOvr>
+</p:notes>
+</file>
+
+<file path=ppt/notesSlides/notesSlide60.xml><?xml version="1.0" encoding="utf-8"?>
+<p:notes xmlns:a="http://schemas.openxmlformats.org/drawingml/2006/main" xmlns:r="http://schemas.openxmlformats.org/officeDocument/2006/relationships" xmlns:p="http://schemas.openxmlformats.org/presentationml/2006/main">
+  <p:cSld>
+    <p:spTree>
+      <p:nvGrpSpPr>
+        <p:cNvPr id="1" name=""/>
+        <p:cNvGrpSpPr/>
+        <p:nvPr/>
+      </p:nvGrpSpPr>
+      <p:grpSpPr>
+        <a:xfrm>
+          <a:off x="0" y="0"/>
+          <a:ext cx="0" cy="0"/>
+          <a:chOff x="0" y="0"/>
+          <a:chExt cx="0" cy="0"/>
+        </a:xfrm>
+      </p:grpSpPr>
+      <p:sp>
+        <p:nvSpPr>
+          <p:cNvPr id="2" name="Espaço Reservado para Imagem de Slide 1"/>
+          <p:cNvSpPr>
+            <a:spLocks noGrp="1" noRot="1" noChangeAspect="1"/>
+          </p:cNvSpPr>
+          <p:nvPr>
+            <p:ph type="sldImg"/>
+          </p:nvPr>
+        </p:nvSpPr>
+        <p:spPr>
+          <a:xfrm>
+            <a:off x="381000" y="685800"/>
+            <a:ext cx="6096000" cy="3429000"/>
+          </a:xfrm>
+        </p:spPr>
+      </p:sp>
+      <p:sp>
+        <p:nvSpPr>
+          <p:cNvPr id="3" name="Espaço Reservado para Anotações 2"/>
+          <p:cNvSpPr>
+            <a:spLocks noGrp="1"/>
+          </p:cNvSpPr>
+          <p:nvPr>
+            <p:ph type="body" idx="1"/>
+          </p:nvPr>
+        </p:nvSpPr>
+        <p:spPr/>
+        <p:txBody>
+          <a:bodyPr/>
+          <a:lstStyle/>
+          <a:p>
+            <a:endParaRPr lang="pt-BR" dirty="0"/>
+          </a:p>
+        </p:txBody>
+      </p:sp>
+    </p:spTree>
+    <p:extLst>
+      <p:ext uri="{BB962C8B-B14F-4D97-AF65-F5344CB8AC3E}">
+        <p14:creationId xmlns:p14="http://schemas.microsoft.com/office/powerpoint/2010/main" val="541992341"/>
+      </p:ext>
+    </p:extLst>
+  </p:cSld>
+  <p:clrMapOvr>
+    <a:masterClrMapping/>
+  </p:clrMapOvr>
+</p:notes>
+</file>
+
+<file path=ppt/notesSlides/notesSlide61.xml><?xml version="1.0" encoding="utf-8"?>
+<p:notes xmlns:a="http://schemas.openxmlformats.org/drawingml/2006/main" xmlns:r="http://schemas.openxmlformats.org/officeDocument/2006/relationships" xmlns:p="http://schemas.openxmlformats.org/presentationml/2006/main">
+  <p:cSld>
+    <p:spTree>
+      <p:nvGrpSpPr>
+        <p:cNvPr id="1" name=""/>
+        <p:cNvGrpSpPr/>
+        <p:nvPr/>
+      </p:nvGrpSpPr>
+      <p:grpSpPr>
+        <a:xfrm>
+          <a:off x="0" y="0"/>
+          <a:ext cx="0" cy="0"/>
+          <a:chOff x="0" y="0"/>
+          <a:chExt cx="0" cy="0"/>
+        </a:xfrm>
+      </p:grpSpPr>
+      <p:sp>
+        <p:nvSpPr>
+          <p:cNvPr id="2" name="Espaço Reservado para Imagem de Slide 1"/>
+          <p:cNvSpPr>
+            <a:spLocks noGrp="1" noRot="1" noChangeAspect="1"/>
+          </p:cNvSpPr>
+          <p:nvPr>
+            <p:ph type="sldImg"/>
+          </p:nvPr>
+        </p:nvSpPr>
+        <p:spPr>
+          <a:xfrm>
+            <a:off x="381000" y="685800"/>
+            <a:ext cx="6096000" cy="3429000"/>
+          </a:xfrm>
+        </p:spPr>
+      </p:sp>
+      <p:sp>
+        <p:nvSpPr>
+          <p:cNvPr id="3" name="Espaço Reservado para Anotações 2"/>
+          <p:cNvSpPr>
+            <a:spLocks noGrp="1"/>
+          </p:cNvSpPr>
+          <p:nvPr>
+            <p:ph type="body" idx="1"/>
+          </p:nvPr>
+        </p:nvSpPr>
+        <p:spPr/>
+        <p:txBody>
+          <a:bodyPr/>
+          <a:lstStyle/>
+          <a:p>
+            <a:endParaRPr lang="pt-BR" dirty="0"/>
+          </a:p>
+        </p:txBody>
+      </p:sp>
+    </p:spTree>
+    <p:extLst>
+      <p:ext uri="{BB962C8B-B14F-4D97-AF65-F5344CB8AC3E}">
+        <p14:creationId xmlns:p14="http://schemas.microsoft.com/office/powerpoint/2010/main" val="585304384"/>
+      </p:ext>
+    </p:extLst>
+  </p:cSld>
+  <p:clrMapOvr>
+    <a:masterClrMapping/>
+  </p:clrMapOvr>
+</p:notes>
+</file>
+
+<file path=ppt/notesSlides/notesSlide62.xml><?xml version="1.0" encoding="utf-8"?>
+<p:notes xmlns:a="http://schemas.openxmlformats.org/drawingml/2006/main" xmlns:r="http://schemas.openxmlformats.org/officeDocument/2006/relationships" xmlns:p="http://schemas.openxmlformats.org/presentationml/2006/main">
+  <p:cSld>
+    <p:spTree>
+      <p:nvGrpSpPr>
+        <p:cNvPr id="1" name=""/>
+        <p:cNvGrpSpPr/>
+        <p:nvPr/>
+      </p:nvGrpSpPr>
+      <p:grpSpPr>
+        <a:xfrm>
+          <a:off x="0" y="0"/>
+          <a:ext cx="0" cy="0"/>
+          <a:chOff x="0" y="0"/>
+          <a:chExt cx="0" cy="0"/>
+        </a:xfrm>
+      </p:grpSpPr>
+      <p:sp>
+        <p:nvSpPr>
+          <p:cNvPr id="2" name="Espaço Reservado para Imagem de Slide 1"/>
+          <p:cNvSpPr>
+            <a:spLocks noGrp="1" noRot="1" noChangeAspect="1"/>
+          </p:cNvSpPr>
+          <p:nvPr>
+            <p:ph type="sldImg"/>
+          </p:nvPr>
+        </p:nvSpPr>
+        <p:spPr>
+          <a:xfrm>
+            <a:off x="381000" y="685800"/>
+            <a:ext cx="6096000" cy="3429000"/>
+          </a:xfrm>
+        </p:spPr>
+      </p:sp>
+      <p:sp>
+        <p:nvSpPr>
+          <p:cNvPr id="3" name="Espaço Reservado para Anotações 2"/>
+          <p:cNvSpPr>
+            <a:spLocks noGrp="1"/>
+          </p:cNvSpPr>
+          <p:nvPr>
+            <p:ph type="body" idx="1"/>
+          </p:nvPr>
+        </p:nvSpPr>
+        <p:spPr/>
+        <p:txBody>
+          <a:bodyPr/>
+          <a:lstStyle/>
+          <a:p>
+            <a:endParaRPr lang="pt-BR" dirty="0"/>
+          </a:p>
+        </p:txBody>
+      </p:sp>
+    </p:spTree>
+    <p:extLst>
+      <p:ext uri="{BB962C8B-B14F-4D97-AF65-F5344CB8AC3E}">
+        <p14:creationId xmlns:p14="http://schemas.microsoft.com/office/powerpoint/2010/main" val="2709569597"/>
+      </p:ext>
+    </p:extLst>
+  </p:cSld>
+  <p:clrMapOvr>
+    <a:masterClrMapping/>
+  </p:clrMapOvr>
+</p:notes>
+</file>
+
+<file path=ppt/notesSlides/notesSlide63.xml><?xml version="1.0" encoding="utf-8"?>
+<p:notes xmlns:a="http://schemas.openxmlformats.org/drawingml/2006/main" xmlns:r="http://schemas.openxmlformats.org/officeDocument/2006/relationships" xmlns:p="http://schemas.openxmlformats.org/presentationml/2006/main">
+  <p:cSld>
+    <p:spTree>
+      <p:nvGrpSpPr>
+        <p:cNvPr id="1" name=""/>
+        <p:cNvGrpSpPr/>
+        <p:nvPr/>
+      </p:nvGrpSpPr>
+      <p:grpSpPr>
+        <a:xfrm>
+          <a:off x="0" y="0"/>
+          <a:ext cx="0" cy="0"/>
+          <a:chOff x="0" y="0"/>
+          <a:chExt cx="0" cy="0"/>
+        </a:xfrm>
+      </p:grpSpPr>
+      <p:sp>
+        <p:nvSpPr>
+          <p:cNvPr id="2" name="Espaço Reservado para Imagem de Slide 1"/>
+          <p:cNvSpPr>
+            <a:spLocks noGrp="1" noRot="1" noChangeAspect="1"/>
+          </p:cNvSpPr>
+          <p:nvPr>
+            <p:ph type="sldImg"/>
+          </p:nvPr>
+        </p:nvSpPr>
+        <p:spPr>
+          <a:xfrm>
+            <a:off x="381000" y="685800"/>
+            <a:ext cx="6096000" cy="3429000"/>
+          </a:xfrm>
+        </p:spPr>
+      </p:sp>
+      <p:sp>
+        <p:nvSpPr>
+          <p:cNvPr id="3" name="Espaço Reservado para Anotações 2"/>
+          <p:cNvSpPr>
+            <a:spLocks noGrp="1"/>
+          </p:cNvSpPr>
+          <p:nvPr>
+            <p:ph type="body" idx="1"/>
+          </p:nvPr>
+        </p:nvSpPr>
+        <p:spPr/>
+        <p:txBody>
+          <a:bodyPr/>
+          <a:lstStyle/>
+          <a:p>
+            <a:endParaRPr lang="pt-BR" dirty="0"/>
+          </a:p>
+        </p:txBody>
+      </p:sp>
+    </p:spTree>
+    <p:extLst>
+      <p:ext uri="{BB962C8B-B14F-4D97-AF65-F5344CB8AC3E}">
+        <p14:creationId xmlns:p14="http://schemas.microsoft.com/office/powerpoint/2010/main" val="2296249050"/>
+      </p:ext>
+    </p:extLst>
+  </p:cSld>
+  <p:clrMapOvr>
+    <a:masterClrMapping/>
+  </p:clrMapOvr>
+</p:notes>
+</file>
+
+<file path=ppt/notesSlides/notesSlide64.xml><?xml version="1.0" encoding="utf-8"?>
+<p:notes xmlns:a="http://schemas.openxmlformats.org/drawingml/2006/main" xmlns:r="http://schemas.openxmlformats.org/officeDocument/2006/relationships" xmlns:p="http://schemas.openxmlformats.org/presentationml/2006/main">
+  <p:cSld>
+    <p:spTree>
+      <p:nvGrpSpPr>
+        <p:cNvPr id="1" name=""/>
+        <p:cNvGrpSpPr/>
+        <p:nvPr/>
+      </p:nvGrpSpPr>
+      <p:grpSpPr>
+        <a:xfrm>
+          <a:off x="0" y="0"/>
+          <a:ext cx="0" cy="0"/>
+          <a:chOff x="0" y="0"/>
+          <a:chExt cx="0" cy="0"/>
+        </a:xfrm>
+      </p:grpSpPr>
+      <p:sp>
+        <p:nvSpPr>
+          <p:cNvPr id="2" name="Espaço Reservado para Imagem de Slide 1"/>
+          <p:cNvSpPr>
+            <a:spLocks noGrp="1" noRot="1" noChangeAspect="1"/>
+          </p:cNvSpPr>
+          <p:nvPr>
+            <p:ph type="sldImg"/>
+          </p:nvPr>
+        </p:nvSpPr>
+        <p:spPr>
+          <a:xfrm>
+            <a:off x="381000" y="685800"/>
+            <a:ext cx="6096000" cy="3429000"/>
+          </a:xfrm>
+        </p:spPr>
+      </p:sp>
+      <p:sp>
+        <p:nvSpPr>
+          <p:cNvPr id="3" name="Espaço Reservado para Anotações 2"/>
+          <p:cNvSpPr>
+            <a:spLocks noGrp="1"/>
+          </p:cNvSpPr>
+          <p:nvPr>
+            <p:ph type="body" idx="1"/>
+          </p:nvPr>
+        </p:nvSpPr>
+        <p:spPr/>
+        <p:txBody>
+          <a:bodyPr/>
+          <a:lstStyle/>
+          <a:p>
+            <a:endParaRPr lang="pt-BR" dirty="0"/>
+          </a:p>
+        </p:txBody>
+      </p:sp>
+    </p:spTree>
+    <p:extLst>
+      <p:ext uri="{BB962C8B-B14F-4D97-AF65-F5344CB8AC3E}">
+        <p14:creationId xmlns:p14="http://schemas.microsoft.com/office/powerpoint/2010/main" val="4290351292"/>
       </p:ext>
     </p:extLst>
   </p:cSld>
@@ -27272,7 +27875,7 @@
         </p:nvSpPr>
         <p:spPr>
           <a:xfrm>
-            <a:off x="142865" y="1037311"/>
+            <a:off x="142865" y="1024785"/>
             <a:ext cx="8865056" cy="4035729"/>
           </a:xfrm>
         </p:spPr>
@@ -27360,25 +27963,446 @@
             <a:pPr marL="0" indent="0" algn="just">
               <a:buNone/>
             </a:pPr>
-            <a:endParaRPr lang="pt-BR" sz="2000" dirty="0">
-              <a:solidFill>
-                <a:schemeClr val="tx1"/>
-              </a:solidFill>
-              <a:latin typeface="Times New Roman" panose="02020603050405020304" pitchFamily="18" charset="0"/>
-              <a:cs typeface="Times New Roman" panose="02020603050405020304" pitchFamily="18" charset="0"/>
-            </a:endParaRPr>
-          </a:p>
-          <a:p>
-            <a:pPr marL="0" indent="0" algn="just">
-              <a:buNone/>
-            </a:pPr>
-            <a:endParaRPr lang="pt-BR" sz="2000" dirty="0">
-              <a:solidFill>
-                <a:schemeClr val="tx1"/>
-              </a:solidFill>
-              <a:latin typeface="Times New Roman" panose="02020603050405020304" pitchFamily="18" charset="0"/>
-              <a:cs typeface="Times New Roman" panose="02020603050405020304" pitchFamily="18" charset="0"/>
-            </a:endParaRPr>
+            <a:r>
+              <a:rPr lang="pt-BR" sz="2000" b="1" dirty="0" err="1">
+                <a:solidFill>
+                  <a:schemeClr val="tx1"/>
+                </a:solidFill>
+                <a:latin typeface="Times New Roman" panose="02020603050405020304" pitchFamily="18" charset="0"/>
+                <a:cs typeface="Times New Roman" panose="02020603050405020304" pitchFamily="18" charset="0"/>
+              </a:rPr>
+              <a:t>const</a:t>
+            </a:r>
+            <a:r>
+              <a:rPr lang="pt-BR" sz="2000" dirty="0">
+                <a:solidFill>
+                  <a:schemeClr val="tx1"/>
+                </a:solidFill>
+                <a:latin typeface="Times New Roman" panose="02020603050405020304" pitchFamily="18" charset="0"/>
+                <a:cs typeface="Times New Roman" panose="02020603050405020304" pitchFamily="18" charset="0"/>
+              </a:rPr>
+              <a:t> carro = { marca: “</a:t>
+            </a:r>
+            <a:r>
+              <a:rPr lang="pt-BR" sz="2000" dirty="0" err="1">
+                <a:solidFill>
+                  <a:schemeClr val="tx1"/>
+                </a:solidFill>
+                <a:latin typeface="Times New Roman" panose="02020603050405020304" pitchFamily="18" charset="0"/>
+                <a:cs typeface="Times New Roman" panose="02020603050405020304" pitchFamily="18" charset="0"/>
+              </a:rPr>
+              <a:t>volkswagen</a:t>
+            </a:r>
+            <a:r>
+              <a:rPr lang="pt-BR" sz="2000" dirty="0">
+                <a:solidFill>
+                  <a:schemeClr val="tx1"/>
+                </a:solidFill>
+                <a:latin typeface="Times New Roman" panose="02020603050405020304" pitchFamily="18" charset="0"/>
+                <a:cs typeface="Times New Roman" panose="02020603050405020304" pitchFamily="18" charset="0"/>
+              </a:rPr>
+              <a:t>”, modelo: “Gol”, ano:2001 }		</a:t>
+            </a:r>
+          </a:p>
+          <a:p>
+            <a:pPr marL="0" indent="0" algn="just">
+              <a:buNone/>
+            </a:pPr>
+            <a:r>
+              <a:rPr lang="pt-BR" sz="2000" b="1" dirty="0" err="1">
+                <a:solidFill>
+                  <a:schemeClr val="tx1"/>
+                </a:solidFill>
+                <a:latin typeface="Times New Roman" panose="02020603050405020304" pitchFamily="18" charset="0"/>
+                <a:cs typeface="Times New Roman" panose="02020603050405020304" pitchFamily="18" charset="0"/>
+              </a:rPr>
+              <a:t>class</a:t>
+            </a:r>
+            <a:r>
+              <a:rPr lang="pt-BR" sz="2000" dirty="0">
+                <a:solidFill>
+                  <a:schemeClr val="tx1"/>
+                </a:solidFill>
+                <a:latin typeface="Times New Roman" panose="02020603050405020304" pitchFamily="18" charset="0"/>
+                <a:cs typeface="Times New Roman" panose="02020603050405020304" pitchFamily="18" charset="0"/>
+              </a:rPr>
+              <a:t> </a:t>
+            </a:r>
+            <a:r>
+              <a:rPr lang="pt-BR" sz="2000" b="1" dirty="0">
+                <a:solidFill>
+                  <a:srgbClr val="FF0000"/>
+                </a:solidFill>
+                <a:latin typeface="Times New Roman" panose="02020603050405020304" pitchFamily="18" charset="0"/>
+                <a:cs typeface="Times New Roman" panose="02020603050405020304" pitchFamily="18" charset="0"/>
+              </a:rPr>
+              <a:t>Carro</a:t>
+            </a:r>
+            <a:r>
+              <a:rPr lang="pt-BR" sz="2000" dirty="0">
+                <a:solidFill>
+                  <a:schemeClr val="tx1"/>
+                </a:solidFill>
+                <a:latin typeface="Times New Roman" panose="02020603050405020304" pitchFamily="18" charset="0"/>
+                <a:cs typeface="Times New Roman" panose="02020603050405020304" pitchFamily="18" charset="0"/>
+              </a:rPr>
+              <a:t> {</a:t>
+            </a:r>
+          </a:p>
+          <a:p>
+            <a:pPr marL="0" indent="0" algn="just">
+              <a:buNone/>
+            </a:pPr>
+            <a:r>
+              <a:rPr lang="pt-BR" sz="2000" dirty="0">
+                <a:solidFill>
+                  <a:schemeClr val="tx1"/>
+                </a:solidFill>
+                <a:latin typeface="Times New Roman" panose="02020603050405020304" pitchFamily="18" charset="0"/>
+                <a:cs typeface="Times New Roman" panose="02020603050405020304" pitchFamily="18" charset="0"/>
+              </a:rPr>
+              <a:t>	</a:t>
+            </a:r>
+            <a:r>
+              <a:rPr lang="pt-BR" sz="2000" dirty="0" err="1">
+                <a:solidFill>
+                  <a:schemeClr val="tx1"/>
+                </a:solidFill>
+                <a:latin typeface="Times New Roman" panose="02020603050405020304" pitchFamily="18" charset="0"/>
+                <a:cs typeface="Times New Roman" panose="02020603050405020304" pitchFamily="18" charset="0"/>
+              </a:rPr>
+              <a:t>constructor</a:t>
+            </a:r>
+            <a:r>
+              <a:rPr lang="pt-BR" sz="2000" dirty="0">
+                <a:solidFill>
+                  <a:schemeClr val="tx1"/>
+                </a:solidFill>
+                <a:latin typeface="Times New Roman" panose="02020603050405020304" pitchFamily="18" charset="0"/>
+                <a:cs typeface="Times New Roman" panose="02020603050405020304" pitchFamily="18" charset="0"/>
+              </a:rPr>
+              <a:t> (valor1, valor2, valor3) </a:t>
+            </a:r>
+            <a:r>
+              <a:rPr lang="pt-BR" sz="2000" b="1" dirty="0">
+                <a:solidFill>
+                  <a:srgbClr val="FF0000"/>
+                </a:solidFill>
+                <a:latin typeface="Times New Roman" panose="02020603050405020304" pitchFamily="18" charset="0"/>
+                <a:cs typeface="Times New Roman" panose="02020603050405020304" pitchFamily="18" charset="0"/>
+              </a:rPr>
+              <a:t>{</a:t>
+            </a:r>
+          </a:p>
+          <a:p>
+            <a:pPr marL="0" indent="0" algn="just">
+              <a:buNone/>
+            </a:pPr>
+            <a:r>
+              <a:rPr lang="pt-BR" sz="2000" dirty="0">
+                <a:solidFill>
+                  <a:schemeClr val="tx1"/>
+                </a:solidFill>
+                <a:latin typeface="Times New Roman" panose="02020603050405020304" pitchFamily="18" charset="0"/>
+                <a:cs typeface="Times New Roman" panose="02020603050405020304" pitchFamily="18" charset="0"/>
+              </a:rPr>
+              <a:t>		</a:t>
+            </a:r>
+            <a:r>
+              <a:rPr lang="pt-BR" sz="2000" b="1" dirty="0" err="1">
+                <a:solidFill>
+                  <a:schemeClr val="tx1"/>
+                </a:solidFill>
+                <a:latin typeface="Times New Roman" panose="02020603050405020304" pitchFamily="18" charset="0"/>
+                <a:cs typeface="Times New Roman" panose="02020603050405020304" pitchFamily="18" charset="0"/>
+              </a:rPr>
+              <a:t>this</a:t>
+            </a:r>
+            <a:r>
+              <a:rPr lang="pt-BR" sz="2000" dirty="0" err="1">
+                <a:solidFill>
+                  <a:schemeClr val="tx1"/>
+                </a:solidFill>
+                <a:latin typeface="Times New Roman" panose="02020603050405020304" pitchFamily="18" charset="0"/>
+                <a:cs typeface="Times New Roman" panose="02020603050405020304" pitchFamily="18" charset="0"/>
+              </a:rPr>
+              <a:t>.marca</a:t>
+            </a:r>
+            <a:r>
+              <a:rPr lang="pt-BR" sz="2000" dirty="0">
+                <a:solidFill>
+                  <a:schemeClr val="tx1"/>
+                </a:solidFill>
+                <a:latin typeface="Times New Roman" panose="02020603050405020304" pitchFamily="18" charset="0"/>
+                <a:cs typeface="Times New Roman" panose="02020603050405020304" pitchFamily="18" charset="0"/>
+              </a:rPr>
+              <a:t> = valor1; // Propriedades</a:t>
+            </a:r>
+          </a:p>
+          <a:p>
+            <a:pPr marL="0" indent="0" algn="just">
+              <a:buNone/>
+            </a:pPr>
+            <a:r>
+              <a:rPr lang="pt-BR" sz="2000" dirty="0">
+                <a:solidFill>
+                  <a:schemeClr val="tx1"/>
+                </a:solidFill>
+                <a:latin typeface="Times New Roman" panose="02020603050405020304" pitchFamily="18" charset="0"/>
+                <a:cs typeface="Times New Roman" panose="02020603050405020304" pitchFamily="18" charset="0"/>
+              </a:rPr>
+              <a:t>		</a:t>
+            </a:r>
+            <a:r>
+              <a:rPr lang="pt-BR" sz="2000" b="1" dirty="0" err="1">
+                <a:solidFill>
+                  <a:schemeClr val="tx1"/>
+                </a:solidFill>
+                <a:latin typeface="Times New Roman" panose="02020603050405020304" pitchFamily="18" charset="0"/>
+                <a:cs typeface="Times New Roman" panose="02020603050405020304" pitchFamily="18" charset="0"/>
+              </a:rPr>
+              <a:t>this</a:t>
+            </a:r>
+            <a:r>
+              <a:rPr lang="pt-BR" sz="2000" dirty="0" err="1">
+                <a:solidFill>
+                  <a:schemeClr val="tx1"/>
+                </a:solidFill>
+                <a:latin typeface="Times New Roman" panose="02020603050405020304" pitchFamily="18" charset="0"/>
+                <a:cs typeface="Times New Roman" panose="02020603050405020304" pitchFamily="18" charset="0"/>
+              </a:rPr>
+              <a:t>.modelo</a:t>
+            </a:r>
+            <a:r>
+              <a:rPr lang="pt-BR" sz="2000" dirty="0">
+                <a:solidFill>
+                  <a:schemeClr val="tx1"/>
+                </a:solidFill>
+                <a:latin typeface="Times New Roman" panose="02020603050405020304" pitchFamily="18" charset="0"/>
+                <a:cs typeface="Times New Roman" panose="02020603050405020304" pitchFamily="18" charset="0"/>
+              </a:rPr>
+              <a:t> = valor2;</a:t>
+            </a:r>
+          </a:p>
+          <a:p>
+            <a:pPr marL="0" indent="0" algn="just">
+              <a:buNone/>
+            </a:pPr>
+            <a:r>
+              <a:rPr lang="pt-BR" sz="2000" dirty="0">
+                <a:solidFill>
+                  <a:schemeClr val="tx1"/>
+                </a:solidFill>
+                <a:latin typeface="Times New Roman" panose="02020603050405020304" pitchFamily="18" charset="0"/>
+                <a:cs typeface="Times New Roman" panose="02020603050405020304" pitchFamily="18" charset="0"/>
+              </a:rPr>
+              <a:t>		</a:t>
+            </a:r>
+            <a:r>
+              <a:rPr lang="pt-BR" sz="2000" b="1" dirty="0" err="1">
+                <a:solidFill>
+                  <a:schemeClr val="tx1"/>
+                </a:solidFill>
+                <a:latin typeface="Times New Roman" panose="02020603050405020304" pitchFamily="18" charset="0"/>
+                <a:cs typeface="Times New Roman" panose="02020603050405020304" pitchFamily="18" charset="0"/>
+              </a:rPr>
+              <a:t>this</a:t>
+            </a:r>
+            <a:r>
+              <a:rPr lang="pt-BR" sz="2000" dirty="0" err="1">
+                <a:solidFill>
+                  <a:schemeClr val="tx1"/>
+                </a:solidFill>
+                <a:latin typeface="Times New Roman" panose="02020603050405020304" pitchFamily="18" charset="0"/>
+                <a:cs typeface="Times New Roman" panose="02020603050405020304" pitchFamily="18" charset="0"/>
+              </a:rPr>
+              <a:t>.ano</a:t>
+            </a:r>
+            <a:r>
+              <a:rPr lang="pt-BR" sz="2000" dirty="0">
+                <a:solidFill>
+                  <a:schemeClr val="tx1"/>
+                </a:solidFill>
+                <a:latin typeface="Times New Roman" panose="02020603050405020304" pitchFamily="18" charset="0"/>
+                <a:cs typeface="Times New Roman" panose="02020603050405020304" pitchFamily="18" charset="0"/>
+              </a:rPr>
+              <a:t> = valor3; </a:t>
+            </a:r>
+            <a:r>
+              <a:rPr lang="pt-BR" sz="2000" b="1" dirty="0">
+                <a:solidFill>
+                  <a:srgbClr val="FF0000"/>
+                </a:solidFill>
+                <a:latin typeface="Times New Roman" panose="02020603050405020304" pitchFamily="18" charset="0"/>
+                <a:cs typeface="Times New Roman" panose="02020603050405020304" pitchFamily="18" charset="0"/>
+              </a:rPr>
+              <a:t>}</a:t>
+            </a:r>
+          </a:p>
+          <a:p>
+            <a:pPr marL="0" indent="0" algn="just">
+              <a:buNone/>
+            </a:pPr>
+            <a:r>
+              <a:rPr lang="pt-BR" sz="2000" dirty="0">
+                <a:solidFill>
+                  <a:schemeClr val="tx1"/>
+                </a:solidFill>
+                <a:latin typeface="Times New Roman" panose="02020603050405020304" pitchFamily="18" charset="0"/>
+                <a:cs typeface="Times New Roman" panose="02020603050405020304" pitchFamily="18" charset="0"/>
+              </a:rPr>
+              <a:t>	 	</a:t>
+            </a:r>
+            <a:r>
+              <a:rPr lang="pt-BR" sz="2000" b="1" dirty="0">
+                <a:solidFill>
+                  <a:schemeClr val="tx1"/>
+                </a:solidFill>
+                <a:latin typeface="Times New Roman" panose="02020603050405020304" pitchFamily="18" charset="0"/>
+                <a:cs typeface="Times New Roman" panose="02020603050405020304" pitchFamily="18" charset="0"/>
+              </a:rPr>
+              <a:t>buzina()</a:t>
+            </a:r>
+            <a:r>
+              <a:rPr lang="pt-BR" sz="2000" dirty="0">
+                <a:solidFill>
+                  <a:schemeClr val="tx1"/>
+                </a:solidFill>
+                <a:latin typeface="Times New Roman" panose="02020603050405020304" pitchFamily="18" charset="0"/>
+                <a:cs typeface="Times New Roman" panose="02020603050405020304" pitchFamily="18" charset="0"/>
+              </a:rPr>
+              <a:t> </a:t>
+            </a:r>
+            <a:r>
+              <a:rPr lang="pt-BR" sz="2000" b="1" dirty="0">
+                <a:solidFill>
+                  <a:srgbClr val="FF0000"/>
+                </a:solidFill>
+                <a:latin typeface="Times New Roman" panose="02020603050405020304" pitchFamily="18" charset="0"/>
+                <a:cs typeface="Times New Roman" panose="02020603050405020304" pitchFamily="18" charset="0"/>
+              </a:rPr>
+              <a:t>{</a:t>
+            </a:r>
+            <a:r>
+              <a:rPr lang="pt-BR" sz="2000" dirty="0">
+                <a:solidFill>
+                  <a:schemeClr val="tx1"/>
+                </a:solidFill>
+                <a:latin typeface="Times New Roman" panose="02020603050405020304" pitchFamily="18" charset="0"/>
+                <a:cs typeface="Times New Roman" panose="02020603050405020304" pitchFamily="18" charset="0"/>
+              </a:rPr>
+              <a:t>		// Métodos</a:t>
+            </a:r>
+          </a:p>
+          <a:p>
+            <a:pPr marL="0" indent="0" algn="just">
+              <a:buNone/>
+            </a:pPr>
+            <a:r>
+              <a:rPr lang="pt-BR" sz="2000" dirty="0">
+                <a:solidFill>
+                  <a:schemeClr val="tx1"/>
+                </a:solidFill>
+                <a:latin typeface="Times New Roman" panose="02020603050405020304" pitchFamily="18" charset="0"/>
+                <a:cs typeface="Times New Roman" panose="02020603050405020304" pitchFamily="18" charset="0"/>
+              </a:rPr>
+              <a:t>			</a:t>
+            </a:r>
+            <a:r>
+              <a:rPr lang="pt-BR" sz="2000" b="1" dirty="0" err="1">
+                <a:solidFill>
+                  <a:schemeClr val="tx1"/>
+                </a:solidFill>
+                <a:latin typeface="Times New Roman" panose="02020603050405020304" pitchFamily="18" charset="0"/>
+                <a:cs typeface="Times New Roman" panose="02020603050405020304" pitchFamily="18" charset="0"/>
+              </a:rPr>
+              <a:t>return</a:t>
+            </a:r>
+            <a:r>
+              <a:rPr lang="pt-BR" sz="2000" dirty="0">
+                <a:solidFill>
+                  <a:schemeClr val="tx1"/>
+                </a:solidFill>
+                <a:latin typeface="Times New Roman" panose="02020603050405020304" pitchFamily="18" charset="0"/>
+                <a:cs typeface="Times New Roman" panose="02020603050405020304" pitchFamily="18" charset="0"/>
+              </a:rPr>
+              <a:t> </a:t>
+            </a:r>
+            <a:r>
+              <a:rPr lang="pt-BR" sz="2000" b="1" dirty="0" err="1">
+                <a:solidFill>
+                  <a:schemeClr val="tx1"/>
+                </a:solidFill>
+                <a:latin typeface="Times New Roman" panose="02020603050405020304" pitchFamily="18" charset="0"/>
+                <a:cs typeface="Times New Roman" panose="02020603050405020304" pitchFamily="18" charset="0"/>
+              </a:rPr>
+              <a:t>this</a:t>
+            </a:r>
+            <a:r>
+              <a:rPr lang="pt-BR" sz="2000" dirty="0" err="1">
+                <a:solidFill>
+                  <a:schemeClr val="tx1"/>
+                </a:solidFill>
+                <a:latin typeface="Times New Roman" panose="02020603050405020304" pitchFamily="18" charset="0"/>
+                <a:cs typeface="Times New Roman" panose="02020603050405020304" pitchFamily="18" charset="0"/>
+              </a:rPr>
+              <a:t>.modelo</a:t>
+            </a:r>
+            <a:r>
+              <a:rPr lang="pt-BR" sz="2000" dirty="0">
+                <a:solidFill>
+                  <a:schemeClr val="tx1"/>
+                </a:solidFill>
+                <a:latin typeface="Times New Roman" panose="02020603050405020304" pitchFamily="18" charset="0"/>
+                <a:cs typeface="Times New Roman" panose="02020603050405020304" pitchFamily="18" charset="0"/>
+              </a:rPr>
+              <a:t> + “buzinou: </a:t>
+            </a:r>
+            <a:r>
+              <a:rPr lang="pt-BR" sz="2000" dirty="0" err="1">
+                <a:solidFill>
+                  <a:schemeClr val="tx1"/>
+                </a:solidFill>
+                <a:latin typeface="Times New Roman" panose="02020603050405020304" pitchFamily="18" charset="0"/>
+                <a:cs typeface="Times New Roman" panose="02020603050405020304" pitchFamily="18" charset="0"/>
+              </a:rPr>
+              <a:t>Biiiiii</a:t>
+            </a:r>
+            <a:r>
+              <a:rPr lang="pt-BR" sz="2000" dirty="0">
+                <a:solidFill>
+                  <a:schemeClr val="tx1"/>
+                </a:solidFill>
+                <a:latin typeface="Times New Roman" panose="02020603050405020304" pitchFamily="18" charset="0"/>
+                <a:cs typeface="Times New Roman" panose="02020603050405020304" pitchFamily="18" charset="0"/>
+              </a:rPr>
+              <a:t>”;	</a:t>
+            </a:r>
+            <a:r>
+              <a:rPr lang="pt-BR" sz="2000" b="1" dirty="0">
+                <a:solidFill>
+                  <a:srgbClr val="FF0000"/>
+                </a:solidFill>
+                <a:latin typeface="Times New Roman" panose="02020603050405020304" pitchFamily="18" charset="0"/>
+                <a:cs typeface="Times New Roman" panose="02020603050405020304" pitchFamily="18" charset="0"/>
+              </a:rPr>
+              <a:t>}</a:t>
+            </a:r>
+          </a:p>
+          <a:p>
+            <a:pPr marL="0" indent="0" algn="just">
+              <a:buNone/>
+            </a:pPr>
+            <a:r>
+              <a:rPr lang="pt-BR" sz="2000" b="1" dirty="0">
+                <a:solidFill>
+                  <a:srgbClr val="FF0000"/>
+                </a:solidFill>
+                <a:latin typeface="Times New Roman" panose="02020603050405020304" pitchFamily="18" charset="0"/>
+                <a:cs typeface="Times New Roman" panose="02020603050405020304" pitchFamily="18" charset="0"/>
+              </a:rPr>
+              <a:t>}</a:t>
+            </a:r>
           </a:p>
         </p:txBody>
       </p:sp>
@@ -27436,34 +28460,13 @@
           <a:lstStyle/>
           <a:p>
             <a:r>
-              <a:rPr lang="en-US" b="1" dirty="0" err="1">
+              <a:rPr lang="en-US" b="1" dirty="0">
                 <a:solidFill>
                   <a:srgbClr val="0070C0"/>
                 </a:solidFill>
               </a:rPr>
-              <a:t>Leitura</a:t>
-            </a:r>
-            <a:r>
-              <a:rPr lang="en-US" b="1" dirty="0">
-                <a:solidFill>
-                  <a:srgbClr val="0070C0"/>
-                </a:solidFill>
-              </a:rPr>
-              <a:t> </a:t>
-            </a:r>
-            <a:r>
-              <a:rPr lang="en-US" b="1" dirty="0" err="1">
-                <a:solidFill>
-                  <a:srgbClr val="0070C0"/>
-                </a:solidFill>
-              </a:rPr>
-              <a:t>Específica</a:t>
-            </a:r>
-            <a:endParaRPr lang="en-US" b="1" dirty="0">
-              <a:solidFill>
-                <a:srgbClr val="0070C0"/>
-              </a:solidFill>
-            </a:endParaRPr>
+              <a:t>JS – Classes</a:t>
+            </a:r>
           </a:p>
         </p:txBody>
       </p:sp>
@@ -27479,8 +28482,8 @@
         </p:nvSpPr>
         <p:spPr>
           <a:xfrm>
-            <a:off x="142865" y="1012261"/>
-            <a:ext cx="8865056" cy="3835312"/>
+            <a:off x="142865" y="1024785"/>
+            <a:ext cx="8865056" cy="4035729"/>
           </a:xfrm>
         </p:spPr>
         <p:txBody>
@@ -27493,54 +28496,34 @@
               <a:buNone/>
             </a:pPr>
             <a:r>
-              <a:rPr lang="pt-BR" sz="2000" dirty="0">
-                <a:latin typeface="Times New Roman" panose="02020603050405020304" pitchFamily="18" charset="0"/>
-                <a:cs typeface="Times New Roman" panose="02020603050405020304" pitchFamily="18" charset="0"/>
-              </a:rPr>
-              <a:t>[1] </a:t>
-            </a:r>
-            <a:r>
               <a:rPr lang="pt-BR" sz="2000" b="1" dirty="0">
-                <a:latin typeface="Times New Roman" panose="02020603050405020304" pitchFamily="18" charset="0"/>
-                <a:cs typeface="Times New Roman" panose="02020603050405020304" pitchFamily="18" charset="0"/>
-              </a:rPr>
-              <a:t>Site Devmedia</a:t>
-            </a:r>
-            <a:r>
-              <a:rPr lang="pt-BR" sz="2000" dirty="0">
-                <a:latin typeface="Times New Roman" panose="02020603050405020304" pitchFamily="18" charset="0"/>
-                <a:cs typeface="Times New Roman" panose="02020603050405020304" pitchFamily="18" charset="0"/>
-              </a:rPr>
-              <a:t>. 	</a:t>
-            </a:r>
-          </a:p>
-          <a:p>
-            <a:pPr marL="0" indent="0" algn="just">
-              <a:buNone/>
-            </a:pPr>
+                <a:solidFill>
+                  <a:srgbClr val="FF0000"/>
+                </a:solidFill>
+                <a:latin typeface="Times New Roman" panose="02020603050405020304" pitchFamily="18" charset="0"/>
+                <a:cs typeface="Times New Roman" panose="02020603050405020304" pitchFamily="18" charset="0"/>
+              </a:rPr>
+              <a:t>Exemplo</a:t>
+            </a:r>
             <a:r>
               <a:rPr lang="pt-BR" sz="2000" b="1" dirty="0">
-                <a:latin typeface="Times New Roman" panose="02020603050405020304" pitchFamily="18" charset="0"/>
-                <a:cs typeface="Times New Roman" panose="02020603050405020304" pitchFamily="18" charset="0"/>
-              </a:rPr>
-              <a:t>	Disponível em</a:t>
-            </a:r>
-            <a:r>
-              <a:rPr lang="pt-BR" sz="2000" dirty="0">
-                <a:latin typeface="Times New Roman" panose="02020603050405020304" pitchFamily="18" charset="0"/>
-                <a:cs typeface="Times New Roman" panose="02020603050405020304" pitchFamily="18" charset="0"/>
-              </a:rPr>
-              <a:t>: </a:t>
-            </a:r>
-            <a:r>
-              <a:rPr lang="pt-BR" sz="2000" dirty="0">
-                <a:latin typeface="Times New Roman" panose="02020603050405020304" pitchFamily="18" charset="0"/>
-                <a:cs typeface="Times New Roman" panose="02020603050405020304" pitchFamily="18" charset="0"/>
-                <a:hlinkClick r:id="rId3"/>
-              </a:rPr>
-              <a:t>https://www.devmedia.com.br/javascript/</a:t>
-            </a:r>
-            <a:endParaRPr lang="pt-BR" sz="2000" dirty="0">
+                <a:solidFill>
+                  <a:schemeClr val="tx1"/>
+                </a:solidFill>
+                <a:latin typeface="Times New Roman" panose="02020603050405020304" pitchFamily="18" charset="0"/>
+                <a:cs typeface="Times New Roman" panose="02020603050405020304" pitchFamily="18" charset="0"/>
+              </a:rPr>
+              <a:t>:</a:t>
+            </a:r>
+          </a:p>
+          <a:p>
+            <a:pPr marL="0" indent="0" algn="just">
+              <a:buNone/>
+            </a:pPr>
+            <a:endParaRPr lang="pt-BR" sz="2000" b="1" dirty="0">
+              <a:solidFill>
+                <a:schemeClr val="tx1"/>
+              </a:solidFill>
               <a:latin typeface="Times New Roman" panose="02020603050405020304" pitchFamily="18" charset="0"/>
               <a:cs typeface="Times New Roman" panose="02020603050405020304" pitchFamily="18" charset="0"/>
             </a:endParaRPr>
@@ -27549,7 +28532,35 @@
             <a:pPr marL="0" indent="0" algn="just">
               <a:buNone/>
             </a:pPr>
-            <a:endParaRPr lang="pt-BR" sz="2000" dirty="0">
+            <a:r>
+              <a:rPr lang="pt-BR" sz="2000" b="1" dirty="0" err="1">
+                <a:solidFill>
+                  <a:schemeClr val="tx1"/>
+                </a:solidFill>
+                <a:latin typeface="Times New Roman" panose="02020603050405020304" pitchFamily="18" charset="0"/>
+                <a:cs typeface="Times New Roman" panose="02020603050405020304" pitchFamily="18" charset="0"/>
+              </a:rPr>
+              <a:t>let</a:t>
+            </a:r>
+            <a:r>
+              <a:rPr lang="pt-BR" sz="2000" dirty="0">
+                <a:solidFill>
+                  <a:schemeClr val="tx1"/>
+                </a:solidFill>
+                <a:latin typeface="Times New Roman" panose="02020603050405020304" pitchFamily="18" charset="0"/>
+                <a:cs typeface="Times New Roman" panose="02020603050405020304" pitchFamily="18" charset="0"/>
+              </a:rPr>
+              <a:t> uno = new Carro(“fiat”, “uno”, 2001);</a:t>
+            </a:r>
+          </a:p>
+          <a:p>
+            <a:pPr marL="0" indent="0" algn="just">
+              <a:buNone/>
+            </a:pPr>
+            <a:endParaRPr lang="pt-BR" sz="2000" b="1" dirty="0">
+              <a:solidFill>
+                <a:schemeClr val="tx1"/>
+              </a:solidFill>
               <a:latin typeface="Times New Roman" panose="02020603050405020304" pitchFamily="18" charset="0"/>
               <a:cs typeface="Times New Roman" panose="02020603050405020304" pitchFamily="18" charset="0"/>
             </a:endParaRPr>
@@ -27559,73 +28570,54 @@
               <a:buNone/>
             </a:pPr>
             <a:r>
+              <a:rPr lang="pt-BR" sz="2000" b="1" dirty="0" err="1">
+                <a:solidFill>
+                  <a:schemeClr val="tx1"/>
+                </a:solidFill>
+                <a:latin typeface="Times New Roman" panose="02020603050405020304" pitchFamily="18" charset="0"/>
+                <a:cs typeface="Times New Roman" panose="02020603050405020304" pitchFamily="18" charset="0"/>
+              </a:rPr>
+              <a:t>let</a:t>
+            </a:r>
+            <a:r>
               <a:rPr lang="pt-BR" sz="2000" dirty="0">
-                <a:latin typeface="Times New Roman" panose="02020603050405020304" pitchFamily="18" charset="0"/>
-                <a:cs typeface="Times New Roman" panose="02020603050405020304" pitchFamily="18" charset="0"/>
-              </a:rPr>
-              <a:t>[2] </a:t>
-            </a:r>
-            <a:r>
-              <a:rPr lang="pt-BR" sz="2000" b="1" dirty="0">
-                <a:latin typeface="Times New Roman" panose="02020603050405020304" pitchFamily="18" charset="0"/>
-                <a:cs typeface="Times New Roman" panose="02020603050405020304" pitchFamily="18" charset="0"/>
-              </a:rPr>
-              <a:t>COSTA, </a:t>
+                <a:solidFill>
+                  <a:schemeClr val="tx1"/>
+                </a:solidFill>
+                <a:latin typeface="Times New Roman" panose="02020603050405020304" pitchFamily="18" charset="0"/>
+                <a:cs typeface="Times New Roman" panose="02020603050405020304" pitchFamily="18" charset="0"/>
+              </a:rPr>
+              <a:t> gol = new Carro(“</a:t>
+            </a:r>
+            <a:r>
+              <a:rPr lang="pt-BR" sz="2000" dirty="0" err="1">
+                <a:solidFill>
+                  <a:schemeClr val="tx1"/>
+                </a:solidFill>
+                <a:latin typeface="Times New Roman" panose="02020603050405020304" pitchFamily="18" charset="0"/>
+                <a:cs typeface="Times New Roman" panose="02020603050405020304" pitchFamily="18" charset="0"/>
+              </a:rPr>
+              <a:t>volkswagen</a:t>
             </a:r>
             <a:r>
               <a:rPr lang="pt-BR" sz="2000" dirty="0">
-                <a:latin typeface="Times New Roman" panose="02020603050405020304" pitchFamily="18" charset="0"/>
-                <a:cs typeface="Times New Roman" panose="02020603050405020304" pitchFamily="18" charset="0"/>
-              </a:rPr>
-              <a:t>Jean Carlos Borba Guimarães da. A Linguagem </a:t>
-            </a:r>
-            <a:r>
-              <a:rPr lang="pt-BR" sz="2000" dirty="0" err="1">
-                <a:latin typeface="Times New Roman" panose="02020603050405020304" pitchFamily="18" charset="0"/>
-                <a:cs typeface="Times New Roman" panose="02020603050405020304" pitchFamily="18" charset="0"/>
-              </a:rPr>
-              <a:t>JavaScript</a:t>
-            </a:r>
-            <a:r>
-              <a:rPr lang="pt-BR" sz="2000" dirty="0">
-                <a:latin typeface="Times New Roman" panose="02020603050405020304" pitchFamily="18" charset="0"/>
-                <a:cs typeface="Times New Roman" panose="02020603050405020304" pitchFamily="18" charset="0"/>
-              </a:rPr>
-              <a:t> e seu Ecossistema. 2019. 	</a:t>
-            </a:r>
-          </a:p>
-          <a:p>
-            <a:pPr marL="0" indent="0" algn="just">
-              <a:buNone/>
-            </a:pPr>
-            <a:r>
-              <a:rPr lang="pt-BR" sz="2000" b="1" dirty="0">
-                <a:latin typeface="Times New Roman" panose="02020603050405020304" pitchFamily="18" charset="0"/>
-                <a:cs typeface="Times New Roman" panose="02020603050405020304" pitchFamily="18" charset="0"/>
-              </a:rPr>
-              <a:t>	Disponível em</a:t>
-            </a:r>
-            <a:r>
-              <a:rPr lang="pt-BR" sz="2000" dirty="0">
-                <a:latin typeface="Times New Roman" panose="02020603050405020304" pitchFamily="18" charset="0"/>
-                <a:cs typeface="Times New Roman" panose="02020603050405020304" pitchFamily="18" charset="0"/>
-              </a:rPr>
-              <a:t>: </a:t>
-            </a:r>
-          </a:p>
-          <a:p>
-            <a:pPr marL="0" indent="0" algn="just">
-              <a:buNone/>
-            </a:pPr>
-            <a:r>
-              <a:rPr lang="pt-BR" sz="2000" dirty="0">
-                <a:latin typeface="Times New Roman" panose="02020603050405020304" pitchFamily="18" charset="0"/>
-                <a:cs typeface="Times New Roman" panose="02020603050405020304" pitchFamily="18" charset="0"/>
-                <a:hlinkClick r:id="rId4"/>
-              </a:rPr>
-              <a:t>https://repositorio.uniube.br/bitstream/123456789/1546/1/A%20Linguagem%20JavaScript%20e%20seu%20Ecossistema%20.PDF</a:t>
-            </a:r>
-            <a:endParaRPr lang="pt-BR" sz="2000" dirty="0">
+                <a:solidFill>
+                  <a:schemeClr val="tx1"/>
+                </a:solidFill>
+                <a:latin typeface="Times New Roman" panose="02020603050405020304" pitchFamily="18" charset="0"/>
+                <a:cs typeface="Times New Roman" panose="02020603050405020304" pitchFamily="18" charset="0"/>
+              </a:rPr>
+              <a:t>”, “gol”, 2018);</a:t>
+            </a:r>
+          </a:p>
+          <a:p>
+            <a:pPr marL="0" indent="0" algn="just">
+              <a:buNone/>
+            </a:pPr>
+            <a:endParaRPr lang="pt-BR" sz="2000" b="1" dirty="0">
+              <a:solidFill>
+                <a:schemeClr val="tx1"/>
+              </a:solidFill>
               <a:latin typeface="Times New Roman" panose="02020603050405020304" pitchFamily="18" charset="0"/>
               <a:cs typeface="Times New Roman" panose="02020603050405020304" pitchFamily="18" charset="0"/>
             </a:endParaRPr>
@@ -27634,7 +28626,105 @@
             <a:pPr marL="0" indent="0" algn="just">
               <a:buNone/>
             </a:pPr>
-            <a:endParaRPr lang="pt-BR" sz="2000" dirty="0">
+            <a:r>
+              <a:rPr lang="pt-BR" sz="2000" b="1" dirty="0">
+                <a:solidFill>
+                  <a:schemeClr val="tx1"/>
+                </a:solidFill>
+                <a:latin typeface="Times New Roman" panose="02020603050405020304" pitchFamily="18" charset="0"/>
+                <a:cs typeface="Times New Roman" panose="02020603050405020304" pitchFamily="18" charset="0"/>
+              </a:rPr>
+              <a:t>Console.log</a:t>
+            </a:r>
+            <a:r>
+              <a:rPr lang="pt-BR" sz="2000" dirty="0">
+                <a:solidFill>
+                  <a:schemeClr val="tx1"/>
+                </a:solidFill>
+                <a:latin typeface="Times New Roman" panose="02020603050405020304" pitchFamily="18" charset="0"/>
+                <a:cs typeface="Times New Roman" panose="02020603050405020304" pitchFamily="18" charset="0"/>
+              </a:rPr>
+              <a:t>(uno);</a:t>
+            </a:r>
+          </a:p>
+          <a:p>
+            <a:pPr marL="0" indent="0" algn="just">
+              <a:buNone/>
+            </a:pPr>
+            <a:r>
+              <a:rPr lang="pt-BR" sz="2000" b="1" dirty="0">
+                <a:solidFill>
+                  <a:schemeClr val="tx1"/>
+                </a:solidFill>
+                <a:latin typeface="Times New Roman" panose="02020603050405020304" pitchFamily="18" charset="0"/>
+                <a:cs typeface="Times New Roman" panose="02020603050405020304" pitchFamily="18" charset="0"/>
+              </a:rPr>
+              <a:t>Console.log</a:t>
+            </a:r>
+            <a:r>
+              <a:rPr lang="pt-BR" sz="2000" dirty="0">
+                <a:solidFill>
+                  <a:schemeClr val="tx1"/>
+                </a:solidFill>
+                <a:latin typeface="Times New Roman" panose="02020603050405020304" pitchFamily="18" charset="0"/>
+                <a:cs typeface="Times New Roman" panose="02020603050405020304" pitchFamily="18" charset="0"/>
+              </a:rPr>
+              <a:t>(gol);</a:t>
+            </a:r>
+          </a:p>
+          <a:p>
+            <a:pPr marL="0" indent="0" algn="just">
+              <a:buNone/>
+            </a:pPr>
+            <a:r>
+              <a:rPr lang="pt-BR" sz="2000" b="1" dirty="0">
+                <a:solidFill>
+                  <a:schemeClr val="tx1"/>
+                </a:solidFill>
+                <a:latin typeface="Times New Roman" panose="02020603050405020304" pitchFamily="18" charset="0"/>
+                <a:cs typeface="Times New Roman" panose="02020603050405020304" pitchFamily="18" charset="0"/>
+              </a:rPr>
+              <a:t>Console.log</a:t>
+            </a:r>
+            <a:r>
+              <a:rPr lang="pt-BR" sz="2000" dirty="0">
+                <a:solidFill>
+                  <a:schemeClr val="tx1"/>
+                </a:solidFill>
+                <a:latin typeface="Times New Roman" panose="02020603050405020304" pitchFamily="18" charset="0"/>
+                <a:cs typeface="Times New Roman" panose="02020603050405020304" pitchFamily="18" charset="0"/>
+              </a:rPr>
+              <a:t>(</a:t>
+            </a:r>
+            <a:r>
+              <a:rPr lang="pt-BR" sz="2000" dirty="0" err="1">
+                <a:solidFill>
+                  <a:schemeClr val="tx1"/>
+                </a:solidFill>
+                <a:latin typeface="Times New Roman" panose="02020603050405020304" pitchFamily="18" charset="0"/>
+                <a:cs typeface="Times New Roman" panose="02020603050405020304" pitchFamily="18" charset="0"/>
+              </a:rPr>
+              <a:t>gol.ano</a:t>
+            </a:r>
+            <a:r>
+              <a:rPr lang="pt-BR" sz="2000" dirty="0">
+                <a:solidFill>
+                  <a:schemeClr val="tx1"/>
+                </a:solidFill>
+                <a:latin typeface="Times New Roman" panose="02020603050405020304" pitchFamily="18" charset="0"/>
+                <a:cs typeface="Times New Roman" panose="02020603050405020304" pitchFamily="18" charset="0"/>
+              </a:rPr>
+              <a:t>);</a:t>
+            </a:r>
+          </a:p>
+          <a:p>
+            <a:pPr marL="0" indent="0" algn="just">
+              <a:buNone/>
+            </a:pPr>
+            <a:endParaRPr lang="pt-BR" sz="2000" b="1" dirty="0">
+              <a:solidFill>
+                <a:schemeClr val="tx1"/>
+              </a:solidFill>
               <a:latin typeface="Times New Roman" panose="02020603050405020304" pitchFamily="18" charset="0"/>
               <a:cs typeface="Times New Roman" panose="02020603050405020304" pitchFamily="18" charset="0"/>
             </a:endParaRPr>
@@ -27644,7 +28734,7 @@
     </p:spTree>
     <p:extLst>
       <p:ext uri="{BB962C8B-B14F-4D97-AF65-F5344CB8AC3E}">
-        <p14:creationId xmlns:p14="http://schemas.microsoft.com/office/powerpoint/2010/main" val="3680270425"/>
+        <p14:creationId xmlns:p14="http://schemas.microsoft.com/office/powerpoint/2010/main" val="3277808998"/>
       </p:ext>
     </p:extLst>
   </p:cSld>
@@ -27695,12 +28785,20 @@
           <a:lstStyle/>
           <a:p>
             <a:r>
+              <a:rPr lang="en-US" b="1" dirty="0">
+                <a:solidFill>
+                  <a:srgbClr val="0070C0"/>
+                </a:solidFill>
+              </a:rPr>
+              <a:t>JS – </a:t>
+            </a:r>
+            <a:r>
               <a:rPr lang="en-US" b="1" dirty="0" err="1">
                 <a:solidFill>
                   <a:srgbClr val="0070C0"/>
                 </a:solidFill>
               </a:rPr>
-              <a:t>Aprenda</a:t>
+              <a:t>Manipulação</a:t>
             </a:r>
             <a:r>
               <a:rPr lang="en-US" b="1" dirty="0">
@@ -27708,8 +28806,21 @@
                   <a:srgbClr val="0070C0"/>
                 </a:solidFill>
               </a:rPr>
-              <a:t>+</a:t>
-            </a:r>
+              <a:t> de </a:t>
+            </a:r>
+            <a:r>
+              <a:rPr lang="en-US" b="1" dirty="0" err="1">
+                <a:solidFill>
+                  <a:srgbClr val="0070C0"/>
+                </a:solidFill>
+              </a:rPr>
+              <a:t>Datas</a:t>
+            </a:r>
+            <a:endParaRPr lang="en-US" b="1" dirty="0">
+              <a:solidFill>
+                <a:srgbClr val="0070C0"/>
+              </a:solidFill>
+            </a:endParaRPr>
           </a:p>
         </p:txBody>
       </p:sp>
@@ -27725,8 +28836,8 @@
         </p:nvSpPr>
         <p:spPr>
           <a:xfrm>
-            <a:off x="142865" y="1200151"/>
-            <a:ext cx="8865056" cy="3394472"/>
+            <a:off x="142865" y="1024785"/>
+            <a:ext cx="8865056" cy="4035729"/>
           </a:xfrm>
         </p:spPr>
         <p:txBody>
@@ -27738,7 +28849,480 @@
             <a:pPr marL="0" indent="0" algn="just">
               <a:buNone/>
             </a:pPr>
-            <a:endParaRPr lang="pt-BR" sz="2400" dirty="0">
+            <a:r>
+              <a:rPr lang="pt-BR" sz="2000" b="1" dirty="0" err="1">
+                <a:solidFill>
+                  <a:schemeClr val="tx1"/>
+                </a:solidFill>
+                <a:latin typeface="Times New Roman" panose="02020603050405020304" pitchFamily="18" charset="0"/>
+                <a:cs typeface="Times New Roman" panose="02020603050405020304" pitchFamily="18" charset="0"/>
+              </a:rPr>
+              <a:t>let</a:t>
+            </a:r>
+            <a:r>
+              <a:rPr lang="pt-BR" sz="2000" dirty="0">
+                <a:solidFill>
+                  <a:schemeClr val="tx1"/>
+                </a:solidFill>
+                <a:latin typeface="Times New Roman" panose="02020603050405020304" pitchFamily="18" charset="0"/>
+                <a:cs typeface="Times New Roman" panose="02020603050405020304" pitchFamily="18" charset="0"/>
+              </a:rPr>
+              <a:t> data = </a:t>
+            </a:r>
+            <a:r>
+              <a:rPr lang="pt-BR" sz="2000" b="1" dirty="0">
+                <a:solidFill>
+                  <a:schemeClr val="tx1"/>
+                </a:solidFill>
+                <a:latin typeface="Times New Roman" panose="02020603050405020304" pitchFamily="18" charset="0"/>
+                <a:cs typeface="Times New Roman" panose="02020603050405020304" pitchFamily="18" charset="0"/>
+              </a:rPr>
+              <a:t>new</a:t>
+            </a:r>
+            <a:r>
+              <a:rPr lang="pt-BR" sz="2000" dirty="0">
+                <a:solidFill>
+                  <a:schemeClr val="tx1"/>
+                </a:solidFill>
+                <a:latin typeface="Times New Roman" panose="02020603050405020304" pitchFamily="18" charset="0"/>
+                <a:cs typeface="Times New Roman" panose="02020603050405020304" pitchFamily="18" charset="0"/>
+              </a:rPr>
+              <a:t> </a:t>
+            </a:r>
+            <a:r>
+              <a:rPr lang="pt-BR" sz="2000" b="1" dirty="0">
+                <a:solidFill>
+                  <a:srgbClr val="FF0000"/>
+                </a:solidFill>
+                <a:latin typeface="Times New Roman" panose="02020603050405020304" pitchFamily="18" charset="0"/>
+                <a:cs typeface="Times New Roman" panose="02020603050405020304" pitchFamily="18" charset="0"/>
+              </a:rPr>
+              <a:t>Date</a:t>
+            </a:r>
+            <a:r>
+              <a:rPr lang="pt-BR" sz="2000" dirty="0">
+                <a:solidFill>
+                  <a:schemeClr val="tx1"/>
+                </a:solidFill>
+                <a:latin typeface="Times New Roman" panose="02020603050405020304" pitchFamily="18" charset="0"/>
+                <a:cs typeface="Times New Roman" panose="02020603050405020304" pitchFamily="18" charset="0"/>
+              </a:rPr>
+              <a:t>();</a:t>
+            </a:r>
+          </a:p>
+          <a:p>
+            <a:pPr marL="0" indent="0" algn="just">
+              <a:buNone/>
+            </a:pPr>
+            <a:r>
+              <a:rPr lang="pt-BR" sz="2000" b="1" dirty="0">
+                <a:solidFill>
+                  <a:schemeClr val="tx1"/>
+                </a:solidFill>
+                <a:latin typeface="Times New Roman" panose="02020603050405020304" pitchFamily="18" charset="0"/>
+                <a:cs typeface="Times New Roman" panose="02020603050405020304" pitchFamily="18" charset="0"/>
+              </a:rPr>
+              <a:t>console</a:t>
+            </a:r>
+            <a:r>
+              <a:rPr lang="pt-BR" sz="2000" dirty="0">
+                <a:solidFill>
+                  <a:schemeClr val="tx1"/>
+                </a:solidFill>
+                <a:latin typeface="Times New Roman" panose="02020603050405020304" pitchFamily="18" charset="0"/>
+                <a:cs typeface="Times New Roman" panose="02020603050405020304" pitchFamily="18" charset="0"/>
+              </a:rPr>
+              <a:t>.log(data);</a:t>
+            </a:r>
+          </a:p>
+          <a:p>
+            <a:pPr marL="0" indent="0" algn="just">
+              <a:buNone/>
+            </a:pPr>
+            <a:r>
+              <a:rPr lang="pt-BR" sz="2000" b="1" dirty="0">
+                <a:solidFill>
+                  <a:schemeClr val="tx1"/>
+                </a:solidFill>
+                <a:latin typeface="Times New Roman" panose="02020603050405020304" pitchFamily="18" charset="0"/>
+                <a:cs typeface="Times New Roman" panose="02020603050405020304" pitchFamily="18" charset="0"/>
+              </a:rPr>
+              <a:t>console</a:t>
+            </a:r>
+            <a:r>
+              <a:rPr lang="pt-BR" sz="2000" dirty="0">
+                <a:solidFill>
+                  <a:schemeClr val="tx1"/>
+                </a:solidFill>
+                <a:latin typeface="Times New Roman" panose="02020603050405020304" pitchFamily="18" charset="0"/>
+                <a:cs typeface="Times New Roman" panose="02020603050405020304" pitchFamily="18" charset="0"/>
+              </a:rPr>
+              <a:t>.log(</a:t>
+            </a:r>
+            <a:r>
+              <a:rPr lang="pt-BR" sz="2000" dirty="0" err="1">
+                <a:solidFill>
+                  <a:schemeClr val="tx1"/>
+                </a:solidFill>
+                <a:latin typeface="Times New Roman" panose="02020603050405020304" pitchFamily="18" charset="0"/>
+                <a:cs typeface="Times New Roman" panose="02020603050405020304" pitchFamily="18" charset="0"/>
+              </a:rPr>
+              <a:t>data.getFullYear</a:t>
+            </a:r>
+            <a:r>
+              <a:rPr lang="pt-BR" sz="2000" dirty="0">
+                <a:solidFill>
+                  <a:schemeClr val="tx1"/>
+                </a:solidFill>
+                <a:latin typeface="Times New Roman" panose="02020603050405020304" pitchFamily="18" charset="0"/>
+                <a:cs typeface="Times New Roman" panose="02020603050405020304" pitchFamily="18" charset="0"/>
+              </a:rPr>
+              <a:t>()); // Ano: 4 dígitos</a:t>
+            </a:r>
+          </a:p>
+          <a:p>
+            <a:pPr marL="0" indent="0" algn="just">
+              <a:buNone/>
+            </a:pPr>
+            <a:r>
+              <a:rPr lang="pt-BR" sz="2000" b="1" dirty="0">
+                <a:solidFill>
+                  <a:schemeClr val="tx1"/>
+                </a:solidFill>
+                <a:latin typeface="Times New Roman" panose="02020603050405020304" pitchFamily="18" charset="0"/>
+                <a:cs typeface="Times New Roman" panose="02020603050405020304" pitchFamily="18" charset="0"/>
+              </a:rPr>
+              <a:t>console</a:t>
+            </a:r>
+            <a:r>
+              <a:rPr lang="pt-BR" sz="2000" dirty="0">
+                <a:solidFill>
+                  <a:schemeClr val="tx1"/>
+                </a:solidFill>
+                <a:latin typeface="Times New Roman" panose="02020603050405020304" pitchFamily="18" charset="0"/>
+                <a:cs typeface="Times New Roman" panose="02020603050405020304" pitchFamily="18" charset="0"/>
+              </a:rPr>
+              <a:t>.log(</a:t>
+            </a:r>
+            <a:r>
+              <a:rPr lang="pt-BR" sz="2000" dirty="0" err="1">
+                <a:solidFill>
+                  <a:schemeClr val="tx1"/>
+                </a:solidFill>
+                <a:latin typeface="Times New Roman" panose="02020603050405020304" pitchFamily="18" charset="0"/>
+                <a:cs typeface="Times New Roman" panose="02020603050405020304" pitchFamily="18" charset="0"/>
+              </a:rPr>
+              <a:t>data.getMonth</a:t>
+            </a:r>
+            <a:r>
+              <a:rPr lang="pt-BR" sz="2000" dirty="0">
+                <a:solidFill>
+                  <a:schemeClr val="tx1"/>
+                </a:solidFill>
+                <a:latin typeface="Times New Roman" panose="02020603050405020304" pitchFamily="18" charset="0"/>
+                <a:cs typeface="Times New Roman" panose="02020603050405020304" pitchFamily="18" charset="0"/>
+              </a:rPr>
+              <a:t>()); // Mês: 0 a 11 – sendo 0 janeiro</a:t>
+            </a:r>
+          </a:p>
+          <a:p>
+            <a:pPr marL="0" indent="0" algn="just">
+              <a:buNone/>
+            </a:pPr>
+            <a:r>
+              <a:rPr lang="pt-BR" sz="2000" b="1" dirty="0">
+                <a:solidFill>
+                  <a:schemeClr val="tx1"/>
+                </a:solidFill>
+                <a:latin typeface="Times New Roman" panose="02020603050405020304" pitchFamily="18" charset="0"/>
+                <a:cs typeface="Times New Roman" panose="02020603050405020304" pitchFamily="18" charset="0"/>
+              </a:rPr>
+              <a:t>console</a:t>
+            </a:r>
+            <a:r>
+              <a:rPr lang="pt-BR" sz="2000" dirty="0">
+                <a:solidFill>
+                  <a:schemeClr val="tx1"/>
+                </a:solidFill>
+                <a:latin typeface="Times New Roman" panose="02020603050405020304" pitchFamily="18" charset="0"/>
+                <a:cs typeface="Times New Roman" panose="02020603050405020304" pitchFamily="18" charset="0"/>
+              </a:rPr>
+              <a:t>.log(</a:t>
+            </a:r>
+            <a:r>
+              <a:rPr lang="pt-BR" sz="2000" dirty="0" err="1">
+                <a:solidFill>
+                  <a:schemeClr val="tx1"/>
+                </a:solidFill>
+                <a:latin typeface="Times New Roman" panose="02020603050405020304" pitchFamily="18" charset="0"/>
+                <a:cs typeface="Times New Roman" panose="02020603050405020304" pitchFamily="18" charset="0"/>
+              </a:rPr>
+              <a:t>data.getDate</a:t>
+            </a:r>
+            <a:r>
+              <a:rPr lang="pt-BR" sz="2000" dirty="0">
+                <a:solidFill>
+                  <a:schemeClr val="tx1"/>
+                </a:solidFill>
+                <a:latin typeface="Times New Roman" panose="02020603050405020304" pitchFamily="18" charset="0"/>
+                <a:cs typeface="Times New Roman" panose="02020603050405020304" pitchFamily="18" charset="0"/>
+              </a:rPr>
+              <a:t>()); // Dia do Mês: 1 a 31</a:t>
+            </a:r>
+          </a:p>
+          <a:p>
+            <a:pPr marL="0" indent="0" algn="just">
+              <a:buNone/>
+            </a:pPr>
+            <a:r>
+              <a:rPr lang="pt-BR" sz="2000" b="1" dirty="0">
+                <a:solidFill>
+                  <a:schemeClr val="tx1"/>
+                </a:solidFill>
+                <a:latin typeface="Times New Roman" panose="02020603050405020304" pitchFamily="18" charset="0"/>
+                <a:cs typeface="Times New Roman" panose="02020603050405020304" pitchFamily="18" charset="0"/>
+              </a:rPr>
+              <a:t>console</a:t>
+            </a:r>
+            <a:r>
+              <a:rPr lang="pt-BR" sz="2000" dirty="0">
+                <a:solidFill>
+                  <a:schemeClr val="tx1"/>
+                </a:solidFill>
+                <a:latin typeface="Times New Roman" panose="02020603050405020304" pitchFamily="18" charset="0"/>
+                <a:cs typeface="Times New Roman" panose="02020603050405020304" pitchFamily="18" charset="0"/>
+              </a:rPr>
+              <a:t>.log(</a:t>
+            </a:r>
+            <a:r>
+              <a:rPr lang="pt-BR" sz="2000" dirty="0" err="1">
+                <a:solidFill>
+                  <a:schemeClr val="tx1"/>
+                </a:solidFill>
+                <a:latin typeface="Times New Roman" panose="02020603050405020304" pitchFamily="18" charset="0"/>
+                <a:cs typeface="Times New Roman" panose="02020603050405020304" pitchFamily="18" charset="0"/>
+              </a:rPr>
+              <a:t>data.getDay</a:t>
+            </a:r>
+            <a:r>
+              <a:rPr lang="pt-BR" sz="2000" dirty="0">
+                <a:solidFill>
+                  <a:schemeClr val="tx1"/>
+                </a:solidFill>
+                <a:latin typeface="Times New Roman" panose="02020603050405020304" pitchFamily="18" charset="0"/>
+                <a:cs typeface="Times New Roman" panose="02020603050405020304" pitchFamily="18" charset="0"/>
+              </a:rPr>
+              <a:t>()); // Dia da semana: 0 a 6 – sendo 0 domingo</a:t>
+            </a:r>
+          </a:p>
+          <a:p>
+            <a:pPr marL="0" indent="0" algn="just">
+              <a:buNone/>
+            </a:pPr>
+            <a:r>
+              <a:rPr lang="pt-BR" sz="2000" b="1" dirty="0">
+                <a:solidFill>
+                  <a:schemeClr val="tx1"/>
+                </a:solidFill>
+                <a:latin typeface="Times New Roman" panose="02020603050405020304" pitchFamily="18" charset="0"/>
+                <a:cs typeface="Times New Roman" panose="02020603050405020304" pitchFamily="18" charset="0"/>
+              </a:rPr>
+              <a:t>console</a:t>
+            </a:r>
+            <a:r>
+              <a:rPr lang="pt-BR" sz="2000" dirty="0">
+                <a:solidFill>
+                  <a:schemeClr val="tx1"/>
+                </a:solidFill>
+                <a:latin typeface="Times New Roman" panose="02020603050405020304" pitchFamily="18" charset="0"/>
+                <a:cs typeface="Times New Roman" panose="02020603050405020304" pitchFamily="18" charset="0"/>
+              </a:rPr>
+              <a:t>.log(</a:t>
+            </a:r>
+            <a:r>
+              <a:rPr lang="pt-BR" sz="2000" dirty="0" err="1">
+                <a:solidFill>
+                  <a:schemeClr val="tx1"/>
+                </a:solidFill>
+                <a:latin typeface="Times New Roman" panose="02020603050405020304" pitchFamily="18" charset="0"/>
+                <a:cs typeface="Times New Roman" panose="02020603050405020304" pitchFamily="18" charset="0"/>
+              </a:rPr>
+              <a:t>data.getHours</a:t>
+            </a:r>
+            <a:r>
+              <a:rPr lang="pt-BR" sz="2000" dirty="0">
+                <a:solidFill>
+                  <a:schemeClr val="tx1"/>
+                </a:solidFill>
+                <a:latin typeface="Times New Roman" panose="02020603050405020304" pitchFamily="18" charset="0"/>
+                <a:cs typeface="Times New Roman" panose="02020603050405020304" pitchFamily="18" charset="0"/>
+              </a:rPr>
+              <a:t>()); // Hora: 0 a 23</a:t>
+            </a:r>
+          </a:p>
+          <a:p>
+            <a:pPr marL="0" indent="0" algn="just">
+              <a:buNone/>
+            </a:pPr>
+            <a:r>
+              <a:rPr lang="pt-BR" sz="2000" b="1" dirty="0">
+                <a:solidFill>
+                  <a:schemeClr val="tx1"/>
+                </a:solidFill>
+                <a:latin typeface="Times New Roman" panose="02020603050405020304" pitchFamily="18" charset="0"/>
+                <a:cs typeface="Times New Roman" panose="02020603050405020304" pitchFamily="18" charset="0"/>
+              </a:rPr>
+              <a:t>console</a:t>
+            </a:r>
+            <a:r>
+              <a:rPr lang="pt-BR" sz="2000" dirty="0">
+                <a:solidFill>
+                  <a:schemeClr val="tx1"/>
+                </a:solidFill>
+                <a:latin typeface="Times New Roman" panose="02020603050405020304" pitchFamily="18" charset="0"/>
+                <a:cs typeface="Times New Roman" panose="02020603050405020304" pitchFamily="18" charset="0"/>
+              </a:rPr>
+              <a:t>.log(</a:t>
+            </a:r>
+            <a:r>
+              <a:rPr lang="pt-BR" sz="2000" dirty="0" err="1">
+                <a:solidFill>
+                  <a:schemeClr val="tx1"/>
+                </a:solidFill>
+                <a:latin typeface="Times New Roman" panose="02020603050405020304" pitchFamily="18" charset="0"/>
+                <a:cs typeface="Times New Roman" panose="02020603050405020304" pitchFamily="18" charset="0"/>
+              </a:rPr>
+              <a:t>data.getMinutes</a:t>
+            </a:r>
+            <a:r>
+              <a:rPr lang="pt-BR" sz="2000" dirty="0">
+                <a:solidFill>
+                  <a:schemeClr val="tx1"/>
+                </a:solidFill>
+                <a:latin typeface="Times New Roman" panose="02020603050405020304" pitchFamily="18" charset="0"/>
+                <a:cs typeface="Times New Roman" panose="02020603050405020304" pitchFamily="18" charset="0"/>
+              </a:rPr>
+              <a:t>()); // Minutos: 0 a 59</a:t>
+            </a:r>
+          </a:p>
+          <a:p>
+            <a:pPr marL="0" indent="0" algn="just">
+              <a:buNone/>
+            </a:pPr>
+            <a:r>
+              <a:rPr lang="pt-BR" sz="2000" b="1" dirty="0">
+                <a:solidFill>
+                  <a:schemeClr val="tx1"/>
+                </a:solidFill>
+                <a:latin typeface="Times New Roman" panose="02020603050405020304" pitchFamily="18" charset="0"/>
+                <a:cs typeface="Times New Roman" panose="02020603050405020304" pitchFamily="18" charset="0"/>
+              </a:rPr>
+              <a:t>console</a:t>
+            </a:r>
+            <a:r>
+              <a:rPr lang="pt-BR" sz="2000" dirty="0">
+                <a:solidFill>
+                  <a:schemeClr val="tx1"/>
+                </a:solidFill>
+                <a:latin typeface="Times New Roman" panose="02020603050405020304" pitchFamily="18" charset="0"/>
+                <a:cs typeface="Times New Roman" panose="02020603050405020304" pitchFamily="18" charset="0"/>
+              </a:rPr>
+              <a:t>.log(</a:t>
+            </a:r>
+            <a:r>
+              <a:rPr lang="pt-BR" sz="2000" dirty="0" err="1">
+                <a:solidFill>
+                  <a:schemeClr val="tx1"/>
+                </a:solidFill>
+                <a:latin typeface="Times New Roman" panose="02020603050405020304" pitchFamily="18" charset="0"/>
+                <a:cs typeface="Times New Roman" panose="02020603050405020304" pitchFamily="18" charset="0"/>
+              </a:rPr>
+              <a:t>data.getSeconds</a:t>
+            </a:r>
+            <a:r>
+              <a:rPr lang="pt-BR" sz="2000" dirty="0">
+                <a:solidFill>
+                  <a:schemeClr val="tx1"/>
+                </a:solidFill>
+                <a:latin typeface="Times New Roman" panose="02020603050405020304" pitchFamily="18" charset="0"/>
+                <a:cs typeface="Times New Roman" panose="02020603050405020304" pitchFamily="18" charset="0"/>
+              </a:rPr>
+              <a:t>()); // Segundos: 0 a 59</a:t>
+            </a:r>
+          </a:p>
+          <a:p>
+            <a:pPr marL="0" indent="0" algn="just">
+              <a:buNone/>
+            </a:pPr>
+            <a:r>
+              <a:rPr lang="pt-BR" sz="2000" b="1" dirty="0">
+                <a:solidFill>
+                  <a:schemeClr val="tx1"/>
+                </a:solidFill>
+                <a:latin typeface="Times New Roman" panose="02020603050405020304" pitchFamily="18" charset="0"/>
+                <a:cs typeface="Times New Roman" panose="02020603050405020304" pitchFamily="18" charset="0"/>
+              </a:rPr>
+              <a:t>console</a:t>
+            </a:r>
+            <a:r>
+              <a:rPr lang="pt-BR" sz="2000" dirty="0">
+                <a:solidFill>
+                  <a:schemeClr val="tx1"/>
+                </a:solidFill>
+                <a:latin typeface="Times New Roman" panose="02020603050405020304" pitchFamily="18" charset="0"/>
+                <a:cs typeface="Times New Roman" panose="02020603050405020304" pitchFamily="18" charset="0"/>
+              </a:rPr>
+              <a:t>.log(</a:t>
+            </a:r>
+            <a:r>
+              <a:rPr lang="pt-BR" sz="2000" dirty="0" err="1">
+                <a:solidFill>
+                  <a:schemeClr val="tx1"/>
+                </a:solidFill>
+                <a:latin typeface="Times New Roman" panose="02020603050405020304" pitchFamily="18" charset="0"/>
+                <a:cs typeface="Times New Roman" panose="02020603050405020304" pitchFamily="18" charset="0"/>
+              </a:rPr>
+              <a:t>data.getMilliseconds</a:t>
+            </a:r>
+            <a:r>
+              <a:rPr lang="pt-BR" sz="2000" dirty="0">
+                <a:solidFill>
+                  <a:schemeClr val="tx1"/>
+                </a:solidFill>
+                <a:latin typeface="Times New Roman" panose="02020603050405020304" pitchFamily="18" charset="0"/>
+                <a:cs typeface="Times New Roman" panose="02020603050405020304" pitchFamily="18" charset="0"/>
+              </a:rPr>
+              <a:t>()); // </a:t>
+            </a:r>
+            <a:r>
+              <a:rPr lang="pt-BR" sz="2000" dirty="0" err="1">
+                <a:solidFill>
+                  <a:schemeClr val="tx1"/>
+                </a:solidFill>
+                <a:latin typeface="Times New Roman" panose="02020603050405020304" pitchFamily="18" charset="0"/>
+                <a:cs typeface="Times New Roman" panose="02020603050405020304" pitchFamily="18" charset="0"/>
+              </a:rPr>
+              <a:t>Milisegundos</a:t>
+            </a:r>
+            <a:r>
+              <a:rPr lang="pt-BR" sz="2000" dirty="0">
+                <a:solidFill>
+                  <a:schemeClr val="tx1"/>
+                </a:solidFill>
+                <a:latin typeface="Times New Roman" panose="02020603050405020304" pitchFamily="18" charset="0"/>
+                <a:cs typeface="Times New Roman" panose="02020603050405020304" pitchFamily="18" charset="0"/>
+              </a:rPr>
+              <a:t>: 0 a 999</a:t>
+            </a:r>
+          </a:p>
+          <a:p>
+            <a:pPr marL="0" indent="0" algn="just">
+              <a:buNone/>
+            </a:pPr>
+            <a:endParaRPr lang="pt-BR" sz="2000" dirty="0">
+              <a:solidFill>
+                <a:schemeClr val="tx1"/>
+              </a:solidFill>
               <a:latin typeface="Times New Roman" panose="02020603050405020304" pitchFamily="18" charset="0"/>
               <a:cs typeface="Times New Roman" panose="02020603050405020304" pitchFamily="18" charset="0"/>
             </a:endParaRPr>
@@ -27747,88 +29331,10 @@
             <a:pPr marL="0" indent="0" algn="just">
               <a:buNone/>
             </a:pPr>
-            <a:r>
-              <a:rPr lang="pt-BR" sz="2400" dirty="0">
-                <a:latin typeface="Times New Roman" panose="02020603050405020304" pitchFamily="18" charset="0"/>
-                <a:cs typeface="Times New Roman" panose="02020603050405020304" pitchFamily="18" charset="0"/>
-              </a:rPr>
-              <a:t>[1] </a:t>
-            </a:r>
-            <a:r>
-              <a:rPr lang="pt-BR" sz="2400" dirty="0">
-                <a:latin typeface="Times New Roman" panose="02020603050405020304" pitchFamily="18" charset="0"/>
-                <a:cs typeface="Times New Roman" panose="02020603050405020304" pitchFamily="18" charset="0"/>
-                <a:hlinkClick r:id="rId3"/>
-              </a:rPr>
-              <a:t>https://www.youtube.com/watch?v=W6NZfCO5SIk</a:t>
-            </a:r>
-            <a:r>
-              <a:rPr lang="pt-BR" sz="2400" dirty="0">
-                <a:latin typeface="Times New Roman" panose="02020603050405020304" pitchFamily="18" charset="0"/>
-                <a:cs typeface="Times New Roman" panose="02020603050405020304" pitchFamily="18" charset="0"/>
-              </a:rPr>
-              <a:t> (JS)</a:t>
-            </a:r>
-          </a:p>
-          <a:p>
-            <a:pPr marL="0" indent="0" algn="just">
-              <a:buNone/>
-            </a:pPr>
-            <a:endParaRPr lang="pt-BR" sz="2400" dirty="0">
-              <a:latin typeface="Times New Roman" panose="02020603050405020304" pitchFamily="18" charset="0"/>
-              <a:cs typeface="Times New Roman" panose="02020603050405020304" pitchFamily="18" charset="0"/>
-            </a:endParaRPr>
-          </a:p>
-          <a:p>
-            <a:pPr marL="0" indent="0" algn="just">
-              <a:buNone/>
-            </a:pPr>
-            <a:endParaRPr lang="pt-BR" sz="2400" dirty="0">
-              <a:latin typeface="Times New Roman" panose="02020603050405020304" pitchFamily="18" charset="0"/>
-              <a:cs typeface="Times New Roman" panose="02020603050405020304" pitchFamily="18" charset="0"/>
-            </a:endParaRPr>
-          </a:p>
-          <a:p>
-            <a:pPr marL="0" indent="0" algn="just">
-              <a:buNone/>
-            </a:pPr>
-            <a:r>
-              <a:rPr lang="pt-BR" sz="2400" dirty="0">
-                <a:latin typeface="Times New Roman" panose="02020603050405020304" pitchFamily="18" charset="0"/>
-                <a:cs typeface="Times New Roman" panose="02020603050405020304" pitchFamily="18" charset="0"/>
-              </a:rPr>
-              <a:t>[2] </a:t>
-            </a:r>
-            <a:r>
-              <a:rPr lang="pt-BR" sz="2400" dirty="0">
-                <a:latin typeface="Times New Roman" panose="02020603050405020304" pitchFamily="18" charset="0"/>
-                <a:cs typeface="Times New Roman" panose="02020603050405020304" pitchFamily="18" charset="0"/>
-                <a:hlinkClick r:id="rId4"/>
-              </a:rPr>
-              <a:t>https://www.youtube.com/watch?v=gYZhIVCPlFY</a:t>
-            </a:r>
-            <a:r>
-              <a:rPr lang="pt-BR" sz="2400" dirty="0">
-                <a:latin typeface="Times New Roman" panose="02020603050405020304" pitchFamily="18" charset="0"/>
-                <a:cs typeface="Times New Roman" panose="02020603050405020304" pitchFamily="18" charset="0"/>
-              </a:rPr>
-              <a:t> (JS)</a:t>
-            </a:r>
-          </a:p>
-          <a:p>
-            <a:pPr marL="0" indent="0" algn="just">
-              <a:buNone/>
-            </a:pPr>
-            <a:endParaRPr lang="pt-BR" sz="2400" dirty="0">
-              <a:latin typeface="Times New Roman" panose="02020603050405020304" pitchFamily="18" charset="0"/>
-              <a:cs typeface="Times New Roman" panose="02020603050405020304" pitchFamily="18" charset="0"/>
-            </a:endParaRPr>
-          </a:p>
-          <a:p>
-            <a:pPr marL="0" indent="0" algn="just">
-              <a:buNone/>
-            </a:pPr>
-            <a:endParaRPr lang="pt-BR" sz="2400" dirty="0">
+            <a:endParaRPr lang="pt-BR" sz="2000" dirty="0">
+              <a:solidFill>
+                <a:schemeClr val="tx1"/>
+              </a:solidFill>
               <a:latin typeface="Times New Roman" panose="02020603050405020304" pitchFamily="18" charset="0"/>
               <a:cs typeface="Times New Roman" panose="02020603050405020304" pitchFamily="18" charset="0"/>
             </a:endParaRPr>
@@ -27838,7 +29344,7 @@
     </p:spTree>
     <p:extLst>
       <p:ext uri="{BB962C8B-B14F-4D97-AF65-F5344CB8AC3E}">
-        <p14:creationId xmlns:p14="http://schemas.microsoft.com/office/powerpoint/2010/main" val="2747596967"/>
+        <p14:creationId xmlns:p14="http://schemas.microsoft.com/office/powerpoint/2010/main" val="3155370276"/>
       </p:ext>
     </p:extLst>
   </p:cSld>
@@ -27889,12 +29395,20 @@
           <a:lstStyle/>
           <a:p>
             <a:r>
+              <a:rPr lang="en-US" b="1" dirty="0">
+                <a:solidFill>
+                  <a:srgbClr val="0070C0"/>
+                </a:solidFill>
+              </a:rPr>
+              <a:t>JS – </a:t>
+            </a:r>
+            <a:r>
               <a:rPr lang="en-US" b="1" dirty="0" err="1">
                 <a:solidFill>
                   <a:srgbClr val="0070C0"/>
                 </a:solidFill>
               </a:rPr>
-              <a:t>Dinâmica</a:t>
+              <a:t>Manipulação</a:t>
             </a:r>
             <a:r>
               <a:rPr lang="en-US" b="1" dirty="0">
@@ -27902,7 +29416,7 @@
                   <a:srgbClr val="0070C0"/>
                 </a:solidFill>
               </a:rPr>
-              <a:t>/</a:t>
+              <a:t> de </a:t>
             </a:r>
             <a:r>
               <a:rPr lang="en-US" b="1" dirty="0" err="1">
@@ -27910,7 +29424,7 @@
                   <a:srgbClr val="0070C0"/>
                 </a:solidFill>
               </a:rPr>
-              <a:t>Atividades</a:t>
+              <a:t>Datas</a:t>
             </a:r>
             <a:endParaRPr lang="en-US" b="1" dirty="0">
               <a:solidFill>
@@ -27932,8 +29446,8 @@
         </p:nvSpPr>
         <p:spPr>
           <a:xfrm>
-            <a:off x="139472" y="1063230"/>
-            <a:ext cx="8865056" cy="3606305"/>
+            <a:off x="142865" y="1024785"/>
+            <a:ext cx="8865056" cy="4035729"/>
           </a:xfrm>
         </p:spPr>
         <p:txBody>
@@ -27942,100 +29456,560 @@
           </a:bodyPr>
           <a:lstStyle/>
           <a:p>
-            <a:pPr algn="just">
-              <a:buFontTx/>
-              <a:buChar char="-"/>
-            </a:pPr>
-            <a:r>
-              <a:rPr lang="pt-BR" dirty="0">
-                <a:latin typeface="Times New Roman" panose="02020603050405020304" pitchFamily="18" charset="0"/>
-                <a:cs typeface="Times New Roman" panose="02020603050405020304" pitchFamily="18" charset="0"/>
-              </a:rPr>
-              <a:t>Exercícios de Fixação </a:t>
-            </a:r>
-            <a:r>
-              <a:rPr lang="pt-BR" b="1" dirty="0">
-                <a:latin typeface="Times New Roman" panose="02020603050405020304" pitchFamily="18" charset="0"/>
-                <a:cs typeface="Times New Roman" panose="02020603050405020304" pitchFamily="18" charset="0"/>
-              </a:rPr>
-              <a:t>JS</a:t>
-            </a:r>
-          </a:p>
-          <a:p>
-            <a:pPr marL="0" indent="0" algn="just">
-              <a:buNone/>
-            </a:pPr>
-            <a:r>
-              <a:rPr lang="pt-BR" dirty="0">
-                <a:latin typeface="Times New Roman" panose="02020603050405020304" pitchFamily="18" charset="0"/>
-                <a:cs typeface="Times New Roman" panose="02020603050405020304" pitchFamily="18" charset="0"/>
-              </a:rPr>
-              <a:t>	</a:t>
-            </a:r>
-            <a:r>
-              <a:rPr lang="pt-BR" b="1" dirty="0">
+            <a:pPr marL="0" indent="0" algn="just">
+              <a:buNone/>
+            </a:pPr>
+            <a:r>
+              <a:rPr lang="pt-BR" sz="2000" b="1" dirty="0" err="1">
+                <a:solidFill>
+                  <a:schemeClr val="tx1"/>
+                </a:solidFill>
+                <a:latin typeface="Times New Roman" panose="02020603050405020304" pitchFamily="18" charset="0"/>
+                <a:cs typeface="Times New Roman" panose="02020603050405020304" pitchFamily="18" charset="0"/>
+              </a:rPr>
+              <a:t>let</a:t>
+            </a:r>
+            <a:r>
+              <a:rPr lang="pt-BR" sz="2000" dirty="0">
+                <a:solidFill>
+                  <a:schemeClr val="tx1"/>
+                </a:solidFill>
+                <a:latin typeface="Times New Roman" panose="02020603050405020304" pitchFamily="18" charset="0"/>
+                <a:cs typeface="Times New Roman" panose="02020603050405020304" pitchFamily="18" charset="0"/>
+              </a:rPr>
+              <a:t> data = </a:t>
+            </a:r>
+            <a:r>
+              <a:rPr lang="pt-BR" sz="2000" b="1" dirty="0">
+                <a:solidFill>
+                  <a:schemeClr val="tx1"/>
+                </a:solidFill>
+                <a:latin typeface="Times New Roman" panose="02020603050405020304" pitchFamily="18" charset="0"/>
+                <a:cs typeface="Times New Roman" panose="02020603050405020304" pitchFamily="18" charset="0"/>
+              </a:rPr>
+              <a:t>new</a:t>
+            </a:r>
+            <a:r>
+              <a:rPr lang="pt-BR" sz="2000" dirty="0">
+                <a:solidFill>
+                  <a:schemeClr val="tx1"/>
+                </a:solidFill>
+                <a:latin typeface="Times New Roman" panose="02020603050405020304" pitchFamily="18" charset="0"/>
+                <a:cs typeface="Times New Roman" panose="02020603050405020304" pitchFamily="18" charset="0"/>
+              </a:rPr>
+              <a:t> </a:t>
+            </a:r>
+            <a:r>
+              <a:rPr lang="pt-BR" sz="2000" b="1" dirty="0">
                 <a:solidFill>
                   <a:srgbClr val="FF0000"/>
                 </a:solidFill>
                 <a:latin typeface="Times New Roman" panose="02020603050405020304" pitchFamily="18" charset="0"/>
                 <a:cs typeface="Times New Roman" panose="02020603050405020304" pitchFamily="18" charset="0"/>
               </a:rPr>
-              <a:t>Desafios em Sala de Aula</a:t>
-            </a:r>
-            <a:r>
-              <a:rPr lang="pt-BR" dirty="0">
-                <a:latin typeface="Times New Roman" panose="02020603050405020304" pitchFamily="18" charset="0"/>
-                <a:cs typeface="Times New Roman" panose="02020603050405020304" pitchFamily="18" charset="0"/>
-              </a:rPr>
-              <a:t>.</a:t>
-            </a:r>
-          </a:p>
-          <a:p>
-            <a:pPr marL="0" indent="0" algn="just">
-              <a:buNone/>
-            </a:pPr>
-            <a:r>
-              <a:rPr lang="pt-BR" dirty="0">
-                <a:latin typeface="Times New Roman" panose="02020603050405020304" pitchFamily="18" charset="0"/>
-                <a:cs typeface="Times New Roman" panose="02020603050405020304" pitchFamily="18" charset="0"/>
-              </a:rPr>
-              <a:t>	</a:t>
-            </a:r>
-          </a:p>
-          <a:p>
-            <a:pPr marL="0" indent="0" algn="just">
-              <a:buNone/>
-            </a:pPr>
-            <a:r>
-              <a:rPr lang="es-ES" dirty="0">
-                <a:latin typeface="Times New Roman" panose="02020603050405020304" pitchFamily="18" charset="0"/>
-                <a:cs typeface="Times New Roman" panose="02020603050405020304" pitchFamily="18" charset="0"/>
-              </a:rPr>
-              <a:t>- Quiz JS</a:t>
-            </a:r>
-          </a:p>
-          <a:p>
-            <a:pPr marL="0" indent="0" algn="just">
-              <a:buNone/>
-            </a:pPr>
-            <a:r>
-              <a:rPr lang="es-ES" dirty="0">
-                <a:latin typeface="Times New Roman" panose="02020603050405020304" pitchFamily="18" charset="0"/>
-                <a:cs typeface="Times New Roman" panose="02020603050405020304" pitchFamily="18" charset="0"/>
-                <a:hlinkClick r:id="rId3"/>
-              </a:rPr>
-              <a:t>https://www.w3schools.com/js/js_quiz.asp</a:t>
-            </a:r>
-            <a:endParaRPr lang="pt-BR" dirty="0">
-              <a:latin typeface="Calibri" panose="020F0502020204030204" pitchFamily="34" charset="0"/>
+              <a:t>Date</a:t>
+            </a:r>
+            <a:r>
+              <a:rPr lang="pt-BR" sz="2000" dirty="0">
+                <a:solidFill>
+                  <a:schemeClr val="tx1"/>
+                </a:solidFill>
+                <a:latin typeface="Times New Roman" panose="02020603050405020304" pitchFamily="18" charset="0"/>
+                <a:cs typeface="Times New Roman" panose="02020603050405020304" pitchFamily="18" charset="0"/>
+              </a:rPr>
+              <a:t>();</a:t>
+            </a:r>
+          </a:p>
+          <a:p>
+            <a:pPr marL="0" indent="0" algn="just">
+              <a:buNone/>
+            </a:pPr>
+            <a:endParaRPr lang="pt-BR" sz="2000" dirty="0">
+              <a:solidFill>
+                <a:schemeClr val="tx1"/>
+              </a:solidFill>
+              <a:latin typeface="Times New Roman" panose="02020603050405020304" pitchFamily="18" charset="0"/>
+              <a:cs typeface="Times New Roman" panose="02020603050405020304" pitchFamily="18" charset="0"/>
             </a:endParaRPr>
+          </a:p>
+          <a:p>
+            <a:pPr marL="0" indent="0" algn="just">
+              <a:buNone/>
+            </a:pPr>
+            <a:r>
+              <a:rPr lang="pt-BR" sz="2000" dirty="0">
+                <a:solidFill>
+                  <a:schemeClr val="tx1"/>
+                </a:solidFill>
+                <a:latin typeface="Times New Roman" panose="02020603050405020304" pitchFamily="18" charset="0"/>
+                <a:cs typeface="Times New Roman" panose="02020603050405020304" pitchFamily="18" charset="0"/>
+              </a:rPr>
+              <a:t>// </a:t>
+            </a:r>
+            <a:r>
+              <a:rPr lang="pt-BR" sz="2000" b="1" dirty="0">
+                <a:solidFill>
+                  <a:srgbClr val="FF0000"/>
+                </a:solidFill>
+                <a:latin typeface="Times New Roman" panose="02020603050405020304" pitchFamily="18" charset="0"/>
+                <a:cs typeface="Times New Roman" panose="02020603050405020304" pitchFamily="18" charset="0"/>
+              </a:rPr>
+              <a:t>Data no padrão brasileiro</a:t>
+            </a:r>
+          </a:p>
+          <a:p>
+            <a:pPr marL="0" indent="0" algn="just">
+              <a:buNone/>
+            </a:pPr>
+            <a:r>
+              <a:rPr lang="pt-BR" sz="2000" b="1" dirty="0" err="1">
+                <a:solidFill>
+                  <a:schemeClr val="tx1"/>
+                </a:solidFill>
+                <a:latin typeface="Times New Roman" panose="02020603050405020304" pitchFamily="18" charset="0"/>
+                <a:cs typeface="Times New Roman" panose="02020603050405020304" pitchFamily="18" charset="0"/>
+              </a:rPr>
+              <a:t>let</a:t>
+            </a:r>
+            <a:r>
+              <a:rPr lang="pt-BR" sz="2000" b="1" dirty="0">
+                <a:solidFill>
+                  <a:schemeClr val="tx1"/>
+                </a:solidFill>
+                <a:latin typeface="Times New Roman" panose="02020603050405020304" pitchFamily="18" charset="0"/>
+                <a:cs typeface="Times New Roman" panose="02020603050405020304" pitchFamily="18" charset="0"/>
+              </a:rPr>
+              <a:t> </a:t>
+            </a:r>
+            <a:r>
+              <a:rPr lang="pt-BR" sz="2000" dirty="0" err="1">
+                <a:solidFill>
+                  <a:schemeClr val="tx1"/>
+                </a:solidFill>
+                <a:latin typeface="Times New Roman" panose="02020603050405020304" pitchFamily="18" charset="0"/>
+                <a:cs typeface="Times New Roman" panose="02020603050405020304" pitchFamily="18" charset="0"/>
+              </a:rPr>
+              <a:t>dataBR</a:t>
+            </a:r>
+            <a:r>
+              <a:rPr lang="pt-BR" sz="2000" dirty="0">
+                <a:solidFill>
+                  <a:schemeClr val="tx1"/>
+                </a:solidFill>
+                <a:latin typeface="Times New Roman" panose="02020603050405020304" pitchFamily="18" charset="0"/>
+                <a:cs typeface="Times New Roman" panose="02020603050405020304" pitchFamily="18" charset="0"/>
+              </a:rPr>
+              <a:t> = </a:t>
+            </a:r>
+            <a:r>
+              <a:rPr lang="pt-BR" sz="2000" dirty="0" err="1">
+                <a:solidFill>
+                  <a:schemeClr val="tx1"/>
+                </a:solidFill>
+                <a:latin typeface="Times New Roman" panose="02020603050405020304" pitchFamily="18" charset="0"/>
+                <a:cs typeface="Times New Roman" panose="02020603050405020304" pitchFamily="18" charset="0"/>
+              </a:rPr>
+              <a:t>data.toLocaleString</a:t>
+            </a:r>
+            <a:r>
+              <a:rPr lang="pt-BR" sz="2000" dirty="0">
+                <a:solidFill>
+                  <a:schemeClr val="tx1"/>
+                </a:solidFill>
+                <a:latin typeface="Times New Roman" panose="02020603050405020304" pitchFamily="18" charset="0"/>
+                <a:cs typeface="Times New Roman" panose="02020603050405020304" pitchFamily="18" charset="0"/>
+              </a:rPr>
+              <a:t>(“</a:t>
+            </a:r>
+            <a:r>
+              <a:rPr lang="pt-BR" sz="2000" dirty="0" err="1">
+                <a:solidFill>
+                  <a:schemeClr val="tx1"/>
+                </a:solidFill>
+                <a:latin typeface="Times New Roman" panose="02020603050405020304" pitchFamily="18" charset="0"/>
+                <a:cs typeface="Times New Roman" panose="02020603050405020304" pitchFamily="18" charset="0"/>
+              </a:rPr>
+              <a:t>pt</a:t>
+            </a:r>
+            <a:r>
+              <a:rPr lang="pt-BR" sz="2000" dirty="0">
+                <a:solidFill>
+                  <a:schemeClr val="tx1"/>
+                </a:solidFill>
+                <a:latin typeface="Times New Roman" panose="02020603050405020304" pitchFamily="18" charset="0"/>
+                <a:cs typeface="Times New Roman" panose="02020603050405020304" pitchFamily="18" charset="0"/>
+              </a:rPr>
+              <a:t>-BR”, {</a:t>
+            </a:r>
+            <a:r>
+              <a:rPr lang="pt-BR" sz="2000" dirty="0" err="1">
+                <a:solidFill>
+                  <a:schemeClr val="tx1"/>
+                </a:solidFill>
+                <a:latin typeface="Times New Roman" panose="02020603050405020304" pitchFamily="18" charset="0"/>
+                <a:cs typeface="Times New Roman" panose="02020603050405020304" pitchFamily="18" charset="0"/>
+              </a:rPr>
+              <a:t>dateStyle</a:t>
+            </a:r>
+            <a:r>
+              <a:rPr lang="pt-BR" sz="2000" dirty="0">
+                <a:solidFill>
+                  <a:schemeClr val="tx1"/>
+                </a:solidFill>
+                <a:latin typeface="Times New Roman" panose="02020603050405020304" pitchFamily="18" charset="0"/>
+                <a:cs typeface="Times New Roman" panose="02020603050405020304" pitchFamily="18" charset="0"/>
+              </a:rPr>
+              <a:t>: ‘short’}); </a:t>
+            </a:r>
+          </a:p>
+          <a:p>
+            <a:pPr marL="0" indent="0" algn="just">
+              <a:buNone/>
+            </a:pPr>
+            <a:r>
+              <a:rPr lang="pt-BR" sz="2000" b="1" dirty="0">
+                <a:solidFill>
+                  <a:schemeClr val="tx1"/>
+                </a:solidFill>
+                <a:latin typeface="Times New Roman" panose="02020603050405020304" pitchFamily="18" charset="0"/>
+                <a:cs typeface="Times New Roman" panose="02020603050405020304" pitchFamily="18" charset="0"/>
+              </a:rPr>
+              <a:t>console</a:t>
+            </a:r>
+            <a:r>
+              <a:rPr lang="pt-BR" sz="2000" dirty="0">
+                <a:solidFill>
+                  <a:schemeClr val="tx1"/>
+                </a:solidFill>
+                <a:latin typeface="Times New Roman" panose="02020603050405020304" pitchFamily="18" charset="0"/>
+                <a:cs typeface="Times New Roman" panose="02020603050405020304" pitchFamily="18" charset="0"/>
+              </a:rPr>
+              <a:t>.log(</a:t>
+            </a:r>
+            <a:r>
+              <a:rPr lang="pt-BR" sz="2000" dirty="0" err="1">
+                <a:solidFill>
+                  <a:schemeClr val="tx1"/>
+                </a:solidFill>
+                <a:latin typeface="Times New Roman" panose="02020603050405020304" pitchFamily="18" charset="0"/>
+                <a:cs typeface="Times New Roman" panose="02020603050405020304" pitchFamily="18" charset="0"/>
+              </a:rPr>
+              <a:t>dataBR</a:t>
+            </a:r>
+            <a:r>
+              <a:rPr lang="pt-BR" sz="2000" dirty="0">
+                <a:solidFill>
+                  <a:schemeClr val="tx1"/>
+                </a:solidFill>
+                <a:latin typeface="Times New Roman" panose="02020603050405020304" pitchFamily="18" charset="0"/>
+                <a:cs typeface="Times New Roman" panose="02020603050405020304" pitchFamily="18" charset="0"/>
+              </a:rPr>
+              <a:t>);</a:t>
+            </a:r>
+          </a:p>
+          <a:p>
+            <a:pPr marL="0" indent="0" algn="just">
+              <a:buNone/>
+            </a:pPr>
+            <a:endParaRPr lang="pt-BR" sz="2000" b="1" dirty="0">
+              <a:solidFill>
+                <a:schemeClr val="tx1"/>
+              </a:solidFill>
+              <a:latin typeface="Times New Roman" panose="02020603050405020304" pitchFamily="18" charset="0"/>
+              <a:cs typeface="Times New Roman" panose="02020603050405020304" pitchFamily="18" charset="0"/>
+            </a:endParaRPr>
+          </a:p>
+          <a:p>
+            <a:pPr marL="0" indent="0" algn="just">
+              <a:buNone/>
+            </a:pPr>
+            <a:r>
+              <a:rPr lang="pt-BR" sz="2000" b="1" dirty="0" err="1">
+                <a:solidFill>
+                  <a:schemeClr val="tx1"/>
+                </a:solidFill>
+                <a:latin typeface="Times New Roman" panose="02020603050405020304" pitchFamily="18" charset="0"/>
+                <a:cs typeface="Times New Roman" panose="02020603050405020304" pitchFamily="18" charset="0"/>
+              </a:rPr>
+              <a:t>const</a:t>
+            </a:r>
+            <a:r>
+              <a:rPr lang="pt-BR" sz="2000" dirty="0">
+                <a:solidFill>
+                  <a:schemeClr val="tx1"/>
+                </a:solidFill>
+                <a:latin typeface="Times New Roman" panose="02020603050405020304" pitchFamily="18" charset="0"/>
+                <a:cs typeface="Times New Roman" panose="02020603050405020304" pitchFamily="18" charset="0"/>
+              </a:rPr>
+              <a:t> </a:t>
+            </a:r>
+            <a:r>
+              <a:rPr lang="pt-BR" sz="2000" dirty="0" err="1">
+                <a:solidFill>
+                  <a:schemeClr val="tx1"/>
+                </a:solidFill>
+                <a:latin typeface="Times New Roman" panose="02020603050405020304" pitchFamily="18" charset="0"/>
+                <a:cs typeface="Times New Roman" panose="02020603050405020304" pitchFamily="18" charset="0"/>
+              </a:rPr>
+              <a:t>mesAno</a:t>
+            </a:r>
+            <a:r>
+              <a:rPr lang="pt-BR" sz="2000" dirty="0">
+                <a:solidFill>
+                  <a:schemeClr val="tx1"/>
+                </a:solidFill>
+                <a:latin typeface="Times New Roman" panose="02020603050405020304" pitchFamily="18" charset="0"/>
+                <a:cs typeface="Times New Roman" panose="02020603050405020304" pitchFamily="18" charset="0"/>
+              </a:rPr>
+              <a:t> = [“Jan”, “</a:t>
+            </a:r>
+            <a:r>
+              <a:rPr lang="pt-BR" sz="2000" dirty="0" err="1">
+                <a:solidFill>
+                  <a:schemeClr val="tx1"/>
+                </a:solidFill>
+                <a:latin typeface="Times New Roman" panose="02020603050405020304" pitchFamily="18" charset="0"/>
+                <a:cs typeface="Times New Roman" panose="02020603050405020304" pitchFamily="18" charset="0"/>
+              </a:rPr>
+              <a:t>Fev</a:t>
+            </a:r>
+            <a:r>
+              <a:rPr lang="pt-BR" sz="2000" dirty="0">
+                <a:solidFill>
+                  <a:schemeClr val="tx1"/>
+                </a:solidFill>
+                <a:latin typeface="Times New Roman" panose="02020603050405020304" pitchFamily="18" charset="0"/>
+                <a:cs typeface="Times New Roman" panose="02020603050405020304" pitchFamily="18" charset="0"/>
+              </a:rPr>
+              <a:t>”, “Mar”, “</a:t>
+            </a:r>
+            <a:r>
+              <a:rPr lang="pt-BR" sz="2000" dirty="0" err="1">
+                <a:solidFill>
+                  <a:schemeClr val="tx1"/>
+                </a:solidFill>
+                <a:latin typeface="Times New Roman" panose="02020603050405020304" pitchFamily="18" charset="0"/>
+                <a:cs typeface="Times New Roman" panose="02020603050405020304" pitchFamily="18" charset="0"/>
+              </a:rPr>
+              <a:t>Abr</a:t>
+            </a:r>
+            <a:r>
+              <a:rPr lang="pt-BR" sz="2000" dirty="0">
+                <a:solidFill>
+                  <a:schemeClr val="tx1"/>
+                </a:solidFill>
+                <a:latin typeface="Times New Roman" panose="02020603050405020304" pitchFamily="18" charset="0"/>
+                <a:cs typeface="Times New Roman" panose="02020603050405020304" pitchFamily="18" charset="0"/>
+              </a:rPr>
+              <a:t>”, “Mai”, “</a:t>
+            </a:r>
+            <a:r>
+              <a:rPr lang="pt-BR" sz="2000" dirty="0" err="1">
+                <a:solidFill>
+                  <a:schemeClr val="tx1"/>
+                </a:solidFill>
+                <a:latin typeface="Times New Roman" panose="02020603050405020304" pitchFamily="18" charset="0"/>
+                <a:cs typeface="Times New Roman" panose="02020603050405020304" pitchFamily="18" charset="0"/>
+              </a:rPr>
+              <a:t>Jun</a:t>
+            </a:r>
+            <a:r>
+              <a:rPr lang="pt-BR" sz="2000" dirty="0">
+                <a:solidFill>
+                  <a:schemeClr val="tx1"/>
+                </a:solidFill>
+                <a:latin typeface="Times New Roman" panose="02020603050405020304" pitchFamily="18" charset="0"/>
+                <a:cs typeface="Times New Roman" panose="02020603050405020304" pitchFamily="18" charset="0"/>
+              </a:rPr>
+              <a:t>”, “Jul”, “</a:t>
+            </a:r>
+            <a:r>
+              <a:rPr lang="pt-BR" sz="2000" dirty="0" err="1">
+                <a:solidFill>
+                  <a:schemeClr val="tx1"/>
+                </a:solidFill>
+                <a:latin typeface="Times New Roman" panose="02020603050405020304" pitchFamily="18" charset="0"/>
+                <a:cs typeface="Times New Roman" panose="02020603050405020304" pitchFamily="18" charset="0"/>
+              </a:rPr>
+              <a:t>Ago</a:t>
+            </a:r>
+            <a:r>
+              <a:rPr lang="pt-BR" sz="2000" dirty="0">
+                <a:solidFill>
+                  <a:schemeClr val="tx1"/>
+                </a:solidFill>
+                <a:latin typeface="Times New Roman" panose="02020603050405020304" pitchFamily="18" charset="0"/>
+                <a:cs typeface="Times New Roman" panose="02020603050405020304" pitchFamily="18" charset="0"/>
+              </a:rPr>
+              <a:t>”, “Set”, “Out”, “</a:t>
+            </a:r>
+            <a:r>
+              <a:rPr lang="pt-BR" sz="2000" dirty="0" err="1">
+                <a:solidFill>
+                  <a:schemeClr val="tx1"/>
+                </a:solidFill>
+                <a:latin typeface="Times New Roman" panose="02020603050405020304" pitchFamily="18" charset="0"/>
+                <a:cs typeface="Times New Roman" panose="02020603050405020304" pitchFamily="18" charset="0"/>
+              </a:rPr>
+              <a:t>Nov</a:t>
+            </a:r>
+            <a:r>
+              <a:rPr lang="pt-BR" sz="2000" dirty="0">
+                <a:solidFill>
+                  <a:schemeClr val="tx1"/>
+                </a:solidFill>
+                <a:latin typeface="Times New Roman" panose="02020603050405020304" pitchFamily="18" charset="0"/>
+                <a:cs typeface="Times New Roman" panose="02020603050405020304" pitchFamily="18" charset="0"/>
+              </a:rPr>
+              <a:t>”, “Dez”];</a:t>
+            </a:r>
+          </a:p>
+          <a:p>
+            <a:pPr marL="0" indent="0" algn="just">
+              <a:buNone/>
+            </a:pPr>
+            <a:r>
+              <a:rPr lang="pt-BR" sz="2000" b="1" dirty="0" err="1">
+                <a:solidFill>
+                  <a:schemeClr val="tx1"/>
+                </a:solidFill>
+                <a:latin typeface="Times New Roman" panose="02020603050405020304" pitchFamily="18" charset="0"/>
+                <a:cs typeface="Times New Roman" panose="02020603050405020304" pitchFamily="18" charset="0"/>
+              </a:rPr>
+              <a:t>let</a:t>
+            </a:r>
+            <a:r>
+              <a:rPr lang="pt-BR" sz="2000" dirty="0">
+                <a:solidFill>
+                  <a:schemeClr val="tx1"/>
+                </a:solidFill>
+                <a:latin typeface="Times New Roman" panose="02020603050405020304" pitchFamily="18" charset="0"/>
+                <a:cs typeface="Times New Roman" panose="02020603050405020304" pitchFamily="18" charset="0"/>
+              </a:rPr>
+              <a:t> </a:t>
+            </a:r>
+            <a:r>
+              <a:rPr lang="pt-BR" sz="2000" dirty="0" err="1">
+                <a:solidFill>
+                  <a:schemeClr val="tx1"/>
+                </a:solidFill>
+                <a:latin typeface="Times New Roman" panose="02020603050405020304" pitchFamily="18" charset="0"/>
+                <a:cs typeface="Times New Roman" panose="02020603050405020304" pitchFamily="18" charset="0"/>
+              </a:rPr>
+              <a:t>mesExtenso</a:t>
+            </a:r>
+            <a:r>
+              <a:rPr lang="pt-BR" sz="2000" dirty="0">
+                <a:solidFill>
+                  <a:schemeClr val="tx1"/>
+                </a:solidFill>
+                <a:latin typeface="Times New Roman" panose="02020603050405020304" pitchFamily="18" charset="0"/>
+                <a:cs typeface="Times New Roman" panose="02020603050405020304" pitchFamily="18" charset="0"/>
+              </a:rPr>
+              <a:t> = </a:t>
+            </a:r>
+            <a:r>
+              <a:rPr lang="pt-BR" sz="2000" dirty="0" err="1">
+                <a:solidFill>
+                  <a:schemeClr val="tx1"/>
+                </a:solidFill>
+                <a:latin typeface="Times New Roman" panose="02020603050405020304" pitchFamily="18" charset="0"/>
+                <a:cs typeface="Times New Roman" panose="02020603050405020304" pitchFamily="18" charset="0"/>
+              </a:rPr>
+              <a:t>mesAno</a:t>
+            </a:r>
+            <a:r>
+              <a:rPr lang="pt-BR" sz="2000" dirty="0">
+                <a:solidFill>
+                  <a:schemeClr val="tx1"/>
+                </a:solidFill>
+                <a:latin typeface="Times New Roman" panose="02020603050405020304" pitchFamily="18" charset="0"/>
+                <a:cs typeface="Times New Roman" panose="02020603050405020304" pitchFamily="18" charset="0"/>
+              </a:rPr>
+              <a:t>[</a:t>
+            </a:r>
+            <a:r>
+              <a:rPr lang="pt-BR" sz="2000" dirty="0" err="1">
+                <a:solidFill>
+                  <a:schemeClr val="tx1"/>
+                </a:solidFill>
+                <a:latin typeface="Times New Roman" panose="02020603050405020304" pitchFamily="18" charset="0"/>
+                <a:cs typeface="Times New Roman" panose="02020603050405020304" pitchFamily="18" charset="0"/>
+              </a:rPr>
+              <a:t>data.</a:t>
+            </a:r>
+            <a:r>
+              <a:rPr lang="pt-BR" sz="2000" b="1" dirty="0" err="1">
+                <a:solidFill>
+                  <a:schemeClr val="tx1"/>
+                </a:solidFill>
+                <a:latin typeface="Times New Roman" panose="02020603050405020304" pitchFamily="18" charset="0"/>
+                <a:cs typeface="Times New Roman" panose="02020603050405020304" pitchFamily="18" charset="0"/>
+              </a:rPr>
+              <a:t>getMonth</a:t>
+            </a:r>
+            <a:r>
+              <a:rPr lang="pt-BR" sz="2000" dirty="0">
+                <a:solidFill>
+                  <a:schemeClr val="tx1"/>
+                </a:solidFill>
+                <a:latin typeface="Times New Roman" panose="02020603050405020304" pitchFamily="18" charset="0"/>
+                <a:cs typeface="Times New Roman" panose="02020603050405020304" pitchFamily="18" charset="0"/>
+              </a:rPr>
+              <a:t>()];</a:t>
+            </a:r>
+          </a:p>
+          <a:p>
+            <a:pPr marL="0" indent="0" algn="just">
+              <a:buNone/>
+            </a:pPr>
+            <a:r>
+              <a:rPr lang="pt-BR" sz="2000" b="1" dirty="0">
+                <a:solidFill>
+                  <a:schemeClr val="tx1"/>
+                </a:solidFill>
+                <a:latin typeface="Times New Roman" panose="02020603050405020304" pitchFamily="18" charset="0"/>
+                <a:cs typeface="Times New Roman" panose="02020603050405020304" pitchFamily="18" charset="0"/>
+              </a:rPr>
+              <a:t>console</a:t>
+            </a:r>
+            <a:r>
+              <a:rPr lang="pt-BR" sz="2000" dirty="0">
+                <a:solidFill>
+                  <a:schemeClr val="tx1"/>
+                </a:solidFill>
+                <a:latin typeface="Times New Roman" panose="02020603050405020304" pitchFamily="18" charset="0"/>
+                <a:cs typeface="Times New Roman" panose="02020603050405020304" pitchFamily="18" charset="0"/>
+              </a:rPr>
+              <a:t>.log(</a:t>
+            </a:r>
+            <a:r>
+              <a:rPr lang="pt-BR" sz="2000" dirty="0" err="1">
+                <a:solidFill>
+                  <a:schemeClr val="tx1"/>
+                </a:solidFill>
+                <a:latin typeface="Times New Roman" panose="02020603050405020304" pitchFamily="18" charset="0"/>
+                <a:cs typeface="Times New Roman" panose="02020603050405020304" pitchFamily="18" charset="0"/>
+              </a:rPr>
+              <a:t>mesExtenso</a:t>
+            </a:r>
+            <a:r>
+              <a:rPr lang="pt-BR" sz="2000" dirty="0">
+                <a:solidFill>
+                  <a:schemeClr val="tx1"/>
+                </a:solidFill>
+                <a:latin typeface="Times New Roman" panose="02020603050405020304" pitchFamily="18" charset="0"/>
+                <a:cs typeface="Times New Roman" panose="02020603050405020304" pitchFamily="18" charset="0"/>
+              </a:rPr>
+              <a:t>);</a:t>
+            </a:r>
           </a:p>
         </p:txBody>
       </p:sp>
     </p:spTree>
     <p:extLst>
       <p:ext uri="{BB962C8B-B14F-4D97-AF65-F5344CB8AC3E}">
-        <p14:creationId xmlns:p14="http://schemas.microsoft.com/office/powerpoint/2010/main" val="2470652989"/>
+        <p14:creationId xmlns:p14="http://schemas.microsoft.com/office/powerpoint/2010/main" val="2333601425"/>
       </p:ext>
     </p:extLst>
   </p:cSld>
@@ -28086,12 +30060,20 @@
           <a:lstStyle/>
           <a:p>
             <a:r>
+              <a:rPr lang="en-US" b="1" dirty="0">
+                <a:solidFill>
+                  <a:srgbClr val="0070C0"/>
+                </a:solidFill>
+              </a:rPr>
+              <a:t>JS – </a:t>
+            </a:r>
+            <a:r>
               <a:rPr lang="en-US" b="1" dirty="0" err="1">
                 <a:solidFill>
                   <a:srgbClr val="0070C0"/>
                 </a:solidFill>
               </a:rPr>
-              <a:t>Referências</a:t>
+              <a:t>Manipulação</a:t>
             </a:r>
             <a:r>
               <a:rPr lang="en-US" b="1" dirty="0">
@@ -28099,7 +30081,7 @@
                   <a:srgbClr val="0070C0"/>
                 </a:solidFill>
               </a:rPr>
-              <a:t> </a:t>
+              <a:t> de </a:t>
             </a:r>
             <a:r>
               <a:rPr lang="en-US" b="1" dirty="0" err="1">
@@ -28107,13 +30089,4349 @@
                   <a:srgbClr val="0070C0"/>
                 </a:solidFill>
               </a:rPr>
-              <a:t>Bibliográficas</a:t>
+              <a:t>Datas</a:t>
             </a:r>
             <a:endParaRPr lang="en-US" b="1" dirty="0">
               <a:solidFill>
                 <a:srgbClr val="0070C0"/>
               </a:solidFill>
             </a:endParaRPr>
+          </a:p>
+        </p:txBody>
+      </p:sp>
+      <p:sp>
+        <p:nvSpPr>
+          <p:cNvPr id="8" name="Text Placeholder 2"/>
+          <p:cNvSpPr>
+            <a:spLocks noGrp="1"/>
+          </p:cNvSpPr>
+          <p:nvPr>
+            <p:ph type="body" sz="half" idx="1"/>
+          </p:nvPr>
+        </p:nvSpPr>
+        <p:spPr>
+          <a:xfrm>
+            <a:off x="142865" y="1024785"/>
+            <a:ext cx="8865056" cy="4035729"/>
+          </a:xfrm>
+        </p:spPr>
+        <p:txBody>
+          <a:bodyPr>
+            <a:noAutofit/>
+          </a:bodyPr>
+          <a:lstStyle/>
+          <a:p>
+            <a:pPr marL="0" indent="0" algn="just">
+              <a:buNone/>
+            </a:pPr>
+            <a:r>
+              <a:rPr lang="pt-BR" sz="2000" b="1" dirty="0" err="1">
+                <a:solidFill>
+                  <a:schemeClr val="tx1"/>
+                </a:solidFill>
+                <a:latin typeface="Times New Roman" panose="02020603050405020304" pitchFamily="18" charset="0"/>
+                <a:cs typeface="Times New Roman" panose="02020603050405020304" pitchFamily="18" charset="0"/>
+              </a:rPr>
+              <a:t>let</a:t>
+            </a:r>
+            <a:r>
+              <a:rPr lang="pt-BR" sz="2000" dirty="0">
+                <a:solidFill>
+                  <a:schemeClr val="tx1"/>
+                </a:solidFill>
+                <a:latin typeface="Times New Roman" panose="02020603050405020304" pitchFamily="18" charset="0"/>
+                <a:cs typeface="Times New Roman" panose="02020603050405020304" pitchFamily="18" charset="0"/>
+              </a:rPr>
+              <a:t> data = </a:t>
+            </a:r>
+            <a:r>
+              <a:rPr lang="pt-BR" sz="2000" b="1" dirty="0">
+                <a:solidFill>
+                  <a:schemeClr val="tx1"/>
+                </a:solidFill>
+                <a:latin typeface="Times New Roman" panose="02020603050405020304" pitchFamily="18" charset="0"/>
+                <a:cs typeface="Times New Roman" panose="02020603050405020304" pitchFamily="18" charset="0"/>
+              </a:rPr>
+              <a:t>new</a:t>
+            </a:r>
+            <a:r>
+              <a:rPr lang="pt-BR" sz="2000" dirty="0">
+                <a:solidFill>
+                  <a:schemeClr val="tx1"/>
+                </a:solidFill>
+                <a:latin typeface="Times New Roman" panose="02020603050405020304" pitchFamily="18" charset="0"/>
+                <a:cs typeface="Times New Roman" panose="02020603050405020304" pitchFamily="18" charset="0"/>
+              </a:rPr>
+              <a:t> </a:t>
+            </a:r>
+            <a:r>
+              <a:rPr lang="pt-BR" sz="2000" b="1" dirty="0">
+                <a:solidFill>
+                  <a:srgbClr val="FF0000"/>
+                </a:solidFill>
+                <a:latin typeface="Times New Roman" panose="02020603050405020304" pitchFamily="18" charset="0"/>
+                <a:cs typeface="Times New Roman" panose="02020603050405020304" pitchFamily="18" charset="0"/>
+              </a:rPr>
+              <a:t>Date</a:t>
+            </a:r>
+            <a:r>
+              <a:rPr lang="pt-BR" sz="2000" dirty="0">
+                <a:solidFill>
+                  <a:schemeClr val="tx1"/>
+                </a:solidFill>
+                <a:latin typeface="Times New Roman" panose="02020603050405020304" pitchFamily="18" charset="0"/>
+                <a:cs typeface="Times New Roman" panose="02020603050405020304" pitchFamily="18" charset="0"/>
+              </a:rPr>
+              <a:t>(); // </a:t>
+            </a:r>
+            <a:r>
+              <a:rPr lang="pt-BR" sz="2000" b="1" dirty="0">
+                <a:solidFill>
+                  <a:srgbClr val="FF0000"/>
+                </a:solidFill>
+                <a:latin typeface="Times New Roman" panose="02020603050405020304" pitchFamily="18" charset="0"/>
+                <a:cs typeface="Times New Roman" panose="02020603050405020304" pitchFamily="18" charset="0"/>
+              </a:rPr>
+              <a:t>Criar Data no padrão brasileiro </a:t>
+            </a:r>
+            <a:r>
+              <a:rPr lang="pt-BR" sz="2000" dirty="0">
+                <a:solidFill>
+                  <a:schemeClr val="tx1"/>
+                </a:solidFill>
+                <a:latin typeface="Times New Roman" panose="02020603050405020304" pitchFamily="18" charset="0"/>
+                <a:cs typeface="Times New Roman" panose="02020603050405020304" pitchFamily="18" charset="0"/>
+              </a:rPr>
+              <a:t>(</a:t>
+            </a:r>
+            <a:r>
+              <a:rPr lang="pt-BR" sz="2000" dirty="0" err="1">
+                <a:solidFill>
+                  <a:schemeClr val="tx1"/>
+                </a:solidFill>
+                <a:latin typeface="Times New Roman" panose="02020603050405020304" pitchFamily="18" charset="0"/>
+                <a:cs typeface="Times New Roman" panose="02020603050405020304" pitchFamily="18" charset="0"/>
+              </a:rPr>
+              <a:t>diaMes</a:t>
+            </a:r>
+            <a:r>
+              <a:rPr lang="pt-BR" sz="2000" dirty="0">
+                <a:solidFill>
+                  <a:schemeClr val="tx1"/>
+                </a:solidFill>
+                <a:latin typeface="Times New Roman" panose="02020603050405020304" pitchFamily="18" charset="0"/>
+                <a:cs typeface="Times New Roman" panose="02020603050405020304" pitchFamily="18" charset="0"/>
+              </a:rPr>
+              <a:t>; Mes; Ano)</a:t>
+            </a:r>
+          </a:p>
+          <a:p>
+            <a:pPr marL="0" indent="0" algn="just">
+              <a:buNone/>
+            </a:pPr>
+            <a:endParaRPr lang="pt-BR" sz="2000" dirty="0">
+              <a:solidFill>
+                <a:schemeClr val="tx1"/>
+              </a:solidFill>
+              <a:latin typeface="Times New Roman" panose="02020603050405020304" pitchFamily="18" charset="0"/>
+              <a:cs typeface="Times New Roman" panose="02020603050405020304" pitchFamily="18" charset="0"/>
+            </a:endParaRPr>
+          </a:p>
+          <a:p>
+            <a:pPr marL="0" indent="0" algn="just">
+              <a:buNone/>
+            </a:pPr>
+            <a:r>
+              <a:rPr lang="pt-BR" sz="2000" dirty="0">
+                <a:solidFill>
+                  <a:schemeClr val="tx1"/>
+                </a:solidFill>
+                <a:latin typeface="Times New Roman" panose="02020603050405020304" pitchFamily="18" charset="0"/>
+                <a:cs typeface="Times New Roman" panose="02020603050405020304" pitchFamily="18" charset="0"/>
+              </a:rPr>
+              <a:t>// Comparar Datas – Maior ou Menor</a:t>
+            </a:r>
+          </a:p>
+          <a:p>
+            <a:pPr marL="0" indent="0" algn="just">
+              <a:buNone/>
+            </a:pPr>
+            <a:r>
+              <a:rPr lang="pt-BR" sz="2000" b="1" dirty="0" err="1">
+                <a:solidFill>
+                  <a:schemeClr val="tx1"/>
+                </a:solidFill>
+                <a:latin typeface="Times New Roman" panose="02020603050405020304" pitchFamily="18" charset="0"/>
+                <a:cs typeface="Times New Roman" panose="02020603050405020304" pitchFamily="18" charset="0"/>
+              </a:rPr>
+              <a:t>let</a:t>
+            </a:r>
+            <a:r>
+              <a:rPr lang="pt-BR" sz="2000" dirty="0">
+                <a:solidFill>
+                  <a:schemeClr val="tx1"/>
+                </a:solidFill>
+                <a:latin typeface="Times New Roman" panose="02020603050405020304" pitchFamily="18" charset="0"/>
+                <a:cs typeface="Times New Roman" panose="02020603050405020304" pitchFamily="18" charset="0"/>
+              </a:rPr>
+              <a:t> hoje = </a:t>
+            </a:r>
+            <a:r>
+              <a:rPr lang="pt-BR" sz="2000" b="1" dirty="0">
+                <a:solidFill>
+                  <a:schemeClr val="tx1"/>
+                </a:solidFill>
+                <a:latin typeface="Times New Roman" panose="02020603050405020304" pitchFamily="18" charset="0"/>
+                <a:cs typeface="Times New Roman" panose="02020603050405020304" pitchFamily="18" charset="0"/>
+              </a:rPr>
+              <a:t>new</a:t>
+            </a:r>
+            <a:r>
+              <a:rPr lang="pt-BR" sz="2000" dirty="0">
+                <a:solidFill>
+                  <a:schemeClr val="tx1"/>
+                </a:solidFill>
+                <a:latin typeface="Times New Roman" panose="02020603050405020304" pitchFamily="18" charset="0"/>
+                <a:cs typeface="Times New Roman" panose="02020603050405020304" pitchFamily="18" charset="0"/>
+              </a:rPr>
+              <a:t> </a:t>
+            </a:r>
+            <a:r>
+              <a:rPr lang="pt-BR" sz="2000" b="1" dirty="0">
+                <a:solidFill>
+                  <a:srgbClr val="FF0000"/>
+                </a:solidFill>
+                <a:latin typeface="Times New Roman" panose="02020603050405020304" pitchFamily="18" charset="0"/>
+                <a:cs typeface="Times New Roman" panose="02020603050405020304" pitchFamily="18" charset="0"/>
+              </a:rPr>
+              <a:t>Date</a:t>
+            </a:r>
+            <a:r>
+              <a:rPr lang="pt-BR" sz="2000" dirty="0">
+                <a:solidFill>
+                  <a:schemeClr val="tx1"/>
+                </a:solidFill>
+                <a:latin typeface="Times New Roman" panose="02020603050405020304" pitchFamily="18" charset="0"/>
+                <a:cs typeface="Times New Roman" panose="02020603050405020304" pitchFamily="18" charset="0"/>
+              </a:rPr>
+              <a:t>();</a:t>
+            </a:r>
+          </a:p>
+          <a:p>
+            <a:pPr marL="0" indent="0" algn="just">
+              <a:buNone/>
+            </a:pPr>
+            <a:r>
+              <a:rPr lang="pt-BR" sz="2000" b="1" dirty="0" err="1">
+                <a:solidFill>
+                  <a:schemeClr val="tx1"/>
+                </a:solidFill>
+                <a:latin typeface="Times New Roman" panose="02020603050405020304" pitchFamily="18" charset="0"/>
+                <a:cs typeface="Times New Roman" panose="02020603050405020304" pitchFamily="18" charset="0"/>
+              </a:rPr>
+              <a:t>let</a:t>
+            </a:r>
+            <a:r>
+              <a:rPr lang="pt-BR" sz="2000" dirty="0">
+                <a:solidFill>
+                  <a:schemeClr val="tx1"/>
+                </a:solidFill>
+                <a:latin typeface="Times New Roman" panose="02020603050405020304" pitchFamily="18" charset="0"/>
+                <a:cs typeface="Times New Roman" panose="02020603050405020304" pitchFamily="18" charset="0"/>
+              </a:rPr>
+              <a:t> vencimento = new Date(2021, 1, 18); // Ano, mês, dia</a:t>
+            </a:r>
+          </a:p>
+          <a:p>
+            <a:pPr marL="0" indent="0" algn="just">
+              <a:buNone/>
+            </a:pPr>
+            <a:endParaRPr lang="pt-BR" sz="2000" dirty="0">
+              <a:solidFill>
+                <a:schemeClr val="tx1"/>
+              </a:solidFill>
+              <a:latin typeface="Times New Roman" panose="02020603050405020304" pitchFamily="18" charset="0"/>
+              <a:cs typeface="Times New Roman" panose="02020603050405020304" pitchFamily="18" charset="0"/>
+            </a:endParaRPr>
+          </a:p>
+          <a:p>
+            <a:pPr marL="0" indent="0" algn="just">
+              <a:buNone/>
+            </a:pPr>
+            <a:r>
+              <a:rPr lang="pt-BR" sz="2000" b="1" dirty="0" err="1">
+                <a:solidFill>
+                  <a:schemeClr val="tx1"/>
+                </a:solidFill>
+                <a:latin typeface="Times New Roman" panose="02020603050405020304" pitchFamily="18" charset="0"/>
+                <a:cs typeface="Times New Roman" panose="02020603050405020304" pitchFamily="18" charset="0"/>
+              </a:rPr>
+              <a:t>if</a:t>
+            </a:r>
+            <a:r>
+              <a:rPr lang="pt-BR" sz="2000" dirty="0">
+                <a:solidFill>
+                  <a:schemeClr val="tx1"/>
+                </a:solidFill>
+                <a:latin typeface="Times New Roman" panose="02020603050405020304" pitchFamily="18" charset="0"/>
+                <a:cs typeface="Times New Roman" panose="02020603050405020304" pitchFamily="18" charset="0"/>
+              </a:rPr>
+              <a:t> (hoje &gt; vencimento){</a:t>
+            </a:r>
+          </a:p>
+          <a:p>
+            <a:pPr marL="0" indent="0" algn="just">
+              <a:buNone/>
+            </a:pPr>
+            <a:r>
+              <a:rPr lang="pt-BR" sz="2000" dirty="0">
+                <a:solidFill>
+                  <a:schemeClr val="tx1"/>
+                </a:solidFill>
+                <a:latin typeface="Times New Roman" panose="02020603050405020304" pitchFamily="18" charset="0"/>
+                <a:cs typeface="Times New Roman" panose="02020603050405020304" pitchFamily="18" charset="0"/>
+              </a:rPr>
+              <a:t>	console.log(‘Documento Vencido!!!’) }</a:t>
+            </a:r>
+          </a:p>
+          <a:p>
+            <a:pPr marL="0" indent="0" algn="just">
+              <a:buNone/>
+            </a:pPr>
+            <a:r>
+              <a:rPr lang="pt-BR" sz="2000" b="1" dirty="0" err="1">
+                <a:solidFill>
+                  <a:schemeClr val="tx1"/>
+                </a:solidFill>
+                <a:latin typeface="Times New Roman" panose="02020603050405020304" pitchFamily="18" charset="0"/>
+                <a:cs typeface="Times New Roman" panose="02020603050405020304" pitchFamily="18" charset="0"/>
+              </a:rPr>
+              <a:t>else</a:t>
+            </a:r>
+            <a:r>
+              <a:rPr lang="pt-BR" sz="2000" dirty="0">
+                <a:solidFill>
+                  <a:schemeClr val="tx1"/>
+                </a:solidFill>
+                <a:latin typeface="Times New Roman" panose="02020603050405020304" pitchFamily="18" charset="0"/>
+                <a:cs typeface="Times New Roman" panose="02020603050405020304" pitchFamily="18" charset="0"/>
+              </a:rPr>
+              <a:t> {</a:t>
+            </a:r>
+          </a:p>
+          <a:p>
+            <a:pPr marL="0" indent="0" algn="just">
+              <a:buNone/>
+            </a:pPr>
+            <a:r>
+              <a:rPr lang="pt-BR" sz="2000" dirty="0">
+                <a:solidFill>
+                  <a:schemeClr val="tx1"/>
+                </a:solidFill>
+                <a:latin typeface="Times New Roman" panose="02020603050405020304" pitchFamily="18" charset="0"/>
+                <a:cs typeface="Times New Roman" panose="02020603050405020304" pitchFamily="18" charset="0"/>
+              </a:rPr>
+              <a:t>	console.log(‘Documento não venceu!!!’) }</a:t>
+            </a:r>
+          </a:p>
+        </p:txBody>
+      </p:sp>
+    </p:spTree>
+    <p:extLst>
+      <p:ext uri="{BB962C8B-B14F-4D97-AF65-F5344CB8AC3E}">
+        <p14:creationId xmlns:p14="http://schemas.microsoft.com/office/powerpoint/2010/main" val="2693287210"/>
+      </p:ext>
+    </p:extLst>
+  </p:cSld>
+  <p:clrMapOvr>
+    <a:masterClrMapping/>
+  </p:clrMapOvr>
+  <p:transition spd="med"/>
+</p:sld>
+</file>
+
+<file path=ppt/slides/slide58.xml><?xml version="1.0" encoding="utf-8"?>
+<p:sld xmlns:a="http://schemas.openxmlformats.org/drawingml/2006/main" xmlns:r="http://schemas.openxmlformats.org/officeDocument/2006/relationships" xmlns:p="http://schemas.openxmlformats.org/presentationml/2006/main">
+  <p:cSld>
+    <p:spTree>
+      <p:nvGrpSpPr>
+        <p:cNvPr id="1" name=""/>
+        <p:cNvGrpSpPr/>
+        <p:nvPr/>
+      </p:nvGrpSpPr>
+      <p:grpSpPr>
+        <a:xfrm>
+          <a:off x="0" y="0"/>
+          <a:ext cx="0" cy="0"/>
+          <a:chOff x="0" y="0"/>
+          <a:chExt cx="0" cy="0"/>
+        </a:xfrm>
+      </p:grpSpPr>
+      <p:sp>
+        <p:nvSpPr>
+          <p:cNvPr id="6" name="Title 1"/>
+          <p:cNvSpPr>
+            <a:spLocks noGrp="1"/>
+          </p:cNvSpPr>
+          <p:nvPr>
+            <p:ph type="title"/>
+          </p:nvPr>
+        </p:nvSpPr>
+        <p:spPr>
+          <a:xfrm>
+            <a:off x="457200" y="205980"/>
+            <a:ext cx="8229600" cy="857251"/>
+          </a:xfrm>
+        </p:spPr>
+        <p:txBody>
+          <a:bodyPr>
+            <a:normAutofit/>
+          </a:bodyPr>
+          <a:lstStyle/>
+          <a:p>
+            <a:r>
+              <a:rPr lang="en-US" b="1" dirty="0">
+                <a:solidFill>
+                  <a:srgbClr val="0070C0"/>
+                </a:solidFill>
+              </a:rPr>
+              <a:t>JS – </a:t>
+            </a:r>
+            <a:r>
+              <a:rPr lang="en-US" b="1" dirty="0" err="1">
+                <a:solidFill>
+                  <a:srgbClr val="0070C0"/>
+                </a:solidFill>
+              </a:rPr>
+              <a:t>Manipulação</a:t>
+            </a:r>
+            <a:r>
+              <a:rPr lang="en-US" b="1" dirty="0">
+                <a:solidFill>
+                  <a:srgbClr val="0070C0"/>
+                </a:solidFill>
+              </a:rPr>
+              <a:t> de </a:t>
+            </a:r>
+            <a:r>
+              <a:rPr lang="en-US" b="1" dirty="0" err="1">
+                <a:solidFill>
+                  <a:srgbClr val="0070C0"/>
+                </a:solidFill>
+              </a:rPr>
+              <a:t>Datas</a:t>
+            </a:r>
+            <a:endParaRPr lang="en-US" b="1" dirty="0">
+              <a:solidFill>
+                <a:srgbClr val="0070C0"/>
+              </a:solidFill>
+            </a:endParaRPr>
+          </a:p>
+        </p:txBody>
+      </p:sp>
+      <p:sp>
+        <p:nvSpPr>
+          <p:cNvPr id="8" name="Text Placeholder 2"/>
+          <p:cNvSpPr>
+            <a:spLocks noGrp="1"/>
+          </p:cNvSpPr>
+          <p:nvPr>
+            <p:ph type="body" sz="half" idx="1"/>
+          </p:nvPr>
+        </p:nvSpPr>
+        <p:spPr>
+          <a:xfrm>
+            <a:off x="142865" y="1024785"/>
+            <a:ext cx="8865056" cy="4035729"/>
+          </a:xfrm>
+        </p:spPr>
+        <p:txBody>
+          <a:bodyPr>
+            <a:noAutofit/>
+          </a:bodyPr>
+          <a:lstStyle/>
+          <a:p>
+            <a:pPr marL="0" indent="0" algn="just">
+              <a:buNone/>
+            </a:pPr>
+            <a:r>
+              <a:rPr lang="pt-BR" sz="2000" dirty="0">
+                <a:solidFill>
+                  <a:schemeClr val="tx1"/>
+                </a:solidFill>
+                <a:latin typeface="Times New Roman" panose="02020603050405020304" pitchFamily="18" charset="0"/>
+                <a:cs typeface="Times New Roman" panose="02020603050405020304" pitchFamily="18" charset="0"/>
+              </a:rPr>
+              <a:t>// </a:t>
+            </a:r>
+            <a:r>
+              <a:rPr lang="pt-BR" sz="2000" b="1" dirty="0">
+                <a:solidFill>
+                  <a:srgbClr val="FF0000"/>
+                </a:solidFill>
+                <a:latin typeface="Times New Roman" panose="02020603050405020304" pitchFamily="18" charset="0"/>
+                <a:cs typeface="Times New Roman" panose="02020603050405020304" pitchFamily="18" charset="0"/>
+              </a:rPr>
+              <a:t>Diferença em Dias Até o Final do Ano</a:t>
+            </a:r>
+          </a:p>
+          <a:p>
+            <a:pPr marL="0" indent="0" algn="just">
+              <a:buNone/>
+            </a:pPr>
+            <a:endParaRPr lang="pt-BR" sz="2000" dirty="0">
+              <a:solidFill>
+                <a:schemeClr val="tx1"/>
+              </a:solidFill>
+              <a:latin typeface="Times New Roman" panose="02020603050405020304" pitchFamily="18" charset="0"/>
+              <a:cs typeface="Times New Roman" panose="02020603050405020304" pitchFamily="18" charset="0"/>
+            </a:endParaRPr>
+          </a:p>
+          <a:p>
+            <a:pPr marL="0" indent="0" algn="just">
+              <a:buNone/>
+            </a:pPr>
+            <a:r>
+              <a:rPr lang="pt-BR" sz="2000" b="1" dirty="0" err="1">
+                <a:solidFill>
+                  <a:schemeClr val="tx1"/>
+                </a:solidFill>
+                <a:latin typeface="Times New Roman" panose="02020603050405020304" pitchFamily="18" charset="0"/>
+                <a:cs typeface="Times New Roman" panose="02020603050405020304" pitchFamily="18" charset="0"/>
+              </a:rPr>
+              <a:t>let</a:t>
+            </a:r>
+            <a:r>
+              <a:rPr lang="pt-BR" sz="2000" dirty="0">
+                <a:solidFill>
+                  <a:schemeClr val="tx1"/>
+                </a:solidFill>
+                <a:latin typeface="Times New Roman" panose="02020603050405020304" pitchFamily="18" charset="0"/>
+                <a:cs typeface="Times New Roman" panose="02020603050405020304" pitchFamily="18" charset="0"/>
+              </a:rPr>
+              <a:t> </a:t>
+            </a:r>
+            <a:r>
+              <a:rPr lang="pt-BR" sz="2000" dirty="0" err="1">
+                <a:solidFill>
+                  <a:schemeClr val="tx1"/>
+                </a:solidFill>
+                <a:latin typeface="Times New Roman" panose="02020603050405020304" pitchFamily="18" charset="0"/>
+                <a:cs typeface="Times New Roman" panose="02020603050405020304" pitchFamily="18" charset="0"/>
+              </a:rPr>
+              <a:t>dataInicial</a:t>
+            </a:r>
+            <a:r>
+              <a:rPr lang="pt-BR" sz="2000" dirty="0">
+                <a:solidFill>
+                  <a:schemeClr val="tx1"/>
+                </a:solidFill>
+                <a:latin typeface="Times New Roman" panose="02020603050405020304" pitchFamily="18" charset="0"/>
+                <a:cs typeface="Times New Roman" panose="02020603050405020304" pitchFamily="18" charset="0"/>
+              </a:rPr>
+              <a:t> = </a:t>
+            </a:r>
+            <a:r>
+              <a:rPr lang="pt-BR" sz="2000" b="1" dirty="0">
+                <a:solidFill>
+                  <a:schemeClr val="tx1"/>
+                </a:solidFill>
+                <a:latin typeface="Times New Roman" panose="02020603050405020304" pitchFamily="18" charset="0"/>
+                <a:cs typeface="Times New Roman" panose="02020603050405020304" pitchFamily="18" charset="0"/>
+              </a:rPr>
+              <a:t>new</a:t>
+            </a:r>
+            <a:r>
+              <a:rPr lang="pt-BR" sz="2000" dirty="0">
+                <a:solidFill>
+                  <a:schemeClr val="tx1"/>
+                </a:solidFill>
+                <a:latin typeface="Times New Roman" panose="02020603050405020304" pitchFamily="18" charset="0"/>
+                <a:cs typeface="Times New Roman" panose="02020603050405020304" pitchFamily="18" charset="0"/>
+              </a:rPr>
+              <a:t> </a:t>
+            </a:r>
+            <a:r>
+              <a:rPr lang="pt-BR" sz="2000" b="1" dirty="0">
+                <a:solidFill>
+                  <a:srgbClr val="FF0000"/>
+                </a:solidFill>
+                <a:latin typeface="Times New Roman" panose="02020603050405020304" pitchFamily="18" charset="0"/>
+                <a:cs typeface="Times New Roman" panose="02020603050405020304" pitchFamily="18" charset="0"/>
+              </a:rPr>
+              <a:t>Date</a:t>
+            </a:r>
+            <a:r>
+              <a:rPr lang="pt-BR" sz="2000" dirty="0">
+                <a:solidFill>
+                  <a:schemeClr val="tx1"/>
+                </a:solidFill>
+                <a:latin typeface="Times New Roman" panose="02020603050405020304" pitchFamily="18" charset="0"/>
+                <a:cs typeface="Times New Roman" panose="02020603050405020304" pitchFamily="18" charset="0"/>
+              </a:rPr>
+              <a:t>(); </a:t>
+            </a:r>
+          </a:p>
+          <a:p>
+            <a:pPr marL="0" indent="0" algn="just">
+              <a:buNone/>
+            </a:pPr>
+            <a:r>
+              <a:rPr lang="pt-BR" sz="2000" b="1" dirty="0" err="1">
+                <a:solidFill>
+                  <a:schemeClr val="tx1"/>
+                </a:solidFill>
+                <a:latin typeface="Times New Roman" panose="02020603050405020304" pitchFamily="18" charset="0"/>
+                <a:cs typeface="Times New Roman" panose="02020603050405020304" pitchFamily="18" charset="0"/>
+              </a:rPr>
+              <a:t>let</a:t>
+            </a:r>
+            <a:r>
+              <a:rPr lang="pt-BR" sz="2000" dirty="0">
+                <a:solidFill>
+                  <a:schemeClr val="tx1"/>
+                </a:solidFill>
+                <a:latin typeface="Times New Roman" panose="02020603050405020304" pitchFamily="18" charset="0"/>
+                <a:cs typeface="Times New Roman" panose="02020603050405020304" pitchFamily="18" charset="0"/>
+              </a:rPr>
+              <a:t> </a:t>
+            </a:r>
+            <a:r>
+              <a:rPr lang="pt-BR" sz="2000" dirty="0" err="1">
+                <a:solidFill>
+                  <a:schemeClr val="tx1"/>
+                </a:solidFill>
+                <a:latin typeface="Times New Roman" panose="02020603050405020304" pitchFamily="18" charset="0"/>
+                <a:cs typeface="Times New Roman" panose="02020603050405020304" pitchFamily="18" charset="0"/>
+              </a:rPr>
+              <a:t>dataFinal</a:t>
+            </a:r>
+            <a:r>
+              <a:rPr lang="pt-BR" sz="2000" dirty="0">
+                <a:solidFill>
+                  <a:schemeClr val="tx1"/>
+                </a:solidFill>
+                <a:latin typeface="Times New Roman" panose="02020603050405020304" pitchFamily="18" charset="0"/>
+                <a:cs typeface="Times New Roman" panose="02020603050405020304" pitchFamily="18" charset="0"/>
+              </a:rPr>
+              <a:t> = </a:t>
+            </a:r>
+            <a:r>
+              <a:rPr lang="pt-BR" sz="2000" b="1" dirty="0">
+                <a:solidFill>
+                  <a:schemeClr val="tx1"/>
+                </a:solidFill>
+                <a:latin typeface="Times New Roman" panose="02020603050405020304" pitchFamily="18" charset="0"/>
+                <a:cs typeface="Times New Roman" panose="02020603050405020304" pitchFamily="18" charset="0"/>
+              </a:rPr>
+              <a:t>new</a:t>
+            </a:r>
+            <a:r>
+              <a:rPr lang="pt-BR" sz="2000" dirty="0">
+                <a:solidFill>
+                  <a:schemeClr val="tx1"/>
+                </a:solidFill>
+                <a:latin typeface="Times New Roman" panose="02020603050405020304" pitchFamily="18" charset="0"/>
+                <a:cs typeface="Times New Roman" panose="02020603050405020304" pitchFamily="18" charset="0"/>
+              </a:rPr>
+              <a:t> </a:t>
+            </a:r>
+            <a:r>
+              <a:rPr lang="pt-BR" sz="2000" b="1" dirty="0">
+                <a:solidFill>
+                  <a:srgbClr val="FF0000"/>
+                </a:solidFill>
+                <a:latin typeface="Times New Roman" panose="02020603050405020304" pitchFamily="18" charset="0"/>
+                <a:cs typeface="Times New Roman" panose="02020603050405020304" pitchFamily="18" charset="0"/>
+              </a:rPr>
+              <a:t>Date</a:t>
+            </a:r>
+            <a:r>
+              <a:rPr lang="pt-BR" sz="2000" dirty="0">
+                <a:solidFill>
+                  <a:schemeClr val="tx1"/>
+                </a:solidFill>
+                <a:latin typeface="Times New Roman" panose="02020603050405020304" pitchFamily="18" charset="0"/>
+                <a:cs typeface="Times New Roman" panose="02020603050405020304" pitchFamily="18" charset="0"/>
+              </a:rPr>
+              <a:t>(2022, 11, 31); </a:t>
+            </a:r>
+          </a:p>
+          <a:p>
+            <a:pPr marL="0" indent="0" algn="just">
+              <a:buNone/>
+            </a:pPr>
+            <a:endParaRPr lang="pt-BR" sz="2000" dirty="0">
+              <a:solidFill>
+                <a:schemeClr val="tx1"/>
+              </a:solidFill>
+              <a:latin typeface="Times New Roman" panose="02020603050405020304" pitchFamily="18" charset="0"/>
+              <a:cs typeface="Times New Roman" panose="02020603050405020304" pitchFamily="18" charset="0"/>
+            </a:endParaRPr>
+          </a:p>
+          <a:p>
+            <a:pPr marL="0" indent="0" algn="just">
+              <a:buNone/>
+            </a:pPr>
+            <a:r>
+              <a:rPr lang="pt-BR" sz="2000" b="1" dirty="0" err="1">
+                <a:solidFill>
+                  <a:schemeClr val="tx1"/>
+                </a:solidFill>
+                <a:latin typeface="Times New Roman" panose="02020603050405020304" pitchFamily="18" charset="0"/>
+                <a:cs typeface="Times New Roman" panose="02020603050405020304" pitchFamily="18" charset="0"/>
+              </a:rPr>
+              <a:t>let</a:t>
+            </a:r>
+            <a:r>
+              <a:rPr lang="pt-BR" sz="2000" dirty="0">
+                <a:solidFill>
+                  <a:schemeClr val="tx1"/>
+                </a:solidFill>
+                <a:latin typeface="Times New Roman" panose="02020603050405020304" pitchFamily="18" charset="0"/>
+                <a:cs typeface="Times New Roman" panose="02020603050405020304" pitchFamily="18" charset="0"/>
+              </a:rPr>
+              <a:t> </a:t>
+            </a:r>
+            <a:r>
+              <a:rPr lang="pt-BR" sz="2000" dirty="0" err="1">
+                <a:solidFill>
+                  <a:schemeClr val="tx1"/>
+                </a:solidFill>
+                <a:latin typeface="Times New Roman" panose="02020603050405020304" pitchFamily="18" charset="0"/>
+                <a:cs typeface="Times New Roman" panose="02020603050405020304" pitchFamily="18" charset="0"/>
+              </a:rPr>
+              <a:t>diferencaTempo</a:t>
+            </a:r>
+            <a:r>
+              <a:rPr lang="pt-BR" sz="2000" dirty="0">
+                <a:solidFill>
+                  <a:schemeClr val="tx1"/>
+                </a:solidFill>
+                <a:latin typeface="Times New Roman" panose="02020603050405020304" pitchFamily="18" charset="0"/>
+                <a:cs typeface="Times New Roman" panose="02020603050405020304" pitchFamily="18" charset="0"/>
+              </a:rPr>
+              <a:t> = </a:t>
+            </a:r>
+            <a:r>
+              <a:rPr lang="pt-BR" sz="2000" dirty="0" err="1">
+                <a:solidFill>
+                  <a:schemeClr val="tx1"/>
+                </a:solidFill>
+                <a:latin typeface="Times New Roman" panose="02020603050405020304" pitchFamily="18" charset="0"/>
+                <a:cs typeface="Times New Roman" panose="02020603050405020304" pitchFamily="18" charset="0"/>
+              </a:rPr>
+              <a:t>dataFinal.getTime</a:t>
+            </a:r>
+            <a:r>
+              <a:rPr lang="pt-BR" sz="2000" dirty="0">
+                <a:solidFill>
+                  <a:schemeClr val="tx1"/>
+                </a:solidFill>
+                <a:latin typeface="Times New Roman" panose="02020603050405020304" pitchFamily="18" charset="0"/>
+                <a:cs typeface="Times New Roman" panose="02020603050405020304" pitchFamily="18" charset="0"/>
+              </a:rPr>
+              <a:t>() – </a:t>
+            </a:r>
+            <a:r>
+              <a:rPr lang="pt-BR" sz="2000" dirty="0" err="1">
+                <a:solidFill>
+                  <a:schemeClr val="tx1"/>
+                </a:solidFill>
+                <a:latin typeface="Times New Roman" panose="02020603050405020304" pitchFamily="18" charset="0"/>
+                <a:cs typeface="Times New Roman" panose="02020603050405020304" pitchFamily="18" charset="0"/>
+              </a:rPr>
+              <a:t>dataInicial.getTime</a:t>
+            </a:r>
+            <a:r>
+              <a:rPr lang="pt-BR" sz="2000" dirty="0">
+                <a:solidFill>
+                  <a:schemeClr val="tx1"/>
+                </a:solidFill>
+                <a:latin typeface="Times New Roman" panose="02020603050405020304" pitchFamily="18" charset="0"/>
+                <a:cs typeface="Times New Roman" panose="02020603050405020304" pitchFamily="18" charset="0"/>
+              </a:rPr>
+              <a:t>();</a:t>
+            </a:r>
+          </a:p>
+          <a:p>
+            <a:pPr marL="0" indent="0" algn="just">
+              <a:buNone/>
+            </a:pPr>
+            <a:endParaRPr lang="pt-BR" sz="2000" dirty="0">
+              <a:solidFill>
+                <a:schemeClr val="tx1"/>
+              </a:solidFill>
+              <a:latin typeface="Times New Roman" panose="02020603050405020304" pitchFamily="18" charset="0"/>
+              <a:cs typeface="Times New Roman" panose="02020603050405020304" pitchFamily="18" charset="0"/>
+            </a:endParaRPr>
+          </a:p>
+          <a:p>
+            <a:pPr marL="0" indent="0" algn="just">
+              <a:buNone/>
+            </a:pPr>
+            <a:r>
+              <a:rPr lang="pt-BR" sz="2000" b="1" dirty="0" err="1">
+                <a:solidFill>
+                  <a:schemeClr val="tx1"/>
+                </a:solidFill>
+                <a:latin typeface="Times New Roman" panose="02020603050405020304" pitchFamily="18" charset="0"/>
+                <a:cs typeface="Times New Roman" panose="02020603050405020304" pitchFamily="18" charset="0"/>
+              </a:rPr>
+              <a:t>let</a:t>
+            </a:r>
+            <a:r>
+              <a:rPr lang="pt-BR" sz="2000" dirty="0">
+                <a:solidFill>
+                  <a:schemeClr val="tx1"/>
+                </a:solidFill>
+                <a:latin typeface="Times New Roman" panose="02020603050405020304" pitchFamily="18" charset="0"/>
+                <a:cs typeface="Times New Roman" panose="02020603050405020304" pitchFamily="18" charset="0"/>
+              </a:rPr>
+              <a:t> </a:t>
+            </a:r>
+            <a:r>
+              <a:rPr lang="pt-BR" sz="2000" dirty="0" err="1">
+                <a:solidFill>
+                  <a:schemeClr val="tx1"/>
+                </a:solidFill>
+                <a:latin typeface="Times New Roman" panose="02020603050405020304" pitchFamily="18" charset="0"/>
+                <a:cs typeface="Times New Roman" panose="02020603050405020304" pitchFamily="18" charset="0"/>
+              </a:rPr>
+              <a:t>diferencaDias</a:t>
+            </a:r>
+            <a:r>
+              <a:rPr lang="pt-BR" sz="2000" dirty="0">
+                <a:solidFill>
+                  <a:schemeClr val="tx1"/>
+                </a:solidFill>
+                <a:latin typeface="Times New Roman" panose="02020603050405020304" pitchFamily="18" charset="0"/>
+                <a:cs typeface="Times New Roman" panose="02020603050405020304" pitchFamily="18" charset="0"/>
+              </a:rPr>
+              <a:t> = </a:t>
+            </a:r>
+            <a:r>
+              <a:rPr lang="pt-BR" sz="2000" b="1" dirty="0" err="1">
+                <a:solidFill>
+                  <a:schemeClr val="tx1"/>
+                </a:solidFill>
+                <a:latin typeface="Times New Roman" panose="02020603050405020304" pitchFamily="18" charset="0"/>
+                <a:cs typeface="Times New Roman" panose="02020603050405020304" pitchFamily="18" charset="0"/>
+              </a:rPr>
+              <a:t>Math</a:t>
+            </a:r>
+            <a:r>
+              <a:rPr lang="pt-BR" sz="2000" dirty="0" err="1">
+                <a:solidFill>
+                  <a:schemeClr val="tx1"/>
+                </a:solidFill>
+                <a:latin typeface="Times New Roman" panose="02020603050405020304" pitchFamily="18" charset="0"/>
+                <a:cs typeface="Times New Roman" panose="02020603050405020304" pitchFamily="18" charset="0"/>
+              </a:rPr>
+              <a:t>.ceil</a:t>
+            </a:r>
+            <a:r>
+              <a:rPr lang="pt-BR" sz="2000" dirty="0">
+                <a:solidFill>
+                  <a:schemeClr val="tx1"/>
+                </a:solidFill>
+                <a:latin typeface="Times New Roman" panose="02020603050405020304" pitchFamily="18" charset="0"/>
+                <a:cs typeface="Times New Roman" panose="02020603050405020304" pitchFamily="18" charset="0"/>
+              </a:rPr>
+              <a:t>(</a:t>
+            </a:r>
+            <a:r>
+              <a:rPr lang="pt-BR" sz="2000" dirty="0" err="1">
+                <a:solidFill>
+                  <a:schemeClr val="tx1"/>
+                </a:solidFill>
+                <a:latin typeface="Times New Roman" panose="02020603050405020304" pitchFamily="18" charset="0"/>
+                <a:cs typeface="Times New Roman" panose="02020603050405020304" pitchFamily="18" charset="0"/>
+              </a:rPr>
+              <a:t>diferencaTempo</a:t>
+            </a:r>
+            <a:r>
+              <a:rPr lang="pt-BR" sz="2000" dirty="0">
+                <a:solidFill>
+                  <a:schemeClr val="tx1"/>
+                </a:solidFill>
+                <a:latin typeface="Times New Roman" panose="02020603050405020304" pitchFamily="18" charset="0"/>
+                <a:cs typeface="Times New Roman" panose="02020603050405020304" pitchFamily="18" charset="0"/>
+              </a:rPr>
+              <a:t> / (24 * 60 * 60 * 1000) );</a:t>
+            </a:r>
+          </a:p>
+          <a:p>
+            <a:pPr marL="0" indent="0" algn="just">
+              <a:buNone/>
+            </a:pPr>
+            <a:endParaRPr lang="pt-BR" sz="2000" dirty="0">
+              <a:solidFill>
+                <a:schemeClr val="tx1"/>
+              </a:solidFill>
+              <a:latin typeface="Times New Roman" panose="02020603050405020304" pitchFamily="18" charset="0"/>
+              <a:cs typeface="Times New Roman" panose="02020603050405020304" pitchFamily="18" charset="0"/>
+            </a:endParaRPr>
+          </a:p>
+          <a:p>
+            <a:pPr marL="0" indent="0" algn="just">
+              <a:buNone/>
+            </a:pPr>
+            <a:r>
+              <a:rPr lang="pt-BR" sz="2000" b="1" dirty="0">
+                <a:solidFill>
+                  <a:schemeClr val="tx1"/>
+                </a:solidFill>
+                <a:latin typeface="Times New Roman" panose="02020603050405020304" pitchFamily="18" charset="0"/>
+                <a:cs typeface="Times New Roman" panose="02020603050405020304" pitchFamily="18" charset="0"/>
+              </a:rPr>
+              <a:t>console</a:t>
+            </a:r>
+            <a:r>
+              <a:rPr lang="pt-BR" sz="2000" dirty="0">
+                <a:solidFill>
+                  <a:schemeClr val="tx1"/>
+                </a:solidFill>
+                <a:latin typeface="Times New Roman" panose="02020603050405020304" pitchFamily="18" charset="0"/>
+                <a:cs typeface="Times New Roman" panose="02020603050405020304" pitchFamily="18" charset="0"/>
+              </a:rPr>
+              <a:t>.log(</a:t>
+            </a:r>
+            <a:r>
+              <a:rPr lang="pt-BR" sz="2000" dirty="0" err="1">
+                <a:solidFill>
+                  <a:schemeClr val="tx1"/>
+                </a:solidFill>
+                <a:latin typeface="Times New Roman" panose="02020603050405020304" pitchFamily="18" charset="0"/>
+                <a:cs typeface="Times New Roman" panose="02020603050405020304" pitchFamily="18" charset="0"/>
+              </a:rPr>
+              <a:t>diferencaDias</a:t>
+            </a:r>
+            <a:r>
+              <a:rPr lang="pt-BR" sz="2000" dirty="0">
+                <a:solidFill>
+                  <a:schemeClr val="tx1"/>
+                </a:solidFill>
+                <a:latin typeface="Times New Roman" panose="02020603050405020304" pitchFamily="18" charset="0"/>
+                <a:cs typeface="Times New Roman" panose="02020603050405020304" pitchFamily="18" charset="0"/>
+              </a:rPr>
+              <a:t> + “dias”);</a:t>
+            </a:r>
+          </a:p>
+          <a:p>
+            <a:pPr marL="0" indent="0" algn="just">
+              <a:buNone/>
+            </a:pPr>
+            <a:endParaRPr lang="pt-BR" sz="2000" dirty="0">
+              <a:solidFill>
+                <a:schemeClr val="tx1"/>
+              </a:solidFill>
+              <a:latin typeface="Times New Roman" panose="02020603050405020304" pitchFamily="18" charset="0"/>
+              <a:cs typeface="Times New Roman" panose="02020603050405020304" pitchFamily="18" charset="0"/>
+            </a:endParaRPr>
+          </a:p>
+        </p:txBody>
+      </p:sp>
+    </p:spTree>
+    <p:extLst>
+      <p:ext uri="{BB962C8B-B14F-4D97-AF65-F5344CB8AC3E}">
+        <p14:creationId xmlns:p14="http://schemas.microsoft.com/office/powerpoint/2010/main" val="3263945805"/>
+      </p:ext>
+    </p:extLst>
+  </p:cSld>
+  <p:clrMapOvr>
+    <a:masterClrMapping/>
+  </p:clrMapOvr>
+  <p:transition spd="med"/>
+</p:sld>
+</file>
+
+<file path=ppt/slides/slide59.xml><?xml version="1.0" encoding="utf-8"?>
+<p:sld xmlns:a="http://schemas.openxmlformats.org/drawingml/2006/main" xmlns:r="http://schemas.openxmlformats.org/officeDocument/2006/relationships" xmlns:p="http://schemas.openxmlformats.org/presentationml/2006/main">
+  <p:cSld>
+    <p:spTree>
+      <p:nvGrpSpPr>
+        <p:cNvPr id="1" name=""/>
+        <p:cNvGrpSpPr/>
+        <p:nvPr/>
+      </p:nvGrpSpPr>
+      <p:grpSpPr>
+        <a:xfrm>
+          <a:off x="0" y="0"/>
+          <a:ext cx="0" cy="0"/>
+          <a:chOff x="0" y="0"/>
+          <a:chExt cx="0" cy="0"/>
+        </a:xfrm>
+      </p:grpSpPr>
+      <p:sp>
+        <p:nvSpPr>
+          <p:cNvPr id="6" name="Title 1"/>
+          <p:cNvSpPr>
+            <a:spLocks noGrp="1"/>
+          </p:cNvSpPr>
+          <p:nvPr>
+            <p:ph type="title"/>
+          </p:nvPr>
+        </p:nvSpPr>
+        <p:spPr>
+          <a:xfrm>
+            <a:off x="457200" y="205980"/>
+            <a:ext cx="8229600" cy="857251"/>
+          </a:xfrm>
+        </p:spPr>
+        <p:txBody>
+          <a:bodyPr>
+            <a:normAutofit/>
+          </a:bodyPr>
+          <a:lstStyle/>
+          <a:p>
+            <a:r>
+              <a:rPr lang="en-US" b="1" dirty="0">
+                <a:solidFill>
+                  <a:srgbClr val="0070C0"/>
+                </a:solidFill>
+              </a:rPr>
+              <a:t>JS – </a:t>
+            </a:r>
+            <a:r>
+              <a:rPr lang="en-US" b="1" dirty="0" err="1">
+                <a:solidFill>
+                  <a:srgbClr val="0070C0"/>
+                </a:solidFill>
+              </a:rPr>
+              <a:t>Json</a:t>
+            </a:r>
+            <a:endParaRPr lang="en-US" b="1" dirty="0">
+              <a:solidFill>
+                <a:srgbClr val="0070C0"/>
+              </a:solidFill>
+            </a:endParaRPr>
+          </a:p>
+        </p:txBody>
+      </p:sp>
+      <p:sp>
+        <p:nvSpPr>
+          <p:cNvPr id="8" name="Text Placeholder 2"/>
+          <p:cNvSpPr>
+            <a:spLocks noGrp="1"/>
+          </p:cNvSpPr>
+          <p:nvPr>
+            <p:ph type="body" sz="half" idx="1"/>
+          </p:nvPr>
+        </p:nvSpPr>
+        <p:spPr>
+          <a:xfrm>
+            <a:off x="142865" y="1024785"/>
+            <a:ext cx="8865056" cy="4035729"/>
+          </a:xfrm>
+        </p:spPr>
+        <p:txBody>
+          <a:bodyPr>
+            <a:noAutofit/>
+          </a:bodyPr>
+          <a:lstStyle/>
+          <a:p>
+            <a:pPr marL="0" indent="0" algn="just">
+              <a:buNone/>
+            </a:pPr>
+            <a:r>
+              <a:rPr lang="pt-BR" sz="2000" dirty="0">
+                <a:solidFill>
+                  <a:schemeClr val="tx1"/>
+                </a:solidFill>
+                <a:latin typeface="Times New Roman" panose="02020603050405020304" pitchFamily="18" charset="0"/>
+                <a:cs typeface="Times New Roman" panose="02020603050405020304" pitchFamily="18" charset="0"/>
+              </a:rPr>
+              <a:t>Significa </a:t>
+            </a:r>
+            <a:r>
+              <a:rPr lang="pt-BR" sz="2000" b="1" dirty="0" err="1">
+                <a:solidFill>
+                  <a:schemeClr val="tx1"/>
+                </a:solidFill>
+                <a:latin typeface="Times New Roman" panose="02020603050405020304" pitchFamily="18" charset="0"/>
+                <a:cs typeface="Times New Roman" panose="02020603050405020304" pitchFamily="18" charset="0"/>
+              </a:rPr>
+              <a:t>JavaScript</a:t>
+            </a:r>
+            <a:r>
+              <a:rPr lang="pt-BR" sz="2000" b="1" dirty="0">
+                <a:solidFill>
+                  <a:schemeClr val="tx1"/>
+                </a:solidFill>
+                <a:latin typeface="Times New Roman" panose="02020603050405020304" pitchFamily="18" charset="0"/>
+                <a:cs typeface="Times New Roman" panose="02020603050405020304" pitchFamily="18" charset="0"/>
+              </a:rPr>
+              <a:t> </a:t>
+            </a:r>
+            <a:r>
+              <a:rPr lang="pt-BR" sz="2000" b="1" dirty="0" err="1">
+                <a:solidFill>
+                  <a:schemeClr val="tx1"/>
+                </a:solidFill>
+                <a:latin typeface="Times New Roman" panose="02020603050405020304" pitchFamily="18" charset="0"/>
+                <a:cs typeface="Times New Roman" panose="02020603050405020304" pitchFamily="18" charset="0"/>
+              </a:rPr>
+              <a:t>Object</a:t>
+            </a:r>
+            <a:r>
+              <a:rPr lang="pt-BR" sz="2000" b="1" dirty="0">
+                <a:solidFill>
+                  <a:schemeClr val="tx1"/>
+                </a:solidFill>
+                <a:latin typeface="Times New Roman" panose="02020603050405020304" pitchFamily="18" charset="0"/>
+                <a:cs typeface="Times New Roman" panose="02020603050405020304" pitchFamily="18" charset="0"/>
+              </a:rPr>
+              <a:t> </a:t>
+            </a:r>
+            <a:r>
+              <a:rPr lang="pt-BR" sz="2000" b="1" dirty="0" err="1">
+                <a:solidFill>
+                  <a:schemeClr val="tx1"/>
+                </a:solidFill>
+                <a:latin typeface="Times New Roman" panose="02020603050405020304" pitchFamily="18" charset="0"/>
+                <a:cs typeface="Times New Roman" panose="02020603050405020304" pitchFamily="18" charset="0"/>
+              </a:rPr>
+              <a:t>Notation</a:t>
+            </a:r>
+            <a:r>
+              <a:rPr lang="pt-BR" sz="2000" dirty="0">
+                <a:solidFill>
+                  <a:schemeClr val="tx1"/>
+                </a:solidFill>
+                <a:latin typeface="Times New Roman" panose="02020603050405020304" pitchFamily="18" charset="0"/>
+                <a:cs typeface="Times New Roman" panose="02020603050405020304" pitchFamily="18" charset="0"/>
+              </a:rPr>
+              <a:t> (Notação de objeto </a:t>
+            </a:r>
+            <a:r>
+              <a:rPr lang="pt-BR" sz="2000" dirty="0" err="1">
+                <a:solidFill>
+                  <a:schemeClr val="tx1"/>
+                </a:solidFill>
+                <a:latin typeface="Times New Roman" panose="02020603050405020304" pitchFamily="18" charset="0"/>
+                <a:cs typeface="Times New Roman" panose="02020603050405020304" pitchFamily="18" charset="0"/>
+              </a:rPr>
+              <a:t>JavaScript</a:t>
+            </a:r>
+            <a:r>
+              <a:rPr lang="pt-BR" sz="2000" dirty="0">
+                <a:solidFill>
+                  <a:schemeClr val="tx1"/>
+                </a:solidFill>
+                <a:latin typeface="Times New Roman" panose="02020603050405020304" pitchFamily="18" charset="0"/>
+                <a:cs typeface="Times New Roman" panose="02020603050405020304" pitchFamily="18" charset="0"/>
+              </a:rPr>
+              <a:t>), que tem como finalidade converter um objeto em texto e vice-versa. </a:t>
+            </a:r>
+          </a:p>
+          <a:p>
+            <a:pPr marL="0" indent="0" algn="just">
+              <a:buNone/>
+            </a:pPr>
+            <a:endParaRPr lang="pt-BR" sz="2000" dirty="0">
+              <a:solidFill>
+                <a:schemeClr val="tx1"/>
+              </a:solidFill>
+              <a:latin typeface="Times New Roman" panose="02020603050405020304" pitchFamily="18" charset="0"/>
+              <a:cs typeface="Times New Roman" panose="02020603050405020304" pitchFamily="18" charset="0"/>
+            </a:endParaRPr>
+          </a:p>
+          <a:p>
+            <a:pPr marL="0" indent="0" algn="just">
+              <a:buNone/>
+            </a:pPr>
+            <a:r>
+              <a:rPr lang="pt-BR" sz="2000" dirty="0">
+                <a:solidFill>
+                  <a:schemeClr val="tx1"/>
+                </a:solidFill>
+                <a:latin typeface="Times New Roman" panose="02020603050405020304" pitchFamily="18" charset="0"/>
+                <a:cs typeface="Times New Roman" panose="02020603050405020304" pitchFamily="18" charset="0"/>
+              </a:rPr>
+              <a:t>Utilizado para transferência de dados entre sistemas.</a:t>
+            </a:r>
+          </a:p>
+          <a:p>
+            <a:pPr marL="0" indent="0" algn="just">
+              <a:buNone/>
+            </a:pPr>
+            <a:endParaRPr lang="pt-BR" sz="2000" dirty="0">
+              <a:solidFill>
+                <a:schemeClr val="tx1"/>
+              </a:solidFill>
+              <a:latin typeface="Times New Roman" panose="02020603050405020304" pitchFamily="18" charset="0"/>
+              <a:cs typeface="Times New Roman" panose="02020603050405020304" pitchFamily="18" charset="0"/>
+            </a:endParaRPr>
+          </a:p>
+          <a:p>
+            <a:pPr marL="0" indent="0" algn="just">
+              <a:buNone/>
+            </a:pPr>
+            <a:r>
+              <a:rPr lang="pt-BR" sz="2000" dirty="0">
+                <a:solidFill>
+                  <a:schemeClr val="tx1"/>
+                </a:solidFill>
+                <a:latin typeface="Times New Roman" panose="02020603050405020304" pitchFamily="18" charset="0"/>
+                <a:cs typeface="Times New Roman" panose="02020603050405020304" pitchFamily="18" charset="0"/>
+              </a:rPr>
+              <a:t>Métodos:</a:t>
+            </a:r>
+          </a:p>
+          <a:p>
+            <a:pPr marL="0" indent="0" algn="just">
+              <a:buNone/>
+            </a:pPr>
+            <a:r>
+              <a:rPr lang="pt-BR" sz="2000" dirty="0">
+                <a:solidFill>
+                  <a:schemeClr val="tx1"/>
+                </a:solidFill>
+                <a:latin typeface="Times New Roman" panose="02020603050405020304" pitchFamily="18" charset="0"/>
+                <a:cs typeface="Times New Roman" panose="02020603050405020304" pitchFamily="18" charset="0"/>
+              </a:rPr>
+              <a:t>	1. </a:t>
+            </a:r>
+            <a:r>
+              <a:rPr lang="pt-BR" sz="2000" b="1" dirty="0" err="1">
+                <a:solidFill>
+                  <a:schemeClr val="tx1"/>
+                </a:solidFill>
+                <a:latin typeface="Times New Roman" panose="02020603050405020304" pitchFamily="18" charset="0"/>
+                <a:cs typeface="Times New Roman" panose="02020603050405020304" pitchFamily="18" charset="0"/>
+              </a:rPr>
+              <a:t>JSON</a:t>
+            </a:r>
+            <a:r>
+              <a:rPr lang="pt-BR" sz="2000" dirty="0" err="1">
+                <a:solidFill>
+                  <a:schemeClr val="tx1"/>
+                </a:solidFill>
+                <a:latin typeface="Times New Roman" panose="02020603050405020304" pitchFamily="18" charset="0"/>
+                <a:cs typeface="Times New Roman" panose="02020603050405020304" pitchFamily="18" charset="0"/>
+              </a:rPr>
+              <a:t>.</a:t>
+            </a:r>
+            <a:r>
+              <a:rPr lang="pt-BR" sz="2000" b="1" dirty="0" err="1">
+                <a:solidFill>
+                  <a:srgbClr val="FF0000"/>
+                </a:solidFill>
+                <a:latin typeface="Times New Roman" panose="02020603050405020304" pitchFamily="18" charset="0"/>
+                <a:cs typeface="Times New Roman" panose="02020603050405020304" pitchFamily="18" charset="0"/>
+              </a:rPr>
+              <a:t>parse</a:t>
+            </a:r>
+            <a:r>
+              <a:rPr lang="pt-BR" sz="2000" dirty="0">
+                <a:solidFill>
+                  <a:schemeClr val="tx1"/>
+                </a:solidFill>
+                <a:latin typeface="Times New Roman" panose="02020603050405020304" pitchFamily="18" charset="0"/>
+                <a:cs typeface="Times New Roman" panose="02020603050405020304" pitchFamily="18" charset="0"/>
+              </a:rPr>
+              <a:t>() -&gt; converte texto para JSON em objetos;</a:t>
+            </a:r>
+          </a:p>
+          <a:p>
+            <a:pPr marL="0" indent="0" algn="just">
+              <a:buNone/>
+            </a:pPr>
+            <a:r>
+              <a:rPr lang="pt-BR" sz="2000" dirty="0">
+                <a:solidFill>
+                  <a:schemeClr val="tx1"/>
+                </a:solidFill>
+                <a:latin typeface="Times New Roman" panose="02020603050405020304" pitchFamily="18" charset="0"/>
+                <a:cs typeface="Times New Roman" panose="02020603050405020304" pitchFamily="18" charset="0"/>
+              </a:rPr>
+              <a:t>	2. </a:t>
+            </a:r>
+            <a:r>
+              <a:rPr lang="pt-BR" sz="2000" b="1" dirty="0" err="1">
+                <a:solidFill>
+                  <a:schemeClr val="tx1"/>
+                </a:solidFill>
+                <a:latin typeface="Times New Roman" panose="02020603050405020304" pitchFamily="18" charset="0"/>
+                <a:cs typeface="Times New Roman" panose="02020603050405020304" pitchFamily="18" charset="0"/>
+              </a:rPr>
+              <a:t>JSON</a:t>
+            </a:r>
+            <a:r>
+              <a:rPr lang="pt-BR" sz="2000" dirty="0" err="1">
+                <a:solidFill>
+                  <a:schemeClr val="tx1"/>
+                </a:solidFill>
+                <a:latin typeface="Times New Roman" panose="02020603050405020304" pitchFamily="18" charset="0"/>
+                <a:cs typeface="Times New Roman" panose="02020603050405020304" pitchFamily="18" charset="0"/>
+              </a:rPr>
+              <a:t>.</a:t>
+            </a:r>
+            <a:r>
+              <a:rPr lang="pt-BR" sz="2000" b="1" dirty="0" err="1">
+                <a:solidFill>
+                  <a:srgbClr val="FF0000"/>
+                </a:solidFill>
+                <a:latin typeface="Times New Roman" panose="02020603050405020304" pitchFamily="18" charset="0"/>
+                <a:cs typeface="Times New Roman" panose="02020603050405020304" pitchFamily="18" charset="0"/>
+              </a:rPr>
+              <a:t>stringify</a:t>
+            </a:r>
+            <a:r>
+              <a:rPr lang="pt-BR" sz="2000" dirty="0">
+                <a:solidFill>
+                  <a:schemeClr val="tx1"/>
+                </a:solidFill>
+                <a:latin typeface="Times New Roman" panose="02020603050405020304" pitchFamily="18" charset="0"/>
+                <a:cs typeface="Times New Roman" panose="02020603050405020304" pitchFamily="18" charset="0"/>
+              </a:rPr>
+              <a:t>() -&gt; converte objetos em texto padrão JSON.</a:t>
+            </a:r>
+          </a:p>
+          <a:p>
+            <a:pPr marL="0" indent="0" algn="just">
+              <a:buNone/>
+            </a:pPr>
+            <a:endParaRPr lang="pt-BR" sz="2000" dirty="0">
+              <a:solidFill>
+                <a:schemeClr val="tx1"/>
+              </a:solidFill>
+              <a:latin typeface="Times New Roman" panose="02020603050405020304" pitchFamily="18" charset="0"/>
+              <a:cs typeface="Times New Roman" panose="02020603050405020304" pitchFamily="18" charset="0"/>
+            </a:endParaRPr>
+          </a:p>
+          <a:p>
+            <a:pPr marL="0" indent="0" algn="just">
+              <a:buNone/>
+            </a:pPr>
+            <a:endParaRPr lang="pt-BR" sz="2000" dirty="0">
+              <a:solidFill>
+                <a:schemeClr val="tx1"/>
+              </a:solidFill>
+              <a:latin typeface="Times New Roman" panose="02020603050405020304" pitchFamily="18" charset="0"/>
+              <a:cs typeface="Times New Roman" panose="02020603050405020304" pitchFamily="18" charset="0"/>
+            </a:endParaRPr>
+          </a:p>
+          <a:p>
+            <a:pPr marL="0" indent="0" algn="just">
+              <a:buNone/>
+            </a:pPr>
+            <a:endParaRPr lang="pt-BR" sz="2000" dirty="0">
+              <a:solidFill>
+                <a:schemeClr val="tx1"/>
+              </a:solidFill>
+              <a:latin typeface="Times New Roman" panose="02020603050405020304" pitchFamily="18" charset="0"/>
+              <a:cs typeface="Times New Roman" panose="02020603050405020304" pitchFamily="18" charset="0"/>
+            </a:endParaRPr>
+          </a:p>
+          <a:p>
+            <a:pPr marL="0" indent="0" algn="just">
+              <a:buNone/>
+            </a:pPr>
+            <a:endParaRPr lang="pt-BR" sz="2000" dirty="0">
+              <a:solidFill>
+                <a:schemeClr val="tx1"/>
+              </a:solidFill>
+              <a:latin typeface="Times New Roman" panose="02020603050405020304" pitchFamily="18" charset="0"/>
+              <a:cs typeface="Times New Roman" panose="02020603050405020304" pitchFamily="18" charset="0"/>
+            </a:endParaRPr>
+          </a:p>
+        </p:txBody>
+      </p:sp>
+    </p:spTree>
+    <p:extLst>
+      <p:ext uri="{BB962C8B-B14F-4D97-AF65-F5344CB8AC3E}">
+        <p14:creationId xmlns:p14="http://schemas.microsoft.com/office/powerpoint/2010/main" val="3755201325"/>
+      </p:ext>
+    </p:extLst>
+  </p:cSld>
+  <p:clrMapOvr>
+    <a:masterClrMapping/>
+  </p:clrMapOvr>
+  <p:transition spd="med"/>
+</p:sld>
+</file>
+
+<file path=ppt/slides/slide6.xml><?xml version="1.0" encoding="utf-8"?>
+<p:sld xmlns:a="http://schemas.openxmlformats.org/drawingml/2006/main" xmlns:r="http://schemas.openxmlformats.org/officeDocument/2006/relationships" xmlns:p="http://schemas.openxmlformats.org/presentationml/2006/main">
+  <p:cSld>
+    <p:spTree>
+      <p:nvGrpSpPr>
+        <p:cNvPr id="1" name=""/>
+        <p:cNvGrpSpPr/>
+        <p:nvPr/>
+      </p:nvGrpSpPr>
+      <p:grpSpPr>
+        <a:xfrm>
+          <a:off x="0" y="0"/>
+          <a:ext cx="0" cy="0"/>
+          <a:chOff x="0" y="0"/>
+          <a:chExt cx="0" cy="0"/>
+        </a:xfrm>
+      </p:grpSpPr>
+      <p:sp>
+        <p:nvSpPr>
+          <p:cNvPr id="6" name="Title 1"/>
+          <p:cNvSpPr>
+            <a:spLocks noGrp="1"/>
+          </p:cNvSpPr>
+          <p:nvPr>
+            <p:ph type="title"/>
+          </p:nvPr>
+        </p:nvSpPr>
+        <p:spPr>
+          <a:xfrm>
+            <a:off x="457200" y="205980"/>
+            <a:ext cx="8229600" cy="857251"/>
+          </a:xfrm>
+        </p:spPr>
+        <p:txBody>
+          <a:bodyPr>
+            <a:normAutofit/>
+          </a:bodyPr>
+          <a:lstStyle/>
+          <a:p>
+            <a:r>
+              <a:rPr lang="en-US" b="1" dirty="0">
+                <a:solidFill>
+                  <a:srgbClr val="0070C0"/>
+                </a:solidFill>
+              </a:rPr>
+              <a:t>JS – </a:t>
+            </a:r>
+            <a:r>
+              <a:rPr lang="en-US" b="1" dirty="0" err="1">
+                <a:solidFill>
+                  <a:srgbClr val="0070C0"/>
+                </a:solidFill>
+              </a:rPr>
+              <a:t>Atribuição</a:t>
+            </a:r>
+            <a:r>
+              <a:rPr lang="en-US" b="1" dirty="0">
+                <a:solidFill>
+                  <a:srgbClr val="0070C0"/>
+                </a:solidFill>
+              </a:rPr>
+              <a:t> ( = )</a:t>
+            </a:r>
+          </a:p>
+        </p:txBody>
+      </p:sp>
+      <p:sp>
+        <p:nvSpPr>
+          <p:cNvPr id="8" name="Text Placeholder 2"/>
+          <p:cNvSpPr>
+            <a:spLocks noGrp="1"/>
+          </p:cNvSpPr>
+          <p:nvPr>
+            <p:ph type="body" sz="half" idx="1"/>
+          </p:nvPr>
+        </p:nvSpPr>
+        <p:spPr>
+          <a:xfrm>
+            <a:off x="142865" y="1037312"/>
+            <a:ext cx="8865056" cy="3900208"/>
+          </a:xfrm>
+        </p:spPr>
+        <p:txBody>
+          <a:bodyPr>
+            <a:noAutofit/>
+          </a:bodyPr>
+          <a:lstStyle/>
+          <a:p>
+            <a:pPr marL="0" indent="0" algn="just">
+              <a:buNone/>
+            </a:pPr>
+            <a:r>
+              <a:rPr lang="pt-BR" sz="2400" b="1" dirty="0">
+                <a:solidFill>
+                  <a:srgbClr val="FF0000"/>
+                </a:solidFill>
+                <a:latin typeface="Times New Roman" panose="02020603050405020304" pitchFamily="18" charset="0"/>
+                <a:cs typeface="Times New Roman" panose="02020603050405020304" pitchFamily="18" charset="0"/>
+              </a:rPr>
+              <a:t>Exemplos</a:t>
+            </a:r>
+            <a:r>
+              <a:rPr lang="pt-BR" sz="2400" dirty="0">
+                <a:solidFill>
+                  <a:schemeClr val="tx1"/>
+                </a:solidFill>
+                <a:latin typeface="Times New Roman" panose="02020603050405020304" pitchFamily="18" charset="0"/>
+                <a:cs typeface="Times New Roman" panose="02020603050405020304" pitchFamily="18" charset="0"/>
+              </a:rPr>
+              <a:t>:</a:t>
+            </a:r>
+          </a:p>
+          <a:p>
+            <a:pPr marL="0" indent="0" algn="just">
+              <a:buNone/>
+            </a:pPr>
+            <a:r>
+              <a:rPr lang="pt-BR" sz="2400" dirty="0">
+                <a:solidFill>
+                  <a:schemeClr val="tx1"/>
+                </a:solidFill>
+                <a:latin typeface="Times New Roman" panose="02020603050405020304" pitchFamily="18" charset="0"/>
+                <a:cs typeface="Times New Roman" panose="02020603050405020304" pitchFamily="18" charset="0"/>
+              </a:rPr>
+              <a:t>	</a:t>
+            </a:r>
+            <a:r>
+              <a:rPr lang="pt-BR" sz="2400" b="1" dirty="0" err="1">
+                <a:solidFill>
+                  <a:schemeClr val="tx1"/>
+                </a:solidFill>
+                <a:latin typeface="Times New Roman" panose="02020603050405020304" pitchFamily="18" charset="0"/>
+                <a:cs typeface="Times New Roman" panose="02020603050405020304" pitchFamily="18" charset="0"/>
+              </a:rPr>
+              <a:t>let</a:t>
+            </a:r>
+            <a:r>
+              <a:rPr lang="pt-BR" sz="2400" dirty="0">
+                <a:solidFill>
+                  <a:schemeClr val="tx1"/>
+                </a:solidFill>
+                <a:latin typeface="Times New Roman" panose="02020603050405020304" pitchFamily="18" charset="0"/>
+                <a:cs typeface="Times New Roman" panose="02020603050405020304" pitchFamily="18" charset="0"/>
+              </a:rPr>
+              <a:t> idade = 19;</a:t>
+            </a:r>
+          </a:p>
+          <a:p>
+            <a:pPr marL="0" indent="0" algn="just">
+              <a:buNone/>
+            </a:pPr>
+            <a:r>
+              <a:rPr lang="pt-BR" sz="2400" dirty="0">
+                <a:solidFill>
+                  <a:schemeClr val="tx1"/>
+                </a:solidFill>
+                <a:latin typeface="Times New Roman" panose="02020603050405020304" pitchFamily="18" charset="0"/>
+                <a:cs typeface="Times New Roman" panose="02020603050405020304" pitchFamily="18" charset="0"/>
+              </a:rPr>
+              <a:t> 	</a:t>
+            </a:r>
+            <a:r>
+              <a:rPr lang="pt-BR" sz="2400" b="1" dirty="0" err="1">
+                <a:solidFill>
+                  <a:schemeClr val="tx1"/>
+                </a:solidFill>
+                <a:latin typeface="Times New Roman" panose="02020603050405020304" pitchFamily="18" charset="0"/>
+                <a:cs typeface="Times New Roman" panose="02020603050405020304" pitchFamily="18" charset="0"/>
+              </a:rPr>
+              <a:t>let</a:t>
+            </a:r>
+            <a:r>
+              <a:rPr lang="pt-BR" sz="2400" dirty="0">
+                <a:solidFill>
+                  <a:schemeClr val="tx1"/>
+                </a:solidFill>
+                <a:latin typeface="Times New Roman" panose="02020603050405020304" pitchFamily="18" charset="0"/>
+                <a:cs typeface="Times New Roman" panose="02020603050405020304" pitchFamily="18" charset="0"/>
+              </a:rPr>
+              <a:t> nome = ‘maria’;</a:t>
+            </a:r>
+          </a:p>
+          <a:p>
+            <a:pPr marL="0" indent="0" algn="just">
+              <a:buNone/>
+            </a:pPr>
+            <a:r>
+              <a:rPr lang="pt-BR" sz="2400" dirty="0">
+                <a:solidFill>
+                  <a:schemeClr val="tx1"/>
+                </a:solidFill>
+                <a:latin typeface="Times New Roman" panose="02020603050405020304" pitchFamily="18" charset="0"/>
+                <a:cs typeface="Times New Roman" panose="02020603050405020304" pitchFamily="18" charset="0"/>
+              </a:rPr>
+              <a:t>	</a:t>
+            </a:r>
+            <a:r>
+              <a:rPr lang="pt-BR" sz="2400" b="1" dirty="0" err="1">
+                <a:solidFill>
+                  <a:schemeClr val="tx1"/>
+                </a:solidFill>
+                <a:latin typeface="Times New Roman" panose="02020603050405020304" pitchFamily="18" charset="0"/>
+                <a:cs typeface="Times New Roman" panose="02020603050405020304" pitchFamily="18" charset="0"/>
+              </a:rPr>
+              <a:t>let</a:t>
+            </a:r>
+            <a:r>
+              <a:rPr lang="pt-BR" sz="2400" dirty="0">
+                <a:solidFill>
+                  <a:schemeClr val="tx1"/>
+                </a:solidFill>
+                <a:latin typeface="Times New Roman" panose="02020603050405020304" pitchFamily="18" charset="0"/>
+                <a:cs typeface="Times New Roman" panose="02020603050405020304" pitchFamily="18" charset="0"/>
+              </a:rPr>
+              <a:t> altura = 1.72;</a:t>
+            </a:r>
+          </a:p>
+          <a:p>
+            <a:pPr marL="0" indent="0" algn="just">
+              <a:buNone/>
+            </a:pPr>
+            <a:endParaRPr lang="pt-BR" sz="2400" dirty="0">
+              <a:solidFill>
+                <a:schemeClr val="tx1"/>
+              </a:solidFill>
+              <a:latin typeface="Times New Roman" panose="02020603050405020304" pitchFamily="18" charset="0"/>
+              <a:cs typeface="Times New Roman" panose="02020603050405020304" pitchFamily="18" charset="0"/>
+            </a:endParaRPr>
+          </a:p>
+          <a:p>
+            <a:pPr marL="0" indent="0" algn="just">
+              <a:buNone/>
+            </a:pPr>
+            <a:r>
+              <a:rPr lang="pt-BR" sz="2400" dirty="0">
+                <a:solidFill>
+                  <a:schemeClr val="tx1"/>
+                </a:solidFill>
+                <a:latin typeface="Times New Roman" panose="02020603050405020304" pitchFamily="18" charset="0"/>
+                <a:cs typeface="Times New Roman" panose="02020603050405020304" pitchFamily="18" charset="0"/>
+              </a:rPr>
+              <a:t>	</a:t>
+            </a:r>
+            <a:r>
+              <a:rPr lang="pt-BR" sz="2400" b="1" dirty="0" err="1">
+                <a:solidFill>
+                  <a:schemeClr val="tx1"/>
+                </a:solidFill>
+                <a:latin typeface="Times New Roman" panose="02020603050405020304" pitchFamily="18" charset="0"/>
+                <a:cs typeface="Times New Roman" panose="02020603050405020304" pitchFamily="18" charset="0"/>
+              </a:rPr>
+              <a:t>const</a:t>
+            </a:r>
+            <a:r>
+              <a:rPr lang="pt-BR" sz="2400" dirty="0">
+                <a:solidFill>
+                  <a:schemeClr val="tx1"/>
+                </a:solidFill>
+                <a:latin typeface="Times New Roman" panose="02020603050405020304" pitchFamily="18" charset="0"/>
+                <a:cs typeface="Times New Roman" panose="02020603050405020304" pitchFamily="18" charset="0"/>
+              </a:rPr>
+              <a:t> hora = </a:t>
+            </a:r>
+            <a:r>
+              <a:rPr lang="pt-BR" sz="2400" b="1" dirty="0">
+                <a:solidFill>
+                  <a:srgbClr val="FF0000"/>
+                </a:solidFill>
+                <a:latin typeface="Times New Roman" panose="02020603050405020304" pitchFamily="18" charset="0"/>
+                <a:cs typeface="Times New Roman" panose="02020603050405020304" pitchFamily="18" charset="0"/>
+              </a:rPr>
+              <a:t>new</a:t>
+            </a:r>
+            <a:r>
+              <a:rPr lang="pt-BR" sz="2400" dirty="0">
+                <a:solidFill>
+                  <a:schemeClr val="tx1"/>
+                </a:solidFill>
+                <a:latin typeface="Times New Roman" panose="02020603050405020304" pitchFamily="18" charset="0"/>
+                <a:cs typeface="Times New Roman" panose="02020603050405020304" pitchFamily="18" charset="0"/>
+              </a:rPr>
+              <a:t> Date().</a:t>
+            </a:r>
+            <a:r>
+              <a:rPr lang="pt-BR" sz="2400" dirty="0" err="1">
+                <a:solidFill>
+                  <a:schemeClr val="tx1"/>
+                </a:solidFill>
+                <a:latin typeface="Times New Roman" panose="02020603050405020304" pitchFamily="18" charset="0"/>
+                <a:cs typeface="Times New Roman" panose="02020603050405020304" pitchFamily="18" charset="0"/>
+              </a:rPr>
+              <a:t>getHours</a:t>
+            </a:r>
+            <a:r>
+              <a:rPr lang="pt-BR" sz="2400" dirty="0">
+                <a:solidFill>
+                  <a:schemeClr val="tx1"/>
+                </a:solidFill>
+                <a:latin typeface="Times New Roman" panose="02020603050405020304" pitchFamily="18" charset="0"/>
+                <a:cs typeface="Times New Roman" panose="02020603050405020304" pitchFamily="18" charset="0"/>
+              </a:rPr>
+              <a:t>(); </a:t>
+            </a:r>
+          </a:p>
+          <a:p>
+            <a:pPr marL="0" indent="0" algn="just">
+              <a:buNone/>
+            </a:pPr>
+            <a:endParaRPr lang="pt-BR" sz="2400" dirty="0">
+              <a:solidFill>
+                <a:schemeClr val="tx1"/>
+              </a:solidFill>
+              <a:latin typeface="Times New Roman" panose="02020603050405020304" pitchFamily="18" charset="0"/>
+              <a:cs typeface="Times New Roman" panose="02020603050405020304" pitchFamily="18" charset="0"/>
+            </a:endParaRPr>
+          </a:p>
+          <a:p>
+            <a:pPr marL="0" indent="0" algn="just">
+              <a:buNone/>
+            </a:pPr>
+            <a:r>
+              <a:rPr lang="pt-BR" sz="2400" dirty="0">
+                <a:solidFill>
+                  <a:schemeClr val="tx1"/>
+                </a:solidFill>
+                <a:latin typeface="Times New Roman" panose="02020603050405020304" pitchFamily="18" charset="0"/>
+                <a:cs typeface="Times New Roman" panose="02020603050405020304" pitchFamily="18" charset="0"/>
+              </a:rPr>
+              <a:t>	// Date().</a:t>
+            </a:r>
+            <a:r>
+              <a:rPr lang="pt-BR" sz="2400" dirty="0" err="1">
+                <a:solidFill>
+                  <a:schemeClr val="tx1"/>
+                </a:solidFill>
+                <a:latin typeface="Times New Roman" panose="02020603050405020304" pitchFamily="18" charset="0"/>
+                <a:cs typeface="Times New Roman" panose="02020603050405020304" pitchFamily="18" charset="0"/>
+              </a:rPr>
+              <a:t>getDay</a:t>
+            </a:r>
+            <a:r>
+              <a:rPr lang="pt-BR" sz="2400" dirty="0">
+                <a:solidFill>
+                  <a:schemeClr val="tx1"/>
+                </a:solidFill>
+                <a:latin typeface="Times New Roman" panose="02020603050405020304" pitchFamily="18" charset="0"/>
+                <a:cs typeface="Times New Roman" panose="02020603050405020304" pitchFamily="18" charset="0"/>
+              </a:rPr>
+              <a:t>(); </a:t>
+            </a:r>
+            <a:r>
+              <a:rPr lang="pt-BR" sz="2400" dirty="0" err="1">
+                <a:solidFill>
+                  <a:schemeClr val="tx1"/>
+                </a:solidFill>
+                <a:latin typeface="Times New Roman" panose="02020603050405020304" pitchFamily="18" charset="0"/>
+                <a:cs typeface="Times New Roman" panose="02020603050405020304" pitchFamily="18" charset="0"/>
+              </a:rPr>
+              <a:t>Date.getFullYear</a:t>
+            </a:r>
+            <a:r>
+              <a:rPr lang="pt-BR" sz="2400" dirty="0">
+                <a:solidFill>
+                  <a:schemeClr val="tx1"/>
+                </a:solidFill>
+                <a:latin typeface="Times New Roman" panose="02020603050405020304" pitchFamily="18" charset="0"/>
+                <a:cs typeface="Times New Roman" panose="02020603050405020304" pitchFamily="18" charset="0"/>
+              </a:rPr>
+              <a:t>();</a:t>
+            </a:r>
+          </a:p>
+          <a:p>
+            <a:pPr marL="0" indent="0" algn="just">
+              <a:buNone/>
+            </a:pPr>
+            <a:r>
+              <a:rPr lang="pt-BR" sz="2400" dirty="0">
+                <a:solidFill>
+                  <a:schemeClr val="tx1"/>
+                </a:solidFill>
+                <a:latin typeface="Times New Roman" panose="02020603050405020304" pitchFamily="18" charset="0"/>
+                <a:cs typeface="Times New Roman" panose="02020603050405020304" pitchFamily="18" charset="0"/>
+              </a:rPr>
+              <a:t>	</a:t>
+            </a:r>
+          </a:p>
+        </p:txBody>
+      </p:sp>
+    </p:spTree>
+    <p:extLst>
+      <p:ext uri="{BB962C8B-B14F-4D97-AF65-F5344CB8AC3E}">
+        <p14:creationId xmlns:p14="http://schemas.microsoft.com/office/powerpoint/2010/main" val="834930593"/>
+      </p:ext>
+    </p:extLst>
+  </p:cSld>
+  <p:clrMapOvr>
+    <a:masterClrMapping/>
+  </p:clrMapOvr>
+  <p:transition spd="med"/>
+</p:sld>
+</file>
+
+<file path=ppt/slides/slide60.xml><?xml version="1.0" encoding="utf-8"?>
+<p:sld xmlns:a="http://schemas.openxmlformats.org/drawingml/2006/main" xmlns:r="http://schemas.openxmlformats.org/officeDocument/2006/relationships" xmlns:p="http://schemas.openxmlformats.org/presentationml/2006/main">
+  <p:cSld>
+    <p:spTree>
+      <p:nvGrpSpPr>
+        <p:cNvPr id="1" name=""/>
+        <p:cNvGrpSpPr/>
+        <p:nvPr/>
+      </p:nvGrpSpPr>
+      <p:grpSpPr>
+        <a:xfrm>
+          <a:off x="0" y="0"/>
+          <a:ext cx="0" cy="0"/>
+          <a:chOff x="0" y="0"/>
+          <a:chExt cx="0" cy="0"/>
+        </a:xfrm>
+      </p:grpSpPr>
+      <p:sp>
+        <p:nvSpPr>
+          <p:cNvPr id="6" name="Title 1"/>
+          <p:cNvSpPr>
+            <a:spLocks noGrp="1"/>
+          </p:cNvSpPr>
+          <p:nvPr>
+            <p:ph type="title"/>
+          </p:nvPr>
+        </p:nvSpPr>
+        <p:spPr>
+          <a:xfrm>
+            <a:off x="457200" y="205980"/>
+            <a:ext cx="8229600" cy="857251"/>
+          </a:xfrm>
+        </p:spPr>
+        <p:txBody>
+          <a:bodyPr>
+            <a:normAutofit/>
+          </a:bodyPr>
+          <a:lstStyle/>
+          <a:p>
+            <a:r>
+              <a:rPr lang="en-US" b="1" dirty="0">
+                <a:solidFill>
+                  <a:srgbClr val="0070C0"/>
+                </a:solidFill>
+              </a:rPr>
+              <a:t>JS – </a:t>
+            </a:r>
+            <a:r>
+              <a:rPr lang="en-US" b="1" dirty="0" err="1">
+                <a:solidFill>
+                  <a:srgbClr val="0070C0"/>
+                </a:solidFill>
+              </a:rPr>
+              <a:t>Json</a:t>
+            </a:r>
+            <a:r>
+              <a:rPr lang="en-US" b="1" dirty="0">
+                <a:solidFill>
+                  <a:srgbClr val="0070C0"/>
+                </a:solidFill>
+              </a:rPr>
+              <a:t> </a:t>
+            </a:r>
+            <a:r>
+              <a:rPr lang="en-US" b="1" dirty="0" err="1">
+                <a:solidFill>
+                  <a:srgbClr val="0070C0"/>
+                </a:solidFill>
+              </a:rPr>
+              <a:t>Exemplo</a:t>
+            </a:r>
+            <a:endParaRPr lang="en-US" b="1" dirty="0">
+              <a:solidFill>
+                <a:srgbClr val="0070C0"/>
+              </a:solidFill>
+            </a:endParaRPr>
+          </a:p>
+        </p:txBody>
+      </p:sp>
+      <p:sp>
+        <p:nvSpPr>
+          <p:cNvPr id="8" name="Text Placeholder 2"/>
+          <p:cNvSpPr>
+            <a:spLocks noGrp="1"/>
+          </p:cNvSpPr>
+          <p:nvPr>
+            <p:ph type="body" sz="half" idx="1"/>
+          </p:nvPr>
+        </p:nvSpPr>
+        <p:spPr>
+          <a:xfrm>
+            <a:off x="142865" y="962155"/>
+            <a:ext cx="8865056" cy="4148464"/>
+          </a:xfrm>
+        </p:spPr>
+        <p:txBody>
+          <a:bodyPr>
+            <a:noAutofit/>
+          </a:bodyPr>
+          <a:lstStyle/>
+          <a:p>
+            <a:pPr marL="0" indent="0" algn="just">
+              <a:buNone/>
+            </a:pPr>
+            <a:r>
+              <a:rPr lang="pt-BR" sz="2000" b="1" dirty="0">
+                <a:solidFill>
+                  <a:srgbClr val="FF0000"/>
+                </a:solidFill>
+                <a:latin typeface="Times New Roman" panose="02020603050405020304" pitchFamily="18" charset="0"/>
+                <a:cs typeface="Times New Roman" panose="02020603050405020304" pitchFamily="18" charset="0"/>
+              </a:rPr>
+              <a:t>Objeto Carro</a:t>
+            </a:r>
+          </a:p>
+          <a:p>
+            <a:pPr marL="447675" lvl="1" indent="0" algn="just">
+              <a:buNone/>
+            </a:pPr>
+            <a:r>
+              <a:rPr lang="pt-BR" sz="2000" b="1" dirty="0" err="1">
+                <a:solidFill>
+                  <a:schemeClr val="tx1"/>
+                </a:solidFill>
+                <a:latin typeface="Times New Roman" panose="02020603050405020304" pitchFamily="18" charset="0"/>
+                <a:cs typeface="Times New Roman" panose="02020603050405020304" pitchFamily="18" charset="0"/>
+              </a:rPr>
+              <a:t>const</a:t>
+            </a:r>
+            <a:r>
+              <a:rPr lang="pt-BR" sz="2000" dirty="0">
+                <a:solidFill>
+                  <a:schemeClr val="tx1"/>
+                </a:solidFill>
+                <a:latin typeface="Times New Roman" panose="02020603050405020304" pitchFamily="18" charset="0"/>
+                <a:cs typeface="Times New Roman" panose="02020603050405020304" pitchFamily="18" charset="0"/>
+              </a:rPr>
+              <a:t> carro = {</a:t>
+            </a:r>
+          </a:p>
+          <a:p>
+            <a:pPr marL="447675" lvl="1" indent="0" algn="just">
+              <a:buNone/>
+            </a:pPr>
+            <a:r>
+              <a:rPr lang="pt-BR" sz="2000" dirty="0">
+                <a:solidFill>
+                  <a:schemeClr val="tx1"/>
+                </a:solidFill>
+                <a:latin typeface="Times New Roman" panose="02020603050405020304" pitchFamily="18" charset="0"/>
+                <a:cs typeface="Times New Roman" panose="02020603050405020304" pitchFamily="18" charset="0"/>
+              </a:rPr>
+              <a:t>			marca: “Volkswagen”,</a:t>
+            </a:r>
+          </a:p>
+          <a:p>
+            <a:pPr marL="447675" lvl="1" indent="0" algn="just">
+              <a:buNone/>
+            </a:pPr>
+            <a:r>
+              <a:rPr lang="pt-BR" sz="2000" dirty="0">
+                <a:solidFill>
+                  <a:schemeClr val="tx1"/>
+                </a:solidFill>
+                <a:latin typeface="Times New Roman" panose="02020603050405020304" pitchFamily="18" charset="0"/>
+                <a:cs typeface="Times New Roman" panose="02020603050405020304" pitchFamily="18" charset="0"/>
+              </a:rPr>
+              <a:t>			modelo: “gol”,</a:t>
+            </a:r>
+          </a:p>
+          <a:p>
+            <a:pPr marL="447675" lvl="1" indent="0" algn="just">
+              <a:buNone/>
+            </a:pPr>
+            <a:r>
+              <a:rPr lang="pt-BR" sz="2000" dirty="0">
+                <a:solidFill>
+                  <a:schemeClr val="tx1"/>
+                </a:solidFill>
+                <a:latin typeface="Times New Roman" panose="02020603050405020304" pitchFamily="18" charset="0"/>
+                <a:cs typeface="Times New Roman" panose="02020603050405020304" pitchFamily="18" charset="0"/>
+              </a:rPr>
+              <a:t>			motor: [“1.0”, “1.4”, “1.6”],</a:t>
+            </a:r>
+          </a:p>
+          <a:p>
+            <a:pPr marL="447675" lvl="1" indent="0" algn="just">
+              <a:buNone/>
+            </a:pPr>
+            <a:r>
+              <a:rPr lang="pt-BR" sz="2000" dirty="0">
+                <a:solidFill>
+                  <a:schemeClr val="tx1"/>
+                </a:solidFill>
+                <a:latin typeface="Times New Roman" panose="02020603050405020304" pitchFamily="18" charset="0"/>
+                <a:cs typeface="Times New Roman" panose="02020603050405020304" pitchFamily="18" charset="0"/>
+              </a:rPr>
+              <a:t>			ano: 2013</a:t>
+            </a:r>
+          </a:p>
+          <a:p>
+            <a:pPr marL="0" indent="0" algn="just">
+              <a:buNone/>
+            </a:pPr>
+            <a:r>
+              <a:rPr lang="pt-BR" sz="2000" dirty="0">
+                <a:solidFill>
+                  <a:schemeClr val="tx1"/>
+                </a:solidFill>
+                <a:latin typeface="Times New Roman" panose="02020603050405020304" pitchFamily="18" charset="0"/>
+                <a:cs typeface="Times New Roman" panose="02020603050405020304" pitchFamily="18" charset="0"/>
+              </a:rPr>
+              <a:t>		}</a:t>
+            </a:r>
+          </a:p>
+          <a:p>
+            <a:pPr marL="0" indent="0" algn="just">
+              <a:buNone/>
+            </a:pPr>
+            <a:r>
+              <a:rPr lang="pt-BR" sz="2000" b="1" dirty="0" err="1">
+                <a:solidFill>
+                  <a:schemeClr val="tx1"/>
+                </a:solidFill>
+                <a:latin typeface="Times New Roman" panose="02020603050405020304" pitchFamily="18" charset="0"/>
+                <a:cs typeface="Times New Roman" panose="02020603050405020304" pitchFamily="18" charset="0"/>
+              </a:rPr>
+              <a:t>let</a:t>
+            </a:r>
+            <a:r>
+              <a:rPr lang="pt-BR" sz="2000" dirty="0">
+                <a:solidFill>
+                  <a:schemeClr val="tx1"/>
+                </a:solidFill>
+                <a:latin typeface="Times New Roman" panose="02020603050405020304" pitchFamily="18" charset="0"/>
+                <a:cs typeface="Times New Roman" panose="02020603050405020304" pitchFamily="18" charset="0"/>
+              </a:rPr>
+              <a:t> </a:t>
+            </a:r>
+            <a:r>
+              <a:rPr lang="pt-BR" sz="2000" b="1" dirty="0" err="1">
+                <a:solidFill>
+                  <a:srgbClr val="FF0000"/>
+                </a:solidFill>
+                <a:latin typeface="Times New Roman" panose="02020603050405020304" pitchFamily="18" charset="0"/>
+                <a:cs typeface="Times New Roman" panose="02020603050405020304" pitchFamily="18" charset="0"/>
+              </a:rPr>
+              <a:t>carroTexto</a:t>
+            </a:r>
+            <a:r>
+              <a:rPr lang="pt-BR" sz="2000" dirty="0">
+                <a:solidFill>
+                  <a:schemeClr val="tx1"/>
+                </a:solidFill>
+                <a:latin typeface="Times New Roman" panose="02020603050405020304" pitchFamily="18" charset="0"/>
+                <a:cs typeface="Times New Roman" panose="02020603050405020304" pitchFamily="18" charset="0"/>
+              </a:rPr>
+              <a:t> = </a:t>
+            </a:r>
+            <a:r>
+              <a:rPr lang="pt-BR" sz="2000" dirty="0" err="1">
+                <a:solidFill>
+                  <a:schemeClr val="tx1"/>
+                </a:solidFill>
+                <a:latin typeface="Times New Roman" panose="02020603050405020304" pitchFamily="18" charset="0"/>
+                <a:cs typeface="Times New Roman" panose="02020603050405020304" pitchFamily="18" charset="0"/>
+              </a:rPr>
+              <a:t>JSON.stringify</a:t>
+            </a:r>
+            <a:r>
+              <a:rPr lang="pt-BR" sz="2000" dirty="0">
+                <a:solidFill>
+                  <a:schemeClr val="tx1"/>
+                </a:solidFill>
+                <a:latin typeface="Times New Roman" panose="02020603050405020304" pitchFamily="18" charset="0"/>
+                <a:cs typeface="Times New Roman" panose="02020603050405020304" pitchFamily="18" charset="0"/>
+              </a:rPr>
+              <a:t>(carro);</a:t>
+            </a:r>
+          </a:p>
+          <a:p>
+            <a:pPr marL="0" indent="0" algn="just">
+              <a:buNone/>
+            </a:pPr>
+            <a:r>
+              <a:rPr lang="pt-BR" sz="2000" dirty="0" err="1">
+                <a:solidFill>
+                  <a:schemeClr val="tx1"/>
+                </a:solidFill>
+                <a:latin typeface="Times New Roman" panose="02020603050405020304" pitchFamily="18" charset="0"/>
+                <a:cs typeface="Times New Roman" panose="02020603050405020304" pitchFamily="18" charset="0"/>
+              </a:rPr>
+              <a:t>document.getElementById</a:t>
+            </a:r>
+            <a:r>
+              <a:rPr lang="pt-BR" sz="2000" dirty="0">
+                <a:solidFill>
+                  <a:schemeClr val="tx1"/>
+                </a:solidFill>
+                <a:latin typeface="Times New Roman" panose="02020603050405020304" pitchFamily="18" charset="0"/>
+                <a:cs typeface="Times New Roman" panose="02020603050405020304" pitchFamily="18" charset="0"/>
+              </a:rPr>
+              <a:t>(“</a:t>
+            </a:r>
+            <a:r>
+              <a:rPr lang="pt-BR" sz="2000" b="1" dirty="0" err="1">
+                <a:solidFill>
+                  <a:schemeClr val="tx1"/>
+                </a:solidFill>
+                <a:latin typeface="Times New Roman" panose="02020603050405020304" pitchFamily="18" charset="0"/>
+                <a:cs typeface="Times New Roman" panose="02020603050405020304" pitchFamily="18" charset="0"/>
+              </a:rPr>
+              <a:t>IdArea</a:t>
+            </a:r>
+            <a:r>
+              <a:rPr lang="pt-BR" sz="2000" dirty="0">
+                <a:solidFill>
+                  <a:schemeClr val="tx1"/>
+                </a:solidFill>
+                <a:latin typeface="Times New Roman" panose="02020603050405020304" pitchFamily="18" charset="0"/>
+                <a:cs typeface="Times New Roman" panose="02020603050405020304" pitchFamily="18" charset="0"/>
+              </a:rPr>
+              <a:t>”).</a:t>
+            </a:r>
+            <a:r>
+              <a:rPr lang="pt-BR" sz="2000" dirty="0" err="1">
+                <a:solidFill>
+                  <a:schemeClr val="tx1"/>
+                </a:solidFill>
+                <a:latin typeface="Times New Roman" panose="02020603050405020304" pitchFamily="18" charset="0"/>
+                <a:cs typeface="Times New Roman" panose="02020603050405020304" pitchFamily="18" charset="0"/>
+              </a:rPr>
+              <a:t>innerHTML</a:t>
+            </a:r>
+            <a:r>
+              <a:rPr lang="pt-BR" sz="2000" dirty="0">
+                <a:solidFill>
+                  <a:schemeClr val="tx1"/>
+                </a:solidFill>
+                <a:latin typeface="Times New Roman" panose="02020603050405020304" pitchFamily="18" charset="0"/>
+                <a:cs typeface="Times New Roman" panose="02020603050405020304" pitchFamily="18" charset="0"/>
+              </a:rPr>
+              <a:t> = </a:t>
+            </a:r>
+            <a:r>
+              <a:rPr lang="pt-BR" sz="2000" dirty="0" err="1">
+                <a:solidFill>
+                  <a:schemeClr val="tx1"/>
+                </a:solidFill>
+                <a:latin typeface="Times New Roman" panose="02020603050405020304" pitchFamily="18" charset="0"/>
+                <a:cs typeface="Times New Roman" panose="02020603050405020304" pitchFamily="18" charset="0"/>
+              </a:rPr>
+              <a:t>carroTexto</a:t>
+            </a:r>
+            <a:r>
+              <a:rPr lang="pt-BR" sz="2000" dirty="0">
+                <a:solidFill>
+                  <a:schemeClr val="tx1"/>
+                </a:solidFill>
+                <a:latin typeface="Times New Roman" panose="02020603050405020304" pitchFamily="18" charset="0"/>
+                <a:cs typeface="Times New Roman" panose="02020603050405020304" pitchFamily="18" charset="0"/>
+              </a:rPr>
+              <a:t>; // </a:t>
+            </a:r>
+            <a:r>
+              <a:rPr lang="pt-BR" sz="2000" b="1" dirty="0" err="1">
+                <a:solidFill>
+                  <a:schemeClr val="tx1"/>
+                </a:solidFill>
+                <a:latin typeface="Times New Roman" panose="02020603050405020304" pitchFamily="18" charset="0"/>
+                <a:cs typeface="Times New Roman" panose="02020603050405020304" pitchFamily="18" charset="0"/>
+              </a:rPr>
+              <a:t>tag</a:t>
+            </a:r>
+            <a:r>
+              <a:rPr lang="pt-BR" sz="2000" dirty="0">
+                <a:solidFill>
+                  <a:schemeClr val="tx1"/>
+                </a:solidFill>
+                <a:latin typeface="Times New Roman" panose="02020603050405020304" pitchFamily="18" charset="0"/>
+                <a:cs typeface="Times New Roman" panose="02020603050405020304" pitchFamily="18" charset="0"/>
+              </a:rPr>
+              <a:t> </a:t>
+            </a:r>
+            <a:r>
+              <a:rPr lang="pt-BR" sz="2000" dirty="0" err="1">
+                <a:solidFill>
+                  <a:schemeClr val="tx1"/>
+                </a:solidFill>
+                <a:latin typeface="Times New Roman" panose="02020603050405020304" pitchFamily="18" charset="0"/>
+                <a:cs typeface="Times New Roman" panose="02020603050405020304" pitchFamily="18" charset="0"/>
+              </a:rPr>
+              <a:t>pre</a:t>
+            </a:r>
+            <a:r>
+              <a:rPr lang="pt-BR" sz="2000" dirty="0">
+                <a:solidFill>
+                  <a:schemeClr val="tx1"/>
+                </a:solidFill>
+                <a:latin typeface="Times New Roman" panose="02020603050405020304" pitchFamily="18" charset="0"/>
+                <a:cs typeface="Times New Roman" panose="02020603050405020304" pitchFamily="18" charset="0"/>
+              </a:rPr>
+              <a:t> ou p</a:t>
+            </a:r>
+          </a:p>
+          <a:p>
+            <a:pPr marL="0" indent="0" algn="just">
+              <a:buNone/>
+            </a:pPr>
+            <a:r>
+              <a:rPr lang="pt-BR" sz="2000" b="1" dirty="0" err="1">
+                <a:solidFill>
+                  <a:schemeClr val="tx1"/>
+                </a:solidFill>
+                <a:latin typeface="Times New Roman" panose="02020603050405020304" pitchFamily="18" charset="0"/>
+                <a:cs typeface="Times New Roman" panose="02020603050405020304" pitchFamily="18" charset="0"/>
+              </a:rPr>
+              <a:t>let</a:t>
+            </a:r>
+            <a:r>
+              <a:rPr lang="pt-BR" sz="2000" dirty="0">
+                <a:solidFill>
+                  <a:schemeClr val="tx1"/>
+                </a:solidFill>
+                <a:latin typeface="Times New Roman" panose="02020603050405020304" pitchFamily="18" charset="0"/>
+                <a:cs typeface="Times New Roman" panose="02020603050405020304" pitchFamily="18" charset="0"/>
+              </a:rPr>
+              <a:t> </a:t>
+            </a:r>
+            <a:r>
+              <a:rPr lang="pt-BR" sz="2000" b="1" dirty="0" err="1">
+                <a:solidFill>
+                  <a:srgbClr val="FF0000"/>
+                </a:solidFill>
+                <a:latin typeface="Times New Roman" panose="02020603050405020304" pitchFamily="18" charset="0"/>
+                <a:cs typeface="Times New Roman" panose="02020603050405020304" pitchFamily="18" charset="0"/>
+              </a:rPr>
+              <a:t>objCarro</a:t>
+            </a:r>
+            <a:r>
+              <a:rPr lang="pt-BR" sz="2000" dirty="0">
+                <a:solidFill>
+                  <a:schemeClr val="tx1"/>
+                </a:solidFill>
+                <a:latin typeface="Times New Roman" panose="02020603050405020304" pitchFamily="18" charset="0"/>
+                <a:cs typeface="Times New Roman" panose="02020603050405020304" pitchFamily="18" charset="0"/>
+              </a:rPr>
+              <a:t> = </a:t>
+            </a:r>
+            <a:r>
+              <a:rPr lang="pt-BR" sz="2000" dirty="0" err="1">
+                <a:solidFill>
+                  <a:schemeClr val="tx1"/>
+                </a:solidFill>
+                <a:latin typeface="Times New Roman" panose="02020603050405020304" pitchFamily="18" charset="0"/>
+                <a:cs typeface="Times New Roman" panose="02020603050405020304" pitchFamily="18" charset="0"/>
+              </a:rPr>
+              <a:t>JSON.parse</a:t>
+            </a:r>
+            <a:r>
+              <a:rPr lang="pt-BR" sz="2000" dirty="0">
+                <a:solidFill>
+                  <a:schemeClr val="tx1"/>
+                </a:solidFill>
+                <a:latin typeface="Times New Roman" panose="02020603050405020304" pitchFamily="18" charset="0"/>
+                <a:cs typeface="Times New Roman" panose="02020603050405020304" pitchFamily="18" charset="0"/>
+              </a:rPr>
+              <a:t>(</a:t>
+            </a:r>
+            <a:r>
+              <a:rPr lang="pt-BR" sz="2000" dirty="0" err="1">
+                <a:solidFill>
+                  <a:schemeClr val="tx1"/>
+                </a:solidFill>
+                <a:latin typeface="Times New Roman" panose="02020603050405020304" pitchFamily="18" charset="0"/>
+                <a:cs typeface="Times New Roman" panose="02020603050405020304" pitchFamily="18" charset="0"/>
+              </a:rPr>
+              <a:t>carroTexto</a:t>
+            </a:r>
+            <a:r>
+              <a:rPr lang="pt-BR" sz="2000" dirty="0">
+                <a:solidFill>
+                  <a:schemeClr val="tx1"/>
+                </a:solidFill>
+                <a:latin typeface="Times New Roman" panose="02020603050405020304" pitchFamily="18" charset="0"/>
+                <a:cs typeface="Times New Roman" panose="02020603050405020304" pitchFamily="18" charset="0"/>
+              </a:rPr>
+              <a:t>);</a:t>
+            </a:r>
+          </a:p>
+          <a:p>
+            <a:pPr marL="0" indent="0" algn="just">
+              <a:buNone/>
+            </a:pPr>
+            <a:r>
+              <a:rPr lang="pt-BR" sz="2000" dirty="0">
+                <a:solidFill>
+                  <a:schemeClr val="tx1"/>
+                </a:solidFill>
+                <a:latin typeface="Times New Roman" panose="02020603050405020304" pitchFamily="18" charset="0"/>
+                <a:cs typeface="Times New Roman" panose="02020603050405020304" pitchFamily="18" charset="0"/>
+              </a:rPr>
+              <a:t>console.log(</a:t>
+            </a:r>
+            <a:r>
+              <a:rPr lang="pt-BR" sz="2000" dirty="0" err="1">
+                <a:solidFill>
+                  <a:schemeClr val="tx1"/>
+                </a:solidFill>
+                <a:latin typeface="Times New Roman" panose="02020603050405020304" pitchFamily="18" charset="0"/>
+                <a:cs typeface="Times New Roman" panose="02020603050405020304" pitchFamily="18" charset="0"/>
+              </a:rPr>
+              <a:t>objCarro.modelo</a:t>
+            </a:r>
+            <a:r>
+              <a:rPr lang="pt-BR" sz="2000" dirty="0">
+                <a:solidFill>
+                  <a:schemeClr val="tx1"/>
+                </a:solidFill>
+                <a:latin typeface="Times New Roman" panose="02020603050405020304" pitchFamily="18" charset="0"/>
+                <a:cs typeface="Times New Roman" panose="02020603050405020304" pitchFamily="18" charset="0"/>
+              </a:rPr>
+              <a:t>);</a:t>
+            </a:r>
+          </a:p>
+          <a:p>
+            <a:pPr marL="0" indent="0" algn="just">
+              <a:buNone/>
+            </a:pPr>
+            <a:endParaRPr lang="pt-BR" sz="2000" dirty="0">
+              <a:solidFill>
+                <a:schemeClr val="tx1"/>
+              </a:solidFill>
+              <a:latin typeface="Times New Roman" panose="02020603050405020304" pitchFamily="18" charset="0"/>
+              <a:cs typeface="Times New Roman" panose="02020603050405020304" pitchFamily="18" charset="0"/>
+            </a:endParaRPr>
+          </a:p>
+          <a:p>
+            <a:pPr marL="0" indent="0" algn="just">
+              <a:buNone/>
+            </a:pPr>
+            <a:endParaRPr lang="pt-BR" sz="2000" dirty="0">
+              <a:solidFill>
+                <a:schemeClr val="tx1"/>
+              </a:solidFill>
+              <a:latin typeface="Times New Roman" panose="02020603050405020304" pitchFamily="18" charset="0"/>
+              <a:cs typeface="Times New Roman" panose="02020603050405020304" pitchFamily="18" charset="0"/>
+            </a:endParaRPr>
+          </a:p>
+          <a:p>
+            <a:pPr marL="0" indent="0" algn="just">
+              <a:buNone/>
+            </a:pPr>
+            <a:endParaRPr lang="pt-BR" sz="2000" dirty="0">
+              <a:solidFill>
+                <a:schemeClr val="tx1"/>
+              </a:solidFill>
+              <a:latin typeface="Times New Roman" panose="02020603050405020304" pitchFamily="18" charset="0"/>
+              <a:cs typeface="Times New Roman" panose="02020603050405020304" pitchFamily="18" charset="0"/>
+            </a:endParaRPr>
+          </a:p>
+        </p:txBody>
+      </p:sp>
+    </p:spTree>
+    <p:extLst>
+      <p:ext uri="{BB962C8B-B14F-4D97-AF65-F5344CB8AC3E}">
+        <p14:creationId xmlns:p14="http://schemas.microsoft.com/office/powerpoint/2010/main" val="3553785588"/>
+      </p:ext>
+    </p:extLst>
+  </p:cSld>
+  <p:clrMapOvr>
+    <a:masterClrMapping/>
+  </p:clrMapOvr>
+  <p:transition spd="med"/>
+</p:sld>
+</file>
+
+<file path=ppt/slides/slide61.xml><?xml version="1.0" encoding="utf-8"?>
+<p:sld xmlns:a="http://schemas.openxmlformats.org/drawingml/2006/main" xmlns:r="http://schemas.openxmlformats.org/officeDocument/2006/relationships" xmlns:p="http://schemas.openxmlformats.org/presentationml/2006/main">
+  <p:cSld>
+    <p:spTree>
+      <p:nvGrpSpPr>
+        <p:cNvPr id="1" name=""/>
+        <p:cNvGrpSpPr/>
+        <p:nvPr/>
+      </p:nvGrpSpPr>
+      <p:grpSpPr>
+        <a:xfrm>
+          <a:off x="0" y="0"/>
+          <a:ext cx="0" cy="0"/>
+          <a:chOff x="0" y="0"/>
+          <a:chExt cx="0" cy="0"/>
+        </a:xfrm>
+      </p:grpSpPr>
+      <p:sp>
+        <p:nvSpPr>
+          <p:cNvPr id="6" name="Title 1"/>
+          <p:cNvSpPr>
+            <a:spLocks noGrp="1"/>
+          </p:cNvSpPr>
+          <p:nvPr>
+            <p:ph type="title"/>
+          </p:nvPr>
+        </p:nvSpPr>
+        <p:spPr>
+          <a:xfrm>
+            <a:off x="457200" y="205980"/>
+            <a:ext cx="8229600" cy="857251"/>
+          </a:xfrm>
+        </p:spPr>
+        <p:txBody>
+          <a:bodyPr>
+            <a:normAutofit/>
+          </a:bodyPr>
+          <a:lstStyle/>
+          <a:p>
+            <a:r>
+              <a:rPr lang="en-US" b="1" dirty="0">
+                <a:solidFill>
+                  <a:srgbClr val="0070C0"/>
+                </a:solidFill>
+              </a:rPr>
+              <a:t>JS – </a:t>
+            </a:r>
+            <a:r>
+              <a:rPr lang="en-US" b="1" dirty="0" err="1">
+                <a:solidFill>
+                  <a:srgbClr val="0070C0"/>
+                </a:solidFill>
+              </a:rPr>
+              <a:t>Json</a:t>
+            </a:r>
+            <a:r>
+              <a:rPr lang="en-US" b="1" dirty="0">
+                <a:solidFill>
+                  <a:srgbClr val="0070C0"/>
+                </a:solidFill>
+              </a:rPr>
+              <a:t> </a:t>
+            </a:r>
+            <a:r>
+              <a:rPr lang="en-US" b="1" dirty="0" err="1">
+                <a:solidFill>
+                  <a:srgbClr val="0070C0"/>
+                </a:solidFill>
+              </a:rPr>
+              <a:t>Exemplo</a:t>
+            </a:r>
+            <a:r>
+              <a:rPr lang="en-US" b="1" dirty="0">
+                <a:solidFill>
+                  <a:srgbClr val="0070C0"/>
+                </a:solidFill>
+              </a:rPr>
+              <a:t>: API </a:t>
+            </a:r>
+            <a:r>
+              <a:rPr lang="en-US" b="1" dirty="0" err="1">
+                <a:solidFill>
+                  <a:srgbClr val="0070C0"/>
+                </a:solidFill>
+              </a:rPr>
+              <a:t>viaCEP</a:t>
+            </a:r>
+            <a:endParaRPr lang="en-US" b="1" dirty="0">
+              <a:solidFill>
+                <a:srgbClr val="0070C0"/>
+              </a:solidFill>
+            </a:endParaRPr>
+          </a:p>
+        </p:txBody>
+      </p:sp>
+      <p:sp>
+        <p:nvSpPr>
+          <p:cNvPr id="8" name="Text Placeholder 2"/>
+          <p:cNvSpPr>
+            <a:spLocks noGrp="1"/>
+          </p:cNvSpPr>
+          <p:nvPr>
+            <p:ph type="body" sz="half" idx="1"/>
+          </p:nvPr>
+        </p:nvSpPr>
+        <p:spPr>
+          <a:xfrm>
+            <a:off x="142865" y="962155"/>
+            <a:ext cx="8865056" cy="4148464"/>
+          </a:xfrm>
+        </p:spPr>
+        <p:txBody>
+          <a:bodyPr>
+            <a:noAutofit/>
+          </a:bodyPr>
+          <a:lstStyle/>
+          <a:p>
+            <a:pPr marL="0" indent="0" algn="just">
+              <a:buNone/>
+            </a:pPr>
+            <a:r>
+              <a:rPr lang="pt-BR" sz="2000" b="1" dirty="0">
+                <a:solidFill>
+                  <a:schemeClr val="tx1"/>
+                </a:solidFill>
+                <a:latin typeface="Times New Roman" panose="02020603050405020304" pitchFamily="18" charset="0"/>
+                <a:cs typeface="Times New Roman" panose="02020603050405020304" pitchFamily="18" charset="0"/>
+              </a:rPr>
+              <a:t>// </a:t>
+            </a:r>
+            <a:r>
+              <a:rPr lang="pt-BR" sz="2000" b="1" dirty="0">
+                <a:solidFill>
+                  <a:schemeClr val="tx1"/>
+                </a:solidFill>
+                <a:latin typeface="Times New Roman" panose="02020603050405020304" pitchFamily="18" charset="0"/>
+                <a:cs typeface="Times New Roman" panose="02020603050405020304" pitchFamily="18" charset="0"/>
+                <a:hlinkClick r:id="rId3"/>
+              </a:rPr>
+              <a:t>https://viacep.com.br/</a:t>
+            </a:r>
+            <a:endParaRPr lang="pt-BR" sz="2000" b="1" dirty="0">
+              <a:solidFill>
+                <a:schemeClr val="tx1"/>
+              </a:solidFill>
+              <a:latin typeface="Times New Roman" panose="02020603050405020304" pitchFamily="18" charset="0"/>
+              <a:cs typeface="Times New Roman" panose="02020603050405020304" pitchFamily="18" charset="0"/>
+            </a:endParaRPr>
+          </a:p>
+          <a:p>
+            <a:pPr marL="0" indent="0" algn="just">
+              <a:buNone/>
+            </a:pPr>
+            <a:endParaRPr lang="pt-BR" sz="2000" b="1" dirty="0">
+              <a:solidFill>
+                <a:schemeClr val="tx1"/>
+              </a:solidFill>
+              <a:latin typeface="Times New Roman" panose="02020603050405020304" pitchFamily="18" charset="0"/>
+              <a:cs typeface="Times New Roman" panose="02020603050405020304" pitchFamily="18" charset="0"/>
+            </a:endParaRPr>
+          </a:p>
+          <a:p>
+            <a:pPr marL="0" indent="0" algn="just">
+              <a:buNone/>
+            </a:pPr>
+            <a:r>
+              <a:rPr lang="pt-BR" sz="2000" b="1" dirty="0" err="1">
+                <a:solidFill>
+                  <a:schemeClr val="tx1"/>
+                </a:solidFill>
+                <a:latin typeface="Times New Roman" panose="02020603050405020304" pitchFamily="18" charset="0"/>
+                <a:cs typeface="Times New Roman" panose="02020603050405020304" pitchFamily="18" charset="0"/>
+              </a:rPr>
+              <a:t>const</a:t>
+            </a:r>
+            <a:r>
+              <a:rPr lang="pt-BR" sz="2000" dirty="0">
+                <a:solidFill>
+                  <a:schemeClr val="tx1"/>
+                </a:solidFill>
+                <a:latin typeface="Times New Roman" panose="02020603050405020304" pitchFamily="18" charset="0"/>
+                <a:cs typeface="Times New Roman" panose="02020603050405020304" pitchFamily="18" charset="0"/>
+              </a:rPr>
+              <a:t> </a:t>
+            </a:r>
+            <a:r>
+              <a:rPr lang="pt-BR" sz="2000" dirty="0" err="1">
+                <a:solidFill>
+                  <a:schemeClr val="tx1"/>
+                </a:solidFill>
+                <a:latin typeface="Times New Roman" panose="02020603050405020304" pitchFamily="18" charset="0"/>
+                <a:cs typeface="Times New Roman" panose="02020603050405020304" pitchFamily="18" charset="0"/>
+              </a:rPr>
+              <a:t>ajax</a:t>
+            </a:r>
+            <a:r>
+              <a:rPr lang="pt-BR" sz="2000" dirty="0">
+                <a:solidFill>
+                  <a:schemeClr val="tx1"/>
+                </a:solidFill>
+                <a:latin typeface="Times New Roman" panose="02020603050405020304" pitchFamily="18" charset="0"/>
+                <a:cs typeface="Times New Roman" panose="02020603050405020304" pitchFamily="18" charset="0"/>
+              </a:rPr>
+              <a:t> = new </a:t>
+            </a:r>
+            <a:r>
+              <a:rPr lang="pt-BR" sz="2000" dirty="0" err="1">
+                <a:solidFill>
+                  <a:schemeClr val="tx1"/>
+                </a:solidFill>
+                <a:latin typeface="Times New Roman" panose="02020603050405020304" pitchFamily="18" charset="0"/>
+                <a:cs typeface="Times New Roman" panose="02020603050405020304" pitchFamily="18" charset="0"/>
+              </a:rPr>
+              <a:t>XMLHttpRequest</a:t>
+            </a:r>
+            <a:r>
+              <a:rPr lang="pt-BR" sz="2000" dirty="0">
+                <a:solidFill>
+                  <a:schemeClr val="tx1"/>
+                </a:solidFill>
+                <a:latin typeface="Times New Roman" panose="02020603050405020304" pitchFamily="18" charset="0"/>
+                <a:cs typeface="Times New Roman" panose="02020603050405020304" pitchFamily="18" charset="0"/>
+              </a:rPr>
+              <a:t>();</a:t>
+            </a:r>
+          </a:p>
+          <a:p>
+            <a:pPr marL="0" indent="0" algn="just">
+              <a:buNone/>
+            </a:pPr>
+            <a:r>
+              <a:rPr lang="pt-BR" sz="2000" dirty="0" err="1">
+                <a:solidFill>
+                  <a:schemeClr val="tx1"/>
+                </a:solidFill>
+                <a:latin typeface="Times New Roman" panose="02020603050405020304" pitchFamily="18" charset="0"/>
+                <a:cs typeface="Times New Roman" panose="02020603050405020304" pitchFamily="18" charset="0"/>
+              </a:rPr>
+              <a:t>ajax.open</a:t>
+            </a:r>
+            <a:r>
+              <a:rPr lang="pt-BR" sz="2000" dirty="0">
+                <a:solidFill>
+                  <a:schemeClr val="tx1"/>
+                </a:solidFill>
+                <a:latin typeface="Times New Roman" panose="02020603050405020304" pitchFamily="18" charset="0"/>
+                <a:cs typeface="Times New Roman" panose="02020603050405020304" pitchFamily="18" charset="0"/>
+              </a:rPr>
+              <a:t>(‘GET’, ‘</a:t>
+            </a:r>
+            <a:r>
+              <a:rPr lang="pt-BR" sz="2000" b="1" dirty="0">
+                <a:solidFill>
+                  <a:schemeClr val="tx1"/>
+                </a:solidFill>
+                <a:latin typeface="Times New Roman" panose="02020603050405020304" pitchFamily="18" charset="0"/>
+                <a:cs typeface="Times New Roman" panose="02020603050405020304" pitchFamily="18" charset="0"/>
+              </a:rPr>
+              <a:t>https://viacep.com.br/ws/01001000/</a:t>
+            </a:r>
+            <a:r>
+              <a:rPr lang="pt-BR" sz="2000" b="1" dirty="0" err="1">
+                <a:solidFill>
+                  <a:schemeClr val="tx1"/>
+                </a:solidFill>
+                <a:latin typeface="Times New Roman" panose="02020603050405020304" pitchFamily="18" charset="0"/>
+                <a:cs typeface="Times New Roman" panose="02020603050405020304" pitchFamily="18" charset="0"/>
+              </a:rPr>
+              <a:t>json</a:t>
+            </a:r>
+            <a:r>
+              <a:rPr lang="pt-BR" sz="2000" b="1" dirty="0">
+                <a:solidFill>
+                  <a:schemeClr val="tx1"/>
+                </a:solidFill>
+                <a:latin typeface="Times New Roman" panose="02020603050405020304" pitchFamily="18" charset="0"/>
+                <a:cs typeface="Times New Roman" panose="02020603050405020304" pitchFamily="18" charset="0"/>
+              </a:rPr>
+              <a:t>/’</a:t>
+            </a:r>
+            <a:r>
+              <a:rPr lang="pt-BR" sz="2000" dirty="0">
+                <a:solidFill>
+                  <a:schemeClr val="tx1"/>
+                </a:solidFill>
+                <a:latin typeface="Times New Roman" panose="02020603050405020304" pitchFamily="18" charset="0"/>
+                <a:cs typeface="Times New Roman" panose="02020603050405020304" pitchFamily="18" charset="0"/>
+              </a:rPr>
+              <a:t>);</a:t>
+            </a:r>
+          </a:p>
+          <a:p>
+            <a:pPr marL="0" indent="0" algn="just">
+              <a:buNone/>
+            </a:pPr>
+            <a:r>
+              <a:rPr lang="pt-BR" sz="2000" dirty="0" err="1">
+                <a:solidFill>
+                  <a:schemeClr val="tx1"/>
+                </a:solidFill>
+                <a:latin typeface="Times New Roman" panose="02020603050405020304" pitchFamily="18" charset="0"/>
+                <a:cs typeface="Times New Roman" panose="02020603050405020304" pitchFamily="18" charset="0"/>
+              </a:rPr>
+              <a:t>ajax.send</a:t>
+            </a:r>
+            <a:r>
+              <a:rPr lang="pt-BR" sz="2000" dirty="0">
+                <a:solidFill>
+                  <a:schemeClr val="tx1"/>
+                </a:solidFill>
+                <a:latin typeface="Times New Roman" panose="02020603050405020304" pitchFamily="18" charset="0"/>
+                <a:cs typeface="Times New Roman" panose="02020603050405020304" pitchFamily="18" charset="0"/>
+              </a:rPr>
+              <a:t>();</a:t>
+            </a:r>
+          </a:p>
+          <a:p>
+            <a:pPr marL="0" indent="0" algn="just">
+              <a:buNone/>
+            </a:pPr>
+            <a:r>
+              <a:rPr lang="pt-BR" sz="2000" dirty="0">
+                <a:solidFill>
+                  <a:schemeClr val="tx1"/>
+                </a:solidFill>
+                <a:latin typeface="Times New Roman" panose="02020603050405020304" pitchFamily="18" charset="0"/>
+                <a:cs typeface="Times New Roman" panose="02020603050405020304" pitchFamily="18" charset="0"/>
+              </a:rPr>
+              <a:t>	// incluir na </a:t>
+            </a:r>
+            <a:r>
+              <a:rPr lang="pt-BR" sz="2000" b="1" dirty="0" err="1">
+                <a:solidFill>
+                  <a:schemeClr val="tx1"/>
+                </a:solidFill>
+                <a:latin typeface="Times New Roman" panose="02020603050405020304" pitchFamily="18" charset="0"/>
+                <a:cs typeface="Times New Roman" panose="02020603050405020304" pitchFamily="18" charset="0"/>
+              </a:rPr>
+              <a:t>tag</a:t>
+            </a:r>
+            <a:r>
+              <a:rPr lang="pt-BR" sz="2000" dirty="0">
+                <a:solidFill>
+                  <a:schemeClr val="tx1"/>
+                </a:solidFill>
+                <a:latin typeface="Times New Roman" panose="02020603050405020304" pitchFamily="18" charset="0"/>
+                <a:cs typeface="Times New Roman" panose="02020603050405020304" pitchFamily="18" charset="0"/>
+              </a:rPr>
+              <a:t> </a:t>
+            </a:r>
+            <a:r>
+              <a:rPr lang="pt-BR" sz="2000" dirty="0" err="1">
+                <a:solidFill>
+                  <a:schemeClr val="tx1"/>
+                </a:solidFill>
+                <a:latin typeface="Times New Roman" panose="02020603050405020304" pitchFamily="18" charset="0"/>
+                <a:cs typeface="Times New Roman" panose="02020603050405020304" pitchFamily="18" charset="0"/>
+              </a:rPr>
+              <a:t>pre</a:t>
+            </a:r>
+            <a:r>
+              <a:rPr lang="pt-BR" sz="2000" dirty="0">
+                <a:solidFill>
+                  <a:schemeClr val="tx1"/>
+                </a:solidFill>
+                <a:latin typeface="Times New Roman" panose="02020603050405020304" pitchFamily="18" charset="0"/>
+                <a:cs typeface="Times New Roman" panose="02020603050405020304" pitchFamily="18" charset="0"/>
+              </a:rPr>
+              <a:t> ou p</a:t>
+            </a:r>
+          </a:p>
+          <a:p>
+            <a:pPr marL="0" indent="0" algn="just">
+              <a:buNone/>
+            </a:pPr>
+            <a:r>
+              <a:rPr lang="pt-BR" sz="2000" dirty="0" err="1">
+                <a:solidFill>
+                  <a:schemeClr val="tx1"/>
+                </a:solidFill>
+                <a:latin typeface="Times New Roman" panose="02020603050405020304" pitchFamily="18" charset="0"/>
+                <a:cs typeface="Times New Roman" panose="02020603050405020304" pitchFamily="18" charset="0"/>
+              </a:rPr>
+              <a:t>ajax.onload</a:t>
+            </a:r>
+            <a:r>
+              <a:rPr lang="pt-BR" sz="2000" dirty="0">
+                <a:solidFill>
+                  <a:schemeClr val="tx1"/>
+                </a:solidFill>
+                <a:latin typeface="Times New Roman" panose="02020603050405020304" pitchFamily="18" charset="0"/>
+                <a:cs typeface="Times New Roman" panose="02020603050405020304" pitchFamily="18" charset="0"/>
+              </a:rPr>
+              <a:t> = </a:t>
+            </a:r>
+            <a:r>
+              <a:rPr lang="pt-BR" sz="2000" dirty="0" err="1">
+                <a:solidFill>
+                  <a:schemeClr val="tx1"/>
+                </a:solidFill>
+                <a:latin typeface="Times New Roman" panose="02020603050405020304" pitchFamily="18" charset="0"/>
+                <a:cs typeface="Times New Roman" panose="02020603050405020304" pitchFamily="18" charset="0"/>
+              </a:rPr>
+              <a:t>function</a:t>
+            </a:r>
+            <a:r>
+              <a:rPr lang="pt-BR" sz="2000" dirty="0">
+                <a:solidFill>
+                  <a:schemeClr val="tx1"/>
+                </a:solidFill>
+                <a:latin typeface="Times New Roman" panose="02020603050405020304" pitchFamily="18" charset="0"/>
+                <a:cs typeface="Times New Roman" panose="02020603050405020304" pitchFamily="18" charset="0"/>
+              </a:rPr>
+              <a:t>(){  </a:t>
+            </a:r>
+          </a:p>
+          <a:p>
+            <a:pPr marL="0" indent="0" algn="just">
+              <a:buNone/>
+            </a:pPr>
+            <a:r>
+              <a:rPr lang="pt-BR" sz="2000" dirty="0">
+                <a:solidFill>
+                  <a:schemeClr val="tx1"/>
+                </a:solidFill>
+                <a:latin typeface="Times New Roman" panose="02020603050405020304" pitchFamily="18" charset="0"/>
+                <a:cs typeface="Times New Roman" panose="02020603050405020304" pitchFamily="18" charset="0"/>
+              </a:rPr>
+              <a:t>		</a:t>
+            </a:r>
+            <a:r>
+              <a:rPr lang="pt-BR" sz="2000" b="1" dirty="0" err="1">
+                <a:solidFill>
+                  <a:schemeClr val="tx1"/>
+                </a:solidFill>
+                <a:latin typeface="Times New Roman" panose="02020603050405020304" pitchFamily="18" charset="0"/>
+                <a:cs typeface="Times New Roman" panose="02020603050405020304" pitchFamily="18" charset="0"/>
+              </a:rPr>
+              <a:t>document</a:t>
+            </a:r>
+            <a:r>
+              <a:rPr lang="pt-BR" sz="2000" dirty="0" err="1">
+                <a:solidFill>
+                  <a:schemeClr val="tx1"/>
+                </a:solidFill>
+                <a:latin typeface="Times New Roman" panose="02020603050405020304" pitchFamily="18" charset="0"/>
+                <a:cs typeface="Times New Roman" panose="02020603050405020304" pitchFamily="18" charset="0"/>
+              </a:rPr>
+              <a:t>.getElementById</a:t>
+            </a:r>
+            <a:r>
+              <a:rPr lang="pt-BR" sz="2000" dirty="0">
+                <a:solidFill>
+                  <a:schemeClr val="tx1"/>
+                </a:solidFill>
+                <a:latin typeface="Times New Roman" panose="02020603050405020304" pitchFamily="18" charset="0"/>
+                <a:cs typeface="Times New Roman" panose="02020603050405020304" pitchFamily="18" charset="0"/>
+              </a:rPr>
+              <a:t>(“</a:t>
+            </a:r>
+            <a:r>
+              <a:rPr lang="pt-BR" sz="2000" b="1" dirty="0" err="1">
+                <a:solidFill>
+                  <a:schemeClr val="tx1"/>
+                </a:solidFill>
+                <a:latin typeface="Times New Roman" panose="02020603050405020304" pitchFamily="18" charset="0"/>
+                <a:cs typeface="Times New Roman" panose="02020603050405020304" pitchFamily="18" charset="0"/>
+              </a:rPr>
+              <a:t>IdArea</a:t>
+            </a:r>
+            <a:r>
+              <a:rPr lang="pt-BR" sz="2000" dirty="0">
+                <a:solidFill>
+                  <a:schemeClr val="tx1"/>
+                </a:solidFill>
+                <a:latin typeface="Times New Roman" panose="02020603050405020304" pitchFamily="18" charset="0"/>
+                <a:cs typeface="Times New Roman" panose="02020603050405020304" pitchFamily="18" charset="0"/>
+              </a:rPr>
+              <a:t>”).</a:t>
+            </a:r>
+            <a:r>
+              <a:rPr lang="pt-BR" sz="2000" dirty="0" err="1">
+                <a:solidFill>
+                  <a:schemeClr val="tx1"/>
+                </a:solidFill>
+                <a:latin typeface="Times New Roman" panose="02020603050405020304" pitchFamily="18" charset="0"/>
+                <a:cs typeface="Times New Roman" panose="02020603050405020304" pitchFamily="18" charset="0"/>
+              </a:rPr>
+              <a:t>innerHTML</a:t>
+            </a:r>
+            <a:r>
+              <a:rPr lang="pt-BR" sz="2000" dirty="0">
+                <a:solidFill>
+                  <a:schemeClr val="tx1"/>
+                </a:solidFill>
+                <a:latin typeface="Times New Roman" panose="02020603050405020304" pitchFamily="18" charset="0"/>
+                <a:cs typeface="Times New Roman" panose="02020603050405020304" pitchFamily="18" charset="0"/>
+              </a:rPr>
+              <a:t> = </a:t>
+            </a:r>
+            <a:r>
+              <a:rPr lang="pt-BR" sz="2000" b="1" dirty="0" err="1">
+                <a:solidFill>
+                  <a:schemeClr val="tx1"/>
+                </a:solidFill>
+                <a:latin typeface="Times New Roman" panose="02020603050405020304" pitchFamily="18" charset="0"/>
+                <a:cs typeface="Times New Roman" panose="02020603050405020304" pitchFamily="18" charset="0"/>
+              </a:rPr>
+              <a:t>this</a:t>
+            </a:r>
+            <a:r>
+              <a:rPr lang="pt-BR" sz="2000" dirty="0" err="1">
+                <a:solidFill>
+                  <a:schemeClr val="tx1"/>
+                </a:solidFill>
+                <a:latin typeface="Times New Roman" panose="02020603050405020304" pitchFamily="18" charset="0"/>
+                <a:cs typeface="Times New Roman" panose="02020603050405020304" pitchFamily="18" charset="0"/>
+              </a:rPr>
+              <a:t>.responseText</a:t>
+            </a:r>
+            <a:r>
+              <a:rPr lang="pt-BR" sz="2000" dirty="0">
+                <a:solidFill>
+                  <a:schemeClr val="tx1"/>
+                </a:solidFill>
+                <a:latin typeface="Times New Roman" panose="02020603050405020304" pitchFamily="18" charset="0"/>
+                <a:cs typeface="Times New Roman" panose="02020603050405020304" pitchFamily="18" charset="0"/>
+              </a:rPr>
+              <a:t>;</a:t>
+            </a:r>
+          </a:p>
+          <a:p>
+            <a:pPr marL="0" indent="0" algn="just">
+              <a:buNone/>
+            </a:pPr>
+            <a:r>
+              <a:rPr lang="pt-BR" sz="2000" b="1" dirty="0">
+                <a:solidFill>
+                  <a:schemeClr val="tx1"/>
+                </a:solidFill>
+                <a:latin typeface="Times New Roman" panose="02020603050405020304" pitchFamily="18" charset="0"/>
+                <a:cs typeface="Times New Roman" panose="02020603050405020304" pitchFamily="18" charset="0"/>
+              </a:rPr>
+              <a:t>		</a:t>
+            </a:r>
+            <a:r>
+              <a:rPr lang="pt-BR" sz="2000" b="1" dirty="0" err="1">
+                <a:solidFill>
+                  <a:schemeClr val="tx1"/>
+                </a:solidFill>
+                <a:latin typeface="Times New Roman" panose="02020603050405020304" pitchFamily="18" charset="0"/>
+                <a:cs typeface="Times New Roman" panose="02020603050405020304" pitchFamily="18" charset="0"/>
+              </a:rPr>
+              <a:t>let</a:t>
+            </a:r>
+            <a:r>
+              <a:rPr lang="pt-BR" sz="2000" dirty="0">
+                <a:solidFill>
+                  <a:schemeClr val="tx1"/>
+                </a:solidFill>
+                <a:latin typeface="Times New Roman" panose="02020603050405020304" pitchFamily="18" charset="0"/>
+                <a:cs typeface="Times New Roman" panose="02020603050405020304" pitchFamily="18" charset="0"/>
+              </a:rPr>
+              <a:t> </a:t>
+            </a:r>
+            <a:r>
+              <a:rPr lang="pt-BR" sz="2000" b="1" dirty="0" err="1">
+                <a:solidFill>
+                  <a:srgbClr val="FF0000"/>
+                </a:solidFill>
+                <a:latin typeface="Times New Roman" panose="02020603050405020304" pitchFamily="18" charset="0"/>
+                <a:cs typeface="Times New Roman" panose="02020603050405020304" pitchFamily="18" charset="0"/>
+              </a:rPr>
+              <a:t>objCEP</a:t>
+            </a:r>
+            <a:r>
+              <a:rPr lang="pt-BR" sz="2000" dirty="0">
+                <a:solidFill>
+                  <a:schemeClr val="tx1"/>
+                </a:solidFill>
+                <a:latin typeface="Times New Roman" panose="02020603050405020304" pitchFamily="18" charset="0"/>
+                <a:cs typeface="Times New Roman" panose="02020603050405020304" pitchFamily="18" charset="0"/>
+              </a:rPr>
+              <a:t> = </a:t>
+            </a:r>
+            <a:r>
+              <a:rPr lang="pt-BR" sz="2000" b="1" dirty="0" err="1">
+                <a:solidFill>
+                  <a:schemeClr val="tx1"/>
+                </a:solidFill>
+                <a:latin typeface="Times New Roman" panose="02020603050405020304" pitchFamily="18" charset="0"/>
+                <a:cs typeface="Times New Roman" panose="02020603050405020304" pitchFamily="18" charset="0"/>
+              </a:rPr>
+              <a:t>JSON</a:t>
+            </a:r>
+            <a:r>
+              <a:rPr lang="pt-BR" sz="2000" dirty="0" err="1">
+                <a:solidFill>
+                  <a:schemeClr val="tx1"/>
+                </a:solidFill>
+                <a:latin typeface="Times New Roman" panose="02020603050405020304" pitchFamily="18" charset="0"/>
+                <a:cs typeface="Times New Roman" panose="02020603050405020304" pitchFamily="18" charset="0"/>
+              </a:rPr>
+              <a:t>.parse</a:t>
+            </a:r>
+            <a:r>
+              <a:rPr lang="pt-BR" sz="2000" dirty="0">
+                <a:solidFill>
+                  <a:schemeClr val="tx1"/>
+                </a:solidFill>
+                <a:latin typeface="Times New Roman" panose="02020603050405020304" pitchFamily="18" charset="0"/>
+                <a:cs typeface="Times New Roman" panose="02020603050405020304" pitchFamily="18" charset="0"/>
+              </a:rPr>
+              <a:t>(</a:t>
+            </a:r>
+            <a:r>
+              <a:rPr lang="pt-BR" sz="2000" b="1" dirty="0" err="1">
+                <a:solidFill>
+                  <a:schemeClr val="tx1"/>
+                </a:solidFill>
+                <a:latin typeface="Times New Roman" panose="02020603050405020304" pitchFamily="18" charset="0"/>
+                <a:cs typeface="Times New Roman" panose="02020603050405020304" pitchFamily="18" charset="0"/>
+              </a:rPr>
+              <a:t>this</a:t>
+            </a:r>
+            <a:r>
+              <a:rPr lang="pt-BR" sz="2000" dirty="0" err="1">
+                <a:solidFill>
+                  <a:schemeClr val="tx1"/>
+                </a:solidFill>
+                <a:latin typeface="Times New Roman" panose="02020603050405020304" pitchFamily="18" charset="0"/>
+                <a:cs typeface="Times New Roman" panose="02020603050405020304" pitchFamily="18" charset="0"/>
+              </a:rPr>
+              <a:t>.responseText</a:t>
+            </a:r>
+            <a:r>
+              <a:rPr lang="pt-BR" sz="2000" dirty="0">
+                <a:solidFill>
+                  <a:schemeClr val="tx1"/>
+                </a:solidFill>
+                <a:latin typeface="Times New Roman" panose="02020603050405020304" pitchFamily="18" charset="0"/>
+                <a:cs typeface="Times New Roman" panose="02020603050405020304" pitchFamily="18" charset="0"/>
+              </a:rPr>
+              <a:t>);</a:t>
+            </a:r>
+          </a:p>
+          <a:p>
+            <a:pPr marL="0" indent="0" algn="just">
+              <a:buNone/>
+            </a:pPr>
+            <a:r>
+              <a:rPr lang="pt-BR" sz="2000" dirty="0">
+                <a:solidFill>
+                  <a:schemeClr val="tx1"/>
+                </a:solidFill>
+                <a:latin typeface="Times New Roman" panose="02020603050405020304" pitchFamily="18" charset="0"/>
+                <a:cs typeface="Times New Roman" panose="02020603050405020304" pitchFamily="18" charset="0"/>
+              </a:rPr>
+              <a:t>		</a:t>
+            </a:r>
+            <a:r>
+              <a:rPr lang="pt-BR" sz="2000" b="1" dirty="0" err="1">
+                <a:solidFill>
+                  <a:schemeClr val="tx1"/>
+                </a:solidFill>
+                <a:latin typeface="Times New Roman" panose="02020603050405020304" pitchFamily="18" charset="0"/>
+                <a:cs typeface="Times New Roman" panose="02020603050405020304" pitchFamily="18" charset="0"/>
+              </a:rPr>
+              <a:t>alert</a:t>
+            </a:r>
+            <a:r>
+              <a:rPr lang="pt-BR" sz="2000" dirty="0">
+                <a:solidFill>
+                  <a:schemeClr val="tx1"/>
+                </a:solidFill>
+                <a:latin typeface="Times New Roman" panose="02020603050405020304" pitchFamily="18" charset="0"/>
+                <a:cs typeface="Times New Roman" panose="02020603050405020304" pitchFamily="18" charset="0"/>
+              </a:rPr>
+              <a:t>(</a:t>
+            </a:r>
+            <a:r>
+              <a:rPr lang="pt-BR" sz="2000" b="1" dirty="0" err="1">
+                <a:solidFill>
+                  <a:srgbClr val="FF0000"/>
+                </a:solidFill>
+                <a:latin typeface="Times New Roman" panose="02020603050405020304" pitchFamily="18" charset="0"/>
+                <a:cs typeface="Times New Roman" panose="02020603050405020304" pitchFamily="18" charset="0"/>
+              </a:rPr>
+              <a:t>objCEP.</a:t>
+            </a:r>
+            <a:r>
+              <a:rPr lang="pt-BR" sz="2000" b="1" dirty="0" err="1">
+                <a:solidFill>
+                  <a:schemeClr val="tx1"/>
+                </a:solidFill>
+                <a:latin typeface="Times New Roman" panose="02020603050405020304" pitchFamily="18" charset="0"/>
+                <a:cs typeface="Times New Roman" panose="02020603050405020304" pitchFamily="18" charset="0"/>
+              </a:rPr>
+              <a:t>bairro</a:t>
+            </a:r>
+            <a:r>
+              <a:rPr lang="pt-BR" sz="2000" dirty="0">
+                <a:solidFill>
+                  <a:schemeClr val="tx1"/>
+                </a:solidFill>
+                <a:latin typeface="Times New Roman" panose="02020603050405020304" pitchFamily="18" charset="0"/>
+                <a:cs typeface="Times New Roman" panose="02020603050405020304" pitchFamily="18" charset="0"/>
+              </a:rPr>
+              <a:t>); }</a:t>
+            </a:r>
+          </a:p>
+          <a:p>
+            <a:pPr marL="0" indent="0" algn="just">
+              <a:buNone/>
+            </a:pPr>
+            <a:endParaRPr lang="pt-BR" sz="2000" dirty="0">
+              <a:solidFill>
+                <a:schemeClr val="tx1"/>
+              </a:solidFill>
+              <a:latin typeface="Times New Roman" panose="02020603050405020304" pitchFamily="18" charset="0"/>
+              <a:cs typeface="Times New Roman" panose="02020603050405020304" pitchFamily="18" charset="0"/>
+            </a:endParaRPr>
+          </a:p>
+        </p:txBody>
+      </p:sp>
+    </p:spTree>
+    <p:extLst>
+      <p:ext uri="{BB962C8B-B14F-4D97-AF65-F5344CB8AC3E}">
+        <p14:creationId xmlns:p14="http://schemas.microsoft.com/office/powerpoint/2010/main" val="180499625"/>
+      </p:ext>
+    </p:extLst>
+  </p:cSld>
+  <p:clrMapOvr>
+    <a:masterClrMapping/>
+  </p:clrMapOvr>
+  <p:transition spd="med"/>
+</p:sld>
+</file>
+
+<file path=ppt/slides/slide62.xml><?xml version="1.0" encoding="utf-8"?>
+<p:sld xmlns:a="http://schemas.openxmlformats.org/drawingml/2006/main" xmlns:r="http://schemas.openxmlformats.org/officeDocument/2006/relationships" xmlns:p="http://schemas.openxmlformats.org/presentationml/2006/main">
+  <p:cSld>
+    <p:spTree>
+      <p:nvGrpSpPr>
+        <p:cNvPr id="1" name=""/>
+        <p:cNvGrpSpPr/>
+        <p:nvPr/>
+      </p:nvGrpSpPr>
+      <p:grpSpPr>
+        <a:xfrm>
+          <a:off x="0" y="0"/>
+          <a:ext cx="0" cy="0"/>
+          <a:chOff x="0" y="0"/>
+          <a:chExt cx="0" cy="0"/>
+        </a:xfrm>
+      </p:grpSpPr>
+      <p:sp>
+        <p:nvSpPr>
+          <p:cNvPr id="6" name="Title 1"/>
+          <p:cNvSpPr>
+            <a:spLocks noGrp="1"/>
+          </p:cNvSpPr>
+          <p:nvPr>
+            <p:ph type="title"/>
+          </p:nvPr>
+        </p:nvSpPr>
+        <p:spPr>
+          <a:xfrm>
+            <a:off x="457200" y="205980"/>
+            <a:ext cx="8229600" cy="857251"/>
+          </a:xfrm>
+        </p:spPr>
+        <p:txBody>
+          <a:bodyPr>
+            <a:normAutofit/>
+          </a:bodyPr>
+          <a:lstStyle/>
+          <a:p>
+            <a:r>
+              <a:rPr lang="en-US" b="1" dirty="0">
+                <a:solidFill>
+                  <a:srgbClr val="0070C0"/>
+                </a:solidFill>
+              </a:rPr>
+              <a:t>JS – </a:t>
+            </a:r>
+            <a:r>
+              <a:rPr lang="en-US" b="1" dirty="0" err="1">
+                <a:solidFill>
+                  <a:srgbClr val="0070C0"/>
+                </a:solidFill>
+              </a:rPr>
+              <a:t>Json</a:t>
+            </a:r>
+            <a:r>
+              <a:rPr lang="en-US" b="1" dirty="0">
+                <a:solidFill>
+                  <a:srgbClr val="0070C0"/>
+                </a:solidFill>
+              </a:rPr>
+              <a:t> </a:t>
+            </a:r>
+            <a:r>
+              <a:rPr lang="en-US" b="1" dirty="0" err="1">
+                <a:solidFill>
+                  <a:srgbClr val="0070C0"/>
+                </a:solidFill>
+              </a:rPr>
+              <a:t>Exemplo</a:t>
+            </a:r>
+            <a:r>
+              <a:rPr lang="en-US" b="1" dirty="0">
+                <a:solidFill>
+                  <a:srgbClr val="0070C0"/>
+                </a:solidFill>
+              </a:rPr>
+              <a:t>: API </a:t>
+            </a:r>
+            <a:r>
+              <a:rPr lang="en-US" b="1" dirty="0" err="1">
+                <a:solidFill>
+                  <a:srgbClr val="0070C0"/>
+                </a:solidFill>
+              </a:rPr>
+              <a:t>viaCEP</a:t>
+            </a:r>
+            <a:endParaRPr lang="en-US" b="1" dirty="0">
+              <a:solidFill>
+                <a:srgbClr val="0070C0"/>
+              </a:solidFill>
+            </a:endParaRPr>
+          </a:p>
+        </p:txBody>
+      </p:sp>
+      <p:sp>
+        <p:nvSpPr>
+          <p:cNvPr id="8" name="Text Placeholder 2"/>
+          <p:cNvSpPr>
+            <a:spLocks noGrp="1"/>
+          </p:cNvSpPr>
+          <p:nvPr>
+            <p:ph type="body" sz="half" idx="1"/>
+          </p:nvPr>
+        </p:nvSpPr>
+        <p:spPr>
+          <a:xfrm>
+            <a:off x="142865" y="962155"/>
+            <a:ext cx="8865056" cy="3975365"/>
+          </a:xfrm>
+        </p:spPr>
+        <p:txBody>
+          <a:bodyPr>
+            <a:noAutofit/>
+          </a:bodyPr>
+          <a:lstStyle/>
+          <a:p>
+            <a:pPr marL="0" indent="0" algn="just">
+              <a:buNone/>
+            </a:pPr>
+            <a:r>
+              <a:rPr lang="pt-BR" sz="2000" b="1" dirty="0" err="1">
+                <a:solidFill>
+                  <a:schemeClr val="tx1"/>
+                </a:solidFill>
+                <a:latin typeface="Times New Roman" panose="02020603050405020304" pitchFamily="18" charset="0"/>
+                <a:cs typeface="Times New Roman" panose="02020603050405020304" pitchFamily="18" charset="0"/>
+              </a:rPr>
+              <a:t>function</a:t>
+            </a:r>
+            <a:r>
+              <a:rPr lang="pt-BR" sz="2000" b="1" dirty="0">
+                <a:solidFill>
+                  <a:schemeClr val="tx1"/>
+                </a:solidFill>
+                <a:latin typeface="Times New Roman" panose="02020603050405020304" pitchFamily="18" charset="0"/>
+                <a:cs typeface="Times New Roman" panose="02020603050405020304" pitchFamily="18" charset="0"/>
+              </a:rPr>
+              <a:t> </a:t>
+            </a:r>
+            <a:r>
+              <a:rPr lang="pt-BR" sz="2000" b="1" dirty="0" err="1">
+                <a:solidFill>
+                  <a:srgbClr val="FF0000"/>
+                </a:solidFill>
+                <a:latin typeface="Times New Roman" panose="02020603050405020304" pitchFamily="18" charset="0"/>
+                <a:cs typeface="Times New Roman" panose="02020603050405020304" pitchFamily="18" charset="0"/>
+              </a:rPr>
+              <a:t>buscarCEP</a:t>
+            </a:r>
+            <a:r>
+              <a:rPr lang="pt-BR" sz="2000" b="1" dirty="0">
+                <a:solidFill>
+                  <a:schemeClr val="tx1"/>
+                </a:solidFill>
+                <a:latin typeface="Times New Roman" panose="02020603050405020304" pitchFamily="18" charset="0"/>
+                <a:cs typeface="Times New Roman" panose="02020603050405020304" pitchFamily="18" charset="0"/>
+              </a:rPr>
+              <a:t>()</a:t>
+            </a:r>
+            <a:r>
+              <a:rPr lang="pt-BR" sz="2000" dirty="0">
+                <a:solidFill>
+                  <a:schemeClr val="tx1"/>
+                </a:solidFill>
+                <a:latin typeface="Times New Roman" panose="02020603050405020304" pitchFamily="18" charset="0"/>
+                <a:cs typeface="Times New Roman" panose="02020603050405020304" pitchFamily="18" charset="0"/>
+              </a:rPr>
+              <a:t> { // input; </a:t>
+            </a:r>
+            <a:r>
+              <a:rPr lang="pt-BR" sz="2000" dirty="0" err="1">
+                <a:solidFill>
+                  <a:schemeClr val="tx1"/>
+                </a:solidFill>
+                <a:latin typeface="Times New Roman" panose="02020603050405020304" pitchFamily="18" charset="0"/>
+                <a:cs typeface="Times New Roman" panose="02020603050405020304" pitchFamily="18" charset="0"/>
+              </a:rPr>
+              <a:t>button</a:t>
+            </a:r>
+            <a:r>
+              <a:rPr lang="pt-BR" sz="2000" dirty="0">
+                <a:solidFill>
+                  <a:schemeClr val="tx1"/>
+                </a:solidFill>
+                <a:latin typeface="Times New Roman" panose="02020603050405020304" pitchFamily="18" charset="0"/>
+                <a:cs typeface="Times New Roman" panose="02020603050405020304" pitchFamily="18" charset="0"/>
+              </a:rPr>
+              <a:t>; p</a:t>
+            </a:r>
+          </a:p>
+          <a:p>
+            <a:pPr marL="0" indent="0" algn="just">
+              <a:buNone/>
+            </a:pPr>
+            <a:r>
+              <a:rPr lang="pt-BR" sz="2000" dirty="0">
+                <a:solidFill>
+                  <a:schemeClr val="tx1"/>
+                </a:solidFill>
+                <a:latin typeface="Times New Roman" panose="02020603050405020304" pitchFamily="18" charset="0"/>
+                <a:cs typeface="Times New Roman" panose="02020603050405020304" pitchFamily="18" charset="0"/>
+              </a:rPr>
+              <a:t>	</a:t>
+            </a:r>
+            <a:r>
+              <a:rPr lang="pt-BR" sz="2000" b="1" dirty="0" err="1">
+                <a:solidFill>
+                  <a:schemeClr val="tx1"/>
+                </a:solidFill>
+                <a:latin typeface="Times New Roman" panose="02020603050405020304" pitchFamily="18" charset="0"/>
+                <a:cs typeface="Times New Roman" panose="02020603050405020304" pitchFamily="18" charset="0"/>
+              </a:rPr>
+              <a:t>let</a:t>
+            </a:r>
+            <a:r>
+              <a:rPr lang="pt-BR" sz="2000" dirty="0">
+                <a:solidFill>
+                  <a:schemeClr val="tx1"/>
+                </a:solidFill>
+                <a:latin typeface="Times New Roman" panose="02020603050405020304" pitchFamily="18" charset="0"/>
+                <a:cs typeface="Times New Roman" panose="02020603050405020304" pitchFamily="18" charset="0"/>
+              </a:rPr>
+              <a:t> </a:t>
+            </a:r>
+            <a:r>
+              <a:rPr lang="pt-BR" sz="2000" dirty="0" err="1">
+                <a:solidFill>
+                  <a:schemeClr val="tx1"/>
+                </a:solidFill>
+                <a:latin typeface="Times New Roman" panose="02020603050405020304" pitchFamily="18" charset="0"/>
+                <a:cs typeface="Times New Roman" panose="02020603050405020304" pitchFamily="18" charset="0"/>
+              </a:rPr>
+              <a:t>inputCEP</a:t>
+            </a:r>
+            <a:r>
+              <a:rPr lang="pt-BR" sz="2000" dirty="0">
+                <a:solidFill>
+                  <a:schemeClr val="tx1"/>
+                </a:solidFill>
+                <a:latin typeface="Times New Roman" panose="02020603050405020304" pitchFamily="18" charset="0"/>
+                <a:cs typeface="Times New Roman" panose="02020603050405020304" pitchFamily="18" charset="0"/>
+              </a:rPr>
+              <a:t> = </a:t>
+            </a:r>
+            <a:r>
+              <a:rPr lang="pt-BR" sz="2000" dirty="0" err="1">
+                <a:solidFill>
+                  <a:schemeClr val="tx1"/>
+                </a:solidFill>
+                <a:latin typeface="Times New Roman" panose="02020603050405020304" pitchFamily="18" charset="0"/>
+                <a:cs typeface="Times New Roman" panose="02020603050405020304" pitchFamily="18" charset="0"/>
+              </a:rPr>
+              <a:t>document.getElementById</a:t>
+            </a:r>
+            <a:r>
+              <a:rPr lang="pt-BR" sz="2000" dirty="0">
+                <a:solidFill>
+                  <a:schemeClr val="tx1"/>
+                </a:solidFill>
+                <a:latin typeface="Times New Roman" panose="02020603050405020304" pitchFamily="18" charset="0"/>
+                <a:cs typeface="Times New Roman" panose="02020603050405020304" pitchFamily="18" charset="0"/>
+              </a:rPr>
+              <a:t>(“</a:t>
+            </a:r>
+            <a:r>
+              <a:rPr lang="pt-BR" sz="2000" dirty="0" err="1">
+                <a:solidFill>
+                  <a:schemeClr val="tx1"/>
+                </a:solidFill>
+                <a:latin typeface="Times New Roman" panose="02020603050405020304" pitchFamily="18" charset="0"/>
+                <a:cs typeface="Times New Roman" panose="02020603050405020304" pitchFamily="18" charset="0"/>
+              </a:rPr>
+              <a:t>IdCEP</a:t>
+            </a:r>
+            <a:r>
+              <a:rPr lang="pt-BR" sz="2000" dirty="0">
+                <a:solidFill>
+                  <a:schemeClr val="tx1"/>
+                </a:solidFill>
+                <a:latin typeface="Times New Roman" panose="02020603050405020304" pitchFamily="18" charset="0"/>
+                <a:cs typeface="Times New Roman" panose="02020603050405020304" pitchFamily="18" charset="0"/>
+              </a:rPr>
+              <a:t>”).</a:t>
+            </a:r>
+            <a:r>
+              <a:rPr lang="pt-BR" sz="2000" dirty="0" err="1">
+                <a:solidFill>
+                  <a:schemeClr val="tx1"/>
+                </a:solidFill>
+                <a:latin typeface="Times New Roman" panose="02020603050405020304" pitchFamily="18" charset="0"/>
+                <a:cs typeface="Times New Roman" panose="02020603050405020304" pitchFamily="18" charset="0"/>
+              </a:rPr>
+              <a:t>value</a:t>
+            </a:r>
+            <a:r>
+              <a:rPr lang="pt-BR" sz="2000" dirty="0">
+                <a:solidFill>
+                  <a:schemeClr val="tx1"/>
+                </a:solidFill>
+                <a:latin typeface="Times New Roman" panose="02020603050405020304" pitchFamily="18" charset="0"/>
+                <a:cs typeface="Times New Roman" panose="02020603050405020304" pitchFamily="18" charset="0"/>
+              </a:rPr>
+              <a:t>;</a:t>
+            </a:r>
+          </a:p>
+          <a:p>
+            <a:pPr marL="447675" lvl="1" indent="0" algn="just">
+              <a:buNone/>
+            </a:pPr>
+            <a:r>
+              <a:rPr lang="pt-BR" sz="2000" b="1" dirty="0" err="1">
+                <a:solidFill>
+                  <a:schemeClr val="tx1"/>
+                </a:solidFill>
+                <a:latin typeface="Times New Roman" panose="02020603050405020304" pitchFamily="18" charset="0"/>
+                <a:cs typeface="Times New Roman" panose="02020603050405020304" pitchFamily="18" charset="0"/>
+              </a:rPr>
+              <a:t>const</a:t>
+            </a:r>
+            <a:r>
+              <a:rPr lang="pt-BR" sz="2000" dirty="0">
+                <a:solidFill>
+                  <a:schemeClr val="tx1"/>
+                </a:solidFill>
+                <a:latin typeface="Times New Roman" panose="02020603050405020304" pitchFamily="18" charset="0"/>
+                <a:cs typeface="Times New Roman" panose="02020603050405020304" pitchFamily="18" charset="0"/>
+              </a:rPr>
+              <a:t> </a:t>
+            </a:r>
+            <a:r>
+              <a:rPr lang="pt-BR" sz="2000" dirty="0" err="1">
+                <a:solidFill>
+                  <a:schemeClr val="tx1"/>
+                </a:solidFill>
+                <a:latin typeface="Times New Roman" panose="02020603050405020304" pitchFamily="18" charset="0"/>
+                <a:cs typeface="Times New Roman" panose="02020603050405020304" pitchFamily="18" charset="0"/>
+              </a:rPr>
+              <a:t>ajax</a:t>
+            </a:r>
+            <a:r>
+              <a:rPr lang="pt-BR" sz="2000" dirty="0">
+                <a:solidFill>
+                  <a:schemeClr val="tx1"/>
+                </a:solidFill>
+                <a:latin typeface="Times New Roman" panose="02020603050405020304" pitchFamily="18" charset="0"/>
+                <a:cs typeface="Times New Roman" panose="02020603050405020304" pitchFamily="18" charset="0"/>
+              </a:rPr>
+              <a:t> = new </a:t>
+            </a:r>
+            <a:r>
+              <a:rPr lang="pt-BR" sz="2000" dirty="0" err="1">
+                <a:solidFill>
+                  <a:schemeClr val="tx1"/>
+                </a:solidFill>
+                <a:latin typeface="Times New Roman" panose="02020603050405020304" pitchFamily="18" charset="0"/>
+                <a:cs typeface="Times New Roman" panose="02020603050405020304" pitchFamily="18" charset="0"/>
+              </a:rPr>
+              <a:t>XMLHttpRequest</a:t>
+            </a:r>
+            <a:r>
+              <a:rPr lang="pt-BR" sz="2000" dirty="0">
+                <a:solidFill>
+                  <a:schemeClr val="tx1"/>
+                </a:solidFill>
+                <a:latin typeface="Times New Roman" panose="02020603050405020304" pitchFamily="18" charset="0"/>
+                <a:cs typeface="Times New Roman" panose="02020603050405020304" pitchFamily="18" charset="0"/>
+              </a:rPr>
+              <a:t>();</a:t>
+            </a:r>
+          </a:p>
+          <a:p>
+            <a:pPr marL="447675" lvl="1" indent="0" algn="just">
+              <a:buNone/>
+            </a:pPr>
+            <a:r>
+              <a:rPr lang="pt-BR" sz="2000" dirty="0" err="1">
+                <a:solidFill>
+                  <a:schemeClr val="tx1"/>
+                </a:solidFill>
+                <a:latin typeface="Times New Roman" panose="02020603050405020304" pitchFamily="18" charset="0"/>
+                <a:cs typeface="Times New Roman" panose="02020603050405020304" pitchFamily="18" charset="0"/>
+              </a:rPr>
+              <a:t>ajax.open</a:t>
+            </a:r>
+            <a:r>
+              <a:rPr lang="pt-BR" sz="2000" dirty="0">
+                <a:solidFill>
+                  <a:schemeClr val="tx1"/>
+                </a:solidFill>
+                <a:latin typeface="Times New Roman" panose="02020603050405020304" pitchFamily="18" charset="0"/>
+                <a:cs typeface="Times New Roman" panose="02020603050405020304" pitchFamily="18" charset="0"/>
+              </a:rPr>
+              <a:t>(‘GET’, ‘</a:t>
+            </a:r>
+            <a:r>
+              <a:rPr lang="pt-BR" sz="2000" b="1" dirty="0">
+                <a:solidFill>
+                  <a:schemeClr val="tx1"/>
+                </a:solidFill>
+                <a:latin typeface="Times New Roman" panose="02020603050405020304" pitchFamily="18" charset="0"/>
+                <a:cs typeface="Times New Roman" panose="02020603050405020304" pitchFamily="18" charset="0"/>
+              </a:rPr>
+              <a:t>https://viacep.com.br/ws/’ + </a:t>
+            </a:r>
+            <a:r>
+              <a:rPr lang="pt-BR" sz="2000" b="1" dirty="0" err="1">
+                <a:solidFill>
+                  <a:schemeClr val="tx1"/>
+                </a:solidFill>
+                <a:latin typeface="Times New Roman" panose="02020603050405020304" pitchFamily="18" charset="0"/>
+                <a:cs typeface="Times New Roman" panose="02020603050405020304" pitchFamily="18" charset="0"/>
+              </a:rPr>
+              <a:t>inputCEP</a:t>
+            </a:r>
+            <a:r>
+              <a:rPr lang="pt-BR" sz="2000" b="1" dirty="0">
+                <a:solidFill>
+                  <a:schemeClr val="tx1"/>
+                </a:solidFill>
+                <a:latin typeface="Times New Roman" panose="02020603050405020304" pitchFamily="18" charset="0"/>
+                <a:cs typeface="Times New Roman" panose="02020603050405020304" pitchFamily="18" charset="0"/>
+              </a:rPr>
+              <a:t> + ‘/</a:t>
+            </a:r>
+            <a:r>
+              <a:rPr lang="pt-BR" sz="2000" b="1" dirty="0" err="1">
+                <a:solidFill>
+                  <a:schemeClr val="tx1"/>
+                </a:solidFill>
+                <a:latin typeface="Times New Roman" panose="02020603050405020304" pitchFamily="18" charset="0"/>
+                <a:cs typeface="Times New Roman" panose="02020603050405020304" pitchFamily="18" charset="0"/>
+              </a:rPr>
+              <a:t>json</a:t>
+            </a:r>
+            <a:r>
+              <a:rPr lang="pt-BR" sz="2000" b="1" dirty="0">
+                <a:solidFill>
+                  <a:schemeClr val="tx1"/>
+                </a:solidFill>
+                <a:latin typeface="Times New Roman" panose="02020603050405020304" pitchFamily="18" charset="0"/>
+                <a:cs typeface="Times New Roman" panose="02020603050405020304" pitchFamily="18" charset="0"/>
+              </a:rPr>
+              <a:t>/’</a:t>
+            </a:r>
+            <a:r>
+              <a:rPr lang="pt-BR" sz="2000" dirty="0">
+                <a:solidFill>
+                  <a:schemeClr val="tx1"/>
+                </a:solidFill>
+                <a:latin typeface="Times New Roman" panose="02020603050405020304" pitchFamily="18" charset="0"/>
+                <a:cs typeface="Times New Roman" panose="02020603050405020304" pitchFamily="18" charset="0"/>
+              </a:rPr>
+              <a:t>);</a:t>
+            </a:r>
+          </a:p>
+          <a:p>
+            <a:pPr marL="447675" lvl="1" indent="0" algn="just">
+              <a:buNone/>
+            </a:pPr>
+            <a:r>
+              <a:rPr lang="pt-BR" sz="2000" dirty="0" err="1">
+                <a:solidFill>
+                  <a:schemeClr val="tx1"/>
+                </a:solidFill>
+                <a:latin typeface="Times New Roman" panose="02020603050405020304" pitchFamily="18" charset="0"/>
+                <a:cs typeface="Times New Roman" panose="02020603050405020304" pitchFamily="18" charset="0"/>
+              </a:rPr>
+              <a:t>ajax.send</a:t>
+            </a:r>
+            <a:r>
+              <a:rPr lang="pt-BR" sz="2000" dirty="0">
+                <a:solidFill>
+                  <a:schemeClr val="tx1"/>
+                </a:solidFill>
+                <a:latin typeface="Times New Roman" panose="02020603050405020304" pitchFamily="18" charset="0"/>
+                <a:cs typeface="Times New Roman" panose="02020603050405020304" pitchFamily="18" charset="0"/>
+              </a:rPr>
+              <a:t>(); </a:t>
+            </a:r>
+          </a:p>
+          <a:p>
+            <a:pPr marL="447675" lvl="1" indent="0" algn="just">
+              <a:buNone/>
+            </a:pPr>
+            <a:r>
+              <a:rPr lang="pt-BR" sz="2000" dirty="0" err="1">
+                <a:solidFill>
+                  <a:schemeClr val="tx1"/>
+                </a:solidFill>
+                <a:latin typeface="Times New Roman" panose="02020603050405020304" pitchFamily="18" charset="0"/>
+                <a:cs typeface="Times New Roman" panose="02020603050405020304" pitchFamily="18" charset="0"/>
+              </a:rPr>
+              <a:t>ajax.onload</a:t>
+            </a:r>
+            <a:r>
+              <a:rPr lang="pt-BR" sz="2000" dirty="0">
+                <a:solidFill>
+                  <a:schemeClr val="tx1"/>
+                </a:solidFill>
+                <a:latin typeface="Times New Roman" panose="02020603050405020304" pitchFamily="18" charset="0"/>
+                <a:cs typeface="Times New Roman" panose="02020603050405020304" pitchFamily="18" charset="0"/>
+              </a:rPr>
+              <a:t> = </a:t>
+            </a:r>
+            <a:r>
+              <a:rPr lang="pt-BR" sz="2000" dirty="0" err="1">
+                <a:solidFill>
+                  <a:schemeClr val="tx1"/>
+                </a:solidFill>
+                <a:latin typeface="Times New Roman" panose="02020603050405020304" pitchFamily="18" charset="0"/>
+                <a:cs typeface="Times New Roman" panose="02020603050405020304" pitchFamily="18" charset="0"/>
+              </a:rPr>
+              <a:t>function</a:t>
+            </a:r>
+            <a:r>
+              <a:rPr lang="pt-BR" sz="2000" dirty="0">
+                <a:solidFill>
+                  <a:schemeClr val="tx1"/>
+                </a:solidFill>
+                <a:latin typeface="Times New Roman" panose="02020603050405020304" pitchFamily="18" charset="0"/>
+                <a:cs typeface="Times New Roman" panose="02020603050405020304" pitchFamily="18" charset="0"/>
+              </a:rPr>
+              <a:t>(){  </a:t>
+            </a:r>
+          </a:p>
+          <a:p>
+            <a:pPr marL="447675" lvl="1" indent="0" algn="just">
+              <a:buNone/>
+            </a:pPr>
+            <a:r>
+              <a:rPr lang="pt-BR" sz="2000" b="1" dirty="0">
+                <a:solidFill>
+                  <a:schemeClr val="tx1"/>
+                </a:solidFill>
+                <a:latin typeface="Times New Roman" panose="02020603050405020304" pitchFamily="18" charset="0"/>
+                <a:cs typeface="Times New Roman" panose="02020603050405020304" pitchFamily="18" charset="0"/>
+              </a:rPr>
+              <a:t>		</a:t>
+            </a:r>
+            <a:r>
+              <a:rPr lang="pt-BR" sz="2000" b="1" dirty="0" err="1">
+                <a:solidFill>
+                  <a:schemeClr val="tx1"/>
+                </a:solidFill>
+                <a:latin typeface="Times New Roman" panose="02020603050405020304" pitchFamily="18" charset="0"/>
+                <a:cs typeface="Times New Roman" panose="02020603050405020304" pitchFamily="18" charset="0"/>
+              </a:rPr>
+              <a:t>let</a:t>
+            </a:r>
+            <a:r>
+              <a:rPr lang="pt-BR" sz="2000" dirty="0">
+                <a:solidFill>
+                  <a:schemeClr val="tx1"/>
+                </a:solidFill>
+                <a:latin typeface="Times New Roman" panose="02020603050405020304" pitchFamily="18" charset="0"/>
+                <a:cs typeface="Times New Roman" panose="02020603050405020304" pitchFamily="18" charset="0"/>
+              </a:rPr>
+              <a:t> </a:t>
+            </a:r>
+            <a:r>
+              <a:rPr lang="pt-BR" sz="2000" b="1" dirty="0" err="1">
+                <a:solidFill>
+                  <a:srgbClr val="FF0000"/>
+                </a:solidFill>
+                <a:latin typeface="Times New Roman" panose="02020603050405020304" pitchFamily="18" charset="0"/>
+                <a:cs typeface="Times New Roman" panose="02020603050405020304" pitchFamily="18" charset="0"/>
+              </a:rPr>
+              <a:t>objCEP</a:t>
+            </a:r>
+            <a:r>
+              <a:rPr lang="pt-BR" sz="2000" dirty="0">
+                <a:solidFill>
+                  <a:schemeClr val="tx1"/>
+                </a:solidFill>
+                <a:latin typeface="Times New Roman" panose="02020603050405020304" pitchFamily="18" charset="0"/>
+                <a:cs typeface="Times New Roman" panose="02020603050405020304" pitchFamily="18" charset="0"/>
+              </a:rPr>
+              <a:t> = </a:t>
+            </a:r>
+            <a:r>
+              <a:rPr lang="pt-BR" sz="2000" b="1" dirty="0" err="1">
+                <a:solidFill>
+                  <a:schemeClr val="tx1"/>
+                </a:solidFill>
+                <a:latin typeface="Times New Roman" panose="02020603050405020304" pitchFamily="18" charset="0"/>
+                <a:cs typeface="Times New Roman" panose="02020603050405020304" pitchFamily="18" charset="0"/>
+              </a:rPr>
+              <a:t>JSON</a:t>
+            </a:r>
+            <a:r>
+              <a:rPr lang="pt-BR" sz="2000" dirty="0" err="1">
+                <a:solidFill>
+                  <a:schemeClr val="tx1"/>
+                </a:solidFill>
+                <a:latin typeface="Times New Roman" panose="02020603050405020304" pitchFamily="18" charset="0"/>
+                <a:cs typeface="Times New Roman" panose="02020603050405020304" pitchFamily="18" charset="0"/>
+              </a:rPr>
+              <a:t>.parse</a:t>
+            </a:r>
+            <a:r>
+              <a:rPr lang="pt-BR" sz="2000" dirty="0">
+                <a:solidFill>
+                  <a:schemeClr val="tx1"/>
+                </a:solidFill>
+                <a:latin typeface="Times New Roman" panose="02020603050405020304" pitchFamily="18" charset="0"/>
+                <a:cs typeface="Times New Roman" panose="02020603050405020304" pitchFamily="18" charset="0"/>
+              </a:rPr>
+              <a:t>(</a:t>
+            </a:r>
+            <a:r>
+              <a:rPr lang="pt-BR" sz="2000" b="1" dirty="0" err="1">
+                <a:solidFill>
+                  <a:schemeClr val="tx1"/>
+                </a:solidFill>
+                <a:latin typeface="Times New Roman" panose="02020603050405020304" pitchFamily="18" charset="0"/>
+                <a:cs typeface="Times New Roman" panose="02020603050405020304" pitchFamily="18" charset="0"/>
+              </a:rPr>
+              <a:t>this</a:t>
+            </a:r>
+            <a:r>
+              <a:rPr lang="pt-BR" sz="2000" dirty="0" err="1">
+                <a:solidFill>
+                  <a:schemeClr val="tx1"/>
+                </a:solidFill>
+                <a:latin typeface="Times New Roman" panose="02020603050405020304" pitchFamily="18" charset="0"/>
+                <a:cs typeface="Times New Roman" panose="02020603050405020304" pitchFamily="18" charset="0"/>
+              </a:rPr>
+              <a:t>.responseText</a:t>
+            </a:r>
+            <a:r>
+              <a:rPr lang="pt-BR" sz="2000" dirty="0">
+                <a:solidFill>
+                  <a:schemeClr val="tx1"/>
+                </a:solidFill>
+                <a:latin typeface="Times New Roman" panose="02020603050405020304" pitchFamily="18" charset="0"/>
+                <a:cs typeface="Times New Roman" panose="02020603050405020304" pitchFamily="18" charset="0"/>
+              </a:rPr>
+              <a:t>);</a:t>
+            </a:r>
+          </a:p>
+          <a:p>
+            <a:pPr marL="447675" lvl="1" indent="0" algn="just">
+              <a:buNone/>
+            </a:pPr>
+            <a:r>
+              <a:rPr lang="pt-BR" sz="2000" dirty="0">
+                <a:solidFill>
+                  <a:schemeClr val="tx1"/>
+                </a:solidFill>
+                <a:latin typeface="Times New Roman" panose="02020603050405020304" pitchFamily="18" charset="0"/>
+                <a:cs typeface="Times New Roman" panose="02020603050405020304" pitchFamily="18" charset="0"/>
+              </a:rPr>
+              <a:t>		</a:t>
+            </a:r>
+            <a:r>
+              <a:rPr lang="pt-BR" sz="2000" b="1" dirty="0" err="1">
+                <a:solidFill>
+                  <a:schemeClr val="tx1"/>
+                </a:solidFill>
+                <a:latin typeface="Times New Roman" panose="02020603050405020304" pitchFamily="18" charset="0"/>
+                <a:cs typeface="Times New Roman" panose="02020603050405020304" pitchFamily="18" charset="0"/>
+              </a:rPr>
+              <a:t>let</a:t>
+            </a:r>
+            <a:r>
+              <a:rPr lang="pt-BR" sz="2000" dirty="0">
+                <a:solidFill>
+                  <a:schemeClr val="tx1"/>
+                </a:solidFill>
+                <a:latin typeface="Times New Roman" panose="02020603050405020304" pitchFamily="18" charset="0"/>
+                <a:cs typeface="Times New Roman" panose="02020603050405020304" pitchFamily="18" charset="0"/>
+              </a:rPr>
+              <a:t> </a:t>
+            </a:r>
+            <a:r>
+              <a:rPr lang="pt-BR" sz="2000" dirty="0" err="1">
+                <a:solidFill>
+                  <a:schemeClr val="tx1"/>
+                </a:solidFill>
+                <a:latin typeface="Times New Roman" panose="02020603050405020304" pitchFamily="18" charset="0"/>
+                <a:cs typeface="Times New Roman" panose="02020603050405020304" pitchFamily="18" charset="0"/>
+              </a:rPr>
+              <a:t>lograd</a:t>
+            </a:r>
+            <a:r>
+              <a:rPr lang="pt-BR" sz="2000" dirty="0">
+                <a:solidFill>
+                  <a:schemeClr val="tx1"/>
+                </a:solidFill>
+                <a:latin typeface="Times New Roman" panose="02020603050405020304" pitchFamily="18" charset="0"/>
+                <a:cs typeface="Times New Roman" panose="02020603050405020304" pitchFamily="18" charset="0"/>
+              </a:rPr>
+              <a:t> = </a:t>
+            </a:r>
+            <a:r>
+              <a:rPr lang="pt-BR" sz="2000" dirty="0" err="1">
+                <a:solidFill>
+                  <a:schemeClr val="tx1"/>
+                </a:solidFill>
+                <a:latin typeface="Times New Roman" panose="02020603050405020304" pitchFamily="18" charset="0"/>
+                <a:cs typeface="Times New Roman" panose="02020603050405020304" pitchFamily="18" charset="0"/>
+              </a:rPr>
+              <a:t>objCEP.logradouro</a:t>
+            </a:r>
+            <a:r>
+              <a:rPr lang="pt-BR" sz="2000" dirty="0">
+                <a:solidFill>
+                  <a:schemeClr val="tx1"/>
+                </a:solidFill>
+                <a:latin typeface="Times New Roman" panose="02020603050405020304" pitchFamily="18" charset="0"/>
+                <a:cs typeface="Times New Roman" panose="02020603050405020304" pitchFamily="18" charset="0"/>
+              </a:rPr>
+              <a:t>; </a:t>
+            </a:r>
+            <a:r>
+              <a:rPr lang="pt-BR" sz="2000" dirty="0" err="1">
+                <a:solidFill>
+                  <a:schemeClr val="tx1"/>
+                </a:solidFill>
+                <a:latin typeface="Times New Roman" panose="02020603050405020304" pitchFamily="18" charset="0"/>
+                <a:cs typeface="Times New Roman" panose="02020603050405020304" pitchFamily="18" charset="0"/>
+              </a:rPr>
+              <a:t>let</a:t>
+            </a:r>
+            <a:r>
+              <a:rPr lang="pt-BR" sz="2000" dirty="0">
+                <a:solidFill>
+                  <a:schemeClr val="tx1"/>
+                </a:solidFill>
+                <a:latin typeface="Times New Roman" panose="02020603050405020304" pitchFamily="18" charset="0"/>
+                <a:cs typeface="Times New Roman" panose="02020603050405020304" pitchFamily="18" charset="0"/>
+              </a:rPr>
+              <a:t> cidade = </a:t>
+            </a:r>
+            <a:r>
+              <a:rPr lang="pt-BR" sz="2000" dirty="0" err="1">
+                <a:solidFill>
+                  <a:schemeClr val="tx1"/>
+                </a:solidFill>
+                <a:latin typeface="Times New Roman" panose="02020603050405020304" pitchFamily="18" charset="0"/>
+                <a:cs typeface="Times New Roman" panose="02020603050405020304" pitchFamily="18" charset="0"/>
+              </a:rPr>
+              <a:t>objCEP.bairro</a:t>
+            </a:r>
+            <a:r>
+              <a:rPr lang="pt-BR" sz="2000" dirty="0">
+                <a:solidFill>
+                  <a:schemeClr val="tx1"/>
+                </a:solidFill>
+                <a:latin typeface="Times New Roman" panose="02020603050405020304" pitchFamily="18" charset="0"/>
+                <a:cs typeface="Times New Roman" panose="02020603050405020304" pitchFamily="18" charset="0"/>
+              </a:rPr>
+              <a:t>; </a:t>
+            </a:r>
+          </a:p>
+          <a:p>
+            <a:pPr marL="447675" lvl="1" indent="0" algn="just">
+              <a:buNone/>
+            </a:pPr>
+            <a:r>
+              <a:rPr lang="pt-BR" sz="2000" dirty="0">
+                <a:solidFill>
+                  <a:schemeClr val="tx1"/>
+                </a:solidFill>
+                <a:latin typeface="Times New Roman" panose="02020603050405020304" pitchFamily="18" charset="0"/>
+                <a:cs typeface="Times New Roman" panose="02020603050405020304" pitchFamily="18" charset="0"/>
+              </a:rPr>
+              <a:t>		</a:t>
+            </a:r>
+            <a:r>
+              <a:rPr lang="pt-BR" sz="2000" b="1" dirty="0" err="1">
+                <a:solidFill>
+                  <a:schemeClr val="tx1"/>
+                </a:solidFill>
+                <a:latin typeface="Times New Roman" panose="02020603050405020304" pitchFamily="18" charset="0"/>
+                <a:cs typeface="Times New Roman" panose="02020603050405020304" pitchFamily="18" charset="0"/>
+              </a:rPr>
+              <a:t>let</a:t>
+            </a:r>
+            <a:r>
+              <a:rPr lang="pt-BR" sz="2000" dirty="0">
+                <a:solidFill>
+                  <a:schemeClr val="tx1"/>
+                </a:solidFill>
+                <a:latin typeface="Times New Roman" panose="02020603050405020304" pitchFamily="18" charset="0"/>
+                <a:cs typeface="Times New Roman" panose="02020603050405020304" pitchFamily="18" charset="0"/>
+              </a:rPr>
+              <a:t> uf = </a:t>
+            </a:r>
+            <a:r>
+              <a:rPr lang="pt-BR" sz="2000" dirty="0" err="1">
+                <a:solidFill>
+                  <a:schemeClr val="tx1"/>
+                </a:solidFill>
+                <a:latin typeface="Times New Roman" panose="02020603050405020304" pitchFamily="18" charset="0"/>
+                <a:cs typeface="Times New Roman" panose="02020603050405020304" pitchFamily="18" charset="0"/>
+              </a:rPr>
+              <a:t>objCEP.uf</a:t>
+            </a:r>
+            <a:r>
+              <a:rPr lang="pt-BR" sz="2000" dirty="0">
+                <a:solidFill>
+                  <a:schemeClr val="tx1"/>
+                </a:solidFill>
+                <a:latin typeface="Times New Roman" panose="02020603050405020304" pitchFamily="18" charset="0"/>
+                <a:cs typeface="Times New Roman" panose="02020603050405020304" pitchFamily="18" charset="0"/>
+              </a:rPr>
+              <a:t>;</a:t>
+            </a:r>
+          </a:p>
+          <a:p>
+            <a:pPr marL="447675" lvl="1" indent="0" algn="just">
+              <a:buNone/>
+            </a:pPr>
+            <a:r>
+              <a:rPr lang="pt-BR" sz="2000" dirty="0">
+                <a:solidFill>
+                  <a:schemeClr val="tx1"/>
+                </a:solidFill>
+                <a:latin typeface="Times New Roman" panose="02020603050405020304" pitchFamily="18" charset="0"/>
+                <a:cs typeface="Times New Roman" panose="02020603050405020304" pitchFamily="18" charset="0"/>
+              </a:rPr>
+              <a:t>		</a:t>
+            </a:r>
+            <a:r>
+              <a:rPr lang="pt-BR" sz="2000" b="1" dirty="0" err="1">
+                <a:solidFill>
+                  <a:schemeClr val="tx1"/>
+                </a:solidFill>
+                <a:latin typeface="Times New Roman" panose="02020603050405020304" pitchFamily="18" charset="0"/>
+                <a:cs typeface="Times New Roman" panose="02020603050405020304" pitchFamily="18" charset="0"/>
+              </a:rPr>
+              <a:t>document</a:t>
+            </a:r>
+            <a:r>
+              <a:rPr lang="pt-BR" sz="2000" dirty="0" err="1">
+                <a:solidFill>
+                  <a:schemeClr val="tx1"/>
+                </a:solidFill>
+                <a:latin typeface="Times New Roman" panose="02020603050405020304" pitchFamily="18" charset="0"/>
+                <a:cs typeface="Times New Roman" panose="02020603050405020304" pitchFamily="18" charset="0"/>
+              </a:rPr>
+              <a:t>.getElementById</a:t>
+            </a:r>
+            <a:r>
+              <a:rPr lang="pt-BR" sz="2000" dirty="0">
+                <a:solidFill>
+                  <a:schemeClr val="tx1"/>
+                </a:solidFill>
+                <a:latin typeface="Times New Roman" panose="02020603050405020304" pitchFamily="18" charset="0"/>
+                <a:cs typeface="Times New Roman" panose="02020603050405020304" pitchFamily="18" charset="0"/>
+              </a:rPr>
+              <a:t>(“</a:t>
+            </a:r>
+            <a:r>
+              <a:rPr lang="pt-BR" sz="2000" b="1" dirty="0" err="1">
+                <a:solidFill>
+                  <a:schemeClr val="tx1"/>
+                </a:solidFill>
+                <a:latin typeface="Times New Roman" panose="02020603050405020304" pitchFamily="18" charset="0"/>
+                <a:cs typeface="Times New Roman" panose="02020603050405020304" pitchFamily="18" charset="0"/>
+              </a:rPr>
+              <a:t>Idparag</a:t>
+            </a:r>
+            <a:r>
+              <a:rPr lang="pt-BR" sz="2000" dirty="0">
+                <a:solidFill>
+                  <a:schemeClr val="tx1"/>
+                </a:solidFill>
+                <a:latin typeface="Times New Roman" panose="02020603050405020304" pitchFamily="18" charset="0"/>
+                <a:cs typeface="Times New Roman" panose="02020603050405020304" pitchFamily="18" charset="0"/>
+              </a:rPr>
+              <a:t>”).</a:t>
+            </a:r>
+            <a:r>
+              <a:rPr lang="pt-BR" sz="2000" dirty="0" err="1">
+                <a:solidFill>
+                  <a:schemeClr val="tx1"/>
+                </a:solidFill>
+                <a:latin typeface="Times New Roman" panose="02020603050405020304" pitchFamily="18" charset="0"/>
+                <a:cs typeface="Times New Roman" panose="02020603050405020304" pitchFamily="18" charset="0"/>
+              </a:rPr>
+              <a:t>innerHTML</a:t>
+            </a:r>
+            <a:r>
+              <a:rPr lang="pt-BR" sz="2000" dirty="0">
+                <a:solidFill>
+                  <a:schemeClr val="tx1"/>
+                </a:solidFill>
+                <a:latin typeface="Times New Roman" panose="02020603050405020304" pitchFamily="18" charset="0"/>
+                <a:cs typeface="Times New Roman" panose="02020603050405020304" pitchFamily="18" charset="0"/>
+              </a:rPr>
+              <a:t> = </a:t>
+            </a:r>
+            <a:r>
+              <a:rPr lang="pt-BR" sz="2000" dirty="0" err="1">
+                <a:solidFill>
+                  <a:schemeClr val="tx1"/>
+                </a:solidFill>
+                <a:latin typeface="Times New Roman" panose="02020603050405020304" pitchFamily="18" charset="0"/>
+                <a:cs typeface="Times New Roman" panose="02020603050405020304" pitchFamily="18" charset="0"/>
+              </a:rPr>
+              <a:t>lograd</a:t>
+            </a:r>
+            <a:r>
+              <a:rPr lang="pt-BR" sz="2000" dirty="0">
+                <a:solidFill>
+                  <a:schemeClr val="tx1"/>
+                </a:solidFill>
+                <a:latin typeface="Times New Roman" panose="02020603050405020304" pitchFamily="18" charset="0"/>
+                <a:cs typeface="Times New Roman" panose="02020603050405020304" pitchFamily="18" charset="0"/>
+              </a:rPr>
+              <a:t> + bairro + uf;</a:t>
+            </a:r>
+          </a:p>
+          <a:p>
+            <a:pPr marL="447675" lvl="1" indent="0" algn="just">
+              <a:buNone/>
+            </a:pPr>
+            <a:r>
+              <a:rPr lang="pt-BR" sz="2000" dirty="0">
+                <a:solidFill>
+                  <a:schemeClr val="tx1"/>
+                </a:solidFill>
+                <a:latin typeface="Times New Roman" panose="02020603050405020304" pitchFamily="18" charset="0"/>
+                <a:cs typeface="Times New Roman" panose="02020603050405020304" pitchFamily="18" charset="0"/>
+              </a:rPr>
+              <a:t>	}</a:t>
+            </a:r>
+          </a:p>
+        </p:txBody>
+      </p:sp>
+    </p:spTree>
+    <p:extLst>
+      <p:ext uri="{BB962C8B-B14F-4D97-AF65-F5344CB8AC3E}">
+        <p14:creationId xmlns:p14="http://schemas.microsoft.com/office/powerpoint/2010/main" val="2079732373"/>
+      </p:ext>
+    </p:extLst>
+  </p:cSld>
+  <p:clrMapOvr>
+    <a:masterClrMapping/>
+  </p:clrMapOvr>
+  <p:transition spd="med"/>
+</p:sld>
+</file>
+
+<file path=ppt/slides/slide63.xml><?xml version="1.0" encoding="utf-8"?>
+<p:sld xmlns:a="http://schemas.openxmlformats.org/drawingml/2006/main" xmlns:r="http://schemas.openxmlformats.org/officeDocument/2006/relationships" xmlns:p="http://schemas.openxmlformats.org/presentationml/2006/main">
+  <p:cSld>
+    <p:spTree>
+      <p:nvGrpSpPr>
+        <p:cNvPr id="1" name=""/>
+        <p:cNvGrpSpPr/>
+        <p:nvPr/>
+      </p:nvGrpSpPr>
+      <p:grpSpPr>
+        <a:xfrm>
+          <a:off x="0" y="0"/>
+          <a:ext cx="0" cy="0"/>
+          <a:chOff x="0" y="0"/>
+          <a:chExt cx="0" cy="0"/>
+        </a:xfrm>
+      </p:grpSpPr>
+      <p:sp>
+        <p:nvSpPr>
+          <p:cNvPr id="6" name="Title 1"/>
+          <p:cNvSpPr>
+            <a:spLocks noGrp="1"/>
+          </p:cNvSpPr>
+          <p:nvPr>
+            <p:ph type="title"/>
+          </p:nvPr>
+        </p:nvSpPr>
+        <p:spPr>
+          <a:xfrm>
+            <a:off x="457200" y="205980"/>
+            <a:ext cx="8229600" cy="857251"/>
+          </a:xfrm>
+        </p:spPr>
+        <p:txBody>
+          <a:bodyPr>
+            <a:normAutofit/>
+          </a:bodyPr>
+          <a:lstStyle/>
+          <a:p>
+            <a:r>
+              <a:rPr lang="en-US" b="1" dirty="0" err="1">
+                <a:solidFill>
+                  <a:srgbClr val="0070C0"/>
+                </a:solidFill>
+              </a:rPr>
+              <a:t>Leitura</a:t>
+            </a:r>
+            <a:r>
+              <a:rPr lang="en-US" b="1" dirty="0">
+                <a:solidFill>
+                  <a:srgbClr val="0070C0"/>
+                </a:solidFill>
+              </a:rPr>
+              <a:t> </a:t>
+            </a:r>
+            <a:r>
+              <a:rPr lang="en-US" b="1" dirty="0" err="1">
+                <a:solidFill>
+                  <a:srgbClr val="0070C0"/>
+                </a:solidFill>
+              </a:rPr>
+              <a:t>Específica</a:t>
+            </a:r>
+            <a:endParaRPr lang="en-US" b="1" dirty="0">
+              <a:solidFill>
+                <a:srgbClr val="0070C0"/>
+              </a:solidFill>
+            </a:endParaRPr>
+          </a:p>
+        </p:txBody>
+      </p:sp>
+      <p:sp>
+        <p:nvSpPr>
+          <p:cNvPr id="8" name="Text Placeholder 2"/>
+          <p:cNvSpPr>
+            <a:spLocks noGrp="1"/>
+          </p:cNvSpPr>
+          <p:nvPr>
+            <p:ph type="body" sz="half" idx="1"/>
+          </p:nvPr>
+        </p:nvSpPr>
+        <p:spPr>
+          <a:xfrm>
+            <a:off x="142865" y="1012261"/>
+            <a:ext cx="8865056" cy="3835312"/>
+          </a:xfrm>
+        </p:spPr>
+        <p:txBody>
+          <a:bodyPr>
+            <a:noAutofit/>
+          </a:bodyPr>
+          <a:lstStyle/>
+          <a:p>
+            <a:pPr marL="0" indent="0" algn="just">
+              <a:buNone/>
+            </a:pPr>
+            <a:r>
+              <a:rPr lang="pt-BR" sz="2000" dirty="0">
+                <a:latin typeface="Times New Roman" panose="02020603050405020304" pitchFamily="18" charset="0"/>
+                <a:cs typeface="Times New Roman" panose="02020603050405020304" pitchFamily="18" charset="0"/>
+              </a:rPr>
+              <a:t>[1] </a:t>
+            </a:r>
+            <a:r>
+              <a:rPr lang="pt-BR" sz="2000" b="1" dirty="0">
+                <a:latin typeface="Times New Roman" panose="02020603050405020304" pitchFamily="18" charset="0"/>
+                <a:cs typeface="Times New Roman" panose="02020603050405020304" pitchFamily="18" charset="0"/>
+              </a:rPr>
+              <a:t>Site Devmedia</a:t>
+            </a:r>
+            <a:r>
+              <a:rPr lang="pt-BR" sz="2000" dirty="0">
+                <a:latin typeface="Times New Roman" panose="02020603050405020304" pitchFamily="18" charset="0"/>
+                <a:cs typeface="Times New Roman" panose="02020603050405020304" pitchFamily="18" charset="0"/>
+              </a:rPr>
+              <a:t>. 	</a:t>
+            </a:r>
+          </a:p>
+          <a:p>
+            <a:pPr marL="0" indent="0" algn="just">
+              <a:buNone/>
+            </a:pPr>
+            <a:r>
+              <a:rPr lang="pt-BR" sz="2000" b="1" dirty="0">
+                <a:latin typeface="Times New Roman" panose="02020603050405020304" pitchFamily="18" charset="0"/>
+                <a:cs typeface="Times New Roman" panose="02020603050405020304" pitchFamily="18" charset="0"/>
+              </a:rPr>
+              <a:t>	Disponível em</a:t>
+            </a:r>
+            <a:r>
+              <a:rPr lang="pt-BR" sz="2000" dirty="0">
+                <a:latin typeface="Times New Roman" panose="02020603050405020304" pitchFamily="18" charset="0"/>
+                <a:cs typeface="Times New Roman" panose="02020603050405020304" pitchFamily="18" charset="0"/>
+              </a:rPr>
+              <a:t>: </a:t>
+            </a:r>
+            <a:r>
+              <a:rPr lang="pt-BR" sz="2000" dirty="0">
+                <a:latin typeface="Times New Roman" panose="02020603050405020304" pitchFamily="18" charset="0"/>
+                <a:cs typeface="Times New Roman" panose="02020603050405020304" pitchFamily="18" charset="0"/>
+                <a:hlinkClick r:id="rId3"/>
+              </a:rPr>
+              <a:t>https://www.devmedia.com.br/javascript/</a:t>
+            </a:r>
+            <a:endParaRPr lang="pt-BR" sz="2000" dirty="0">
+              <a:latin typeface="Times New Roman" panose="02020603050405020304" pitchFamily="18" charset="0"/>
+              <a:cs typeface="Times New Roman" panose="02020603050405020304" pitchFamily="18" charset="0"/>
+            </a:endParaRPr>
+          </a:p>
+          <a:p>
+            <a:pPr marL="0" indent="0" algn="just">
+              <a:buNone/>
+            </a:pPr>
+            <a:endParaRPr lang="pt-BR" sz="2000" dirty="0">
+              <a:latin typeface="Times New Roman" panose="02020603050405020304" pitchFamily="18" charset="0"/>
+              <a:cs typeface="Times New Roman" panose="02020603050405020304" pitchFamily="18" charset="0"/>
+            </a:endParaRPr>
+          </a:p>
+          <a:p>
+            <a:pPr marL="0" indent="0" algn="just">
+              <a:buNone/>
+            </a:pPr>
+            <a:r>
+              <a:rPr lang="pt-BR" sz="2000" dirty="0">
+                <a:latin typeface="Times New Roman" panose="02020603050405020304" pitchFamily="18" charset="0"/>
+                <a:cs typeface="Times New Roman" panose="02020603050405020304" pitchFamily="18" charset="0"/>
+              </a:rPr>
+              <a:t>[2] </a:t>
+            </a:r>
+            <a:r>
+              <a:rPr lang="pt-BR" sz="2000" b="1" dirty="0">
+                <a:latin typeface="Times New Roman" panose="02020603050405020304" pitchFamily="18" charset="0"/>
+                <a:cs typeface="Times New Roman" panose="02020603050405020304" pitchFamily="18" charset="0"/>
+              </a:rPr>
+              <a:t>COSTA, </a:t>
+            </a:r>
+            <a:r>
+              <a:rPr lang="pt-BR" sz="2000" dirty="0">
+                <a:latin typeface="Times New Roman" panose="02020603050405020304" pitchFamily="18" charset="0"/>
+                <a:cs typeface="Times New Roman" panose="02020603050405020304" pitchFamily="18" charset="0"/>
+              </a:rPr>
+              <a:t>Jean Carlos Borba Guimarães da. A Linguagem </a:t>
+            </a:r>
+            <a:r>
+              <a:rPr lang="pt-BR" sz="2000" dirty="0" err="1">
+                <a:latin typeface="Times New Roman" panose="02020603050405020304" pitchFamily="18" charset="0"/>
+                <a:cs typeface="Times New Roman" panose="02020603050405020304" pitchFamily="18" charset="0"/>
+              </a:rPr>
+              <a:t>JavaScript</a:t>
+            </a:r>
+            <a:r>
+              <a:rPr lang="pt-BR" sz="2000" dirty="0">
+                <a:latin typeface="Times New Roman" panose="02020603050405020304" pitchFamily="18" charset="0"/>
+                <a:cs typeface="Times New Roman" panose="02020603050405020304" pitchFamily="18" charset="0"/>
+              </a:rPr>
+              <a:t> e seu Ecossistema. 2019. 	</a:t>
+            </a:r>
+          </a:p>
+          <a:p>
+            <a:pPr marL="0" indent="0" algn="just">
+              <a:buNone/>
+            </a:pPr>
+            <a:r>
+              <a:rPr lang="pt-BR" sz="2000" b="1" dirty="0">
+                <a:latin typeface="Times New Roman" panose="02020603050405020304" pitchFamily="18" charset="0"/>
+                <a:cs typeface="Times New Roman" panose="02020603050405020304" pitchFamily="18" charset="0"/>
+              </a:rPr>
+              <a:t>	Disponível em</a:t>
+            </a:r>
+            <a:r>
+              <a:rPr lang="pt-BR" sz="2000" dirty="0">
+                <a:latin typeface="Times New Roman" panose="02020603050405020304" pitchFamily="18" charset="0"/>
+                <a:cs typeface="Times New Roman" panose="02020603050405020304" pitchFamily="18" charset="0"/>
+              </a:rPr>
+              <a:t>: </a:t>
+            </a:r>
+          </a:p>
+          <a:p>
+            <a:pPr marL="0" indent="0" algn="just">
+              <a:buNone/>
+            </a:pPr>
+            <a:r>
+              <a:rPr lang="pt-BR" sz="2000" dirty="0">
+                <a:latin typeface="Times New Roman" panose="02020603050405020304" pitchFamily="18" charset="0"/>
+                <a:cs typeface="Times New Roman" panose="02020603050405020304" pitchFamily="18" charset="0"/>
+                <a:hlinkClick r:id="rId4"/>
+              </a:rPr>
+              <a:t>https://repositorio.uniube.br/bitstream/123456789/1546/1/A%20Linguagem%20JavaScript%20e%20seu%20Ecossistema%20.PDF</a:t>
+            </a:r>
+            <a:endParaRPr lang="pt-BR" sz="2000" dirty="0">
+              <a:latin typeface="Times New Roman" panose="02020603050405020304" pitchFamily="18" charset="0"/>
+              <a:cs typeface="Times New Roman" panose="02020603050405020304" pitchFamily="18" charset="0"/>
+            </a:endParaRPr>
+          </a:p>
+          <a:p>
+            <a:pPr marL="0" indent="0" algn="just">
+              <a:buNone/>
+            </a:pPr>
+            <a:endParaRPr lang="pt-BR" sz="2000" dirty="0">
+              <a:latin typeface="Times New Roman" panose="02020603050405020304" pitchFamily="18" charset="0"/>
+              <a:cs typeface="Times New Roman" panose="02020603050405020304" pitchFamily="18" charset="0"/>
+            </a:endParaRPr>
+          </a:p>
+        </p:txBody>
+      </p:sp>
+    </p:spTree>
+    <p:extLst>
+      <p:ext uri="{BB962C8B-B14F-4D97-AF65-F5344CB8AC3E}">
+        <p14:creationId xmlns:p14="http://schemas.microsoft.com/office/powerpoint/2010/main" val="3680270425"/>
+      </p:ext>
+    </p:extLst>
+  </p:cSld>
+  <p:clrMapOvr>
+    <a:masterClrMapping/>
+  </p:clrMapOvr>
+  <p:transition spd="med"/>
+</p:sld>
+</file>
+
+<file path=ppt/slides/slide64.xml><?xml version="1.0" encoding="utf-8"?>
+<p:sld xmlns:a="http://schemas.openxmlformats.org/drawingml/2006/main" xmlns:r="http://schemas.openxmlformats.org/officeDocument/2006/relationships" xmlns:p="http://schemas.openxmlformats.org/presentationml/2006/main">
+  <p:cSld>
+    <p:spTree>
+      <p:nvGrpSpPr>
+        <p:cNvPr id="1" name=""/>
+        <p:cNvGrpSpPr/>
+        <p:nvPr/>
+      </p:nvGrpSpPr>
+      <p:grpSpPr>
+        <a:xfrm>
+          <a:off x="0" y="0"/>
+          <a:ext cx="0" cy="0"/>
+          <a:chOff x="0" y="0"/>
+          <a:chExt cx="0" cy="0"/>
+        </a:xfrm>
+      </p:grpSpPr>
+      <p:sp>
+        <p:nvSpPr>
+          <p:cNvPr id="6" name="Title 1"/>
+          <p:cNvSpPr>
+            <a:spLocks noGrp="1"/>
+          </p:cNvSpPr>
+          <p:nvPr>
+            <p:ph type="title"/>
+          </p:nvPr>
+        </p:nvSpPr>
+        <p:spPr>
+          <a:xfrm>
+            <a:off x="457200" y="205980"/>
+            <a:ext cx="8229600" cy="857251"/>
+          </a:xfrm>
+        </p:spPr>
+        <p:txBody>
+          <a:bodyPr>
+            <a:normAutofit/>
+          </a:bodyPr>
+          <a:lstStyle/>
+          <a:p>
+            <a:r>
+              <a:rPr lang="en-US" b="1" dirty="0" err="1">
+                <a:solidFill>
+                  <a:srgbClr val="0070C0"/>
+                </a:solidFill>
+              </a:rPr>
+              <a:t>Aprenda</a:t>
+            </a:r>
+            <a:r>
+              <a:rPr lang="en-US" b="1" dirty="0">
+                <a:solidFill>
+                  <a:srgbClr val="0070C0"/>
+                </a:solidFill>
+              </a:rPr>
+              <a:t>+</a:t>
+            </a:r>
           </a:p>
         </p:txBody>
       </p:sp>
@@ -28156,6 +34474,420 @@
                 <a:latin typeface="Times New Roman" panose="02020603050405020304" pitchFamily="18" charset="0"/>
                 <a:cs typeface="Times New Roman" panose="02020603050405020304" pitchFamily="18" charset="0"/>
               </a:rPr>
+              <a:t>[1] </a:t>
+            </a:r>
+            <a:r>
+              <a:rPr lang="pt-BR" sz="2400" dirty="0">
+                <a:latin typeface="Times New Roman" panose="02020603050405020304" pitchFamily="18" charset="0"/>
+                <a:cs typeface="Times New Roman" panose="02020603050405020304" pitchFamily="18" charset="0"/>
+                <a:hlinkClick r:id="rId3"/>
+              </a:rPr>
+              <a:t>https://www.youtube.com/watch?v=W6NZfCO5SIk</a:t>
+            </a:r>
+            <a:r>
+              <a:rPr lang="pt-BR" sz="2400" dirty="0">
+                <a:latin typeface="Times New Roman" panose="02020603050405020304" pitchFamily="18" charset="0"/>
+                <a:cs typeface="Times New Roman" panose="02020603050405020304" pitchFamily="18" charset="0"/>
+              </a:rPr>
+              <a:t> (JS)</a:t>
+            </a:r>
+          </a:p>
+          <a:p>
+            <a:pPr marL="0" indent="0" algn="just">
+              <a:buNone/>
+            </a:pPr>
+            <a:endParaRPr lang="pt-BR" sz="2400" dirty="0">
+              <a:latin typeface="Times New Roman" panose="02020603050405020304" pitchFamily="18" charset="0"/>
+              <a:cs typeface="Times New Roman" panose="02020603050405020304" pitchFamily="18" charset="0"/>
+            </a:endParaRPr>
+          </a:p>
+          <a:p>
+            <a:pPr marL="0" indent="0" algn="just">
+              <a:buNone/>
+            </a:pPr>
+            <a:endParaRPr lang="pt-BR" sz="2400" dirty="0">
+              <a:latin typeface="Times New Roman" panose="02020603050405020304" pitchFamily="18" charset="0"/>
+              <a:cs typeface="Times New Roman" panose="02020603050405020304" pitchFamily="18" charset="0"/>
+            </a:endParaRPr>
+          </a:p>
+          <a:p>
+            <a:pPr marL="0" indent="0" algn="just">
+              <a:buNone/>
+            </a:pPr>
+            <a:r>
+              <a:rPr lang="pt-BR" sz="2400" dirty="0">
+                <a:latin typeface="Times New Roman" panose="02020603050405020304" pitchFamily="18" charset="0"/>
+                <a:cs typeface="Times New Roman" panose="02020603050405020304" pitchFamily="18" charset="0"/>
+              </a:rPr>
+              <a:t>[2] </a:t>
+            </a:r>
+            <a:r>
+              <a:rPr lang="pt-BR" sz="2400" dirty="0">
+                <a:latin typeface="Times New Roman" panose="02020603050405020304" pitchFamily="18" charset="0"/>
+                <a:cs typeface="Times New Roman" panose="02020603050405020304" pitchFamily="18" charset="0"/>
+                <a:hlinkClick r:id="rId4"/>
+              </a:rPr>
+              <a:t>https://www.youtube.com/watch?v=gYZhIVCPlFY</a:t>
+            </a:r>
+            <a:r>
+              <a:rPr lang="pt-BR" sz="2400" dirty="0">
+                <a:latin typeface="Times New Roman" panose="02020603050405020304" pitchFamily="18" charset="0"/>
+                <a:cs typeface="Times New Roman" panose="02020603050405020304" pitchFamily="18" charset="0"/>
+              </a:rPr>
+              <a:t> (JS)</a:t>
+            </a:r>
+          </a:p>
+          <a:p>
+            <a:pPr marL="0" indent="0" algn="just">
+              <a:buNone/>
+            </a:pPr>
+            <a:endParaRPr lang="pt-BR" sz="2400" dirty="0">
+              <a:latin typeface="Times New Roman" panose="02020603050405020304" pitchFamily="18" charset="0"/>
+              <a:cs typeface="Times New Roman" panose="02020603050405020304" pitchFamily="18" charset="0"/>
+            </a:endParaRPr>
+          </a:p>
+          <a:p>
+            <a:pPr marL="0" indent="0" algn="just">
+              <a:buNone/>
+            </a:pPr>
+            <a:endParaRPr lang="pt-BR" sz="2400" dirty="0">
+              <a:latin typeface="Times New Roman" panose="02020603050405020304" pitchFamily="18" charset="0"/>
+              <a:cs typeface="Times New Roman" panose="02020603050405020304" pitchFamily="18" charset="0"/>
+            </a:endParaRPr>
+          </a:p>
+        </p:txBody>
+      </p:sp>
+    </p:spTree>
+    <p:extLst>
+      <p:ext uri="{BB962C8B-B14F-4D97-AF65-F5344CB8AC3E}">
+        <p14:creationId xmlns:p14="http://schemas.microsoft.com/office/powerpoint/2010/main" val="2747596967"/>
+      </p:ext>
+    </p:extLst>
+  </p:cSld>
+  <p:clrMapOvr>
+    <a:masterClrMapping/>
+  </p:clrMapOvr>
+  <p:transition spd="med"/>
+</p:sld>
+</file>
+
+<file path=ppt/slides/slide65.xml><?xml version="1.0" encoding="utf-8"?>
+<p:sld xmlns:a="http://schemas.openxmlformats.org/drawingml/2006/main" xmlns:r="http://schemas.openxmlformats.org/officeDocument/2006/relationships" xmlns:p="http://schemas.openxmlformats.org/presentationml/2006/main">
+  <p:cSld>
+    <p:spTree>
+      <p:nvGrpSpPr>
+        <p:cNvPr id="1" name=""/>
+        <p:cNvGrpSpPr/>
+        <p:nvPr/>
+      </p:nvGrpSpPr>
+      <p:grpSpPr>
+        <a:xfrm>
+          <a:off x="0" y="0"/>
+          <a:ext cx="0" cy="0"/>
+          <a:chOff x="0" y="0"/>
+          <a:chExt cx="0" cy="0"/>
+        </a:xfrm>
+      </p:grpSpPr>
+      <p:sp>
+        <p:nvSpPr>
+          <p:cNvPr id="6" name="Title 1"/>
+          <p:cNvSpPr>
+            <a:spLocks noGrp="1"/>
+          </p:cNvSpPr>
+          <p:nvPr>
+            <p:ph type="title"/>
+          </p:nvPr>
+        </p:nvSpPr>
+        <p:spPr>
+          <a:xfrm>
+            <a:off x="457200" y="205980"/>
+            <a:ext cx="8229600" cy="857251"/>
+          </a:xfrm>
+        </p:spPr>
+        <p:txBody>
+          <a:bodyPr>
+            <a:normAutofit/>
+          </a:bodyPr>
+          <a:lstStyle/>
+          <a:p>
+            <a:r>
+              <a:rPr lang="en-US" b="1" dirty="0" err="1">
+                <a:solidFill>
+                  <a:srgbClr val="0070C0"/>
+                </a:solidFill>
+              </a:rPr>
+              <a:t>Dinâmica</a:t>
+            </a:r>
+            <a:r>
+              <a:rPr lang="en-US" b="1" dirty="0">
+                <a:solidFill>
+                  <a:srgbClr val="0070C0"/>
+                </a:solidFill>
+              </a:rPr>
+              <a:t>/</a:t>
+            </a:r>
+            <a:r>
+              <a:rPr lang="en-US" b="1" dirty="0" err="1">
+                <a:solidFill>
+                  <a:srgbClr val="0070C0"/>
+                </a:solidFill>
+              </a:rPr>
+              <a:t>Atividades</a:t>
+            </a:r>
+            <a:endParaRPr lang="en-US" b="1" dirty="0">
+              <a:solidFill>
+                <a:srgbClr val="0070C0"/>
+              </a:solidFill>
+            </a:endParaRPr>
+          </a:p>
+        </p:txBody>
+      </p:sp>
+      <p:sp>
+        <p:nvSpPr>
+          <p:cNvPr id="8" name="Text Placeholder 2"/>
+          <p:cNvSpPr>
+            <a:spLocks noGrp="1"/>
+          </p:cNvSpPr>
+          <p:nvPr>
+            <p:ph type="body" sz="half" idx="1"/>
+          </p:nvPr>
+        </p:nvSpPr>
+        <p:spPr>
+          <a:xfrm>
+            <a:off x="139472" y="1063230"/>
+            <a:ext cx="8865056" cy="3606305"/>
+          </a:xfrm>
+        </p:spPr>
+        <p:txBody>
+          <a:bodyPr>
+            <a:noAutofit/>
+          </a:bodyPr>
+          <a:lstStyle/>
+          <a:p>
+            <a:pPr algn="just">
+              <a:buFontTx/>
+              <a:buChar char="-"/>
+            </a:pPr>
+            <a:r>
+              <a:rPr lang="pt-BR" dirty="0">
+                <a:latin typeface="Times New Roman" panose="02020603050405020304" pitchFamily="18" charset="0"/>
+                <a:cs typeface="Times New Roman" panose="02020603050405020304" pitchFamily="18" charset="0"/>
+              </a:rPr>
+              <a:t>Exercícios de Fixação </a:t>
+            </a:r>
+            <a:r>
+              <a:rPr lang="pt-BR" b="1" dirty="0">
+                <a:latin typeface="Times New Roman" panose="02020603050405020304" pitchFamily="18" charset="0"/>
+                <a:cs typeface="Times New Roman" panose="02020603050405020304" pitchFamily="18" charset="0"/>
+              </a:rPr>
+              <a:t>JS</a:t>
+            </a:r>
+          </a:p>
+          <a:p>
+            <a:pPr marL="0" indent="0" algn="just">
+              <a:buNone/>
+            </a:pPr>
+            <a:r>
+              <a:rPr lang="pt-BR">
+                <a:latin typeface="Times New Roman" panose="02020603050405020304" pitchFamily="18" charset="0"/>
+                <a:cs typeface="Times New Roman" panose="02020603050405020304" pitchFamily="18" charset="0"/>
+              </a:rPr>
+              <a:t>	</a:t>
+            </a:r>
+            <a:r>
+              <a:rPr lang="pt-BR" b="1">
+                <a:solidFill>
+                  <a:srgbClr val="FF0000"/>
+                </a:solidFill>
+                <a:latin typeface="Times New Roman" panose="02020603050405020304" pitchFamily="18" charset="0"/>
+                <a:cs typeface="Times New Roman" panose="02020603050405020304" pitchFamily="18" charset="0"/>
+              </a:rPr>
+              <a:t>Desafio </a:t>
+            </a:r>
+            <a:r>
+              <a:rPr lang="pt-BR" b="1" dirty="0">
+                <a:solidFill>
+                  <a:srgbClr val="FF0000"/>
+                </a:solidFill>
+                <a:latin typeface="Times New Roman" panose="02020603050405020304" pitchFamily="18" charset="0"/>
+                <a:cs typeface="Times New Roman" panose="02020603050405020304" pitchFamily="18" charset="0"/>
+              </a:rPr>
+              <a:t>em Sala de Aula</a:t>
+            </a:r>
+            <a:r>
+              <a:rPr lang="pt-BR" dirty="0">
+                <a:latin typeface="Times New Roman" panose="02020603050405020304" pitchFamily="18" charset="0"/>
+                <a:cs typeface="Times New Roman" panose="02020603050405020304" pitchFamily="18" charset="0"/>
+              </a:rPr>
+              <a:t>.</a:t>
+            </a:r>
+          </a:p>
+          <a:p>
+            <a:pPr marL="0" indent="0" algn="just">
+              <a:buNone/>
+            </a:pPr>
+            <a:r>
+              <a:rPr lang="pt-BR" dirty="0">
+                <a:latin typeface="Times New Roman" panose="02020603050405020304" pitchFamily="18" charset="0"/>
+                <a:cs typeface="Times New Roman" panose="02020603050405020304" pitchFamily="18" charset="0"/>
+              </a:rPr>
+              <a:t>	</a:t>
+            </a:r>
+          </a:p>
+          <a:p>
+            <a:pPr marL="0" indent="0" algn="just">
+              <a:buNone/>
+            </a:pPr>
+            <a:r>
+              <a:rPr lang="es-ES" dirty="0">
+                <a:latin typeface="Times New Roman" panose="02020603050405020304" pitchFamily="18" charset="0"/>
+                <a:cs typeface="Times New Roman" panose="02020603050405020304" pitchFamily="18" charset="0"/>
+              </a:rPr>
+              <a:t>- Quiz JS</a:t>
+            </a:r>
+          </a:p>
+          <a:p>
+            <a:pPr marL="0" indent="0" algn="just">
+              <a:buNone/>
+            </a:pPr>
+            <a:r>
+              <a:rPr lang="es-ES" dirty="0">
+                <a:latin typeface="Times New Roman" panose="02020603050405020304" pitchFamily="18" charset="0"/>
+                <a:cs typeface="Times New Roman" panose="02020603050405020304" pitchFamily="18" charset="0"/>
+                <a:hlinkClick r:id="rId3"/>
+              </a:rPr>
+              <a:t>https://www.w3schools.com/js/js_quiz.asp</a:t>
+            </a:r>
+            <a:endParaRPr lang="pt-BR" dirty="0">
+              <a:latin typeface="Calibri" panose="020F0502020204030204" pitchFamily="34" charset="0"/>
+            </a:endParaRPr>
+          </a:p>
+        </p:txBody>
+      </p:sp>
+    </p:spTree>
+    <p:extLst>
+      <p:ext uri="{BB962C8B-B14F-4D97-AF65-F5344CB8AC3E}">
+        <p14:creationId xmlns:p14="http://schemas.microsoft.com/office/powerpoint/2010/main" val="2470652989"/>
+      </p:ext>
+    </p:extLst>
+  </p:cSld>
+  <p:clrMapOvr>
+    <a:masterClrMapping/>
+  </p:clrMapOvr>
+  <p:transition spd="med"/>
+</p:sld>
+</file>
+
+<file path=ppt/slides/slide66.xml><?xml version="1.0" encoding="utf-8"?>
+<p:sld xmlns:a="http://schemas.openxmlformats.org/drawingml/2006/main" xmlns:r="http://schemas.openxmlformats.org/officeDocument/2006/relationships" xmlns:p="http://schemas.openxmlformats.org/presentationml/2006/main">
+  <p:cSld>
+    <p:spTree>
+      <p:nvGrpSpPr>
+        <p:cNvPr id="1" name=""/>
+        <p:cNvGrpSpPr/>
+        <p:nvPr/>
+      </p:nvGrpSpPr>
+      <p:grpSpPr>
+        <a:xfrm>
+          <a:off x="0" y="0"/>
+          <a:ext cx="0" cy="0"/>
+          <a:chOff x="0" y="0"/>
+          <a:chExt cx="0" cy="0"/>
+        </a:xfrm>
+      </p:grpSpPr>
+      <p:sp>
+        <p:nvSpPr>
+          <p:cNvPr id="6" name="Title 1"/>
+          <p:cNvSpPr>
+            <a:spLocks noGrp="1"/>
+          </p:cNvSpPr>
+          <p:nvPr>
+            <p:ph type="title"/>
+          </p:nvPr>
+        </p:nvSpPr>
+        <p:spPr>
+          <a:xfrm>
+            <a:off x="457200" y="205980"/>
+            <a:ext cx="8229600" cy="857251"/>
+          </a:xfrm>
+        </p:spPr>
+        <p:txBody>
+          <a:bodyPr>
+            <a:normAutofit/>
+          </a:bodyPr>
+          <a:lstStyle/>
+          <a:p>
+            <a:r>
+              <a:rPr lang="en-US" b="1" dirty="0" err="1">
+                <a:solidFill>
+                  <a:srgbClr val="0070C0"/>
+                </a:solidFill>
+              </a:rPr>
+              <a:t>Referências</a:t>
+            </a:r>
+            <a:r>
+              <a:rPr lang="en-US" b="1" dirty="0">
+                <a:solidFill>
+                  <a:srgbClr val="0070C0"/>
+                </a:solidFill>
+              </a:rPr>
+              <a:t> </a:t>
+            </a:r>
+            <a:r>
+              <a:rPr lang="en-US" b="1" dirty="0" err="1">
+                <a:solidFill>
+                  <a:srgbClr val="0070C0"/>
+                </a:solidFill>
+              </a:rPr>
+              <a:t>Bibliográficas</a:t>
+            </a:r>
+            <a:endParaRPr lang="en-US" b="1" dirty="0">
+              <a:solidFill>
+                <a:srgbClr val="0070C0"/>
+              </a:solidFill>
+            </a:endParaRPr>
+          </a:p>
+        </p:txBody>
+      </p:sp>
+      <p:sp>
+        <p:nvSpPr>
+          <p:cNvPr id="8" name="Text Placeholder 2"/>
+          <p:cNvSpPr>
+            <a:spLocks noGrp="1"/>
+          </p:cNvSpPr>
+          <p:nvPr>
+            <p:ph type="body" sz="half" idx="1"/>
+          </p:nvPr>
+        </p:nvSpPr>
+        <p:spPr>
+          <a:xfrm>
+            <a:off x="142865" y="1200151"/>
+            <a:ext cx="8865056" cy="3394472"/>
+          </a:xfrm>
+        </p:spPr>
+        <p:txBody>
+          <a:bodyPr>
+            <a:noAutofit/>
+          </a:bodyPr>
+          <a:lstStyle/>
+          <a:p>
+            <a:pPr marL="0" indent="0" algn="just">
+              <a:buNone/>
+            </a:pPr>
+            <a:endParaRPr lang="pt-BR" sz="2400" dirty="0">
+              <a:latin typeface="Times New Roman" panose="02020603050405020304" pitchFamily="18" charset="0"/>
+              <a:cs typeface="Times New Roman" panose="02020603050405020304" pitchFamily="18" charset="0"/>
+            </a:endParaRPr>
+          </a:p>
+          <a:p>
+            <a:pPr marL="0" indent="0" algn="just">
+              <a:buNone/>
+            </a:pPr>
+            <a:r>
+              <a:rPr lang="pt-BR" sz="2400" dirty="0">
+                <a:latin typeface="Times New Roman" panose="02020603050405020304" pitchFamily="18" charset="0"/>
+                <a:cs typeface="Times New Roman" panose="02020603050405020304" pitchFamily="18" charset="0"/>
+              </a:rPr>
               <a:t>[1] Site: </a:t>
             </a:r>
             <a:r>
@@ -28229,7 +34961,7 @@
 </p:sld>
 </file>
 
-<file path=ppt/slides/slide58.xml><?xml version="1.0" encoding="utf-8"?>
+<file path=ppt/slides/slide67.xml><?xml version="1.0" encoding="utf-8"?>
 <p:sld xmlns:a="http://schemas.openxmlformats.org/drawingml/2006/main" xmlns:r="http://schemas.openxmlformats.org/officeDocument/2006/relationships" xmlns:p="http://schemas.openxmlformats.org/presentationml/2006/main">
   <p:cSld>
     <p:spTree>
@@ -28687,408 +35419,6 @@
         </p:txBody>
       </p:sp>
     </p:spTree>
-  </p:cSld>
-  <p:clrMapOvr>
-    <a:masterClrMapping/>
-  </p:clrMapOvr>
-  <p:transition spd="med"/>
-</p:sld>
-</file>
-
-<file path=ppt/slides/slide6.xml><?xml version="1.0" encoding="utf-8"?>
-<p:sld xmlns:a="http://schemas.openxmlformats.org/drawingml/2006/main" xmlns:r="http://schemas.openxmlformats.org/officeDocument/2006/relationships" xmlns:p="http://schemas.openxmlformats.org/presentationml/2006/main">
-  <p:cSld>
-    <p:spTree>
-      <p:nvGrpSpPr>
-        <p:cNvPr id="1" name=""/>
-        <p:cNvGrpSpPr/>
-        <p:nvPr/>
-      </p:nvGrpSpPr>
-      <p:grpSpPr>
-        <a:xfrm>
-          <a:off x="0" y="0"/>
-          <a:ext cx="0" cy="0"/>
-          <a:chOff x="0" y="0"/>
-          <a:chExt cx="0" cy="0"/>
-        </a:xfrm>
-      </p:grpSpPr>
-      <p:sp>
-        <p:nvSpPr>
-          <p:cNvPr id="6" name="Title 1"/>
-          <p:cNvSpPr>
-            <a:spLocks noGrp="1"/>
-          </p:cNvSpPr>
-          <p:nvPr>
-            <p:ph type="title"/>
-          </p:nvPr>
-        </p:nvSpPr>
-        <p:spPr>
-          <a:xfrm>
-            <a:off x="457200" y="205980"/>
-            <a:ext cx="8229600" cy="857251"/>
-          </a:xfrm>
-        </p:spPr>
-        <p:txBody>
-          <a:bodyPr>
-            <a:normAutofit/>
-          </a:bodyPr>
-          <a:lstStyle/>
-          <a:p>
-            <a:r>
-              <a:rPr lang="en-US" b="1" dirty="0">
-                <a:solidFill>
-                  <a:srgbClr val="0070C0"/>
-                </a:solidFill>
-              </a:rPr>
-              <a:t>JS – </a:t>
-            </a:r>
-            <a:r>
-              <a:rPr lang="en-US" b="1" dirty="0" err="1">
-                <a:solidFill>
-                  <a:srgbClr val="0070C0"/>
-                </a:solidFill>
-              </a:rPr>
-              <a:t>Atribuição</a:t>
-            </a:r>
-            <a:r>
-              <a:rPr lang="en-US" b="1" dirty="0">
-                <a:solidFill>
-                  <a:srgbClr val="0070C0"/>
-                </a:solidFill>
-              </a:rPr>
-              <a:t> ( = )</a:t>
-            </a:r>
-          </a:p>
-        </p:txBody>
-      </p:sp>
-      <p:sp>
-        <p:nvSpPr>
-          <p:cNvPr id="8" name="Text Placeholder 2"/>
-          <p:cNvSpPr>
-            <a:spLocks noGrp="1"/>
-          </p:cNvSpPr>
-          <p:nvPr>
-            <p:ph type="body" sz="half" idx="1"/>
-          </p:nvPr>
-        </p:nvSpPr>
-        <p:spPr>
-          <a:xfrm>
-            <a:off x="142865" y="1037312"/>
-            <a:ext cx="8865056" cy="3900208"/>
-          </a:xfrm>
-        </p:spPr>
-        <p:txBody>
-          <a:bodyPr>
-            <a:noAutofit/>
-          </a:bodyPr>
-          <a:lstStyle/>
-          <a:p>
-            <a:pPr marL="0" indent="0" algn="just">
-              <a:buNone/>
-            </a:pPr>
-            <a:r>
-              <a:rPr lang="pt-BR" sz="2400" b="1" dirty="0">
-                <a:solidFill>
-                  <a:srgbClr val="FF0000"/>
-                </a:solidFill>
-                <a:latin typeface="Times New Roman" panose="02020603050405020304" pitchFamily="18" charset="0"/>
-                <a:cs typeface="Times New Roman" panose="02020603050405020304" pitchFamily="18" charset="0"/>
-              </a:rPr>
-              <a:t>Exemplos</a:t>
-            </a:r>
-            <a:r>
-              <a:rPr lang="pt-BR" sz="2400" dirty="0">
-                <a:solidFill>
-                  <a:schemeClr val="tx1"/>
-                </a:solidFill>
-                <a:latin typeface="Times New Roman" panose="02020603050405020304" pitchFamily="18" charset="0"/>
-                <a:cs typeface="Times New Roman" panose="02020603050405020304" pitchFamily="18" charset="0"/>
-              </a:rPr>
-              <a:t>:</a:t>
-            </a:r>
-          </a:p>
-          <a:p>
-            <a:pPr marL="0" indent="0" algn="just">
-              <a:buNone/>
-            </a:pPr>
-            <a:r>
-              <a:rPr lang="pt-BR" sz="2400" dirty="0">
-                <a:solidFill>
-                  <a:schemeClr val="tx1"/>
-                </a:solidFill>
-                <a:latin typeface="Times New Roman" panose="02020603050405020304" pitchFamily="18" charset="0"/>
-                <a:cs typeface="Times New Roman" panose="02020603050405020304" pitchFamily="18" charset="0"/>
-              </a:rPr>
-              <a:t>	</a:t>
-            </a:r>
-            <a:r>
-              <a:rPr lang="pt-BR" sz="2400" b="1" dirty="0" err="1">
-                <a:solidFill>
-                  <a:schemeClr val="tx1"/>
-                </a:solidFill>
-                <a:latin typeface="Times New Roman" panose="02020603050405020304" pitchFamily="18" charset="0"/>
-                <a:cs typeface="Times New Roman" panose="02020603050405020304" pitchFamily="18" charset="0"/>
-              </a:rPr>
-              <a:t>let</a:t>
-            </a:r>
-            <a:r>
-              <a:rPr lang="pt-BR" sz="2400" dirty="0">
-                <a:solidFill>
-                  <a:schemeClr val="tx1"/>
-                </a:solidFill>
-                <a:latin typeface="Times New Roman" panose="02020603050405020304" pitchFamily="18" charset="0"/>
-                <a:cs typeface="Times New Roman" panose="02020603050405020304" pitchFamily="18" charset="0"/>
-              </a:rPr>
-              <a:t> idade = 19;</a:t>
-            </a:r>
-          </a:p>
-          <a:p>
-            <a:pPr marL="0" indent="0" algn="just">
-              <a:buNone/>
-            </a:pPr>
-            <a:r>
-              <a:rPr lang="pt-BR" sz="2400" dirty="0">
-                <a:solidFill>
-                  <a:schemeClr val="tx1"/>
-                </a:solidFill>
-                <a:latin typeface="Times New Roman" panose="02020603050405020304" pitchFamily="18" charset="0"/>
-                <a:cs typeface="Times New Roman" panose="02020603050405020304" pitchFamily="18" charset="0"/>
-              </a:rPr>
-              <a:t> 	</a:t>
-            </a:r>
-            <a:r>
-              <a:rPr lang="pt-BR" sz="2400" b="1" dirty="0" err="1">
-                <a:solidFill>
-                  <a:schemeClr val="tx1"/>
-                </a:solidFill>
-                <a:latin typeface="Times New Roman" panose="02020603050405020304" pitchFamily="18" charset="0"/>
-                <a:cs typeface="Times New Roman" panose="02020603050405020304" pitchFamily="18" charset="0"/>
-              </a:rPr>
-              <a:t>let</a:t>
-            </a:r>
-            <a:r>
-              <a:rPr lang="pt-BR" sz="2400" dirty="0">
-                <a:solidFill>
-                  <a:schemeClr val="tx1"/>
-                </a:solidFill>
-                <a:latin typeface="Times New Roman" panose="02020603050405020304" pitchFamily="18" charset="0"/>
-                <a:cs typeface="Times New Roman" panose="02020603050405020304" pitchFamily="18" charset="0"/>
-              </a:rPr>
-              <a:t> nome = ‘maria’;</a:t>
-            </a:r>
-          </a:p>
-          <a:p>
-            <a:pPr marL="0" indent="0" algn="just">
-              <a:buNone/>
-            </a:pPr>
-            <a:r>
-              <a:rPr lang="pt-BR" sz="2400" dirty="0">
-                <a:solidFill>
-                  <a:schemeClr val="tx1"/>
-                </a:solidFill>
-                <a:latin typeface="Times New Roman" panose="02020603050405020304" pitchFamily="18" charset="0"/>
-                <a:cs typeface="Times New Roman" panose="02020603050405020304" pitchFamily="18" charset="0"/>
-              </a:rPr>
-              <a:t>	</a:t>
-            </a:r>
-            <a:r>
-              <a:rPr lang="pt-BR" sz="2400" b="1" dirty="0" err="1">
-                <a:solidFill>
-                  <a:schemeClr val="tx1"/>
-                </a:solidFill>
-                <a:latin typeface="Times New Roman" panose="02020603050405020304" pitchFamily="18" charset="0"/>
-                <a:cs typeface="Times New Roman" panose="02020603050405020304" pitchFamily="18" charset="0"/>
-              </a:rPr>
-              <a:t>let</a:t>
-            </a:r>
-            <a:r>
-              <a:rPr lang="pt-BR" sz="2400" dirty="0">
-                <a:solidFill>
-                  <a:schemeClr val="tx1"/>
-                </a:solidFill>
-                <a:latin typeface="Times New Roman" panose="02020603050405020304" pitchFamily="18" charset="0"/>
-                <a:cs typeface="Times New Roman" panose="02020603050405020304" pitchFamily="18" charset="0"/>
-              </a:rPr>
-              <a:t> altura = 1.72;</a:t>
-            </a:r>
-          </a:p>
-          <a:p>
-            <a:pPr marL="0" indent="0" algn="just">
-              <a:buNone/>
-            </a:pPr>
-            <a:endParaRPr lang="pt-BR" sz="2400" dirty="0">
-              <a:solidFill>
-                <a:schemeClr val="tx1"/>
-              </a:solidFill>
-              <a:latin typeface="Times New Roman" panose="02020603050405020304" pitchFamily="18" charset="0"/>
-              <a:cs typeface="Times New Roman" panose="02020603050405020304" pitchFamily="18" charset="0"/>
-            </a:endParaRPr>
-          </a:p>
-          <a:p>
-            <a:pPr marL="0" indent="0" algn="just">
-              <a:buNone/>
-            </a:pPr>
-            <a:r>
-              <a:rPr lang="pt-BR" sz="2400" dirty="0">
-                <a:solidFill>
-                  <a:schemeClr val="tx1"/>
-                </a:solidFill>
-                <a:latin typeface="Times New Roman" panose="02020603050405020304" pitchFamily="18" charset="0"/>
-                <a:cs typeface="Times New Roman" panose="02020603050405020304" pitchFamily="18" charset="0"/>
-              </a:rPr>
-              <a:t>	</a:t>
-            </a:r>
-            <a:r>
-              <a:rPr lang="pt-BR" sz="2400" b="1" dirty="0" err="1">
-                <a:solidFill>
-                  <a:schemeClr val="tx1"/>
-                </a:solidFill>
-                <a:latin typeface="Times New Roman" panose="02020603050405020304" pitchFamily="18" charset="0"/>
-                <a:cs typeface="Times New Roman" panose="02020603050405020304" pitchFamily="18" charset="0"/>
-              </a:rPr>
-              <a:t>const</a:t>
-            </a:r>
-            <a:r>
-              <a:rPr lang="pt-BR" sz="2400" dirty="0">
-                <a:solidFill>
-                  <a:schemeClr val="tx1"/>
-                </a:solidFill>
-                <a:latin typeface="Times New Roman" panose="02020603050405020304" pitchFamily="18" charset="0"/>
-                <a:cs typeface="Times New Roman" panose="02020603050405020304" pitchFamily="18" charset="0"/>
-              </a:rPr>
-              <a:t> hora = </a:t>
-            </a:r>
-            <a:r>
-              <a:rPr lang="pt-BR" sz="2400" b="1" dirty="0">
-                <a:solidFill>
-                  <a:srgbClr val="FF0000"/>
-                </a:solidFill>
-                <a:latin typeface="Times New Roman" panose="02020603050405020304" pitchFamily="18" charset="0"/>
-                <a:cs typeface="Times New Roman" panose="02020603050405020304" pitchFamily="18" charset="0"/>
-              </a:rPr>
-              <a:t>new</a:t>
-            </a:r>
-            <a:r>
-              <a:rPr lang="pt-BR" sz="2400" dirty="0">
-                <a:solidFill>
-                  <a:schemeClr val="tx1"/>
-                </a:solidFill>
-                <a:latin typeface="Times New Roman" panose="02020603050405020304" pitchFamily="18" charset="0"/>
-                <a:cs typeface="Times New Roman" panose="02020603050405020304" pitchFamily="18" charset="0"/>
-              </a:rPr>
-              <a:t> Date().</a:t>
-            </a:r>
-            <a:r>
-              <a:rPr lang="pt-BR" sz="2400" dirty="0" err="1">
-                <a:solidFill>
-                  <a:schemeClr val="tx1"/>
-                </a:solidFill>
-                <a:latin typeface="Times New Roman" panose="02020603050405020304" pitchFamily="18" charset="0"/>
-                <a:cs typeface="Times New Roman" panose="02020603050405020304" pitchFamily="18" charset="0"/>
-              </a:rPr>
-              <a:t>getHours</a:t>
-            </a:r>
-            <a:r>
-              <a:rPr lang="pt-BR" sz="2400" dirty="0">
-                <a:solidFill>
-                  <a:schemeClr val="tx1"/>
-                </a:solidFill>
-                <a:latin typeface="Times New Roman" panose="02020603050405020304" pitchFamily="18" charset="0"/>
-                <a:cs typeface="Times New Roman" panose="02020603050405020304" pitchFamily="18" charset="0"/>
-              </a:rPr>
-              <a:t>(); </a:t>
-            </a:r>
-          </a:p>
-          <a:p>
-            <a:pPr marL="0" indent="0" algn="just">
-              <a:buNone/>
-            </a:pPr>
-            <a:endParaRPr lang="pt-BR" sz="2400" dirty="0">
-              <a:solidFill>
-                <a:schemeClr val="tx1"/>
-              </a:solidFill>
-              <a:latin typeface="Times New Roman" panose="02020603050405020304" pitchFamily="18" charset="0"/>
-              <a:cs typeface="Times New Roman" panose="02020603050405020304" pitchFamily="18" charset="0"/>
-            </a:endParaRPr>
-          </a:p>
-          <a:p>
-            <a:pPr marL="0" indent="0" algn="just">
-              <a:buNone/>
-            </a:pPr>
-            <a:r>
-              <a:rPr lang="pt-BR" sz="2400" dirty="0">
-                <a:solidFill>
-                  <a:schemeClr val="tx1"/>
-                </a:solidFill>
-                <a:latin typeface="Times New Roman" panose="02020603050405020304" pitchFamily="18" charset="0"/>
-                <a:cs typeface="Times New Roman" panose="02020603050405020304" pitchFamily="18" charset="0"/>
-              </a:rPr>
-              <a:t>	// Date().</a:t>
-            </a:r>
-            <a:r>
-              <a:rPr lang="pt-BR" sz="2400" dirty="0" err="1">
-                <a:solidFill>
-                  <a:schemeClr val="tx1"/>
-                </a:solidFill>
-                <a:latin typeface="Times New Roman" panose="02020603050405020304" pitchFamily="18" charset="0"/>
-                <a:cs typeface="Times New Roman" panose="02020603050405020304" pitchFamily="18" charset="0"/>
-              </a:rPr>
-              <a:t>getDay</a:t>
-            </a:r>
-            <a:r>
-              <a:rPr lang="pt-BR" sz="2400" dirty="0">
-                <a:solidFill>
-                  <a:schemeClr val="tx1"/>
-                </a:solidFill>
-                <a:latin typeface="Times New Roman" panose="02020603050405020304" pitchFamily="18" charset="0"/>
-                <a:cs typeface="Times New Roman" panose="02020603050405020304" pitchFamily="18" charset="0"/>
-              </a:rPr>
-              <a:t>(); </a:t>
-            </a:r>
-            <a:r>
-              <a:rPr lang="pt-BR" sz="2400" dirty="0" err="1">
-                <a:solidFill>
-                  <a:schemeClr val="tx1"/>
-                </a:solidFill>
-                <a:latin typeface="Times New Roman" panose="02020603050405020304" pitchFamily="18" charset="0"/>
-                <a:cs typeface="Times New Roman" panose="02020603050405020304" pitchFamily="18" charset="0"/>
-              </a:rPr>
-              <a:t>Date.getFullYear</a:t>
-            </a:r>
-            <a:r>
-              <a:rPr lang="pt-BR" sz="2400" dirty="0">
-                <a:solidFill>
-                  <a:schemeClr val="tx1"/>
-                </a:solidFill>
-                <a:latin typeface="Times New Roman" panose="02020603050405020304" pitchFamily="18" charset="0"/>
-                <a:cs typeface="Times New Roman" panose="02020603050405020304" pitchFamily="18" charset="0"/>
-              </a:rPr>
-              <a:t>();</a:t>
-            </a:r>
-          </a:p>
-          <a:p>
-            <a:pPr marL="0" indent="0" algn="just">
-              <a:buNone/>
-            </a:pPr>
-            <a:r>
-              <a:rPr lang="pt-BR" sz="2400" dirty="0">
-                <a:solidFill>
-                  <a:schemeClr val="tx1"/>
-                </a:solidFill>
-                <a:latin typeface="Times New Roman" panose="02020603050405020304" pitchFamily="18" charset="0"/>
-                <a:cs typeface="Times New Roman" panose="02020603050405020304" pitchFamily="18" charset="0"/>
-              </a:rPr>
-              <a:t>	</a:t>
-            </a:r>
-          </a:p>
-        </p:txBody>
-      </p:sp>
-    </p:spTree>
-    <p:extLst>
-      <p:ext uri="{BB962C8B-B14F-4D97-AF65-F5344CB8AC3E}">
-        <p14:creationId xmlns:p14="http://schemas.microsoft.com/office/powerpoint/2010/main" val="834930593"/>
-      </p:ext>
-    </p:extLst>
   </p:cSld>
   <p:clrMapOvr>
     <a:masterClrMapping/>

--- a/01 Classes/Aula 09 Desenvolvimento Web PHP - JS.pptx
+++ b/01 Classes/Aula 09 Desenvolvimento Web PHP - JS.pptx
@@ -5,7 +5,7 @@
     <p:sldMasterId id="2147483648" r:id="rId1"/>
   </p:sldMasterIdLst>
   <p:notesMasterIdLst>
-    <p:notesMasterId r:id="rId71"/>
+    <p:notesMasterId r:id="rId73"/>
   </p:notesMasterIdLst>
   <p:sldIdLst>
     <p:sldId id="256" r:id="rId2"/>
@@ -72,11 +72,13 @@
     <p:sldId id="451" r:id="rId63"/>
     <p:sldId id="452" r:id="rId64"/>
     <p:sldId id="453" r:id="rId65"/>
-    <p:sldId id="333" r:id="rId66"/>
-    <p:sldId id="323" r:id="rId67"/>
-    <p:sldId id="334" r:id="rId68"/>
-    <p:sldId id="337" r:id="rId69"/>
-    <p:sldId id="309" r:id="rId70"/>
+    <p:sldId id="457" r:id="rId66"/>
+    <p:sldId id="456" r:id="rId67"/>
+    <p:sldId id="333" r:id="rId68"/>
+    <p:sldId id="323" r:id="rId69"/>
+    <p:sldId id="334" r:id="rId70"/>
+    <p:sldId id="337" r:id="rId71"/>
+    <p:sldId id="309" r:id="rId72"/>
   </p:sldIdLst>
   <p:sldSz cx="9144000" cy="5143500" type="screen16x9"/>
   <p:notesSz cx="6858000" cy="9144000"/>
@@ -4512,7 +4514,7 @@
     </p:spTree>
     <p:extLst>
       <p:ext uri="{BB962C8B-B14F-4D97-AF65-F5344CB8AC3E}">
-        <p14:creationId xmlns:p14="http://schemas.microsoft.com/office/powerpoint/2010/main" val="585304384"/>
+        <p14:creationId xmlns:p14="http://schemas.microsoft.com/office/powerpoint/2010/main" val="787905520"/>
       </p:ext>
     </p:extLst>
   </p:cSld>
@@ -4578,7 +4580,7 @@
     </p:spTree>
     <p:extLst>
       <p:ext uri="{BB962C8B-B14F-4D97-AF65-F5344CB8AC3E}">
-        <p14:creationId xmlns:p14="http://schemas.microsoft.com/office/powerpoint/2010/main" val="2709569597"/>
+        <p14:creationId xmlns:p14="http://schemas.microsoft.com/office/powerpoint/2010/main" val="215160584"/>
       </p:ext>
     </p:extLst>
   </p:cSld>
@@ -4644,6 +4646,138 @@
     </p:spTree>
     <p:extLst>
       <p:ext uri="{BB962C8B-B14F-4D97-AF65-F5344CB8AC3E}">
+        <p14:creationId xmlns:p14="http://schemas.microsoft.com/office/powerpoint/2010/main" val="585304384"/>
+      </p:ext>
+    </p:extLst>
+  </p:cSld>
+  <p:clrMapOvr>
+    <a:masterClrMapping/>
+  </p:clrMapOvr>
+</p:notes>
+</file>
+
+<file path=ppt/notesSlides/notesSlide66.xml><?xml version="1.0" encoding="utf-8"?>
+<p:notes xmlns:a="http://schemas.openxmlformats.org/drawingml/2006/main" xmlns:r="http://schemas.openxmlformats.org/officeDocument/2006/relationships" xmlns:p="http://schemas.openxmlformats.org/presentationml/2006/main">
+  <p:cSld>
+    <p:spTree>
+      <p:nvGrpSpPr>
+        <p:cNvPr id="1" name=""/>
+        <p:cNvGrpSpPr/>
+        <p:nvPr/>
+      </p:nvGrpSpPr>
+      <p:grpSpPr>
+        <a:xfrm>
+          <a:off x="0" y="0"/>
+          <a:ext cx="0" cy="0"/>
+          <a:chOff x="0" y="0"/>
+          <a:chExt cx="0" cy="0"/>
+        </a:xfrm>
+      </p:grpSpPr>
+      <p:sp>
+        <p:nvSpPr>
+          <p:cNvPr id="2" name="Espaço Reservado para Imagem de Slide 1"/>
+          <p:cNvSpPr>
+            <a:spLocks noGrp="1" noRot="1" noChangeAspect="1"/>
+          </p:cNvSpPr>
+          <p:nvPr>
+            <p:ph type="sldImg"/>
+          </p:nvPr>
+        </p:nvSpPr>
+        <p:spPr>
+          <a:xfrm>
+            <a:off x="381000" y="685800"/>
+            <a:ext cx="6096000" cy="3429000"/>
+          </a:xfrm>
+        </p:spPr>
+      </p:sp>
+      <p:sp>
+        <p:nvSpPr>
+          <p:cNvPr id="3" name="Espaço Reservado para Anotações 2"/>
+          <p:cNvSpPr>
+            <a:spLocks noGrp="1"/>
+          </p:cNvSpPr>
+          <p:nvPr>
+            <p:ph type="body" idx="1"/>
+          </p:nvPr>
+        </p:nvSpPr>
+        <p:spPr/>
+        <p:txBody>
+          <a:bodyPr/>
+          <a:lstStyle/>
+          <a:p>
+            <a:endParaRPr lang="pt-BR" dirty="0"/>
+          </a:p>
+        </p:txBody>
+      </p:sp>
+    </p:spTree>
+    <p:extLst>
+      <p:ext uri="{BB962C8B-B14F-4D97-AF65-F5344CB8AC3E}">
+        <p14:creationId xmlns:p14="http://schemas.microsoft.com/office/powerpoint/2010/main" val="2709569597"/>
+      </p:ext>
+    </p:extLst>
+  </p:cSld>
+  <p:clrMapOvr>
+    <a:masterClrMapping/>
+  </p:clrMapOvr>
+</p:notes>
+</file>
+
+<file path=ppt/notesSlides/notesSlide67.xml><?xml version="1.0" encoding="utf-8"?>
+<p:notes xmlns:a="http://schemas.openxmlformats.org/drawingml/2006/main" xmlns:r="http://schemas.openxmlformats.org/officeDocument/2006/relationships" xmlns:p="http://schemas.openxmlformats.org/presentationml/2006/main">
+  <p:cSld>
+    <p:spTree>
+      <p:nvGrpSpPr>
+        <p:cNvPr id="1" name=""/>
+        <p:cNvGrpSpPr/>
+        <p:nvPr/>
+      </p:nvGrpSpPr>
+      <p:grpSpPr>
+        <a:xfrm>
+          <a:off x="0" y="0"/>
+          <a:ext cx="0" cy="0"/>
+          <a:chOff x="0" y="0"/>
+          <a:chExt cx="0" cy="0"/>
+        </a:xfrm>
+      </p:grpSpPr>
+      <p:sp>
+        <p:nvSpPr>
+          <p:cNvPr id="2" name="Espaço Reservado para Imagem de Slide 1"/>
+          <p:cNvSpPr>
+            <a:spLocks noGrp="1" noRot="1" noChangeAspect="1"/>
+          </p:cNvSpPr>
+          <p:nvPr>
+            <p:ph type="sldImg"/>
+          </p:nvPr>
+        </p:nvSpPr>
+        <p:spPr>
+          <a:xfrm>
+            <a:off x="381000" y="685800"/>
+            <a:ext cx="6096000" cy="3429000"/>
+          </a:xfrm>
+        </p:spPr>
+      </p:sp>
+      <p:sp>
+        <p:nvSpPr>
+          <p:cNvPr id="3" name="Espaço Reservado para Anotações 2"/>
+          <p:cNvSpPr>
+            <a:spLocks noGrp="1"/>
+          </p:cNvSpPr>
+          <p:nvPr>
+            <p:ph type="body" idx="1"/>
+          </p:nvPr>
+        </p:nvSpPr>
+        <p:spPr/>
+        <p:txBody>
+          <a:bodyPr/>
+          <a:lstStyle/>
+          <a:p>
+            <a:endParaRPr lang="pt-BR" dirty="0"/>
+          </a:p>
+        </p:txBody>
+      </p:sp>
+    </p:spTree>
+    <p:extLst>
+      <p:ext uri="{BB962C8B-B14F-4D97-AF65-F5344CB8AC3E}">
         <p14:creationId xmlns:p14="http://schemas.microsoft.com/office/powerpoint/2010/main" val="2296249050"/>
       </p:ext>
     </p:extLst>
@@ -4654,7 +4788,7 @@
 </p:notes>
 </file>
 
-<file path=ppt/notesSlides/notesSlide66.xml><?xml version="1.0" encoding="utf-8"?>
+<file path=ppt/notesSlides/notesSlide68.xml><?xml version="1.0" encoding="utf-8"?>
 <p:notes xmlns:a="http://schemas.openxmlformats.org/drawingml/2006/main" xmlns:r="http://schemas.openxmlformats.org/officeDocument/2006/relationships" xmlns:p="http://schemas.openxmlformats.org/presentationml/2006/main">
   <p:cSld>
     <p:spTree>
@@ -17952,24 +18086,14 @@
               <a:buNone/>
             </a:pPr>
             <a:r>
-              <a:rPr lang="pt-BR" sz="2400" b="1">
+              <a:rPr lang="pt-BR" sz="2400" b="1" dirty="0">
                 <a:solidFill>
                   <a:srgbClr val="FF0000"/>
                 </a:solidFill>
                 <a:latin typeface="Times New Roman" panose="02020603050405020304" pitchFamily="18" charset="0"/>
                 <a:cs typeface="Times New Roman" panose="02020603050405020304" pitchFamily="18" charset="0"/>
               </a:rPr>
-              <a:t>/*  </a:t>
-            </a:r>
-            <a:r>
-              <a:rPr lang="pt-BR" sz="2400" b="1" dirty="0">
-                <a:solidFill>
-                  <a:srgbClr val="FF0000"/>
-                </a:solidFill>
-                <a:latin typeface="Times New Roman" panose="02020603050405020304" pitchFamily="18" charset="0"/>
-                <a:cs typeface="Times New Roman" panose="02020603050405020304" pitchFamily="18" charset="0"/>
-              </a:rPr>
-              <a:t>Texto */ - </a:t>
+              <a:t>/*  Texto */ - </a:t>
             </a:r>
             <a:r>
               <a:rPr lang="pt-BR" sz="2400" b="1" dirty="0">
@@ -20098,7 +20222,32 @@
             <a:pPr marL="0" indent="0" algn="just">
               <a:buNone/>
             </a:pPr>
-            <a:endParaRPr lang="pt-BR" sz="2400" b="1" dirty="0">
+            <a:r>
+              <a:rPr lang="pt-BR" sz="2400" b="1" dirty="0" err="1">
+                <a:solidFill>
+                  <a:schemeClr val="tx1"/>
+                </a:solidFill>
+                <a:latin typeface="Times New Roman" panose="02020603050405020304" pitchFamily="18" charset="0"/>
+                <a:cs typeface="Times New Roman" panose="02020603050405020304" pitchFamily="18" charset="0"/>
+              </a:rPr>
+              <a:t>onclick</a:t>
+            </a:r>
+            <a:r>
+              <a:rPr lang="pt-BR" sz="2400" dirty="0">
+                <a:solidFill>
+                  <a:schemeClr val="tx1"/>
+                </a:solidFill>
+                <a:latin typeface="Times New Roman" panose="02020603050405020304" pitchFamily="18" charset="0"/>
+                <a:cs typeface="Times New Roman" panose="02020603050405020304" pitchFamily="18" charset="0"/>
+              </a:rPr>
+              <a:t>() – dispara quando recebe um click com o mouse;</a:t>
+            </a:r>
+          </a:p>
+          <a:p>
+            <a:pPr marL="0" indent="0" algn="just">
+              <a:buNone/>
+            </a:pPr>
+            <a:endParaRPr lang="pt-BR" sz="2400" dirty="0">
               <a:solidFill>
                 <a:schemeClr val="tx1"/>
               </a:solidFill>
@@ -20118,24 +20267,24 @@
                 <a:latin typeface="Times New Roman" panose="02020603050405020304" pitchFamily="18" charset="0"/>
                 <a:cs typeface="Times New Roman" panose="02020603050405020304" pitchFamily="18" charset="0"/>
               </a:rPr>
-              <a:t>onclick</a:t>
-            </a:r>
-            <a:r>
-              <a:rPr lang="pt-BR" sz="2400" dirty="0">
-                <a:solidFill>
-                  <a:schemeClr val="tx1"/>
-                </a:solidFill>
-                <a:latin typeface="Times New Roman" panose="02020603050405020304" pitchFamily="18" charset="0"/>
-                <a:cs typeface="Times New Roman" panose="02020603050405020304" pitchFamily="18" charset="0"/>
-              </a:rPr>
-              <a:t>() – dispara quando recebe um click com o mouse;</a:t>
-            </a:r>
-          </a:p>
-          <a:p>
-            <a:pPr marL="0" indent="0" algn="just">
-              <a:buNone/>
-            </a:pPr>
-            <a:endParaRPr lang="pt-BR" sz="2400" b="1" dirty="0">
+              <a:t>ondblclick</a:t>
+            </a:r>
+            <a:r>
+              <a:rPr lang="pt-BR" sz="2400" dirty="0">
+                <a:solidFill>
+                  <a:schemeClr val="tx1"/>
+                </a:solidFill>
+                <a:latin typeface="Times New Roman" panose="02020603050405020304" pitchFamily="18" charset="0"/>
+                <a:cs typeface="Times New Roman" panose="02020603050405020304" pitchFamily="18" charset="0"/>
+              </a:rPr>
+              <a:t>() – dispara quando click duplo com o mouse;</a:t>
+            </a:r>
+          </a:p>
+          <a:p>
+            <a:pPr marL="0" indent="0" algn="just">
+              <a:buNone/>
+            </a:pPr>
+            <a:endParaRPr lang="pt-BR" sz="2400" dirty="0">
               <a:solidFill>
                 <a:schemeClr val="tx1"/>
               </a:solidFill>
@@ -20148,6 +20297,26 @@
               <a:buNone/>
             </a:pPr>
             <a:r>
+              <a:rPr lang="pt-BR" sz="2400" b="1" dirty="0">
+                <a:solidFill>
+                  <a:schemeClr val="tx1"/>
+                </a:solidFill>
+                <a:latin typeface="Times New Roman" panose="02020603050405020304" pitchFamily="18" charset="0"/>
+                <a:cs typeface="Times New Roman" panose="02020603050405020304" pitchFamily="18" charset="0"/>
+              </a:rPr>
+              <a:t>Nota</a:t>
+            </a:r>
+            <a:r>
+              <a:rPr lang="pt-BR" sz="2400" dirty="0">
+                <a:solidFill>
+                  <a:schemeClr val="tx1"/>
+                </a:solidFill>
+                <a:latin typeface="Times New Roman" panose="02020603050405020304" pitchFamily="18" charset="0"/>
+                <a:cs typeface="Times New Roman" panose="02020603050405020304" pitchFamily="18" charset="0"/>
+              </a:rPr>
+              <a:t>: </a:t>
+            </a:r>
+            <a:r>
               <a:rPr lang="pt-BR" sz="2400" b="1" dirty="0" err="1">
                 <a:solidFill>
                   <a:schemeClr val="tx1"/>
@@ -20155,17 +20324,172 @@
                 <a:latin typeface="Times New Roman" panose="02020603050405020304" pitchFamily="18" charset="0"/>
                 <a:cs typeface="Times New Roman" panose="02020603050405020304" pitchFamily="18" charset="0"/>
               </a:rPr>
-              <a:t>ondblclick</a:t>
-            </a:r>
-            <a:r>
-              <a:rPr lang="pt-BR" sz="2400" dirty="0">
-                <a:solidFill>
-                  <a:schemeClr val="tx1"/>
-                </a:solidFill>
-                <a:latin typeface="Times New Roman" panose="02020603050405020304" pitchFamily="18" charset="0"/>
-                <a:cs typeface="Times New Roman" panose="02020603050405020304" pitchFamily="18" charset="0"/>
-              </a:rPr>
-              <a:t>() – dispara quando click duplo com o mouse;</a:t>
+              <a:t>elemento</a:t>
+            </a:r>
+            <a:r>
+              <a:rPr lang="pt-BR" sz="2400" dirty="0" err="1">
+                <a:solidFill>
+                  <a:schemeClr val="tx1"/>
+                </a:solidFill>
+                <a:latin typeface="Times New Roman" panose="02020603050405020304" pitchFamily="18" charset="0"/>
+                <a:cs typeface="Times New Roman" panose="02020603050405020304" pitchFamily="18" charset="0"/>
+              </a:rPr>
+              <a:t>.</a:t>
+            </a:r>
+            <a:r>
+              <a:rPr lang="pt-BR" sz="2400" b="1" dirty="0" err="1">
+                <a:solidFill>
+                  <a:srgbClr val="FF0000"/>
+                </a:solidFill>
+                <a:latin typeface="Times New Roman" panose="02020603050405020304" pitchFamily="18" charset="0"/>
+                <a:cs typeface="Times New Roman" panose="02020603050405020304" pitchFamily="18" charset="0"/>
+              </a:rPr>
+              <a:t>addEventListener</a:t>
+            </a:r>
+            <a:r>
+              <a:rPr lang="pt-BR" sz="2400" dirty="0">
+                <a:solidFill>
+                  <a:schemeClr val="tx1"/>
+                </a:solidFill>
+                <a:latin typeface="Times New Roman" panose="02020603050405020304" pitchFamily="18" charset="0"/>
+                <a:cs typeface="Times New Roman" panose="02020603050405020304" pitchFamily="18" charset="0"/>
+              </a:rPr>
+              <a:t>(</a:t>
+            </a:r>
+            <a:r>
+              <a:rPr lang="pt-BR" sz="2400" b="1" dirty="0">
+                <a:solidFill>
+                  <a:schemeClr val="tx1"/>
+                </a:solidFill>
+                <a:latin typeface="Times New Roman" panose="02020603050405020304" pitchFamily="18" charset="0"/>
+                <a:cs typeface="Times New Roman" panose="02020603050405020304" pitchFamily="18" charset="0"/>
+              </a:rPr>
+              <a:t>evento</a:t>
+            </a:r>
+            <a:r>
+              <a:rPr lang="pt-BR" sz="2400" dirty="0">
+                <a:solidFill>
+                  <a:schemeClr val="tx1"/>
+                </a:solidFill>
+                <a:latin typeface="Times New Roman" panose="02020603050405020304" pitchFamily="18" charset="0"/>
+                <a:cs typeface="Times New Roman" panose="02020603050405020304" pitchFamily="18" charset="0"/>
+              </a:rPr>
+              <a:t>, </a:t>
+            </a:r>
+            <a:r>
+              <a:rPr lang="pt-BR" sz="2400" b="1" dirty="0" err="1">
+                <a:solidFill>
+                  <a:srgbClr val="FF0000"/>
+                </a:solidFill>
+                <a:latin typeface="Times New Roman" panose="02020603050405020304" pitchFamily="18" charset="0"/>
+                <a:cs typeface="Times New Roman" panose="02020603050405020304" pitchFamily="18" charset="0"/>
+              </a:rPr>
+              <a:t>function</a:t>
+            </a:r>
+            <a:r>
+              <a:rPr lang="pt-BR" sz="2400" dirty="0">
+                <a:solidFill>
+                  <a:schemeClr val="tx1"/>
+                </a:solidFill>
+                <a:latin typeface="Times New Roman" panose="02020603050405020304" pitchFamily="18" charset="0"/>
+                <a:cs typeface="Times New Roman" panose="02020603050405020304" pitchFamily="18" charset="0"/>
+              </a:rPr>
+              <a:t>);</a:t>
+            </a:r>
+          </a:p>
+          <a:p>
+            <a:pPr marL="0" indent="0" algn="just">
+              <a:buNone/>
+            </a:pPr>
+            <a:r>
+              <a:rPr lang="pt-BR" sz="2400" dirty="0">
+                <a:solidFill>
+                  <a:schemeClr val="tx1"/>
+                </a:solidFill>
+                <a:latin typeface="Times New Roman" panose="02020603050405020304" pitchFamily="18" charset="0"/>
+                <a:cs typeface="Times New Roman" panose="02020603050405020304" pitchFamily="18" charset="0"/>
+              </a:rPr>
+              <a:t>	    </a:t>
+            </a:r>
+            <a:r>
+              <a:rPr lang="pt-BR" sz="2400" b="1" dirty="0" err="1">
+                <a:solidFill>
+                  <a:schemeClr val="tx1"/>
+                </a:solidFill>
+                <a:latin typeface="Times New Roman" panose="02020603050405020304" pitchFamily="18" charset="0"/>
+                <a:cs typeface="Times New Roman" panose="02020603050405020304" pitchFamily="18" charset="0"/>
+              </a:rPr>
+              <a:t>button</a:t>
+            </a:r>
+            <a:r>
+              <a:rPr lang="pt-BR" sz="2400" dirty="0" err="1">
+                <a:solidFill>
+                  <a:schemeClr val="tx1"/>
+                </a:solidFill>
+                <a:latin typeface="Times New Roman" panose="02020603050405020304" pitchFamily="18" charset="0"/>
+                <a:cs typeface="Times New Roman" panose="02020603050405020304" pitchFamily="18" charset="0"/>
+              </a:rPr>
+              <a:t>.</a:t>
+            </a:r>
+            <a:r>
+              <a:rPr lang="pt-BR" sz="2400" b="1" dirty="0" err="1">
+                <a:solidFill>
+                  <a:srgbClr val="FF0000"/>
+                </a:solidFill>
+                <a:latin typeface="Times New Roman" panose="02020603050405020304" pitchFamily="18" charset="0"/>
+                <a:cs typeface="Times New Roman" panose="02020603050405020304" pitchFamily="18" charset="0"/>
+              </a:rPr>
+              <a:t>addEventListener</a:t>
+            </a:r>
+            <a:r>
+              <a:rPr lang="pt-BR" sz="2400" dirty="0">
+                <a:solidFill>
+                  <a:schemeClr val="tx1"/>
+                </a:solidFill>
+                <a:latin typeface="Times New Roman" panose="02020603050405020304" pitchFamily="18" charset="0"/>
+                <a:cs typeface="Times New Roman" panose="02020603050405020304" pitchFamily="18" charset="0"/>
+              </a:rPr>
+              <a:t>(‘</a:t>
+            </a:r>
+            <a:r>
+              <a:rPr lang="pt-BR" sz="2400" b="1" dirty="0">
+                <a:solidFill>
+                  <a:schemeClr val="tx1"/>
+                </a:solidFill>
+                <a:latin typeface="Times New Roman" panose="02020603050405020304" pitchFamily="18" charset="0"/>
+                <a:cs typeface="Times New Roman" panose="02020603050405020304" pitchFamily="18" charset="0"/>
+              </a:rPr>
+              <a:t>click</a:t>
+            </a:r>
+            <a:r>
+              <a:rPr lang="pt-BR" sz="2400" dirty="0">
+                <a:solidFill>
+                  <a:schemeClr val="tx1"/>
+                </a:solidFill>
+                <a:latin typeface="Times New Roman" panose="02020603050405020304" pitchFamily="18" charset="0"/>
+                <a:cs typeface="Times New Roman" panose="02020603050405020304" pitchFamily="18" charset="0"/>
+              </a:rPr>
+              <a:t>’, </a:t>
+            </a:r>
+            <a:r>
+              <a:rPr lang="pt-BR" sz="2400" b="1" dirty="0">
+                <a:solidFill>
+                  <a:srgbClr val="FF0000"/>
+                </a:solidFill>
+                <a:latin typeface="Times New Roman" panose="02020603050405020304" pitchFamily="18" charset="0"/>
+                <a:cs typeface="Times New Roman" panose="02020603050405020304" pitchFamily="18" charset="0"/>
+              </a:rPr>
+              <a:t>somar</a:t>
+            </a:r>
+            <a:r>
+              <a:rPr lang="pt-BR" sz="2400" dirty="0">
+                <a:solidFill>
+                  <a:schemeClr val="tx1"/>
+                </a:solidFill>
+                <a:latin typeface="Times New Roman" panose="02020603050405020304" pitchFamily="18" charset="0"/>
+                <a:cs typeface="Times New Roman" panose="02020603050405020304" pitchFamily="18" charset="0"/>
+              </a:rPr>
+              <a:t>);	</a:t>
             </a:r>
           </a:p>
         </p:txBody>
@@ -34907,7 +35231,7 @@
                 <a:latin typeface="Times New Roman" panose="02020603050405020304" pitchFamily="18" charset="0"/>
                 <a:cs typeface="Times New Roman" panose="02020603050405020304" pitchFamily="18" charset="0"/>
               </a:rPr>
-              <a:t>		</a:t>
+              <a:t>	    </a:t>
             </a:r>
             <a:r>
               <a:rPr lang="pt-BR" sz="2000" b="1" dirty="0" err="1">
@@ -35022,7 +35346,7 @@
                 <a:latin typeface="Times New Roman" panose="02020603050405020304" pitchFamily="18" charset="0"/>
                 <a:cs typeface="Times New Roman" panose="02020603050405020304" pitchFamily="18" charset="0"/>
               </a:rPr>
-              <a:t>		</a:t>
+              <a:t>	    </a:t>
             </a:r>
             <a:r>
               <a:rPr lang="pt-BR" sz="2000" b="1" dirty="0" err="1">
@@ -35137,7 +35461,7 @@
                 <a:latin typeface="Times New Roman" panose="02020603050405020304" pitchFamily="18" charset="0"/>
                 <a:cs typeface="Times New Roman" panose="02020603050405020304" pitchFamily="18" charset="0"/>
               </a:rPr>
-              <a:t>		</a:t>
+              <a:t>	    </a:t>
             </a:r>
             <a:r>
               <a:rPr lang="pt-BR" sz="2000" b="1" dirty="0" err="1">
@@ -35192,7 +35516,7 @@
                 <a:latin typeface="Times New Roman" panose="02020603050405020304" pitchFamily="18" charset="0"/>
                 <a:cs typeface="Times New Roman" panose="02020603050405020304" pitchFamily="18" charset="0"/>
               </a:rPr>
-              <a:t>		</a:t>
+              <a:t>	    </a:t>
             </a:r>
             <a:r>
               <a:rPr lang="pt-BR" sz="2000" b="1" dirty="0" err="1">
@@ -35282,22 +35606,7 @@
                 <a:latin typeface="Times New Roman" panose="02020603050405020304" pitchFamily="18" charset="0"/>
                 <a:cs typeface="Times New Roman" panose="02020603050405020304" pitchFamily="18" charset="0"/>
               </a:rPr>
-              <a:t> + bairro + uf;</a:t>
-            </a:r>
-          </a:p>
-          <a:p>
-            <a:pPr marL="447675" lvl="1" indent="0" algn="just">
-              <a:buNone/>
-            </a:pPr>
-            <a:r>
-              <a:rPr lang="pt-BR" sz="2000" dirty="0">
-                <a:solidFill>
-                  <a:schemeClr val="tx1"/>
-                </a:solidFill>
-                <a:latin typeface="Times New Roman" panose="02020603050405020304" pitchFamily="18" charset="0"/>
-                <a:cs typeface="Times New Roman" panose="02020603050405020304" pitchFamily="18" charset="0"/>
-              </a:rPr>
-              <a:t>	}</a:t>
+              <a:t> + bairro + uf;}</a:t>
             </a:r>
           </a:p>
         </p:txBody>
@@ -35356,28 +35665,20 @@
           <a:lstStyle/>
           <a:p>
             <a:r>
+              <a:rPr lang="en-US" b="1" dirty="0">
+                <a:solidFill>
+                  <a:srgbClr val="0070C0"/>
+                </a:solidFill>
+              </a:rPr>
+              <a:t>JS – </a:t>
+            </a:r>
+            <a:r>
               <a:rPr lang="en-US" b="1" dirty="0" err="1">
                 <a:solidFill>
                   <a:srgbClr val="0070C0"/>
                 </a:solidFill>
               </a:rPr>
-              <a:t>Leitura</a:t>
-            </a:r>
-            <a:r>
-              <a:rPr lang="en-US" b="1" dirty="0">
-                <a:solidFill>
-                  <a:srgbClr val="0070C0"/>
-                </a:solidFill>
-              </a:rPr>
-              <a:t> </a:t>
-            </a:r>
-            <a:r>
-              <a:rPr lang="en-US" b="1" dirty="0" err="1">
-                <a:solidFill>
-                  <a:srgbClr val="0070C0"/>
-                </a:solidFill>
-              </a:rPr>
-              <a:t>Específica</a:t>
+              <a:t>AppenChild</a:t>
             </a:r>
             <a:endParaRPr lang="en-US" b="1" dirty="0">
               <a:solidFill>
@@ -35399,8 +35700,8 @@
         </p:nvSpPr>
         <p:spPr>
           <a:xfrm>
-            <a:off x="142865" y="1012261"/>
-            <a:ext cx="8865056" cy="3835312"/>
+            <a:off x="142865" y="962155"/>
+            <a:ext cx="8865056" cy="3975365"/>
           </a:xfrm>
         </p:spPr>
         <p:txBody>
@@ -35414,53 +35715,83 @@
             </a:pPr>
             <a:r>
               <a:rPr lang="pt-BR" sz="2000" dirty="0">
-                <a:latin typeface="Times New Roman" panose="02020603050405020304" pitchFamily="18" charset="0"/>
-                <a:cs typeface="Times New Roman" panose="02020603050405020304" pitchFamily="18" charset="0"/>
-              </a:rPr>
-              <a:t>[1] </a:t>
-            </a:r>
-            <a:r>
-              <a:rPr lang="pt-BR" sz="2000" b="1" dirty="0">
-                <a:latin typeface="Times New Roman" panose="02020603050405020304" pitchFamily="18" charset="0"/>
-                <a:cs typeface="Times New Roman" panose="02020603050405020304" pitchFamily="18" charset="0"/>
-              </a:rPr>
-              <a:t>Site Devmedia</a:t>
+                <a:solidFill>
+                  <a:schemeClr val="tx1"/>
+                </a:solidFill>
+                <a:latin typeface="Times New Roman" panose="02020603050405020304" pitchFamily="18" charset="0"/>
+                <a:cs typeface="Times New Roman" panose="02020603050405020304" pitchFamily="18" charset="0"/>
+              </a:rPr>
+              <a:t>A função </a:t>
+            </a:r>
+            <a:r>
+              <a:rPr lang="pt-BR" sz="2000" b="1" dirty="0" err="1">
+                <a:solidFill>
+                  <a:schemeClr val="tx1"/>
+                </a:solidFill>
+                <a:latin typeface="Times New Roman" panose="02020603050405020304" pitchFamily="18" charset="0"/>
+                <a:cs typeface="Times New Roman" panose="02020603050405020304" pitchFamily="18" charset="0"/>
+              </a:rPr>
+              <a:t>appendChild</a:t>
             </a:r>
             <a:r>
               <a:rPr lang="pt-BR" sz="2000" dirty="0">
-                <a:latin typeface="Times New Roman" panose="02020603050405020304" pitchFamily="18" charset="0"/>
-                <a:cs typeface="Times New Roman" panose="02020603050405020304" pitchFamily="18" charset="0"/>
-              </a:rPr>
-              <a:t>. 	</a:t>
-            </a:r>
-          </a:p>
-          <a:p>
-            <a:pPr marL="0" indent="0" algn="just">
-              <a:buNone/>
-            </a:pPr>
-            <a:r>
-              <a:rPr lang="pt-BR" sz="2000" b="1" dirty="0">
-                <a:latin typeface="Times New Roman" panose="02020603050405020304" pitchFamily="18" charset="0"/>
-                <a:cs typeface="Times New Roman" panose="02020603050405020304" pitchFamily="18" charset="0"/>
-              </a:rPr>
-              <a:t>	Disponível em</a:t>
+                <a:solidFill>
+                  <a:schemeClr val="tx1"/>
+                </a:solidFill>
+                <a:latin typeface="Times New Roman" panose="02020603050405020304" pitchFamily="18" charset="0"/>
+                <a:cs typeface="Times New Roman" panose="02020603050405020304" pitchFamily="18" charset="0"/>
+              </a:rPr>
+              <a:t>() insere um elemento filho (</a:t>
+            </a:r>
+            <a:r>
+              <a:rPr lang="pt-BR" sz="2000" dirty="0" err="1">
+                <a:solidFill>
+                  <a:schemeClr val="tx1"/>
+                </a:solidFill>
+                <a:latin typeface="Times New Roman" panose="02020603050405020304" pitchFamily="18" charset="0"/>
+                <a:cs typeface="Times New Roman" panose="02020603050405020304" pitchFamily="18" charset="0"/>
+              </a:rPr>
+              <a:t>children</a:t>
             </a:r>
             <a:r>
               <a:rPr lang="pt-BR" sz="2000" dirty="0">
-                <a:latin typeface="Times New Roman" panose="02020603050405020304" pitchFamily="18" charset="0"/>
-                <a:cs typeface="Times New Roman" panose="02020603050405020304" pitchFamily="18" charset="0"/>
-              </a:rPr>
-              <a:t>: </a:t>
+                <a:solidFill>
+                  <a:schemeClr val="tx1"/>
+                </a:solidFill>
+                <a:latin typeface="Times New Roman" panose="02020603050405020304" pitchFamily="18" charset="0"/>
+                <a:cs typeface="Times New Roman" panose="02020603050405020304" pitchFamily="18" charset="0"/>
+              </a:rPr>
+              <a:t>) ao elemento pai (</a:t>
+            </a:r>
+            <a:r>
+              <a:rPr lang="pt-BR" sz="2000" dirty="0" err="1">
+                <a:solidFill>
+                  <a:schemeClr val="tx1"/>
+                </a:solidFill>
+                <a:latin typeface="Times New Roman" panose="02020603050405020304" pitchFamily="18" charset="0"/>
+                <a:cs typeface="Times New Roman" panose="02020603050405020304" pitchFamily="18" charset="0"/>
+              </a:rPr>
+              <a:t>parent</a:t>
             </a:r>
             <a:r>
               <a:rPr lang="pt-BR" sz="2000" dirty="0">
-                <a:latin typeface="Times New Roman" panose="02020603050405020304" pitchFamily="18" charset="0"/>
-                <a:cs typeface="Times New Roman" panose="02020603050405020304" pitchFamily="18" charset="0"/>
-                <a:hlinkClick r:id="rId3"/>
-              </a:rPr>
-              <a:t>https://www.devmedia.com.br/javascript/</a:t>
-            </a:r>
-            <a:endParaRPr lang="pt-BR" sz="2000" dirty="0">
+                <a:solidFill>
+                  <a:schemeClr val="tx1"/>
+                </a:solidFill>
+                <a:latin typeface="Times New Roman" panose="02020603050405020304" pitchFamily="18" charset="0"/>
+                <a:cs typeface="Times New Roman" panose="02020603050405020304" pitchFamily="18" charset="0"/>
+              </a:rPr>
+              <a:t>) na última posição, ela auxilia na criação de um elemento DOM.</a:t>
+            </a:r>
+          </a:p>
+          <a:p>
+            <a:pPr marL="0" indent="0" algn="just">
+              <a:buNone/>
+            </a:pPr>
+            <a:endParaRPr lang="pt-BR" sz="2000" b="1" dirty="0">
+              <a:solidFill>
+                <a:srgbClr val="FF0000"/>
+              </a:solidFill>
               <a:latin typeface="Times New Roman" panose="02020603050405020304" pitchFamily="18" charset="0"/>
               <a:cs typeface="Times New Roman" panose="02020603050405020304" pitchFamily="18" charset="0"/>
             </a:endParaRPr>
@@ -35469,102 +35800,338 @@
             <a:pPr marL="0" indent="0" algn="just">
               <a:buNone/>
             </a:pPr>
-            <a:endParaRPr lang="pt-BR" sz="2000" dirty="0">
-              <a:latin typeface="Times New Roman" panose="02020603050405020304" pitchFamily="18" charset="0"/>
-              <a:cs typeface="Times New Roman" panose="02020603050405020304" pitchFamily="18" charset="0"/>
-            </a:endParaRPr>
-          </a:p>
-          <a:p>
-            <a:pPr marL="0" indent="0" algn="just">
-              <a:buNone/>
-            </a:pPr>
+            <a:r>
+              <a:rPr lang="pt-BR" sz="2000" b="1" dirty="0">
+                <a:solidFill>
+                  <a:srgbClr val="FF0000"/>
+                </a:solidFill>
+                <a:latin typeface="Times New Roman" panose="02020603050405020304" pitchFamily="18" charset="0"/>
+                <a:cs typeface="Times New Roman" panose="02020603050405020304" pitchFamily="18" charset="0"/>
+              </a:rPr>
+              <a:t>Exemplo: </a:t>
+            </a:r>
+            <a:r>
+              <a:rPr lang="pt-BR" sz="2000" dirty="0" err="1">
+                <a:solidFill>
+                  <a:schemeClr val="tx1"/>
+                </a:solidFill>
+                <a:latin typeface="Times New Roman" panose="02020603050405020304" pitchFamily="18" charset="0"/>
+                <a:cs typeface="Times New Roman" panose="02020603050405020304" pitchFamily="18" charset="0"/>
+              </a:rPr>
+              <a:t>elemento_pai.</a:t>
+            </a:r>
+            <a:r>
+              <a:rPr lang="pt-BR" sz="2000" b="1" dirty="0" err="1">
+                <a:solidFill>
+                  <a:schemeClr val="tx1"/>
+                </a:solidFill>
+                <a:latin typeface="Times New Roman" panose="02020603050405020304" pitchFamily="18" charset="0"/>
+                <a:cs typeface="Times New Roman" panose="02020603050405020304" pitchFamily="18" charset="0"/>
+              </a:rPr>
+              <a:t>appendChild</a:t>
+            </a:r>
             <a:r>
               <a:rPr lang="pt-BR" sz="2000" dirty="0">
-                <a:latin typeface="Times New Roman" panose="02020603050405020304" pitchFamily="18" charset="0"/>
-                <a:cs typeface="Times New Roman" panose="02020603050405020304" pitchFamily="18" charset="0"/>
-              </a:rPr>
-              <a:t>[2] </a:t>
-            </a:r>
+                <a:solidFill>
+                  <a:schemeClr val="tx1"/>
+                </a:solidFill>
+                <a:latin typeface="Times New Roman" panose="02020603050405020304" pitchFamily="18" charset="0"/>
+                <a:cs typeface="Times New Roman" panose="02020603050405020304" pitchFamily="18" charset="0"/>
+              </a:rPr>
+              <a:t>(</a:t>
+            </a:r>
+            <a:r>
+              <a:rPr lang="pt-BR" sz="2000" dirty="0" err="1">
+                <a:solidFill>
+                  <a:schemeClr val="tx1"/>
+                </a:solidFill>
+                <a:latin typeface="Times New Roman" panose="02020603050405020304" pitchFamily="18" charset="0"/>
+                <a:cs typeface="Times New Roman" panose="02020603050405020304" pitchFamily="18" charset="0"/>
+              </a:rPr>
+              <a:t>elemento_filho</a:t>
+            </a:r>
+            <a:r>
+              <a:rPr lang="pt-BR" sz="2000" dirty="0">
+                <a:solidFill>
+                  <a:schemeClr val="tx1"/>
+                </a:solidFill>
+                <a:latin typeface="Times New Roman" panose="02020603050405020304" pitchFamily="18" charset="0"/>
+                <a:cs typeface="Times New Roman" panose="02020603050405020304" pitchFamily="18" charset="0"/>
+              </a:rPr>
+              <a:t>);</a:t>
+            </a:r>
+          </a:p>
+          <a:p>
+            <a:pPr marL="0" indent="0" algn="just">
+              <a:buNone/>
+            </a:pPr>
+            <a:r>
+              <a:rPr lang="pt-BR" sz="2000" dirty="0">
+                <a:solidFill>
+                  <a:schemeClr val="tx1"/>
+                </a:solidFill>
+                <a:latin typeface="Times New Roman" panose="02020603050405020304" pitchFamily="18" charset="0"/>
+                <a:cs typeface="Times New Roman" panose="02020603050405020304" pitchFamily="18" charset="0"/>
+              </a:rPr>
+              <a:t>			</a:t>
+            </a:r>
+            <a:r>
+              <a:rPr lang="pt-BR" sz="2000" dirty="0" err="1">
+                <a:solidFill>
+                  <a:schemeClr val="tx1"/>
+                </a:solidFill>
+                <a:latin typeface="Times New Roman" panose="02020603050405020304" pitchFamily="18" charset="0"/>
+                <a:cs typeface="Times New Roman" panose="02020603050405020304" pitchFamily="18" charset="0"/>
+              </a:rPr>
+              <a:t>let</a:t>
+            </a:r>
+            <a:r>
+              <a:rPr lang="pt-BR" sz="2000" dirty="0">
+                <a:solidFill>
+                  <a:schemeClr val="tx1"/>
+                </a:solidFill>
+                <a:latin typeface="Times New Roman" panose="02020603050405020304" pitchFamily="18" charset="0"/>
+                <a:cs typeface="Times New Roman" panose="02020603050405020304" pitchFamily="18" charset="0"/>
+              </a:rPr>
+              <a:t> </a:t>
+            </a:r>
+            <a:r>
+              <a:rPr lang="pt-BR" sz="2000" b="1" dirty="0" err="1">
+                <a:solidFill>
+                  <a:srgbClr val="FF0000"/>
+                </a:solidFill>
+                <a:latin typeface="Times New Roman" panose="02020603050405020304" pitchFamily="18" charset="0"/>
+                <a:cs typeface="Times New Roman" panose="02020603050405020304" pitchFamily="18" charset="0"/>
+              </a:rPr>
+              <a:t>elemento_pai</a:t>
+            </a:r>
+            <a:r>
+              <a:rPr lang="pt-BR" sz="2000" dirty="0">
+                <a:solidFill>
+                  <a:schemeClr val="tx1"/>
+                </a:solidFill>
+                <a:latin typeface="Times New Roman" panose="02020603050405020304" pitchFamily="18" charset="0"/>
+                <a:cs typeface="Times New Roman" panose="02020603050405020304" pitchFamily="18" charset="0"/>
+              </a:rPr>
+              <a:t> = </a:t>
+            </a:r>
+            <a:r>
+              <a:rPr lang="pt-BR" sz="2000" dirty="0" err="1">
+                <a:solidFill>
+                  <a:schemeClr val="tx1"/>
+                </a:solidFill>
+                <a:latin typeface="Times New Roman" panose="02020603050405020304" pitchFamily="18" charset="0"/>
+                <a:cs typeface="Times New Roman" panose="02020603050405020304" pitchFamily="18" charset="0"/>
+              </a:rPr>
+              <a:t>document.body</a:t>
+            </a:r>
+            <a:r>
+              <a:rPr lang="pt-BR" sz="2000" dirty="0">
+                <a:solidFill>
+                  <a:schemeClr val="tx1"/>
+                </a:solidFill>
+                <a:latin typeface="Times New Roman" panose="02020603050405020304" pitchFamily="18" charset="0"/>
+                <a:cs typeface="Times New Roman" panose="02020603050405020304" pitchFamily="18" charset="0"/>
+              </a:rPr>
+              <a:t>;</a:t>
+            </a:r>
+          </a:p>
+          <a:p>
+            <a:pPr marL="0" indent="0" algn="just">
+              <a:buNone/>
+            </a:pPr>
+            <a:r>
+              <a:rPr lang="pt-BR" sz="2000" dirty="0">
+                <a:solidFill>
+                  <a:schemeClr val="tx1"/>
+                </a:solidFill>
+                <a:latin typeface="Times New Roman" panose="02020603050405020304" pitchFamily="18" charset="0"/>
+                <a:cs typeface="Times New Roman" panose="02020603050405020304" pitchFamily="18" charset="0"/>
+              </a:rPr>
+              <a:t>			</a:t>
+            </a:r>
+            <a:r>
+              <a:rPr lang="pt-BR" sz="2000" dirty="0" err="1">
+                <a:solidFill>
+                  <a:schemeClr val="tx1"/>
+                </a:solidFill>
+                <a:latin typeface="Times New Roman" panose="02020603050405020304" pitchFamily="18" charset="0"/>
+                <a:cs typeface="Times New Roman" panose="02020603050405020304" pitchFamily="18" charset="0"/>
+              </a:rPr>
+              <a:t>let</a:t>
+            </a:r>
+            <a:r>
+              <a:rPr lang="pt-BR" sz="2000" dirty="0">
+                <a:solidFill>
+                  <a:schemeClr val="tx1"/>
+                </a:solidFill>
+                <a:latin typeface="Times New Roman" panose="02020603050405020304" pitchFamily="18" charset="0"/>
+                <a:cs typeface="Times New Roman" panose="02020603050405020304" pitchFamily="18" charset="0"/>
+              </a:rPr>
+              <a:t> titulo = </a:t>
+            </a:r>
+            <a:r>
+              <a:rPr lang="pt-BR" sz="2000" dirty="0" err="1">
+                <a:solidFill>
+                  <a:schemeClr val="tx1"/>
+                </a:solidFill>
+                <a:latin typeface="Times New Roman" panose="02020603050405020304" pitchFamily="18" charset="0"/>
+                <a:cs typeface="Times New Roman" panose="02020603050405020304" pitchFamily="18" charset="0"/>
+              </a:rPr>
+              <a:t>document.</a:t>
+            </a:r>
+            <a:r>
+              <a:rPr lang="pt-BR" sz="2000" b="1" dirty="0" err="1">
+                <a:solidFill>
+                  <a:schemeClr val="tx1"/>
+                </a:solidFill>
+                <a:latin typeface="Times New Roman" panose="02020603050405020304" pitchFamily="18" charset="0"/>
+                <a:cs typeface="Times New Roman" panose="02020603050405020304" pitchFamily="18" charset="0"/>
+              </a:rPr>
+              <a:t>createElement</a:t>
+            </a:r>
+            <a:r>
+              <a:rPr lang="pt-BR" sz="2000" dirty="0">
+                <a:solidFill>
+                  <a:schemeClr val="tx1"/>
+                </a:solidFill>
+                <a:latin typeface="Times New Roman" panose="02020603050405020304" pitchFamily="18" charset="0"/>
+                <a:cs typeface="Times New Roman" panose="02020603050405020304" pitchFamily="18" charset="0"/>
+              </a:rPr>
+              <a:t>('h1’);	</a:t>
+            </a:r>
+          </a:p>
+          <a:p>
+            <a:pPr marL="0" indent="0" algn="just">
+              <a:buNone/>
+            </a:pPr>
+            <a:r>
+              <a:rPr lang="pt-BR" sz="2000" dirty="0">
+                <a:solidFill>
+                  <a:schemeClr val="tx1"/>
+                </a:solidFill>
+                <a:latin typeface="Times New Roman" panose="02020603050405020304" pitchFamily="18" charset="0"/>
+                <a:cs typeface="Times New Roman" panose="02020603050405020304" pitchFamily="18" charset="0"/>
+              </a:rPr>
+              <a:t>			// Inserir (anexar) o elemento filho (titulo) ao elemento pai (body)</a:t>
+            </a:r>
+          </a:p>
+          <a:p>
+            <a:pPr marL="0" indent="0" algn="just">
+              <a:buNone/>
+            </a:pPr>
+            <a:r>
+              <a:rPr lang="pt-BR" sz="2000" dirty="0">
+                <a:solidFill>
+                  <a:schemeClr val="tx1"/>
+                </a:solidFill>
+                <a:latin typeface="Times New Roman" panose="02020603050405020304" pitchFamily="18" charset="0"/>
+                <a:cs typeface="Times New Roman" panose="02020603050405020304" pitchFamily="18" charset="0"/>
+              </a:rPr>
+              <a:t>			</a:t>
+            </a:r>
+            <a:r>
+              <a:rPr lang="pt-BR" sz="2000" b="1" dirty="0" err="1">
+                <a:solidFill>
+                  <a:srgbClr val="FF0000"/>
+                </a:solidFill>
+                <a:latin typeface="Times New Roman" panose="02020603050405020304" pitchFamily="18" charset="0"/>
+                <a:cs typeface="Times New Roman" panose="02020603050405020304" pitchFamily="18" charset="0"/>
+              </a:rPr>
+              <a:t>elemento_pai</a:t>
+            </a:r>
+            <a:r>
+              <a:rPr lang="pt-BR" sz="2000" dirty="0" err="1">
+                <a:solidFill>
+                  <a:schemeClr val="tx1"/>
+                </a:solidFill>
+                <a:latin typeface="Times New Roman" panose="02020603050405020304" pitchFamily="18" charset="0"/>
+                <a:cs typeface="Times New Roman" panose="02020603050405020304" pitchFamily="18" charset="0"/>
+              </a:rPr>
+              <a:t>.appendChild</a:t>
+            </a:r>
+            <a:r>
+              <a:rPr lang="pt-BR" sz="2000" dirty="0">
+                <a:solidFill>
+                  <a:schemeClr val="tx1"/>
+                </a:solidFill>
+                <a:latin typeface="Times New Roman" panose="02020603050405020304" pitchFamily="18" charset="0"/>
+                <a:cs typeface="Times New Roman" panose="02020603050405020304" pitchFamily="18" charset="0"/>
+              </a:rPr>
+              <a:t>(titulo);</a:t>
+            </a:r>
+          </a:p>
+          <a:p>
+            <a:pPr marL="0" indent="0" algn="just">
+              <a:buNone/>
+            </a:pPr>
             <a:r>
               <a:rPr lang="pt-BR" sz="2000" b="1" dirty="0">
-                <a:latin typeface="Times New Roman" panose="02020603050405020304" pitchFamily="18" charset="0"/>
-                <a:cs typeface="Times New Roman" panose="02020603050405020304" pitchFamily="18" charset="0"/>
-              </a:rPr>
-              <a:t>COSTA, </a:t>
+                <a:solidFill>
+                  <a:schemeClr val="tx1"/>
+                </a:solidFill>
+                <a:latin typeface="Times New Roman" panose="02020603050405020304" pitchFamily="18" charset="0"/>
+                <a:cs typeface="Times New Roman" panose="02020603050405020304" pitchFamily="18" charset="0"/>
+              </a:rPr>
+              <a:t>Resultado</a:t>
             </a:r>
             <a:r>
               <a:rPr lang="pt-BR" sz="2000" dirty="0">
-                <a:latin typeface="Times New Roman" panose="02020603050405020304" pitchFamily="18" charset="0"/>
-                <a:cs typeface="Times New Roman" panose="02020603050405020304" pitchFamily="18" charset="0"/>
-              </a:rPr>
-              <a:t>Jean Carlos Borba Guimarães da. A Linguagem </a:t>
-            </a:r>
-            <a:r>
-              <a:rPr lang="pt-BR" sz="2000" dirty="0" err="1">
-                <a:latin typeface="Times New Roman" panose="02020603050405020304" pitchFamily="18" charset="0"/>
-                <a:cs typeface="Times New Roman" panose="02020603050405020304" pitchFamily="18" charset="0"/>
-              </a:rPr>
-              <a:t>JavaScript</a:t>
-            </a:r>
-            <a:r>
-              <a:rPr lang="pt-BR" sz="2000" dirty="0">
-                <a:latin typeface="Times New Roman" panose="02020603050405020304" pitchFamily="18" charset="0"/>
-                <a:cs typeface="Times New Roman" panose="02020603050405020304" pitchFamily="18" charset="0"/>
-              </a:rPr>
-              <a:t> e seu Ecossistema. 2019. 	</a:t>
-            </a:r>
-          </a:p>
-          <a:p>
-            <a:pPr marL="0" indent="0" algn="just">
-              <a:buNone/>
-            </a:pPr>
-            <a:r>
-              <a:rPr lang="pt-BR" sz="2000" b="1" dirty="0">
-                <a:latin typeface="Times New Roman" panose="02020603050405020304" pitchFamily="18" charset="0"/>
-                <a:cs typeface="Times New Roman" panose="02020603050405020304" pitchFamily="18" charset="0"/>
-              </a:rPr>
-              <a:t>	Disponível em</a:t>
-            </a:r>
-            <a:r>
-              <a:rPr lang="pt-BR" sz="2000" dirty="0">
-                <a:latin typeface="Times New Roman" panose="02020603050405020304" pitchFamily="18" charset="0"/>
-                <a:cs typeface="Times New Roman" panose="02020603050405020304" pitchFamily="18" charset="0"/>
-              </a:rPr>
-              <a:t>: </a:t>
-            </a:r>
-          </a:p>
-          <a:p>
-            <a:pPr marL="0" indent="0" algn="just">
-              <a:buNone/>
-            </a:pPr>
-            <a:r>
-              <a:rPr lang="pt-BR" sz="2000" dirty="0">
-                <a:latin typeface="Times New Roman" panose="02020603050405020304" pitchFamily="18" charset="0"/>
-                <a:cs typeface="Times New Roman" panose="02020603050405020304" pitchFamily="18" charset="0"/>
-                <a:hlinkClick r:id="rId4"/>
-              </a:rPr>
-              <a:t>https://repositorio.uniube.br/bitstream/123456789/1546/1/A%20Linguagem%20JavaScript%20e%20seu%20Ecossistema%20.PDF</a:t>
-            </a:r>
-            <a:endParaRPr lang="pt-BR" sz="2000" dirty="0">
-              <a:latin typeface="Times New Roman" panose="02020603050405020304" pitchFamily="18" charset="0"/>
-              <a:cs typeface="Times New Roman" panose="02020603050405020304" pitchFamily="18" charset="0"/>
-            </a:endParaRPr>
-          </a:p>
-          <a:p>
-            <a:pPr marL="0" indent="0" algn="just">
-              <a:buNone/>
-            </a:pPr>
-            <a:endParaRPr lang="pt-BR" sz="2000" dirty="0">
-              <a:latin typeface="Times New Roman" panose="02020603050405020304" pitchFamily="18" charset="0"/>
-              <a:cs typeface="Times New Roman" panose="02020603050405020304" pitchFamily="18" charset="0"/>
-            </a:endParaRPr>
+                <a:solidFill>
+                  <a:schemeClr val="tx1"/>
+                </a:solidFill>
+                <a:latin typeface="Times New Roman" panose="02020603050405020304" pitchFamily="18" charset="0"/>
+                <a:cs typeface="Times New Roman" panose="02020603050405020304" pitchFamily="18" charset="0"/>
+              </a:rPr>
+              <a:t>:</a:t>
+            </a:r>
+            <a:r>
+              <a:rPr lang="pt-BR" sz="1600" dirty="0">
+                <a:solidFill>
+                  <a:schemeClr val="tx1"/>
+                </a:solidFill>
+                <a:latin typeface="Times New Roman" panose="02020603050405020304" pitchFamily="18" charset="0"/>
+                <a:cs typeface="Times New Roman" panose="02020603050405020304" pitchFamily="18" charset="0"/>
+              </a:rPr>
+              <a:t>	&lt;body&gt;</a:t>
+            </a:r>
+          </a:p>
+          <a:p>
+            <a:pPr marL="0" indent="0" algn="just">
+              <a:buNone/>
+            </a:pPr>
+            <a:r>
+              <a:rPr lang="pt-BR" sz="1600" dirty="0">
+                <a:solidFill>
+                  <a:schemeClr val="tx1"/>
+                </a:solidFill>
+                <a:latin typeface="Times New Roman" panose="02020603050405020304" pitchFamily="18" charset="0"/>
+                <a:cs typeface="Times New Roman" panose="02020603050405020304" pitchFamily="18" charset="0"/>
+              </a:rPr>
+              <a:t>    				&lt;h1&gt;&lt;/h1&gt;</a:t>
+            </a:r>
+          </a:p>
+          <a:p>
+            <a:pPr marL="0" indent="0" algn="just">
+              <a:buNone/>
+            </a:pPr>
+            <a:r>
+              <a:rPr lang="pt-BR" sz="1600" dirty="0">
+                <a:solidFill>
+                  <a:schemeClr val="tx1"/>
+                </a:solidFill>
+                <a:latin typeface="Times New Roman" panose="02020603050405020304" pitchFamily="18" charset="0"/>
+                <a:cs typeface="Times New Roman" panose="02020603050405020304" pitchFamily="18" charset="0"/>
+              </a:rPr>
+              <a:t>			&lt;/body&gt;</a:t>
+            </a:r>
           </a:p>
         </p:txBody>
       </p:sp>
     </p:spTree>
     <p:extLst>
       <p:ext uri="{BB962C8B-B14F-4D97-AF65-F5344CB8AC3E}">
-        <p14:creationId xmlns:p14="http://schemas.microsoft.com/office/powerpoint/2010/main" val="3680270425"/>
+        <p14:creationId xmlns:p14="http://schemas.microsoft.com/office/powerpoint/2010/main" val="526083214"/>
       </p:ext>
     </p:extLst>
   </p:cSld>
@@ -35615,12 +36182,20 @@
           <a:lstStyle/>
           <a:p>
             <a:r>
+              <a:rPr lang="en-US" b="1" dirty="0">
+                <a:solidFill>
+                  <a:srgbClr val="0070C0"/>
+                </a:solidFill>
+              </a:rPr>
+              <a:t>JS – </a:t>
+            </a:r>
+            <a:r>
               <a:rPr lang="en-US" b="1" dirty="0" err="1">
                 <a:solidFill>
                   <a:srgbClr val="0070C0"/>
                 </a:solidFill>
               </a:rPr>
-              <a:t>Aprenda</a:t>
+              <a:t>createElement</a:t>
             </a:r>
             <a:r>
               <a:rPr lang="en-US" b="1" dirty="0">
@@ -35628,8 +36203,21 @@
                   <a:srgbClr val="0070C0"/>
                 </a:solidFill>
               </a:rPr>
-              <a:t>+</a:t>
-            </a:r>
+              <a:t>/</a:t>
+            </a:r>
+            <a:r>
+              <a:rPr lang="en-US" b="1" dirty="0" err="1">
+                <a:solidFill>
+                  <a:srgbClr val="0070C0"/>
+                </a:solidFill>
+              </a:rPr>
+              <a:t>setAttibute</a:t>
+            </a:r>
+            <a:endParaRPr lang="en-US" b="1" dirty="0">
+              <a:solidFill>
+                <a:srgbClr val="0070C0"/>
+              </a:solidFill>
+            </a:endParaRPr>
           </a:p>
         </p:txBody>
       </p:sp>
@@ -35645,8 +36233,8 @@
         </p:nvSpPr>
         <p:spPr>
           <a:xfrm>
-            <a:off x="142865" y="1200151"/>
-            <a:ext cx="8865056" cy="3394472"/>
+            <a:off x="142865" y="962156"/>
+            <a:ext cx="8865056" cy="4110886"/>
           </a:xfrm>
         </p:spPr>
         <p:txBody>
@@ -35658,7 +36246,380 @@
             <a:pPr marL="0" indent="0" algn="just">
               <a:buNone/>
             </a:pPr>
-            <a:endParaRPr lang="pt-BR" sz="2400" dirty="0">
+            <a:r>
+              <a:rPr lang="pt-BR" sz="2000" dirty="0">
+                <a:solidFill>
+                  <a:schemeClr val="tx1"/>
+                </a:solidFill>
+                <a:latin typeface="Times New Roman" panose="02020603050405020304" pitchFamily="18" charset="0"/>
+                <a:cs typeface="Times New Roman" panose="02020603050405020304" pitchFamily="18" charset="0"/>
+              </a:rPr>
+              <a:t>	Adiciona um novo atributo ou modifica o valor de um atributo existente num elemento específico.</a:t>
+            </a:r>
+          </a:p>
+          <a:p>
+            <a:pPr marL="0" indent="0" algn="just">
+              <a:buNone/>
+            </a:pPr>
+            <a:r>
+              <a:rPr lang="pt-BR" sz="2000" b="1" dirty="0">
+                <a:solidFill>
+                  <a:srgbClr val="FF0000"/>
+                </a:solidFill>
+                <a:latin typeface="Times New Roman" panose="02020603050405020304" pitchFamily="18" charset="0"/>
+                <a:cs typeface="Times New Roman" panose="02020603050405020304" pitchFamily="18" charset="0"/>
+              </a:rPr>
+              <a:t>Exemplo</a:t>
+            </a:r>
+            <a:r>
+              <a:rPr lang="pt-BR" sz="2000" dirty="0">
+                <a:solidFill>
+                  <a:schemeClr val="tx1"/>
+                </a:solidFill>
+                <a:latin typeface="Times New Roman" panose="02020603050405020304" pitchFamily="18" charset="0"/>
+                <a:cs typeface="Times New Roman" panose="02020603050405020304" pitchFamily="18" charset="0"/>
+              </a:rPr>
+              <a:t>: </a:t>
+            </a:r>
+            <a:r>
+              <a:rPr lang="pt-BR" sz="2000" b="1" dirty="0" err="1">
+                <a:solidFill>
+                  <a:schemeClr val="tx1"/>
+                </a:solidFill>
+                <a:latin typeface="Times New Roman" panose="02020603050405020304" pitchFamily="18" charset="0"/>
+                <a:cs typeface="Times New Roman" panose="02020603050405020304" pitchFamily="18" charset="0"/>
+              </a:rPr>
+              <a:t>element.setAttribute</a:t>
+            </a:r>
+            <a:r>
+              <a:rPr lang="pt-BR" sz="2000" b="1" dirty="0">
+                <a:solidFill>
+                  <a:schemeClr val="tx1"/>
+                </a:solidFill>
+                <a:latin typeface="Times New Roman" panose="02020603050405020304" pitchFamily="18" charset="0"/>
+                <a:cs typeface="Times New Roman" panose="02020603050405020304" pitchFamily="18" charset="0"/>
+              </a:rPr>
+              <a:t>();</a:t>
+            </a:r>
+          </a:p>
+          <a:p>
+            <a:pPr marL="1841500" lvl="4" indent="0" algn="just">
+              <a:buNone/>
+            </a:pPr>
+            <a:r>
+              <a:rPr lang="pt-BR" sz="2000" b="1" dirty="0" err="1">
+                <a:solidFill>
+                  <a:schemeClr val="tx1"/>
+                </a:solidFill>
+                <a:latin typeface="Times New Roman" panose="02020603050405020304" pitchFamily="18" charset="0"/>
+                <a:cs typeface="Times New Roman" panose="02020603050405020304" pitchFamily="18" charset="0"/>
+              </a:rPr>
+              <a:t>let</a:t>
+            </a:r>
+            <a:r>
+              <a:rPr lang="pt-BR" sz="2000" dirty="0">
+                <a:solidFill>
+                  <a:schemeClr val="tx1"/>
+                </a:solidFill>
+                <a:latin typeface="Times New Roman" panose="02020603050405020304" pitchFamily="18" charset="0"/>
+                <a:cs typeface="Times New Roman" panose="02020603050405020304" pitchFamily="18" charset="0"/>
+              </a:rPr>
+              <a:t> </a:t>
+            </a:r>
+            <a:r>
+              <a:rPr lang="pt-BR" sz="2000" dirty="0" err="1">
+                <a:solidFill>
+                  <a:schemeClr val="tx1"/>
+                </a:solidFill>
+                <a:latin typeface="Times New Roman" panose="02020603050405020304" pitchFamily="18" charset="0"/>
+                <a:cs typeface="Times New Roman" panose="02020603050405020304" pitchFamily="18" charset="0"/>
+              </a:rPr>
+              <a:t>div</a:t>
+            </a:r>
+            <a:r>
+              <a:rPr lang="pt-BR" sz="2000" dirty="0">
+                <a:solidFill>
+                  <a:schemeClr val="tx1"/>
+                </a:solidFill>
+                <a:latin typeface="Times New Roman" panose="02020603050405020304" pitchFamily="18" charset="0"/>
+                <a:cs typeface="Times New Roman" panose="02020603050405020304" pitchFamily="18" charset="0"/>
+              </a:rPr>
+              <a:t> = </a:t>
+            </a:r>
+            <a:r>
+              <a:rPr lang="pt-BR" sz="2000" dirty="0" err="1">
+                <a:solidFill>
+                  <a:schemeClr val="tx1"/>
+                </a:solidFill>
+                <a:latin typeface="Times New Roman" panose="02020603050405020304" pitchFamily="18" charset="0"/>
+                <a:cs typeface="Times New Roman" panose="02020603050405020304" pitchFamily="18" charset="0"/>
+              </a:rPr>
+              <a:t>document.</a:t>
+            </a:r>
+            <a:r>
+              <a:rPr lang="pt-BR" sz="2000" b="1" dirty="0" err="1">
+                <a:solidFill>
+                  <a:schemeClr val="tx1"/>
+                </a:solidFill>
+                <a:latin typeface="Times New Roman" panose="02020603050405020304" pitchFamily="18" charset="0"/>
+                <a:cs typeface="Times New Roman" panose="02020603050405020304" pitchFamily="18" charset="0"/>
+              </a:rPr>
+              <a:t>getElementById</a:t>
+            </a:r>
+            <a:r>
+              <a:rPr lang="pt-BR" sz="2000" dirty="0">
+                <a:solidFill>
+                  <a:schemeClr val="tx1"/>
+                </a:solidFill>
+                <a:latin typeface="Times New Roman" panose="02020603050405020304" pitchFamily="18" charset="0"/>
+                <a:cs typeface="Times New Roman" panose="02020603050405020304" pitchFamily="18" charset="0"/>
+              </a:rPr>
+              <a:t>('</a:t>
+            </a:r>
+            <a:r>
+              <a:rPr lang="pt-BR" sz="2000" dirty="0" err="1">
+                <a:solidFill>
+                  <a:schemeClr val="tx1"/>
+                </a:solidFill>
+                <a:latin typeface="Times New Roman" panose="02020603050405020304" pitchFamily="18" charset="0"/>
+                <a:cs typeface="Times New Roman" panose="02020603050405020304" pitchFamily="18" charset="0"/>
+              </a:rPr>
+              <a:t>idDiv</a:t>
+            </a:r>
+            <a:r>
+              <a:rPr lang="pt-BR" sz="2000" dirty="0">
+                <a:solidFill>
+                  <a:schemeClr val="tx1"/>
+                </a:solidFill>
+                <a:latin typeface="Times New Roman" panose="02020603050405020304" pitchFamily="18" charset="0"/>
+                <a:cs typeface="Times New Roman" panose="02020603050405020304" pitchFamily="18" charset="0"/>
+              </a:rPr>
+              <a:t>');</a:t>
+            </a:r>
+          </a:p>
+          <a:p>
+            <a:pPr marL="1841500" lvl="4" indent="0" algn="just">
+              <a:buNone/>
+            </a:pPr>
+            <a:r>
+              <a:rPr lang="pt-BR" sz="2000" b="1" dirty="0" err="1">
+                <a:solidFill>
+                  <a:schemeClr val="tx1"/>
+                </a:solidFill>
+                <a:latin typeface="Times New Roman" panose="02020603050405020304" pitchFamily="18" charset="0"/>
+                <a:cs typeface="Times New Roman" panose="02020603050405020304" pitchFamily="18" charset="0"/>
+              </a:rPr>
+              <a:t>let</a:t>
+            </a:r>
+            <a:r>
+              <a:rPr lang="pt-BR" sz="2000" dirty="0">
+                <a:solidFill>
+                  <a:schemeClr val="tx1"/>
+                </a:solidFill>
+                <a:latin typeface="Times New Roman" panose="02020603050405020304" pitchFamily="18" charset="0"/>
+                <a:cs typeface="Times New Roman" panose="02020603050405020304" pitchFamily="18" charset="0"/>
+              </a:rPr>
+              <a:t> h1 = </a:t>
+            </a:r>
+            <a:r>
+              <a:rPr lang="pt-BR" sz="2000" dirty="0" err="1">
+                <a:solidFill>
+                  <a:schemeClr val="tx1"/>
+                </a:solidFill>
+                <a:latin typeface="Times New Roman" panose="02020603050405020304" pitchFamily="18" charset="0"/>
+                <a:cs typeface="Times New Roman" panose="02020603050405020304" pitchFamily="18" charset="0"/>
+              </a:rPr>
+              <a:t>document.</a:t>
+            </a:r>
+            <a:r>
+              <a:rPr lang="pt-BR" sz="2000" b="1" dirty="0" err="1">
+                <a:solidFill>
+                  <a:srgbClr val="FF0000"/>
+                </a:solidFill>
+                <a:latin typeface="Times New Roman" panose="02020603050405020304" pitchFamily="18" charset="0"/>
+                <a:cs typeface="Times New Roman" panose="02020603050405020304" pitchFamily="18" charset="0"/>
+              </a:rPr>
+              <a:t>createElement</a:t>
+            </a:r>
+            <a:r>
+              <a:rPr lang="pt-BR" sz="2000" dirty="0">
+                <a:solidFill>
+                  <a:schemeClr val="tx1"/>
+                </a:solidFill>
+                <a:latin typeface="Times New Roman" panose="02020603050405020304" pitchFamily="18" charset="0"/>
+                <a:cs typeface="Times New Roman" panose="02020603050405020304" pitchFamily="18" charset="0"/>
+              </a:rPr>
+              <a:t>(‘h1');</a:t>
+            </a:r>
+          </a:p>
+          <a:p>
+            <a:pPr marL="1841500" lvl="4" indent="0" algn="just">
+              <a:buNone/>
+            </a:pPr>
+            <a:r>
+              <a:rPr lang="pt-BR" sz="2000" b="1" dirty="0">
+                <a:solidFill>
+                  <a:schemeClr val="tx1"/>
+                </a:solidFill>
+                <a:latin typeface="Times New Roman" panose="02020603050405020304" pitchFamily="18" charset="0"/>
+                <a:cs typeface="Times New Roman" panose="02020603050405020304" pitchFamily="18" charset="0"/>
+              </a:rPr>
+              <a:t>h1</a:t>
+            </a:r>
+            <a:r>
+              <a:rPr lang="pt-BR" sz="2000" dirty="0">
+                <a:solidFill>
+                  <a:schemeClr val="tx1"/>
+                </a:solidFill>
+                <a:latin typeface="Times New Roman" panose="02020603050405020304" pitchFamily="18" charset="0"/>
+                <a:cs typeface="Times New Roman" panose="02020603050405020304" pitchFamily="18" charset="0"/>
+              </a:rPr>
+              <a:t>.innerHTML = ‘Texto’;</a:t>
+            </a:r>
+          </a:p>
+          <a:p>
+            <a:pPr marL="1841500" lvl="4" indent="0" algn="just">
+              <a:buNone/>
+            </a:pPr>
+            <a:r>
+              <a:rPr lang="pt-BR" sz="2000" b="1" dirty="0">
+                <a:solidFill>
+                  <a:schemeClr val="tx1"/>
+                </a:solidFill>
+                <a:latin typeface="Times New Roman" panose="02020603050405020304" pitchFamily="18" charset="0"/>
+                <a:cs typeface="Times New Roman" panose="02020603050405020304" pitchFamily="18" charset="0"/>
+              </a:rPr>
+              <a:t>h1</a:t>
+            </a:r>
+            <a:r>
+              <a:rPr lang="pt-BR" sz="2000" dirty="0">
+                <a:solidFill>
+                  <a:schemeClr val="tx1"/>
+                </a:solidFill>
+                <a:latin typeface="Times New Roman" panose="02020603050405020304" pitchFamily="18" charset="0"/>
+                <a:cs typeface="Times New Roman" panose="02020603050405020304" pitchFamily="18" charset="0"/>
+              </a:rPr>
+              <a:t>.</a:t>
+            </a:r>
+            <a:r>
+              <a:rPr lang="pt-BR" sz="2000" b="1" dirty="0">
+                <a:solidFill>
+                  <a:srgbClr val="FF0000"/>
+                </a:solidFill>
+                <a:latin typeface="Times New Roman" panose="02020603050405020304" pitchFamily="18" charset="0"/>
+                <a:cs typeface="Times New Roman" panose="02020603050405020304" pitchFamily="18" charset="0"/>
+              </a:rPr>
+              <a:t>setAttribute</a:t>
+            </a:r>
+            <a:r>
+              <a:rPr lang="pt-BR" sz="2000" dirty="0">
+                <a:solidFill>
+                  <a:schemeClr val="tx1"/>
+                </a:solidFill>
+                <a:latin typeface="Times New Roman" panose="02020603050405020304" pitchFamily="18" charset="0"/>
+                <a:cs typeface="Times New Roman" panose="02020603050405020304" pitchFamily="18" charset="0"/>
+              </a:rPr>
+              <a:t>('id', ‘idH1');</a:t>
+            </a:r>
+          </a:p>
+          <a:p>
+            <a:pPr marL="1841500" lvl="4" indent="0" algn="just">
+              <a:buNone/>
+            </a:pPr>
+            <a:r>
+              <a:rPr lang="pt-BR" sz="2000" b="1" dirty="0">
+                <a:solidFill>
+                  <a:schemeClr val="tx1"/>
+                </a:solidFill>
+                <a:latin typeface="Times New Roman" panose="02020603050405020304" pitchFamily="18" charset="0"/>
+                <a:cs typeface="Times New Roman" panose="02020603050405020304" pitchFamily="18" charset="0"/>
+              </a:rPr>
+              <a:t>h1</a:t>
+            </a:r>
+            <a:r>
+              <a:rPr lang="pt-BR" sz="2000" dirty="0">
+                <a:solidFill>
+                  <a:schemeClr val="tx1"/>
+                </a:solidFill>
+                <a:latin typeface="Times New Roman" panose="02020603050405020304" pitchFamily="18" charset="0"/>
+                <a:cs typeface="Times New Roman" panose="02020603050405020304" pitchFamily="18" charset="0"/>
+              </a:rPr>
+              <a:t>.style.color = '</a:t>
+            </a:r>
+            <a:r>
+              <a:rPr lang="pt-BR" sz="2000" b="1" dirty="0" err="1">
+                <a:solidFill>
+                  <a:srgbClr val="00B050"/>
+                </a:solidFill>
+                <a:latin typeface="Times New Roman" panose="02020603050405020304" pitchFamily="18" charset="0"/>
+                <a:cs typeface="Times New Roman" panose="02020603050405020304" pitchFamily="18" charset="0"/>
+              </a:rPr>
+              <a:t>green</a:t>
+            </a:r>
+            <a:r>
+              <a:rPr lang="pt-BR" sz="2000" dirty="0">
+                <a:solidFill>
+                  <a:schemeClr val="tx1"/>
+                </a:solidFill>
+                <a:latin typeface="Times New Roman" panose="02020603050405020304" pitchFamily="18" charset="0"/>
+                <a:cs typeface="Times New Roman" panose="02020603050405020304" pitchFamily="18" charset="0"/>
+              </a:rPr>
+              <a:t>';</a:t>
+            </a:r>
+          </a:p>
+          <a:p>
+            <a:pPr marL="1841500" lvl="4" indent="0" algn="just">
+              <a:buNone/>
+            </a:pPr>
+            <a:r>
+              <a:rPr lang="pt-BR" sz="2000" b="1" dirty="0" err="1">
+                <a:solidFill>
+                  <a:schemeClr val="tx1"/>
+                </a:solidFill>
+                <a:latin typeface="Times New Roman" panose="02020603050405020304" pitchFamily="18" charset="0"/>
+                <a:cs typeface="Times New Roman" panose="02020603050405020304" pitchFamily="18" charset="0"/>
+              </a:rPr>
+              <a:t>div</a:t>
+            </a:r>
+            <a:r>
+              <a:rPr lang="pt-BR" sz="2000" dirty="0" err="1">
+                <a:solidFill>
+                  <a:schemeClr val="tx1"/>
+                </a:solidFill>
+                <a:latin typeface="Times New Roman" panose="02020603050405020304" pitchFamily="18" charset="0"/>
+                <a:cs typeface="Times New Roman" panose="02020603050405020304" pitchFamily="18" charset="0"/>
+              </a:rPr>
+              <a:t>.</a:t>
+            </a:r>
+            <a:r>
+              <a:rPr lang="pt-BR" sz="2000" b="1" dirty="0" err="1">
+                <a:solidFill>
+                  <a:srgbClr val="0070C0"/>
+                </a:solidFill>
+                <a:latin typeface="Times New Roman" panose="02020603050405020304" pitchFamily="18" charset="0"/>
+                <a:cs typeface="Times New Roman" panose="02020603050405020304" pitchFamily="18" charset="0"/>
+              </a:rPr>
+              <a:t>appendChild</a:t>
+            </a:r>
+            <a:r>
+              <a:rPr lang="pt-BR" sz="2000" dirty="0">
+                <a:solidFill>
+                  <a:schemeClr val="tx1"/>
+                </a:solidFill>
+                <a:latin typeface="Times New Roman" panose="02020603050405020304" pitchFamily="18" charset="0"/>
+                <a:cs typeface="Times New Roman" panose="02020603050405020304" pitchFamily="18" charset="0"/>
+              </a:rPr>
+              <a:t>(h1);</a:t>
+            </a:r>
+          </a:p>
+          <a:p>
+            <a:pPr marL="0" indent="0" algn="just">
+              <a:buNone/>
+            </a:pPr>
+            <a:endParaRPr lang="pt-BR" sz="2000" b="1" dirty="0">
+              <a:solidFill>
+                <a:schemeClr val="tx1"/>
+              </a:solidFill>
               <a:latin typeface="Times New Roman" panose="02020603050405020304" pitchFamily="18" charset="0"/>
               <a:cs typeface="Times New Roman" panose="02020603050405020304" pitchFamily="18" charset="0"/>
             </a:endParaRPr>
@@ -35668,87 +36629,84 @@
               <a:buNone/>
             </a:pPr>
             <a:r>
-              <a:rPr lang="pt-BR" sz="2400" dirty="0">
-                <a:latin typeface="Times New Roman" panose="02020603050405020304" pitchFamily="18" charset="0"/>
-                <a:cs typeface="Times New Roman" panose="02020603050405020304" pitchFamily="18" charset="0"/>
-              </a:rPr>
-              <a:t>[1] </a:t>
-            </a:r>
-            <a:r>
-              <a:rPr lang="pt-BR" sz="2400" dirty="0">
-                <a:latin typeface="Times New Roman" panose="02020603050405020304" pitchFamily="18" charset="0"/>
-                <a:cs typeface="Times New Roman" panose="02020603050405020304" pitchFamily="18" charset="0"/>
-                <a:hlinkClick r:id="rId3"/>
-              </a:rPr>
-              <a:t>https://www.youtube.com/watch?v=W6NZfCO5SIk</a:t>
-            </a:r>
-            <a:r>
-              <a:rPr lang="pt-BR" sz="2400" dirty="0">
-                <a:latin typeface="Times New Roman" panose="02020603050405020304" pitchFamily="18" charset="0"/>
-                <a:cs typeface="Times New Roman" panose="02020603050405020304" pitchFamily="18" charset="0"/>
-              </a:rPr>
-              <a:t> (JS)</a:t>
-            </a:r>
-          </a:p>
-          <a:p>
-            <a:pPr marL="0" indent="0" algn="just">
-              <a:buNone/>
-            </a:pPr>
-            <a:endParaRPr lang="pt-BR" sz="2400" dirty="0">
-              <a:latin typeface="Times New Roman" panose="02020603050405020304" pitchFamily="18" charset="0"/>
-              <a:cs typeface="Times New Roman" panose="02020603050405020304" pitchFamily="18" charset="0"/>
-            </a:endParaRPr>
-          </a:p>
-          <a:p>
-            <a:pPr marL="0" indent="0" algn="just">
-              <a:buNone/>
-            </a:pPr>
-            <a:endParaRPr lang="pt-BR" sz="2400" dirty="0">
-              <a:latin typeface="Times New Roman" panose="02020603050405020304" pitchFamily="18" charset="0"/>
-              <a:cs typeface="Times New Roman" panose="02020603050405020304" pitchFamily="18" charset="0"/>
-            </a:endParaRPr>
-          </a:p>
-          <a:p>
-            <a:pPr marL="0" indent="0" algn="just">
-              <a:buNone/>
-            </a:pPr>
-            <a:r>
-              <a:rPr lang="pt-BR" sz="2400" dirty="0">
-                <a:latin typeface="Times New Roman" panose="02020603050405020304" pitchFamily="18" charset="0"/>
-                <a:cs typeface="Times New Roman" panose="02020603050405020304" pitchFamily="18" charset="0"/>
-              </a:rPr>
-              <a:t>[2] </a:t>
-            </a:r>
-            <a:r>
-              <a:rPr lang="pt-BR" sz="2400" dirty="0">
-                <a:latin typeface="Times New Roman" panose="02020603050405020304" pitchFamily="18" charset="0"/>
-                <a:cs typeface="Times New Roman" panose="02020603050405020304" pitchFamily="18" charset="0"/>
-                <a:hlinkClick r:id="rId4"/>
-              </a:rPr>
-              <a:t>https://www.youtube.com/watch?v=gYZhIVCPlFY</a:t>
-            </a:r>
-            <a:r>
-              <a:rPr lang="pt-BR" sz="2400" dirty="0">
-                <a:latin typeface="Times New Roman" panose="02020603050405020304" pitchFamily="18" charset="0"/>
-                <a:cs typeface="Times New Roman" panose="02020603050405020304" pitchFamily="18" charset="0"/>
-              </a:rPr>
-              <a:t> (JS)</a:t>
-            </a:r>
-          </a:p>
-          <a:p>
-            <a:pPr marL="0" indent="0" algn="just">
-              <a:buNone/>
-            </a:pPr>
-            <a:endParaRPr lang="pt-BR" sz="2400" dirty="0">
-              <a:latin typeface="Times New Roman" panose="02020603050405020304" pitchFamily="18" charset="0"/>
-              <a:cs typeface="Times New Roman" panose="02020603050405020304" pitchFamily="18" charset="0"/>
-            </a:endParaRPr>
-          </a:p>
-          <a:p>
-            <a:pPr marL="0" indent="0" algn="just">
-              <a:buNone/>
-            </a:pPr>
-            <a:endParaRPr lang="pt-BR" sz="2400" dirty="0">
+              <a:rPr lang="pt-BR" sz="2000" b="1" dirty="0">
+                <a:solidFill>
+                  <a:schemeClr val="tx1"/>
+                </a:solidFill>
+                <a:latin typeface="Times New Roman" panose="02020603050405020304" pitchFamily="18" charset="0"/>
+                <a:cs typeface="Times New Roman" panose="02020603050405020304" pitchFamily="18" charset="0"/>
+              </a:rPr>
+              <a:t>Nota</a:t>
+            </a:r>
+            <a:r>
+              <a:rPr lang="pt-BR" sz="2000" dirty="0">
+                <a:solidFill>
+                  <a:schemeClr val="tx1"/>
+                </a:solidFill>
+                <a:latin typeface="Times New Roman" panose="02020603050405020304" pitchFamily="18" charset="0"/>
+                <a:cs typeface="Times New Roman" panose="02020603050405020304" pitchFamily="18" charset="0"/>
+              </a:rPr>
+              <a:t>: </a:t>
+            </a:r>
+            <a:r>
+              <a:rPr lang="pt-BR" sz="2000" dirty="0" err="1">
+                <a:solidFill>
+                  <a:schemeClr val="tx1"/>
+                </a:solidFill>
+                <a:latin typeface="Times New Roman" panose="02020603050405020304" pitchFamily="18" charset="0"/>
+                <a:cs typeface="Times New Roman" panose="02020603050405020304" pitchFamily="18" charset="0"/>
+              </a:rPr>
+              <a:t>img.</a:t>
+            </a:r>
+            <a:r>
+              <a:rPr lang="pt-BR" sz="2000" b="1" dirty="0" err="1">
+                <a:solidFill>
+                  <a:srgbClr val="FF0000"/>
+                </a:solidFill>
+                <a:latin typeface="Times New Roman" panose="02020603050405020304" pitchFamily="18" charset="0"/>
+                <a:cs typeface="Times New Roman" panose="02020603050405020304" pitchFamily="18" charset="0"/>
+              </a:rPr>
+              <a:t>setAttibute</a:t>
+            </a:r>
+            <a:r>
+              <a:rPr lang="pt-BR" sz="2000" dirty="0">
+                <a:solidFill>
+                  <a:schemeClr val="tx1"/>
+                </a:solidFill>
+                <a:latin typeface="Times New Roman" panose="02020603050405020304" pitchFamily="18" charset="0"/>
+                <a:cs typeface="Times New Roman" panose="02020603050405020304" pitchFamily="18" charset="0"/>
+              </a:rPr>
+              <a:t>(‘</a:t>
+            </a:r>
+            <a:r>
+              <a:rPr lang="pt-BR" sz="2000" dirty="0" err="1">
+                <a:solidFill>
+                  <a:schemeClr val="tx1"/>
+                </a:solidFill>
+                <a:latin typeface="Times New Roman" panose="02020603050405020304" pitchFamily="18" charset="0"/>
+                <a:cs typeface="Times New Roman" panose="02020603050405020304" pitchFamily="18" charset="0"/>
+              </a:rPr>
+              <a:t>src</a:t>
+            </a:r>
+            <a:r>
+              <a:rPr lang="pt-BR" sz="2000" dirty="0">
+                <a:solidFill>
+                  <a:schemeClr val="tx1"/>
+                </a:solidFill>
+                <a:latin typeface="Times New Roman" panose="02020603050405020304" pitchFamily="18" charset="0"/>
+                <a:cs typeface="Times New Roman" panose="02020603050405020304" pitchFamily="18" charset="0"/>
+              </a:rPr>
+              <a:t>’, ‘imagem.png’);</a:t>
+            </a:r>
+          </a:p>
+          <a:p>
+            <a:pPr marL="0" indent="0" algn="just">
+              <a:buNone/>
+            </a:pPr>
+            <a:endParaRPr lang="pt-BR" sz="2000" dirty="0">
+              <a:solidFill>
+                <a:schemeClr val="tx1"/>
+              </a:solidFill>
               <a:latin typeface="Times New Roman" panose="02020603050405020304" pitchFamily="18" charset="0"/>
               <a:cs typeface="Times New Roman" panose="02020603050405020304" pitchFamily="18" charset="0"/>
             </a:endParaRPr>
@@ -35758,7 +36716,7 @@
     </p:spTree>
     <p:extLst>
       <p:ext uri="{BB962C8B-B14F-4D97-AF65-F5344CB8AC3E}">
-        <p14:creationId xmlns:p14="http://schemas.microsoft.com/office/powerpoint/2010/main" val="2747596967"/>
+        <p14:creationId xmlns:p14="http://schemas.microsoft.com/office/powerpoint/2010/main" val="3986413688"/>
       </p:ext>
     </p:extLst>
   </p:cSld>
@@ -35814,7 +36772,7 @@
                   <a:srgbClr val="0070C0"/>
                 </a:solidFill>
               </a:rPr>
-              <a:t>Dinâmica</a:t>
+              <a:t>Leitura</a:t>
             </a:r>
             <a:r>
               <a:rPr lang="en-US" b="1" dirty="0">
@@ -35822,7 +36780,7 @@
                   <a:srgbClr val="0070C0"/>
                 </a:solidFill>
               </a:rPr>
-              <a:t>/</a:t>
+              <a:t> </a:t>
             </a:r>
             <a:r>
               <a:rPr lang="en-US" b="1" dirty="0" err="1">
@@ -35830,7 +36788,7 @@
                   <a:srgbClr val="0070C0"/>
                 </a:solidFill>
               </a:rPr>
-              <a:t>Atividades</a:t>
+              <a:t>Específica</a:t>
             </a:r>
             <a:endParaRPr lang="en-US" b="1" dirty="0">
               <a:solidFill>
@@ -35852,8 +36810,8 @@
         </p:nvSpPr>
         <p:spPr>
           <a:xfrm>
-            <a:off x="139472" y="1063230"/>
-            <a:ext cx="8865056" cy="3606305"/>
+            <a:off x="142865" y="1012261"/>
+            <a:ext cx="8865056" cy="3835312"/>
           </a:xfrm>
         </p:spPr>
         <p:txBody>
@@ -35862,102 +36820,154 @@
           </a:bodyPr>
           <a:lstStyle/>
           <a:p>
-            <a:pPr algn="just">
-              <a:buFontTx/>
-              <a:buChar char="-"/>
-            </a:pPr>
-            <a:r>
-              <a:rPr lang="pt-BR" dirty="0">
-                <a:latin typeface="Times New Roman" panose="02020603050405020304" pitchFamily="18" charset="0"/>
-                <a:cs typeface="Times New Roman" panose="02020603050405020304" pitchFamily="18" charset="0"/>
-              </a:rPr>
-              <a:t>Exercícios de Fixação </a:t>
-            </a:r>
-            <a:r>
-              <a:rPr lang="pt-BR" b="1" dirty="0">
-                <a:latin typeface="Times New Roman" panose="02020603050405020304" pitchFamily="18" charset="0"/>
-                <a:cs typeface="Times New Roman" panose="02020603050405020304" pitchFamily="18" charset="0"/>
-              </a:rPr>
-              <a:t>JS</a:t>
-            </a:r>
-          </a:p>
-          <a:p>
-            <a:pPr marL="0" indent="0" algn="just">
-              <a:buNone/>
-            </a:pPr>
-            <a:r>
-              <a:rPr lang="pt-BR">
-                <a:latin typeface="Times New Roman" panose="02020603050405020304" pitchFamily="18" charset="0"/>
-                <a:cs typeface="Times New Roman" panose="02020603050405020304" pitchFamily="18" charset="0"/>
-              </a:rPr>
-              <a:t>	</a:t>
-            </a:r>
-            <a:r>
-              <a:rPr lang="pt-BR" b="1">
-                <a:solidFill>
-                  <a:srgbClr val="FF0000"/>
-                </a:solidFill>
-                <a:latin typeface="Times New Roman" panose="02020603050405020304" pitchFamily="18" charset="0"/>
-                <a:cs typeface="Times New Roman" panose="02020603050405020304" pitchFamily="18" charset="0"/>
-              </a:rPr>
-              <a:t>Desafio </a:t>
-            </a:r>
-            <a:r>
-              <a:rPr lang="pt-BR" b="1" dirty="0">
-                <a:solidFill>
-                  <a:srgbClr val="FF0000"/>
-                </a:solidFill>
-                <a:latin typeface="Times New Roman" panose="02020603050405020304" pitchFamily="18" charset="0"/>
-                <a:cs typeface="Times New Roman" panose="02020603050405020304" pitchFamily="18" charset="0"/>
-              </a:rPr>
-              <a:t>em Sala de Aula</a:t>
-            </a:r>
-            <a:r>
-              <a:rPr lang="pt-BR" dirty="0">
-                <a:latin typeface="Times New Roman" panose="02020603050405020304" pitchFamily="18" charset="0"/>
-                <a:cs typeface="Times New Roman" panose="02020603050405020304" pitchFamily="18" charset="0"/>
-              </a:rPr>
-              <a:t>.</a:t>
-            </a:r>
-          </a:p>
-          <a:p>
-            <a:pPr marL="0" indent="0" algn="just">
-              <a:buNone/>
-            </a:pPr>
-            <a:r>
-              <a:rPr lang="pt-BR" dirty="0">
-                <a:latin typeface="Times New Roman" panose="02020603050405020304" pitchFamily="18" charset="0"/>
-                <a:cs typeface="Times New Roman" panose="02020603050405020304" pitchFamily="18" charset="0"/>
-              </a:rPr>
-              <a:t>	</a:t>
-            </a:r>
-          </a:p>
-          <a:p>
-            <a:pPr marL="0" indent="0" algn="just">
-              <a:buNone/>
-            </a:pPr>
-            <a:r>
-              <a:rPr lang="es-ES" dirty="0">
-                <a:latin typeface="Times New Roman" panose="02020603050405020304" pitchFamily="18" charset="0"/>
-                <a:cs typeface="Times New Roman" panose="02020603050405020304" pitchFamily="18" charset="0"/>
-              </a:rPr>
-              <a:t>- Quiz JS</a:t>
-            </a:r>
-          </a:p>
-          <a:p>
-            <a:pPr marL="0" indent="0" algn="just">
-              <a:buNone/>
-            </a:pPr>
-            <a:r>
-              <a:rPr lang="es-ES" dirty="0">
+            <a:pPr marL="0" indent="0" algn="just">
+              <a:buNone/>
+            </a:pPr>
+            <a:r>
+              <a:rPr lang="pt-BR" sz="2000" dirty="0">
+                <a:latin typeface="Times New Roman" panose="02020603050405020304" pitchFamily="18" charset="0"/>
+                <a:cs typeface="Times New Roman" panose="02020603050405020304" pitchFamily="18" charset="0"/>
+              </a:rPr>
+              <a:t>[1] </a:t>
+            </a:r>
+            <a:r>
+              <a:rPr lang="pt-BR" sz="2000" b="1" dirty="0">
+                <a:latin typeface="Times New Roman" panose="02020603050405020304" pitchFamily="18" charset="0"/>
+                <a:cs typeface="Times New Roman" panose="02020603050405020304" pitchFamily="18" charset="0"/>
+              </a:rPr>
+              <a:t>Site Devmedia</a:t>
+            </a:r>
+            <a:r>
+              <a:rPr lang="pt-BR" sz="2000" dirty="0">
+                <a:latin typeface="Times New Roman" panose="02020603050405020304" pitchFamily="18" charset="0"/>
+                <a:cs typeface="Times New Roman" panose="02020603050405020304" pitchFamily="18" charset="0"/>
+              </a:rPr>
+              <a:t>. 	</a:t>
+            </a:r>
+          </a:p>
+          <a:p>
+            <a:pPr marL="0" indent="0" algn="just">
+              <a:buNone/>
+            </a:pPr>
+            <a:r>
+              <a:rPr lang="pt-BR" sz="2000" b="1" dirty="0">
+                <a:latin typeface="Times New Roman" panose="02020603050405020304" pitchFamily="18" charset="0"/>
+                <a:cs typeface="Times New Roman" panose="02020603050405020304" pitchFamily="18" charset="0"/>
+              </a:rPr>
+              <a:t>	Disponível em</a:t>
+            </a:r>
+            <a:r>
+              <a:rPr lang="pt-BR" sz="2000" dirty="0">
+                <a:latin typeface="Times New Roman" panose="02020603050405020304" pitchFamily="18" charset="0"/>
+                <a:cs typeface="Times New Roman" panose="02020603050405020304" pitchFamily="18" charset="0"/>
+              </a:rPr>
+              <a:t>: </a:t>
+            </a:r>
+            <a:r>
+              <a:rPr lang="pt-BR" sz="2000" dirty="0">
                 <a:latin typeface="Times New Roman" panose="02020603050405020304" pitchFamily="18" charset="0"/>
                 <a:cs typeface="Times New Roman" panose="02020603050405020304" pitchFamily="18" charset="0"/>
                 <a:hlinkClick r:id="rId3"/>
               </a:rPr>
-              <a:t>https://www.w3schools.com/js/js_quiz.asp</a:t>
-            </a:r>
-            <a:endParaRPr lang="pt-BR" dirty="0">
-              <a:latin typeface="Calibri" panose="020F0502020204030204" pitchFamily="34" charset="0"/>
+              <a:t>https://www.devmedia.com.br/javascript/</a:t>
+            </a:r>
+            <a:endParaRPr lang="pt-BR" sz="2000" dirty="0">
+              <a:latin typeface="Times New Roman" panose="02020603050405020304" pitchFamily="18" charset="0"/>
+              <a:cs typeface="Times New Roman" panose="02020603050405020304" pitchFamily="18" charset="0"/>
+            </a:endParaRPr>
+          </a:p>
+          <a:p>
+            <a:pPr marL="0" indent="0" algn="just">
+              <a:buNone/>
+            </a:pPr>
+            <a:endParaRPr lang="pt-BR" sz="2000" dirty="0">
+              <a:latin typeface="Times New Roman" panose="02020603050405020304" pitchFamily="18" charset="0"/>
+              <a:cs typeface="Times New Roman" panose="02020603050405020304" pitchFamily="18" charset="0"/>
+            </a:endParaRPr>
+          </a:p>
+          <a:p>
+            <a:pPr marL="0" indent="0" algn="just">
+              <a:buNone/>
+            </a:pPr>
+            <a:r>
+              <a:rPr lang="pt-BR" sz="2000" dirty="0">
+                <a:latin typeface="Times New Roman" panose="02020603050405020304" pitchFamily="18" charset="0"/>
+                <a:cs typeface="Times New Roman" panose="02020603050405020304" pitchFamily="18" charset="0"/>
+              </a:rPr>
+              <a:t>[2] </a:t>
+            </a:r>
+            <a:r>
+              <a:rPr lang="pt-BR" sz="2000" b="1" dirty="0">
+                <a:latin typeface="Times New Roman" panose="02020603050405020304" pitchFamily="18" charset="0"/>
+                <a:cs typeface="Times New Roman" panose="02020603050405020304" pitchFamily="18" charset="0"/>
+              </a:rPr>
+              <a:t>COSTA, </a:t>
+            </a:r>
+            <a:r>
+              <a:rPr lang="pt-BR" sz="2000" dirty="0">
+                <a:latin typeface="Times New Roman" panose="02020603050405020304" pitchFamily="18" charset="0"/>
+                <a:cs typeface="Times New Roman" panose="02020603050405020304" pitchFamily="18" charset="0"/>
+              </a:rPr>
+              <a:t>Jean Carlos Borba Guimarães da. A Linguagem </a:t>
+            </a:r>
+            <a:r>
+              <a:rPr lang="pt-BR" sz="2000" dirty="0" err="1">
+                <a:latin typeface="Times New Roman" panose="02020603050405020304" pitchFamily="18" charset="0"/>
+                <a:cs typeface="Times New Roman" panose="02020603050405020304" pitchFamily="18" charset="0"/>
+              </a:rPr>
+              <a:t>JavaScript</a:t>
+            </a:r>
+            <a:r>
+              <a:rPr lang="pt-BR" sz="2000" dirty="0">
+                <a:latin typeface="Times New Roman" panose="02020603050405020304" pitchFamily="18" charset="0"/>
+                <a:cs typeface="Times New Roman" panose="02020603050405020304" pitchFamily="18" charset="0"/>
+              </a:rPr>
+              <a:t> e seu Ecossistema. 2019. 	</a:t>
+            </a:r>
+          </a:p>
+          <a:p>
+            <a:pPr marL="0" indent="0" algn="just">
+              <a:buNone/>
+            </a:pPr>
+            <a:r>
+              <a:rPr lang="pt-BR" sz="2000" b="1" dirty="0">
+                <a:latin typeface="Times New Roman" panose="02020603050405020304" pitchFamily="18" charset="0"/>
+                <a:cs typeface="Times New Roman" panose="02020603050405020304" pitchFamily="18" charset="0"/>
+              </a:rPr>
+              <a:t>	Disponível em</a:t>
+            </a:r>
+            <a:r>
+              <a:rPr lang="pt-BR" sz="2000" dirty="0">
+                <a:latin typeface="Times New Roman" panose="02020603050405020304" pitchFamily="18" charset="0"/>
+                <a:cs typeface="Times New Roman" panose="02020603050405020304" pitchFamily="18" charset="0"/>
+              </a:rPr>
+              <a:t>: </a:t>
+            </a:r>
+          </a:p>
+          <a:p>
+            <a:pPr marL="0" indent="0" algn="just">
+              <a:buNone/>
+            </a:pPr>
+            <a:r>
+              <a:rPr lang="pt-BR" sz="2000" dirty="0">
+                <a:latin typeface="Times New Roman" panose="02020603050405020304" pitchFamily="18" charset="0"/>
+                <a:cs typeface="Times New Roman" panose="02020603050405020304" pitchFamily="18" charset="0"/>
+                <a:hlinkClick r:id="rId4"/>
+              </a:rPr>
+              <a:t>https://repositorio.uniube.br/bitstream/123456789/1546/1/A%20Linguagem%20JavaScript%20e%20seu%20Ecossistema%20.PDF</a:t>
+            </a:r>
+            <a:endParaRPr lang="pt-BR" sz="2000" dirty="0">
+              <a:latin typeface="Times New Roman" panose="02020603050405020304" pitchFamily="18" charset="0"/>
+              <a:cs typeface="Times New Roman" panose="02020603050405020304" pitchFamily="18" charset="0"/>
+            </a:endParaRPr>
+          </a:p>
+          <a:p>
+            <a:pPr marL="0" indent="0" algn="just">
+              <a:buNone/>
+            </a:pPr>
+            <a:endParaRPr lang="pt-BR" sz="2000" dirty="0">
+              <a:latin typeface="Times New Roman" panose="02020603050405020304" pitchFamily="18" charset="0"/>
+              <a:cs typeface="Times New Roman" panose="02020603050405020304" pitchFamily="18" charset="0"/>
             </a:endParaRPr>
           </a:p>
         </p:txBody>
@@ -35965,7 +36975,7 @@
     </p:spTree>
     <p:extLst>
       <p:ext uri="{BB962C8B-B14F-4D97-AF65-F5344CB8AC3E}">
-        <p14:creationId xmlns:p14="http://schemas.microsoft.com/office/powerpoint/2010/main" val="2470652989"/>
+        <p14:creationId xmlns:p14="http://schemas.microsoft.com/office/powerpoint/2010/main" val="3680270425"/>
       </p:ext>
     </p:extLst>
   </p:cSld>
@@ -36021,7 +37031,7 @@
                   <a:srgbClr val="0070C0"/>
                 </a:solidFill>
               </a:rPr>
-              <a:t>Referências</a:t>
+              <a:t>Aprenda</a:t>
             </a:r>
             <a:r>
               <a:rPr lang="en-US" b="1" dirty="0">
@@ -36029,21 +37039,8 @@
                   <a:srgbClr val="0070C0"/>
                 </a:solidFill>
               </a:rPr>
-              <a:t> </a:t>
-            </a:r>
-            <a:r>
-              <a:rPr lang="en-US" b="1" dirty="0" err="1">
-                <a:solidFill>
-                  <a:srgbClr val="0070C0"/>
-                </a:solidFill>
-              </a:rPr>
-              <a:t>Bibliográficas</a:t>
-            </a:r>
-            <a:endParaRPr lang="en-US" b="1" dirty="0">
-              <a:solidFill>
-                <a:srgbClr val="0070C0"/>
-              </a:solidFill>
-            </a:endParaRPr>
+              <a:t>+</a:t>
+            </a:r>
           </a:p>
         </p:txBody>
       </p:sp>
@@ -36086,6 +37083,819 @@
                 <a:latin typeface="Times New Roman" panose="02020603050405020304" pitchFamily="18" charset="0"/>
                 <a:cs typeface="Times New Roman" panose="02020603050405020304" pitchFamily="18" charset="0"/>
               </a:rPr>
+              <a:t>[1] </a:t>
+            </a:r>
+            <a:r>
+              <a:rPr lang="pt-BR" sz="2400" dirty="0">
+                <a:latin typeface="Times New Roman" panose="02020603050405020304" pitchFamily="18" charset="0"/>
+                <a:cs typeface="Times New Roman" panose="02020603050405020304" pitchFamily="18" charset="0"/>
+                <a:hlinkClick r:id="rId3"/>
+              </a:rPr>
+              <a:t>https://www.youtube.com/watch?v=W6NZfCO5SIk</a:t>
+            </a:r>
+            <a:r>
+              <a:rPr lang="pt-BR" sz="2400" dirty="0">
+                <a:latin typeface="Times New Roman" panose="02020603050405020304" pitchFamily="18" charset="0"/>
+                <a:cs typeface="Times New Roman" panose="02020603050405020304" pitchFamily="18" charset="0"/>
+              </a:rPr>
+              <a:t> (JS)</a:t>
+            </a:r>
+          </a:p>
+          <a:p>
+            <a:pPr marL="0" indent="0" algn="just">
+              <a:buNone/>
+            </a:pPr>
+            <a:endParaRPr lang="pt-BR" sz="2400" dirty="0">
+              <a:latin typeface="Times New Roman" panose="02020603050405020304" pitchFamily="18" charset="0"/>
+              <a:cs typeface="Times New Roman" panose="02020603050405020304" pitchFamily="18" charset="0"/>
+            </a:endParaRPr>
+          </a:p>
+          <a:p>
+            <a:pPr marL="0" indent="0" algn="just">
+              <a:buNone/>
+            </a:pPr>
+            <a:endParaRPr lang="pt-BR" sz="2400" dirty="0">
+              <a:latin typeface="Times New Roman" panose="02020603050405020304" pitchFamily="18" charset="0"/>
+              <a:cs typeface="Times New Roman" panose="02020603050405020304" pitchFamily="18" charset="0"/>
+            </a:endParaRPr>
+          </a:p>
+          <a:p>
+            <a:pPr marL="0" indent="0" algn="just">
+              <a:buNone/>
+            </a:pPr>
+            <a:r>
+              <a:rPr lang="pt-BR" sz="2400" dirty="0">
+                <a:latin typeface="Times New Roman" panose="02020603050405020304" pitchFamily="18" charset="0"/>
+                <a:cs typeface="Times New Roman" panose="02020603050405020304" pitchFamily="18" charset="0"/>
+              </a:rPr>
+              <a:t>[2] </a:t>
+            </a:r>
+            <a:r>
+              <a:rPr lang="pt-BR" sz="2400" dirty="0">
+                <a:latin typeface="Times New Roman" panose="02020603050405020304" pitchFamily="18" charset="0"/>
+                <a:cs typeface="Times New Roman" panose="02020603050405020304" pitchFamily="18" charset="0"/>
+                <a:hlinkClick r:id="rId4"/>
+              </a:rPr>
+              <a:t>https://www.youtube.com/watch?v=gYZhIVCPlFY</a:t>
+            </a:r>
+            <a:r>
+              <a:rPr lang="pt-BR" sz="2400" dirty="0">
+                <a:latin typeface="Times New Roman" panose="02020603050405020304" pitchFamily="18" charset="0"/>
+                <a:cs typeface="Times New Roman" panose="02020603050405020304" pitchFamily="18" charset="0"/>
+              </a:rPr>
+              <a:t> (JS)</a:t>
+            </a:r>
+          </a:p>
+          <a:p>
+            <a:pPr marL="0" indent="0" algn="just">
+              <a:buNone/>
+            </a:pPr>
+            <a:endParaRPr lang="pt-BR" sz="2400" dirty="0">
+              <a:latin typeface="Times New Roman" panose="02020603050405020304" pitchFamily="18" charset="0"/>
+              <a:cs typeface="Times New Roman" panose="02020603050405020304" pitchFamily="18" charset="0"/>
+            </a:endParaRPr>
+          </a:p>
+          <a:p>
+            <a:pPr marL="0" indent="0" algn="just">
+              <a:buNone/>
+            </a:pPr>
+            <a:endParaRPr lang="pt-BR" sz="2400" dirty="0">
+              <a:latin typeface="Times New Roman" panose="02020603050405020304" pitchFamily="18" charset="0"/>
+              <a:cs typeface="Times New Roman" panose="02020603050405020304" pitchFamily="18" charset="0"/>
+            </a:endParaRPr>
+          </a:p>
+          <a:p>
+            <a:pPr marL="0" indent="0" algn="just">
+              <a:buNone/>
+            </a:pPr>
+            <a:endParaRPr lang="pt-BR" sz="2400" dirty="0">
+              <a:latin typeface="Times New Roman" panose="02020603050405020304" pitchFamily="18" charset="0"/>
+              <a:cs typeface="Times New Roman" panose="02020603050405020304" pitchFamily="18" charset="0"/>
+            </a:endParaRPr>
+          </a:p>
+          <a:p>
+            <a:pPr marL="0" indent="0" algn="just">
+              <a:buNone/>
+            </a:pPr>
+            <a:endParaRPr lang="pt-BR" sz="2400" dirty="0">
+              <a:latin typeface="Times New Roman" panose="02020603050405020304" pitchFamily="18" charset="0"/>
+              <a:cs typeface="Times New Roman" panose="02020603050405020304" pitchFamily="18" charset="0"/>
+            </a:endParaRPr>
+          </a:p>
+        </p:txBody>
+      </p:sp>
+    </p:spTree>
+    <p:extLst>
+      <p:ext uri="{BB962C8B-B14F-4D97-AF65-F5344CB8AC3E}">
+        <p14:creationId xmlns:p14="http://schemas.microsoft.com/office/powerpoint/2010/main" val="2747596967"/>
+      </p:ext>
+    </p:extLst>
+  </p:cSld>
+  <p:clrMapOvr>
+    <a:masterClrMapping/>
+  </p:clrMapOvr>
+  <p:transition spd="med"/>
+</p:sld>
+</file>
+
+<file path=ppt/slides/slide69.xml><?xml version="1.0" encoding="utf-8"?>
+<p:sld xmlns:a="http://schemas.openxmlformats.org/drawingml/2006/main" xmlns:r="http://schemas.openxmlformats.org/officeDocument/2006/relationships" xmlns:p="http://schemas.openxmlformats.org/presentationml/2006/main">
+  <p:cSld>
+    <p:spTree>
+      <p:nvGrpSpPr>
+        <p:cNvPr id="1" name=""/>
+        <p:cNvGrpSpPr/>
+        <p:nvPr/>
+      </p:nvGrpSpPr>
+      <p:grpSpPr>
+        <a:xfrm>
+          <a:off x="0" y="0"/>
+          <a:ext cx="0" cy="0"/>
+          <a:chOff x="0" y="0"/>
+          <a:chExt cx="0" cy="0"/>
+        </a:xfrm>
+      </p:grpSpPr>
+      <p:sp>
+        <p:nvSpPr>
+          <p:cNvPr id="6" name="Title 1"/>
+          <p:cNvSpPr>
+            <a:spLocks noGrp="1"/>
+          </p:cNvSpPr>
+          <p:nvPr>
+            <p:ph type="title"/>
+          </p:nvPr>
+        </p:nvSpPr>
+        <p:spPr>
+          <a:xfrm>
+            <a:off x="457200" y="205980"/>
+            <a:ext cx="8229600" cy="857251"/>
+          </a:xfrm>
+        </p:spPr>
+        <p:txBody>
+          <a:bodyPr>
+            <a:normAutofit/>
+          </a:bodyPr>
+          <a:lstStyle/>
+          <a:p>
+            <a:r>
+              <a:rPr lang="en-US" b="1" dirty="0" err="1">
+                <a:solidFill>
+                  <a:srgbClr val="0070C0"/>
+                </a:solidFill>
+              </a:rPr>
+              <a:t>Dinâmica</a:t>
+            </a:r>
+            <a:r>
+              <a:rPr lang="en-US" b="1" dirty="0">
+                <a:solidFill>
+                  <a:srgbClr val="0070C0"/>
+                </a:solidFill>
+              </a:rPr>
+              <a:t>/</a:t>
+            </a:r>
+            <a:r>
+              <a:rPr lang="en-US" b="1" dirty="0" err="1">
+                <a:solidFill>
+                  <a:srgbClr val="0070C0"/>
+                </a:solidFill>
+              </a:rPr>
+              <a:t>Atividades</a:t>
+            </a:r>
+            <a:endParaRPr lang="en-US" b="1" dirty="0">
+              <a:solidFill>
+                <a:srgbClr val="0070C0"/>
+              </a:solidFill>
+            </a:endParaRPr>
+          </a:p>
+        </p:txBody>
+      </p:sp>
+      <p:sp>
+        <p:nvSpPr>
+          <p:cNvPr id="8" name="Text Placeholder 2"/>
+          <p:cNvSpPr>
+            <a:spLocks noGrp="1"/>
+          </p:cNvSpPr>
+          <p:nvPr>
+            <p:ph type="body" sz="half" idx="1"/>
+          </p:nvPr>
+        </p:nvSpPr>
+        <p:spPr>
+          <a:xfrm>
+            <a:off x="139472" y="1063230"/>
+            <a:ext cx="8865056" cy="3606305"/>
+          </a:xfrm>
+        </p:spPr>
+        <p:txBody>
+          <a:bodyPr>
+            <a:noAutofit/>
+          </a:bodyPr>
+          <a:lstStyle/>
+          <a:p>
+            <a:pPr algn="just">
+              <a:buFontTx/>
+              <a:buChar char="-"/>
+            </a:pPr>
+            <a:r>
+              <a:rPr lang="pt-BR" dirty="0">
+                <a:latin typeface="Times New Roman" panose="02020603050405020304" pitchFamily="18" charset="0"/>
+                <a:cs typeface="Times New Roman" panose="02020603050405020304" pitchFamily="18" charset="0"/>
+              </a:rPr>
+              <a:t>Exercícios de Fixação </a:t>
+            </a:r>
+            <a:r>
+              <a:rPr lang="pt-BR" b="1" dirty="0">
+                <a:latin typeface="Times New Roman" panose="02020603050405020304" pitchFamily="18" charset="0"/>
+                <a:cs typeface="Times New Roman" panose="02020603050405020304" pitchFamily="18" charset="0"/>
+              </a:rPr>
+              <a:t>JS</a:t>
+            </a:r>
+          </a:p>
+          <a:p>
+            <a:pPr marL="0" indent="0" algn="just">
+              <a:buNone/>
+            </a:pPr>
+            <a:r>
+              <a:rPr lang="pt-BR" dirty="0">
+                <a:latin typeface="Times New Roman" panose="02020603050405020304" pitchFamily="18" charset="0"/>
+                <a:cs typeface="Times New Roman" panose="02020603050405020304" pitchFamily="18" charset="0"/>
+              </a:rPr>
+              <a:t>	</a:t>
+            </a:r>
+            <a:r>
+              <a:rPr lang="pt-BR" b="1" dirty="0">
+                <a:solidFill>
+                  <a:srgbClr val="FF0000"/>
+                </a:solidFill>
+                <a:latin typeface="Times New Roman" panose="02020603050405020304" pitchFamily="18" charset="0"/>
+                <a:cs typeface="Times New Roman" panose="02020603050405020304" pitchFamily="18" charset="0"/>
+              </a:rPr>
+              <a:t>Desafio em Sala de Aula</a:t>
+            </a:r>
+            <a:r>
+              <a:rPr lang="pt-BR" dirty="0">
+                <a:latin typeface="Times New Roman" panose="02020603050405020304" pitchFamily="18" charset="0"/>
+                <a:cs typeface="Times New Roman" panose="02020603050405020304" pitchFamily="18" charset="0"/>
+              </a:rPr>
+              <a:t>.</a:t>
+            </a:r>
+          </a:p>
+          <a:p>
+            <a:pPr marL="0" indent="0" algn="just">
+              <a:buNone/>
+            </a:pPr>
+            <a:r>
+              <a:rPr lang="pt-BR" dirty="0">
+                <a:latin typeface="Times New Roman" panose="02020603050405020304" pitchFamily="18" charset="0"/>
+                <a:cs typeface="Times New Roman" panose="02020603050405020304" pitchFamily="18" charset="0"/>
+              </a:rPr>
+              <a:t>	</a:t>
+            </a:r>
+            <a:r>
+              <a:rPr lang="pt-BR" b="1" dirty="0">
+                <a:latin typeface="Times New Roman" panose="02020603050405020304" pitchFamily="18" charset="0"/>
+                <a:cs typeface="Times New Roman" panose="02020603050405020304" pitchFamily="18" charset="0"/>
+              </a:rPr>
+              <a:t>Somar dois números HTML/CSS/JS</a:t>
+            </a:r>
+            <a:r>
+              <a:rPr lang="pt-BR" dirty="0">
+                <a:latin typeface="Times New Roman" panose="02020603050405020304" pitchFamily="18" charset="0"/>
+                <a:cs typeface="Times New Roman" panose="02020603050405020304" pitchFamily="18" charset="0"/>
+              </a:rPr>
+              <a:t>, dentre outros.</a:t>
+            </a:r>
+          </a:p>
+          <a:p>
+            <a:pPr marL="0" indent="0" algn="just">
+              <a:buNone/>
+            </a:pPr>
+            <a:r>
+              <a:rPr lang="pt-BR" dirty="0">
+                <a:latin typeface="Times New Roman" panose="02020603050405020304" pitchFamily="18" charset="0"/>
+                <a:cs typeface="Times New Roman" panose="02020603050405020304" pitchFamily="18" charset="0"/>
+              </a:rPr>
+              <a:t>	</a:t>
+            </a:r>
+          </a:p>
+          <a:p>
+            <a:pPr marL="0" indent="0" algn="just">
+              <a:buNone/>
+            </a:pPr>
+            <a:r>
+              <a:rPr lang="es-ES" dirty="0">
+                <a:latin typeface="Times New Roman" panose="02020603050405020304" pitchFamily="18" charset="0"/>
+                <a:cs typeface="Times New Roman" panose="02020603050405020304" pitchFamily="18" charset="0"/>
+              </a:rPr>
+              <a:t>- Quiz JS</a:t>
+            </a:r>
+          </a:p>
+          <a:p>
+            <a:pPr marL="0" indent="0" algn="just">
+              <a:buNone/>
+            </a:pPr>
+            <a:r>
+              <a:rPr lang="es-ES" dirty="0">
+                <a:latin typeface="Times New Roman" panose="02020603050405020304" pitchFamily="18" charset="0"/>
+                <a:cs typeface="Times New Roman" panose="02020603050405020304" pitchFamily="18" charset="0"/>
+                <a:hlinkClick r:id="rId3"/>
+              </a:rPr>
+              <a:t>https://www.w3schools.com/js/js_quiz.asp</a:t>
+            </a:r>
+            <a:endParaRPr lang="pt-BR" dirty="0">
+              <a:latin typeface="Calibri" panose="020F0502020204030204" pitchFamily="34" charset="0"/>
+            </a:endParaRPr>
+          </a:p>
+        </p:txBody>
+      </p:sp>
+    </p:spTree>
+    <p:extLst>
+      <p:ext uri="{BB962C8B-B14F-4D97-AF65-F5344CB8AC3E}">
+        <p14:creationId xmlns:p14="http://schemas.microsoft.com/office/powerpoint/2010/main" val="2470652989"/>
+      </p:ext>
+    </p:extLst>
+  </p:cSld>
+  <p:clrMapOvr>
+    <a:masterClrMapping/>
+  </p:clrMapOvr>
+  <p:transition spd="med"/>
+</p:sld>
+</file>
+
+<file path=ppt/slides/slide7.xml><?xml version="1.0" encoding="utf-8"?>
+<p:sld xmlns:a="http://schemas.openxmlformats.org/drawingml/2006/main" xmlns:r="http://schemas.openxmlformats.org/officeDocument/2006/relationships" xmlns:p="http://schemas.openxmlformats.org/presentationml/2006/main">
+  <p:cSld>
+    <p:spTree>
+      <p:nvGrpSpPr>
+        <p:cNvPr id="1" name=""/>
+        <p:cNvGrpSpPr/>
+        <p:nvPr/>
+      </p:nvGrpSpPr>
+      <p:grpSpPr>
+        <a:xfrm>
+          <a:off x="0" y="0"/>
+          <a:ext cx="0" cy="0"/>
+          <a:chOff x="0" y="0"/>
+          <a:chExt cx="0" cy="0"/>
+        </a:xfrm>
+      </p:grpSpPr>
+      <p:sp>
+        <p:nvSpPr>
+          <p:cNvPr id="6" name="Title 1"/>
+          <p:cNvSpPr>
+            <a:spLocks noGrp="1"/>
+          </p:cNvSpPr>
+          <p:nvPr>
+            <p:ph type="title"/>
+          </p:nvPr>
+        </p:nvSpPr>
+        <p:spPr>
+          <a:xfrm>
+            <a:off x="457200" y="205980"/>
+            <a:ext cx="8229600" cy="857251"/>
+          </a:xfrm>
+        </p:spPr>
+        <p:txBody>
+          <a:bodyPr>
+            <a:normAutofit/>
+          </a:bodyPr>
+          <a:lstStyle/>
+          <a:p>
+            <a:r>
+              <a:rPr lang="en-US" b="1" dirty="0">
+                <a:solidFill>
+                  <a:srgbClr val="0070C0"/>
+                </a:solidFill>
+              </a:rPr>
+              <a:t>JS – </a:t>
+            </a:r>
+            <a:r>
+              <a:rPr lang="en-US" b="1" dirty="0" err="1">
+                <a:solidFill>
+                  <a:srgbClr val="0070C0"/>
+                </a:solidFill>
+              </a:rPr>
+              <a:t>Variáveis</a:t>
+            </a:r>
+            <a:r>
+              <a:rPr lang="en-US" b="1" dirty="0">
+                <a:solidFill>
+                  <a:srgbClr val="0070C0"/>
+                </a:solidFill>
+              </a:rPr>
+              <a:t>/</a:t>
+            </a:r>
+            <a:r>
+              <a:rPr lang="en-US" b="1" dirty="0" err="1">
+                <a:solidFill>
+                  <a:srgbClr val="0070C0"/>
+                </a:solidFill>
+              </a:rPr>
+              <a:t>Atribuição</a:t>
+            </a:r>
+            <a:endParaRPr lang="en-US" b="1" dirty="0">
+              <a:solidFill>
+                <a:srgbClr val="0070C0"/>
+              </a:solidFill>
+            </a:endParaRPr>
+          </a:p>
+        </p:txBody>
+      </p:sp>
+      <p:sp>
+        <p:nvSpPr>
+          <p:cNvPr id="8" name="Text Placeholder 2"/>
+          <p:cNvSpPr>
+            <a:spLocks noGrp="1"/>
+          </p:cNvSpPr>
+          <p:nvPr>
+            <p:ph type="body" sz="half" idx="1"/>
+          </p:nvPr>
+        </p:nvSpPr>
+        <p:spPr>
+          <a:xfrm>
+            <a:off x="142865" y="1037312"/>
+            <a:ext cx="8865056" cy="3900208"/>
+          </a:xfrm>
+        </p:spPr>
+        <p:txBody>
+          <a:bodyPr>
+            <a:noAutofit/>
+          </a:bodyPr>
+          <a:lstStyle/>
+          <a:p>
+            <a:pPr marL="0" indent="0" algn="just">
+              <a:buNone/>
+            </a:pPr>
+            <a:r>
+              <a:rPr lang="pt-BR" sz="2400" b="1" dirty="0">
+                <a:solidFill>
+                  <a:srgbClr val="FF0000"/>
+                </a:solidFill>
+                <a:latin typeface="Times New Roman" panose="02020603050405020304" pitchFamily="18" charset="0"/>
+                <a:cs typeface="Times New Roman" panose="02020603050405020304" pitchFamily="18" charset="0"/>
+              </a:rPr>
+              <a:t>Exemplos</a:t>
+            </a:r>
+            <a:r>
+              <a:rPr lang="pt-BR" sz="2400" dirty="0">
+                <a:solidFill>
+                  <a:schemeClr val="tx1"/>
+                </a:solidFill>
+                <a:latin typeface="Times New Roman" panose="02020603050405020304" pitchFamily="18" charset="0"/>
+                <a:cs typeface="Times New Roman" panose="02020603050405020304" pitchFamily="18" charset="0"/>
+              </a:rPr>
+              <a:t>:</a:t>
+            </a:r>
+          </a:p>
+          <a:p>
+            <a:pPr marL="0" indent="0" algn="just">
+              <a:buNone/>
+            </a:pPr>
+            <a:r>
+              <a:rPr lang="pt-BR" sz="2400" b="1" dirty="0">
+                <a:solidFill>
+                  <a:schemeClr val="tx1"/>
+                </a:solidFill>
+                <a:latin typeface="Times New Roman" panose="02020603050405020304" pitchFamily="18" charset="0"/>
+                <a:cs typeface="Times New Roman" panose="02020603050405020304" pitchFamily="18" charset="0"/>
+              </a:rPr>
+              <a:t>	</a:t>
+            </a:r>
+            <a:r>
+              <a:rPr lang="pt-BR" sz="2400" b="1" dirty="0" err="1">
+                <a:solidFill>
+                  <a:schemeClr val="tx1"/>
+                </a:solidFill>
+                <a:latin typeface="Times New Roman" panose="02020603050405020304" pitchFamily="18" charset="0"/>
+                <a:cs typeface="Times New Roman" panose="02020603050405020304" pitchFamily="18" charset="0"/>
+              </a:rPr>
+              <a:t>let</a:t>
+            </a:r>
+            <a:r>
+              <a:rPr lang="pt-BR" sz="2400" dirty="0">
+                <a:solidFill>
+                  <a:schemeClr val="tx1"/>
+                </a:solidFill>
+                <a:latin typeface="Times New Roman" panose="02020603050405020304" pitchFamily="18" charset="0"/>
+                <a:cs typeface="Times New Roman" panose="02020603050405020304" pitchFamily="18" charset="0"/>
+              </a:rPr>
+              <a:t> x, </a:t>
+            </a:r>
+            <a:r>
+              <a:rPr lang="pt-BR" sz="2400" dirty="0" err="1">
+                <a:solidFill>
+                  <a:schemeClr val="tx1"/>
+                </a:solidFill>
+                <a:latin typeface="Times New Roman" panose="02020603050405020304" pitchFamily="18" charset="0"/>
+                <a:cs typeface="Times New Roman" panose="02020603050405020304" pitchFamily="18" charset="0"/>
+              </a:rPr>
+              <a:t>y,z</a:t>
+            </a:r>
+            <a:r>
+              <a:rPr lang="pt-BR" sz="2400" dirty="0">
+                <a:solidFill>
+                  <a:schemeClr val="tx1"/>
+                </a:solidFill>
+                <a:latin typeface="Times New Roman" panose="02020603050405020304" pitchFamily="18" charset="0"/>
+                <a:cs typeface="Times New Roman" panose="02020603050405020304" pitchFamily="18" charset="0"/>
+              </a:rPr>
+              <a:t>; // Declaração de variáveis (</a:t>
+            </a:r>
+            <a:r>
+              <a:rPr lang="pt-BR" sz="2400" dirty="0" err="1">
+                <a:solidFill>
+                  <a:schemeClr val="tx1"/>
+                </a:solidFill>
+                <a:latin typeface="Times New Roman" panose="02020603050405020304" pitchFamily="18" charset="0"/>
+                <a:cs typeface="Times New Roman" panose="02020603050405020304" pitchFamily="18" charset="0"/>
+              </a:rPr>
+              <a:t>undefined</a:t>
+            </a:r>
+            <a:r>
+              <a:rPr lang="pt-BR" sz="2400" dirty="0">
+                <a:solidFill>
+                  <a:schemeClr val="tx1"/>
+                </a:solidFill>
+                <a:latin typeface="Times New Roman" panose="02020603050405020304" pitchFamily="18" charset="0"/>
+                <a:cs typeface="Times New Roman" panose="02020603050405020304" pitchFamily="18" charset="0"/>
+              </a:rPr>
+              <a:t>); </a:t>
+            </a:r>
+            <a:r>
+              <a:rPr lang="pt-BR" sz="2400" dirty="0" err="1">
+                <a:solidFill>
+                  <a:schemeClr val="tx1"/>
+                </a:solidFill>
+                <a:latin typeface="Times New Roman" panose="02020603050405020304" pitchFamily="18" charset="0"/>
+                <a:cs typeface="Times New Roman" panose="02020603050405020304" pitchFamily="18" charset="0"/>
+              </a:rPr>
+              <a:t>NaN</a:t>
+            </a:r>
+            <a:endParaRPr lang="pt-BR" sz="2400" dirty="0">
+              <a:solidFill>
+                <a:schemeClr val="tx1"/>
+              </a:solidFill>
+              <a:latin typeface="Times New Roman" panose="02020603050405020304" pitchFamily="18" charset="0"/>
+              <a:cs typeface="Times New Roman" panose="02020603050405020304" pitchFamily="18" charset="0"/>
+            </a:endParaRPr>
+          </a:p>
+          <a:p>
+            <a:pPr marL="0" indent="0" algn="just">
+              <a:buNone/>
+            </a:pPr>
+            <a:r>
+              <a:rPr lang="pt-BR" sz="2400" dirty="0">
+                <a:solidFill>
+                  <a:schemeClr val="tx1"/>
+                </a:solidFill>
+                <a:latin typeface="Times New Roman" panose="02020603050405020304" pitchFamily="18" charset="0"/>
+                <a:cs typeface="Times New Roman" panose="02020603050405020304" pitchFamily="18" charset="0"/>
+              </a:rPr>
+              <a:t>	x = 9; y = 7; z = 2; // Atribuição de variáveis</a:t>
+            </a:r>
+          </a:p>
+          <a:p>
+            <a:pPr marL="0" indent="0" algn="just">
+              <a:buNone/>
+            </a:pPr>
+            <a:r>
+              <a:rPr lang="pt-BR" sz="2400" dirty="0">
+                <a:solidFill>
+                  <a:schemeClr val="tx1"/>
+                </a:solidFill>
+                <a:latin typeface="Times New Roman" panose="02020603050405020304" pitchFamily="18" charset="0"/>
+                <a:cs typeface="Times New Roman" panose="02020603050405020304" pitchFamily="18" charset="0"/>
+              </a:rPr>
+              <a:t>Ou </a:t>
+            </a:r>
+          </a:p>
+          <a:p>
+            <a:pPr marL="0" indent="0" algn="just">
+              <a:buNone/>
+            </a:pPr>
+            <a:r>
+              <a:rPr lang="pt-BR" sz="2400" b="1" dirty="0">
+                <a:solidFill>
+                  <a:schemeClr val="tx1"/>
+                </a:solidFill>
+                <a:latin typeface="Times New Roman" panose="02020603050405020304" pitchFamily="18" charset="0"/>
+                <a:cs typeface="Times New Roman" panose="02020603050405020304" pitchFamily="18" charset="0"/>
+              </a:rPr>
+              <a:t>	</a:t>
+            </a:r>
+            <a:r>
+              <a:rPr lang="pt-BR" sz="2400" b="1" dirty="0" err="1">
+                <a:solidFill>
+                  <a:schemeClr val="tx1"/>
+                </a:solidFill>
+                <a:latin typeface="Times New Roman" panose="02020603050405020304" pitchFamily="18" charset="0"/>
+                <a:cs typeface="Times New Roman" panose="02020603050405020304" pitchFamily="18" charset="0"/>
+              </a:rPr>
+              <a:t>let</a:t>
+            </a:r>
+            <a:r>
+              <a:rPr lang="pt-BR" sz="2400" dirty="0">
+                <a:solidFill>
+                  <a:schemeClr val="tx1"/>
+                </a:solidFill>
+                <a:latin typeface="Times New Roman" panose="02020603050405020304" pitchFamily="18" charset="0"/>
+                <a:cs typeface="Times New Roman" panose="02020603050405020304" pitchFamily="18" charset="0"/>
+              </a:rPr>
+              <a:t> x = 9, y = 7, z = 2;</a:t>
+            </a:r>
+          </a:p>
+          <a:p>
+            <a:pPr marL="0" indent="0" algn="just">
+              <a:buNone/>
+            </a:pPr>
+            <a:endParaRPr lang="pt-BR" sz="2400" dirty="0">
+              <a:solidFill>
+                <a:schemeClr val="tx1"/>
+              </a:solidFill>
+              <a:latin typeface="Times New Roman" panose="02020603050405020304" pitchFamily="18" charset="0"/>
+              <a:cs typeface="Times New Roman" panose="02020603050405020304" pitchFamily="18" charset="0"/>
+            </a:endParaRPr>
+          </a:p>
+          <a:p>
+            <a:pPr marL="0" indent="0" algn="just">
+              <a:buNone/>
+            </a:pPr>
+            <a:r>
+              <a:rPr lang="pt-BR" sz="2400" b="1" dirty="0">
+                <a:solidFill>
+                  <a:schemeClr val="tx1"/>
+                </a:solidFill>
+                <a:latin typeface="Times New Roman" panose="02020603050405020304" pitchFamily="18" charset="0"/>
+                <a:cs typeface="Times New Roman" panose="02020603050405020304" pitchFamily="18" charset="0"/>
+              </a:rPr>
+              <a:t>	</a:t>
+            </a:r>
+            <a:r>
+              <a:rPr lang="pt-BR" sz="2400" b="1" dirty="0" err="1">
+                <a:solidFill>
+                  <a:schemeClr val="tx1"/>
+                </a:solidFill>
+                <a:latin typeface="Times New Roman" panose="02020603050405020304" pitchFamily="18" charset="0"/>
+                <a:cs typeface="Times New Roman" panose="02020603050405020304" pitchFamily="18" charset="0"/>
+              </a:rPr>
+              <a:t>const</a:t>
+            </a:r>
+            <a:r>
+              <a:rPr lang="pt-BR" sz="2400" dirty="0">
+                <a:solidFill>
+                  <a:schemeClr val="tx1"/>
+                </a:solidFill>
+                <a:latin typeface="Times New Roman" panose="02020603050405020304" pitchFamily="18" charset="0"/>
+                <a:cs typeface="Times New Roman" panose="02020603050405020304" pitchFamily="18" charset="0"/>
+              </a:rPr>
+              <a:t>  fator = 5; (</a:t>
+            </a:r>
+            <a:r>
+              <a:rPr lang="pt-BR" sz="2400" b="1" dirty="0">
+                <a:solidFill>
+                  <a:srgbClr val="FF0000"/>
+                </a:solidFill>
+                <a:latin typeface="Times New Roman" panose="02020603050405020304" pitchFamily="18" charset="0"/>
+                <a:cs typeface="Times New Roman" panose="02020603050405020304" pitchFamily="18" charset="0"/>
+              </a:rPr>
+              <a:t>Declaração da variável “fator” como constante</a:t>
+            </a:r>
+            <a:r>
+              <a:rPr lang="pt-BR" sz="2400" dirty="0">
+                <a:solidFill>
+                  <a:schemeClr val="tx1"/>
+                </a:solidFill>
+                <a:latin typeface="Times New Roman" panose="02020603050405020304" pitchFamily="18" charset="0"/>
+                <a:cs typeface="Times New Roman" panose="02020603050405020304" pitchFamily="18" charset="0"/>
+              </a:rPr>
+              <a:t>)</a:t>
+            </a:r>
+          </a:p>
+        </p:txBody>
+      </p:sp>
+    </p:spTree>
+    <p:extLst>
+      <p:ext uri="{BB962C8B-B14F-4D97-AF65-F5344CB8AC3E}">
+        <p14:creationId xmlns:p14="http://schemas.microsoft.com/office/powerpoint/2010/main" val="935899650"/>
+      </p:ext>
+    </p:extLst>
+  </p:cSld>
+  <p:clrMapOvr>
+    <a:masterClrMapping/>
+  </p:clrMapOvr>
+  <p:transition spd="med"/>
+</p:sld>
+</file>
+
+<file path=ppt/slides/slide70.xml><?xml version="1.0" encoding="utf-8"?>
+<p:sld xmlns:a="http://schemas.openxmlformats.org/drawingml/2006/main" xmlns:r="http://schemas.openxmlformats.org/officeDocument/2006/relationships" xmlns:p="http://schemas.openxmlformats.org/presentationml/2006/main">
+  <p:cSld>
+    <p:spTree>
+      <p:nvGrpSpPr>
+        <p:cNvPr id="1" name=""/>
+        <p:cNvGrpSpPr/>
+        <p:nvPr/>
+      </p:nvGrpSpPr>
+      <p:grpSpPr>
+        <a:xfrm>
+          <a:off x="0" y="0"/>
+          <a:ext cx="0" cy="0"/>
+          <a:chOff x="0" y="0"/>
+          <a:chExt cx="0" cy="0"/>
+        </a:xfrm>
+      </p:grpSpPr>
+      <p:sp>
+        <p:nvSpPr>
+          <p:cNvPr id="6" name="Title 1"/>
+          <p:cNvSpPr>
+            <a:spLocks noGrp="1"/>
+          </p:cNvSpPr>
+          <p:nvPr>
+            <p:ph type="title"/>
+          </p:nvPr>
+        </p:nvSpPr>
+        <p:spPr>
+          <a:xfrm>
+            <a:off x="457200" y="205980"/>
+            <a:ext cx="8229600" cy="857251"/>
+          </a:xfrm>
+        </p:spPr>
+        <p:txBody>
+          <a:bodyPr>
+            <a:normAutofit/>
+          </a:bodyPr>
+          <a:lstStyle/>
+          <a:p>
+            <a:r>
+              <a:rPr lang="en-US" b="1" dirty="0" err="1">
+                <a:solidFill>
+                  <a:srgbClr val="0070C0"/>
+                </a:solidFill>
+              </a:rPr>
+              <a:t>Referências</a:t>
+            </a:r>
+            <a:r>
+              <a:rPr lang="en-US" b="1" dirty="0">
+                <a:solidFill>
+                  <a:srgbClr val="0070C0"/>
+                </a:solidFill>
+              </a:rPr>
+              <a:t> </a:t>
+            </a:r>
+            <a:r>
+              <a:rPr lang="en-US" b="1" dirty="0" err="1">
+                <a:solidFill>
+                  <a:srgbClr val="0070C0"/>
+                </a:solidFill>
+              </a:rPr>
+              <a:t>Bibliográficas</a:t>
+            </a:r>
+            <a:endParaRPr lang="en-US" b="1" dirty="0">
+              <a:solidFill>
+                <a:srgbClr val="0070C0"/>
+              </a:solidFill>
+            </a:endParaRPr>
+          </a:p>
+        </p:txBody>
+      </p:sp>
+      <p:sp>
+        <p:nvSpPr>
+          <p:cNvPr id="8" name="Text Placeholder 2"/>
+          <p:cNvSpPr>
+            <a:spLocks noGrp="1"/>
+          </p:cNvSpPr>
+          <p:nvPr>
+            <p:ph type="body" sz="half" idx="1"/>
+          </p:nvPr>
+        </p:nvSpPr>
+        <p:spPr>
+          <a:xfrm>
+            <a:off x="142865" y="1200151"/>
+            <a:ext cx="8865056" cy="3394472"/>
+          </a:xfrm>
+        </p:spPr>
+        <p:txBody>
+          <a:bodyPr>
+            <a:noAutofit/>
+          </a:bodyPr>
+          <a:lstStyle/>
+          <a:p>
+            <a:pPr marL="0" indent="0" algn="just">
+              <a:buNone/>
+            </a:pPr>
+            <a:endParaRPr lang="pt-BR" sz="2400" dirty="0">
+              <a:latin typeface="Times New Roman" panose="02020603050405020304" pitchFamily="18" charset="0"/>
+              <a:cs typeface="Times New Roman" panose="02020603050405020304" pitchFamily="18" charset="0"/>
+            </a:endParaRPr>
+          </a:p>
+          <a:p>
+            <a:pPr marL="0" indent="0" algn="just">
+              <a:buNone/>
+            </a:pPr>
+            <a:r>
+              <a:rPr lang="pt-BR" sz="2400" dirty="0">
+                <a:latin typeface="Times New Roman" panose="02020603050405020304" pitchFamily="18" charset="0"/>
+                <a:cs typeface="Times New Roman" panose="02020603050405020304" pitchFamily="18" charset="0"/>
+              </a:rPr>
               <a:t>[1] Site: </a:t>
             </a:r>
             <a:r>
@@ -36159,7 +37969,7 @@
 </p:sld>
 </file>
 
-<file path=ppt/slides/slide69.xml><?xml version="1.0" encoding="utf-8"?>
+<file path=ppt/slides/slide71.xml><?xml version="1.0" encoding="utf-8"?>
 <p:sld xmlns:a="http://schemas.openxmlformats.org/drawingml/2006/main" xmlns:r="http://schemas.openxmlformats.org/officeDocument/2006/relationships" xmlns:p="http://schemas.openxmlformats.org/presentationml/2006/main">
   <p:cSld>
     <p:spTree>
@@ -36625,371 +38435,6 @@
 </p:sld>
 </file>
 
-<file path=ppt/slides/slide7.xml><?xml version="1.0" encoding="utf-8"?>
-<p:sld xmlns:a="http://schemas.openxmlformats.org/drawingml/2006/main" xmlns:r="http://schemas.openxmlformats.org/officeDocument/2006/relationships" xmlns:p="http://schemas.openxmlformats.org/presentationml/2006/main">
-  <p:cSld>
-    <p:spTree>
-      <p:nvGrpSpPr>
-        <p:cNvPr id="1" name=""/>
-        <p:cNvGrpSpPr/>
-        <p:nvPr/>
-      </p:nvGrpSpPr>
-      <p:grpSpPr>
-        <a:xfrm>
-          <a:off x="0" y="0"/>
-          <a:ext cx="0" cy="0"/>
-          <a:chOff x="0" y="0"/>
-          <a:chExt cx="0" cy="0"/>
-        </a:xfrm>
-      </p:grpSpPr>
-      <p:sp>
-        <p:nvSpPr>
-          <p:cNvPr id="6" name="Title 1"/>
-          <p:cNvSpPr>
-            <a:spLocks noGrp="1"/>
-          </p:cNvSpPr>
-          <p:nvPr>
-            <p:ph type="title"/>
-          </p:nvPr>
-        </p:nvSpPr>
-        <p:spPr>
-          <a:xfrm>
-            <a:off x="457200" y="205980"/>
-            <a:ext cx="8229600" cy="857251"/>
-          </a:xfrm>
-        </p:spPr>
-        <p:txBody>
-          <a:bodyPr>
-            <a:normAutofit/>
-          </a:bodyPr>
-          <a:lstStyle/>
-          <a:p>
-            <a:r>
-              <a:rPr lang="en-US" b="1" dirty="0">
-                <a:solidFill>
-                  <a:srgbClr val="0070C0"/>
-                </a:solidFill>
-              </a:rPr>
-              <a:t>JS – </a:t>
-            </a:r>
-            <a:r>
-              <a:rPr lang="en-US" b="1" dirty="0" err="1">
-                <a:solidFill>
-                  <a:srgbClr val="0070C0"/>
-                </a:solidFill>
-              </a:rPr>
-              <a:t>Variáveis</a:t>
-            </a:r>
-            <a:r>
-              <a:rPr lang="en-US" b="1" dirty="0">
-                <a:solidFill>
-                  <a:srgbClr val="0070C0"/>
-                </a:solidFill>
-              </a:rPr>
-              <a:t>/</a:t>
-            </a:r>
-            <a:r>
-              <a:rPr lang="en-US" b="1" dirty="0" err="1">
-                <a:solidFill>
-                  <a:srgbClr val="0070C0"/>
-                </a:solidFill>
-              </a:rPr>
-              <a:t>Atribuição</a:t>
-            </a:r>
-            <a:endParaRPr lang="en-US" b="1" dirty="0">
-              <a:solidFill>
-                <a:srgbClr val="0070C0"/>
-              </a:solidFill>
-            </a:endParaRPr>
-          </a:p>
-        </p:txBody>
-      </p:sp>
-      <p:sp>
-        <p:nvSpPr>
-          <p:cNvPr id="8" name="Text Placeholder 2"/>
-          <p:cNvSpPr>
-            <a:spLocks noGrp="1"/>
-          </p:cNvSpPr>
-          <p:nvPr>
-            <p:ph type="body" sz="half" idx="1"/>
-          </p:nvPr>
-        </p:nvSpPr>
-        <p:spPr>
-          <a:xfrm>
-            <a:off x="142865" y="1037312"/>
-            <a:ext cx="8865056" cy="3900208"/>
-          </a:xfrm>
-        </p:spPr>
-        <p:txBody>
-          <a:bodyPr>
-            <a:noAutofit/>
-          </a:bodyPr>
-          <a:lstStyle/>
-          <a:p>
-            <a:pPr marL="0" indent="0" algn="just">
-              <a:buNone/>
-            </a:pPr>
-            <a:r>
-              <a:rPr lang="pt-BR" sz="2400" b="1" dirty="0">
-                <a:solidFill>
-                  <a:srgbClr val="FF0000"/>
-                </a:solidFill>
-                <a:latin typeface="Times New Roman" panose="02020603050405020304" pitchFamily="18" charset="0"/>
-                <a:cs typeface="Times New Roman" panose="02020603050405020304" pitchFamily="18" charset="0"/>
-              </a:rPr>
-              <a:t>Exemplos</a:t>
-            </a:r>
-            <a:r>
-              <a:rPr lang="pt-BR" sz="2400" dirty="0">
-                <a:solidFill>
-                  <a:schemeClr val="tx1"/>
-                </a:solidFill>
-                <a:latin typeface="Times New Roman" panose="02020603050405020304" pitchFamily="18" charset="0"/>
-                <a:cs typeface="Times New Roman" panose="02020603050405020304" pitchFamily="18" charset="0"/>
-              </a:rPr>
-              <a:t>:</a:t>
-            </a:r>
-          </a:p>
-          <a:p>
-            <a:pPr marL="0" indent="0" algn="just">
-              <a:buNone/>
-            </a:pPr>
-            <a:r>
-              <a:rPr lang="pt-BR" sz="2400" b="1" dirty="0">
-                <a:solidFill>
-                  <a:schemeClr val="tx1"/>
-                </a:solidFill>
-                <a:latin typeface="Times New Roman" panose="02020603050405020304" pitchFamily="18" charset="0"/>
-                <a:cs typeface="Times New Roman" panose="02020603050405020304" pitchFamily="18" charset="0"/>
-              </a:rPr>
-              <a:t>	</a:t>
-            </a:r>
-            <a:r>
-              <a:rPr lang="pt-BR" sz="2400" b="1" dirty="0" err="1">
-                <a:solidFill>
-                  <a:schemeClr val="tx1"/>
-                </a:solidFill>
-                <a:latin typeface="Times New Roman" panose="02020603050405020304" pitchFamily="18" charset="0"/>
-                <a:cs typeface="Times New Roman" panose="02020603050405020304" pitchFamily="18" charset="0"/>
-              </a:rPr>
-              <a:t>let</a:t>
-            </a:r>
-            <a:r>
-              <a:rPr lang="pt-BR" sz="2400" dirty="0">
-                <a:solidFill>
-                  <a:schemeClr val="tx1"/>
-                </a:solidFill>
-                <a:latin typeface="Times New Roman" panose="02020603050405020304" pitchFamily="18" charset="0"/>
-                <a:cs typeface="Times New Roman" panose="02020603050405020304" pitchFamily="18" charset="0"/>
-              </a:rPr>
-              <a:t> x, </a:t>
-            </a:r>
-            <a:r>
-              <a:rPr lang="pt-BR" sz="2400" dirty="0" err="1">
-                <a:solidFill>
-                  <a:schemeClr val="tx1"/>
-                </a:solidFill>
-                <a:latin typeface="Times New Roman" panose="02020603050405020304" pitchFamily="18" charset="0"/>
-                <a:cs typeface="Times New Roman" panose="02020603050405020304" pitchFamily="18" charset="0"/>
-              </a:rPr>
-              <a:t>y,z</a:t>
-            </a:r>
-            <a:r>
-              <a:rPr lang="pt-BR" sz="2400" dirty="0">
-                <a:solidFill>
-                  <a:schemeClr val="tx1"/>
-                </a:solidFill>
-                <a:latin typeface="Times New Roman" panose="02020603050405020304" pitchFamily="18" charset="0"/>
-                <a:cs typeface="Times New Roman" panose="02020603050405020304" pitchFamily="18" charset="0"/>
-              </a:rPr>
-              <a:t>; // Declaração de variáveis (</a:t>
-            </a:r>
-            <a:r>
-              <a:rPr lang="pt-BR" sz="2400" dirty="0" err="1">
-                <a:solidFill>
-                  <a:schemeClr val="tx1"/>
-                </a:solidFill>
-                <a:latin typeface="Times New Roman" panose="02020603050405020304" pitchFamily="18" charset="0"/>
-                <a:cs typeface="Times New Roman" panose="02020603050405020304" pitchFamily="18" charset="0"/>
-              </a:rPr>
-              <a:t>undefined</a:t>
-            </a:r>
-            <a:r>
-              <a:rPr lang="pt-BR" sz="2400" dirty="0">
-                <a:solidFill>
-                  <a:schemeClr val="tx1"/>
-                </a:solidFill>
-                <a:latin typeface="Times New Roman" panose="02020603050405020304" pitchFamily="18" charset="0"/>
-                <a:cs typeface="Times New Roman" panose="02020603050405020304" pitchFamily="18" charset="0"/>
-              </a:rPr>
-              <a:t>); </a:t>
-            </a:r>
-            <a:r>
-              <a:rPr lang="pt-BR" sz="2400" dirty="0" err="1">
-                <a:solidFill>
-                  <a:schemeClr val="tx1"/>
-                </a:solidFill>
-                <a:latin typeface="Times New Roman" panose="02020603050405020304" pitchFamily="18" charset="0"/>
-                <a:cs typeface="Times New Roman" panose="02020603050405020304" pitchFamily="18" charset="0"/>
-              </a:rPr>
-              <a:t>NaN</a:t>
-            </a:r>
-            <a:endParaRPr lang="pt-BR" sz="2400" dirty="0">
-              <a:solidFill>
-                <a:schemeClr val="tx1"/>
-              </a:solidFill>
-              <a:latin typeface="Times New Roman" panose="02020603050405020304" pitchFamily="18" charset="0"/>
-              <a:cs typeface="Times New Roman" panose="02020603050405020304" pitchFamily="18" charset="0"/>
-            </a:endParaRPr>
-          </a:p>
-          <a:p>
-            <a:pPr marL="0" indent="0" algn="just">
-              <a:buNone/>
-            </a:pPr>
-            <a:r>
-              <a:rPr lang="pt-BR" sz="2400" dirty="0">
-                <a:solidFill>
-                  <a:schemeClr val="tx1"/>
-                </a:solidFill>
-                <a:latin typeface="Times New Roman" panose="02020603050405020304" pitchFamily="18" charset="0"/>
-                <a:cs typeface="Times New Roman" panose="02020603050405020304" pitchFamily="18" charset="0"/>
-              </a:rPr>
-              <a:t>	x = 9; y = 7; z = 2; // Atribuição de variáveis</a:t>
-            </a:r>
-          </a:p>
-          <a:p>
-            <a:pPr marL="0" indent="0" algn="just">
-              <a:buNone/>
-            </a:pPr>
-            <a:r>
-              <a:rPr lang="pt-BR" sz="2400" dirty="0">
-                <a:solidFill>
-                  <a:schemeClr val="tx1"/>
-                </a:solidFill>
-                <a:latin typeface="Times New Roman" panose="02020603050405020304" pitchFamily="18" charset="0"/>
-                <a:cs typeface="Times New Roman" panose="02020603050405020304" pitchFamily="18" charset="0"/>
-              </a:rPr>
-              <a:t>Ou </a:t>
-            </a:r>
-          </a:p>
-          <a:p>
-            <a:pPr marL="0" indent="0" algn="just">
-              <a:buNone/>
-            </a:pPr>
-            <a:r>
-              <a:rPr lang="pt-BR" sz="2400" b="1" dirty="0">
-                <a:solidFill>
-                  <a:schemeClr val="tx1"/>
-                </a:solidFill>
-                <a:latin typeface="Times New Roman" panose="02020603050405020304" pitchFamily="18" charset="0"/>
-                <a:cs typeface="Times New Roman" panose="02020603050405020304" pitchFamily="18" charset="0"/>
-              </a:rPr>
-              <a:t>	</a:t>
-            </a:r>
-            <a:r>
-              <a:rPr lang="pt-BR" sz="2400" b="1" dirty="0" err="1">
-                <a:solidFill>
-                  <a:schemeClr val="tx1"/>
-                </a:solidFill>
-                <a:latin typeface="Times New Roman" panose="02020603050405020304" pitchFamily="18" charset="0"/>
-                <a:cs typeface="Times New Roman" panose="02020603050405020304" pitchFamily="18" charset="0"/>
-              </a:rPr>
-              <a:t>let</a:t>
-            </a:r>
-            <a:r>
-              <a:rPr lang="pt-BR" sz="2400" dirty="0">
-                <a:solidFill>
-                  <a:schemeClr val="tx1"/>
-                </a:solidFill>
-                <a:latin typeface="Times New Roman" panose="02020603050405020304" pitchFamily="18" charset="0"/>
-                <a:cs typeface="Times New Roman" panose="02020603050405020304" pitchFamily="18" charset="0"/>
-              </a:rPr>
-              <a:t> x = 9, y = 7, z = 2;</a:t>
-            </a:r>
-          </a:p>
-          <a:p>
-            <a:pPr marL="0" indent="0" algn="just">
-              <a:buNone/>
-            </a:pPr>
-            <a:endParaRPr lang="pt-BR" sz="2400" dirty="0">
-              <a:solidFill>
-                <a:schemeClr val="tx1"/>
-              </a:solidFill>
-              <a:latin typeface="Times New Roman" panose="02020603050405020304" pitchFamily="18" charset="0"/>
-              <a:cs typeface="Times New Roman" panose="02020603050405020304" pitchFamily="18" charset="0"/>
-            </a:endParaRPr>
-          </a:p>
-          <a:p>
-            <a:pPr marL="0" indent="0" algn="just">
-              <a:buNone/>
-            </a:pPr>
-            <a:r>
-              <a:rPr lang="pt-BR" sz="2400" b="1" dirty="0">
-                <a:solidFill>
-                  <a:schemeClr val="tx1"/>
-                </a:solidFill>
-                <a:latin typeface="Times New Roman" panose="02020603050405020304" pitchFamily="18" charset="0"/>
-                <a:cs typeface="Times New Roman" panose="02020603050405020304" pitchFamily="18" charset="0"/>
-              </a:rPr>
-              <a:t>	</a:t>
-            </a:r>
-            <a:r>
-              <a:rPr lang="pt-BR" sz="2400" b="1" dirty="0" err="1">
-                <a:solidFill>
-                  <a:schemeClr val="tx1"/>
-                </a:solidFill>
-                <a:latin typeface="Times New Roman" panose="02020603050405020304" pitchFamily="18" charset="0"/>
-                <a:cs typeface="Times New Roman" panose="02020603050405020304" pitchFamily="18" charset="0"/>
-              </a:rPr>
-              <a:t>const</a:t>
-            </a:r>
-            <a:r>
-              <a:rPr lang="pt-BR" sz="2400" dirty="0">
-                <a:solidFill>
-                  <a:schemeClr val="tx1"/>
-                </a:solidFill>
-                <a:latin typeface="Times New Roman" panose="02020603050405020304" pitchFamily="18" charset="0"/>
-                <a:cs typeface="Times New Roman" panose="02020603050405020304" pitchFamily="18" charset="0"/>
-              </a:rPr>
-              <a:t>  fator = 5; (</a:t>
-            </a:r>
-            <a:r>
-              <a:rPr lang="pt-BR" sz="2400" b="1" dirty="0">
-                <a:solidFill>
-                  <a:srgbClr val="FF0000"/>
-                </a:solidFill>
-                <a:latin typeface="Times New Roman" panose="02020603050405020304" pitchFamily="18" charset="0"/>
-                <a:cs typeface="Times New Roman" panose="02020603050405020304" pitchFamily="18" charset="0"/>
-              </a:rPr>
-              <a:t>Declaração da variável “fator” como constante</a:t>
-            </a:r>
-            <a:r>
-              <a:rPr lang="pt-BR" sz="2400" dirty="0">
-                <a:solidFill>
-                  <a:schemeClr val="tx1"/>
-                </a:solidFill>
-                <a:latin typeface="Times New Roman" panose="02020603050405020304" pitchFamily="18" charset="0"/>
-                <a:cs typeface="Times New Roman" panose="02020603050405020304" pitchFamily="18" charset="0"/>
-              </a:rPr>
-              <a:t>)</a:t>
-            </a:r>
-          </a:p>
-        </p:txBody>
-      </p:sp>
-    </p:spTree>
-    <p:extLst>
-      <p:ext uri="{BB962C8B-B14F-4D97-AF65-F5344CB8AC3E}">
-        <p14:creationId xmlns:p14="http://schemas.microsoft.com/office/powerpoint/2010/main" val="935899650"/>
-      </p:ext>
-    </p:extLst>
-  </p:cSld>
-  <p:clrMapOvr>
-    <a:masterClrMapping/>
-  </p:clrMapOvr>
-  <p:transition spd="med"/>
-</p:sld>
-</file>
-
 <file path=ppt/slides/slide8.xml><?xml version="1.0" encoding="utf-8"?>
 <p:sld xmlns:a="http://schemas.openxmlformats.org/drawingml/2006/main" xmlns:r="http://schemas.openxmlformats.org/officeDocument/2006/relationships" xmlns:p="http://schemas.openxmlformats.org/presentationml/2006/main">
   <p:cSld>
@@ -37406,6 +38851,140 @@
               </a:rPr>
               <a:t>(56-23*6+12);</a:t>
             </a:r>
+          </a:p>
+          <a:p>
+            <a:pPr marL="0" indent="0" algn="just">
+              <a:buNone/>
+            </a:pPr>
+            <a:r>
+              <a:rPr lang="pt-BR" sz="2000" b="1" dirty="0">
+                <a:solidFill>
+                  <a:srgbClr val="FF0000"/>
+                </a:solidFill>
+                <a:latin typeface="Times New Roman" panose="02020603050405020304" pitchFamily="18" charset="0"/>
+                <a:cs typeface="Times New Roman" panose="02020603050405020304" pitchFamily="18" charset="0"/>
+              </a:rPr>
+              <a:t>Nota</a:t>
+            </a:r>
+            <a:r>
+              <a:rPr lang="pt-BR" sz="2000" dirty="0">
+                <a:solidFill>
+                  <a:schemeClr val="tx1"/>
+                </a:solidFill>
+                <a:latin typeface="Times New Roman" panose="02020603050405020304" pitchFamily="18" charset="0"/>
+                <a:cs typeface="Times New Roman" panose="02020603050405020304" pitchFamily="18" charset="0"/>
+              </a:rPr>
+              <a:t>: </a:t>
+            </a:r>
+            <a:r>
+              <a:rPr lang="pt-BR" sz="2000" dirty="0">
+                <a:solidFill>
+                  <a:schemeClr val="tx1"/>
+                </a:solidFill>
+                <a:latin typeface="Times New Roman" panose="02020603050405020304" pitchFamily="18" charset="0"/>
+                <a:cs typeface="Times New Roman" panose="02020603050405020304" pitchFamily="18" charset="0"/>
+                <a:hlinkClick r:id="rId3"/>
+              </a:rPr>
+              <a:t>https://www.pexels.com/pt-br/</a:t>
+            </a:r>
+            <a:r>
+              <a:rPr lang="pt-BR" sz="2000" dirty="0">
+                <a:solidFill>
+                  <a:schemeClr val="tx1"/>
+                </a:solidFill>
+                <a:latin typeface="Times New Roman" panose="02020603050405020304" pitchFamily="18" charset="0"/>
+                <a:cs typeface="Times New Roman" panose="02020603050405020304" pitchFamily="18" charset="0"/>
+              </a:rPr>
+              <a:t>  (</a:t>
+            </a:r>
+            <a:r>
+              <a:rPr lang="pt-BR" sz="2000" b="1" dirty="0">
+                <a:solidFill>
+                  <a:schemeClr val="tx1"/>
+                </a:solidFill>
+                <a:latin typeface="Times New Roman" panose="02020603050405020304" pitchFamily="18" charset="0"/>
+                <a:cs typeface="Times New Roman" panose="02020603050405020304" pitchFamily="18" charset="0"/>
+              </a:rPr>
+              <a:t>fotos grátis</a:t>
+            </a:r>
+            <a:r>
+              <a:rPr lang="pt-BR" sz="2000" dirty="0">
+                <a:solidFill>
+                  <a:schemeClr val="tx1"/>
+                </a:solidFill>
+                <a:latin typeface="Times New Roman" panose="02020603050405020304" pitchFamily="18" charset="0"/>
+                <a:cs typeface="Times New Roman" panose="02020603050405020304" pitchFamily="18" charset="0"/>
+              </a:rPr>
+              <a:t>)</a:t>
+            </a:r>
+          </a:p>
+          <a:p>
+            <a:pPr marL="0" indent="0" algn="just">
+              <a:buNone/>
+            </a:pPr>
+            <a:r>
+              <a:rPr lang="pt-BR" sz="2000" dirty="0">
+                <a:solidFill>
+                  <a:schemeClr val="tx1"/>
+                </a:solidFill>
+                <a:latin typeface="Times New Roman" panose="02020603050405020304" pitchFamily="18" charset="0"/>
+                <a:cs typeface="Times New Roman" panose="02020603050405020304" pitchFamily="18" charset="0"/>
+              </a:rPr>
+              <a:t> 	  </a:t>
+            </a:r>
+            <a:r>
+              <a:rPr lang="pt-BR" sz="2000" dirty="0">
+                <a:solidFill>
+                  <a:schemeClr val="tx1"/>
+                </a:solidFill>
+                <a:latin typeface="Times New Roman" panose="02020603050405020304" pitchFamily="18" charset="0"/>
+                <a:cs typeface="Times New Roman" panose="02020603050405020304" pitchFamily="18" charset="0"/>
+                <a:hlinkClick r:id="rId4"/>
+              </a:rPr>
+              <a:t>https://pixabay.com/pt/</a:t>
+            </a:r>
+            <a:r>
+              <a:rPr lang="pt-BR" sz="2000" dirty="0">
+                <a:solidFill>
+                  <a:schemeClr val="tx1"/>
+                </a:solidFill>
+                <a:latin typeface="Times New Roman" panose="02020603050405020304" pitchFamily="18" charset="0"/>
+                <a:cs typeface="Times New Roman" panose="02020603050405020304" pitchFamily="18" charset="0"/>
+              </a:rPr>
+              <a:t> (</a:t>
+            </a:r>
+            <a:r>
+              <a:rPr lang="pt-BR" sz="2000" b="1" dirty="0">
+                <a:solidFill>
+                  <a:schemeClr val="tx1"/>
+                </a:solidFill>
+                <a:latin typeface="Times New Roman" panose="02020603050405020304" pitchFamily="18" charset="0"/>
+                <a:cs typeface="Times New Roman" panose="02020603050405020304" pitchFamily="18" charset="0"/>
+              </a:rPr>
+              <a:t>fotos grátis</a:t>
+            </a:r>
+            <a:r>
+              <a:rPr lang="pt-BR" sz="2000" dirty="0">
+                <a:solidFill>
+                  <a:schemeClr val="tx1"/>
+                </a:solidFill>
+                <a:latin typeface="Times New Roman" panose="02020603050405020304" pitchFamily="18" charset="0"/>
+                <a:cs typeface="Times New Roman" panose="02020603050405020304" pitchFamily="18" charset="0"/>
+              </a:rPr>
+              <a:t>)</a:t>
+            </a:r>
+          </a:p>
+          <a:p>
+            <a:pPr marL="0" indent="0" algn="just">
+              <a:buNone/>
+            </a:pPr>
+            <a:endParaRPr lang="pt-BR" sz="2000" dirty="0">
+              <a:solidFill>
+                <a:schemeClr val="tx1"/>
+              </a:solidFill>
+              <a:latin typeface="Times New Roman" panose="02020603050405020304" pitchFamily="18" charset="0"/>
+              <a:cs typeface="Times New Roman" panose="02020603050405020304" pitchFamily="18" charset="0"/>
+            </a:endParaRPr>
           </a:p>
           <a:p>
             <a:pPr marL="0" indent="0" algn="just">
@@ -37558,6 +39137,16 @@
               <a:buNone/>
             </a:pPr>
             <a:r>
+              <a:rPr lang="pt-BR" sz="2000" b="1" dirty="0">
+                <a:solidFill>
+                  <a:schemeClr val="tx1"/>
+                </a:solidFill>
+                <a:latin typeface="Times New Roman" panose="02020603050405020304" pitchFamily="18" charset="0"/>
+                <a:cs typeface="Times New Roman" panose="02020603050405020304" pitchFamily="18" charset="0"/>
+              </a:rPr>
+              <a:t>Outras formas</a:t>
+            </a:r>
+            <a:r>
               <a:rPr lang="pt-BR" sz="2000" dirty="0">
                 <a:solidFill>
                   <a:schemeClr val="tx1"/>
@@ -37565,8 +39154,20 @@
                 <a:latin typeface="Times New Roman" panose="02020603050405020304" pitchFamily="18" charset="0"/>
                 <a:cs typeface="Times New Roman" panose="02020603050405020304" pitchFamily="18" charset="0"/>
               </a:rPr>
-              <a:t>Outra forma:</a:t>
-            </a:r>
+              <a:t>:</a:t>
+            </a:r>
+          </a:p>
+          <a:p>
+            <a:pPr marL="0" indent="0" algn="just">
+              <a:buNone/>
+            </a:pPr>
+            <a:endParaRPr lang="pt-BR" sz="2000" dirty="0">
+              <a:solidFill>
+                <a:schemeClr val="tx1"/>
+              </a:solidFill>
+              <a:latin typeface="Times New Roman" panose="02020603050405020304" pitchFamily="18" charset="0"/>
+              <a:cs typeface="Times New Roman" panose="02020603050405020304" pitchFamily="18" charset="0"/>
+            </a:endParaRPr>
           </a:p>
           <a:p>
             <a:pPr marL="0" indent="0" algn="just">
@@ -37615,7 +39216,22 @@
                 <a:latin typeface="Times New Roman" panose="02020603050405020304" pitchFamily="18" charset="0"/>
                 <a:cs typeface="Times New Roman" panose="02020603050405020304" pitchFamily="18" charset="0"/>
               </a:rPr>
-              <a:t>   </a:t>
+              <a:t> </a:t>
+            </a:r>
+          </a:p>
+          <a:p>
+            <a:pPr marL="0" indent="0" algn="just">
+              <a:buNone/>
+            </a:pPr>
+            <a:r>
+              <a:rPr lang="pt-BR" sz="2000" dirty="0">
+                <a:solidFill>
+                  <a:schemeClr val="tx1"/>
+                </a:solidFill>
+                <a:latin typeface="Times New Roman" panose="02020603050405020304" pitchFamily="18" charset="0"/>
+                <a:cs typeface="Times New Roman" panose="02020603050405020304" pitchFamily="18" charset="0"/>
+              </a:rPr>
+              <a:t>  </a:t>
             </a:r>
             <a:r>
               <a:rPr lang="pt-BR" sz="2000" b="1" dirty="0" err="1">

--- a/01 Classes/Aula 09 Desenvolvimento Web PHP - JS.pptx
+++ b/01 Classes/Aula 09 Desenvolvimento Web PHP - JS.pptx
@@ -8408,7 +8408,7 @@
             <a:r>
               <a:rPr lang="pt-BR" sz="2000" b="1" dirty="0">
                 <a:solidFill>
-                  <a:schemeClr val="tx1"/>
+                  <a:srgbClr val="FF0000"/>
                 </a:solidFill>
                 <a:latin typeface="Times New Roman" panose="02020603050405020304" pitchFamily="18" charset="0"/>
                 <a:cs typeface="Times New Roman" panose="02020603050405020304" pitchFamily="18" charset="0"/>
@@ -20343,6 +20343,43 @@
             <a:pPr marL="0" indent="0" algn="just">
               <a:buNone/>
             </a:pPr>
+            <a:endParaRPr lang="pt-BR" sz="2400" b="1" dirty="0">
+              <a:solidFill>
+                <a:schemeClr val="tx1"/>
+              </a:solidFill>
+              <a:latin typeface="Times New Roman" panose="02020603050405020304" pitchFamily="18" charset="0"/>
+              <a:cs typeface="Times New Roman" panose="02020603050405020304" pitchFamily="18" charset="0"/>
+            </a:endParaRPr>
+          </a:p>
+          <a:p>
+            <a:pPr marL="0" indent="0" algn="just">
+              <a:buNone/>
+            </a:pPr>
+            <a:r>
+              <a:rPr lang="pt-BR" sz="2400" b="1" dirty="0">
+                <a:solidFill>
+                  <a:schemeClr val="tx1"/>
+                </a:solidFill>
+                <a:latin typeface="Times New Roman" panose="02020603050405020304" pitchFamily="18" charset="0"/>
+                <a:cs typeface="Times New Roman" panose="02020603050405020304" pitchFamily="18" charset="0"/>
+              </a:rPr>
+              <a:t>Características</a:t>
+            </a:r>
+            <a:r>
+              <a:rPr lang="pt-BR" sz="2400" dirty="0">
+                <a:solidFill>
+                  <a:schemeClr val="tx1"/>
+                </a:solidFill>
+                <a:latin typeface="Times New Roman" panose="02020603050405020304" pitchFamily="18" charset="0"/>
+                <a:cs typeface="Times New Roman" panose="02020603050405020304" pitchFamily="18" charset="0"/>
+              </a:rPr>
+              <a:t>: Nome; chamada; ações; parâmetros; retorno. </a:t>
+            </a:r>
+          </a:p>
+          <a:p>
+            <a:pPr marL="0" indent="0" algn="just">
+              <a:buNone/>
+            </a:pPr>
             <a:endParaRPr lang="pt-BR" sz="2400" dirty="0">
               <a:solidFill>
                 <a:schemeClr val="tx1"/>
@@ -20366,18 +20403,6 @@
               <a:t>Exemplo 1:</a:t>
             </a:r>
             <a:endParaRPr lang="pt-BR" sz="2400" dirty="0">
-              <a:solidFill>
-                <a:schemeClr val="tx1"/>
-              </a:solidFill>
-              <a:latin typeface="Times New Roman" panose="02020603050405020304" pitchFamily="18" charset="0"/>
-              <a:cs typeface="Times New Roman" panose="02020603050405020304" pitchFamily="18" charset="0"/>
-            </a:endParaRPr>
-          </a:p>
-          <a:p>
-            <a:pPr marL="1841500" lvl="4" indent="0" algn="just">
-              <a:buNone/>
-            </a:pPr>
-            <a:endParaRPr lang="pt-BR" sz="2400" b="1" dirty="0">
               <a:solidFill>
                 <a:schemeClr val="tx1"/>
               </a:solidFill>

--- a/01 Classes/Aula 09 Desenvolvimento Web PHP - JS.pptx
+++ b/01 Classes/Aula 09 Desenvolvimento Web PHP - JS.pptx
@@ -36678,7 +36678,127 @@
                 <a:latin typeface="Times New Roman" panose="02020603050405020304" pitchFamily="18" charset="0"/>
                 <a:cs typeface="Times New Roman" panose="02020603050405020304" pitchFamily="18" charset="0"/>
               </a:rPr>
-              <a:t>) na última posição, ela auxilia na criação de um elemento DOM.</a:t>
+              <a:t>) na última posição, ela auxilia na criação de um elemento DOM. Para adicionar  propriedades utilizar: </a:t>
+            </a:r>
+            <a:r>
+              <a:rPr lang="pt-BR" sz="2000" dirty="0" err="1">
+                <a:solidFill>
+                  <a:schemeClr val="tx1"/>
+                </a:solidFill>
+                <a:latin typeface="Times New Roman" panose="02020603050405020304" pitchFamily="18" charset="0"/>
+                <a:cs typeface="Times New Roman" panose="02020603050405020304" pitchFamily="18" charset="0"/>
+              </a:rPr>
+              <a:t>elemento</a:t>
+            </a:r>
+            <a:r>
+              <a:rPr lang="pt-BR" sz="2000" b="1" dirty="0" err="1">
+                <a:solidFill>
+                  <a:schemeClr val="tx1"/>
+                </a:solidFill>
+                <a:latin typeface="Times New Roman" panose="02020603050405020304" pitchFamily="18" charset="0"/>
+                <a:cs typeface="Times New Roman" panose="02020603050405020304" pitchFamily="18" charset="0"/>
+              </a:rPr>
+              <a:t>.propriedade</a:t>
+            </a:r>
+            <a:r>
+              <a:rPr lang="pt-BR" sz="2000" dirty="0">
+                <a:solidFill>
+                  <a:schemeClr val="tx1"/>
+                </a:solidFill>
+                <a:latin typeface="Times New Roman" panose="02020603050405020304" pitchFamily="18" charset="0"/>
+                <a:cs typeface="Times New Roman" panose="02020603050405020304" pitchFamily="18" charset="0"/>
+              </a:rPr>
+              <a:t>. </a:t>
+            </a:r>
+            <a:r>
+              <a:rPr lang="pt-BR" sz="2000" b="1" dirty="0">
+                <a:solidFill>
+                  <a:srgbClr val="FF0000"/>
+                </a:solidFill>
+                <a:latin typeface="Times New Roman" panose="02020603050405020304" pitchFamily="18" charset="0"/>
+                <a:cs typeface="Times New Roman" panose="02020603050405020304" pitchFamily="18" charset="0"/>
+              </a:rPr>
+              <a:t>Ex.:</a:t>
+            </a:r>
+            <a:r>
+              <a:rPr lang="pt-BR" sz="2000" dirty="0">
+                <a:solidFill>
+                  <a:schemeClr val="tx1"/>
+                </a:solidFill>
+                <a:latin typeface="Times New Roman" panose="02020603050405020304" pitchFamily="18" charset="0"/>
+                <a:cs typeface="Times New Roman" panose="02020603050405020304" pitchFamily="18" charset="0"/>
+              </a:rPr>
+              <a:t> </a:t>
+            </a:r>
+            <a:r>
+              <a:rPr lang="pt-BR" sz="2000" dirty="0" err="1">
+                <a:solidFill>
+                  <a:schemeClr val="tx1"/>
+                </a:solidFill>
+                <a:latin typeface="Times New Roman" panose="02020603050405020304" pitchFamily="18" charset="0"/>
+                <a:cs typeface="Times New Roman" panose="02020603050405020304" pitchFamily="18" charset="0"/>
+              </a:rPr>
+              <a:t>elemento.</a:t>
+            </a:r>
+            <a:r>
+              <a:rPr lang="pt-BR" sz="2000" b="1" dirty="0" err="1">
+                <a:solidFill>
+                  <a:schemeClr val="tx1"/>
+                </a:solidFill>
+                <a:latin typeface="Times New Roman" panose="02020603050405020304" pitchFamily="18" charset="0"/>
+                <a:cs typeface="Times New Roman" panose="02020603050405020304" pitchFamily="18" charset="0"/>
+              </a:rPr>
+              <a:t>text</a:t>
+            </a:r>
+            <a:r>
+              <a:rPr lang="pt-BR" sz="2000" dirty="0">
+                <a:solidFill>
+                  <a:schemeClr val="tx1"/>
+                </a:solidFill>
+                <a:latin typeface="Times New Roman" panose="02020603050405020304" pitchFamily="18" charset="0"/>
+                <a:cs typeface="Times New Roman" panose="02020603050405020304" pitchFamily="18" charset="0"/>
+              </a:rPr>
+              <a:t>; </a:t>
+            </a:r>
+            <a:r>
+              <a:rPr lang="pt-BR" sz="2000" dirty="0" err="1">
+                <a:solidFill>
+                  <a:schemeClr val="tx1"/>
+                </a:solidFill>
+                <a:latin typeface="Times New Roman" panose="02020603050405020304" pitchFamily="18" charset="0"/>
+                <a:cs typeface="Times New Roman" panose="02020603050405020304" pitchFamily="18" charset="0"/>
+              </a:rPr>
+              <a:t>elemento.</a:t>
+            </a:r>
+            <a:r>
+              <a:rPr lang="pt-BR" sz="2000" b="1" dirty="0" err="1">
+                <a:solidFill>
+                  <a:schemeClr val="tx1"/>
+                </a:solidFill>
+                <a:latin typeface="Times New Roman" panose="02020603050405020304" pitchFamily="18" charset="0"/>
+                <a:cs typeface="Times New Roman" panose="02020603050405020304" pitchFamily="18" charset="0"/>
+              </a:rPr>
+              <a:t>value</a:t>
+            </a:r>
+            <a:r>
+              <a:rPr lang="pt-BR" sz="2000" dirty="0" err="1">
+                <a:solidFill>
+                  <a:schemeClr val="tx1"/>
+                </a:solidFill>
+                <a:latin typeface="Times New Roman" panose="02020603050405020304" pitchFamily="18" charset="0"/>
+                <a:cs typeface="Times New Roman" panose="02020603050405020304" pitchFamily="18" charset="0"/>
+              </a:rPr>
+              <a:t>;etc</a:t>
+            </a:r>
+            <a:r>
+              <a:rPr lang="pt-BR" sz="2000" dirty="0">
+                <a:solidFill>
+                  <a:schemeClr val="tx1"/>
+                </a:solidFill>
+                <a:latin typeface="Times New Roman" panose="02020603050405020304" pitchFamily="18" charset="0"/>
+                <a:cs typeface="Times New Roman" panose="02020603050405020304" pitchFamily="18" charset="0"/>
+              </a:rPr>
+              <a:t>;</a:t>
             </a:r>
           </a:p>
           <a:p>
@@ -36962,8 +37082,20 @@
             <a:pPr marL="0" indent="0" algn="just">
               <a:buNone/>
             </a:pPr>
-            <a:r>
-              <a:rPr lang="pt-BR" sz="2000" b="1" dirty="0">
+            <a:endParaRPr lang="pt-BR" sz="2000" b="1">
+              <a:solidFill>
+                <a:schemeClr val="tx1"/>
+              </a:solidFill>
+              <a:latin typeface="Times New Roman" panose="02020603050405020304" pitchFamily="18" charset="0"/>
+              <a:cs typeface="Times New Roman" panose="02020603050405020304" pitchFamily="18" charset="0"/>
+            </a:endParaRPr>
+          </a:p>
+          <a:p>
+            <a:pPr marL="0" indent="0" algn="just">
+              <a:buNone/>
+            </a:pPr>
+            <a:r>
+              <a:rPr lang="pt-BR" sz="2000" b="1">
                 <a:solidFill>
                   <a:schemeClr val="tx1"/>
                 </a:solidFill>
@@ -36990,13 +37122,18 @@
                 <a:latin typeface="Times New Roman" panose="02020603050405020304" pitchFamily="18" charset="0"/>
                 <a:cs typeface="Times New Roman" panose="02020603050405020304" pitchFamily="18" charset="0"/>
               </a:rPr>
-              <a:t>	&lt;body&gt;</a:t>
-            </a:r>
-          </a:p>
-          <a:p>
-            <a:pPr marL="0" indent="0" algn="just">
-              <a:buNone/>
-            </a:pPr>
+              <a:t>	&lt;</a:t>
+            </a:r>
+            <a:r>
+              <a:rPr lang="pt-BR" sz="1600" b="1" dirty="0">
+                <a:solidFill>
+                  <a:schemeClr val="tx1"/>
+                </a:solidFill>
+                <a:latin typeface="Times New Roman" panose="02020603050405020304" pitchFamily="18" charset="0"/>
+                <a:cs typeface="Times New Roman" panose="02020603050405020304" pitchFamily="18" charset="0"/>
+              </a:rPr>
+              <a:t>body</a:t>
+            </a:r>
             <a:r>
               <a:rPr lang="pt-BR" sz="1600" dirty="0">
                 <a:solidFill>
@@ -37005,13 +37142,28 @@
                 <a:latin typeface="Times New Roman" panose="02020603050405020304" pitchFamily="18" charset="0"/>
                 <a:cs typeface="Times New Roman" panose="02020603050405020304" pitchFamily="18" charset="0"/>
               </a:rPr>
-              <a:t>    				&lt;h1&gt;&lt;/h1&gt;</a:t>
-            </a:r>
-          </a:p>
-          <a:p>
-            <a:pPr marL="0" indent="0" algn="just">
-              <a:buNone/>
-            </a:pPr>
+              <a:t>&gt;  &lt;</a:t>
+            </a:r>
+            <a:r>
+              <a:rPr lang="pt-BR" sz="1600" b="1">
+                <a:solidFill>
+                  <a:schemeClr val="tx1"/>
+                </a:solidFill>
+                <a:latin typeface="Times New Roman" panose="02020603050405020304" pitchFamily="18" charset="0"/>
+                <a:cs typeface="Times New Roman" panose="02020603050405020304" pitchFamily="18" charset="0"/>
+              </a:rPr>
+              <a:t>h1</a:t>
+            </a:r>
+            <a:r>
+              <a:rPr lang="pt-BR" sz="1600">
+                <a:solidFill>
+                  <a:schemeClr val="tx1"/>
+                </a:solidFill>
+                <a:latin typeface="Times New Roman" panose="02020603050405020304" pitchFamily="18" charset="0"/>
+                <a:cs typeface="Times New Roman" panose="02020603050405020304" pitchFamily="18" charset="0"/>
+              </a:rPr>
+              <a:t>&gt;  &lt;/</a:t>
+            </a:r>
             <a:r>
               <a:rPr lang="pt-BR" sz="1600" dirty="0">
                 <a:solidFill>
@@ -37020,7 +37172,27 @@
                 <a:latin typeface="Times New Roman" panose="02020603050405020304" pitchFamily="18" charset="0"/>
                 <a:cs typeface="Times New Roman" panose="02020603050405020304" pitchFamily="18" charset="0"/>
               </a:rPr>
-              <a:t>			&lt;/body&gt;</a:t>
+              <a:t>h1&gt; &lt;/</a:t>
+            </a:r>
+            <a:r>
+              <a:rPr lang="pt-BR" sz="1600" b="1" dirty="0">
+                <a:solidFill>
+                  <a:schemeClr val="tx1"/>
+                </a:solidFill>
+                <a:latin typeface="Times New Roman" panose="02020603050405020304" pitchFamily="18" charset="0"/>
+                <a:cs typeface="Times New Roman" panose="02020603050405020304" pitchFamily="18" charset="0"/>
+              </a:rPr>
+              <a:t>body</a:t>
+            </a:r>
+            <a:r>
+              <a:rPr lang="pt-BR" sz="1600" dirty="0">
+                <a:solidFill>
+                  <a:schemeClr val="tx1"/>
+                </a:solidFill>
+                <a:latin typeface="Times New Roman" panose="02020603050405020304" pitchFamily="18" charset="0"/>
+                <a:cs typeface="Times New Roman" panose="02020603050405020304" pitchFamily="18" charset="0"/>
+              </a:rPr>
+              <a:t>&gt;</a:t>
             </a:r>
           </a:p>
         </p:txBody>

--- a/01 Classes/Aula 09 Desenvolvimento Web PHP - JS.pptx
+++ b/01 Classes/Aula 09 Desenvolvimento Web PHP - JS.pptx
@@ -13141,66 +13141,58 @@
                 <a:latin typeface="Times New Roman" panose="02020603050405020304" pitchFamily="18" charset="0"/>
                 <a:cs typeface="Times New Roman" panose="02020603050405020304" pitchFamily="18" charset="0"/>
               </a:rPr>
-              <a:t>Exemplo 3: for ... in </a:t>
-            </a:r>
+              <a:t>Exemplo 3: </a:t>
+            </a:r>
+          </a:p>
+          <a:p>
+            <a:pPr marL="0" indent="0" algn="just">
+              <a:buNone/>
+            </a:pPr>
+            <a:endParaRPr lang="pt-BR" sz="2400" b="1" dirty="0">
+              <a:solidFill>
+                <a:srgbClr val="FF0000"/>
+              </a:solidFill>
+              <a:latin typeface="Times New Roman" panose="02020603050405020304" pitchFamily="18" charset="0"/>
+              <a:cs typeface="Times New Roman" panose="02020603050405020304" pitchFamily="18" charset="0"/>
+            </a:endParaRPr>
+          </a:p>
+          <a:p>
+            <a:pPr marL="0" indent="0" algn="just">
+              <a:buNone/>
+            </a:pPr>
             <a:r>
               <a:rPr lang="pt-BR" sz="2400" b="1" dirty="0">
                 <a:solidFill>
-                  <a:schemeClr val="tx1"/>
-                </a:solidFill>
-                <a:latin typeface="Times New Roman" panose="02020603050405020304" pitchFamily="18" charset="0"/>
-                <a:cs typeface="Times New Roman" panose="02020603050405020304" pitchFamily="18" charset="0"/>
-              </a:rPr>
-              <a:t>:</a:t>
-            </a:r>
-          </a:p>
-          <a:p>
-            <a:pPr marL="1841500" lvl="4" indent="0" algn="just">
-              <a:buNone/>
-            </a:pPr>
-            <a:r>
-              <a:rPr lang="pt-BR" sz="2400" b="1" dirty="0" err="1">
-                <a:solidFill>
-                  <a:schemeClr val="tx1"/>
-                </a:solidFill>
-                <a:latin typeface="Times New Roman" panose="02020603050405020304" pitchFamily="18" charset="0"/>
-                <a:cs typeface="Times New Roman" panose="02020603050405020304" pitchFamily="18" charset="0"/>
-              </a:rPr>
-              <a:t>let</a:t>
-            </a:r>
-            <a:r>
-              <a:rPr lang="pt-BR" sz="2400" dirty="0">
-                <a:solidFill>
-                  <a:schemeClr val="tx1"/>
-                </a:solidFill>
-                <a:latin typeface="Times New Roman" panose="02020603050405020304" pitchFamily="18" charset="0"/>
-                <a:cs typeface="Times New Roman" panose="02020603050405020304" pitchFamily="18" charset="0"/>
-              </a:rPr>
-              <a:t> </a:t>
+                  <a:srgbClr val="FF0000"/>
+                </a:solidFill>
+                <a:latin typeface="Times New Roman" panose="02020603050405020304" pitchFamily="18" charset="0"/>
+                <a:cs typeface="Times New Roman" panose="02020603050405020304" pitchFamily="18" charset="0"/>
+              </a:rPr>
+              <a:t>		for ... in {</a:t>
             </a:r>
             <a:r>
               <a:rPr lang="pt-BR" sz="2400" b="1" dirty="0">
                 <a:solidFill>
+                  <a:schemeClr val="tx1"/>
+                </a:solidFill>
+                <a:latin typeface="Times New Roman" panose="02020603050405020304" pitchFamily="18" charset="0"/>
+                <a:cs typeface="Times New Roman" panose="02020603050405020304" pitchFamily="18" charset="0"/>
+              </a:rPr>
+              <a:t> instruções </a:t>
+            </a:r>
+            <a:r>
+              <a:rPr lang="pt-BR" sz="2400" b="1" dirty="0">
+                <a:solidFill>
                   <a:srgbClr val="FF0000"/>
                 </a:solidFill>
                 <a:latin typeface="Times New Roman" panose="02020603050405020304" pitchFamily="18" charset="0"/>
                 <a:cs typeface="Times New Roman" panose="02020603050405020304" pitchFamily="18" charset="0"/>
               </a:rPr>
-              <a:t>lista</a:t>
-            </a:r>
-            <a:r>
-              <a:rPr lang="pt-BR" sz="2400" dirty="0">
-                <a:solidFill>
-                  <a:schemeClr val="tx1"/>
-                </a:solidFill>
-                <a:latin typeface="Times New Roman" panose="02020603050405020304" pitchFamily="18" charset="0"/>
-                <a:cs typeface="Times New Roman" panose="02020603050405020304" pitchFamily="18" charset="0"/>
-              </a:rPr>
-              <a:t> = [Julia', 'Paulo’, Josy’];</a:t>
-            </a:r>
-          </a:p>
-          <a:p>
-            <a:pPr marL="1841500" lvl="4" indent="0" algn="just">
+              <a:t>}</a:t>
+            </a:r>
+          </a:p>
+          <a:p>
+            <a:pPr marL="0" indent="0" algn="just">
               <a:buNone/>
             </a:pPr>
             <a:endParaRPr lang="pt-BR" sz="2400" b="1" dirty="0">
@@ -13212,7 +13204,7 @@
             </a:endParaRPr>
           </a:p>
           <a:p>
-            <a:pPr marL="1841500" lvl="4" indent="0" algn="just">
+            <a:pPr marL="0" indent="0" algn="just">
               <a:buNone/>
             </a:pPr>
             <a:r>
@@ -13223,7 +13215,62 @@
                 <a:latin typeface="Times New Roman" panose="02020603050405020304" pitchFamily="18" charset="0"/>
                 <a:cs typeface="Times New Roman" panose="02020603050405020304" pitchFamily="18" charset="0"/>
               </a:rPr>
-              <a:t>for</a:t>
+              <a:t>		</a:t>
+            </a:r>
+            <a:r>
+              <a:rPr lang="pt-BR" sz="2400" b="1" dirty="0" err="1">
+                <a:solidFill>
+                  <a:schemeClr val="tx1"/>
+                </a:solidFill>
+                <a:latin typeface="Times New Roman" panose="02020603050405020304" pitchFamily="18" charset="0"/>
+                <a:cs typeface="Times New Roman" panose="02020603050405020304" pitchFamily="18" charset="0"/>
+              </a:rPr>
+              <a:t>let</a:t>
+            </a:r>
+            <a:r>
+              <a:rPr lang="pt-BR" sz="2400" dirty="0">
+                <a:solidFill>
+                  <a:schemeClr val="tx1"/>
+                </a:solidFill>
+                <a:latin typeface="Times New Roman" panose="02020603050405020304" pitchFamily="18" charset="0"/>
+                <a:cs typeface="Times New Roman" panose="02020603050405020304" pitchFamily="18" charset="0"/>
+              </a:rPr>
+              <a:t> </a:t>
+            </a:r>
+            <a:r>
+              <a:rPr lang="pt-BR" sz="2400" b="1" dirty="0">
+                <a:solidFill>
+                  <a:srgbClr val="FF0000"/>
+                </a:solidFill>
+                <a:latin typeface="Times New Roman" panose="02020603050405020304" pitchFamily="18" charset="0"/>
+                <a:cs typeface="Times New Roman" panose="02020603050405020304" pitchFamily="18" charset="0"/>
+              </a:rPr>
+              <a:t>lista</a:t>
+            </a:r>
+            <a:r>
+              <a:rPr lang="pt-BR" sz="2400" dirty="0">
+                <a:solidFill>
+                  <a:schemeClr val="tx1"/>
+                </a:solidFill>
+                <a:latin typeface="Times New Roman" panose="02020603050405020304" pitchFamily="18" charset="0"/>
+                <a:cs typeface="Times New Roman" panose="02020603050405020304" pitchFamily="18" charset="0"/>
+              </a:rPr>
+              <a:t> = [Julia', 'Paulo’, Josy’];</a:t>
+            </a:r>
+          </a:p>
+          <a:p>
+            <a:pPr marL="0" indent="0" algn="just">
+              <a:buNone/>
+            </a:pPr>
+            <a:r>
+              <a:rPr lang="pt-BR" sz="2400" b="1" dirty="0">
+                <a:solidFill>
+                  <a:schemeClr val="tx1"/>
+                </a:solidFill>
+                <a:latin typeface="Times New Roman" panose="02020603050405020304" pitchFamily="18" charset="0"/>
+                <a:cs typeface="Times New Roman" panose="02020603050405020304" pitchFamily="18" charset="0"/>
+              </a:rPr>
+              <a:t>		for</a:t>
             </a:r>
             <a:r>
               <a:rPr lang="pt-BR" sz="2400" dirty="0">
@@ -13275,6 +13322,11 @@
               </a:rPr>
               <a:t>) {  </a:t>
             </a:r>
+          </a:p>
+          <a:p>
+            <a:pPr marL="0" indent="0" algn="just">
+              <a:buNone/>
+            </a:pPr>
             <a:r>
               <a:rPr lang="pt-BR" sz="2400" b="1" dirty="0">
                 <a:solidFill>
@@ -13283,7 +13335,7 @@
                 <a:latin typeface="Times New Roman" panose="02020603050405020304" pitchFamily="18" charset="0"/>
                 <a:cs typeface="Times New Roman" panose="02020603050405020304" pitchFamily="18" charset="0"/>
               </a:rPr>
-              <a:t>console</a:t>
+              <a:t>			console</a:t>
             </a:r>
             <a:r>
               <a:rPr lang="pt-BR" sz="2400" dirty="0">
@@ -13313,7 +13365,22 @@
                 <a:latin typeface="Times New Roman" panose="02020603050405020304" pitchFamily="18" charset="0"/>
                 <a:cs typeface="Times New Roman" panose="02020603050405020304" pitchFamily="18" charset="0"/>
               </a:rPr>
-              <a:t>[i]); }</a:t>
+              <a:t>[i]); </a:t>
+            </a:r>
+          </a:p>
+          <a:p>
+            <a:pPr marL="0" indent="0" algn="just">
+              <a:buNone/>
+            </a:pPr>
+            <a:r>
+              <a:rPr lang="pt-BR" sz="2400" dirty="0">
+                <a:solidFill>
+                  <a:schemeClr val="tx1"/>
+                </a:solidFill>
+                <a:latin typeface="Times New Roman" panose="02020603050405020304" pitchFamily="18" charset="0"/>
+                <a:cs typeface="Times New Roman" panose="02020603050405020304" pitchFamily="18" charset="0"/>
+              </a:rPr>
+              <a:t>		}</a:t>
             </a:r>
           </a:p>
         </p:txBody>

--- a/01 Classes/Aula 09 Desenvolvimento Web PHP - JS.pptx
+++ b/01 Classes/Aula 09 Desenvolvimento Web PHP - JS.pptx
@@ -10642,19 +10642,19 @@
               <a:t>Aulas 09</a:t>
             </a:r>
             <a:br>
-              <a:rPr lang="pt-BR" b="1" dirty="0">
+              <a:rPr lang="pt-BR" b="1">
                 <a:solidFill>
                   <a:schemeClr val="bg1"/>
                 </a:solidFill>
               </a:rPr>
             </a:br>
             <a:r>
-              <a:rPr lang="pt-BR" b="1" dirty="0">
+              <a:rPr lang="pt-BR" b="1">
                 <a:solidFill>
                   <a:schemeClr val="bg1"/>
                 </a:solidFill>
               </a:rPr>
-              <a:t>JS</a:t>
+              <a:t>JS </a:t>
             </a:r>
             <a:endParaRPr lang="pt-BR" sz="4800" b="1" dirty="0">
               <a:solidFill>

--- a/01 Classes/Aula 09 Desenvolvimento Web PHP - JS.pptx
+++ b/01 Classes/Aula 09 Desenvolvimento Web PHP - JS.pptx
@@ -17447,6 +17447,81 @@
               <a:t>: </a:t>
             </a:r>
             <a:r>
+              <a:rPr lang="pt-BR" sz="2400" b="1" dirty="0" err="1">
+                <a:solidFill>
+                  <a:srgbClr val="FF0000"/>
+                </a:solidFill>
+                <a:latin typeface="Times New Roman" panose="02020603050405020304" pitchFamily="18" charset="0"/>
+                <a:cs typeface="Times New Roman" panose="02020603050405020304" pitchFamily="18" charset="0"/>
+              </a:rPr>
+              <a:t>indexOf</a:t>
+            </a:r>
+            <a:r>
+              <a:rPr lang="pt-BR" sz="2400" dirty="0">
+                <a:solidFill>
+                  <a:schemeClr val="tx1"/>
+                </a:solidFill>
+                <a:latin typeface="Times New Roman" panose="02020603050405020304" pitchFamily="18" charset="0"/>
+                <a:cs typeface="Times New Roman" panose="02020603050405020304" pitchFamily="18" charset="0"/>
+              </a:rPr>
+              <a:t>(elemento); </a:t>
+            </a:r>
+            <a:r>
+              <a:rPr lang="pt-BR" sz="2400" b="1" dirty="0" err="1">
+                <a:solidFill>
+                  <a:srgbClr val="FF0000"/>
+                </a:solidFill>
+                <a:latin typeface="Times New Roman" panose="02020603050405020304" pitchFamily="18" charset="0"/>
+                <a:cs typeface="Times New Roman" panose="02020603050405020304" pitchFamily="18" charset="0"/>
+              </a:rPr>
+              <a:t>push</a:t>
+            </a:r>
+            <a:r>
+              <a:rPr lang="pt-BR" sz="2400" dirty="0">
+                <a:solidFill>
+                  <a:schemeClr val="tx1"/>
+                </a:solidFill>
+                <a:latin typeface="Times New Roman" panose="02020603050405020304" pitchFamily="18" charset="0"/>
+                <a:cs typeface="Times New Roman" panose="02020603050405020304" pitchFamily="18" charset="0"/>
+              </a:rPr>
+              <a:t>(elemento); </a:t>
+            </a:r>
+            <a:r>
+              <a:rPr lang="pt-BR" sz="2400" b="1" dirty="0">
+                <a:solidFill>
+                  <a:srgbClr val="FF0000"/>
+                </a:solidFill>
+                <a:latin typeface="Times New Roman" panose="02020603050405020304" pitchFamily="18" charset="0"/>
+                <a:cs typeface="Times New Roman" panose="02020603050405020304" pitchFamily="18" charset="0"/>
+              </a:rPr>
+              <a:t>pop</a:t>
+            </a:r>
+            <a:r>
+              <a:rPr lang="pt-BR" sz="2400" dirty="0">
+                <a:solidFill>
+                  <a:schemeClr val="tx1"/>
+                </a:solidFill>
+                <a:latin typeface="Times New Roman" panose="02020603050405020304" pitchFamily="18" charset="0"/>
+                <a:cs typeface="Times New Roman" panose="02020603050405020304" pitchFamily="18" charset="0"/>
+              </a:rPr>
+              <a:t>(elemento);  </a:t>
+            </a:r>
+          </a:p>
+          <a:p>
+            <a:pPr marL="0" indent="0" algn="just">
+              <a:buNone/>
+            </a:pPr>
+            <a:r>
+              <a:rPr lang="pt-BR" sz="2400" dirty="0">
+                <a:solidFill>
+                  <a:schemeClr val="tx1"/>
+                </a:solidFill>
+                <a:latin typeface="Times New Roman" panose="02020603050405020304" pitchFamily="18" charset="0"/>
+                <a:cs typeface="Times New Roman" panose="02020603050405020304" pitchFamily="18" charset="0"/>
+              </a:rPr>
+              <a:t>		     </a:t>
+            </a:r>
+            <a:r>
               <a:rPr lang="pt-BR" sz="2400" dirty="0" err="1">
                 <a:solidFill>
                   <a:schemeClr val="tx1"/>
@@ -17454,37 +17529,87 @@
                 <a:latin typeface="Times New Roman" panose="02020603050405020304" pitchFamily="18" charset="0"/>
                 <a:cs typeface="Times New Roman" panose="02020603050405020304" pitchFamily="18" charset="0"/>
               </a:rPr>
-              <a:t>indexOf</a:t>
-            </a:r>
-            <a:r>
-              <a:rPr lang="pt-BR" sz="2400" dirty="0">
-                <a:solidFill>
-                  <a:schemeClr val="tx1"/>
-                </a:solidFill>
-                <a:latin typeface="Times New Roman" panose="02020603050405020304" pitchFamily="18" charset="0"/>
-                <a:cs typeface="Times New Roman" panose="02020603050405020304" pitchFamily="18" charset="0"/>
-              </a:rPr>
-              <a:t>(elemento); </a:t>
-            </a:r>
-            <a:r>
-              <a:rPr lang="pt-BR" sz="2400" dirty="0" err="1">
-                <a:solidFill>
-                  <a:schemeClr val="tx1"/>
-                </a:solidFill>
-                <a:latin typeface="Times New Roman" panose="02020603050405020304" pitchFamily="18" charset="0"/>
-                <a:cs typeface="Times New Roman" panose="02020603050405020304" pitchFamily="18" charset="0"/>
-              </a:rPr>
-              <a:t>push</a:t>
-            </a:r>
-            <a:r>
-              <a:rPr lang="pt-BR" sz="2400" dirty="0">
-                <a:solidFill>
-                  <a:schemeClr val="tx1"/>
-                </a:solidFill>
-                <a:latin typeface="Times New Roman" panose="02020603050405020304" pitchFamily="18" charset="0"/>
-                <a:cs typeface="Times New Roman" panose="02020603050405020304" pitchFamily="18" charset="0"/>
-              </a:rPr>
-              <a:t>(elemento); pop(elemento);  </a:t>
+              <a:t>Array.</a:t>
+            </a:r>
+            <a:r>
+              <a:rPr lang="pt-BR" sz="2400" b="1" dirty="0" err="1">
+                <a:solidFill>
+                  <a:srgbClr val="FF0000"/>
+                </a:solidFill>
+                <a:latin typeface="Times New Roman" panose="02020603050405020304" pitchFamily="18" charset="0"/>
+                <a:cs typeface="Times New Roman" panose="02020603050405020304" pitchFamily="18" charset="0"/>
+              </a:rPr>
+              <a:t>isArray</a:t>
+            </a:r>
+            <a:r>
+              <a:rPr lang="pt-BR" sz="2400" dirty="0">
+                <a:solidFill>
+                  <a:schemeClr val="tx1"/>
+                </a:solidFill>
+                <a:latin typeface="Times New Roman" panose="02020603050405020304" pitchFamily="18" charset="0"/>
+                <a:cs typeface="Times New Roman" panose="02020603050405020304" pitchFamily="18" charset="0"/>
+              </a:rPr>
+              <a:t>(variável), </a:t>
+            </a:r>
+            <a:r>
+              <a:rPr lang="pt-BR" sz="2400" b="1" dirty="0">
+                <a:solidFill>
+                  <a:srgbClr val="FF0000"/>
+                </a:solidFill>
+                <a:latin typeface="Times New Roman" panose="02020603050405020304" pitchFamily="18" charset="0"/>
+                <a:cs typeface="Times New Roman" panose="02020603050405020304" pitchFamily="18" charset="0"/>
+              </a:rPr>
+              <a:t>delete</a:t>
+            </a:r>
+            <a:r>
+              <a:rPr lang="pt-BR" sz="2400" dirty="0">
+                <a:solidFill>
+                  <a:schemeClr val="tx1"/>
+                </a:solidFill>
+                <a:latin typeface="Times New Roman" panose="02020603050405020304" pitchFamily="18" charset="0"/>
+                <a:cs typeface="Times New Roman" panose="02020603050405020304" pitchFamily="18" charset="0"/>
+              </a:rPr>
+              <a:t> lista[</a:t>
+            </a:r>
+            <a:r>
+              <a:rPr lang="pt-BR" sz="2400" b="1" dirty="0">
+                <a:solidFill>
+                  <a:schemeClr val="tx1"/>
+                </a:solidFill>
+                <a:latin typeface="Times New Roman" panose="02020603050405020304" pitchFamily="18" charset="0"/>
+                <a:cs typeface="Times New Roman" panose="02020603050405020304" pitchFamily="18" charset="0"/>
+              </a:rPr>
+              <a:t>x</a:t>
+            </a:r>
+            <a:r>
+              <a:rPr lang="pt-BR" sz="2400" dirty="0">
+                <a:solidFill>
+                  <a:schemeClr val="tx1"/>
+                </a:solidFill>
+                <a:latin typeface="Times New Roman" panose="02020603050405020304" pitchFamily="18" charset="0"/>
+                <a:cs typeface="Times New Roman" panose="02020603050405020304" pitchFamily="18" charset="0"/>
+              </a:rPr>
+              <a:t>], </a:t>
+            </a:r>
+            <a:r>
+              <a:rPr lang="pt-BR" sz="2400" b="1" dirty="0" err="1">
+                <a:solidFill>
+                  <a:schemeClr val="tx1"/>
+                </a:solidFill>
+                <a:latin typeface="Times New Roman" panose="02020603050405020304" pitchFamily="18" charset="0"/>
+                <a:cs typeface="Times New Roman" panose="02020603050405020304" pitchFamily="18" charset="0"/>
+              </a:rPr>
+              <a:t>etc</a:t>
+            </a:r>
+            <a:r>
+              <a:rPr lang="pt-BR" sz="2400" dirty="0">
+                <a:solidFill>
+                  <a:schemeClr val="tx1"/>
+                </a:solidFill>
+                <a:latin typeface="Times New Roman" panose="02020603050405020304" pitchFamily="18" charset="0"/>
+                <a:cs typeface="Times New Roman" panose="02020603050405020304" pitchFamily="18" charset="0"/>
+              </a:rPr>
+              <a:t>; </a:t>
             </a:r>
           </a:p>
           <a:p>
@@ -17492,61 +17617,6 @@
               <a:buNone/>
             </a:pPr>
             <a:r>
-              <a:rPr lang="pt-BR" sz="2400" dirty="0">
-                <a:solidFill>
-                  <a:schemeClr val="tx1"/>
-                </a:solidFill>
-                <a:latin typeface="Times New Roman" panose="02020603050405020304" pitchFamily="18" charset="0"/>
-                <a:cs typeface="Times New Roman" panose="02020603050405020304" pitchFamily="18" charset="0"/>
-              </a:rPr>
-              <a:t>		     </a:t>
-            </a:r>
-            <a:r>
-              <a:rPr lang="pt-BR" sz="2400" dirty="0" err="1">
-                <a:solidFill>
-                  <a:schemeClr val="tx1"/>
-                </a:solidFill>
-                <a:latin typeface="Times New Roman" panose="02020603050405020304" pitchFamily="18" charset="0"/>
-                <a:cs typeface="Times New Roman" panose="02020603050405020304" pitchFamily="18" charset="0"/>
-              </a:rPr>
-              <a:t>Array.isArray</a:t>
-            </a:r>
-            <a:r>
-              <a:rPr lang="pt-BR" sz="2400" dirty="0">
-                <a:solidFill>
-                  <a:schemeClr val="tx1"/>
-                </a:solidFill>
-                <a:latin typeface="Times New Roman" panose="02020603050405020304" pitchFamily="18" charset="0"/>
-                <a:cs typeface="Times New Roman" panose="02020603050405020304" pitchFamily="18" charset="0"/>
-              </a:rPr>
-              <a:t>(variável), </a:t>
-            </a:r>
-            <a:r>
-              <a:rPr lang="pt-BR" sz="2400" dirty="0" err="1">
-                <a:solidFill>
-                  <a:schemeClr val="tx1"/>
-                </a:solidFill>
-                <a:latin typeface="Times New Roman" panose="02020603050405020304" pitchFamily="18" charset="0"/>
-                <a:cs typeface="Times New Roman" panose="02020603050405020304" pitchFamily="18" charset="0"/>
-              </a:rPr>
-              <a:t>etc</a:t>
-            </a:r>
-            <a:r>
-              <a:rPr lang="pt-BR" sz="2400" dirty="0">
-                <a:solidFill>
-                  <a:schemeClr val="tx1"/>
-                </a:solidFill>
-                <a:latin typeface="Times New Roman" panose="02020603050405020304" pitchFamily="18" charset="0"/>
-                <a:cs typeface="Times New Roman" panose="02020603050405020304" pitchFamily="18" charset="0"/>
-              </a:rPr>
-              <a:t>; </a:t>
-            </a:r>
-          </a:p>
-          <a:p>
-            <a:pPr marL="0" indent="0" algn="just">
-              <a:buNone/>
-            </a:pPr>
-            <a:r>
               <a:rPr lang="pt-BR" sz="2400" b="1" dirty="0">
                 <a:solidFill>
                   <a:schemeClr val="tx1"/>
@@ -17577,7 +17647,7 @@
               <a:t> </a:t>
             </a:r>
             <a:r>
-              <a:rPr lang="pt-BR" sz="2400" dirty="0" err="1">
+              <a:rPr lang="pt-BR" sz="2400" b="1" dirty="0" err="1">
                 <a:solidFill>
                   <a:schemeClr val="tx1"/>
                 </a:solidFill>
@@ -18196,7 +18266,17 @@
                 <a:latin typeface="Times New Roman" panose="02020603050405020304" pitchFamily="18" charset="0"/>
                 <a:cs typeface="Times New Roman" panose="02020603050405020304" pitchFamily="18" charset="0"/>
               </a:rPr>
-              <a:t>lista.join</a:t>
+              <a:t>lista.</a:t>
+            </a:r>
+            <a:r>
+              <a:rPr lang="pt-BR" sz="2400" b="1" dirty="0" err="1">
+                <a:solidFill>
+                  <a:schemeClr val="tx1"/>
+                </a:solidFill>
+                <a:latin typeface="Times New Roman" panose="02020603050405020304" pitchFamily="18" charset="0"/>
+                <a:cs typeface="Times New Roman" panose="02020603050405020304" pitchFamily="18" charset="0"/>
+              </a:rPr>
+              <a:t>join</a:t>
             </a:r>
             <a:r>
               <a:rPr lang="pt-BR" sz="2400" dirty="0">

--- a/01 Classes/Aula 09 Desenvolvimento Web PHP - JS.pptx
+++ b/01 Classes/Aula 09 Desenvolvimento Web PHP - JS.pptx
@@ -11545,7 +11545,7 @@
         </p:nvSpPr>
         <p:spPr>
           <a:xfrm>
-            <a:off x="142865" y="1037311"/>
+            <a:off x="142865" y="1050011"/>
             <a:ext cx="8865056" cy="4035729"/>
           </a:xfrm>
         </p:spPr>
@@ -11616,7 +11616,7 @@
                 <a:latin typeface="Times New Roman" panose="02020603050405020304" pitchFamily="18" charset="0"/>
                 <a:cs typeface="Times New Roman" panose="02020603050405020304" pitchFamily="18" charset="0"/>
               </a:rPr>
-              <a:t>	&lt;p id = “</a:t>
+              <a:t>	&lt;p id = "</a:t>
             </a:r>
             <a:r>
               <a:rPr lang="pt-BR" sz="1400" dirty="0" err="1">
@@ -11636,7 +11636,7 @@
                 <a:latin typeface="Times New Roman" panose="02020603050405020304" pitchFamily="18" charset="0"/>
                 <a:cs typeface="Times New Roman" panose="02020603050405020304" pitchFamily="18" charset="0"/>
               </a:rPr>
-              <a:t>”&gt;&lt;/p&gt;&lt;</a:t>
+              <a:t>"&gt;&lt;/p&gt;&lt;</a:t>
             </a:r>
             <a:r>
               <a:rPr lang="pt-BR" sz="1400" dirty="0" err="1">
@@ -11691,7 +11691,7 @@
                 <a:latin typeface="Times New Roman" panose="02020603050405020304" pitchFamily="18" charset="0"/>
                 <a:cs typeface="Times New Roman" panose="02020603050405020304" pitchFamily="18" charset="0"/>
               </a:rPr>
-              <a:t>  id = “</a:t>
+              <a:t>  id = "</a:t>
             </a:r>
             <a:r>
               <a:rPr lang="pt-BR" sz="1400" dirty="0" err="1">
@@ -11711,7 +11711,7 @@
                 <a:latin typeface="Times New Roman" panose="02020603050405020304" pitchFamily="18" charset="0"/>
                 <a:cs typeface="Times New Roman" panose="02020603050405020304" pitchFamily="18" charset="0"/>
               </a:rPr>
-              <a:t>” </a:t>
+              <a:t>" </a:t>
             </a:r>
             <a:r>
               <a:rPr lang="pt-BR" sz="1400" dirty="0" err="1">
@@ -11731,7 +11731,7 @@
                 <a:latin typeface="Times New Roman" panose="02020603050405020304" pitchFamily="18" charset="0"/>
                 <a:cs typeface="Times New Roman" panose="02020603050405020304" pitchFamily="18" charset="0"/>
               </a:rPr>
-              <a:t>=“</a:t>
+              <a:t>="</a:t>
             </a:r>
             <a:r>
               <a:rPr lang="pt-BR" sz="1400" dirty="0" err="1">
@@ -11751,7 +11751,7 @@
                 <a:latin typeface="Times New Roman" panose="02020603050405020304" pitchFamily="18" charset="0"/>
                 <a:cs typeface="Times New Roman" panose="02020603050405020304" pitchFamily="18" charset="0"/>
               </a:rPr>
-              <a:t>” </a:t>
+              <a:t>" </a:t>
             </a:r>
             <a:r>
               <a:rPr lang="pt-BR" sz="1400" dirty="0" err="1">
@@ -11771,7 +11771,7 @@
                 <a:latin typeface="Times New Roman" panose="02020603050405020304" pitchFamily="18" charset="0"/>
                 <a:cs typeface="Times New Roman" panose="02020603050405020304" pitchFamily="18" charset="0"/>
               </a:rPr>
-              <a:t>=“Nome?”&gt;</a:t>
+              <a:t>="Nome? "&gt;</a:t>
             </a:r>
           </a:p>
           <a:p>
@@ -11826,7 +11826,7 @@
                 <a:latin typeface="Times New Roman" panose="02020603050405020304" pitchFamily="18" charset="0"/>
                 <a:cs typeface="Times New Roman" panose="02020603050405020304" pitchFamily="18" charset="0"/>
               </a:rPr>
-              <a:t>=“</a:t>
+              <a:t>="</a:t>
             </a:r>
             <a:r>
               <a:rPr lang="pt-BR" sz="1400" b="1" dirty="0" err="1">
@@ -11846,7 +11846,7 @@
                 <a:latin typeface="Times New Roman" panose="02020603050405020304" pitchFamily="18" charset="0"/>
                 <a:cs typeface="Times New Roman" panose="02020603050405020304" pitchFamily="18" charset="0"/>
               </a:rPr>
-              <a:t>()”&gt;Confirmar&lt;/</a:t>
+              <a:t>()"&gt;Confirmar&lt;/</a:t>
             </a:r>
             <a:r>
               <a:rPr lang="pt-BR" sz="1400" dirty="0" err="1">
@@ -12011,7 +12011,7 @@
                 <a:latin typeface="Times New Roman" panose="02020603050405020304" pitchFamily="18" charset="0"/>
                 <a:cs typeface="Times New Roman" panose="02020603050405020304" pitchFamily="18" charset="0"/>
               </a:rPr>
-              <a:t>(“</a:t>
+              <a:t>("</a:t>
             </a:r>
             <a:r>
               <a:rPr lang="pt-BR" sz="1400" dirty="0" err="1">
@@ -12031,7 +12031,7 @@
                 <a:latin typeface="Times New Roman" panose="02020603050405020304" pitchFamily="18" charset="0"/>
                 <a:cs typeface="Times New Roman" panose="02020603050405020304" pitchFamily="18" charset="0"/>
               </a:rPr>
-              <a:t>”).</a:t>
+              <a:t>").</a:t>
             </a:r>
             <a:r>
               <a:rPr lang="pt-BR" sz="1400" dirty="0" err="1">
@@ -12043,6 +12043,18 @@
               </a:rPr>
               <a:t>value</a:t>
             </a:r>
+            <a:endParaRPr lang="pt-BR" sz="1400" dirty="0">
+              <a:solidFill>
+                <a:schemeClr val="tx1"/>
+              </a:solidFill>
+              <a:latin typeface="Times New Roman" panose="02020603050405020304" pitchFamily="18" charset="0"/>
+              <a:cs typeface="Times New Roman" panose="02020603050405020304" pitchFamily="18" charset="0"/>
+            </a:endParaRPr>
+          </a:p>
+          <a:p>
+            <a:pPr marL="0" indent="0" algn="just">
+              <a:buNone/>
+            </a:pPr>
             <a:r>
               <a:rPr lang="pt-BR" sz="1400" dirty="0">
                 <a:solidFill>
@@ -12051,7 +12063,47 @@
                 <a:latin typeface="Times New Roman" panose="02020603050405020304" pitchFamily="18" charset="0"/>
                 <a:cs typeface="Times New Roman" panose="02020603050405020304" pitchFamily="18" charset="0"/>
               </a:rPr>
-              <a:t>;</a:t>
+              <a:t>			</a:t>
+            </a:r>
+            <a:r>
+              <a:rPr lang="pt-BR" sz="1400" b="1" dirty="0" err="1">
+                <a:solidFill>
+                  <a:schemeClr val="tx1"/>
+                </a:solidFill>
+                <a:latin typeface="Times New Roman" panose="02020603050405020304" pitchFamily="18" charset="0"/>
+                <a:cs typeface="Times New Roman" panose="02020603050405020304" pitchFamily="18" charset="0"/>
+              </a:rPr>
+              <a:t>if</a:t>
+            </a:r>
+            <a:r>
+              <a:rPr lang="pt-BR" sz="1400" dirty="0">
+                <a:solidFill>
+                  <a:schemeClr val="tx1"/>
+                </a:solidFill>
+                <a:latin typeface="Times New Roman" panose="02020603050405020304" pitchFamily="18" charset="0"/>
+                <a:cs typeface="Times New Roman" panose="02020603050405020304" pitchFamily="18" charset="0"/>
+              </a:rPr>
+              <a:t> ( nome == ""  || nome == </a:t>
+            </a:r>
+            <a:r>
+              <a:rPr lang="pt-BR" sz="1400" dirty="0" err="1">
+                <a:solidFill>
+                  <a:schemeClr val="tx1"/>
+                </a:solidFill>
+                <a:latin typeface="Times New Roman" panose="02020603050405020304" pitchFamily="18" charset="0"/>
+                <a:cs typeface="Times New Roman" panose="02020603050405020304" pitchFamily="18" charset="0"/>
+              </a:rPr>
+              <a:t>null</a:t>
+            </a:r>
+            <a:r>
+              <a:rPr lang="pt-BR" sz="1400" dirty="0">
+                <a:solidFill>
+                  <a:schemeClr val="tx1"/>
+                </a:solidFill>
+                <a:latin typeface="Times New Roman" panose="02020603050405020304" pitchFamily="18" charset="0"/>
+                <a:cs typeface="Times New Roman" panose="02020603050405020304" pitchFamily="18" charset="0"/>
+              </a:rPr>
+              <a:t> ) {</a:t>
             </a:r>
           </a:p>
           <a:p>
@@ -12066,7 +12118,7 @@
                 <a:latin typeface="Times New Roman" panose="02020603050405020304" pitchFamily="18" charset="0"/>
                 <a:cs typeface="Times New Roman" panose="02020603050405020304" pitchFamily="18" charset="0"/>
               </a:rPr>
-              <a:t>			</a:t>
+              <a:t>			 	</a:t>
             </a:r>
             <a:r>
               <a:rPr lang="pt-BR" sz="1400" b="1" dirty="0" err="1">
@@ -12076,7 +12128,7 @@
                 <a:latin typeface="Times New Roman" panose="02020603050405020304" pitchFamily="18" charset="0"/>
                 <a:cs typeface="Times New Roman" panose="02020603050405020304" pitchFamily="18" charset="0"/>
               </a:rPr>
-              <a:t>if</a:t>
+              <a:t>let</a:t>
             </a:r>
             <a:r>
               <a:rPr lang="pt-BR" sz="1400" dirty="0">
@@ -12086,7 +12138,7 @@
                 <a:latin typeface="Times New Roman" panose="02020603050405020304" pitchFamily="18" charset="0"/>
                 <a:cs typeface="Times New Roman" panose="02020603050405020304" pitchFamily="18" charset="0"/>
               </a:rPr>
-              <a:t> ( nome == “” || nome </a:t>
+              <a:t> p = </a:t>
             </a:r>
             <a:r>
               <a:rPr lang="pt-BR" sz="1400" dirty="0" err="1">
@@ -12096,7 +12148,7 @@
                 <a:latin typeface="Times New Roman" panose="02020603050405020304" pitchFamily="18" charset="0"/>
                 <a:cs typeface="Times New Roman" panose="02020603050405020304" pitchFamily="18" charset="0"/>
               </a:rPr>
-              <a:t>is</a:t>
+              <a:t>document.getElementById</a:t>
             </a:r>
             <a:r>
               <a:rPr lang="pt-BR" sz="1400" dirty="0">
@@ -12106,7 +12158,7 @@
                 <a:latin typeface="Times New Roman" panose="02020603050405020304" pitchFamily="18" charset="0"/>
                 <a:cs typeface="Times New Roman" panose="02020603050405020304" pitchFamily="18" charset="0"/>
               </a:rPr>
-              <a:t> </a:t>
+              <a:t>("</a:t>
             </a:r>
             <a:r>
               <a:rPr lang="pt-BR" sz="1400" dirty="0" err="1">
@@ -12116,7 +12168,7 @@
                 <a:latin typeface="Times New Roman" panose="02020603050405020304" pitchFamily="18" charset="0"/>
                 <a:cs typeface="Times New Roman" panose="02020603050405020304" pitchFamily="18" charset="0"/>
               </a:rPr>
-              <a:t>null</a:t>
+              <a:t>IdMensagem</a:t>
             </a:r>
             <a:r>
               <a:rPr lang="pt-BR" sz="1400" dirty="0">
@@ -12126,7 +12178,7 @@
                 <a:latin typeface="Times New Roman" panose="02020603050405020304" pitchFamily="18" charset="0"/>
                 <a:cs typeface="Times New Roman" panose="02020603050405020304" pitchFamily="18" charset="0"/>
               </a:rPr>
-              <a:t> ) {</a:t>
+              <a:t>")</a:t>
             </a:r>
           </a:p>
           <a:p>
@@ -12141,17 +12193,17 @@
                 <a:latin typeface="Times New Roman" panose="02020603050405020304" pitchFamily="18" charset="0"/>
                 <a:cs typeface="Times New Roman" panose="02020603050405020304" pitchFamily="18" charset="0"/>
               </a:rPr>
-              <a:t>			 	</a:t>
-            </a:r>
-            <a:r>
-              <a:rPr lang="pt-BR" sz="1400" b="1" dirty="0" err="1">
-                <a:solidFill>
-                  <a:schemeClr val="tx1"/>
-                </a:solidFill>
-                <a:latin typeface="Times New Roman" panose="02020603050405020304" pitchFamily="18" charset="0"/>
-                <a:cs typeface="Times New Roman" panose="02020603050405020304" pitchFamily="18" charset="0"/>
-              </a:rPr>
-              <a:t>let</a:t>
+              <a:t>				</a:t>
+            </a:r>
+            <a:r>
+              <a:rPr lang="pt-BR" sz="1400" dirty="0" err="1">
+                <a:solidFill>
+                  <a:schemeClr val="tx1"/>
+                </a:solidFill>
+                <a:latin typeface="Times New Roman" panose="02020603050405020304" pitchFamily="18" charset="0"/>
+                <a:cs typeface="Times New Roman" panose="02020603050405020304" pitchFamily="18" charset="0"/>
+              </a:rPr>
+              <a:t>p.innerHTML</a:t>
             </a:r>
             <a:r>
               <a:rPr lang="pt-BR" sz="1400" dirty="0">
@@ -12161,82 +12213,7 @@
                 <a:latin typeface="Times New Roman" panose="02020603050405020304" pitchFamily="18" charset="0"/>
                 <a:cs typeface="Times New Roman" panose="02020603050405020304" pitchFamily="18" charset="0"/>
               </a:rPr>
-              <a:t> p = </a:t>
-            </a:r>
-            <a:r>
-              <a:rPr lang="pt-BR" sz="1400" dirty="0" err="1">
-                <a:solidFill>
-                  <a:schemeClr val="tx1"/>
-                </a:solidFill>
-                <a:latin typeface="Times New Roman" panose="02020603050405020304" pitchFamily="18" charset="0"/>
-                <a:cs typeface="Times New Roman" panose="02020603050405020304" pitchFamily="18" charset="0"/>
-              </a:rPr>
-              <a:t>document.getElementById</a:t>
-            </a:r>
-            <a:r>
-              <a:rPr lang="pt-BR" sz="1400" dirty="0">
-                <a:solidFill>
-                  <a:schemeClr val="tx1"/>
-                </a:solidFill>
-                <a:latin typeface="Times New Roman" panose="02020603050405020304" pitchFamily="18" charset="0"/>
-                <a:cs typeface="Times New Roman" panose="02020603050405020304" pitchFamily="18" charset="0"/>
-              </a:rPr>
-              <a:t>(“</a:t>
-            </a:r>
-            <a:r>
-              <a:rPr lang="pt-BR" sz="1400" dirty="0" err="1">
-                <a:solidFill>
-                  <a:schemeClr val="tx1"/>
-                </a:solidFill>
-                <a:latin typeface="Times New Roman" panose="02020603050405020304" pitchFamily="18" charset="0"/>
-                <a:cs typeface="Times New Roman" panose="02020603050405020304" pitchFamily="18" charset="0"/>
-              </a:rPr>
-              <a:t>IdMensagem</a:t>
-            </a:r>
-            <a:r>
-              <a:rPr lang="pt-BR" sz="1400" dirty="0">
-                <a:solidFill>
-                  <a:schemeClr val="tx1"/>
-                </a:solidFill>
-                <a:latin typeface="Times New Roman" panose="02020603050405020304" pitchFamily="18" charset="0"/>
-                <a:cs typeface="Times New Roman" panose="02020603050405020304" pitchFamily="18" charset="0"/>
-              </a:rPr>
-              <a:t>”);</a:t>
-            </a:r>
-          </a:p>
-          <a:p>
-            <a:pPr marL="0" indent="0" algn="just">
-              <a:buNone/>
-            </a:pPr>
-            <a:r>
-              <a:rPr lang="pt-BR" sz="1400" dirty="0">
-                <a:solidFill>
-                  <a:schemeClr val="tx1"/>
-                </a:solidFill>
-                <a:latin typeface="Times New Roman" panose="02020603050405020304" pitchFamily="18" charset="0"/>
-                <a:cs typeface="Times New Roman" panose="02020603050405020304" pitchFamily="18" charset="0"/>
-              </a:rPr>
-              <a:t>				</a:t>
-            </a:r>
-            <a:r>
-              <a:rPr lang="pt-BR" sz="1400" dirty="0" err="1">
-                <a:solidFill>
-                  <a:schemeClr val="tx1"/>
-                </a:solidFill>
-                <a:latin typeface="Times New Roman" panose="02020603050405020304" pitchFamily="18" charset="0"/>
-                <a:cs typeface="Times New Roman" panose="02020603050405020304" pitchFamily="18" charset="0"/>
-              </a:rPr>
-              <a:t>p.innerHTML</a:t>
-            </a:r>
-            <a:r>
-              <a:rPr lang="pt-BR" sz="1400" dirty="0">
-                <a:solidFill>
-                  <a:schemeClr val="tx1"/>
-                </a:solidFill>
-                <a:latin typeface="Times New Roman" panose="02020603050405020304" pitchFamily="18" charset="0"/>
-                <a:cs typeface="Times New Roman" panose="02020603050405020304" pitchFamily="18" charset="0"/>
-              </a:rPr>
-              <a:t> = “Nome não informado!!!”; }</a:t>
+              <a:t> = "Nome não informado!!!"; }</a:t>
             </a:r>
           </a:p>
           <a:p>
@@ -12588,7 +12565,7 @@
                 <a:latin typeface="Times New Roman" panose="02020603050405020304" pitchFamily="18" charset="0"/>
                 <a:cs typeface="Times New Roman" panose="02020603050405020304" pitchFamily="18" charset="0"/>
               </a:rPr>
-              <a:t>.log("5 x " + i + " = " + 5*i);</a:t>
+              <a:t>.log("5 x " + i + " = " + 5*i)</a:t>
             </a:r>
           </a:p>
           <a:p>
@@ -13255,7 +13232,7 @@
                 <a:latin typeface="Times New Roman" panose="02020603050405020304" pitchFamily="18" charset="0"/>
                 <a:cs typeface="Times New Roman" panose="02020603050405020304" pitchFamily="18" charset="0"/>
               </a:rPr>
-              <a:t> = [Julia', 'Paulo’, Josy’];</a:t>
+              <a:t> = [Julia', 'Paulo’, Josy’]</a:t>
             </a:r>
           </a:p>
           <a:p>
@@ -13365,7 +13342,7 @@
                 <a:latin typeface="Times New Roman" panose="02020603050405020304" pitchFamily="18" charset="0"/>
                 <a:cs typeface="Times New Roman" panose="02020603050405020304" pitchFamily="18" charset="0"/>
               </a:rPr>
-              <a:t>[i]); </a:t>
+              <a:t>[i])</a:t>
             </a:r>
           </a:p>
           <a:p>
@@ -13608,7 +13585,7 @@
                 <a:latin typeface="Times New Roman" panose="02020603050405020304" pitchFamily="18" charset="0"/>
                 <a:cs typeface="Times New Roman" panose="02020603050405020304" pitchFamily="18" charset="0"/>
               </a:rPr>
-              <a:t>    console.log('5 x ' + i + ' = ' + 5*i);</a:t>
+              <a:t>    console.log('5 x ' + i + ' = ' + 5*i)</a:t>
             </a:r>
           </a:p>
           <a:p>
@@ -13623,7 +13600,7 @@
                 <a:latin typeface="Times New Roman" panose="02020603050405020304" pitchFamily="18" charset="0"/>
                 <a:cs typeface="Times New Roman" panose="02020603050405020304" pitchFamily="18" charset="0"/>
               </a:rPr>
-              <a:t>    i++;</a:t>
+              <a:t>    i++</a:t>
             </a:r>
           </a:p>
           <a:p>
@@ -13833,7 +13810,7 @@
                 <a:latin typeface="Times New Roman" panose="02020603050405020304" pitchFamily="18" charset="0"/>
                 <a:cs typeface="Times New Roman" panose="02020603050405020304" pitchFamily="18" charset="0"/>
               </a:rPr>
-              <a:t> contador = 0;</a:t>
+              <a:t> contador = 0</a:t>
             </a:r>
           </a:p>
           <a:p>
@@ -13885,7 +13862,7 @@
                 <a:latin typeface="Times New Roman" panose="02020603050405020304" pitchFamily="18" charset="0"/>
                 <a:cs typeface="Times New Roman" panose="02020603050405020304" pitchFamily="18" charset="0"/>
               </a:rPr>
-              <a:t>	console.log("O contador vale: " + contador);</a:t>
+              <a:t>	console.log("O contador vale: " + contador)</a:t>
             </a:r>
           </a:p>
           <a:p>
@@ -13900,7 +13877,7 @@
                 <a:latin typeface="Times New Roman" panose="02020603050405020304" pitchFamily="18" charset="0"/>
                 <a:cs typeface="Times New Roman" panose="02020603050405020304" pitchFamily="18" charset="0"/>
               </a:rPr>
-              <a:t>	contador++;</a:t>
+              <a:t>	contador++</a:t>
             </a:r>
           </a:p>
           <a:p>

--- a/01 Classes/Aula 09 Desenvolvimento Web PHP - JS.pptx
+++ b/01 Classes/Aula 09 Desenvolvimento Web PHP - JS.pptx
@@ -5282,7 +5282,7 @@
                 <a:latin typeface="Times New Roman" panose="02020603050405020304" pitchFamily="18" charset="0"/>
                 <a:cs typeface="Times New Roman" panose="02020603050405020304" pitchFamily="18" charset="0"/>
               </a:rPr>
-              <a:t> lista = [‘maria’, ‘</a:t>
+              <a:t> lista = ['maria', '</a:t>
             </a:r>
             <a:r>
               <a:rPr lang="pt-BR" sz="2400" dirty="0" err="1">
@@ -5302,7 +5302,7 @@
                 <a:latin typeface="Times New Roman" panose="02020603050405020304" pitchFamily="18" charset="0"/>
                 <a:cs typeface="Times New Roman" panose="02020603050405020304" pitchFamily="18" charset="0"/>
               </a:rPr>
-              <a:t>’, ‘</a:t>
+              <a:t>', '</a:t>
             </a:r>
             <a:r>
               <a:rPr lang="pt-BR" sz="2400" dirty="0" err="1">
@@ -5322,7 +5322,7 @@
                 <a:latin typeface="Times New Roman" panose="02020603050405020304" pitchFamily="18" charset="0"/>
                 <a:cs typeface="Times New Roman" panose="02020603050405020304" pitchFamily="18" charset="0"/>
               </a:rPr>
-              <a:t>’];</a:t>
+              <a:t>'];</a:t>
             </a:r>
           </a:p>
           <a:p>
@@ -5357,7 +5357,7 @@
                 <a:latin typeface="Times New Roman" panose="02020603050405020304" pitchFamily="18" charset="0"/>
                 <a:cs typeface="Times New Roman" panose="02020603050405020304" pitchFamily="18" charset="0"/>
               </a:rPr>
-              <a:t>(1, 0, ‘</a:t>
+              <a:t>(1, 0, '</a:t>
             </a:r>
             <a:r>
               <a:rPr lang="pt-BR" sz="2400" dirty="0" err="1">
@@ -5377,7 +5377,7 @@
                 <a:latin typeface="Times New Roman" panose="02020603050405020304" pitchFamily="18" charset="0"/>
                 <a:cs typeface="Times New Roman" panose="02020603050405020304" pitchFamily="18" charset="0"/>
               </a:rPr>
-              <a:t>’, ‘</a:t>
+              <a:t>', '</a:t>
             </a:r>
             <a:r>
               <a:rPr lang="pt-BR" sz="2400" dirty="0" err="1">
@@ -5397,7 +5397,7 @@
                 <a:latin typeface="Times New Roman" panose="02020603050405020304" pitchFamily="18" charset="0"/>
                 <a:cs typeface="Times New Roman" panose="02020603050405020304" pitchFamily="18" charset="0"/>
               </a:rPr>
-              <a:t>’); // </a:t>
+              <a:t>'); // </a:t>
             </a:r>
             <a:r>
               <a:rPr lang="pt-BR" sz="2400" b="1" dirty="0">
@@ -5437,7 +5437,27 @@
                 <a:latin typeface="Times New Roman" panose="02020603050405020304" pitchFamily="18" charset="0"/>
                 <a:cs typeface="Times New Roman" panose="02020603050405020304" pitchFamily="18" charset="0"/>
               </a:rPr>
-              <a:t>, sem remover da lista; // [‘maria’, </a:t>
+              <a:t>, sem remover da lista; // ['maria', '</a:t>
+            </a:r>
+            <a:r>
+              <a:rPr lang="pt-BR" sz="2400" b="1" dirty="0" err="1">
+                <a:solidFill>
+                  <a:schemeClr val="tx1"/>
+                </a:solidFill>
+                <a:latin typeface="Times New Roman" panose="02020603050405020304" pitchFamily="18" charset="0"/>
+                <a:cs typeface="Times New Roman" panose="02020603050405020304" pitchFamily="18" charset="0"/>
+              </a:rPr>
+              <a:t>meire</a:t>
+            </a:r>
+            <a:r>
+              <a:rPr lang="pt-BR" sz="2400" dirty="0">
+                <a:solidFill>
+                  <a:schemeClr val="tx1"/>
+                </a:solidFill>
+                <a:latin typeface="Times New Roman" panose="02020603050405020304" pitchFamily="18" charset="0"/>
+                <a:cs typeface="Times New Roman" panose="02020603050405020304" pitchFamily="18" charset="0"/>
+              </a:rPr>
+              <a:t>'</a:t>
             </a:r>
             <a:r>
               <a:rPr lang="pt-BR" sz="2400" b="1" dirty="0">
@@ -5447,7 +5467,17 @@
                 <a:latin typeface="Times New Roman" panose="02020603050405020304" pitchFamily="18" charset="0"/>
                 <a:cs typeface="Times New Roman" panose="02020603050405020304" pitchFamily="18" charset="0"/>
               </a:rPr>
-              <a:t>‘</a:t>
+              <a:t>, </a:t>
+            </a:r>
+            <a:r>
+              <a:rPr lang="pt-BR" sz="2400" dirty="0">
+                <a:solidFill>
+                  <a:schemeClr val="tx1"/>
+                </a:solidFill>
+                <a:latin typeface="Times New Roman" panose="02020603050405020304" pitchFamily="18" charset="0"/>
+                <a:cs typeface="Times New Roman" panose="02020603050405020304" pitchFamily="18" charset="0"/>
+              </a:rPr>
+              <a:t>'</a:t>
             </a:r>
             <a:r>
               <a:rPr lang="pt-BR" sz="2400" b="1" dirty="0" err="1">
@@ -5457,9 +5487,134 @@
                 <a:latin typeface="Times New Roman" panose="02020603050405020304" pitchFamily="18" charset="0"/>
                 <a:cs typeface="Times New Roman" panose="02020603050405020304" pitchFamily="18" charset="0"/>
               </a:rPr>
+              <a:t>janice</a:t>
+            </a:r>
+            <a:r>
+              <a:rPr lang="pt-BR" sz="2400" dirty="0">
+                <a:solidFill>
+                  <a:schemeClr val="tx1"/>
+                </a:solidFill>
+                <a:latin typeface="Times New Roman" panose="02020603050405020304" pitchFamily="18" charset="0"/>
+                <a:cs typeface="Times New Roman" panose="02020603050405020304" pitchFamily="18" charset="0"/>
+              </a:rPr>
+              <a:t>', '</a:t>
+            </a:r>
+            <a:r>
+              <a:rPr lang="pt-BR" sz="2400" b="1" dirty="0" err="1">
+                <a:solidFill>
+                  <a:srgbClr val="FF0000"/>
+                </a:solidFill>
+                <a:latin typeface="Times New Roman" panose="02020603050405020304" pitchFamily="18" charset="0"/>
+                <a:cs typeface="Times New Roman" panose="02020603050405020304" pitchFamily="18" charset="0"/>
+              </a:rPr>
+              <a:t>julia</a:t>
+            </a:r>
+            <a:r>
+              <a:rPr lang="pt-BR" sz="2400" dirty="0">
+                <a:solidFill>
+                  <a:schemeClr val="tx1"/>
+                </a:solidFill>
+                <a:latin typeface="Times New Roman" panose="02020603050405020304" pitchFamily="18" charset="0"/>
+                <a:cs typeface="Times New Roman" panose="02020603050405020304" pitchFamily="18" charset="0"/>
+              </a:rPr>
+              <a:t>', '</a:t>
+            </a:r>
+            <a:r>
+              <a:rPr lang="pt-BR" sz="2400" dirty="0" err="1">
+                <a:solidFill>
+                  <a:schemeClr val="tx1"/>
+                </a:solidFill>
+                <a:latin typeface="Times New Roman" panose="02020603050405020304" pitchFamily="18" charset="0"/>
+                <a:cs typeface="Times New Roman" panose="02020603050405020304" pitchFamily="18" charset="0"/>
+              </a:rPr>
+              <a:t>josy</a:t>
+            </a:r>
+            <a:r>
+              <a:rPr lang="pt-BR" sz="2400" dirty="0">
+                <a:solidFill>
+                  <a:schemeClr val="tx1"/>
+                </a:solidFill>
+                <a:latin typeface="Times New Roman" panose="02020603050405020304" pitchFamily="18" charset="0"/>
+                <a:cs typeface="Times New Roman" panose="02020603050405020304" pitchFamily="18" charset="0"/>
+              </a:rPr>
+              <a:t>']</a:t>
+            </a:r>
+          </a:p>
+          <a:p>
+            <a:pPr marL="0" indent="0" algn="just">
+              <a:buNone/>
+            </a:pPr>
+            <a:r>
+              <a:rPr lang="pt-BR" sz="2400" dirty="0" err="1">
+                <a:solidFill>
+                  <a:schemeClr val="tx1"/>
+                </a:solidFill>
+                <a:latin typeface="Times New Roman" panose="02020603050405020304" pitchFamily="18" charset="0"/>
+                <a:cs typeface="Times New Roman" panose="02020603050405020304" pitchFamily="18" charset="0"/>
+              </a:rPr>
+              <a:t>lista.</a:t>
+            </a:r>
+            <a:r>
+              <a:rPr lang="pt-BR" sz="2400" b="1" dirty="0" err="1">
+                <a:solidFill>
+                  <a:schemeClr val="tx1"/>
+                </a:solidFill>
+                <a:latin typeface="Times New Roman" panose="02020603050405020304" pitchFamily="18" charset="0"/>
+                <a:cs typeface="Times New Roman" panose="02020603050405020304" pitchFamily="18" charset="0"/>
+              </a:rPr>
+              <a:t>splice</a:t>
+            </a:r>
+            <a:r>
+              <a:rPr lang="pt-BR" sz="2400" dirty="0">
+                <a:solidFill>
+                  <a:schemeClr val="tx1"/>
+                </a:solidFill>
+                <a:latin typeface="Times New Roman" panose="02020603050405020304" pitchFamily="18" charset="0"/>
+                <a:cs typeface="Times New Roman" panose="02020603050405020304" pitchFamily="18" charset="0"/>
+              </a:rPr>
+              <a:t>(1, 1, '</a:t>
+            </a:r>
+            <a:r>
+              <a:rPr lang="pt-BR" sz="2400" dirty="0" err="1">
+                <a:solidFill>
+                  <a:schemeClr val="tx1"/>
+                </a:solidFill>
+                <a:latin typeface="Times New Roman" panose="02020603050405020304" pitchFamily="18" charset="0"/>
+                <a:cs typeface="Times New Roman" panose="02020603050405020304" pitchFamily="18" charset="0"/>
+              </a:rPr>
               <a:t>meire</a:t>
             </a:r>
             <a:r>
+              <a:rPr lang="pt-BR" sz="2400" dirty="0">
+                <a:solidFill>
+                  <a:schemeClr val="tx1"/>
+                </a:solidFill>
+                <a:latin typeface="Times New Roman" panose="02020603050405020304" pitchFamily="18" charset="0"/>
+                <a:cs typeface="Times New Roman" panose="02020603050405020304" pitchFamily="18" charset="0"/>
+              </a:rPr>
+              <a:t>', '</a:t>
+            </a:r>
+            <a:r>
+              <a:rPr lang="pt-BR" sz="2400" dirty="0" err="1">
+                <a:solidFill>
+                  <a:schemeClr val="tx1"/>
+                </a:solidFill>
+                <a:latin typeface="Times New Roman" panose="02020603050405020304" pitchFamily="18" charset="0"/>
+                <a:cs typeface="Times New Roman" panose="02020603050405020304" pitchFamily="18" charset="0"/>
+              </a:rPr>
+              <a:t>janice</a:t>
+            </a:r>
+            <a:r>
+              <a:rPr lang="pt-BR" sz="2400" dirty="0">
+                <a:solidFill>
+                  <a:schemeClr val="tx1"/>
+                </a:solidFill>
+                <a:latin typeface="Times New Roman" panose="02020603050405020304" pitchFamily="18" charset="0"/>
+                <a:cs typeface="Times New Roman" panose="02020603050405020304" pitchFamily="18" charset="0"/>
+              </a:rPr>
+              <a:t>'); // </a:t>
+            </a:r>
+            <a:r>
               <a:rPr lang="pt-BR" sz="2400" b="1" dirty="0">
                 <a:solidFill>
                   <a:schemeClr val="tx1"/>
@@ -5467,7 +5622,37 @@
                 <a:latin typeface="Times New Roman" panose="02020603050405020304" pitchFamily="18" charset="0"/>
                 <a:cs typeface="Times New Roman" panose="02020603050405020304" pitchFamily="18" charset="0"/>
               </a:rPr>
-              <a:t>’, ‘</a:t>
+              <a:t>insere</a:t>
+            </a:r>
+            <a:r>
+              <a:rPr lang="pt-BR" sz="2400" dirty="0">
+                <a:solidFill>
+                  <a:schemeClr val="tx1"/>
+                </a:solidFill>
+                <a:latin typeface="Times New Roman" panose="02020603050405020304" pitchFamily="18" charset="0"/>
+                <a:cs typeface="Times New Roman" panose="02020603050405020304" pitchFamily="18" charset="0"/>
+              </a:rPr>
+              <a:t> </a:t>
+            </a:r>
+            <a:r>
+              <a:rPr lang="pt-BR" sz="2400" b="1" dirty="0">
+                <a:solidFill>
+                  <a:srgbClr val="FF0000"/>
+                </a:solidFill>
+                <a:latin typeface="Times New Roman" panose="02020603050405020304" pitchFamily="18" charset="0"/>
+                <a:cs typeface="Times New Roman" panose="02020603050405020304" pitchFamily="18" charset="0"/>
+              </a:rPr>
+              <a:t>a partir da posição 1</a:t>
+            </a:r>
+            <a:r>
+              <a:rPr lang="pt-BR" sz="2400" dirty="0">
+                <a:solidFill>
+                  <a:schemeClr val="tx1"/>
+                </a:solidFill>
+                <a:latin typeface="Times New Roman" panose="02020603050405020304" pitchFamily="18" charset="0"/>
+                <a:cs typeface="Times New Roman" panose="02020603050405020304" pitchFamily="18" charset="0"/>
+              </a:rPr>
+              <a:t>, removendo da lista; // ['maria', '</a:t>
             </a:r>
             <a:r>
               <a:rPr lang="pt-BR" sz="2400" b="1" dirty="0" err="1">
@@ -5477,67 +5662,57 @@
                 <a:latin typeface="Times New Roman" panose="02020603050405020304" pitchFamily="18" charset="0"/>
                 <a:cs typeface="Times New Roman" panose="02020603050405020304" pitchFamily="18" charset="0"/>
               </a:rPr>
+              <a:t>meire</a:t>
+            </a:r>
+            <a:r>
+              <a:rPr lang="pt-BR" sz="2400" dirty="0">
+                <a:solidFill>
+                  <a:schemeClr val="tx1"/>
+                </a:solidFill>
+                <a:latin typeface="Times New Roman" panose="02020603050405020304" pitchFamily="18" charset="0"/>
+                <a:cs typeface="Times New Roman" panose="02020603050405020304" pitchFamily="18" charset="0"/>
+              </a:rPr>
+              <a:t>'</a:t>
+            </a:r>
+            <a:r>
+              <a:rPr lang="pt-BR" sz="2400" b="1" dirty="0">
+                <a:solidFill>
+                  <a:schemeClr val="tx1"/>
+                </a:solidFill>
+                <a:latin typeface="Times New Roman" panose="02020603050405020304" pitchFamily="18" charset="0"/>
+                <a:cs typeface="Times New Roman" panose="02020603050405020304" pitchFamily="18" charset="0"/>
+              </a:rPr>
+              <a:t>, </a:t>
+            </a:r>
+            <a:r>
+              <a:rPr lang="pt-BR" sz="2400" dirty="0">
+                <a:solidFill>
+                  <a:schemeClr val="tx1"/>
+                </a:solidFill>
+                <a:latin typeface="Times New Roman" panose="02020603050405020304" pitchFamily="18" charset="0"/>
+                <a:cs typeface="Times New Roman" panose="02020603050405020304" pitchFamily="18" charset="0"/>
+              </a:rPr>
+              <a:t>'</a:t>
+            </a:r>
+            <a:r>
+              <a:rPr lang="pt-BR" sz="2400" b="1" dirty="0" err="1">
+                <a:solidFill>
+                  <a:schemeClr val="tx1"/>
+                </a:solidFill>
+                <a:latin typeface="Times New Roman" panose="02020603050405020304" pitchFamily="18" charset="0"/>
+                <a:cs typeface="Times New Roman" panose="02020603050405020304" pitchFamily="18" charset="0"/>
+              </a:rPr>
               <a:t>janice</a:t>
             </a:r>
             <a:r>
-              <a:rPr lang="pt-BR" sz="2400" b="1" dirty="0">
-                <a:solidFill>
-                  <a:schemeClr val="tx1"/>
-                </a:solidFill>
-                <a:latin typeface="Times New Roman" panose="02020603050405020304" pitchFamily="18" charset="0"/>
-                <a:cs typeface="Times New Roman" panose="02020603050405020304" pitchFamily="18" charset="0"/>
-              </a:rPr>
-              <a:t>’</a:t>
-            </a:r>
-            <a:r>
-              <a:rPr lang="pt-BR" sz="2400" dirty="0">
-                <a:solidFill>
-                  <a:schemeClr val="tx1"/>
-                </a:solidFill>
-                <a:latin typeface="Times New Roman" panose="02020603050405020304" pitchFamily="18" charset="0"/>
-                <a:cs typeface="Times New Roman" panose="02020603050405020304" pitchFamily="18" charset="0"/>
-              </a:rPr>
-              <a:t>, </a:t>
-            </a:r>
-            <a:r>
-              <a:rPr lang="pt-BR" sz="2400" b="1" dirty="0">
-                <a:solidFill>
-                  <a:srgbClr val="FF0000"/>
-                </a:solidFill>
-                <a:latin typeface="Times New Roman" panose="02020603050405020304" pitchFamily="18" charset="0"/>
-                <a:cs typeface="Times New Roman" panose="02020603050405020304" pitchFamily="18" charset="0"/>
-              </a:rPr>
-              <a:t>‘</a:t>
-            </a:r>
-            <a:r>
-              <a:rPr lang="pt-BR" sz="2400" b="1" dirty="0" err="1">
-                <a:solidFill>
-                  <a:srgbClr val="FF0000"/>
-                </a:solidFill>
-                <a:latin typeface="Times New Roman" panose="02020603050405020304" pitchFamily="18" charset="0"/>
-                <a:cs typeface="Times New Roman" panose="02020603050405020304" pitchFamily="18" charset="0"/>
-              </a:rPr>
-              <a:t>julia</a:t>
-            </a:r>
-            <a:r>
-              <a:rPr lang="pt-BR" sz="2400" b="1" dirty="0">
-                <a:solidFill>
-                  <a:srgbClr val="FF0000"/>
-                </a:solidFill>
-                <a:latin typeface="Times New Roman" panose="02020603050405020304" pitchFamily="18" charset="0"/>
-                <a:cs typeface="Times New Roman" panose="02020603050405020304" pitchFamily="18" charset="0"/>
-              </a:rPr>
-              <a:t>’</a:t>
-            </a:r>
-            <a:r>
-              <a:rPr lang="pt-BR" sz="2400" dirty="0">
-                <a:solidFill>
-                  <a:schemeClr val="tx1"/>
-                </a:solidFill>
-                <a:latin typeface="Times New Roman" panose="02020603050405020304" pitchFamily="18" charset="0"/>
-                <a:cs typeface="Times New Roman" panose="02020603050405020304" pitchFamily="18" charset="0"/>
-              </a:rPr>
-              <a:t>, ‘</a:t>
+              <a:rPr lang="pt-BR" sz="2400" dirty="0">
+                <a:solidFill>
+                  <a:schemeClr val="tx1"/>
+                </a:solidFill>
+                <a:latin typeface="Times New Roman" panose="02020603050405020304" pitchFamily="18" charset="0"/>
+                <a:cs typeface="Times New Roman" panose="02020603050405020304" pitchFamily="18" charset="0"/>
+              </a:rPr>
+              <a:t>', '</a:t>
             </a:r>
             <a:r>
               <a:rPr lang="pt-BR" sz="2400" dirty="0" err="1">
@@ -5557,202 +5732,7 @@
                 <a:latin typeface="Times New Roman" panose="02020603050405020304" pitchFamily="18" charset="0"/>
                 <a:cs typeface="Times New Roman" panose="02020603050405020304" pitchFamily="18" charset="0"/>
               </a:rPr>
-              <a:t>’]</a:t>
-            </a:r>
-          </a:p>
-          <a:p>
-            <a:pPr marL="0" indent="0" algn="just">
-              <a:buNone/>
-            </a:pPr>
-            <a:r>
-              <a:rPr lang="pt-BR" sz="2400" dirty="0" err="1">
-                <a:solidFill>
-                  <a:schemeClr val="tx1"/>
-                </a:solidFill>
-                <a:latin typeface="Times New Roman" panose="02020603050405020304" pitchFamily="18" charset="0"/>
-                <a:cs typeface="Times New Roman" panose="02020603050405020304" pitchFamily="18" charset="0"/>
-              </a:rPr>
-              <a:t>lista.</a:t>
-            </a:r>
-            <a:r>
-              <a:rPr lang="pt-BR" sz="2400" b="1" dirty="0" err="1">
-                <a:solidFill>
-                  <a:schemeClr val="tx1"/>
-                </a:solidFill>
-                <a:latin typeface="Times New Roman" panose="02020603050405020304" pitchFamily="18" charset="0"/>
-                <a:cs typeface="Times New Roman" panose="02020603050405020304" pitchFamily="18" charset="0"/>
-              </a:rPr>
-              <a:t>splice</a:t>
-            </a:r>
-            <a:r>
-              <a:rPr lang="pt-BR" sz="2400" dirty="0">
-                <a:solidFill>
-                  <a:schemeClr val="tx1"/>
-                </a:solidFill>
-                <a:latin typeface="Times New Roman" panose="02020603050405020304" pitchFamily="18" charset="0"/>
-                <a:cs typeface="Times New Roman" panose="02020603050405020304" pitchFamily="18" charset="0"/>
-              </a:rPr>
-              <a:t>(1, 1, ‘</a:t>
-            </a:r>
-            <a:r>
-              <a:rPr lang="pt-BR" sz="2400" dirty="0" err="1">
-                <a:solidFill>
-                  <a:schemeClr val="tx1"/>
-                </a:solidFill>
-                <a:latin typeface="Times New Roman" panose="02020603050405020304" pitchFamily="18" charset="0"/>
-                <a:cs typeface="Times New Roman" panose="02020603050405020304" pitchFamily="18" charset="0"/>
-              </a:rPr>
-              <a:t>meire</a:t>
-            </a:r>
-            <a:r>
-              <a:rPr lang="pt-BR" sz="2400" dirty="0">
-                <a:solidFill>
-                  <a:schemeClr val="tx1"/>
-                </a:solidFill>
-                <a:latin typeface="Times New Roman" panose="02020603050405020304" pitchFamily="18" charset="0"/>
-                <a:cs typeface="Times New Roman" panose="02020603050405020304" pitchFamily="18" charset="0"/>
-              </a:rPr>
-              <a:t>’, ‘</a:t>
-            </a:r>
-            <a:r>
-              <a:rPr lang="pt-BR" sz="2400" dirty="0" err="1">
-                <a:solidFill>
-                  <a:schemeClr val="tx1"/>
-                </a:solidFill>
-                <a:latin typeface="Times New Roman" panose="02020603050405020304" pitchFamily="18" charset="0"/>
-                <a:cs typeface="Times New Roman" panose="02020603050405020304" pitchFamily="18" charset="0"/>
-              </a:rPr>
-              <a:t>janice</a:t>
-            </a:r>
-            <a:r>
-              <a:rPr lang="pt-BR" sz="2400" dirty="0">
-                <a:solidFill>
-                  <a:schemeClr val="tx1"/>
-                </a:solidFill>
-                <a:latin typeface="Times New Roman" panose="02020603050405020304" pitchFamily="18" charset="0"/>
-                <a:cs typeface="Times New Roman" panose="02020603050405020304" pitchFamily="18" charset="0"/>
-              </a:rPr>
-              <a:t>’); // </a:t>
-            </a:r>
-            <a:r>
-              <a:rPr lang="pt-BR" sz="2400" b="1" dirty="0">
-                <a:solidFill>
-                  <a:schemeClr val="tx1"/>
-                </a:solidFill>
-                <a:latin typeface="Times New Roman" panose="02020603050405020304" pitchFamily="18" charset="0"/>
-                <a:cs typeface="Times New Roman" panose="02020603050405020304" pitchFamily="18" charset="0"/>
-              </a:rPr>
-              <a:t>insere</a:t>
-            </a:r>
-            <a:r>
-              <a:rPr lang="pt-BR" sz="2400" dirty="0">
-                <a:solidFill>
-                  <a:schemeClr val="tx1"/>
-                </a:solidFill>
-                <a:latin typeface="Times New Roman" panose="02020603050405020304" pitchFamily="18" charset="0"/>
-                <a:cs typeface="Times New Roman" panose="02020603050405020304" pitchFamily="18" charset="0"/>
-              </a:rPr>
-              <a:t> </a:t>
-            </a:r>
-            <a:r>
-              <a:rPr lang="pt-BR" sz="2400" b="1" dirty="0">
-                <a:solidFill>
-                  <a:srgbClr val="FF0000"/>
-                </a:solidFill>
-                <a:latin typeface="Times New Roman" panose="02020603050405020304" pitchFamily="18" charset="0"/>
-                <a:cs typeface="Times New Roman" panose="02020603050405020304" pitchFamily="18" charset="0"/>
-              </a:rPr>
-              <a:t>a partir da posição 1</a:t>
-            </a:r>
-            <a:r>
-              <a:rPr lang="pt-BR" sz="2400" dirty="0">
-                <a:solidFill>
-                  <a:schemeClr val="tx1"/>
-                </a:solidFill>
-                <a:latin typeface="Times New Roman" panose="02020603050405020304" pitchFamily="18" charset="0"/>
-                <a:cs typeface="Times New Roman" panose="02020603050405020304" pitchFamily="18" charset="0"/>
-              </a:rPr>
-              <a:t>, removendo da lista; // [‘maria’, </a:t>
-            </a:r>
-            <a:r>
-              <a:rPr lang="pt-BR" sz="2400" b="1" dirty="0">
-                <a:solidFill>
-                  <a:schemeClr val="tx1"/>
-                </a:solidFill>
-                <a:latin typeface="Times New Roman" panose="02020603050405020304" pitchFamily="18" charset="0"/>
-                <a:cs typeface="Times New Roman" panose="02020603050405020304" pitchFamily="18" charset="0"/>
-              </a:rPr>
-              <a:t>‘</a:t>
-            </a:r>
-            <a:r>
-              <a:rPr lang="pt-BR" sz="2400" b="1" dirty="0" err="1">
-                <a:solidFill>
-                  <a:schemeClr val="tx1"/>
-                </a:solidFill>
-                <a:latin typeface="Times New Roman" panose="02020603050405020304" pitchFamily="18" charset="0"/>
-                <a:cs typeface="Times New Roman" panose="02020603050405020304" pitchFamily="18" charset="0"/>
-              </a:rPr>
-              <a:t>meire</a:t>
-            </a:r>
-            <a:r>
-              <a:rPr lang="pt-BR" sz="2400" b="1" dirty="0">
-                <a:solidFill>
-                  <a:schemeClr val="tx1"/>
-                </a:solidFill>
-                <a:latin typeface="Times New Roman" panose="02020603050405020304" pitchFamily="18" charset="0"/>
-                <a:cs typeface="Times New Roman" panose="02020603050405020304" pitchFamily="18" charset="0"/>
-              </a:rPr>
-              <a:t>’, ‘</a:t>
-            </a:r>
-            <a:r>
-              <a:rPr lang="pt-BR" sz="2400" b="1" dirty="0" err="1">
-                <a:solidFill>
-                  <a:schemeClr val="tx1"/>
-                </a:solidFill>
-                <a:latin typeface="Times New Roman" panose="02020603050405020304" pitchFamily="18" charset="0"/>
-                <a:cs typeface="Times New Roman" panose="02020603050405020304" pitchFamily="18" charset="0"/>
-              </a:rPr>
-              <a:t>janice</a:t>
-            </a:r>
-            <a:r>
-              <a:rPr lang="pt-BR" sz="2400" b="1" dirty="0">
-                <a:solidFill>
-                  <a:schemeClr val="tx1"/>
-                </a:solidFill>
-                <a:latin typeface="Times New Roman" panose="02020603050405020304" pitchFamily="18" charset="0"/>
-                <a:cs typeface="Times New Roman" panose="02020603050405020304" pitchFamily="18" charset="0"/>
-              </a:rPr>
-              <a:t>’</a:t>
-            </a:r>
-            <a:r>
-              <a:rPr lang="pt-BR" sz="2400" dirty="0">
-                <a:solidFill>
-                  <a:schemeClr val="tx1"/>
-                </a:solidFill>
-                <a:latin typeface="Times New Roman" panose="02020603050405020304" pitchFamily="18" charset="0"/>
-                <a:cs typeface="Times New Roman" panose="02020603050405020304" pitchFamily="18" charset="0"/>
-              </a:rPr>
-              <a:t>, ‘</a:t>
-            </a:r>
-            <a:r>
-              <a:rPr lang="pt-BR" sz="2400" dirty="0" err="1">
-                <a:solidFill>
-                  <a:schemeClr val="tx1"/>
-                </a:solidFill>
-                <a:latin typeface="Times New Roman" panose="02020603050405020304" pitchFamily="18" charset="0"/>
-                <a:cs typeface="Times New Roman" panose="02020603050405020304" pitchFamily="18" charset="0"/>
-              </a:rPr>
-              <a:t>josy</a:t>
-            </a:r>
-            <a:r>
-              <a:rPr lang="pt-BR" sz="2400" dirty="0">
-                <a:solidFill>
-                  <a:schemeClr val="tx1"/>
-                </a:solidFill>
-                <a:latin typeface="Times New Roman" panose="02020603050405020304" pitchFamily="18" charset="0"/>
-                <a:cs typeface="Times New Roman" panose="02020603050405020304" pitchFamily="18" charset="0"/>
-              </a:rPr>
-              <a:t>’]</a:t>
+              <a:t>']</a:t>
             </a:r>
           </a:p>
           <a:p>
@@ -6132,7 +6112,7 @@
                 <a:latin typeface="Times New Roman" panose="02020603050405020304" pitchFamily="18" charset="0"/>
                 <a:cs typeface="Times New Roman" panose="02020603050405020304" pitchFamily="18" charset="0"/>
               </a:rPr>
-              <a:t> lista = [‘maria’, ‘</a:t>
+              <a:t> lista = ['maria', '</a:t>
             </a:r>
             <a:r>
               <a:rPr lang="pt-BR" sz="2400" dirty="0" err="1">
@@ -6152,7 +6132,7 @@
                 <a:latin typeface="Times New Roman" panose="02020603050405020304" pitchFamily="18" charset="0"/>
                 <a:cs typeface="Times New Roman" panose="02020603050405020304" pitchFamily="18" charset="0"/>
               </a:rPr>
-              <a:t>’, ‘</a:t>
+              <a:t>', '</a:t>
             </a:r>
             <a:r>
               <a:rPr lang="pt-BR" sz="2400" dirty="0" err="1">
@@ -6172,7 +6152,7 @@
                 <a:latin typeface="Times New Roman" panose="02020603050405020304" pitchFamily="18" charset="0"/>
                 <a:cs typeface="Times New Roman" panose="02020603050405020304" pitchFamily="18" charset="0"/>
               </a:rPr>
-              <a:t>’, ‘</a:t>
+              <a:t>', '</a:t>
             </a:r>
             <a:r>
               <a:rPr lang="pt-BR" sz="2400" dirty="0" err="1">
@@ -6192,7 +6172,7 @@
                 <a:latin typeface="Times New Roman" panose="02020603050405020304" pitchFamily="18" charset="0"/>
                 <a:cs typeface="Times New Roman" panose="02020603050405020304" pitchFamily="18" charset="0"/>
               </a:rPr>
-              <a:t>’, ‘</a:t>
+              <a:t>', '</a:t>
             </a:r>
             <a:r>
               <a:rPr lang="pt-BR" sz="2400" dirty="0" err="1">
@@ -6212,7 +6192,7 @@
                 <a:latin typeface="Times New Roman" panose="02020603050405020304" pitchFamily="18" charset="0"/>
                 <a:cs typeface="Times New Roman" panose="02020603050405020304" pitchFamily="18" charset="0"/>
               </a:rPr>
-              <a:t>’, ‘lia’];</a:t>
+              <a:t>', 'lia'];</a:t>
             </a:r>
           </a:p>
           <a:p>
@@ -6896,7 +6876,7 @@
                 <a:latin typeface="Times New Roman" panose="02020603050405020304" pitchFamily="18" charset="0"/>
                 <a:cs typeface="Times New Roman" panose="02020603050405020304" pitchFamily="18" charset="0"/>
               </a:rPr>
-              <a:t>(“</a:t>
+              <a:t>("</a:t>
             </a:r>
             <a:r>
               <a:rPr lang="pt-BR" sz="2400" dirty="0" err="1">
@@ -6916,7 +6896,7 @@
                 <a:latin typeface="Times New Roman" panose="02020603050405020304" pitchFamily="18" charset="0"/>
                 <a:cs typeface="Times New Roman" panose="02020603050405020304" pitchFamily="18" charset="0"/>
               </a:rPr>
-              <a:t>”).</a:t>
+              <a:t>").</a:t>
             </a:r>
             <a:r>
               <a:rPr lang="pt-BR" sz="2400" dirty="0" err="1">
@@ -7178,7 +7158,7 @@
                 <a:latin typeface="Times New Roman" panose="02020603050405020304" pitchFamily="18" charset="0"/>
                 <a:cs typeface="Times New Roman" panose="02020603050405020304" pitchFamily="18" charset="0"/>
               </a:rPr>
-              <a:t>(“</a:t>
+              <a:t>("</a:t>
             </a:r>
             <a:r>
               <a:rPr lang="pt-BR" sz="2400" dirty="0" err="1">
@@ -7198,7 +7178,7 @@
                 <a:latin typeface="Times New Roman" panose="02020603050405020304" pitchFamily="18" charset="0"/>
                 <a:cs typeface="Times New Roman" panose="02020603050405020304" pitchFamily="18" charset="0"/>
               </a:rPr>
-              <a:t>”).</a:t>
+              <a:t>").</a:t>
             </a:r>
             <a:r>
               <a:rPr lang="pt-BR" sz="2400" dirty="0" err="1">
@@ -7648,7 +7628,7 @@
                 <a:latin typeface="Times New Roman" panose="02020603050405020304" pitchFamily="18" charset="0"/>
                 <a:cs typeface="Times New Roman" panose="02020603050405020304" pitchFamily="18" charset="0"/>
               </a:rPr>
-              <a:t> lista = [‘maria’, ‘</a:t>
+              <a:t> lista = ['maria', '</a:t>
             </a:r>
             <a:r>
               <a:rPr lang="pt-BR" sz="2400" dirty="0" err="1">
@@ -7668,7 +7648,7 @@
                 <a:latin typeface="Times New Roman" panose="02020603050405020304" pitchFamily="18" charset="0"/>
                 <a:cs typeface="Times New Roman" panose="02020603050405020304" pitchFamily="18" charset="0"/>
               </a:rPr>
-              <a:t>’, ‘</a:t>
+              <a:t>', '</a:t>
             </a:r>
             <a:r>
               <a:rPr lang="pt-BR" sz="2400" dirty="0" err="1">
@@ -7688,7 +7668,7 @@
                 <a:latin typeface="Times New Roman" panose="02020603050405020304" pitchFamily="18" charset="0"/>
                 <a:cs typeface="Times New Roman" panose="02020603050405020304" pitchFamily="18" charset="0"/>
               </a:rPr>
-              <a:t>’, 78, 67.89];</a:t>
+              <a:t>', 78, 67.89];</a:t>
             </a:r>
           </a:p>
           <a:p>
@@ -7725,7 +7705,7 @@
                 <a:latin typeface="Times New Roman" panose="02020603050405020304" pitchFamily="18" charset="0"/>
                 <a:cs typeface="Times New Roman" panose="02020603050405020304" pitchFamily="18" charset="0"/>
               </a:rPr>
-              <a:t> lista1 = [“maria”, “</a:t>
+              <a:t> lista1 = ["maria", "</a:t>
             </a:r>
             <a:r>
               <a:rPr lang="pt-BR" sz="2400" dirty="0" err="1">
@@ -7745,7 +7725,7 @@
                 <a:latin typeface="Times New Roman" panose="02020603050405020304" pitchFamily="18" charset="0"/>
                 <a:cs typeface="Times New Roman" panose="02020603050405020304" pitchFamily="18" charset="0"/>
               </a:rPr>
-              <a:t>”, “</a:t>
+              <a:t>”, "</a:t>
             </a:r>
             <a:r>
               <a:rPr lang="pt-BR" sz="2400" dirty="0" err="1">
@@ -7765,7 +7745,7 @@
                 <a:latin typeface="Times New Roman" panose="02020603050405020304" pitchFamily="18" charset="0"/>
                 <a:cs typeface="Times New Roman" panose="02020603050405020304" pitchFamily="18" charset="0"/>
               </a:rPr>
-              <a:t>”]</a:t>
+              <a:t>"]</a:t>
             </a:r>
           </a:p>
           <a:p>
@@ -7790,7 +7770,7 @@
                 <a:latin typeface="Times New Roman" panose="02020603050405020304" pitchFamily="18" charset="0"/>
                 <a:cs typeface="Times New Roman" panose="02020603050405020304" pitchFamily="18" charset="0"/>
               </a:rPr>
-              <a:t> lista2 = [“</a:t>
+              <a:t> lista2 = ["</a:t>
             </a:r>
             <a:r>
               <a:rPr lang="pt-BR" sz="2400" dirty="0" err="1">
@@ -7810,7 +7790,7 @@
                 <a:latin typeface="Times New Roman" panose="02020603050405020304" pitchFamily="18" charset="0"/>
                 <a:cs typeface="Times New Roman" panose="02020603050405020304" pitchFamily="18" charset="0"/>
               </a:rPr>
-              <a:t>”, “</a:t>
+              <a:t>", "</a:t>
             </a:r>
             <a:r>
               <a:rPr lang="pt-BR" sz="2400" dirty="0" err="1">
@@ -7830,7 +7810,7 @@
                 <a:latin typeface="Times New Roman" panose="02020603050405020304" pitchFamily="18" charset="0"/>
                 <a:cs typeface="Times New Roman" panose="02020603050405020304" pitchFamily="18" charset="0"/>
               </a:rPr>
-              <a:t>”, “josé”]</a:t>
+              <a:t>", "josé"]</a:t>
             </a:r>
           </a:p>
           <a:p>
@@ -7855,7 +7835,7 @@
                 <a:latin typeface="Times New Roman" panose="02020603050405020304" pitchFamily="18" charset="0"/>
                 <a:cs typeface="Times New Roman" panose="02020603050405020304" pitchFamily="18" charset="0"/>
               </a:rPr>
-              <a:t> lista3 = [“</a:t>
+              <a:t> lista3 = ["</a:t>
             </a:r>
             <a:r>
               <a:rPr lang="pt-BR" sz="2400" dirty="0" err="1">
@@ -7875,7 +7855,7 @@
                 <a:latin typeface="Times New Roman" panose="02020603050405020304" pitchFamily="18" charset="0"/>
                 <a:cs typeface="Times New Roman" panose="02020603050405020304" pitchFamily="18" charset="0"/>
               </a:rPr>
-              <a:t>”, “</a:t>
+              <a:t>", "</a:t>
             </a:r>
             <a:r>
               <a:rPr lang="pt-BR" sz="2400" dirty="0" err="1">
@@ -7895,7 +7875,7 @@
                 <a:latin typeface="Times New Roman" panose="02020603050405020304" pitchFamily="18" charset="0"/>
                 <a:cs typeface="Times New Roman" panose="02020603050405020304" pitchFamily="18" charset="0"/>
               </a:rPr>
-              <a:t>”, “</a:t>
+              <a:t>", "</a:t>
             </a:r>
             <a:r>
               <a:rPr lang="pt-BR" sz="2400" dirty="0" err="1">
@@ -7915,7 +7895,7 @@
                 <a:latin typeface="Times New Roman" panose="02020603050405020304" pitchFamily="18" charset="0"/>
                 <a:cs typeface="Times New Roman" panose="02020603050405020304" pitchFamily="18" charset="0"/>
               </a:rPr>
-              <a:t>”]</a:t>
+              <a:t>"]</a:t>
             </a:r>
           </a:p>
           <a:p>
@@ -8610,7 +8590,7 @@
                 <a:latin typeface="Times New Roman" panose="02020603050405020304" pitchFamily="18" charset="0"/>
                 <a:cs typeface="Times New Roman" panose="02020603050405020304" pitchFamily="18" charset="0"/>
               </a:rPr>
-              <a:t> x = 5, y = “5”, z;</a:t>
+              <a:t> x = 5, y = "5", z;</a:t>
             </a:r>
           </a:p>
           <a:p>
@@ -9073,7 +9053,7 @@
                 <a:latin typeface="Times New Roman" panose="02020603050405020304" pitchFamily="18" charset="0"/>
                 <a:cs typeface="Times New Roman" panose="02020603050405020304" pitchFamily="18" charset="0"/>
               </a:rPr>
-              <a:t> ‘Eleitor’ </a:t>
+              <a:t> 'Eleitor' </a:t>
             </a:r>
             <a:r>
               <a:rPr lang="pt-BR" sz="2400" b="1" dirty="0">
@@ -9093,7 +9073,7 @@
                 <a:latin typeface="Times New Roman" panose="02020603050405020304" pitchFamily="18" charset="0"/>
                 <a:cs typeface="Times New Roman" panose="02020603050405020304" pitchFamily="18" charset="0"/>
               </a:rPr>
-              <a:t> ‘Não Eleitor’;</a:t>
+              <a:t> 'Não Eleitor';</a:t>
             </a:r>
           </a:p>
         </p:txBody>
@@ -9822,7 +9802,7 @@
                 <a:latin typeface="Times New Roman" panose="02020603050405020304" pitchFamily="18" charset="0"/>
                 <a:cs typeface="Times New Roman" panose="02020603050405020304" pitchFamily="18" charset="0"/>
               </a:rPr>
-              <a:t>(‘.’, ‘,’); // casas decimais, </a:t>
+              <a:t>('. ', ', '); // casas decimais, </a:t>
             </a:r>
             <a:r>
               <a:rPr lang="pt-BR" sz="2400" b="1" dirty="0">
@@ -9889,7 +9869,7 @@
                 <a:latin typeface="Times New Roman" panose="02020603050405020304" pitchFamily="18" charset="0"/>
                 <a:cs typeface="Times New Roman" panose="02020603050405020304" pitchFamily="18" charset="0"/>
               </a:rPr>
-              <a:t>(‘</a:t>
+              <a:t>('</a:t>
             </a:r>
             <a:r>
               <a:rPr lang="pt-BR" sz="2400" b="1" dirty="0" err="1">
@@ -9919,7 +9899,7 @@
                 <a:latin typeface="Times New Roman" panose="02020603050405020304" pitchFamily="18" charset="0"/>
                 <a:cs typeface="Times New Roman" panose="02020603050405020304" pitchFamily="18" charset="0"/>
               </a:rPr>
-              <a:t>’, {</a:t>
+              <a:t>', {</a:t>
             </a:r>
             <a:r>
               <a:rPr lang="pt-BR" sz="2400" b="1" dirty="0" err="1">
@@ -9939,7 +9919,7 @@
                 <a:latin typeface="Times New Roman" panose="02020603050405020304" pitchFamily="18" charset="0"/>
                 <a:cs typeface="Times New Roman" panose="02020603050405020304" pitchFamily="18" charset="0"/>
               </a:rPr>
-              <a:t>: ‘</a:t>
+              <a:t>: '</a:t>
             </a:r>
             <a:r>
               <a:rPr lang="pt-BR" sz="2400" dirty="0" err="1">
@@ -9959,7 +9939,7 @@
                 <a:latin typeface="Times New Roman" panose="02020603050405020304" pitchFamily="18" charset="0"/>
                 <a:cs typeface="Times New Roman" panose="02020603050405020304" pitchFamily="18" charset="0"/>
               </a:rPr>
-              <a:t>’, </a:t>
+              <a:t>', </a:t>
             </a:r>
             <a:r>
               <a:rPr lang="pt-BR" sz="2400" b="1" dirty="0" err="1">
@@ -9979,7 +9959,7 @@
                 <a:latin typeface="Times New Roman" panose="02020603050405020304" pitchFamily="18" charset="0"/>
                 <a:cs typeface="Times New Roman" panose="02020603050405020304" pitchFamily="18" charset="0"/>
               </a:rPr>
-              <a:t>:’BRL’});</a:t>
+              <a:t>:'BRL'});</a:t>
             </a:r>
           </a:p>
         </p:txBody>
@@ -11110,7 +11090,7 @@
                 <a:latin typeface="Times New Roman" panose="02020603050405020304" pitchFamily="18" charset="0"/>
                 <a:cs typeface="Times New Roman" panose="02020603050405020304" pitchFamily="18" charset="0"/>
               </a:rPr>
-              <a:t> signo = 'Leão’;</a:t>
+              <a:t> signo = 'Leão';</a:t>
             </a:r>
           </a:p>
           <a:p>
@@ -11225,7 +11205,7 @@
                 <a:latin typeface="Times New Roman" panose="02020603050405020304" pitchFamily="18" charset="0"/>
                 <a:cs typeface="Times New Roman" panose="02020603050405020304" pitchFamily="18" charset="0"/>
               </a:rPr>
-              <a:t> ‘áries’: console.log("De 21 março a 20 abril"); break;</a:t>
+              <a:t> 'áries': console.log("De 21 março a 20 abril"); break;</a:t>
             </a:r>
           </a:p>
           <a:p>
@@ -11260,7 +11240,7 @@
                 <a:latin typeface="Times New Roman" panose="02020603050405020304" pitchFamily="18" charset="0"/>
                 <a:cs typeface="Times New Roman" panose="02020603050405020304" pitchFamily="18" charset="0"/>
               </a:rPr>
-              <a:t> ‘touro’: console.log("de 21 abril a 20 maio"); break;</a:t>
+              <a:t> 'touro': console.log("de 21 abril a 20 maio"); break;</a:t>
             </a:r>
           </a:p>
           <a:p>
@@ -11295,7 +11275,7 @@
                 <a:latin typeface="Times New Roman" panose="02020603050405020304" pitchFamily="18" charset="0"/>
                 <a:cs typeface="Times New Roman" panose="02020603050405020304" pitchFamily="18" charset="0"/>
               </a:rPr>
-              <a:t> ‘gêmeos’: console.log("de 21 maio a 20 junho"); break;</a:t>
+              <a:t> 'gêmeos': console.log("de 21 maio a 20 junho"); break;</a:t>
             </a:r>
           </a:p>
           <a:p>
@@ -11330,7 +11310,7 @@
                 <a:latin typeface="Times New Roman" panose="02020603050405020304" pitchFamily="18" charset="0"/>
                 <a:cs typeface="Times New Roman" panose="02020603050405020304" pitchFamily="18" charset="0"/>
               </a:rPr>
-              <a:t> ‘câncer’: console.log("de 21 junho a 22 julho"); break;</a:t>
+              <a:t> 'câncer': console.log("de 21 junho a 22 julho"); break;</a:t>
             </a:r>
           </a:p>
           <a:p>
@@ -11365,7 +11345,7 @@
                 <a:latin typeface="Times New Roman" panose="02020603050405020304" pitchFamily="18" charset="0"/>
                 <a:cs typeface="Times New Roman" panose="02020603050405020304" pitchFamily="18" charset="0"/>
               </a:rPr>
-              <a:t> ‘leão’: console.log("de 23 julho a 22 agosto"); break;</a:t>
+              <a:t> 'leão': console.log("de 23 julho a 22 agosto"); break;</a:t>
             </a:r>
           </a:p>
           <a:p>
@@ -11400,7 +11380,7 @@
                 <a:latin typeface="Times New Roman" panose="02020603050405020304" pitchFamily="18" charset="0"/>
                 <a:cs typeface="Times New Roman" panose="02020603050405020304" pitchFamily="18" charset="0"/>
               </a:rPr>
-              <a:t> ‘virgem’: console.log("de 23 agosto a 22 setembro"); break;</a:t>
+              <a:t> 'virgem': console.log("de 23 agosto a 22 setembro"); break;</a:t>
             </a:r>
           </a:p>
           <a:p>
@@ -12778,7 +12758,7 @@
                 <a:latin typeface="Times New Roman" panose="02020603050405020304" pitchFamily="18" charset="0"/>
                 <a:cs typeface="Times New Roman" panose="02020603050405020304" pitchFamily="18" charset="0"/>
               </a:rPr>
-              <a:t>let</a:t>
+              <a:t>var</a:t>
             </a:r>
             <a:r>
               <a:rPr lang="nn-NO" sz="2400" dirty="0">
@@ -12788,7 +12768,7 @@
                 <a:latin typeface="Times New Roman" panose="02020603050405020304" pitchFamily="18" charset="0"/>
                 <a:cs typeface="Times New Roman" panose="02020603050405020304" pitchFamily="18" charset="0"/>
               </a:rPr>
-              <a:t> ano = 2000; ano &lt; =2022; ano++){</a:t>
+              <a:t> ano = 2000; ano &lt;= 2025; ano++){</a:t>
             </a:r>
           </a:p>
           <a:p>
@@ -12833,8 +12813,25 @@
                 <a:latin typeface="Times New Roman" panose="02020603050405020304" pitchFamily="18" charset="0"/>
                 <a:cs typeface="Times New Roman" panose="02020603050405020304" pitchFamily="18" charset="0"/>
               </a:rPr>
-              <a:t>").innerHTML =</a:t>
-            </a:r>
+              <a:t>").</a:t>
+            </a:r>
+            <a:r>
+              <a:rPr lang="nn-NO" sz="2400">
+                <a:solidFill>
+                  <a:schemeClr val="tx1"/>
+                </a:solidFill>
+                <a:latin typeface="Times New Roman" panose="02020603050405020304" pitchFamily="18" charset="0"/>
+                <a:cs typeface="Times New Roman" panose="02020603050405020304" pitchFamily="18" charset="0"/>
+              </a:rPr>
+              <a:t>innerHTML +=</a:t>
+            </a:r>
+            <a:endParaRPr lang="nn-NO" sz="2400" dirty="0">
+              <a:solidFill>
+                <a:schemeClr val="tx1"/>
+              </a:solidFill>
+              <a:latin typeface="Times New Roman" panose="02020603050405020304" pitchFamily="18" charset="0"/>
+              <a:cs typeface="Times New Roman" panose="02020603050405020304" pitchFamily="18" charset="0"/>
+            </a:endParaRPr>
           </a:p>
           <a:p>
             <a:pPr marL="0" indent="0" algn="just">
@@ -12868,7 +12865,47 @@
                 <a:latin typeface="Times New Roman" panose="02020603050405020304" pitchFamily="18" charset="0"/>
                 <a:cs typeface="Times New Roman" panose="02020603050405020304" pitchFamily="18" charset="0"/>
               </a:rPr>
-              <a:t> value = ‘" + ano + " ‘&gt;" + ano + "&lt;/option&gt;"</a:t>
+              <a:t> value = </a:t>
+            </a:r>
+            <a:r>
+              <a:rPr lang="pt-BR" sz="2400" dirty="0">
+                <a:solidFill>
+                  <a:schemeClr val="tx1"/>
+                </a:solidFill>
+                <a:latin typeface="Times New Roman" panose="02020603050405020304" pitchFamily="18" charset="0"/>
+                <a:cs typeface="Times New Roman" panose="02020603050405020304" pitchFamily="18" charset="0"/>
+              </a:rPr>
+              <a:t>' </a:t>
+            </a:r>
+            <a:r>
+              <a:rPr lang="nn-NO" sz="2400" dirty="0">
+                <a:solidFill>
+                  <a:schemeClr val="tx1"/>
+                </a:solidFill>
+                <a:latin typeface="Times New Roman" panose="02020603050405020304" pitchFamily="18" charset="0"/>
+                <a:cs typeface="Times New Roman" panose="02020603050405020304" pitchFamily="18" charset="0"/>
+              </a:rPr>
+              <a:t>" + ano + " </a:t>
+            </a:r>
+            <a:r>
+              <a:rPr lang="pt-BR" sz="2400" dirty="0">
+                <a:solidFill>
+                  <a:schemeClr val="tx1"/>
+                </a:solidFill>
+                <a:latin typeface="Times New Roman" panose="02020603050405020304" pitchFamily="18" charset="0"/>
+                <a:cs typeface="Times New Roman" panose="02020603050405020304" pitchFamily="18" charset="0"/>
+              </a:rPr>
+              <a:t>'</a:t>
+            </a:r>
+            <a:r>
+              <a:rPr lang="nn-NO" sz="2400" dirty="0">
+                <a:solidFill>
+                  <a:schemeClr val="tx1"/>
+                </a:solidFill>
+                <a:latin typeface="Times New Roman" panose="02020603050405020304" pitchFamily="18" charset="0"/>
+                <a:cs typeface="Times New Roman" panose="02020603050405020304" pitchFamily="18" charset="0"/>
+              </a:rPr>
+              <a:t>&gt;" + ano + "&lt;/option&gt;"</a:t>
             </a:r>
           </a:p>
           <a:p>
@@ -12940,7 +12977,7 @@
                 <a:latin typeface="Times New Roman" panose="02020603050405020304" pitchFamily="18" charset="0"/>
                 <a:cs typeface="Times New Roman" panose="02020603050405020304" pitchFamily="18" charset="0"/>
               </a:rPr>
-              <a:t> id=“</a:t>
+              <a:t> id="</a:t>
             </a:r>
             <a:r>
               <a:rPr lang="pt-BR" sz="2400" b="1" dirty="0" err="1">
@@ -12960,7 +12997,7 @@
                 <a:latin typeface="Times New Roman" panose="02020603050405020304" pitchFamily="18" charset="0"/>
                 <a:cs typeface="Times New Roman" panose="02020603050405020304" pitchFamily="18" charset="0"/>
               </a:rPr>
-              <a:t>”&gt; &lt;/</a:t>
+              <a:t>"&gt; &lt;/</a:t>
             </a:r>
             <a:r>
               <a:rPr lang="pt-BR" sz="2400" dirty="0" err="1">
@@ -13232,7 +13269,7 @@
                 <a:latin typeface="Times New Roman" panose="02020603050405020304" pitchFamily="18" charset="0"/>
                 <a:cs typeface="Times New Roman" panose="02020603050405020304" pitchFamily="18" charset="0"/>
               </a:rPr>
-              <a:t> = [Julia', 'Paulo’, Josy’]</a:t>
+              <a:t> = ['Julia', 'Paulo', 'Josy']</a:t>
             </a:r>
           </a:p>
           <a:p>
@@ -14824,6 +14861,18 @@
               </a:rPr>
               <a:t>num = 25</a:t>
             </a:r>
+            <a:endParaRPr lang="pt-BR" sz="2400" b="1" dirty="0">
+              <a:solidFill>
+                <a:schemeClr val="tx1"/>
+              </a:solidFill>
+              <a:latin typeface="Times New Roman" panose="02020603050405020304" pitchFamily="18" charset="0"/>
+              <a:cs typeface="Times New Roman" panose="02020603050405020304" pitchFamily="18" charset="0"/>
+            </a:endParaRPr>
+          </a:p>
+          <a:p>
+            <a:pPr marL="0" indent="0" algn="just">
+              <a:buNone/>
+            </a:pPr>
             <a:r>
               <a:rPr lang="pt-BR" sz="2400" b="1" dirty="0">
                 <a:solidFill>
@@ -14832,7 +14881,7 @@
                 <a:latin typeface="Times New Roman" panose="02020603050405020304" pitchFamily="18" charset="0"/>
                 <a:cs typeface="Times New Roman" panose="02020603050405020304" pitchFamily="18" charset="0"/>
               </a:rPr>
-              <a:t>;</a:t>
+              <a:t>	{</a:t>
             </a:r>
           </a:p>
           <a:p>
@@ -14847,8 +14896,25 @@
                 <a:latin typeface="Times New Roman" panose="02020603050405020304" pitchFamily="18" charset="0"/>
                 <a:cs typeface="Times New Roman" panose="02020603050405020304" pitchFamily="18" charset="0"/>
               </a:rPr>
-              <a:t>	{</a:t>
-            </a:r>
+              <a:t>		var </a:t>
+            </a:r>
+            <a:r>
+              <a:rPr lang="pt-BR" sz="2400" dirty="0">
+                <a:solidFill>
+                  <a:schemeClr val="tx1"/>
+                </a:solidFill>
+                <a:latin typeface="Times New Roman" panose="02020603050405020304" pitchFamily="18" charset="0"/>
+                <a:cs typeface="Times New Roman" panose="02020603050405020304" pitchFamily="18" charset="0"/>
+              </a:rPr>
+              <a:t>num = 18</a:t>
+            </a:r>
+            <a:endParaRPr lang="pt-BR" sz="2400" b="1" dirty="0">
+              <a:solidFill>
+                <a:schemeClr val="tx1"/>
+              </a:solidFill>
+              <a:latin typeface="Times New Roman" panose="02020603050405020304" pitchFamily="18" charset="0"/>
+              <a:cs typeface="Times New Roman" panose="02020603050405020304" pitchFamily="18" charset="0"/>
+            </a:endParaRPr>
           </a:p>
           <a:p>
             <a:pPr marL="0" indent="0" algn="just">
@@ -14862,18 +14928,13 @@
                 <a:latin typeface="Times New Roman" panose="02020603050405020304" pitchFamily="18" charset="0"/>
                 <a:cs typeface="Times New Roman" panose="02020603050405020304" pitchFamily="18" charset="0"/>
               </a:rPr>
-              <a:t>		var </a:t>
-            </a:r>
-            <a:r>
-              <a:rPr lang="pt-BR" sz="2400" dirty="0">
-                <a:solidFill>
-                  <a:schemeClr val="tx1"/>
-                </a:solidFill>
-                <a:latin typeface="Times New Roman" panose="02020603050405020304" pitchFamily="18" charset="0"/>
-                <a:cs typeface="Times New Roman" panose="02020603050405020304" pitchFamily="18" charset="0"/>
-              </a:rPr>
-              <a:t>num = 18</a:t>
-            </a:r>
+              <a:t>	}</a:t>
+            </a:r>
+          </a:p>
+          <a:p>
+            <a:pPr marL="0" indent="0" algn="just">
+              <a:buNone/>
+            </a:pPr>
             <a:r>
               <a:rPr lang="pt-BR" sz="2400" b="1" dirty="0">
                 <a:solidFill>
@@ -14882,13 +14943,58 @@
                 <a:latin typeface="Times New Roman" panose="02020603050405020304" pitchFamily="18" charset="0"/>
                 <a:cs typeface="Times New Roman" panose="02020603050405020304" pitchFamily="18" charset="0"/>
               </a:rPr>
-              <a:t>;</a:t>
-            </a:r>
-          </a:p>
-          <a:p>
-            <a:pPr marL="0" indent="0" algn="just">
-              <a:buNone/>
-            </a:pPr>
+              <a:t>	</a:t>
+            </a:r>
+            <a:r>
+              <a:rPr lang="pt-BR" sz="2400" b="1" dirty="0" err="1">
+                <a:solidFill>
+                  <a:srgbClr val="FF0000"/>
+                </a:solidFill>
+                <a:latin typeface="Times New Roman" panose="02020603050405020304" pitchFamily="18" charset="0"/>
+                <a:cs typeface="Times New Roman" panose="02020603050405020304" pitchFamily="18" charset="0"/>
+              </a:rPr>
+              <a:t>document.getElementById</a:t>
+            </a:r>
+            <a:r>
+              <a:rPr lang="pt-BR" sz="2400" dirty="0">
+                <a:solidFill>
+                  <a:schemeClr val="tx1"/>
+                </a:solidFill>
+                <a:latin typeface="Times New Roman" panose="02020603050405020304" pitchFamily="18" charset="0"/>
+                <a:cs typeface="Times New Roman" panose="02020603050405020304" pitchFamily="18" charset="0"/>
+              </a:rPr>
+              <a:t>('</a:t>
+            </a:r>
+            <a:r>
+              <a:rPr lang="pt-BR" sz="2400" dirty="0" err="1">
+                <a:solidFill>
+                  <a:schemeClr val="tx1"/>
+                </a:solidFill>
+                <a:latin typeface="Times New Roman" panose="02020603050405020304" pitchFamily="18" charset="0"/>
+                <a:cs typeface="Times New Roman" panose="02020603050405020304" pitchFamily="18" charset="0"/>
+              </a:rPr>
+              <a:t>idText</a:t>
+            </a:r>
+            <a:r>
+              <a:rPr lang="pt-BR" sz="2400" dirty="0">
+                <a:solidFill>
+                  <a:schemeClr val="tx1"/>
+                </a:solidFill>
+                <a:latin typeface="Times New Roman" panose="02020603050405020304" pitchFamily="18" charset="0"/>
+                <a:cs typeface="Times New Roman" panose="02020603050405020304" pitchFamily="18" charset="0"/>
+              </a:rPr>
+              <a:t>').</a:t>
+            </a:r>
+            <a:r>
+              <a:rPr lang="pt-BR" sz="2400" dirty="0" err="1">
+                <a:solidFill>
+                  <a:schemeClr val="tx1"/>
+                </a:solidFill>
+                <a:latin typeface="Times New Roman" panose="02020603050405020304" pitchFamily="18" charset="0"/>
+                <a:cs typeface="Times New Roman" panose="02020603050405020304" pitchFamily="18" charset="0"/>
+              </a:rPr>
+              <a:t>innerHTML</a:t>
+            </a:r>
             <a:r>
               <a:rPr lang="pt-BR" sz="2400" b="1" dirty="0">
                 <a:solidFill>
@@ -14897,82 +15003,7 @@
                 <a:latin typeface="Times New Roman" panose="02020603050405020304" pitchFamily="18" charset="0"/>
                 <a:cs typeface="Times New Roman" panose="02020603050405020304" pitchFamily="18" charset="0"/>
               </a:rPr>
-              <a:t>	}</a:t>
-            </a:r>
-          </a:p>
-          <a:p>
-            <a:pPr marL="0" indent="0" algn="just">
-              <a:buNone/>
-            </a:pPr>
-            <a:r>
-              <a:rPr lang="pt-BR" sz="2400" b="1" dirty="0">
-                <a:solidFill>
-                  <a:schemeClr val="tx1"/>
-                </a:solidFill>
-                <a:latin typeface="Times New Roman" panose="02020603050405020304" pitchFamily="18" charset="0"/>
-                <a:cs typeface="Times New Roman" panose="02020603050405020304" pitchFamily="18" charset="0"/>
-              </a:rPr>
-              <a:t>	</a:t>
-            </a:r>
-            <a:r>
-              <a:rPr lang="pt-BR" sz="2400" b="1" dirty="0" err="1">
-                <a:solidFill>
-                  <a:srgbClr val="FF0000"/>
-                </a:solidFill>
-                <a:latin typeface="Times New Roman" panose="02020603050405020304" pitchFamily="18" charset="0"/>
-                <a:cs typeface="Times New Roman" panose="02020603050405020304" pitchFamily="18" charset="0"/>
-              </a:rPr>
-              <a:t>document.getElementById</a:t>
-            </a:r>
-            <a:r>
-              <a:rPr lang="pt-BR" sz="2400" dirty="0">
-                <a:solidFill>
-                  <a:schemeClr val="tx1"/>
-                </a:solidFill>
-                <a:latin typeface="Times New Roman" panose="02020603050405020304" pitchFamily="18" charset="0"/>
-                <a:cs typeface="Times New Roman" panose="02020603050405020304" pitchFamily="18" charset="0"/>
-              </a:rPr>
-              <a:t>(‘</a:t>
-            </a:r>
-            <a:r>
-              <a:rPr lang="pt-BR" sz="2400" dirty="0" err="1">
-                <a:solidFill>
-                  <a:schemeClr val="tx1"/>
-                </a:solidFill>
-                <a:latin typeface="Times New Roman" panose="02020603050405020304" pitchFamily="18" charset="0"/>
-                <a:cs typeface="Times New Roman" panose="02020603050405020304" pitchFamily="18" charset="0"/>
-              </a:rPr>
-              <a:t>idText</a:t>
-            </a:r>
-            <a:r>
-              <a:rPr lang="pt-BR" sz="2400" dirty="0">
-                <a:solidFill>
-                  <a:schemeClr val="tx1"/>
-                </a:solidFill>
-                <a:latin typeface="Times New Roman" panose="02020603050405020304" pitchFamily="18" charset="0"/>
-                <a:cs typeface="Times New Roman" panose="02020603050405020304" pitchFamily="18" charset="0"/>
-              </a:rPr>
-              <a:t>’).</a:t>
-            </a:r>
-            <a:r>
-              <a:rPr lang="pt-BR" sz="2400" dirty="0" err="1">
-                <a:solidFill>
-                  <a:schemeClr val="tx1"/>
-                </a:solidFill>
-                <a:latin typeface="Times New Roman" panose="02020603050405020304" pitchFamily="18" charset="0"/>
-                <a:cs typeface="Times New Roman" panose="02020603050405020304" pitchFamily="18" charset="0"/>
-              </a:rPr>
-              <a:t>innerHTML</a:t>
-            </a:r>
-            <a:r>
-              <a:rPr lang="pt-BR" sz="2400" b="1" dirty="0">
-                <a:solidFill>
-                  <a:schemeClr val="tx1"/>
-                </a:solidFill>
-                <a:latin typeface="Times New Roman" panose="02020603050405020304" pitchFamily="18" charset="0"/>
-                <a:cs typeface="Times New Roman" panose="02020603050405020304" pitchFamily="18" charset="0"/>
-              </a:rPr>
-              <a:t> = num;</a:t>
+              <a:t> = num</a:t>
             </a:r>
           </a:p>
           <a:p>
@@ -15896,21 +15927,6 @@
               </a:rPr>
               <a:t>num = 25</a:t>
             </a:r>
-            <a:r>
-              <a:rPr lang="pt-BR" sz="2400" b="1" dirty="0">
-                <a:solidFill>
-                  <a:schemeClr val="tx1"/>
-                </a:solidFill>
-                <a:latin typeface="Times New Roman" panose="02020603050405020304" pitchFamily="18" charset="0"/>
-                <a:cs typeface="Times New Roman" panose="02020603050405020304" pitchFamily="18" charset="0"/>
-              </a:rPr>
-              <a:t>;</a:t>
-            </a:r>
-          </a:p>
-          <a:p>
-            <a:pPr marL="0" indent="0" algn="just">
-              <a:buNone/>
-            </a:pPr>
             <a:endParaRPr lang="pt-BR" sz="2400" b="1" dirty="0">
               <a:solidFill>
                 <a:schemeClr val="tx1"/>
@@ -15923,6 +15939,18 @@
             <a:pPr marL="0" indent="0" algn="just">
               <a:buNone/>
             </a:pPr>
+            <a:endParaRPr lang="pt-BR" sz="2400" b="1" dirty="0">
+              <a:solidFill>
+                <a:schemeClr val="tx1"/>
+              </a:solidFill>
+              <a:latin typeface="Times New Roman" panose="02020603050405020304" pitchFamily="18" charset="0"/>
+              <a:cs typeface="Times New Roman" panose="02020603050405020304" pitchFamily="18" charset="0"/>
+            </a:endParaRPr>
+          </a:p>
+          <a:p>
+            <a:pPr marL="0" indent="0" algn="just">
+              <a:buNone/>
+            </a:pPr>
             <a:r>
               <a:rPr lang="pt-BR" sz="2400" b="1" dirty="0">
                 <a:solidFill>
@@ -15978,6 +16006,18 @@
               </a:rPr>
               <a:t>num = 18</a:t>
             </a:r>
+            <a:endParaRPr lang="pt-BR" sz="2400" b="1" dirty="0">
+              <a:solidFill>
+                <a:schemeClr val="tx1"/>
+              </a:solidFill>
+              <a:latin typeface="Times New Roman" panose="02020603050405020304" pitchFamily="18" charset="0"/>
+              <a:cs typeface="Times New Roman" panose="02020603050405020304" pitchFamily="18" charset="0"/>
+            </a:endParaRPr>
+          </a:p>
+          <a:p>
+            <a:pPr marL="0" indent="0" algn="just">
+              <a:buNone/>
+            </a:pPr>
             <a:r>
               <a:rPr lang="pt-BR" sz="2400" b="1" dirty="0">
                 <a:solidFill>
@@ -15986,7 +16026,7 @@
                 <a:latin typeface="Times New Roman" panose="02020603050405020304" pitchFamily="18" charset="0"/>
                 <a:cs typeface="Times New Roman" panose="02020603050405020304" pitchFamily="18" charset="0"/>
               </a:rPr>
-              <a:t>;</a:t>
+              <a:t>	}</a:t>
             </a:r>
           </a:p>
           <a:p>
@@ -16001,13 +16041,58 @@
                 <a:latin typeface="Times New Roman" panose="02020603050405020304" pitchFamily="18" charset="0"/>
                 <a:cs typeface="Times New Roman" panose="02020603050405020304" pitchFamily="18" charset="0"/>
               </a:rPr>
-              <a:t>	}</a:t>
-            </a:r>
-          </a:p>
-          <a:p>
-            <a:pPr marL="0" indent="0" algn="just">
-              <a:buNone/>
-            </a:pPr>
+              <a:t>	</a:t>
+            </a:r>
+            <a:r>
+              <a:rPr lang="pt-BR" sz="2400" b="1" dirty="0" err="1">
+                <a:solidFill>
+                  <a:srgbClr val="FF0000"/>
+                </a:solidFill>
+                <a:latin typeface="Times New Roman" panose="02020603050405020304" pitchFamily="18" charset="0"/>
+                <a:cs typeface="Times New Roman" panose="02020603050405020304" pitchFamily="18" charset="0"/>
+              </a:rPr>
+              <a:t>document.getElementById</a:t>
+            </a:r>
+            <a:r>
+              <a:rPr lang="pt-BR" sz="2400" dirty="0">
+                <a:solidFill>
+                  <a:schemeClr val="tx1"/>
+                </a:solidFill>
+                <a:latin typeface="Times New Roman" panose="02020603050405020304" pitchFamily="18" charset="0"/>
+                <a:cs typeface="Times New Roman" panose="02020603050405020304" pitchFamily="18" charset="0"/>
+              </a:rPr>
+              <a:t>('</a:t>
+            </a:r>
+            <a:r>
+              <a:rPr lang="pt-BR" sz="2400" dirty="0" err="1">
+                <a:solidFill>
+                  <a:schemeClr val="tx1"/>
+                </a:solidFill>
+                <a:latin typeface="Times New Roman" panose="02020603050405020304" pitchFamily="18" charset="0"/>
+                <a:cs typeface="Times New Roman" panose="02020603050405020304" pitchFamily="18" charset="0"/>
+              </a:rPr>
+              <a:t>idText</a:t>
+            </a:r>
+            <a:r>
+              <a:rPr lang="pt-BR" sz="2400" dirty="0">
+                <a:solidFill>
+                  <a:schemeClr val="tx1"/>
+                </a:solidFill>
+                <a:latin typeface="Times New Roman" panose="02020603050405020304" pitchFamily="18" charset="0"/>
+                <a:cs typeface="Times New Roman" panose="02020603050405020304" pitchFamily="18" charset="0"/>
+              </a:rPr>
+              <a:t>').</a:t>
+            </a:r>
+            <a:r>
+              <a:rPr lang="pt-BR" sz="2400" dirty="0" err="1">
+                <a:solidFill>
+                  <a:schemeClr val="tx1"/>
+                </a:solidFill>
+                <a:latin typeface="Times New Roman" panose="02020603050405020304" pitchFamily="18" charset="0"/>
+                <a:cs typeface="Times New Roman" panose="02020603050405020304" pitchFamily="18" charset="0"/>
+              </a:rPr>
+              <a:t>innerHTML</a:t>
+            </a:r>
             <a:r>
               <a:rPr lang="pt-BR" sz="2400" b="1" dirty="0">
                 <a:solidFill>
@@ -16016,67 +16101,7 @@
                 <a:latin typeface="Times New Roman" panose="02020603050405020304" pitchFamily="18" charset="0"/>
                 <a:cs typeface="Times New Roman" panose="02020603050405020304" pitchFamily="18" charset="0"/>
               </a:rPr>
-              <a:t>	</a:t>
-            </a:r>
-            <a:r>
-              <a:rPr lang="pt-BR" sz="2400" b="1" dirty="0" err="1">
-                <a:solidFill>
-                  <a:srgbClr val="FF0000"/>
-                </a:solidFill>
-                <a:latin typeface="Times New Roman" panose="02020603050405020304" pitchFamily="18" charset="0"/>
-                <a:cs typeface="Times New Roman" panose="02020603050405020304" pitchFamily="18" charset="0"/>
-              </a:rPr>
-              <a:t>document.getElementById</a:t>
-            </a:r>
-            <a:r>
-              <a:rPr lang="pt-BR" sz="2400" dirty="0">
-                <a:solidFill>
-                  <a:schemeClr val="tx1"/>
-                </a:solidFill>
-                <a:latin typeface="Times New Roman" panose="02020603050405020304" pitchFamily="18" charset="0"/>
-                <a:cs typeface="Times New Roman" panose="02020603050405020304" pitchFamily="18" charset="0"/>
-              </a:rPr>
-              <a:t>(‘</a:t>
-            </a:r>
-            <a:r>
-              <a:rPr lang="pt-BR" sz="2400" dirty="0" err="1">
-                <a:solidFill>
-                  <a:schemeClr val="tx1"/>
-                </a:solidFill>
-                <a:latin typeface="Times New Roman" panose="02020603050405020304" pitchFamily="18" charset="0"/>
-                <a:cs typeface="Times New Roman" panose="02020603050405020304" pitchFamily="18" charset="0"/>
-              </a:rPr>
-              <a:t>idText</a:t>
-            </a:r>
-            <a:r>
-              <a:rPr lang="pt-BR" sz="2400" dirty="0">
-                <a:solidFill>
-                  <a:schemeClr val="tx1"/>
-                </a:solidFill>
-                <a:latin typeface="Times New Roman" panose="02020603050405020304" pitchFamily="18" charset="0"/>
-                <a:cs typeface="Times New Roman" panose="02020603050405020304" pitchFamily="18" charset="0"/>
-              </a:rPr>
-              <a:t>’).</a:t>
-            </a:r>
-            <a:r>
-              <a:rPr lang="pt-BR" sz="2400" dirty="0" err="1">
-                <a:solidFill>
-                  <a:schemeClr val="tx1"/>
-                </a:solidFill>
-                <a:latin typeface="Times New Roman" panose="02020603050405020304" pitchFamily="18" charset="0"/>
-                <a:cs typeface="Times New Roman" panose="02020603050405020304" pitchFamily="18" charset="0"/>
-              </a:rPr>
-              <a:t>innerHTML</a:t>
-            </a:r>
-            <a:r>
-              <a:rPr lang="pt-BR" sz="2400" b="1" dirty="0">
-                <a:solidFill>
-                  <a:schemeClr val="tx1"/>
-                </a:solidFill>
-                <a:latin typeface="Times New Roman" panose="02020603050405020304" pitchFamily="18" charset="0"/>
-                <a:cs typeface="Times New Roman" panose="02020603050405020304" pitchFamily="18" charset="0"/>
-              </a:rPr>
-              <a:t> = num;</a:t>
+              <a:t> = num</a:t>
             </a:r>
             <a:endParaRPr lang="pt-BR" sz="2400" dirty="0">
               <a:solidFill>
@@ -16313,7 +16338,7 @@
                 <a:latin typeface="Times New Roman" panose="02020603050405020304" pitchFamily="18" charset="0"/>
                 <a:cs typeface="Times New Roman" panose="02020603050405020304" pitchFamily="18" charset="0"/>
               </a:rPr>
-              <a:t>{ano:2001, marca:”</a:t>
+              <a:t>{ano:2001, marca:"</a:t>
             </a:r>
             <a:r>
               <a:rPr lang="pt-BR" sz="2400" dirty="0" err="1">
@@ -16333,7 +16358,7 @@
                 <a:latin typeface="Times New Roman" panose="02020603050405020304" pitchFamily="18" charset="0"/>
                 <a:cs typeface="Times New Roman" panose="02020603050405020304" pitchFamily="18" charset="0"/>
               </a:rPr>
-              <a:t>”, </a:t>
+              <a:t>", </a:t>
             </a:r>
           </a:p>
           <a:p>
@@ -16358,17 +16383,17 @@
                 <a:latin typeface="Times New Roman" panose="02020603050405020304" pitchFamily="18" charset="0"/>
                 <a:cs typeface="Times New Roman" panose="02020603050405020304" pitchFamily="18" charset="0"/>
               </a:rPr>
-              <a:t>modelo:”gol</a:t>
-            </a:r>
-            <a:r>
-              <a:rPr lang="pt-BR" sz="2400" dirty="0">
-                <a:solidFill>
-                  <a:schemeClr val="tx1"/>
-                </a:solidFill>
-                <a:latin typeface="Times New Roman" panose="02020603050405020304" pitchFamily="18" charset="0"/>
-                <a:cs typeface="Times New Roman" panose="02020603050405020304" pitchFamily="18" charset="0"/>
-              </a:rPr>
-              <a:t>”, </a:t>
+              <a:t>modelo:"gol</a:t>
+            </a:r>
+            <a:r>
+              <a:rPr lang="pt-BR" sz="2400" dirty="0">
+                <a:solidFill>
+                  <a:schemeClr val="tx1"/>
+                </a:solidFill>
+                <a:latin typeface="Times New Roman" panose="02020603050405020304" pitchFamily="18" charset="0"/>
+                <a:cs typeface="Times New Roman" panose="02020603050405020304" pitchFamily="18" charset="0"/>
+              </a:rPr>
+              <a:t>", </a:t>
             </a:r>
             <a:r>
               <a:rPr lang="pt-BR" sz="2400" b="1" dirty="0">
@@ -16428,7 +16453,7 @@
                 <a:latin typeface="Times New Roman" panose="02020603050405020304" pitchFamily="18" charset="0"/>
                 <a:cs typeface="Times New Roman" panose="02020603050405020304" pitchFamily="18" charset="0"/>
               </a:rPr>
-              <a:t>(‘Bibi’)},</a:t>
+              <a:t>('Bibi')},</a:t>
             </a:r>
           </a:p>
           <a:p>
@@ -16503,7 +16528,7 @@
                 <a:latin typeface="Times New Roman" panose="02020603050405020304" pitchFamily="18" charset="0"/>
                 <a:cs typeface="Times New Roman" panose="02020603050405020304" pitchFamily="18" charset="0"/>
               </a:rPr>
-              <a:t> “Marca:” + </a:t>
+              <a:t> "Marca:" + </a:t>
             </a:r>
             <a:r>
               <a:rPr lang="pt-BR" sz="2400" b="1" dirty="0" err="1">
@@ -16548,7 +16573,7 @@
                 <a:latin typeface="Times New Roman" panose="02020603050405020304" pitchFamily="18" charset="0"/>
                 <a:cs typeface="Times New Roman" panose="02020603050405020304" pitchFamily="18" charset="0"/>
               </a:rPr>
-              <a:t>										      “ - Modelo” + </a:t>
+              <a:t>										      " - Modelo" + </a:t>
             </a:r>
             <a:r>
               <a:rPr lang="pt-BR" sz="2400" b="1" dirty="0" err="1">
@@ -16776,7 +16801,7 @@
                 <a:latin typeface="Times New Roman" panose="02020603050405020304" pitchFamily="18" charset="0"/>
                 <a:cs typeface="Times New Roman" panose="02020603050405020304" pitchFamily="18" charset="0"/>
               </a:rPr>
-              <a:t>{ano:2001, marca:”</a:t>
+              <a:t>{ano:2001, marca:"</a:t>
             </a:r>
             <a:r>
               <a:rPr lang="pt-BR" sz="2400" dirty="0" err="1">
@@ -16796,7 +16821,7 @@
                 <a:latin typeface="Times New Roman" panose="02020603050405020304" pitchFamily="18" charset="0"/>
                 <a:cs typeface="Times New Roman" panose="02020603050405020304" pitchFamily="18" charset="0"/>
               </a:rPr>
-              <a:t>”, </a:t>
+              <a:t>", </a:t>
             </a:r>
           </a:p>
           <a:p>
@@ -16821,17 +16846,17 @@
                 <a:latin typeface="Times New Roman" panose="02020603050405020304" pitchFamily="18" charset="0"/>
                 <a:cs typeface="Times New Roman" panose="02020603050405020304" pitchFamily="18" charset="0"/>
               </a:rPr>
-              <a:t>modelo:”gol</a:t>
-            </a:r>
-            <a:r>
-              <a:rPr lang="pt-BR" sz="2400" dirty="0">
-                <a:solidFill>
-                  <a:schemeClr val="tx1"/>
-                </a:solidFill>
-                <a:latin typeface="Times New Roman" panose="02020603050405020304" pitchFamily="18" charset="0"/>
-                <a:cs typeface="Times New Roman" panose="02020603050405020304" pitchFamily="18" charset="0"/>
-              </a:rPr>
-              <a:t>”, </a:t>
+              <a:t>modelo:"gol</a:t>
+            </a:r>
+            <a:r>
+              <a:rPr lang="pt-BR" sz="2400" dirty="0">
+                <a:solidFill>
+                  <a:schemeClr val="tx1"/>
+                </a:solidFill>
+                <a:latin typeface="Times New Roman" panose="02020603050405020304" pitchFamily="18" charset="0"/>
+                <a:cs typeface="Times New Roman" panose="02020603050405020304" pitchFamily="18" charset="0"/>
+              </a:rPr>
+              <a:t>", </a:t>
             </a:r>
             <a:r>
               <a:rPr lang="pt-BR" sz="2400" b="1" dirty="0">
@@ -16891,7 +16916,7 @@
                 <a:latin typeface="Times New Roman" panose="02020603050405020304" pitchFamily="18" charset="0"/>
                 <a:cs typeface="Times New Roman" panose="02020603050405020304" pitchFamily="18" charset="0"/>
               </a:rPr>
-              <a:t>(‘Bibi’)},</a:t>
+              <a:t>('Bibi')},</a:t>
             </a:r>
           </a:p>
           <a:p>
@@ -16966,7 +16991,7 @@
                 <a:latin typeface="Times New Roman" panose="02020603050405020304" pitchFamily="18" charset="0"/>
                 <a:cs typeface="Times New Roman" panose="02020603050405020304" pitchFamily="18" charset="0"/>
               </a:rPr>
-              <a:t> “Marca:” + </a:t>
+              <a:t> "Marca:" + </a:t>
             </a:r>
             <a:r>
               <a:rPr lang="pt-BR" sz="2400" dirty="0" err="1">
@@ -17001,7 +17026,7 @@
                 <a:latin typeface="Times New Roman" panose="02020603050405020304" pitchFamily="18" charset="0"/>
                 <a:cs typeface="Times New Roman" panose="02020603050405020304" pitchFamily="18" charset="0"/>
               </a:rPr>
-              <a:t>											  “Modelo” + </a:t>
+              <a:t>											  "Modelo" + </a:t>
             </a:r>
             <a:r>
               <a:rPr lang="pt-BR" sz="2400" dirty="0" err="1">
@@ -17718,7 +17743,7 @@
                 <a:latin typeface="Times New Roman" panose="02020603050405020304" pitchFamily="18" charset="0"/>
                 <a:cs typeface="Times New Roman" panose="02020603050405020304" pitchFamily="18" charset="0"/>
               </a:rPr>
-              <a:t> lista = [‘maria’, ‘</a:t>
+              <a:t> lista = ['maria', '</a:t>
             </a:r>
             <a:r>
               <a:rPr lang="pt-BR" sz="2400" dirty="0" err="1">
@@ -17738,7 +17763,7 @@
                 <a:latin typeface="Times New Roman" panose="02020603050405020304" pitchFamily="18" charset="0"/>
                 <a:cs typeface="Times New Roman" panose="02020603050405020304" pitchFamily="18" charset="0"/>
               </a:rPr>
-              <a:t>’, ‘</a:t>
+              <a:t>', '</a:t>
             </a:r>
             <a:r>
               <a:rPr lang="pt-BR" sz="2400" dirty="0" err="1">
@@ -17758,7 +17783,7 @@
                 <a:latin typeface="Times New Roman" panose="02020603050405020304" pitchFamily="18" charset="0"/>
                 <a:cs typeface="Times New Roman" panose="02020603050405020304" pitchFamily="18" charset="0"/>
               </a:rPr>
-              <a:t>’, 78, 67.89];</a:t>
+              <a:t>', 78, 67.89];</a:t>
             </a:r>
           </a:p>
           <a:p>
@@ -17843,7 +17868,7 @@
                 <a:latin typeface="Times New Roman" panose="02020603050405020304" pitchFamily="18" charset="0"/>
                 <a:cs typeface="Times New Roman" panose="02020603050405020304" pitchFamily="18" charset="0"/>
               </a:rPr>
-              <a:t>(‘maria’, ‘</a:t>
+              <a:t>('maria', '</a:t>
             </a:r>
             <a:r>
               <a:rPr lang="pt-BR" sz="2400" dirty="0" err="1">
@@ -17863,7 +17888,7 @@
                 <a:latin typeface="Times New Roman" panose="02020603050405020304" pitchFamily="18" charset="0"/>
                 <a:cs typeface="Times New Roman" panose="02020603050405020304" pitchFamily="18" charset="0"/>
               </a:rPr>
-              <a:t>’, ‘</a:t>
+              <a:t>', '</a:t>
             </a:r>
             <a:r>
               <a:rPr lang="pt-BR" sz="2400" dirty="0" err="1">
@@ -17883,7 +17908,7 @@
                 <a:latin typeface="Times New Roman" panose="02020603050405020304" pitchFamily="18" charset="0"/>
                 <a:cs typeface="Times New Roman" panose="02020603050405020304" pitchFamily="18" charset="0"/>
               </a:rPr>
-              <a:t>’, 78, 67.89);</a:t>
+              <a:t>', 78, 67.89);</a:t>
             </a:r>
           </a:p>
         </p:txBody>
@@ -18031,7 +18056,7 @@
                 <a:latin typeface="Times New Roman" panose="02020603050405020304" pitchFamily="18" charset="0"/>
                 <a:cs typeface="Times New Roman" panose="02020603050405020304" pitchFamily="18" charset="0"/>
               </a:rPr>
-              <a:t> lista = [‘maria’, ‘</a:t>
+              <a:t> lista = ['maria', '</a:t>
             </a:r>
             <a:r>
               <a:rPr lang="pt-BR" sz="2400" dirty="0" err="1">
@@ -18051,7 +18076,7 @@
                 <a:latin typeface="Times New Roman" panose="02020603050405020304" pitchFamily="18" charset="0"/>
                 <a:cs typeface="Times New Roman" panose="02020603050405020304" pitchFamily="18" charset="0"/>
               </a:rPr>
-              <a:t>’, ‘</a:t>
+              <a:t>', '</a:t>
             </a:r>
             <a:r>
               <a:rPr lang="pt-BR" sz="2400" dirty="0" err="1">
@@ -18071,7 +18096,7 @@
                 <a:latin typeface="Times New Roman" panose="02020603050405020304" pitchFamily="18" charset="0"/>
                 <a:cs typeface="Times New Roman" panose="02020603050405020304" pitchFamily="18" charset="0"/>
               </a:rPr>
-              <a:t>’, 78, 67.89];</a:t>
+              <a:t>', 78, 67.89];</a:t>
             </a:r>
           </a:p>
           <a:p>
@@ -18118,7 +18143,7 @@
                 <a:latin typeface="Times New Roman" panose="02020603050405020304" pitchFamily="18" charset="0"/>
                 <a:cs typeface="Times New Roman" panose="02020603050405020304" pitchFamily="18" charset="0"/>
               </a:rPr>
-              <a:t>(“</a:t>
+              <a:t>("</a:t>
             </a:r>
             <a:r>
               <a:rPr lang="pt-BR" sz="2400" dirty="0" err="1">
@@ -18138,7 +18163,7 @@
                 <a:latin typeface="Times New Roman" panose="02020603050405020304" pitchFamily="18" charset="0"/>
                 <a:cs typeface="Times New Roman" panose="02020603050405020304" pitchFamily="18" charset="0"/>
               </a:rPr>
-              <a:t>”).</a:t>
+              <a:t>").</a:t>
             </a:r>
             <a:r>
               <a:rPr lang="pt-BR" sz="2400" dirty="0" err="1">
@@ -18193,7 +18218,7 @@
                 <a:latin typeface="Times New Roman" panose="02020603050405020304" pitchFamily="18" charset="0"/>
                 <a:cs typeface="Times New Roman" panose="02020603050405020304" pitchFamily="18" charset="0"/>
               </a:rPr>
-              <a:t>(“</a:t>
+              <a:t>("</a:t>
             </a:r>
             <a:r>
               <a:rPr lang="pt-BR" sz="2400" dirty="0" err="1">
@@ -18213,7 +18238,7 @@
                 <a:latin typeface="Times New Roman" panose="02020603050405020304" pitchFamily="18" charset="0"/>
                 <a:cs typeface="Times New Roman" panose="02020603050405020304" pitchFamily="18" charset="0"/>
               </a:rPr>
-              <a:t>”).</a:t>
+              <a:t>").</a:t>
             </a:r>
             <a:r>
               <a:rPr lang="pt-BR" sz="2400" dirty="0" err="1">
@@ -18263,7 +18288,7 @@
                 <a:latin typeface="Times New Roman" panose="02020603050405020304" pitchFamily="18" charset="0"/>
                 <a:cs typeface="Times New Roman" panose="02020603050405020304" pitchFamily="18" charset="0"/>
               </a:rPr>
-              <a:t>(‘ – ‘);</a:t>
+              <a:t>(' – ');</a:t>
             </a:r>
           </a:p>
           <a:p>
@@ -18650,7 +18675,7 @@
                 <a:latin typeface="Times New Roman" panose="02020603050405020304" pitchFamily="18" charset="0"/>
                 <a:cs typeface="Times New Roman" panose="02020603050405020304" pitchFamily="18" charset="0"/>
               </a:rPr>
-              <a:t> lista = [‘maria’, ‘</a:t>
+              <a:t> lista = ['maria', '</a:t>
             </a:r>
             <a:r>
               <a:rPr lang="pt-BR" sz="2400" dirty="0" err="1">
@@ -18670,7 +18695,7 @@
                 <a:latin typeface="Times New Roman" panose="02020603050405020304" pitchFamily="18" charset="0"/>
                 <a:cs typeface="Times New Roman" panose="02020603050405020304" pitchFamily="18" charset="0"/>
               </a:rPr>
-              <a:t>’, ‘</a:t>
+              <a:t>', '</a:t>
             </a:r>
             <a:r>
               <a:rPr lang="pt-BR" sz="2400" dirty="0" err="1">
@@ -18690,7 +18715,7 @@
                 <a:latin typeface="Times New Roman" panose="02020603050405020304" pitchFamily="18" charset="0"/>
                 <a:cs typeface="Times New Roman" panose="02020603050405020304" pitchFamily="18" charset="0"/>
               </a:rPr>
-              <a:t>’, 78, 67.89];</a:t>
+              <a:t>', 78, 67.89];</a:t>
             </a:r>
           </a:p>
           <a:p>
@@ -18737,7 +18762,7 @@
                 <a:latin typeface="Times New Roman" panose="02020603050405020304" pitchFamily="18" charset="0"/>
                 <a:cs typeface="Times New Roman" panose="02020603050405020304" pitchFamily="18" charset="0"/>
               </a:rPr>
-              <a:t>(“Meire”);  // insere na </a:t>
+              <a:t>("Meire");  // insere na </a:t>
             </a:r>
             <a:r>
               <a:rPr lang="pt-BR" sz="2400" b="1" dirty="0">
@@ -18804,7 +18829,7 @@
                 <a:latin typeface="Times New Roman" panose="02020603050405020304" pitchFamily="18" charset="0"/>
                 <a:cs typeface="Times New Roman" panose="02020603050405020304" pitchFamily="18" charset="0"/>
               </a:rPr>
-              <a:t>(“</a:t>
+              <a:t>("</a:t>
             </a:r>
             <a:r>
               <a:rPr lang="pt-BR" sz="2400" dirty="0" err="1">
@@ -18824,7 +18849,7 @@
                 <a:latin typeface="Times New Roman" panose="02020603050405020304" pitchFamily="18" charset="0"/>
                 <a:cs typeface="Times New Roman" panose="02020603050405020304" pitchFamily="18" charset="0"/>
               </a:rPr>
-              <a:t>”); // insere elemento </a:t>
+              <a:t>"); // insere elemento </a:t>
             </a:r>
             <a:r>
               <a:rPr lang="pt-BR" sz="2400" b="1" dirty="0">

--- a/01 Classes/Aula 09 Desenvolvimento Web PHP - JS.pptx
+++ b/01 Classes/Aula 09 Desenvolvimento Web PHP - JS.pptx
@@ -9006,8 +9006,25 @@
                 <a:latin typeface="Times New Roman" panose="02020603050405020304" pitchFamily="18" charset="0"/>
                 <a:cs typeface="Times New Roman" panose="02020603050405020304" pitchFamily="18" charset="0"/>
               </a:rPr>
-              <a:t> idade = 16, eleitor;</a:t>
-            </a:r>
+              <a:t> idade </a:t>
+            </a:r>
+            <a:r>
+              <a:rPr lang="pt-BR" sz="2400">
+                <a:solidFill>
+                  <a:schemeClr val="tx1"/>
+                </a:solidFill>
+                <a:latin typeface="Times New Roman" panose="02020603050405020304" pitchFamily="18" charset="0"/>
+                <a:cs typeface="Times New Roman" panose="02020603050405020304" pitchFamily="18" charset="0"/>
+              </a:rPr>
+              <a:t>= 16;</a:t>
+            </a:r>
+            <a:endParaRPr lang="pt-BR" sz="2400" dirty="0">
+              <a:solidFill>
+                <a:schemeClr val="tx1"/>
+              </a:solidFill>
+              <a:latin typeface="Times New Roman" panose="02020603050405020304" pitchFamily="18" charset="0"/>
+              <a:cs typeface="Times New Roman" panose="02020603050405020304" pitchFamily="18" charset="0"/>
+            </a:endParaRPr>
           </a:p>
           <a:p>
             <a:pPr marL="0" indent="0" algn="just">
@@ -16781,7 +16798,7 @@
                 <a:latin typeface="Times New Roman" panose="02020603050405020304" pitchFamily="18" charset="0"/>
                 <a:cs typeface="Times New Roman" panose="02020603050405020304" pitchFamily="18" charset="0"/>
               </a:rPr>
-              <a:t> = </a:t>
+              <a:t> </a:t>
             </a:r>
             <a:r>
               <a:rPr lang="pt-BR" sz="2400" b="1" dirty="0">
@@ -16791,17 +16808,17 @@
                 <a:latin typeface="Times New Roman" panose="02020603050405020304" pitchFamily="18" charset="0"/>
                 <a:cs typeface="Times New Roman" panose="02020603050405020304" pitchFamily="18" charset="0"/>
               </a:rPr>
-              <a:t>carro</a:t>
-            </a:r>
-            <a:r>
-              <a:rPr lang="pt-BR" sz="2400" dirty="0">
-                <a:solidFill>
-                  <a:schemeClr val="tx1"/>
-                </a:solidFill>
-                <a:latin typeface="Times New Roman" panose="02020603050405020304" pitchFamily="18" charset="0"/>
-                <a:cs typeface="Times New Roman" panose="02020603050405020304" pitchFamily="18" charset="0"/>
-              </a:rPr>
-              <a:t>{ano:2001, marca:"</a:t>
+              <a:t>carro = </a:t>
+            </a:r>
+            <a:r>
+              <a:rPr lang="pt-BR" sz="2400" dirty="0">
+                <a:solidFill>
+                  <a:schemeClr val="tx1"/>
+                </a:solidFill>
+                <a:latin typeface="Times New Roman" panose="02020603050405020304" pitchFamily="18" charset="0"/>
+                <a:cs typeface="Times New Roman" panose="02020603050405020304" pitchFamily="18" charset="0"/>
+              </a:rPr>
+              <a:t>{ ano:2001, marca:"</a:t>
             </a:r>
             <a:r>
               <a:rPr lang="pt-BR" sz="2400" dirty="0" err="1">
@@ -17096,7 +17113,27 @@
                 <a:latin typeface="Times New Roman" panose="02020603050405020304" pitchFamily="18" charset="0"/>
                 <a:cs typeface="Times New Roman" panose="02020603050405020304" pitchFamily="18" charset="0"/>
               </a:rPr>
-              <a:t>(carro); </a:t>
+              <a:t>(</a:t>
+            </a:r>
+            <a:r>
+              <a:rPr lang="pt-BR" sz="2400" dirty="0" err="1">
+                <a:solidFill>
+                  <a:schemeClr val="tx1"/>
+                </a:solidFill>
+                <a:latin typeface="Times New Roman" panose="02020603050405020304" pitchFamily="18" charset="0"/>
+                <a:cs typeface="Times New Roman" panose="02020603050405020304" pitchFamily="18" charset="0"/>
+              </a:rPr>
+              <a:t>carro.ano</a:t>
+            </a:r>
+            <a:r>
+              <a:rPr lang="pt-BR" sz="2400" dirty="0">
+                <a:solidFill>
+                  <a:schemeClr val="tx1"/>
+                </a:solidFill>
+                <a:latin typeface="Times New Roman" panose="02020603050405020304" pitchFamily="18" charset="0"/>
+                <a:cs typeface="Times New Roman" panose="02020603050405020304" pitchFamily="18" charset="0"/>
+              </a:rPr>
+              <a:t>); </a:t>
             </a:r>
           </a:p>
           <a:p>

--- a/01 Classes/Aula 09 Desenvolvimento Web PHP - JS.pptx
+++ b/01 Classes/Aula 09 Desenvolvimento Web PHP - JS.pptx
@@ -14816,7 +14816,7 @@
             <a:r>
               <a:rPr lang="pt-BR" sz="2400" b="1" dirty="0">
                 <a:solidFill>
-                  <a:schemeClr val="tx1"/>
+                  <a:srgbClr val="FF0000"/>
                 </a:solidFill>
                 <a:latin typeface="Times New Roman" panose="02020603050405020304" pitchFamily="18" charset="0"/>
                 <a:cs typeface="Times New Roman" panose="02020603050405020304" pitchFamily="18" charset="0"/>
@@ -14836,7 +14836,7 @@
             <a:r>
               <a:rPr lang="pt-BR" sz="2400" b="1" dirty="0">
                 <a:solidFill>
-                  <a:srgbClr val="FF0000"/>
+                  <a:schemeClr val="tx1"/>
                 </a:solidFill>
                 <a:latin typeface="Times New Roman" panose="02020603050405020304" pitchFamily="18" charset="0"/>
                 <a:cs typeface="Times New Roman" panose="02020603050405020304" pitchFamily="18" charset="0"/>
@@ -14923,15 +14923,18 @@
                 <a:latin typeface="Times New Roman" panose="02020603050405020304" pitchFamily="18" charset="0"/>
                 <a:cs typeface="Times New Roman" panose="02020603050405020304" pitchFamily="18" charset="0"/>
               </a:rPr>
-              <a:t>num = 18</a:t>
-            </a:r>
-            <a:endParaRPr lang="pt-BR" sz="2400" b="1" dirty="0">
-              <a:solidFill>
-                <a:schemeClr val="tx1"/>
-              </a:solidFill>
-              <a:latin typeface="Times New Roman" panose="02020603050405020304" pitchFamily="18" charset="0"/>
-              <a:cs typeface="Times New Roman" panose="02020603050405020304" pitchFamily="18" charset="0"/>
-            </a:endParaRPr>
+              <a:t>num = 18 // </a:t>
+            </a:r>
+            <a:r>
+              <a:rPr lang="pt-BR" sz="2400" b="1" dirty="0">
+                <a:solidFill>
+                  <a:srgbClr val="FF0000"/>
+                </a:solidFill>
+                <a:latin typeface="Times New Roman" panose="02020603050405020304" pitchFamily="18" charset="0"/>
+                <a:cs typeface="Times New Roman" panose="02020603050405020304" pitchFamily="18" charset="0"/>
+              </a:rPr>
+              <a:t>escopo Local</a:t>
+            </a:r>
           </a:p>
           <a:p>
             <a:pPr marL="0" indent="0" algn="just">
@@ -16021,7 +16024,47 @@
                 <a:latin typeface="Times New Roman" panose="02020603050405020304" pitchFamily="18" charset="0"/>
                 <a:cs typeface="Times New Roman" panose="02020603050405020304" pitchFamily="18" charset="0"/>
               </a:rPr>
-              <a:t>num = 18</a:t>
+              <a:t>num = 18 // </a:t>
+            </a:r>
+            <a:r>
+              <a:rPr lang="pt-BR" sz="2400" b="1" dirty="0">
+                <a:solidFill>
+                  <a:srgbClr val="FF0000"/>
+                </a:solidFill>
+                <a:latin typeface="Times New Roman" panose="02020603050405020304" pitchFamily="18" charset="0"/>
+                <a:cs typeface="Times New Roman" panose="02020603050405020304" pitchFamily="18" charset="0"/>
+              </a:rPr>
+              <a:t>escopo Global</a:t>
+            </a:r>
+          </a:p>
+          <a:p>
+            <a:pPr marL="0" indent="0" algn="just">
+              <a:buNone/>
+            </a:pPr>
+            <a:r>
+              <a:rPr lang="pt-BR" sz="2400" b="1" dirty="0">
+                <a:solidFill>
+                  <a:schemeClr val="tx1"/>
+                </a:solidFill>
+                <a:latin typeface="Times New Roman" panose="02020603050405020304" pitchFamily="18" charset="0"/>
+                <a:cs typeface="Times New Roman" panose="02020603050405020304" pitchFamily="18" charset="0"/>
+              </a:rPr>
+              <a:t>	}</a:t>
+            </a:r>
+          </a:p>
+          <a:p>
+            <a:pPr marL="0" indent="0" algn="just">
+              <a:buNone/>
+            </a:pPr>
+            <a:r>
+              <a:rPr lang="pt-BR" sz="2400" b="1">
+                <a:solidFill>
+                  <a:schemeClr val="tx1"/>
+                </a:solidFill>
+                <a:latin typeface="Times New Roman" panose="02020603050405020304" pitchFamily="18" charset="0"/>
+                <a:cs typeface="Times New Roman" panose="02020603050405020304" pitchFamily="18" charset="0"/>
+              </a:rPr>
+              <a:t>	</a:t>
             </a:r>
             <a:endParaRPr lang="pt-BR" sz="2400" b="1" dirty="0">
               <a:solidFill>
@@ -16030,21 +16073,6 @@
               <a:latin typeface="Times New Roman" panose="02020603050405020304" pitchFamily="18" charset="0"/>
               <a:cs typeface="Times New Roman" panose="02020603050405020304" pitchFamily="18" charset="0"/>
             </a:endParaRPr>
-          </a:p>
-          <a:p>
-            <a:pPr marL="0" indent="0" algn="just">
-              <a:buNone/>
-            </a:pPr>
-            <a:r>
-              <a:rPr lang="pt-BR" sz="2400" b="1" dirty="0">
-                <a:solidFill>
-                  <a:schemeClr val="tx1"/>
-                </a:solidFill>
-                <a:latin typeface="Times New Roman" panose="02020603050405020304" pitchFamily="18" charset="0"/>
-                <a:cs typeface="Times New Roman" panose="02020603050405020304" pitchFamily="18" charset="0"/>
-              </a:rPr>
-              <a:t>	}</a:t>
-            </a:r>
           </a:p>
           <a:p>
             <a:pPr marL="0" indent="0" algn="just">
